--- a/vimmer.pptx
+++ b/vimmer.pptx
@@ -10,17 +10,19 @@
     <p:sldId id="307" r:id="rId4"/>
     <p:sldId id="308" r:id="rId5"/>
     <p:sldId id="309" r:id="rId6"/>
-    <p:sldId id="299" r:id="rId7"/>
-    <p:sldId id="310" r:id="rId8"/>
-    <p:sldId id="300" r:id="rId9"/>
-    <p:sldId id="302" r:id="rId10"/>
-    <p:sldId id="301" r:id="rId11"/>
-    <p:sldId id="303" r:id="rId12"/>
-    <p:sldId id="304" r:id="rId13"/>
-    <p:sldId id="305" r:id="rId14"/>
-    <p:sldId id="269" r:id="rId15"/>
-    <p:sldId id="306" r:id="rId16"/>
-    <p:sldId id="276" r:id="rId17"/>
+    <p:sldId id="310" r:id="rId7"/>
+    <p:sldId id="299" r:id="rId8"/>
+    <p:sldId id="312" r:id="rId9"/>
+    <p:sldId id="311" r:id="rId10"/>
+    <p:sldId id="300" r:id="rId11"/>
+    <p:sldId id="302" r:id="rId12"/>
+    <p:sldId id="301" r:id="rId13"/>
+    <p:sldId id="303" r:id="rId14"/>
+    <p:sldId id="304" r:id="rId15"/>
+    <p:sldId id="305" r:id="rId16"/>
+    <p:sldId id="269" r:id="rId17"/>
+    <p:sldId id="306" r:id="rId18"/>
+    <p:sldId id="276" r:id="rId19"/>
   </p:sldIdLst>
   <p:sldSz cx="9144000" cy="6858000" type="screen4x3"/>
   <p:notesSz cx="6858000" cy="9144000"/>
@@ -256,7 +258,7 @@
           <a:p>
             <a:fld id="{39378AC4-C49C-4159-B332-7738B007311C}" type="datetimeFigureOut">
               <a:rPr kumimoji="1" lang="ja-JP" altLang="en-US" smtClean="0"/>
-              <a:t>2015/8/28</a:t>
+              <a:t>2015/9/1</a:t>
             </a:fld>
             <a:endParaRPr kumimoji="1" lang="ja-JP" altLang="en-US"/>
           </a:p>
@@ -601,7 +603,7 @@
           <a:p>
             <a:fld id="{39378AC4-C49C-4159-B332-7738B007311C}" type="datetimeFigureOut">
               <a:rPr kumimoji="1" lang="ja-JP" altLang="en-US" smtClean="0"/>
-              <a:t>2015/8/28</a:t>
+              <a:t>2015/9/1</a:t>
             </a:fld>
             <a:endParaRPr kumimoji="1" lang="ja-JP" altLang="en-US"/>
           </a:p>
@@ -818,7 +820,7 @@
           <a:p>
             <a:fld id="{39378AC4-C49C-4159-B332-7738B007311C}" type="datetimeFigureOut">
               <a:rPr kumimoji="1" lang="ja-JP" altLang="en-US" smtClean="0"/>
-              <a:t>2015/8/28</a:t>
+              <a:t>2015/9/1</a:t>
             </a:fld>
             <a:endParaRPr kumimoji="1" lang="ja-JP" altLang="en-US"/>
           </a:p>
@@ -1025,7 +1027,7 @@
           <a:p>
             <a:fld id="{39378AC4-C49C-4159-B332-7738B007311C}" type="datetimeFigureOut">
               <a:rPr kumimoji="1" lang="ja-JP" altLang="en-US" smtClean="0"/>
-              <a:t>2015/8/28</a:t>
+              <a:t>2015/9/1</a:t>
             </a:fld>
             <a:endParaRPr kumimoji="1" lang="ja-JP" altLang="en-US"/>
           </a:p>
@@ -1293,7 +1295,7 @@
           <a:p>
             <a:fld id="{39378AC4-C49C-4159-B332-7738B007311C}" type="datetimeFigureOut">
               <a:rPr kumimoji="1" lang="ja-JP" altLang="en-US" smtClean="0"/>
-              <a:t>2015/8/28</a:t>
+              <a:t>2015/9/1</a:t>
             </a:fld>
             <a:endParaRPr kumimoji="1" lang="ja-JP" altLang="en-US"/>
           </a:p>
@@ -1825,7 +1827,7 @@
           <a:p>
             <a:fld id="{39378AC4-C49C-4159-B332-7738B007311C}" type="datetimeFigureOut">
               <a:rPr kumimoji="1" lang="ja-JP" altLang="en-US" smtClean="0"/>
-              <a:t>2015/8/28</a:t>
+              <a:t>2015/9/1</a:t>
             </a:fld>
             <a:endParaRPr kumimoji="1" lang="ja-JP" altLang="en-US"/>
           </a:p>
@@ -2378,7 +2380,7 @@
           <a:p>
             <a:fld id="{39378AC4-C49C-4159-B332-7738B007311C}" type="datetimeFigureOut">
               <a:rPr kumimoji="1" lang="ja-JP" altLang="en-US" smtClean="0"/>
-              <a:t>2015/8/28</a:t>
+              <a:t>2015/9/1</a:t>
             </a:fld>
             <a:endParaRPr kumimoji="1" lang="ja-JP" altLang="en-US"/>
           </a:p>
@@ -2504,7 +2506,7 @@
           <a:p>
             <a:fld id="{39378AC4-C49C-4159-B332-7738B007311C}" type="datetimeFigureOut">
               <a:rPr kumimoji="1" lang="ja-JP" altLang="en-US" smtClean="0"/>
-              <a:t>2015/8/28</a:t>
+              <a:t>2015/9/1</a:t>
             </a:fld>
             <a:endParaRPr kumimoji="1" lang="ja-JP" altLang="en-US"/>
           </a:p>
@@ -2648,7 +2650,7 @@
           <a:p>
             <a:fld id="{39378AC4-C49C-4159-B332-7738B007311C}" type="datetimeFigureOut">
               <a:rPr kumimoji="1" lang="ja-JP" altLang="en-US" smtClean="0"/>
-              <a:t>2015/8/28</a:t>
+              <a:t>2015/9/1</a:t>
             </a:fld>
             <a:endParaRPr kumimoji="1" lang="ja-JP" altLang="en-US"/>
           </a:p>
@@ -3002,7 +3004,7 @@
           <a:p>
             <a:fld id="{39378AC4-C49C-4159-B332-7738B007311C}" type="datetimeFigureOut">
               <a:rPr kumimoji="1" lang="ja-JP" altLang="en-US" smtClean="0"/>
-              <a:t>2015/8/28</a:t>
+              <a:t>2015/9/1</a:t>
             </a:fld>
             <a:endParaRPr kumimoji="1" lang="ja-JP" altLang="en-US"/>
           </a:p>
@@ -3136,7 +3138,7 @@
           <a:p>
             <a:fld id="{39378AC4-C49C-4159-B332-7738B007311C}" type="datetimeFigureOut">
               <a:rPr kumimoji="1" lang="ja-JP" altLang="en-US" smtClean="0"/>
-              <a:t>2015/8/28</a:t>
+              <a:t>2015/9/1</a:t>
             </a:fld>
             <a:endParaRPr kumimoji="1" lang="ja-JP" altLang="en-US"/>
           </a:p>
@@ -3949,7 +3951,7 @@
           <a:p>
             <a:fld id="{39378AC4-C49C-4159-B332-7738B007311C}" type="datetimeFigureOut">
               <a:rPr kumimoji="1" lang="ja-JP" altLang="en-US" smtClean="0"/>
-              <a:t>2015/8/28</a:t>
+              <a:t>2015/9/1</a:t>
             </a:fld>
             <a:endParaRPr kumimoji="1" lang="ja-JP" altLang="en-US"/>
           </a:p>
@@ -4519,11 +4521,6 @@
               </a:rPr>
               <a:t>2015/</a:t>
             </a:r>
-            <a:endParaRPr kumimoji="1" lang="en-US" altLang="ja-JP" dirty="0" smtClean="0">
-              <a:latin typeface="メイリオ" panose="020B0604030504040204" pitchFamily="50" charset="-128"/>
-              <a:ea typeface="メイリオ" panose="020B0604030504040204" pitchFamily="50" charset="-128"/>
-              <a:cs typeface="メイリオ" panose="020B0604030504040204" pitchFamily="50" charset="-128"/>
-            </a:endParaRPr>
           </a:p>
           <a:p>
             <a:r>
@@ -4532,15 +4529,7 @@
                 <a:ea typeface="メイリオ" panose="020B0604030504040204" pitchFamily="50" charset="-128"/>
                 <a:cs typeface="メイリオ" panose="020B0604030504040204" pitchFamily="50" charset="-128"/>
               </a:rPr>
-              <a:t>知創１ソリ）</a:t>
-            </a:r>
-            <a:r>
-              <a:rPr kumimoji="1" lang="ja-JP" altLang="en-US" dirty="0" smtClean="0">
-                <a:latin typeface="メイリオ" panose="020B0604030504040204" pitchFamily="50" charset="-128"/>
-                <a:ea typeface="メイリオ" panose="020B0604030504040204" pitchFamily="50" charset="-128"/>
-                <a:cs typeface="メイリオ" panose="020B0604030504040204" pitchFamily="50" charset="-128"/>
-              </a:rPr>
-              <a:t>鈴木</a:t>
+              <a:t>知創１ソリ）鈴木</a:t>
             </a:r>
             <a:endParaRPr kumimoji="1" lang="ja-JP" altLang="en-US" dirty="0">
               <a:latin typeface="メイリオ" panose="020B0604030504040204" pitchFamily="50" charset="-128"/>
@@ -4571,3542 +4560,6 @@
 </file>
 
 <file path=ppt/slides/slide10.xml><?xml version="1.0" encoding="utf-8"?>
-<p:sld xmlns:a="http://schemas.openxmlformats.org/drawingml/2006/main" xmlns:r="http://schemas.openxmlformats.org/officeDocument/2006/relationships" xmlns:p="http://schemas.openxmlformats.org/presentationml/2006/main">
-  <p:cSld>
-    <p:spTree>
-      <p:nvGrpSpPr>
-        <p:cNvPr id="1" name=""/>
-        <p:cNvGrpSpPr/>
-        <p:nvPr/>
-      </p:nvGrpSpPr>
-      <p:grpSpPr>
-        <a:xfrm>
-          <a:off x="0" y="0"/>
-          <a:ext cx="0" cy="0"/>
-          <a:chOff x="0" y="0"/>
-          <a:chExt cx="0" cy="0"/>
-        </a:xfrm>
-      </p:grpSpPr>
-      <p:sp>
-        <p:nvSpPr>
-          <p:cNvPr id="2" name="タイトル 1"/>
-          <p:cNvSpPr>
-            <a:spLocks noGrp="1"/>
-          </p:cNvSpPr>
-          <p:nvPr>
-            <p:ph type="title"/>
-          </p:nvPr>
-        </p:nvSpPr>
-        <p:spPr/>
-        <p:txBody>
-          <a:bodyPr/>
-          <a:lstStyle/>
-          <a:p>
-            <a:r>
-              <a:rPr kumimoji="1" lang="en-US" altLang="ja-JP" dirty="0" smtClean="0">
-                <a:latin typeface="メイリオ" panose="020B0604030504040204" pitchFamily="50" charset="-128"/>
-                <a:ea typeface="メイリオ" panose="020B0604030504040204" pitchFamily="50" charset="-128"/>
-                <a:cs typeface="メイリオ" panose="020B0604030504040204" pitchFamily="50" charset="-128"/>
-              </a:rPr>
-              <a:t>Monaca</a:t>
-            </a:r>
-            <a:r>
-              <a:rPr kumimoji="1" lang="ja-JP" altLang="en-US" dirty="0" smtClean="0">
-                <a:latin typeface="メイリオ" panose="020B0604030504040204" pitchFamily="50" charset="-128"/>
-                <a:ea typeface="メイリオ" panose="020B0604030504040204" pitchFamily="50" charset="-128"/>
-                <a:cs typeface="メイリオ" panose="020B0604030504040204" pitchFamily="50" charset="-128"/>
-              </a:rPr>
-              <a:t>とは？</a:t>
-            </a:r>
-            <a:endParaRPr kumimoji="1" lang="ja-JP" altLang="en-US" dirty="0">
-              <a:latin typeface="メイリオ" panose="020B0604030504040204" pitchFamily="50" charset="-128"/>
-              <a:ea typeface="メイリオ" panose="020B0604030504040204" pitchFamily="50" charset="-128"/>
-              <a:cs typeface="メイリオ" panose="020B0604030504040204" pitchFamily="50" charset="-128"/>
-            </a:endParaRPr>
-          </a:p>
-        </p:txBody>
-      </p:sp>
-      <p:sp>
-        <p:nvSpPr>
-          <p:cNvPr id="3" name="コンテンツ プレースホルダー 2"/>
-          <p:cNvSpPr>
-            <a:spLocks noGrp="1"/>
-          </p:cNvSpPr>
-          <p:nvPr>
-            <p:ph idx="1"/>
-          </p:nvPr>
-        </p:nvSpPr>
-        <p:spPr>
-          <a:xfrm>
-            <a:off x="1115616" y="1124744"/>
-            <a:ext cx="7818072" cy="5544616"/>
-          </a:xfrm>
-        </p:spPr>
-        <p:txBody>
-          <a:bodyPr>
-            <a:normAutofit/>
-          </a:bodyPr>
-          <a:lstStyle/>
-          <a:p>
-            <a:pPr marL="82296" indent="0">
-              <a:buNone/>
-            </a:pPr>
-            <a:r>
-              <a:rPr lang="ja-JP" altLang="en-US" dirty="0" smtClean="0">
-                <a:latin typeface="メイリオ" panose="020B0604030504040204" pitchFamily="50" charset="-128"/>
-                <a:ea typeface="メイリオ" panose="020B0604030504040204" pitchFamily="50" charset="-128"/>
-                <a:cs typeface="メイリオ" panose="020B0604030504040204" pitchFamily="50" charset="-128"/>
-              </a:rPr>
-              <a:t>・</a:t>
-            </a:r>
-            <a:r>
-              <a:rPr lang="en-US" altLang="ja-JP" dirty="0" smtClean="0">
-                <a:latin typeface="メイリオ" panose="020B0604030504040204" pitchFamily="50" charset="-128"/>
-                <a:ea typeface="メイリオ" panose="020B0604030504040204" pitchFamily="50" charset="-128"/>
-                <a:cs typeface="メイリオ" panose="020B0604030504040204" pitchFamily="50" charset="-128"/>
-              </a:rPr>
-              <a:t>HTML5</a:t>
-            </a:r>
-            <a:r>
-              <a:rPr lang="ja-JP" altLang="en-US" dirty="0">
-                <a:latin typeface="メイリオ" panose="020B0604030504040204" pitchFamily="50" charset="-128"/>
-                <a:ea typeface="メイリオ" panose="020B0604030504040204" pitchFamily="50" charset="-128"/>
-                <a:cs typeface="メイリオ" panose="020B0604030504040204" pitchFamily="50" charset="-128"/>
-              </a:rPr>
-              <a:t>でモバイルアプリを開発</a:t>
-            </a:r>
-            <a:r>
-              <a:rPr lang="ja-JP" altLang="en-US" dirty="0" smtClean="0">
-                <a:latin typeface="メイリオ" panose="020B0604030504040204" pitchFamily="50" charset="-128"/>
-                <a:ea typeface="メイリオ" panose="020B0604030504040204" pitchFamily="50" charset="-128"/>
-                <a:cs typeface="メイリオ" panose="020B0604030504040204" pitchFamily="50" charset="-128"/>
-              </a:rPr>
-              <a:t>する</a:t>
-            </a:r>
-            <a:endParaRPr lang="en-US" altLang="ja-JP" dirty="0" smtClean="0">
-              <a:latin typeface="メイリオ" panose="020B0604030504040204" pitchFamily="50" charset="-128"/>
-              <a:ea typeface="メイリオ" panose="020B0604030504040204" pitchFamily="50" charset="-128"/>
-              <a:cs typeface="メイリオ" panose="020B0604030504040204" pitchFamily="50" charset="-128"/>
-            </a:endParaRPr>
-          </a:p>
-          <a:p>
-            <a:pPr marL="82296" indent="0">
-              <a:buNone/>
-            </a:pPr>
-            <a:r>
-              <a:rPr lang="ja-JP" altLang="en-US" dirty="0">
-                <a:latin typeface="メイリオ" panose="020B0604030504040204" pitchFamily="50" charset="-128"/>
-                <a:ea typeface="メイリオ" panose="020B0604030504040204" pitchFamily="50" charset="-128"/>
-                <a:cs typeface="メイリオ" panose="020B0604030504040204" pitchFamily="50" charset="-128"/>
-              </a:rPr>
-              <a:t>　</a:t>
-            </a:r>
-            <a:r>
-              <a:rPr lang="ja-JP" altLang="en-US" dirty="0" smtClean="0">
-                <a:latin typeface="メイリオ" panose="020B0604030504040204" pitchFamily="50" charset="-128"/>
-                <a:ea typeface="メイリオ" panose="020B0604030504040204" pitchFamily="50" charset="-128"/>
-                <a:cs typeface="メイリオ" panose="020B0604030504040204" pitchFamily="50" charset="-128"/>
-              </a:rPr>
-              <a:t>ため</a:t>
-            </a:r>
-            <a:r>
-              <a:rPr lang="ja-JP" altLang="en-US" dirty="0">
-                <a:latin typeface="メイリオ" panose="020B0604030504040204" pitchFamily="50" charset="-128"/>
-                <a:ea typeface="メイリオ" panose="020B0604030504040204" pitchFamily="50" charset="-128"/>
-                <a:cs typeface="メイリオ" panose="020B0604030504040204" pitchFamily="50" charset="-128"/>
-              </a:rPr>
-              <a:t>の</a:t>
-            </a:r>
-            <a:r>
-              <a:rPr lang="ja-JP" altLang="en-US" dirty="0" smtClean="0">
-                <a:latin typeface="メイリオ" panose="020B0604030504040204" pitchFamily="50" charset="-128"/>
-                <a:ea typeface="メイリオ" panose="020B0604030504040204" pitchFamily="50" charset="-128"/>
-                <a:cs typeface="メイリオ" panose="020B0604030504040204" pitchFamily="50" charset="-128"/>
-              </a:rPr>
-              <a:t>ツール</a:t>
-            </a:r>
-            <a:endParaRPr lang="en-US" altLang="ja-JP" dirty="0" smtClean="0">
-              <a:latin typeface="メイリオ" panose="020B0604030504040204" pitchFamily="50" charset="-128"/>
-              <a:ea typeface="メイリオ" panose="020B0604030504040204" pitchFamily="50" charset="-128"/>
-              <a:cs typeface="メイリオ" panose="020B0604030504040204" pitchFamily="50" charset="-128"/>
-            </a:endParaRPr>
-          </a:p>
-          <a:p>
-            <a:pPr marL="82296" indent="0">
-              <a:buNone/>
-            </a:pPr>
-            <a:r>
-              <a:rPr lang="ja-JP" altLang="en-US" dirty="0" smtClean="0">
-                <a:latin typeface="メイリオ" panose="020B0604030504040204" pitchFamily="50" charset="-128"/>
-                <a:ea typeface="メイリオ" panose="020B0604030504040204" pitchFamily="50" charset="-128"/>
-                <a:cs typeface="メイリオ" panose="020B0604030504040204" pitchFamily="50" charset="-128"/>
-              </a:rPr>
-              <a:t>・基本的に無料</a:t>
-            </a:r>
-            <a:endParaRPr lang="en-US" altLang="ja-JP" dirty="0" smtClean="0">
-              <a:latin typeface="メイリオ" panose="020B0604030504040204" pitchFamily="50" charset="-128"/>
-              <a:ea typeface="メイリオ" panose="020B0604030504040204" pitchFamily="50" charset="-128"/>
-              <a:cs typeface="メイリオ" panose="020B0604030504040204" pitchFamily="50" charset="-128"/>
-            </a:endParaRPr>
-          </a:p>
-          <a:p>
-            <a:pPr marL="82296" indent="0">
-              <a:buNone/>
-            </a:pPr>
-            <a:r>
-              <a:rPr lang="ja-JP" altLang="en-US" dirty="0" smtClean="0">
-                <a:latin typeface="メイリオ" panose="020B0604030504040204" pitchFamily="50" charset="-128"/>
-                <a:ea typeface="メイリオ" panose="020B0604030504040204" pitchFamily="50" charset="-128"/>
-                <a:cs typeface="メイリオ" panose="020B0604030504040204" pitchFamily="50" charset="-128"/>
-              </a:rPr>
-              <a:t>・</a:t>
-            </a:r>
-            <a:r>
-              <a:rPr lang="en-US" altLang="ja-JP" dirty="0" smtClean="0">
-                <a:latin typeface="メイリオ" panose="020B0604030504040204" pitchFamily="50" charset="-128"/>
-                <a:ea typeface="メイリオ" panose="020B0604030504040204" pitchFamily="50" charset="-128"/>
-                <a:cs typeface="メイリオ" panose="020B0604030504040204" pitchFamily="50" charset="-128"/>
-              </a:rPr>
-              <a:t>Web</a:t>
-            </a:r>
-            <a:r>
-              <a:rPr lang="ja-JP" altLang="en-US" dirty="0" smtClean="0">
-                <a:latin typeface="メイリオ" panose="020B0604030504040204" pitchFamily="50" charset="-128"/>
-                <a:ea typeface="メイリオ" panose="020B0604030504040204" pitchFamily="50" charset="-128"/>
-                <a:cs typeface="メイリオ" panose="020B0604030504040204" pitchFamily="50" charset="-128"/>
-              </a:rPr>
-              <a:t>ブラウザで動作する</a:t>
-            </a:r>
-            <a:r>
-              <a:rPr lang="en-US" altLang="ja-JP" dirty="0" smtClean="0">
-                <a:latin typeface="メイリオ" panose="020B0604030504040204" pitchFamily="50" charset="-128"/>
-                <a:ea typeface="メイリオ" panose="020B0604030504040204" pitchFamily="50" charset="-128"/>
-                <a:cs typeface="メイリオ" panose="020B0604030504040204" pitchFamily="50" charset="-128"/>
-              </a:rPr>
-              <a:t>IDE</a:t>
-            </a:r>
-            <a:r>
-              <a:rPr lang="ja-JP" altLang="en-US" dirty="0" smtClean="0">
-                <a:latin typeface="メイリオ" panose="020B0604030504040204" pitchFamily="50" charset="-128"/>
-                <a:ea typeface="メイリオ" panose="020B0604030504040204" pitchFamily="50" charset="-128"/>
-                <a:cs typeface="メイリオ" panose="020B0604030504040204" pitchFamily="50" charset="-128"/>
-              </a:rPr>
-              <a:t>あり</a:t>
-            </a:r>
-            <a:endParaRPr lang="en-US" altLang="ja-JP" dirty="0" smtClean="0">
-              <a:latin typeface="メイリオ" panose="020B0604030504040204" pitchFamily="50" charset="-128"/>
-              <a:ea typeface="メイリオ" panose="020B0604030504040204" pitchFamily="50" charset="-128"/>
-              <a:cs typeface="メイリオ" panose="020B0604030504040204" pitchFamily="50" charset="-128"/>
-            </a:endParaRPr>
-          </a:p>
-          <a:p>
-            <a:pPr marL="82296" indent="0">
-              <a:buNone/>
-            </a:pPr>
-            <a:r>
-              <a:rPr lang="ja-JP" altLang="en-US" dirty="0">
-                <a:latin typeface="メイリオ" panose="020B0604030504040204" pitchFamily="50" charset="-128"/>
-                <a:ea typeface="メイリオ" panose="020B0604030504040204" pitchFamily="50" charset="-128"/>
-                <a:cs typeface="メイリオ" panose="020B0604030504040204" pitchFamily="50" charset="-128"/>
-              </a:rPr>
-              <a:t>　</a:t>
-            </a:r>
-            <a:r>
-              <a:rPr lang="ja-JP" altLang="en-US" dirty="0" smtClean="0">
-                <a:latin typeface="メイリオ" panose="020B0604030504040204" pitchFamily="50" charset="-128"/>
-                <a:ea typeface="メイリオ" panose="020B0604030504040204" pitchFamily="50" charset="-128"/>
-                <a:cs typeface="メイリオ" panose="020B0604030504040204" pitchFamily="50" charset="-128"/>
-              </a:rPr>
-              <a:t>（データはクラウドに）</a:t>
-            </a:r>
-            <a:endParaRPr lang="en-US" altLang="ja-JP" dirty="0" smtClean="0">
-              <a:latin typeface="メイリオ" panose="020B0604030504040204" pitchFamily="50" charset="-128"/>
-              <a:ea typeface="メイリオ" panose="020B0604030504040204" pitchFamily="50" charset="-128"/>
-              <a:cs typeface="メイリオ" panose="020B0604030504040204" pitchFamily="50" charset="-128"/>
-            </a:endParaRPr>
-          </a:p>
-          <a:p>
-            <a:pPr marL="82296" indent="0">
-              <a:buNone/>
-            </a:pPr>
-            <a:r>
-              <a:rPr lang="ja-JP" altLang="en-US" dirty="0" smtClean="0">
-                <a:latin typeface="メイリオ" panose="020B0604030504040204" pitchFamily="50" charset="-128"/>
-                <a:ea typeface="メイリオ" panose="020B0604030504040204" pitchFamily="50" charset="-128"/>
-                <a:cs typeface="メイリオ" panose="020B0604030504040204" pitchFamily="50" charset="-128"/>
-              </a:rPr>
-              <a:t>・日本製</a:t>
-            </a:r>
-            <a:endParaRPr lang="en-US" altLang="ja-JP" dirty="0">
-              <a:latin typeface="メイリオ" panose="020B0604030504040204" pitchFamily="50" charset="-128"/>
-              <a:ea typeface="メイリオ" panose="020B0604030504040204" pitchFamily="50" charset="-128"/>
-              <a:cs typeface="メイリオ" panose="020B0604030504040204" pitchFamily="50" charset="-128"/>
-            </a:endParaRPr>
-          </a:p>
-          <a:p>
-            <a:pPr marL="82296" indent="0">
-              <a:buNone/>
-            </a:pPr>
-            <a:endParaRPr lang="en-US" altLang="ja-JP" dirty="0" smtClean="0">
-              <a:latin typeface="メイリオ" panose="020B0604030504040204" pitchFamily="50" charset="-128"/>
-              <a:ea typeface="メイリオ" panose="020B0604030504040204" pitchFamily="50" charset="-128"/>
-              <a:cs typeface="メイリオ" panose="020B0604030504040204" pitchFamily="50" charset="-128"/>
-            </a:endParaRPr>
-          </a:p>
-          <a:p>
-            <a:pPr marL="82296" indent="0">
-              <a:buNone/>
-            </a:pPr>
-            <a:endParaRPr lang="en-US" altLang="ja-JP" dirty="0">
-              <a:latin typeface="メイリオ" panose="020B0604030504040204" pitchFamily="50" charset="-128"/>
-              <a:ea typeface="メイリオ" panose="020B0604030504040204" pitchFamily="50" charset="-128"/>
-              <a:cs typeface="メイリオ" panose="020B0604030504040204" pitchFamily="50" charset="-128"/>
-            </a:endParaRPr>
-          </a:p>
-          <a:p>
-            <a:pPr marL="82296" indent="0">
-              <a:buNone/>
-            </a:pPr>
-            <a:r>
-              <a:rPr lang="en-US" altLang="ja-JP" dirty="0">
-                <a:latin typeface="メイリオ" panose="020B0604030504040204" pitchFamily="50" charset="-128"/>
-                <a:ea typeface="メイリオ" panose="020B0604030504040204" pitchFamily="50" charset="-128"/>
-                <a:cs typeface="メイリオ" panose="020B0604030504040204" pitchFamily="50" charset="-128"/>
-              </a:rPr>
-              <a:t>http://monaca.mobi/ja/</a:t>
-            </a:r>
-          </a:p>
-        </p:txBody>
-      </p:sp>
-      <p:pic>
-        <p:nvPicPr>
-          <p:cNvPr id="4" name="図 3"/>
-          <p:cNvPicPr>
-            <a:picLocks noChangeAspect="1"/>
-          </p:cNvPicPr>
-          <p:nvPr/>
-        </p:nvPicPr>
-        <p:blipFill>
-          <a:blip r:embed="rId2">
-            <a:extLst>
-              <a:ext uri="{28A0092B-C50C-407E-A947-70E740481C1C}">
-                <a14:useLocalDpi xmlns:a14="http://schemas.microsoft.com/office/drawing/2010/main" val="0"/>
-              </a:ext>
-            </a:extLst>
-          </a:blip>
-          <a:stretch>
-            <a:fillRect/>
-          </a:stretch>
-        </p:blipFill>
-        <p:spPr>
-          <a:xfrm>
-            <a:off x="6286500" y="3717032"/>
-            <a:ext cx="2857500" cy="2590800"/>
-          </a:xfrm>
-          <a:prstGeom prst="rect">
-            <a:avLst/>
-          </a:prstGeom>
-        </p:spPr>
-      </p:pic>
-    </p:spTree>
-    <p:extLst>
-      <p:ext uri="{BB962C8B-B14F-4D97-AF65-F5344CB8AC3E}">
-        <p14:creationId xmlns:p14="http://schemas.microsoft.com/office/powerpoint/2010/main" val="1570990741"/>
-      </p:ext>
-    </p:extLst>
-  </p:cSld>
-  <p:clrMapOvr>
-    <a:masterClrMapping/>
-  </p:clrMapOvr>
-  <p:timing>
-    <p:tnLst>
-      <p:par>
-        <p:cTn id="1" dur="indefinite" restart="never" nodeType="tmRoot"/>
-      </p:par>
-    </p:tnLst>
-  </p:timing>
-</p:sld>
-</file>
-
-<file path=ppt/slides/slide11.xml><?xml version="1.0" encoding="utf-8"?>
-<p:sld xmlns:a="http://schemas.openxmlformats.org/drawingml/2006/main" xmlns:r="http://schemas.openxmlformats.org/officeDocument/2006/relationships" xmlns:p="http://schemas.openxmlformats.org/presentationml/2006/main">
-  <p:cSld>
-    <p:spTree>
-      <p:nvGrpSpPr>
-        <p:cNvPr id="1" name=""/>
-        <p:cNvGrpSpPr/>
-        <p:nvPr/>
-      </p:nvGrpSpPr>
-      <p:grpSpPr>
-        <a:xfrm>
-          <a:off x="0" y="0"/>
-          <a:ext cx="0" cy="0"/>
-          <a:chOff x="0" y="0"/>
-          <a:chExt cx="0" cy="0"/>
-        </a:xfrm>
-      </p:grpSpPr>
-      <p:sp>
-        <p:nvSpPr>
-          <p:cNvPr id="2" name="タイトル 1"/>
-          <p:cNvSpPr>
-            <a:spLocks noGrp="1"/>
-          </p:cNvSpPr>
-          <p:nvPr>
-            <p:ph type="title"/>
-          </p:nvPr>
-        </p:nvSpPr>
-        <p:spPr/>
-        <p:txBody>
-          <a:bodyPr/>
-          <a:lstStyle/>
-          <a:p>
-            <a:r>
-              <a:rPr kumimoji="1" lang="ja-JP" altLang="en-US" dirty="0" smtClean="0">
-                <a:latin typeface="メイリオ" panose="020B0604030504040204" pitchFamily="50" charset="-128"/>
-                <a:ea typeface="メイリオ" panose="020B0604030504040204" pitchFamily="50" charset="-128"/>
-                <a:cs typeface="メイリオ" panose="020B0604030504040204" pitchFamily="50" charset="-128"/>
-              </a:rPr>
-              <a:t>環境構築</a:t>
-            </a:r>
-            <a:endParaRPr kumimoji="1" lang="ja-JP" altLang="en-US" dirty="0">
-              <a:latin typeface="メイリオ" panose="020B0604030504040204" pitchFamily="50" charset="-128"/>
-              <a:ea typeface="メイリオ" panose="020B0604030504040204" pitchFamily="50" charset="-128"/>
-              <a:cs typeface="メイリオ" panose="020B0604030504040204" pitchFamily="50" charset="-128"/>
-            </a:endParaRPr>
-          </a:p>
-        </p:txBody>
-      </p:sp>
-      <p:sp>
-        <p:nvSpPr>
-          <p:cNvPr id="3" name="コンテンツ プレースホルダー 2"/>
-          <p:cNvSpPr>
-            <a:spLocks noGrp="1"/>
-          </p:cNvSpPr>
-          <p:nvPr>
-            <p:ph idx="1"/>
-          </p:nvPr>
-        </p:nvSpPr>
-        <p:spPr>
-          <a:xfrm>
-            <a:off x="1115616" y="1124744"/>
-            <a:ext cx="7818072" cy="5544616"/>
-          </a:xfrm>
-        </p:spPr>
-        <p:txBody>
-          <a:bodyPr>
-            <a:normAutofit/>
-          </a:bodyPr>
-          <a:lstStyle/>
-          <a:p>
-            <a:pPr marL="82296" indent="0" algn="ctr">
-              <a:buNone/>
-            </a:pPr>
-            <a:endParaRPr lang="en-US" altLang="ja-JP" dirty="0" smtClean="0">
-              <a:latin typeface="メイリオ" panose="020B0604030504040204" pitchFamily="50" charset="-128"/>
-              <a:ea typeface="メイリオ" panose="020B0604030504040204" pitchFamily="50" charset="-128"/>
-              <a:cs typeface="メイリオ" panose="020B0604030504040204" pitchFamily="50" charset="-128"/>
-            </a:endParaRPr>
-          </a:p>
-          <a:p>
-            <a:pPr marL="82296" indent="0" algn="ctr">
-              <a:buNone/>
-            </a:pPr>
-            <a:r>
-              <a:rPr lang="ja-JP" altLang="en-US" dirty="0" smtClean="0">
-                <a:latin typeface="メイリオ" panose="020B0604030504040204" pitchFamily="50" charset="-128"/>
-                <a:ea typeface="メイリオ" panose="020B0604030504040204" pitchFamily="50" charset="-128"/>
-                <a:cs typeface="メイリオ" panose="020B0604030504040204" pitchFamily="50" charset="-128"/>
-              </a:rPr>
-              <a:t>ユーザ登録</a:t>
-            </a:r>
-            <a:endParaRPr lang="en-US" altLang="ja-JP" dirty="0" smtClean="0">
-              <a:latin typeface="メイリオ" panose="020B0604030504040204" pitchFamily="50" charset="-128"/>
-              <a:ea typeface="メイリオ" panose="020B0604030504040204" pitchFamily="50" charset="-128"/>
-              <a:cs typeface="メイリオ" panose="020B0604030504040204" pitchFamily="50" charset="-128"/>
-            </a:endParaRPr>
-          </a:p>
-          <a:p>
-            <a:pPr marL="82296" indent="0" algn="ctr">
-              <a:buNone/>
-            </a:pPr>
-            <a:r>
-              <a:rPr lang="en-US" altLang="ja-JP" dirty="0" smtClean="0">
-                <a:latin typeface="メイリオ" panose="020B0604030504040204" pitchFamily="50" charset="-128"/>
-                <a:ea typeface="メイリオ" panose="020B0604030504040204" pitchFamily="50" charset="-128"/>
-                <a:cs typeface="メイリオ" panose="020B0604030504040204" pitchFamily="50" charset="-128"/>
-              </a:rPr>
-              <a:t>(</a:t>
-            </a:r>
-            <a:r>
-              <a:rPr lang="ja-JP" altLang="en-US" dirty="0" smtClean="0">
-                <a:latin typeface="メイリオ" panose="020B0604030504040204" pitchFamily="50" charset="-128"/>
-                <a:ea typeface="メイリオ" panose="020B0604030504040204" pitchFamily="50" charset="-128"/>
-                <a:cs typeface="メイリオ" panose="020B0604030504040204" pitchFamily="50" charset="-128"/>
-              </a:rPr>
-              <a:t>推奨環境：</a:t>
-            </a:r>
-            <a:r>
-              <a:rPr lang="en-US" altLang="ja-JP" dirty="0" smtClean="0">
-                <a:latin typeface="メイリオ" panose="020B0604030504040204" pitchFamily="50" charset="-128"/>
-                <a:ea typeface="メイリオ" panose="020B0604030504040204" pitchFamily="50" charset="-128"/>
-                <a:cs typeface="メイリオ" panose="020B0604030504040204" pitchFamily="50" charset="-128"/>
-              </a:rPr>
-              <a:t>Google Chrome</a:t>
-            </a:r>
-            <a:r>
-              <a:rPr lang="ja-JP" altLang="en-US" dirty="0" smtClean="0">
-                <a:latin typeface="メイリオ" panose="020B0604030504040204" pitchFamily="50" charset="-128"/>
-                <a:ea typeface="メイリオ" panose="020B0604030504040204" pitchFamily="50" charset="-128"/>
-                <a:cs typeface="メイリオ" panose="020B0604030504040204" pitchFamily="50" charset="-128"/>
-              </a:rPr>
-              <a:t>か</a:t>
-            </a:r>
-            <a:r>
-              <a:rPr lang="en-US" altLang="ja-JP" dirty="0" smtClean="0">
-                <a:latin typeface="メイリオ" panose="020B0604030504040204" pitchFamily="50" charset="-128"/>
-                <a:ea typeface="メイリオ" panose="020B0604030504040204" pitchFamily="50" charset="-128"/>
-                <a:cs typeface="メイリオ" panose="020B0604030504040204" pitchFamily="50" charset="-128"/>
-              </a:rPr>
-              <a:t>Safari)</a:t>
-            </a:r>
-            <a:endParaRPr lang="en-US" altLang="ja-JP" dirty="0">
-              <a:latin typeface="メイリオ" panose="020B0604030504040204" pitchFamily="50" charset="-128"/>
-              <a:ea typeface="メイリオ" panose="020B0604030504040204" pitchFamily="50" charset="-128"/>
-              <a:cs typeface="メイリオ" panose="020B0604030504040204" pitchFamily="50" charset="-128"/>
-            </a:endParaRPr>
-          </a:p>
-          <a:p>
-            <a:pPr marL="82296" indent="0" algn="ctr">
-              <a:buNone/>
-            </a:pPr>
-            <a:r>
-              <a:rPr lang="ja-JP" altLang="en-US" dirty="0" smtClean="0">
-                <a:latin typeface="メイリオ" panose="020B0604030504040204" pitchFamily="50" charset="-128"/>
-                <a:ea typeface="メイリオ" panose="020B0604030504040204" pitchFamily="50" charset="-128"/>
-                <a:cs typeface="メイリオ" panose="020B0604030504040204" pitchFamily="50" charset="-128"/>
-              </a:rPr>
-              <a:t>↓</a:t>
-            </a:r>
-            <a:endParaRPr lang="en-US" altLang="ja-JP" dirty="0" smtClean="0">
-              <a:latin typeface="メイリオ" panose="020B0604030504040204" pitchFamily="50" charset="-128"/>
-              <a:ea typeface="メイリオ" panose="020B0604030504040204" pitchFamily="50" charset="-128"/>
-              <a:cs typeface="メイリオ" panose="020B0604030504040204" pitchFamily="50" charset="-128"/>
-            </a:endParaRPr>
-          </a:p>
-          <a:p>
-            <a:pPr marL="82296" indent="0" algn="ctr">
-              <a:buNone/>
-            </a:pPr>
-            <a:r>
-              <a:rPr lang="ja-JP" altLang="en-US" dirty="0">
-                <a:latin typeface="メイリオ" panose="020B0604030504040204" pitchFamily="50" charset="-128"/>
-                <a:ea typeface="メイリオ" panose="020B0604030504040204" pitchFamily="50" charset="-128"/>
-                <a:cs typeface="メイリオ" panose="020B0604030504040204" pitchFamily="50" charset="-128"/>
-              </a:rPr>
-              <a:t>実機</a:t>
-            </a:r>
-            <a:r>
-              <a:rPr lang="ja-JP" altLang="en-US" dirty="0" smtClean="0">
-                <a:latin typeface="メイリオ" panose="020B0604030504040204" pitchFamily="50" charset="-128"/>
-                <a:ea typeface="メイリオ" panose="020B0604030504040204" pitchFamily="50" charset="-128"/>
-                <a:cs typeface="メイリオ" panose="020B0604030504040204" pitchFamily="50" charset="-128"/>
-              </a:rPr>
-              <a:t>確認用アプリのインストール</a:t>
-            </a:r>
-            <a:endParaRPr lang="en-US" altLang="ja-JP" dirty="0" smtClean="0">
-              <a:latin typeface="メイリオ" panose="020B0604030504040204" pitchFamily="50" charset="-128"/>
-              <a:ea typeface="メイリオ" panose="020B0604030504040204" pitchFamily="50" charset="-128"/>
-              <a:cs typeface="メイリオ" panose="020B0604030504040204" pitchFamily="50" charset="-128"/>
-            </a:endParaRPr>
-          </a:p>
-          <a:p>
-            <a:pPr marL="82296" indent="0" algn="ctr">
-              <a:buNone/>
-            </a:pPr>
-            <a:r>
-              <a:rPr lang="en-US" altLang="ja-JP" dirty="0" smtClean="0">
-                <a:latin typeface="メイリオ" panose="020B0604030504040204" pitchFamily="50" charset="-128"/>
-                <a:ea typeface="メイリオ" panose="020B0604030504040204" pitchFamily="50" charset="-128"/>
-                <a:cs typeface="メイリオ" panose="020B0604030504040204" pitchFamily="50" charset="-128"/>
-              </a:rPr>
-              <a:t>(App Store</a:t>
-            </a:r>
-            <a:r>
-              <a:rPr lang="ja-JP" altLang="en-US" dirty="0" smtClean="0">
-                <a:latin typeface="メイリオ" panose="020B0604030504040204" pitchFamily="50" charset="-128"/>
-                <a:ea typeface="メイリオ" panose="020B0604030504040204" pitchFamily="50" charset="-128"/>
-                <a:cs typeface="メイリオ" panose="020B0604030504040204" pitchFamily="50" charset="-128"/>
-              </a:rPr>
-              <a:t>・</a:t>
-            </a:r>
-            <a:r>
-              <a:rPr lang="en-US" altLang="ja-JP" dirty="0" smtClean="0">
-                <a:latin typeface="メイリオ" panose="020B0604030504040204" pitchFamily="50" charset="-128"/>
-                <a:ea typeface="メイリオ" panose="020B0604030504040204" pitchFamily="50" charset="-128"/>
-                <a:cs typeface="メイリオ" panose="020B0604030504040204" pitchFamily="50" charset="-128"/>
-              </a:rPr>
-              <a:t>Google Play)</a:t>
-            </a:r>
-            <a:endParaRPr lang="en-US" altLang="ja-JP" dirty="0">
-              <a:latin typeface="メイリオ" panose="020B0604030504040204" pitchFamily="50" charset="-128"/>
-              <a:ea typeface="メイリオ" panose="020B0604030504040204" pitchFamily="50" charset="-128"/>
-              <a:cs typeface="メイリオ" panose="020B0604030504040204" pitchFamily="50" charset="-128"/>
-            </a:endParaRPr>
-          </a:p>
-          <a:p>
-            <a:pPr marL="82296" indent="0" algn="ctr">
-              <a:buNone/>
-            </a:pPr>
-            <a:r>
-              <a:rPr lang="ja-JP" altLang="en-US" dirty="0" smtClean="0">
-                <a:latin typeface="メイリオ" panose="020B0604030504040204" pitchFamily="50" charset="-128"/>
-                <a:ea typeface="メイリオ" panose="020B0604030504040204" pitchFamily="50" charset="-128"/>
-                <a:cs typeface="メイリオ" panose="020B0604030504040204" pitchFamily="50" charset="-128"/>
-              </a:rPr>
-              <a:t>↓</a:t>
-            </a:r>
-            <a:endParaRPr lang="en-US" altLang="ja-JP" dirty="0" smtClean="0">
-              <a:latin typeface="メイリオ" panose="020B0604030504040204" pitchFamily="50" charset="-128"/>
-              <a:ea typeface="メイリオ" panose="020B0604030504040204" pitchFamily="50" charset="-128"/>
-              <a:cs typeface="メイリオ" panose="020B0604030504040204" pitchFamily="50" charset="-128"/>
-            </a:endParaRPr>
-          </a:p>
-          <a:p>
-            <a:pPr marL="82296" indent="0" algn="ctr">
-              <a:buNone/>
-            </a:pPr>
-            <a:r>
-              <a:rPr lang="ja-JP" altLang="en-US" dirty="0">
-                <a:latin typeface="メイリオ" panose="020B0604030504040204" pitchFamily="50" charset="-128"/>
-                <a:ea typeface="メイリオ" panose="020B0604030504040204" pitchFamily="50" charset="-128"/>
-                <a:cs typeface="メイリオ" panose="020B0604030504040204" pitchFamily="50" charset="-128"/>
-              </a:rPr>
-              <a:t>ログイン</a:t>
-            </a:r>
-            <a:endParaRPr lang="en-US" altLang="ja-JP" dirty="0">
-              <a:latin typeface="メイリオ" panose="020B0604030504040204" pitchFamily="50" charset="-128"/>
-              <a:ea typeface="メイリオ" panose="020B0604030504040204" pitchFamily="50" charset="-128"/>
-              <a:cs typeface="メイリオ" panose="020B0604030504040204" pitchFamily="50" charset="-128"/>
-            </a:endParaRPr>
-          </a:p>
-        </p:txBody>
-      </p:sp>
-    </p:spTree>
-    <p:extLst>
-      <p:ext uri="{BB962C8B-B14F-4D97-AF65-F5344CB8AC3E}">
-        <p14:creationId xmlns:p14="http://schemas.microsoft.com/office/powerpoint/2010/main" val="3999748118"/>
-      </p:ext>
-    </p:extLst>
-  </p:cSld>
-  <p:clrMapOvr>
-    <a:masterClrMapping/>
-  </p:clrMapOvr>
-  <p:timing>
-    <p:tnLst>
-      <p:par>
-        <p:cTn id="1" dur="indefinite" restart="never" nodeType="tmRoot"/>
-      </p:par>
-    </p:tnLst>
-  </p:timing>
-</p:sld>
-</file>
-
-<file path=ppt/slides/slide12.xml><?xml version="1.0" encoding="utf-8"?>
-<p:sld xmlns:a="http://schemas.openxmlformats.org/drawingml/2006/main" xmlns:r="http://schemas.openxmlformats.org/officeDocument/2006/relationships" xmlns:p="http://schemas.openxmlformats.org/presentationml/2006/main">
-  <p:cSld>
-    <p:spTree>
-      <p:nvGrpSpPr>
-        <p:cNvPr id="1" name=""/>
-        <p:cNvGrpSpPr/>
-        <p:nvPr/>
-      </p:nvGrpSpPr>
-      <p:grpSpPr>
-        <a:xfrm>
-          <a:off x="0" y="0"/>
-          <a:ext cx="0" cy="0"/>
-          <a:chOff x="0" y="0"/>
-          <a:chExt cx="0" cy="0"/>
-        </a:xfrm>
-      </p:grpSpPr>
-      <p:sp>
-        <p:nvSpPr>
-          <p:cNvPr id="2" name="タイトル 1"/>
-          <p:cNvSpPr>
-            <a:spLocks noGrp="1"/>
-          </p:cNvSpPr>
-          <p:nvPr>
-            <p:ph type="title"/>
-          </p:nvPr>
-        </p:nvSpPr>
-        <p:spPr/>
-        <p:txBody>
-          <a:bodyPr/>
-          <a:lstStyle/>
-          <a:p>
-            <a:r>
-              <a:rPr kumimoji="1" lang="ja-JP" altLang="en-US" dirty="0" smtClean="0">
-                <a:latin typeface="メイリオ" panose="020B0604030504040204" pitchFamily="50" charset="-128"/>
-                <a:ea typeface="メイリオ" panose="020B0604030504040204" pitchFamily="50" charset="-128"/>
-                <a:cs typeface="メイリオ" panose="020B0604030504040204" pitchFamily="50" charset="-128"/>
-              </a:rPr>
-              <a:t>さわってみる</a:t>
-            </a:r>
-            <a:endParaRPr kumimoji="1" lang="ja-JP" altLang="en-US" dirty="0">
-              <a:latin typeface="メイリオ" panose="020B0604030504040204" pitchFamily="50" charset="-128"/>
-              <a:ea typeface="メイリオ" panose="020B0604030504040204" pitchFamily="50" charset="-128"/>
-              <a:cs typeface="メイリオ" panose="020B0604030504040204" pitchFamily="50" charset="-128"/>
-            </a:endParaRPr>
-          </a:p>
-        </p:txBody>
-      </p:sp>
-      <p:sp>
-        <p:nvSpPr>
-          <p:cNvPr id="5" name="コンテンツ プレースホルダー 2"/>
-          <p:cNvSpPr txBox="1">
-            <a:spLocks/>
-          </p:cNvSpPr>
-          <p:nvPr/>
-        </p:nvSpPr>
-        <p:spPr>
-          <a:xfrm>
-            <a:off x="1115616" y="1124744"/>
-            <a:ext cx="7818072" cy="5544616"/>
-          </a:xfrm>
-          <a:prstGeom prst="rect">
-            <a:avLst/>
-          </a:prstGeom>
-        </p:spPr>
-        <p:txBody>
-          <a:bodyPr>
-            <a:normAutofit/>
-          </a:bodyPr>
-          <a:lstStyle>
-            <a:lvl1pPr marL="365760" indent="-283464" algn="l" rtl="0" eaLnBrk="1" latinLnBrk="0" hangingPunct="1">
-              <a:lnSpc>
-                <a:spcPct val="100000"/>
-              </a:lnSpc>
-              <a:spcBef>
-                <a:spcPts val="600"/>
-              </a:spcBef>
-              <a:buClr>
-                <a:schemeClr val="accent1"/>
-              </a:buClr>
-              <a:buSzPct val="80000"/>
-              <a:buFont typeface="Wingdings 2"/>
-              <a:buChar char=""/>
-              <a:defRPr kumimoji="1" sz="3200" kern="1200">
-                <a:solidFill>
-                  <a:schemeClr val="tx1"/>
-                </a:solidFill>
-                <a:latin typeface="+mn-lt"/>
-                <a:ea typeface="+mn-ea"/>
-                <a:cs typeface="+mn-cs"/>
-              </a:defRPr>
-            </a:lvl1pPr>
-            <a:lvl2pPr marL="640080" indent="-237744" algn="l" rtl="0" eaLnBrk="1" latinLnBrk="0" hangingPunct="1">
-              <a:lnSpc>
-                <a:spcPct val="100000"/>
-              </a:lnSpc>
-              <a:spcBef>
-                <a:spcPts val="550"/>
-              </a:spcBef>
-              <a:buClr>
-                <a:schemeClr val="accent1"/>
-              </a:buClr>
-              <a:buFont typeface="Verdana"/>
-              <a:buChar char="◦"/>
-              <a:defRPr kumimoji="1" sz="2800" kern="1200">
-                <a:solidFill>
-                  <a:schemeClr val="tx1"/>
-                </a:solidFill>
-                <a:latin typeface="+mn-lt"/>
-                <a:ea typeface="+mn-ea"/>
-                <a:cs typeface="+mn-cs"/>
-              </a:defRPr>
-            </a:lvl2pPr>
-            <a:lvl3pPr marL="886968" indent="-228600" algn="l" rtl="0" eaLnBrk="1" latinLnBrk="0" hangingPunct="1">
-              <a:lnSpc>
-                <a:spcPct val="100000"/>
-              </a:lnSpc>
-              <a:spcBef>
-                <a:spcPct val="20000"/>
-              </a:spcBef>
-              <a:buClr>
-                <a:schemeClr val="accent2"/>
-              </a:buClr>
-              <a:buFont typeface="Wingdings 2"/>
-              <a:buChar char=""/>
-              <a:defRPr kumimoji="1" sz="2400" kern="1200">
-                <a:solidFill>
-                  <a:schemeClr val="tx1"/>
-                </a:solidFill>
-                <a:latin typeface="+mn-lt"/>
-                <a:ea typeface="+mn-ea"/>
-                <a:cs typeface="+mn-cs"/>
-              </a:defRPr>
-            </a:lvl3pPr>
-            <a:lvl4pPr marL="1097280" indent="-173736" algn="l" rtl="0" eaLnBrk="1" latinLnBrk="0" hangingPunct="1">
-              <a:lnSpc>
-                <a:spcPct val="100000"/>
-              </a:lnSpc>
-              <a:spcBef>
-                <a:spcPct val="20000"/>
-              </a:spcBef>
-              <a:buClr>
-                <a:schemeClr val="accent3"/>
-              </a:buClr>
-              <a:buFont typeface="Wingdings 2"/>
-              <a:buChar char=""/>
-              <a:defRPr kumimoji="1" sz="2000" kern="1200">
-                <a:solidFill>
-                  <a:schemeClr val="tx1"/>
-                </a:solidFill>
-                <a:latin typeface="+mn-lt"/>
-                <a:ea typeface="+mn-ea"/>
-                <a:cs typeface="+mn-cs"/>
-              </a:defRPr>
-            </a:lvl4pPr>
-            <a:lvl5pPr marL="1298448" indent="-182880" algn="l" rtl="0" eaLnBrk="1" latinLnBrk="0" hangingPunct="1">
-              <a:lnSpc>
-                <a:spcPct val="100000"/>
-              </a:lnSpc>
-              <a:spcBef>
-                <a:spcPct val="20000"/>
-              </a:spcBef>
-              <a:buClr>
-                <a:schemeClr val="accent4"/>
-              </a:buClr>
-              <a:buFont typeface="Wingdings 2"/>
-              <a:buChar char=""/>
-              <a:defRPr kumimoji="1" sz="2000" kern="1200">
-                <a:solidFill>
-                  <a:schemeClr val="tx1"/>
-                </a:solidFill>
-                <a:latin typeface="+mn-lt"/>
-                <a:ea typeface="+mn-ea"/>
-                <a:cs typeface="+mn-cs"/>
-              </a:defRPr>
-            </a:lvl5pPr>
-            <a:lvl6pPr marL="1508760" indent="-182880" algn="l" rtl="0" eaLnBrk="1" latinLnBrk="0" hangingPunct="1">
-              <a:lnSpc>
-                <a:spcPct val="100000"/>
-              </a:lnSpc>
-              <a:spcBef>
-                <a:spcPct val="20000"/>
-              </a:spcBef>
-              <a:buClr>
-                <a:schemeClr val="accent5"/>
-              </a:buClr>
-              <a:buFont typeface="Wingdings 2"/>
-              <a:buChar char=""/>
-              <a:defRPr kumimoji="1" sz="2000" kern="1200">
-                <a:solidFill>
-                  <a:schemeClr val="tx1"/>
-                </a:solidFill>
-                <a:latin typeface="+mn-lt"/>
-                <a:ea typeface="+mn-ea"/>
-                <a:cs typeface="+mn-cs"/>
-              </a:defRPr>
-            </a:lvl6pPr>
-            <a:lvl7pPr marL="1719072" indent="-182880" algn="l" rtl="0" eaLnBrk="1" latinLnBrk="0" hangingPunct="1">
-              <a:lnSpc>
-                <a:spcPct val="100000"/>
-              </a:lnSpc>
-              <a:spcBef>
-                <a:spcPct val="20000"/>
-              </a:spcBef>
-              <a:buClr>
-                <a:schemeClr val="accent6"/>
-              </a:buClr>
-              <a:buFont typeface="Wingdings 2"/>
-              <a:buChar char=""/>
-              <a:defRPr kumimoji="1" sz="2000" kern="1200">
-                <a:solidFill>
-                  <a:schemeClr val="tx1"/>
-                </a:solidFill>
-                <a:latin typeface="+mn-lt"/>
-                <a:ea typeface="+mn-ea"/>
-                <a:cs typeface="+mn-cs"/>
-              </a:defRPr>
-            </a:lvl7pPr>
-            <a:lvl8pPr marL="1920240" indent="-182880" algn="l" rtl="0" eaLnBrk="1" latinLnBrk="0" hangingPunct="1">
-              <a:lnSpc>
-                <a:spcPct val="100000"/>
-              </a:lnSpc>
-              <a:spcBef>
-                <a:spcPct val="20000"/>
-              </a:spcBef>
-              <a:buClr>
-                <a:schemeClr val="accent6"/>
-              </a:buClr>
-              <a:buFont typeface="Wingdings 2"/>
-              <a:buChar char=""/>
-              <a:defRPr kumimoji="1" sz="2000" kern="1200">
-                <a:solidFill>
-                  <a:schemeClr val="tx1"/>
-                </a:solidFill>
-                <a:latin typeface="+mn-lt"/>
-                <a:ea typeface="+mn-ea"/>
-                <a:cs typeface="+mn-cs"/>
-              </a:defRPr>
-            </a:lvl8pPr>
-            <a:lvl9pPr marL="2130552" indent="-182880" algn="l" rtl="0" eaLnBrk="1" latinLnBrk="0" hangingPunct="1">
-              <a:lnSpc>
-                <a:spcPct val="100000"/>
-              </a:lnSpc>
-              <a:spcBef>
-                <a:spcPct val="20000"/>
-              </a:spcBef>
-              <a:buClr>
-                <a:schemeClr val="accent6"/>
-              </a:buClr>
-              <a:buFont typeface="Wingdings 2"/>
-              <a:buChar char=""/>
-              <a:defRPr kumimoji="1" sz="2000" kern="1200">
-                <a:solidFill>
-                  <a:schemeClr val="tx1"/>
-                </a:solidFill>
-                <a:latin typeface="+mn-lt"/>
-                <a:ea typeface="+mn-ea"/>
-                <a:cs typeface="+mn-cs"/>
-              </a:defRPr>
-            </a:lvl9pPr>
-            <a:extLst/>
-          </a:lstStyle>
-          <a:p>
-            <a:pPr marL="82296" indent="0">
-              <a:buFont typeface="Wingdings 2"/>
-              <a:buNone/>
-            </a:pPr>
-            <a:r>
-              <a:rPr lang="ja-JP" altLang="en-US" dirty="0" smtClean="0">
-                <a:latin typeface="メイリオ" panose="020B0604030504040204" pitchFamily="50" charset="-128"/>
-                <a:ea typeface="メイリオ" panose="020B0604030504040204" pitchFamily="50" charset="-128"/>
-                <a:cs typeface="メイリオ" panose="020B0604030504040204" pitchFamily="50" charset="-128"/>
-              </a:rPr>
-              <a:t>ひな形とか結構作ってくれて楽。</a:t>
-            </a:r>
-            <a:endParaRPr lang="en-US" altLang="ja-JP" dirty="0" smtClean="0">
-              <a:latin typeface="メイリオ" panose="020B0604030504040204" pitchFamily="50" charset="-128"/>
-              <a:ea typeface="メイリオ" panose="020B0604030504040204" pitchFamily="50" charset="-128"/>
-              <a:cs typeface="メイリオ" panose="020B0604030504040204" pitchFamily="50" charset="-128"/>
-            </a:endParaRPr>
-          </a:p>
-          <a:p>
-            <a:pPr marL="82296" indent="0">
-              <a:buFont typeface="Wingdings 2"/>
-              <a:buNone/>
-            </a:pPr>
-            <a:endParaRPr lang="en-US" altLang="ja-JP" dirty="0">
-              <a:latin typeface="メイリオ" panose="020B0604030504040204" pitchFamily="50" charset="-128"/>
-              <a:ea typeface="メイリオ" panose="020B0604030504040204" pitchFamily="50" charset="-128"/>
-              <a:cs typeface="メイリオ" panose="020B0604030504040204" pitchFamily="50" charset="-128"/>
-            </a:endParaRPr>
-          </a:p>
-          <a:p>
-            <a:pPr marL="82296" indent="0">
-              <a:buFont typeface="Wingdings 2"/>
-              <a:buNone/>
-            </a:pPr>
-            <a:r>
-              <a:rPr lang="ja-JP" altLang="en-US" dirty="0" smtClean="0">
-                <a:latin typeface="メイリオ" panose="020B0604030504040204" pitchFamily="50" charset="-128"/>
-                <a:ea typeface="メイリオ" panose="020B0604030504040204" pitchFamily="50" charset="-128"/>
-                <a:cs typeface="メイリオ" panose="020B0604030504040204" pitchFamily="50" charset="-128"/>
-              </a:rPr>
-              <a:t>当然</a:t>
-            </a:r>
-            <a:r>
-              <a:rPr lang="en-US" altLang="ja-JP" dirty="0" smtClean="0">
-                <a:latin typeface="メイリオ" panose="020B0604030504040204" pitchFamily="50" charset="-128"/>
-                <a:ea typeface="メイリオ" panose="020B0604030504040204" pitchFamily="50" charset="-128"/>
-                <a:cs typeface="メイリオ" panose="020B0604030504040204" pitchFamily="50" charset="-128"/>
-              </a:rPr>
-              <a:t>JS</a:t>
-            </a:r>
-            <a:r>
-              <a:rPr lang="ja-JP" altLang="en-US" dirty="0" err="1" smtClean="0">
-                <a:latin typeface="メイリオ" panose="020B0604030504040204" pitchFamily="50" charset="-128"/>
-                <a:ea typeface="メイリオ" panose="020B0604030504040204" pitchFamily="50" charset="-128"/>
-                <a:cs typeface="メイリオ" panose="020B0604030504040204" pitchFamily="50" charset="-128"/>
-              </a:rPr>
-              <a:t>、</a:t>
-            </a:r>
-            <a:r>
-              <a:rPr lang="en-US" altLang="ja-JP" dirty="0" smtClean="0">
-                <a:latin typeface="メイリオ" panose="020B0604030504040204" pitchFamily="50" charset="-128"/>
-                <a:ea typeface="メイリオ" panose="020B0604030504040204" pitchFamily="50" charset="-128"/>
-                <a:cs typeface="メイリオ" panose="020B0604030504040204" pitchFamily="50" charset="-128"/>
-              </a:rPr>
-              <a:t>JQuery</a:t>
-            </a:r>
-            <a:r>
-              <a:rPr lang="ja-JP" altLang="en-US" dirty="0" smtClean="0">
-                <a:latin typeface="メイリオ" panose="020B0604030504040204" pitchFamily="50" charset="-128"/>
-                <a:ea typeface="メイリオ" panose="020B0604030504040204" pitchFamily="50" charset="-128"/>
-                <a:cs typeface="メイリオ" panose="020B0604030504040204" pitchFamily="50" charset="-128"/>
-              </a:rPr>
-              <a:t>とか使える</a:t>
-            </a:r>
-            <a:r>
-              <a:rPr lang="ja-JP" altLang="en-US" dirty="0" err="1" smtClean="0">
-                <a:latin typeface="メイリオ" panose="020B0604030504040204" pitchFamily="50" charset="-128"/>
-                <a:ea typeface="メイリオ" panose="020B0604030504040204" pitchFamily="50" charset="-128"/>
-                <a:cs typeface="メイリオ" panose="020B0604030504040204" pitchFamily="50" charset="-128"/>
-              </a:rPr>
-              <a:t>っぽ</a:t>
-            </a:r>
-            <a:r>
-              <a:rPr lang="ja-JP" altLang="en-US" dirty="0" smtClean="0">
-                <a:latin typeface="メイリオ" panose="020B0604030504040204" pitchFamily="50" charset="-128"/>
-                <a:ea typeface="メイリオ" panose="020B0604030504040204" pitchFamily="50" charset="-128"/>
-                <a:cs typeface="メイリオ" panose="020B0604030504040204" pitchFamily="50" charset="-128"/>
-              </a:rPr>
-              <a:t>いです</a:t>
-            </a:r>
-            <a:endParaRPr lang="en-US" altLang="ja-JP" dirty="0">
-              <a:latin typeface="メイリオ" panose="020B0604030504040204" pitchFamily="50" charset="-128"/>
-              <a:ea typeface="メイリオ" panose="020B0604030504040204" pitchFamily="50" charset="-128"/>
-              <a:cs typeface="メイリオ" panose="020B0604030504040204" pitchFamily="50" charset="-128"/>
-            </a:endParaRPr>
-          </a:p>
-        </p:txBody>
-      </p:sp>
-    </p:spTree>
-    <p:extLst>
-      <p:ext uri="{BB962C8B-B14F-4D97-AF65-F5344CB8AC3E}">
-        <p14:creationId xmlns:p14="http://schemas.microsoft.com/office/powerpoint/2010/main" val="4231235222"/>
-      </p:ext>
-    </p:extLst>
-  </p:cSld>
-  <p:clrMapOvr>
-    <a:masterClrMapping/>
-  </p:clrMapOvr>
-  <p:timing>
-    <p:tnLst>
-      <p:par>
-        <p:cTn id="1" dur="indefinite" restart="never" nodeType="tmRoot"/>
-      </p:par>
-    </p:tnLst>
-  </p:timing>
-</p:sld>
-</file>
-
-<file path=ppt/slides/slide13.xml><?xml version="1.0" encoding="utf-8"?>
-<p:sld xmlns:a="http://schemas.openxmlformats.org/drawingml/2006/main" xmlns:r="http://schemas.openxmlformats.org/officeDocument/2006/relationships" xmlns:p="http://schemas.openxmlformats.org/presentationml/2006/main">
-  <p:cSld>
-    <p:spTree>
-      <p:nvGrpSpPr>
-        <p:cNvPr id="1" name=""/>
-        <p:cNvGrpSpPr/>
-        <p:nvPr/>
-      </p:nvGrpSpPr>
-      <p:grpSpPr>
-        <a:xfrm>
-          <a:off x="0" y="0"/>
-          <a:ext cx="0" cy="0"/>
-          <a:chOff x="0" y="0"/>
-          <a:chExt cx="0" cy="0"/>
-        </a:xfrm>
-      </p:grpSpPr>
-      <p:sp>
-        <p:nvSpPr>
-          <p:cNvPr id="2" name="タイトル 1"/>
-          <p:cNvSpPr>
-            <a:spLocks noGrp="1"/>
-          </p:cNvSpPr>
-          <p:nvPr>
-            <p:ph type="title"/>
-          </p:nvPr>
-        </p:nvSpPr>
-        <p:spPr/>
-        <p:txBody>
-          <a:bodyPr/>
-          <a:lstStyle/>
-          <a:p>
-            <a:r>
-              <a:rPr kumimoji="1" lang="en-US" altLang="ja-JP" dirty="0" err="1" smtClean="0">
-                <a:latin typeface="メイリオ" panose="020B0604030504040204" pitchFamily="50" charset="-128"/>
-                <a:ea typeface="メイリオ" panose="020B0604030504040204" pitchFamily="50" charset="-128"/>
-                <a:cs typeface="メイリオ" panose="020B0604030504040204" pitchFamily="50" charset="-128"/>
-              </a:rPr>
-              <a:t>OnsenUI</a:t>
-            </a:r>
-            <a:r>
-              <a:rPr kumimoji="1" lang="ja-JP" altLang="en-US" dirty="0" smtClean="0">
-                <a:latin typeface="メイリオ" panose="020B0604030504040204" pitchFamily="50" charset="-128"/>
-                <a:ea typeface="メイリオ" panose="020B0604030504040204" pitchFamily="50" charset="-128"/>
-                <a:cs typeface="メイリオ" panose="020B0604030504040204" pitchFamily="50" charset="-128"/>
-              </a:rPr>
-              <a:t>を使う</a:t>
-            </a:r>
-            <a:endParaRPr kumimoji="1" lang="ja-JP" altLang="en-US" dirty="0">
-              <a:latin typeface="メイリオ" panose="020B0604030504040204" pitchFamily="50" charset="-128"/>
-              <a:ea typeface="メイリオ" panose="020B0604030504040204" pitchFamily="50" charset="-128"/>
-              <a:cs typeface="メイリオ" panose="020B0604030504040204" pitchFamily="50" charset="-128"/>
-            </a:endParaRPr>
-          </a:p>
-        </p:txBody>
-      </p:sp>
-      <p:sp>
-        <p:nvSpPr>
-          <p:cNvPr id="5" name="コンテンツ プレースホルダー 2"/>
-          <p:cNvSpPr txBox="1">
-            <a:spLocks/>
-          </p:cNvSpPr>
-          <p:nvPr/>
-        </p:nvSpPr>
-        <p:spPr>
-          <a:xfrm>
-            <a:off x="1115616" y="1124744"/>
-            <a:ext cx="7818072" cy="5544616"/>
-          </a:xfrm>
-          <a:prstGeom prst="rect">
-            <a:avLst/>
-          </a:prstGeom>
-        </p:spPr>
-        <p:txBody>
-          <a:bodyPr>
-            <a:normAutofit/>
-          </a:bodyPr>
-          <a:lstStyle>
-            <a:lvl1pPr marL="365760" indent="-283464" algn="l" rtl="0" eaLnBrk="1" latinLnBrk="0" hangingPunct="1">
-              <a:lnSpc>
-                <a:spcPct val="100000"/>
-              </a:lnSpc>
-              <a:spcBef>
-                <a:spcPts val="600"/>
-              </a:spcBef>
-              <a:buClr>
-                <a:schemeClr val="accent1"/>
-              </a:buClr>
-              <a:buSzPct val="80000"/>
-              <a:buFont typeface="Wingdings 2"/>
-              <a:buChar char=""/>
-              <a:defRPr kumimoji="1" sz="3200" kern="1200">
-                <a:solidFill>
-                  <a:schemeClr val="tx1"/>
-                </a:solidFill>
-                <a:latin typeface="+mn-lt"/>
-                <a:ea typeface="+mn-ea"/>
-                <a:cs typeface="+mn-cs"/>
-              </a:defRPr>
-            </a:lvl1pPr>
-            <a:lvl2pPr marL="640080" indent="-237744" algn="l" rtl="0" eaLnBrk="1" latinLnBrk="0" hangingPunct="1">
-              <a:lnSpc>
-                <a:spcPct val="100000"/>
-              </a:lnSpc>
-              <a:spcBef>
-                <a:spcPts val="550"/>
-              </a:spcBef>
-              <a:buClr>
-                <a:schemeClr val="accent1"/>
-              </a:buClr>
-              <a:buFont typeface="Verdana"/>
-              <a:buChar char="◦"/>
-              <a:defRPr kumimoji="1" sz="2800" kern="1200">
-                <a:solidFill>
-                  <a:schemeClr val="tx1"/>
-                </a:solidFill>
-                <a:latin typeface="+mn-lt"/>
-                <a:ea typeface="+mn-ea"/>
-                <a:cs typeface="+mn-cs"/>
-              </a:defRPr>
-            </a:lvl2pPr>
-            <a:lvl3pPr marL="886968" indent="-228600" algn="l" rtl="0" eaLnBrk="1" latinLnBrk="0" hangingPunct="1">
-              <a:lnSpc>
-                <a:spcPct val="100000"/>
-              </a:lnSpc>
-              <a:spcBef>
-                <a:spcPct val="20000"/>
-              </a:spcBef>
-              <a:buClr>
-                <a:schemeClr val="accent2"/>
-              </a:buClr>
-              <a:buFont typeface="Wingdings 2"/>
-              <a:buChar char=""/>
-              <a:defRPr kumimoji="1" sz="2400" kern="1200">
-                <a:solidFill>
-                  <a:schemeClr val="tx1"/>
-                </a:solidFill>
-                <a:latin typeface="+mn-lt"/>
-                <a:ea typeface="+mn-ea"/>
-                <a:cs typeface="+mn-cs"/>
-              </a:defRPr>
-            </a:lvl3pPr>
-            <a:lvl4pPr marL="1097280" indent="-173736" algn="l" rtl="0" eaLnBrk="1" latinLnBrk="0" hangingPunct="1">
-              <a:lnSpc>
-                <a:spcPct val="100000"/>
-              </a:lnSpc>
-              <a:spcBef>
-                <a:spcPct val="20000"/>
-              </a:spcBef>
-              <a:buClr>
-                <a:schemeClr val="accent3"/>
-              </a:buClr>
-              <a:buFont typeface="Wingdings 2"/>
-              <a:buChar char=""/>
-              <a:defRPr kumimoji="1" sz="2000" kern="1200">
-                <a:solidFill>
-                  <a:schemeClr val="tx1"/>
-                </a:solidFill>
-                <a:latin typeface="+mn-lt"/>
-                <a:ea typeface="+mn-ea"/>
-                <a:cs typeface="+mn-cs"/>
-              </a:defRPr>
-            </a:lvl4pPr>
-            <a:lvl5pPr marL="1298448" indent="-182880" algn="l" rtl="0" eaLnBrk="1" latinLnBrk="0" hangingPunct="1">
-              <a:lnSpc>
-                <a:spcPct val="100000"/>
-              </a:lnSpc>
-              <a:spcBef>
-                <a:spcPct val="20000"/>
-              </a:spcBef>
-              <a:buClr>
-                <a:schemeClr val="accent4"/>
-              </a:buClr>
-              <a:buFont typeface="Wingdings 2"/>
-              <a:buChar char=""/>
-              <a:defRPr kumimoji="1" sz="2000" kern="1200">
-                <a:solidFill>
-                  <a:schemeClr val="tx1"/>
-                </a:solidFill>
-                <a:latin typeface="+mn-lt"/>
-                <a:ea typeface="+mn-ea"/>
-                <a:cs typeface="+mn-cs"/>
-              </a:defRPr>
-            </a:lvl5pPr>
-            <a:lvl6pPr marL="1508760" indent="-182880" algn="l" rtl="0" eaLnBrk="1" latinLnBrk="0" hangingPunct="1">
-              <a:lnSpc>
-                <a:spcPct val="100000"/>
-              </a:lnSpc>
-              <a:spcBef>
-                <a:spcPct val="20000"/>
-              </a:spcBef>
-              <a:buClr>
-                <a:schemeClr val="accent5"/>
-              </a:buClr>
-              <a:buFont typeface="Wingdings 2"/>
-              <a:buChar char=""/>
-              <a:defRPr kumimoji="1" sz="2000" kern="1200">
-                <a:solidFill>
-                  <a:schemeClr val="tx1"/>
-                </a:solidFill>
-                <a:latin typeface="+mn-lt"/>
-                <a:ea typeface="+mn-ea"/>
-                <a:cs typeface="+mn-cs"/>
-              </a:defRPr>
-            </a:lvl6pPr>
-            <a:lvl7pPr marL="1719072" indent="-182880" algn="l" rtl="0" eaLnBrk="1" latinLnBrk="0" hangingPunct="1">
-              <a:lnSpc>
-                <a:spcPct val="100000"/>
-              </a:lnSpc>
-              <a:spcBef>
-                <a:spcPct val="20000"/>
-              </a:spcBef>
-              <a:buClr>
-                <a:schemeClr val="accent6"/>
-              </a:buClr>
-              <a:buFont typeface="Wingdings 2"/>
-              <a:buChar char=""/>
-              <a:defRPr kumimoji="1" sz="2000" kern="1200">
-                <a:solidFill>
-                  <a:schemeClr val="tx1"/>
-                </a:solidFill>
-                <a:latin typeface="+mn-lt"/>
-                <a:ea typeface="+mn-ea"/>
-                <a:cs typeface="+mn-cs"/>
-              </a:defRPr>
-            </a:lvl7pPr>
-            <a:lvl8pPr marL="1920240" indent="-182880" algn="l" rtl="0" eaLnBrk="1" latinLnBrk="0" hangingPunct="1">
-              <a:lnSpc>
-                <a:spcPct val="100000"/>
-              </a:lnSpc>
-              <a:spcBef>
-                <a:spcPct val="20000"/>
-              </a:spcBef>
-              <a:buClr>
-                <a:schemeClr val="accent6"/>
-              </a:buClr>
-              <a:buFont typeface="Wingdings 2"/>
-              <a:buChar char=""/>
-              <a:defRPr kumimoji="1" sz="2000" kern="1200">
-                <a:solidFill>
-                  <a:schemeClr val="tx1"/>
-                </a:solidFill>
-                <a:latin typeface="+mn-lt"/>
-                <a:ea typeface="+mn-ea"/>
-                <a:cs typeface="+mn-cs"/>
-              </a:defRPr>
-            </a:lvl8pPr>
-            <a:lvl9pPr marL="2130552" indent="-182880" algn="l" rtl="0" eaLnBrk="1" latinLnBrk="0" hangingPunct="1">
-              <a:lnSpc>
-                <a:spcPct val="100000"/>
-              </a:lnSpc>
-              <a:spcBef>
-                <a:spcPct val="20000"/>
-              </a:spcBef>
-              <a:buClr>
-                <a:schemeClr val="accent6"/>
-              </a:buClr>
-              <a:buFont typeface="Wingdings 2"/>
-              <a:buChar char=""/>
-              <a:defRPr kumimoji="1" sz="2000" kern="1200">
-                <a:solidFill>
-                  <a:schemeClr val="tx1"/>
-                </a:solidFill>
-                <a:latin typeface="+mn-lt"/>
-                <a:ea typeface="+mn-ea"/>
-                <a:cs typeface="+mn-cs"/>
-              </a:defRPr>
-            </a:lvl9pPr>
-            <a:extLst/>
-          </a:lstStyle>
-          <a:p>
-            <a:pPr marL="82296" indent="0">
-              <a:buFont typeface="Wingdings 2"/>
-              <a:buNone/>
-            </a:pPr>
-            <a:r>
-              <a:rPr lang="en-US" altLang="ja-JP" dirty="0" err="1" smtClean="0">
-                <a:latin typeface="メイリオ" panose="020B0604030504040204" pitchFamily="50" charset="-128"/>
-                <a:ea typeface="メイリオ" panose="020B0604030504040204" pitchFamily="50" charset="-128"/>
-                <a:cs typeface="メイリオ" panose="020B0604030504040204" pitchFamily="50" charset="-128"/>
-              </a:rPr>
-              <a:t>OnsenUI</a:t>
-            </a:r>
-            <a:r>
-              <a:rPr lang="en-US" altLang="ja-JP" dirty="0" smtClean="0">
-                <a:latin typeface="メイリオ" panose="020B0604030504040204" pitchFamily="50" charset="-128"/>
-                <a:ea typeface="メイリオ" panose="020B0604030504040204" pitchFamily="50" charset="-128"/>
-                <a:cs typeface="メイリオ" panose="020B0604030504040204" pitchFamily="50" charset="-128"/>
-              </a:rPr>
-              <a:t>:</a:t>
-            </a:r>
-          </a:p>
-          <a:p>
-            <a:pPr marL="82296" indent="0">
-              <a:buFont typeface="Wingdings 2"/>
-              <a:buNone/>
-            </a:pPr>
-            <a:r>
-              <a:rPr lang="en-US" altLang="ja-JP" dirty="0" smtClean="0">
-                <a:latin typeface="メイリオ" panose="020B0604030504040204" pitchFamily="50" charset="-128"/>
-                <a:ea typeface="メイリオ" panose="020B0604030504040204" pitchFamily="50" charset="-128"/>
-                <a:cs typeface="メイリオ" panose="020B0604030504040204" pitchFamily="50" charset="-128"/>
-              </a:rPr>
-              <a:t>HTML</a:t>
-            </a:r>
-            <a:r>
-              <a:rPr lang="ja-JP" altLang="en-US" dirty="0" smtClean="0">
-                <a:latin typeface="メイリオ" panose="020B0604030504040204" pitchFamily="50" charset="-128"/>
-                <a:ea typeface="メイリオ" panose="020B0604030504040204" pitchFamily="50" charset="-128"/>
-                <a:cs typeface="メイリオ" panose="020B0604030504040204" pitchFamily="50" charset="-128"/>
-              </a:rPr>
-              <a:t>でスマホアプリっぽい</a:t>
-            </a:r>
-            <a:r>
-              <a:rPr lang="en-US" altLang="ja-JP" dirty="0" smtClean="0">
-                <a:latin typeface="メイリオ" panose="020B0604030504040204" pitchFamily="50" charset="-128"/>
-                <a:ea typeface="メイリオ" panose="020B0604030504040204" pitchFamily="50" charset="-128"/>
-                <a:cs typeface="メイリオ" panose="020B0604030504040204" pitchFamily="50" charset="-128"/>
-              </a:rPr>
-              <a:t>UI</a:t>
-            </a:r>
-            <a:r>
-              <a:rPr lang="ja-JP" altLang="en-US" dirty="0" smtClean="0">
-                <a:latin typeface="メイリオ" panose="020B0604030504040204" pitchFamily="50" charset="-128"/>
-                <a:ea typeface="メイリオ" panose="020B0604030504040204" pitchFamily="50" charset="-128"/>
-                <a:cs typeface="メイリオ" panose="020B0604030504040204" pitchFamily="50" charset="-128"/>
-              </a:rPr>
-              <a:t>を作成しやすくしてくれるフレームワーク</a:t>
-            </a:r>
-            <a:endParaRPr lang="en-US" altLang="ja-JP" dirty="0" smtClean="0">
-              <a:latin typeface="メイリオ" panose="020B0604030504040204" pitchFamily="50" charset="-128"/>
-              <a:ea typeface="メイリオ" panose="020B0604030504040204" pitchFamily="50" charset="-128"/>
-              <a:cs typeface="メイリオ" panose="020B0604030504040204" pitchFamily="50" charset="-128"/>
-            </a:endParaRPr>
-          </a:p>
-          <a:p>
-            <a:pPr marL="82296" indent="0">
-              <a:buFont typeface="Wingdings 2"/>
-              <a:buNone/>
-            </a:pPr>
-            <a:endParaRPr lang="en-US" altLang="ja-JP" dirty="0">
-              <a:latin typeface="メイリオ" panose="020B0604030504040204" pitchFamily="50" charset="-128"/>
-              <a:ea typeface="メイリオ" panose="020B0604030504040204" pitchFamily="50" charset="-128"/>
-              <a:cs typeface="メイリオ" panose="020B0604030504040204" pitchFamily="50" charset="-128"/>
-            </a:endParaRPr>
-          </a:p>
-          <a:p>
-            <a:pPr marL="82296" indent="0">
-              <a:buFont typeface="Wingdings 2"/>
-              <a:buNone/>
-            </a:pPr>
-            <a:r>
-              <a:rPr lang="ja-JP" altLang="en-US" dirty="0" smtClean="0">
-                <a:latin typeface="メイリオ" panose="020B0604030504040204" pitchFamily="50" charset="-128"/>
-                <a:ea typeface="メイリオ" panose="020B0604030504040204" pitchFamily="50" charset="-128"/>
-                <a:cs typeface="メイリオ" panose="020B0604030504040204" pitchFamily="50" charset="-128"/>
-              </a:rPr>
-              <a:t>これもひな形とかあります</a:t>
-            </a:r>
-            <a:endParaRPr lang="en-US" altLang="ja-JP" dirty="0">
-              <a:latin typeface="メイリオ" panose="020B0604030504040204" pitchFamily="50" charset="-128"/>
-              <a:ea typeface="メイリオ" panose="020B0604030504040204" pitchFamily="50" charset="-128"/>
-              <a:cs typeface="メイリオ" panose="020B0604030504040204" pitchFamily="50" charset="-128"/>
-            </a:endParaRPr>
-          </a:p>
-        </p:txBody>
-      </p:sp>
-      <p:pic>
-        <p:nvPicPr>
-          <p:cNvPr id="3" name="図 2"/>
-          <p:cNvPicPr>
-            <a:picLocks noChangeAspect="1"/>
-          </p:cNvPicPr>
-          <p:nvPr/>
-        </p:nvPicPr>
-        <p:blipFill>
-          <a:blip r:embed="rId2">
-            <a:extLst>
-              <a:ext uri="{28A0092B-C50C-407E-A947-70E740481C1C}">
-                <a14:useLocalDpi xmlns:a14="http://schemas.microsoft.com/office/drawing/2010/main" val="0"/>
-              </a:ext>
-            </a:extLst>
-          </a:blip>
-          <a:stretch>
-            <a:fillRect/>
-          </a:stretch>
-        </p:blipFill>
-        <p:spPr>
-          <a:xfrm>
-            <a:off x="5724128" y="3801462"/>
-            <a:ext cx="2762250" cy="2857500"/>
-          </a:xfrm>
-          <a:prstGeom prst="rect">
-            <a:avLst/>
-          </a:prstGeom>
-        </p:spPr>
-      </p:pic>
-    </p:spTree>
-    <p:extLst>
-      <p:ext uri="{BB962C8B-B14F-4D97-AF65-F5344CB8AC3E}">
-        <p14:creationId xmlns:p14="http://schemas.microsoft.com/office/powerpoint/2010/main" val="2786951398"/>
-      </p:ext>
-    </p:extLst>
-  </p:cSld>
-  <p:clrMapOvr>
-    <a:masterClrMapping/>
-  </p:clrMapOvr>
-  <p:timing>
-    <p:tnLst>
-      <p:par>
-        <p:cTn id="1" dur="indefinite" restart="never" nodeType="tmRoot"/>
-      </p:par>
-    </p:tnLst>
-  </p:timing>
-</p:sld>
-</file>
-
-<file path=ppt/slides/slide14.xml><?xml version="1.0" encoding="utf-8"?>
-<p:sld xmlns:a="http://schemas.openxmlformats.org/drawingml/2006/main" xmlns:r="http://schemas.openxmlformats.org/officeDocument/2006/relationships" xmlns:p="http://schemas.openxmlformats.org/presentationml/2006/main">
-  <p:cSld>
-    <p:spTree>
-      <p:nvGrpSpPr>
-        <p:cNvPr id="1" name=""/>
-        <p:cNvGrpSpPr/>
-        <p:nvPr/>
-      </p:nvGrpSpPr>
-      <p:grpSpPr>
-        <a:xfrm>
-          <a:off x="0" y="0"/>
-          <a:ext cx="0" cy="0"/>
-          <a:chOff x="0" y="0"/>
-          <a:chExt cx="0" cy="0"/>
-        </a:xfrm>
-      </p:grpSpPr>
-      <p:sp>
-        <p:nvSpPr>
-          <p:cNvPr id="2" name="タイトル 1"/>
-          <p:cNvSpPr>
-            <a:spLocks noGrp="1"/>
-          </p:cNvSpPr>
-          <p:nvPr>
-            <p:ph type="title"/>
-          </p:nvPr>
-        </p:nvSpPr>
-        <p:spPr/>
-        <p:txBody>
-          <a:bodyPr/>
-          <a:lstStyle/>
-          <a:p>
-            <a:r>
-              <a:rPr kumimoji="1" lang="ja-JP" altLang="en-US" dirty="0" smtClean="0">
-                <a:latin typeface="メイリオ" panose="020B0604030504040204" pitchFamily="50" charset="-128"/>
-                <a:ea typeface="メイリオ" panose="020B0604030504040204" pitchFamily="50" charset="-128"/>
-                <a:cs typeface="メイリオ" panose="020B0604030504040204" pitchFamily="50" charset="-128"/>
-              </a:rPr>
-              <a:t>感想</a:t>
-            </a:r>
-            <a:endParaRPr kumimoji="1" lang="ja-JP" altLang="en-US" dirty="0">
-              <a:latin typeface="メイリオ" panose="020B0604030504040204" pitchFamily="50" charset="-128"/>
-              <a:ea typeface="メイリオ" panose="020B0604030504040204" pitchFamily="50" charset="-128"/>
-              <a:cs typeface="メイリオ" panose="020B0604030504040204" pitchFamily="50" charset="-128"/>
-            </a:endParaRPr>
-          </a:p>
-        </p:txBody>
-      </p:sp>
-      <p:sp>
-        <p:nvSpPr>
-          <p:cNvPr id="6" name="コンテンツ プレースホルダー 2"/>
-          <p:cNvSpPr>
-            <a:spLocks noGrp="1"/>
-          </p:cNvSpPr>
-          <p:nvPr>
-            <p:ph idx="1"/>
-          </p:nvPr>
-        </p:nvSpPr>
-        <p:spPr>
-          <a:xfrm>
-            <a:off x="1435608" y="1124744"/>
-            <a:ext cx="7498080" cy="5400600"/>
-          </a:xfrm>
-        </p:spPr>
-        <p:txBody>
-          <a:bodyPr>
-            <a:normAutofit/>
-          </a:bodyPr>
-          <a:lstStyle/>
-          <a:p>
-            <a:pPr marL="82296" indent="0">
-              <a:buNone/>
-            </a:pPr>
-            <a:r>
-              <a:rPr lang="ja-JP" altLang="en-US" dirty="0" smtClean="0">
-                <a:latin typeface="メイリオ" panose="020B0604030504040204" pitchFamily="50" charset="-128"/>
-                <a:ea typeface="メイリオ" panose="020B0604030504040204" pitchFamily="50" charset="-128"/>
-                <a:cs typeface="メイリオ" panose="020B0604030504040204" pitchFamily="50" charset="-128"/>
-              </a:rPr>
-              <a:t>・とりあえず無料で気軽にできる</a:t>
-            </a:r>
-            <a:endParaRPr lang="en-US" altLang="ja-JP" dirty="0" smtClean="0">
-              <a:latin typeface="メイリオ" panose="020B0604030504040204" pitchFamily="50" charset="-128"/>
-              <a:ea typeface="メイリオ" panose="020B0604030504040204" pitchFamily="50" charset="-128"/>
-              <a:cs typeface="メイリオ" panose="020B0604030504040204" pitchFamily="50" charset="-128"/>
-            </a:endParaRPr>
-          </a:p>
-          <a:p>
-            <a:pPr marL="82296" indent="0">
-              <a:buNone/>
-            </a:pPr>
-            <a:endParaRPr lang="en-US" altLang="ja-JP" dirty="0">
-              <a:latin typeface="メイリオ" panose="020B0604030504040204" pitchFamily="50" charset="-128"/>
-              <a:ea typeface="メイリオ" panose="020B0604030504040204" pitchFamily="50" charset="-128"/>
-              <a:cs typeface="メイリオ" panose="020B0604030504040204" pitchFamily="50" charset="-128"/>
-            </a:endParaRPr>
-          </a:p>
-          <a:p>
-            <a:pPr marL="82296" indent="0">
-              <a:buNone/>
-            </a:pPr>
-            <a:r>
-              <a:rPr lang="ja-JP" altLang="en-US" dirty="0" smtClean="0">
-                <a:latin typeface="メイリオ" panose="020B0604030504040204" pitchFamily="50" charset="-128"/>
-                <a:ea typeface="メイリオ" panose="020B0604030504040204" pitchFamily="50" charset="-128"/>
-                <a:cs typeface="メイリオ" panose="020B0604030504040204" pitchFamily="50" charset="-128"/>
-              </a:rPr>
-              <a:t>・チュートリアル、ドキュメントが</a:t>
-            </a:r>
-            <a:endParaRPr lang="en-US" altLang="ja-JP" dirty="0" smtClean="0">
-              <a:latin typeface="メイリオ" panose="020B0604030504040204" pitchFamily="50" charset="-128"/>
-              <a:ea typeface="メイリオ" panose="020B0604030504040204" pitchFamily="50" charset="-128"/>
-              <a:cs typeface="メイリオ" panose="020B0604030504040204" pitchFamily="50" charset="-128"/>
-            </a:endParaRPr>
-          </a:p>
-          <a:p>
-            <a:pPr marL="82296" indent="0">
-              <a:buNone/>
-            </a:pPr>
-            <a:r>
-              <a:rPr lang="ja-JP" altLang="en-US" dirty="0">
-                <a:latin typeface="メイリオ" panose="020B0604030504040204" pitchFamily="50" charset="-128"/>
-                <a:ea typeface="メイリオ" panose="020B0604030504040204" pitchFamily="50" charset="-128"/>
-                <a:cs typeface="メイリオ" panose="020B0604030504040204" pitchFamily="50" charset="-128"/>
-              </a:rPr>
-              <a:t>　</a:t>
-            </a:r>
-            <a:r>
-              <a:rPr lang="ja-JP" altLang="en-US" dirty="0" smtClean="0">
-                <a:latin typeface="メイリオ" panose="020B0604030504040204" pitchFamily="50" charset="-128"/>
-                <a:ea typeface="メイリオ" panose="020B0604030504040204" pitchFamily="50" charset="-128"/>
-                <a:cs typeface="メイリオ" panose="020B0604030504040204" pitchFamily="50" charset="-128"/>
-              </a:rPr>
-              <a:t>豊富</a:t>
-            </a:r>
-            <a:endParaRPr lang="en-US" altLang="ja-JP" dirty="0" smtClean="0">
-              <a:latin typeface="メイリオ" panose="020B0604030504040204" pitchFamily="50" charset="-128"/>
-              <a:ea typeface="メイリオ" panose="020B0604030504040204" pitchFamily="50" charset="-128"/>
-              <a:cs typeface="メイリオ" panose="020B0604030504040204" pitchFamily="50" charset="-128"/>
-            </a:endParaRPr>
-          </a:p>
-          <a:p>
-            <a:pPr marL="82296" indent="0">
-              <a:buNone/>
-            </a:pPr>
-            <a:endParaRPr lang="en-US" altLang="ja-JP" dirty="0">
-              <a:latin typeface="メイリオ" panose="020B0604030504040204" pitchFamily="50" charset="-128"/>
-              <a:ea typeface="メイリオ" panose="020B0604030504040204" pitchFamily="50" charset="-128"/>
-              <a:cs typeface="メイリオ" panose="020B0604030504040204" pitchFamily="50" charset="-128"/>
-            </a:endParaRPr>
-          </a:p>
-          <a:p>
-            <a:pPr marL="82296" indent="0">
-              <a:buNone/>
-            </a:pPr>
-            <a:r>
-              <a:rPr lang="ja-JP" altLang="en-US" dirty="0" smtClean="0">
-                <a:latin typeface="メイリオ" panose="020B0604030504040204" pitchFamily="50" charset="-128"/>
-                <a:ea typeface="メイリオ" panose="020B0604030504040204" pitchFamily="50" charset="-128"/>
-                <a:cs typeface="メイリオ" panose="020B0604030504040204" pitchFamily="50" charset="-128"/>
-              </a:rPr>
-              <a:t>・コード修正→実機で即反映</a:t>
-            </a:r>
-            <a:endParaRPr lang="en-US" altLang="ja-JP" dirty="0" smtClean="0">
-              <a:latin typeface="メイリオ" panose="020B0604030504040204" pitchFamily="50" charset="-128"/>
-              <a:ea typeface="メイリオ" panose="020B0604030504040204" pitchFamily="50" charset="-128"/>
-              <a:cs typeface="メイリオ" panose="020B0604030504040204" pitchFamily="50" charset="-128"/>
-            </a:endParaRPr>
-          </a:p>
-          <a:p>
-            <a:pPr marL="82296" indent="0">
-              <a:buNone/>
-            </a:pPr>
-            <a:r>
-              <a:rPr lang="ja-JP" altLang="en-US" dirty="0">
-                <a:latin typeface="メイリオ" panose="020B0604030504040204" pitchFamily="50" charset="-128"/>
-                <a:ea typeface="メイリオ" panose="020B0604030504040204" pitchFamily="50" charset="-128"/>
-                <a:cs typeface="メイリオ" panose="020B0604030504040204" pitchFamily="50" charset="-128"/>
-              </a:rPr>
-              <a:t>　</a:t>
-            </a:r>
-            <a:r>
-              <a:rPr lang="ja-JP" altLang="en-US" dirty="0" smtClean="0">
-                <a:latin typeface="メイリオ" panose="020B0604030504040204" pitchFamily="50" charset="-128"/>
-                <a:ea typeface="メイリオ" panose="020B0604030504040204" pitchFamily="50" charset="-128"/>
-                <a:cs typeface="メイリオ" panose="020B0604030504040204" pitchFamily="50" charset="-128"/>
-              </a:rPr>
-              <a:t>はやっぱり楽しい</a:t>
-            </a:r>
-            <a:endParaRPr lang="en-US" altLang="ja-JP" dirty="0" smtClean="0">
-              <a:latin typeface="メイリオ" panose="020B0604030504040204" pitchFamily="50" charset="-128"/>
-              <a:ea typeface="メイリオ" panose="020B0604030504040204" pitchFamily="50" charset="-128"/>
-              <a:cs typeface="メイリオ" panose="020B0604030504040204" pitchFamily="50" charset="-128"/>
-            </a:endParaRPr>
-          </a:p>
-          <a:p>
-            <a:pPr marL="82296" indent="0">
-              <a:buNone/>
-            </a:pPr>
-            <a:endParaRPr lang="en-US" altLang="ja-JP" dirty="0" smtClean="0">
-              <a:latin typeface="メイリオ" panose="020B0604030504040204" pitchFamily="50" charset="-128"/>
-              <a:ea typeface="メイリオ" panose="020B0604030504040204" pitchFamily="50" charset="-128"/>
-              <a:cs typeface="メイリオ" panose="020B0604030504040204" pitchFamily="50" charset="-128"/>
-            </a:endParaRPr>
-          </a:p>
-          <a:p>
-            <a:pPr marL="82296" indent="0">
-              <a:buNone/>
-            </a:pPr>
-            <a:r>
-              <a:rPr lang="ja-JP" altLang="en-US" dirty="0" smtClean="0">
-                <a:latin typeface="メイリオ" panose="020B0604030504040204" pitchFamily="50" charset="-128"/>
-                <a:ea typeface="メイリオ" panose="020B0604030504040204" pitchFamily="50" charset="-128"/>
-                <a:cs typeface="メイリオ" panose="020B0604030504040204" pitchFamily="50" charset="-128"/>
-              </a:rPr>
-              <a:t>・やはり</a:t>
-            </a:r>
-            <a:r>
-              <a:rPr lang="en-US" altLang="ja-JP" dirty="0" smtClean="0">
-                <a:latin typeface="メイリオ" panose="020B0604030504040204" pitchFamily="50" charset="-128"/>
-                <a:ea typeface="メイリオ" panose="020B0604030504040204" pitchFamily="50" charset="-128"/>
-                <a:cs typeface="メイリオ" panose="020B0604030504040204" pitchFamily="50" charset="-128"/>
-              </a:rPr>
-              <a:t>Objective-C</a:t>
-            </a:r>
-            <a:r>
-              <a:rPr lang="ja-JP" altLang="en-US" dirty="0" smtClean="0">
-                <a:latin typeface="メイリオ" panose="020B0604030504040204" pitchFamily="50" charset="-128"/>
-                <a:ea typeface="メイリオ" panose="020B0604030504040204" pitchFamily="50" charset="-128"/>
-                <a:cs typeface="メイリオ" panose="020B0604030504040204" pitchFamily="50" charset="-128"/>
-              </a:rPr>
-              <a:t>より</a:t>
-            </a:r>
-            <a:r>
-              <a:rPr lang="ja-JP" altLang="en-US" dirty="0" err="1" smtClean="0">
-                <a:latin typeface="メイリオ" panose="020B0604030504040204" pitchFamily="50" charset="-128"/>
-                <a:ea typeface="メイリオ" panose="020B0604030504040204" pitchFamily="50" charset="-128"/>
-                <a:cs typeface="メイリオ" panose="020B0604030504040204" pitchFamily="50" charset="-128"/>
-              </a:rPr>
-              <a:t>遅いっぽい</a:t>
-            </a:r>
-            <a:r>
-              <a:rPr lang="ja-JP" altLang="en-US" dirty="0" smtClean="0">
-                <a:latin typeface="メイリオ" panose="020B0604030504040204" pitchFamily="50" charset="-128"/>
-                <a:ea typeface="メイリオ" panose="020B0604030504040204" pitchFamily="50" charset="-128"/>
-                <a:cs typeface="メイリオ" panose="020B0604030504040204" pitchFamily="50" charset="-128"/>
-              </a:rPr>
-              <a:t>？</a:t>
-            </a:r>
-            <a:endParaRPr lang="en-US" altLang="ja-JP" dirty="0">
-              <a:latin typeface="メイリオ" panose="020B0604030504040204" pitchFamily="50" charset="-128"/>
-              <a:ea typeface="メイリオ" panose="020B0604030504040204" pitchFamily="50" charset="-128"/>
-              <a:cs typeface="メイリオ" panose="020B0604030504040204" pitchFamily="50" charset="-128"/>
-            </a:endParaRPr>
-          </a:p>
-        </p:txBody>
-      </p:sp>
-    </p:spTree>
-    <p:extLst>
-      <p:ext uri="{BB962C8B-B14F-4D97-AF65-F5344CB8AC3E}">
-        <p14:creationId xmlns:p14="http://schemas.microsoft.com/office/powerpoint/2010/main" val="868550525"/>
-      </p:ext>
-    </p:extLst>
-  </p:cSld>
-  <p:clrMapOvr>
-    <a:masterClrMapping/>
-  </p:clrMapOvr>
-</p:sld>
-</file>
-
-<file path=ppt/slides/slide15.xml><?xml version="1.0" encoding="utf-8"?>
-<p:sld xmlns:a="http://schemas.openxmlformats.org/drawingml/2006/main" xmlns:r="http://schemas.openxmlformats.org/officeDocument/2006/relationships" xmlns:p="http://schemas.openxmlformats.org/presentationml/2006/main">
-  <p:cSld>
-    <p:spTree>
-      <p:nvGrpSpPr>
-        <p:cNvPr id="1" name=""/>
-        <p:cNvGrpSpPr/>
-        <p:nvPr/>
-      </p:nvGrpSpPr>
-      <p:grpSpPr>
-        <a:xfrm>
-          <a:off x="0" y="0"/>
-          <a:ext cx="0" cy="0"/>
-          <a:chOff x="0" y="0"/>
-          <a:chExt cx="0" cy="0"/>
-        </a:xfrm>
-      </p:grpSpPr>
-      <p:sp>
-        <p:nvSpPr>
-          <p:cNvPr id="2" name="タイトル 1"/>
-          <p:cNvSpPr>
-            <a:spLocks noGrp="1"/>
-          </p:cNvSpPr>
-          <p:nvPr>
-            <p:ph type="title"/>
-          </p:nvPr>
-        </p:nvSpPr>
-        <p:spPr/>
-        <p:txBody>
-          <a:bodyPr/>
-          <a:lstStyle/>
-          <a:p>
-            <a:r>
-              <a:rPr kumimoji="1" lang="ja-JP" altLang="en-US" dirty="0" smtClean="0">
-                <a:latin typeface="メイリオ" panose="020B0604030504040204" pitchFamily="50" charset="-128"/>
-                <a:ea typeface="メイリオ" panose="020B0604030504040204" pitchFamily="50" charset="-128"/>
-                <a:cs typeface="メイリオ" panose="020B0604030504040204" pitchFamily="50" charset="-128"/>
-              </a:rPr>
-              <a:t>反省</a:t>
-            </a:r>
-            <a:endParaRPr kumimoji="1" lang="ja-JP" altLang="en-US" dirty="0">
-              <a:latin typeface="メイリオ" panose="020B0604030504040204" pitchFamily="50" charset="-128"/>
-              <a:ea typeface="メイリオ" panose="020B0604030504040204" pitchFamily="50" charset="-128"/>
-              <a:cs typeface="メイリオ" panose="020B0604030504040204" pitchFamily="50" charset="-128"/>
-            </a:endParaRPr>
-          </a:p>
-        </p:txBody>
-      </p:sp>
-      <p:sp>
-        <p:nvSpPr>
-          <p:cNvPr id="6" name="コンテンツ プレースホルダー 2"/>
-          <p:cNvSpPr>
-            <a:spLocks noGrp="1"/>
-          </p:cNvSpPr>
-          <p:nvPr>
-            <p:ph idx="1"/>
-          </p:nvPr>
-        </p:nvSpPr>
-        <p:spPr>
-          <a:xfrm>
-            <a:off x="1435608" y="1447800"/>
-            <a:ext cx="7498080" cy="5410200"/>
-          </a:xfrm>
-        </p:spPr>
-        <p:txBody>
-          <a:bodyPr>
-            <a:normAutofit/>
-          </a:bodyPr>
-          <a:lstStyle/>
-          <a:p>
-            <a:pPr marL="82296" indent="0">
-              <a:buNone/>
-            </a:pPr>
-            <a:r>
-              <a:rPr lang="ja-JP" altLang="en-US" dirty="0" smtClean="0">
-                <a:latin typeface="メイリオ" panose="020B0604030504040204" pitchFamily="50" charset="-128"/>
-                <a:ea typeface="メイリオ" panose="020B0604030504040204" pitchFamily="50" charset="-128"/>
-                <a:cs typeface="メイリオ" panose="020B0604030504040204" pitchFamily="50" charset="-128"/>
-              </a:rPr>
-              <a:t>・なんか作ろうと思ってたけど</a:t>
-            </a:r>
-            <a:endParaRPr lang="en-US" altLang="ja-JP" dirty="0" smtClean="0">
-              <a:latin typeface="メイリオ" panose="020B0604030504040204" pitchFamily="50" charset="-128"/>
-              <a:ea typeface="メイリオ" panose="020B0604030504040204" pitchFamily="50" charset="-128"/>
-              <a:cs typeface="メイリオ" panose="020B0604030504040204" pitchFamily="50" charset="-128"/>
-            </a:endParaRPr>
-          </a:p>
-          <a:p>
-            <a:pPr marL="82296" indent="0">
-              <a:buNone/>
-            </a:pPr>
-            <a:r>
-              <a:rPr lang="ja-JP" altLang="en-US" dirty="0">
-                <a:latin typeface="メイリオ" panose="020B0604030504040204" pitchFamily="50" charset="-128"/>
-                <a:ea typeface="メイリオ" panose="020B0604030504040204" pitchFamily="50" charset="-128"/>
-                <a:cs typeface="メイリオ" panose="020B0604030504040204" pitchFamily="50" charset="-128"/>
-              </a:rPr>
-              <a:t>　</a:t>
-            </a:r>
-            <a:r>
-              <a:rPr lang="ja-JP" altLang="en-US" dirty="0" smtClean="0">
-                <a:latin typeface="メイリオ" panose="020B0604030504040204" pitchFamily="50" charset="-128"/>
-                <a:ea typeface="メイリオ" panose="020B0604030504040204" pitchFamily="50" charset="-128"/>
-                <a:cs typeface="メイリオ" panose="020B0604030504040204" pitchFamily="50" charset="-128"/>
-              </a:rPr>
-              <a:t>サンプル追うだけでおわった・・・</a:t>
-            </a:r>
-            <a:endParaRPr lang="en-US" altLang="ja-JP" dirty="0" smtClean="0">
-              <a:latin typeface="メイリオ" panose="020B0604030504040204" pitchFamily="50" charset="-128"/>
-              <a:ea typeface="メイリオ" panose="020B0604030504040204" pitchFamily="50" charset="-128"/>
-              <a:cs typeface="メイリオ" panose="020B0604030504040204" pitchFamily="50" charset="-128"/>
-            </a:endParaRPr>
-          </a:p>
-          <a:p>
-            <a:pPr marL="82296" indent="0">
-              <a:buNone/>
-            </a:pPr>
-            <a:endParaRPr lang="en-US" altLang="ja-JP" dirty="0">
-              <a:latin typeface="メイリオ" panose="020B0604030504040204" pitchFamily="50" charset="-128"/>
-              <a:ea typeface="メイリオ" panose="020B0604030504040204" pitchFamily="50" charset="-128"/>
-              <a:cs typeface="メイリオ" panose="020B0604030504040204" pitchFamily="50" charset="-128"/>
-            </a:endParaRPr>
-          </a:p>
-          <a:p>
-            <a:pPr marL="82296" indent="0">
-              <a:buNone/>
-            </a:pPr>
-            <a:r>
-              <a:rPr lang="ja-JP" altLang="en-US" dirty="0" smtClean="0">
-                <a:latin typeface="メイリオ" panose="020B0604030504040204" pitchFamily="50" charset="-128"/>
-                <a:ea typeface="メイリオ" panose="020B0604030504040204" pitchFamily="50" charset="-128"/>
-                <a:cs typeface="メイリオ" panose="020B0604030504040204" pitchFamily="50" charset="-128"/>
-              </a:rPr>
-              <a:t>・</a:t>
-            </a:r>
-            <a:r>
-              <a:rPr lang="en-US" altLang="ja-JP" dirty="0" smtClean="0">
-                <a:latin typeface="メイリオ" panose="020B0604030504040204" pitchFamily="50" charset="-128"/>
-                <a:ea typeface="メイリオ" panose="020B0604030504040204" pitchFamily="50" charset="-128"/>
-                <a:cs typeface="メイリオ" panose="020B0604030504040204" pitchFamily="50" charset="-128"/>
-              </a:rPr>
-              <a:t>JS</a:t>
-            </a:r>
-            <a:r>
-              <a:rPr lang="ja-JP" altLang="en-US" dirty="0" smtClean="0">
-                <a:latin typeface="メイリオ" panose="020B0604030504040204" pitchFamily="50" charset="-128"/>
-                <a:ea typeface="メイリオ" panose="020B0604030504040204" pitchFamily="50" charset="-128"/>
-                <a:cs typeface="メイリオ" panose="020B0604030504040204" pitchFamily="50" charset="-128"/>
-              </a:rPr>
-              <a:t>とか</a:t>
-            </a:r>
-            <a:r>
-              <a:rPr lang="en-US" altLang="ja-JP" dirty="0" smtClean="0">
-                <a:latin typeface="メイリオ" panose="020B0604030504040204" pitchFamily="50" charset="-128"/>
-                <a:ea typeface="メイリオ" panose="020B0604030504040204" pitchFamily="50" charset="-128"/>
-                <a:cs typeface="メイリオ" panose="020B0604030504040204" pitchFamily="50" charset="-128"/>
-              </a:rPr>
-              <a:t>Web</a:t>
-            </a:r>
-            <a:r>
-              <a:rPr lang="ja-JP" altLang="en-US" dirty="0" smtClean="0">
-                <a:latin typeface="メイリオ" panose="020B0604030504040204" pitchFamily="50" charset="-128"/>
-                <a:ea typeface="メイリオ" panose="020B0604030504040204" pitchFamily="50" charset="-128"/>
-                <a:cs typeface="メイリオ" panose="020B0604030504040204" pitchFamily="50" charset="-128"/>
-              </a:rPr>
-              <a:t>系技術は別途勉強した</a:t>
-            </a:r>
-            <a:endParaRPr lang="en-US" altLang="ja-JP" dirty="0" smtClean="0">
-              <a:latin typeface="メイリオ" panose="020B0604030504040204" pitchFamily="50" charset="-128"/>
-              <a:ea typeface="メイリオ" panose="020B0604030504040204" pitchFamily="50" charset="-128"/>
-              <a:cs typeface="メイリオ" panose="020B0604030504040204" pitchFamily="50" charset="-128"/>
-            </a:endParaRPr>
-          </a:p>
-          <a:p>
-            <a:pPr marL="82296" indent="0">
-              <a:buNone/>
-            </a:pPr>
-            <a:r>
-              <a:rPr lang="ja-JP" altLang="en-US" dirty="0">
-                <a:latin typeface="メイリオ" panose="020B0604030504040204" pitchFamily="50" charset="-128"/>
-                <a:ea typeface="メイリオ" panose="020B0604030504040204" pitchFamily="50" charset="-128"/>
-                <a:cs typeface="メイリオ" panose="020B0604030504040204" pitchFamily="50" charset="-128"/>
-              </a:rPr>
-              <a:t>　</a:t>
-            </a:r>
-            <a:r>
-              <a:rPr lang="ja-JP" altLang="en-US" dirty="0" smtClean="0">
-                <a:latin typeface="メイリオ" panose="020B0604030504040204" pitchFamily="50" charset="-128"/>
-                <a:ea typeface="メイリオ" panose="020B0604030504040204" pitchFamily="50" charset="-128"/>
-                <a:cs typeface="メイリオ" panose="020B0604030504040204" pitchFamily="50" charset="-128"/>
-              </a:rPr>
-              <a:t>ほうがいいかも。</a:t>
-            </a:r>
-            <a:endParaRPr lang="en-US" altLang="ja-JP" dirty="0" smtClean="0">
-              <a:latin typeface="メイリオ" panose="020B0604030504040204" pitchFamily="50" charset="-128"/>
-              <a:ea typeface="メイリオ" panose="020B0604030504040204" pitchFamily="50" charset="-128"/>
-              <a:cs typeface="メイリオ" panose="020B0604030504040204" pitchFamily="50" charset="-128"/>
-            </a:endParaRPr>
-          </a:p>
-          <a:p>
-            <a:pPr marL="82296" indent="0">
-              <a:buNone/>
-            </a:pPr>
-            <a:r>
-              <a:rPr lang="ja-JP" altLang="en-US" dirty="0" smtClean="0">
-                <a:latin typeface="メイリオ" panose="020B0604030504040204" pitchFamily="50" charset="-128"/>
-                <a:ea typeface="メイリオ" panose="020B0604030504040204" pitchFamily="50" charset="-128"/>
-                <a:cs typeface="メイリオ" panose="020B0604030504040204" pitchFamily="50" charset="-128"/>
-              </a:rPr>
-              <a:t>　→</a:t>
-            </a:r>
-            <a:r>
-              <a:rPr lang="en-US" altLang="ja-JP" dirty="0" smtClean="0">
-                <a:latin typeface="メイリオ" panose="020B0604030504040204" pitchFamily="50" charset="-128"/>
-                <a:ea typeface="メイリオ" panose="020B0604030504040204" pitchFamily="50" charset="-128"/>
-                <a:cs typeface="メイリオ" panose="020B0604030504040204" pitchFamily="50" charset="-128"/>
-              </a:rPr>
-              <a:t>Monaca</a:t>
-            </a:r>
-            <a:r>
-              <a:rPr lang="ja-JP" altLang="en-US" dirty="0" smtClean="0">
-                <a:latin typeface="メイリオ" panose="020B0604030504040204" pitchFamily="50" charset="-128"/>
-                <a:ea typeface="メイリオ" panose="020B0604030504040204" pitchFamily="50" charset="-128"/>
-                <a:cs typeface="メイリオ" panose="020B0604030504040204" pitchFamily="50" charset="-128"/>
-              </a:rPr>
-              <a:t>を勉強用にもできそう。</a:t>
-            </a:r>
-            <a:endParaRPr lang="en-US" altLang="ja-JP" dirty="0" smtClean="0">
-              <a:latin typeface="メイリオ" panose="020B0604030504040204" pitchFamily="50" charset="-128"/>
-              <a:ea typeface="メイリオ" panose="020B0604030504040204" pitchFamily="50" charset="-128"/>
-              <a:cs typeface="メイリオ" panose="020B0604030504040204" pitchFamily="50" charset="-128"/>
-            </a:endParaRPr>
-          </a:p>
-          <a:p>
-            <a:pPr marL="82296" indent="0">
-              <a:buNone/>
-            </a:pPr>
-            <a:endParaRPr lang="en-US" altLang="ja-JP" dirty="0">
-              <a:latin typeface="メイリオ" panose="020B0604030504040204" pitchFamily="50" charset="-128"/>
-              <a:ea typeface="メイリオ" panose="020B0604030504040204" pitchFamily="50" charset="-128"/>
-              <a:cs typeface="メイリオ" panose="020B0604030504040204" pitchFamily="50" charset="-128"/>
-            </a:endParaRPr>
-          </a:p>
-          <a:p>
-            <a:pPr marL="82296" indent="0">
-              <a:buNone/>
-            </a:pPr>
-            <a:r>
-              <a:rPr lang="ja-JP" altLang="en-US" dirty="0" smtClean="0">
-                <a:latin typeface="メイリオ" panose="020B0604030504040204" pitchFamily="50" charset="-128"/>
-                <a:ea typeface="メイリオ" panose="020B0604030504040204" pitchFamily="50" charset="-128"/>
-                <a:cs typeface="メイリオ" panose="020B0604030504040204" pitchFamily="50" charset="-128"/>
-              </a:rPr>
-              <a:t>・今後は</a:t>
-            </a:r>
-            <a:r>
-              <a:rPr lang="en-US" altLang="ja-JP" dirty="0" err="1" smtClean="0">
-                <a:latin typeface="メイリオ" panose="020B0604030504040204" pitchFamily="50" charset="-128"/>
-                <a:ea typeface="メイリオ" panose="020B0604030504040204" pitchFamily="50" charset="-128"/>
-                <a:cs typeface="メイリオ" panose="020B0604030504040204" pitchFamily="50" charset="-128"/>
-              </a:rPr>
-              <a:t>PhoneGap</a:t>
-            </a:r>
-            <a:r>
-              <a:rPr lang="ja-JP" altLang="en-US" dirty="0" smtClean="0">
-                <a:latin typeface="メイリオ" panose="020B0604030504040204" pitchFamily="50" charset="-128"/>
-                <a:ea typeface="メイリオ" panose="020B0604030504040204" pitchFamily="50" charset="-128"/>
-                <a:cs typeface="メイリオ" panose="020B0604030504040204" pitchFamily="50" charset="-128"/>
-              </a:rPr>
-              <a:t>とか触ると面白い</a:t>
-            </a:r>
-            <a:endParaRPr lang="en-US" altLang="ja-JP" dirty="0" smtClean="0">
-              <a:latin typeface="メイリオ" panose="020B0604030504040204" pitchFamily="50" charset="-128"/>
-              <a:ea typeface="メイリオ" panose="020B0604030504040204" pitchFamily="50" charset="-128"/>
-              <a:cs typeface="メイリオ" panose="020B0604030504040204" pitchFamily="50" charset="-128"/>
-            </a:endParaRPr>
-          </a:p>
-          <a:p>
-            <a:pPr marL="82296" indent="0">
-              <a:buNone/>
-            </a:pPr>
-            <a:r>
-              <a:rPr lang="ja-JP" altLang="en-US" dirty="0">
-                <a:latin typeface="メイリオ" panose="020B0604030504040204" pitchFamily="50" charset="-128"/>
-                <a:ea typeface="メイリオ" panose="020B0604030504040204" pitchFamily="50" charset="-128"/>
-                <a:cs typeface="メイリオ" panose="020B0604030504040204" pitchFamily="50" charset="-128"/>
-              </a:rPr>
-              <a:t>　</a:t>
-            </a:r>
-            <a:r>
-              <a:rPr lang="ja-JP" altLang="en-US" dirty="0" smtClean="0">
-                <a:latin typeface="メイリオ" panose="020B0604030504040204" pitchFamily="50" charset="-128"/>
-                <a:ea typeface="メイリオ" panose="020B0604030504040204" pitchFamily="50" charset="-128"/>
-                <a:cs typeface="メイリオ" panose="020B0604030504040204" pitchFamily="50" charset="-128"/>
-              </a:rPr>
-              <a:t>と思った</a:t>
-            </a:r>
-            <a:endParaRPr lang="en-US" altLang="ja-JP" dirty="0" smtClean="0">
-              <a:latin typeface="メイリオ" panose="020B0604030504040204" pitchFamily="50" charset="-128"/>
-              <a:ea typeface="メイリオ" panose="020B0604030504040204" pitchFamily="50" charset="-128"/>
-              <a:cs typeface="メイリオ" panose="020B0604030504040204" pitchFamily="50" charset="-128"/>
-            </a:endParaRPr>
-          </a:p>
-        </p:txBody>
-      </p:sp>
-    </p:spTree>
-    <p:extLst>
-      <p:ext uri="{BB962C8B-B14F-4D97-AF65-F5344CB8AC3E}">
-        <p14:creationId xmlns:p14="http://schemas.microsoft.com/office/powerpoint/2010/main" val="1080911360"/>
-      </p:ext>
-    </p:extLst>
-  </p:cSld>
-  <p:clrMapOvr>
-    <a:masterClrMapping/>
-  </p:clrMapOvr>
-</p:sld>
-</file>
-
-<file path=ppt/slides/slide16.xml><?xml version="1.0" encoding="utf-8"?>
-<p:sld xmlns:a="http://schemas.openxmlformats.org/drawingml/2006/main" xmlns:r="http://schemas.openxmlformats.org/officeDocument/2006/relationships" xmlns:p="http://schemas.openxmlformats.org/presentationml/2006/main">
-  <p:cSld>
-    <p:spTree>
-      <p:nvGrpSpPr>
-        <p:cNvPr id="1" name=""/>
-        <p:cNvGrpSpPr/>
-        <p:nvPr/>
-      </p:nvGrpSpPr>
-      <p:grpSpPr>
-        <a:xfrm>
-          <a:off x="0" y="0"/>
-          <a:ext cx="0" cy="0"/>
-          <a:chOff x="0" y="0"/>
-          <a:chExt cx="0" cy="0"/>
-        </a:xfrm>
-      </p:grpSpPr>
-      <p:sp>
-        <p:nvSpPr>
-          <p:cNvPr id="3" name="コンテンツ プレースホルダー 2"/>
-          <p:cNvSpPr>
-            <a:spLocks noGrp="1"/>
-          </p:cNvSpPr>
-          <p:nvPr>
-            <p:ph idx="1"/>
-          </p:nvPr>
-        </p:nvSpPr>
-        <p:spPr>
-          <a:xfrm>
-            <a:off x="1435608" y="3068960"/>
-            <a:ext cx="7498080" cy="3179440"/>
-          </a:xfrm>
-        </p:spPr>
-        <p:txBody>
-          <a:bodyPr>
-            <a:normAutofit/>
-          </a:bodyPr>
-          <a:lstStyle/>
-          <a:p>
-            <a:pPr marL="82296" indent="0">
-              <a:buNone/>
-            </a:pPr>
-            <a:r>
-              <a:rPr kumimoji="1" lang="ja-JP" altLang="en-US" sz="3600" dirty="0" smtClean="0">
-                <a:latin typeface="メイリオ" panose="020B0604030504040204" pitchFamily="50" charset="-128"/>
-                <a:ea typeface="メイリオ" panose="020B0604030504040204" pitchFamily="50" charset="-128"/>
-                <a:cs typeface="メイリオ" panose="020B0604030504040204" pitchFamily="50" charset="-128"/>
-              </a:rPr>
-              <a:t>ご清聴ありがとうございました</a:t>
-            </a:r>
-            <a:endParaRPr kumimoji="1" lang="ja-JP" altLang="en-US" sz="3600" dirty="0">
-              <a:latin typeface="メイリオ" panose="020B0604030504040204" pitchFamily="50" charset="-128"/>
-              <a:ea typeface="メイリオ" panose="020B0604030504040204" pitchFamily="50" charset="-128"/>
-              <a:cs typeface="メイリオ" panose="020B0604030504040204" pitchFamily="50" charset="-128"/>
-            </a:endParaRPr>
-          </a:p>
-        </p:txBody>
-      </p:sp>
-      <p:sp>
-        <p:nvSpPr>
-          <p:cNvPr id="4" name="タイトル 3"/>
-          <p:cNvSpPr>
-            <a:spLocks noGrp="1"/>
-          </p:cNvSpPr>
-          <p:nvPr>
-            <p:ph type="title"/>
-          </p:nvPr>
-        </p:nvSpPr>
-        <p:spPr/>
-        <p:txBody>
-          <a:bodyPr/>
-          <a:lstStyle/>
-          <a:p>
-            <a:endParaRPr kumimoji="1" lang="ja-JP" altLang="en-US">
-              <a:latin typeface="メイリオ" panose="020B0604030504040204" pitchFamily="50" charset="-128"/>
-              <a:ea typeface="メイリオ" panose="020B0604030504040204" pitchFamily="50" charset="-128"/>
-              <a:cs typeface="メイリオ" panose="020B0604030504040204" pitchFamily="50" charset="-128"/>
-            </a:endParaRPr>
-          </a:p>
-        </p:txBody>
-      </p:sp>
-    </p:spTree>
-    <p:extLst>
-      <p:ext uri="{BB962C8B-B14F-4D97-AF65-F5344CB8AC3E}">
-        <p14:creationId xmlns:p14="http://schemas.microsoft.com/office/powerpoint/2010/main" val="2805364914"/>
-      </p:ext>
-    </p:extLst>
-  </p:cSld>
-  <p:clrMapOvr>
-    <a:masterClrMapping/>
-  </p:clrMapOvr>
-</p:sld>
-</file>
-
-<file path=ppt/slides/slide2.xml><?xml version="1.0" encoding="utf-8"?>
-<p:sld xmlns:a="http://schemas.openxmlformats.org/drawingml/2006/main" xmlns:r="http://schemas.openxmlformats.org/officeDocument/2006/relationships" xmlns:p="http://schemas.openxmlformats.org/presentationml/2006/main">
-  <p:cSld>
-    <p:spTree>
-      <p:nvGrpSpPr>
-        <p:cNvPr id="1" name=""/>
-        <p:cNvGrpSpPr/>
-        <p:nvPr/>
-      </p:nvGrpSpPr>
-      <p:grpSpPr>
-        <a:xfrm>
-          <a:off x="0" y="0"/>
-          <a:ext cx="0" cy="0"/>
-          <a:chOff x="0" y="0"/>
-          <a:chExt cx="0" cy="0"/>
-        </a:xfrm>
-      </p:grpSpPr>
-      <p:sp>
-        <p:nvSpPr>
-          <p:cNvPr id="2" name="タイトル 1"/>
-          <p:cNvSpPr>
-            <a:spLocks noGrp="1"/>
-          </p:cNvSpPr>
-          <p:nvPr>
-            <p:ph type="title"/>
-          </p:nvPr>
-        </p:nvSpPr>
-        <p:spPr>
-          <a:xfrm>
-            <a:off x="1435608" y="2852936"/>
-            <a:ext cx="7498080" cy="1143000"/>
-          </a:xfrm>
-        </p:spPr>
-        <p:txBody>
-          <a:bodyPr>
-            <a:normAutofit fontScale="90000"/>
-          </a:bodyPr>
-          <a:lstStyle/>
-          <a:p>
-            <a:r>
-              <a:rPr kumimoji="1" lang="ja-JP" altLang="en-US" sz="3600" dirty="0" smtClean="0">
-                <a:latin typeface="メイリオ" panose="020B0604030504040204" pitchFamily="50" charset="-128"/>
-                <a:ea typeface="メイリオ" panose="020B0604030504040204" pitchFamily="50" charset="-128"/>
-                <a:cs typeface="メイリオ" panose="020B0604030504040204" pitchFamily="50" charset="-128"/>
-              </a:rPr>
-              <a:t>第一部　</a:t>
-            </a:r>
-            <a:r>
-              <a:rPr kumimoji="1" lang="en-US" altLang="ja-JP" sz="3600" dirty="0" smtClean="0">
-                <a:latin typeface="メイリオ" panose="020B0604030504040204" pitchFamily="50" charset="-128"/>
-                <a:ea typeface="メイリオ" panose="020B0604030504040204" pitchFamily="50" charset="-128"/>
-                <a:cs typeface="メイリオ" panose="020B0604030504040204" pitchFamily="50" charset="-128"/>
-              </a:rPr>
-              <a:t>Vim</a:t>
-            </a:r>
-            <a:r>
-              <a:rPr kumimoji="1" lang="ja-JP" altLang="en-US" sz="3600" dirty="0" smtClean="0">
-                <a:latin typeface="メイリオ" panose="020B0604030504040204" pitchFamily="50" charset="-128"/>
-                <a:ea typeface="メイリオ" panose="020B0604030504040204" pitchFamily="50" charset="-128"/>
-                <a:cs typeface="メイリオ" panose="020B0604030504040204" pitchFamily="50" charset="-128"/>
-              </a:rPr>
-              <a:t>との出会い</a:t>
-            </a:r>
-            <a:r>
-              <a:rPr kumimoji="1" lang="en-US" altLang="ja-JP" sz="3600" dirty="0" smtClean="0">
-                <a:latin typeface="メイリオ" panose="020B0604030504040204" pitchFamily="50" charset="-128"/>
-                <a:ea typeface="メイリオ" panose="020B0604030504040204" pitchFamily="50" charset="-128"/>
-                <a:cs typeface="メイリオ" panose="020B0604030504040204" pitchFamily="50" charset="-128"/>
-              </a:rPr>
-              <a:t/>
-            </a:r>
-            <a:br>
-              <a:rPr kumimoji="1" lang="en-US" altLang="ja-JP" sz="3600" dirty="0" smtClean="0">
-                <a:latin typeface="メイリオ" panose="020B0604030504040204" pitchFamily="50" charset="-128"/>
-                <a:ea typeface="メイリオ" panose="020B0604030504040204" pitchFamily="50" charset="-128"/>
-                <a:cs typeface="メイリオ" panose="020B0604030504040204" pitchFamily="50" charset="-128"/>
-              </a:rPr>
-            </a:br>
-            <a:r>
-              <a:rPr kumimoji="1" lang="ja-JP" altLang="en-US" sz="3600" dirty="0" smtClean="0">
-                <a:latin typeface="メイリオ" panose="020B0604030504040204" pitchFamily="50" charset="-128"/>
-                <a:ea typeface="メイリオ" panose="020B0604030504040204" pitchFamily="50" charset="-128"/>
-                <a:cs typeface="メイリオ" panose="020B0604030504040204" pitchFamily="50" charset="-128"/>
-              </a:rPr>
-              <a:t>　　　　</a:t>
-            </a:r>
-            <a:r>
-              <a:rPr lang="ja-JP" altLang="en-US" sz="3600" dirty="0" smtClean="0">
-                <a:latin typeface="メイリオ" panose="020B0604030504040204" pitchFamily="50" charset="-128"/>
-                <a:ea typeface="メイリオ" panose="020B0604030504040204" pitchFamily="50" charset="-128"/>
-                <a:cs typeface="メイリオ" panose="020B0604030504040204" pitchFamily="50" charset="-128"/>
-              </a:rPr>
-              <a:t>～</a:t>
-            </a:r>
-            <a:r>
-              <a:rPr kumimoji="1" lang="ja-JP" altLang="en-US" sz="3600" dirty="0" smtClean="0">
-                <a:latin typeface="メイリオ" panose="020B0604030504040204" pitchFamily="50" charset="-128"/>
-                <a:ea typeface="メイリオ" panose="020B0604030504040204" pitchFamily="50" charset="-128"/>
-                <a:cs typeface="メイリオ" panose="020B0604030504040204" pitchFamily="50" charset="-128"/>
-              </a:rPr>
-              <a:t>コマンドプロンプト改造～</a:t>
-            </a:r>
-            <a:endParaRPr kumimoji="1" lang="ja-JP" altLang="en-US" sz="3600" dirty="0">
-              <a:latin typeface="メイリオ" panose="020B0604030504040204" pitchFamily="50" charset="-128"/>
-              <a:ea typeface="メイリオ" panose="020B0604030504040204" pitchFamily="50" charset="-128"/>
-              <a:cs typeface="メイリオ" panose="020B0604030504040204" pitchFamily="50" charset="-128"/>
-            </a:endParaRPr>
-          </a:p>
-        </p:txBody>
-      </p:sp>
-    </p:spTree>
-    <p:extLst>
-      <p:ext uri="{BB962C8B-B14F-4D97-AF65-F5344CB8AC3E}">
-        <p14:creationId xmlns:p14="http://schemas.microsoft.com/office/powerpoint/2010/main" val="2486749052"/>
-      </p:ext>
-    </p:extLst>
-  </p:cSld>
-  <p:clrMapOvr>
-    <a:masterClrMapping/>
-  </p:clrMapOvr>
-  <p:timing>
-    <p:tnLst>
-      <p:par>
-        <p:cTn id="1" dur="indefinite" restart="never" nodeType="tmRoot"/>
-      </p:par>
-    </p:tnLst>
-  </p:timing>
-</p:sld>
-</file>
-
-<file path=ppt/slides/slide3.xml><?xml version="1.0" encoding="utf-8"?>
-<p:sld xmlns:a="http://schemas.openxmlformats.org/drawingml/2006/main" xmlns:r="http://schemas.openxmlformats.org/officeDocument/2006/relationships" xmlns:p="http://schemas.openxmlformats.org/presentationml/2006/main">
-  <p:cSld>
-    <p:spTree>
-      <p:nvGrpSpPr>
-        <p:cNvPr id="1" name=""/>
-        <p:cNvGrpSpPr/>
-        <p:nvPr/>
-      </p:nvGrpSpPr>
-      <p:grpSpPr>
-        <a:xfrm>
-          <a:off x="0" y="0"/>
-          <a:ext cx="0" cy="0"/>
-          <a:chOff x="0" y="0"/>
-          <a:chExt cx="0" cy="0"/>
-        </a:xfrm>
-      </p:grpSpPr>
-      <p:pic>
-        <p:nvPicPr>
-          <p:cNvPr id="1030" name="Picture 6" descr="C:\Users\Owner\Pictures\human_pictgram\pc.jpg"/>
-          <p:cNvPicPr>
-            <a:picLocks noChangeAspect="1" noChangeArrowheads="1"/>
-          </p:cNvPicPr>
-          <p:nvPr/>
-        </p:nvPicPr>
-        <p:blipFill>
-          <a:blip r:embed="rId2">
-            <a:extLst>
-              <a:ext uri="{28A0092B-C50C-407E-A947-70E740481C1C}">
-                <a14:useLocalDpi xmlns:a14="http://schemas.microsoft.com/office/drawing/2010/main" val="0"/>
-              </a:ext>
-            </a:extLst>
-          </a:blip>
-          <a:srcRect/>
-          <a:stretch>
-            <a:fillRect/>
-          </a:stretch>
-        </p:blipFill>
-        <p:spPr bwMode="auto">
-          <a:xfrm flipH="1">
-            <a:off x="1065134" y="2369621"/>
-            <a:ext cx="2327230" cy="2140695"/>
-          </a:xfrm>
-          <a:prstGeom prst="rect">
-            <a:avLst/>
-          </a:prstGeom>
-          <a:noFill/>
-          <a:extLst>
-            <a:ext uri="{909E8E84-426E-40DD-AFC4-6F175D3DCCD1}">
-              <a14:hiddenFill xmlns:a14="http://schemas.microsoft.com/office/drawing/2010/main">
-                <a:solidFill>
-                  <a:srgbClr val="FFFFFF"/>
-                </a:solidFill>
-              </a14:hiddenFill>
-            </a:ext>
-          </a:extLst>
-        </p:spPr>
-      </p:pic>
-      <p:sp>
-        <p:nvSpPr>
-          <p:cNvPr id="2" name="タイトル 1"/>
-          <p:cNvSpPr>
-            <a:spLocks noGrp="1"/>
-          </p:cNvSpPr>
-          <p:nvPr>
-            <p:ph type="title"/>
-          </p:nvPr>
-        </p:nvSpPr>
-        <p:spPr/>
-        <p:txBody>
-          <a:bodyPr/>
-          <a:lstStyle/>
-          <a:p>
-            <a:r>
-              <a:rPr kumimoji="1" lang="ja-JP" altLang="en-US" dirty="0" smtClean="0">
-                <a:latin typeface="メイリオ" panose="020B0604030504040204" pitchFamily="50" charset="-128"/>
-                <a:ea typeface="メイリオ" panose="020B0604030504040204" pitchFamily="50" charset="-128"/>
-                <a:cs typeface="メイリオ" panose="020B0604030504040204" pitchFamily="50" charset="-128"/>
-              </a:rPr>
-              <a:t>背景</a:t>
-            </a:r>
-            <a:endParaRPr kumimoji="1" lang="ja-JP" altLang="en-US" dirty="0">
-              <a:latin typeface="メイリオ" panose="020B0604030504040204" pitchFamily="50" charset="-128"/>
-              <a:ea typeface="メイリオ" panose="020B0604030504040204" pitchFamily="50" charset="-128"/>
-              <a:cs typeface="メイリオ" panose="020B0604030504040204" pitchFamily="50" charset="-128"/>
-            </a:endParaRPr>
-          </a:p>
-        </p:txBody>
-      </p:sp>
-      <p:pic>
-        <p:nvPicPr>
-          <p:cNvPr id="1026" name="Picture 2" descr="C:\Users\Owner\Pictures\redhat_logo.png"/>
-          <p:cNvPicPr>
-            <a:picLocks noChangeAspect="1" noChangeArrowheads="1"/>
-          </p:cNvPicPr>
-          <p:nvPr/>
-        </p:nvPicPr>
-        <p:blipFill>
-          <a:blip r:embed="rId3">
-            <a:extLst>
-              <a:ext uri="{28A0092B-C50C-407E-A947-70E740481C1C}">
-                <a14:useLocalDpi xmlns:a14="http://schemas.microsoft.com/office/drawing/2010/main" val="0"/>
-              </a:ext>
-            </a:extLst>
-          </a:blip>
-          <a:srcRect/>
-          <a:stretch>
-            <a:fillRect/>
-          </a:stretch>
-        </p:blipFill>
-        <p:spPr bwMode="auto">
-          <a:xfrm>
-            <a:off x="5724127" y="2080394"/>
-            <a:ext cx="2156123" cy="1617092"/>
-          </a:xfrm>
-          <a:prstGeom prst="rect">
-            <a:avLst/>
-          </a:prstGeom>
-          <a:noFill/>
-          <a:extLst>
-            <a:ext uri="{909E8E84-426E-40DD-AFC4-6F175D3DCCD1}">
-              <a14:hiddenFill xmlns:a14="http://schemas.microsoft.com/office/drawing/2010/main">
-                <a:solidFill>
-                  <a:srgbClr val="FFFFFF"/>
-                </a:solidFill>
-              </a14:hiddenFill>
-            </a:ext>
-          </a:extLst>
-        </p:spPr>
-      </p:pic>
-      <p:sp>
-        <p:nvSpPr>
-          <p:cNvPr id="7" name="コンテンツ プレースホルダー 2"/>
-          <p:cNvSpPr>
-            <a:spLocks noGrp="1"/>
-          </p:cNvSpPr>
-          <p:nvPr>
-            <p:ph idx="1"/>
-          </p:nvPr>
-        </p:nvSpPr>
-        <p:spPr>
-          <a:xfrm>
-            <a:off x="1115616" y="5085184"/>
-            <a:ext cx="7818072" cy="1584176"/>
-          </a:xfrm>
-        </p:spPr>
-        <p:txBody>
-          <a:bodyPr>
-            <a:normAutofit/>
-          </a:bodyPr>
-          <a:lstStyle/>
-          <a:p>
-            <a:pPr marL="82296" indent="0">
-              <a:buNone/>
-            </a:pPr>
-            <a:r>
-              <a:rPr lang="ja-JP" altLang="en-US" dirty="0" smtClean="0">
-                <a:latin typeface="メイリオ" panose="020B0604030504040204" pitchFamily="50" charset="-128"/>
-                <a:ea typeface="メイリオ" panose="020B0604030504040204" pitchFamily="50" charset="-128"/>
-                <a:cs typeface="メイリオ" panose="020B0604030504040204" pitchFamily="50" charset="-128"/>
-              </a:rPr>
-              <a:t>業務で</a:t>
-            </a:r>
-            <a:r>
-              <a:rPr lang="en-US" altLang="ja-JP" dirty="0" err="1" smtClean="0">
-                <a:latin typeface="メイリオ" panose="020B0604030504040204" pitchFamily="50" charset="-128"/>
-                <a:ea typeface="メイリオ" panose="020B0604030504040204" pitchFamily="50" charset="-128"/>
-                <a:cs typeface="メイリオ" panose="020B0604030504040204" pitchFamily="50" charset="-128"/>
-              </a:rPr>
-              <a:t>teraterm</a:t>
-            </a:r>
-            <a:r>
-              <a:rPr lang="ja-JP" altLang="en-US" dirty="0" smtClean="0">
-                <a:latin typeface="メイリオ" panose="020B0604030504040204" pitchFamily="50" charset="-128"/>
-                <a:ea typeface="メイリオ" panose="020B0604030504040204" pitchFamily="50" charset="-128"/>
-                <a:cs typeface="メイリオ" panose="020B0604030504040204" pitchFamily="50" charset="-128"/>
-              </a:rPr>
-              <a:t>を使って</a:t>
-            </a:r>
-            <a:endParaRPr lang="en-US" altLang="ja-JP" dirty="0" smtClean="0">
-              <a:latin typeface="メイリオ" panose="020B0604030504040204" pitchFamily="50" charset="-128"/>
-              <a:ea typeface="メイリオ" panose="020B0604030504040204" pitchFamily="50" charset="-128"/>
-              <a:cs typeface="メイリオ" panose="020B0604030504040204" pitchFamily="50" charset="-128"/>
-            </a:endParaRPr>
-          </a:p>
-          <a:p>
-            <a:pPr marL="82296" indent="0">
-              <a:buNone/>
-            </a:pPr>
-            <a:r>
-              <a:rPr lang="en-US" altLang="ja-JP" dirty="0" err="1" smtClean="0">
-                <a:latin typeface="メイリオ" panose="020B0604030504040204" pitchFamily="50" charset="-128"/>
-                <a:ea typeface="メイリオ" panose="020B0604030504040204" pitchFamily="50" charset="-128"/>
-                <a:cs typeface="メイリオ" panose="020B0604030504040204" pitchFamily="50" charset="-128"/>
-              </a:rPr>
-              <a:t>ux</a:t>
-            </a:r>
-            <a:r>
-              <a:rPr lang="ja-JP" altLang="en-US" dirty="0" smtClean="0">
-                <a:latin typeface="メイリオ" panose="020B0604030504040204" pitchFamily="50" charset="-128"/>
-                <a:ea typeface="メイリオ" panose="020B0604030504040204" pitchFamily="50" charset="-128"/>
-                <a:cs typeface="メイリオ" panose="020B0604030504040204" pitchFamily="50" charset="-128"/>
-              </a:rPr>
-              <a:t>系</a:t>
-            </a:r>
-            <a:r>
-              <a:rPr lang="en-US" altLang="ja-JP" dirty="0" smtClean="0">
-                <a:latin typeface="メイリオ" panose="020B0604030504040204" pitchFamily="50" charset="-128"/>
-                <a:ea typeface="メイリオ" panose="020B0604030504040204" pitchFamily="50" charset="-128"/>
-                <a:cs typeface="メイリオ" panose="020B0604030504040204" pitchFamily="50" charset="-128"/>
-              </a:rPr>
-              <a:t>OS</a:t>
-            </a:r>
-            <a:r>
-              <a:rPr lang="ja-JP" altLang="en-US" dirty="0" smtClean="0">
-                <a:latin typeface="メイリオ" panose="020B0604030504040204" pitchFamily="50" charset="-128"/>
-                <a:ea typeface="メイリオ" panose="020B0604030504040204" pitchFamily="50" charset="-128"/>
-                <a:cs typeface="メイリオ" panose="020B0604030504040204" pitchFamily="50" charset="-128"/>
-              </a:rPr>
-              <a:t>に触る機会があった</a:t>
-            </a:r>
-            <a:endParaRPr lang="en-US" altLang="ja-JP" dirty="0">
-              <a:latin typeface="メイリオ" panose="020B0604030504040204" pitchFamily="50" charset="-128"/>
-              <a:ea typeface="メイリオ" panose="020B0604030504040204" pitchFamily="50" charset="-128"/>
-              <a:cs typeface="メイリオ" panose="020B0604030504040204" pitchFamily="50" charset="-128"/>
-            </a:endParaRPr>
-          </a:p>
-        </p:txBody>
-      </p:sp>
-      <p:pic>
-        <p:nvPicPr>
-          <p:cNvPr id="1029" name="Picture 5" descr="C:\Program Files\Microsoft Office\MEDIA\CAGCAT10\j0285750.wmf"/>
-          <p:cNvPicPr>
-            <a:picLocks noChangeAspect="1" noChangeArrowheads="1"/>
-          </p:cNvPicPr>
-          <p:nvPr/>
-        </p:nvPicPr>
-        <p:blipFill>
-          <a:blip r:embed="rId4" cstate="print">
-            <a:extLst>
-              <a:ext uri="{28A0092B-C50C-407E-A947-70E740481C1C}">
-                <a14:useLocalDpi xmlns:a14="http://schemas.microsoft.com/office/drawing/2010/main" val="0"/>
-              </a:ext>
-            </a:extLst>
-          </a:blip>
-          <a:srcRect/>
-          <a:stretch>
-            <a:fillRect/>
-          </a:stretch>
-        </p:blipFill>
-        <p:spPr bwMode="auto">
-          <a:xfrm>
-            <a:off x="2515770" y="2272866"/>
-            <a:ext cx="1824228" cy="1121054"/>
-          </a:xfrm>
-          <a:prstGeom prst="rect">
-            <a:avLst/>
-          </a:prstGeom>
-          <a:noFill/>
-          <a:extLst>
-            <a:ext uri="{909E8E84-426E-40DD-AFC4-6F175D3DCCD1}">
-              <a14:hiddenFill xmlns:a14="http://schemas.microsoft.com/office/drawing/2010/main">
-                <a:solidFill>
-                  <a:srgbClr val="FFFFFF"/>
-                </a:solidFill>
-              </a14:hiddenFill>
-            </a:ext>
-          </a:extLst>
-        </p:spPr>
-      </p:pic>
-      <p:pic>
-        <p:nvPicPr>
-          <p:cNvPr id="1027" name="Picture 3" descr="C:\Users\Owner\Pictures\teraterm_icon.png"/>
-          <p:cNvPicPr>
-            <a:picLocks noChangeAspect="1" noChangeArrowheads="1"/>
-          </p:cNvPicPr>
-          <p:nvPr/>
-        </p:nvPicPr>
-        <p:blipFill>
-          <a:blip r:embed="rId5">
-            <a:extLst>
-              <a:ext uri="{28A0092B-C50C-407E-A947-70E740481C1C}">
-                <a14:useLocalDpi xmlns:a14="http://schemas.microsoft.com/office/drawing/2010/main" val="0"/>
-              </a:ext>
-            </a:extLst>
-          </a:blip>
-          <a:srcRect/>
-          <a:stretch>
-            <a:fillRect/>
-          </a:stretch>
-        </p:blipFill>
-        <p:spPr bwMode="auto">
-          <a:xfrm>
-            <a:off x="2915816" y="2488890"/>
-            <a:ext cx="400050" cy="400050"/>
-          </a:xfrm>
-          <a:prstGeom prst="rect">
-            <a:avLst/>
-          </a:prstGeom>
-          <a:noFill/>
-          <a:extLst>
-            <a:ext uri="{909E8E84-426E-40DD-AFC4-6F175D3DCCD1}">
-              <a14:hiddenFill xmlns:a14="http://schemas.microsoft.com/office/drawing/2010/main">
-                <a:solidFill>
-                  <a:srgbClr val="FFFFFF"/>
-                </a:solidFill>
-              </a14:hiddenFill>
-            </a:ext>
-          </a:extLst>
-        </p:spPr>
-      </p:pic>
-      <p:sp>
-        <p:nvSpPr>
-          <p:cNvPr id="3" name="右矢印 2"/>
-          <p:cNvSpPr/>
-          <p:nvPr/>
-        </p:nvSpPr>
-        <p:spPr>
-          <a:xfrm>
-            <a:off x="4427984" y="2272866"/>
-            <a:ext cx="1008112" cy="416049"/>
-          </a:xfrm>
-          <a:prstGeom prst="rightArrow">
-            <a:avLst/>
-          </a:prstGeom>
-        </p:spPr>
-        <p:style>
-          <a:lnRef idx="2">
-            <a:schemeClr val="accent1">
-              <a:shade val="50000"/>
-            </a:schemeClr>
-          </a:lnRef>
-          <a:fillRef idx="1">
-            <a:schemeClr val="accent1"/>
-          </a:fillRef>
-          <a:effectRef idx="0">
-            <a:schemeClr val="accent1"/>
-          </a:effectRef>
-          <a:fontRef idx="minor">
-            <a:schemeClr val="lt1"/>
-          </a:fontRef>
-        </p:style>
-        <p:txBody>
-          <a:bodyPr rtlCol="0" anchor="ctr"/>
-          <a:lstStyle/>
-          <a:p>
-            <a:pPr algn="ctr"/>
-            <a:endParaRPr kumimoji="1" lang="ja-JP" altLang="en-US"/>
-          </a:p>
-        </p:txBody>
-      </p:sp>
-      <p:sp>
-        <p:nvSpPr>
-          <p:cNvPr id="11" name="右矢印 10"/>
-          <p:cNvSpPr/>
-          <p:nvPr/>
-        </p:nvSpPr>
-        <p:spPr>
-          <a:xfrm rot="10800000">
-            <a:off x="4427984" y="2991332"/>
-            <a:ext cx="1008112" cy="416049"/>
-          </a:xfrm>
-          <a:prstGeom prst="rightArrow">
-            <a:avLst/>
-          </a:prstGeom>
-        </p:spPr>
-        <p:style>
-          <a:lnRef idx="2">
-            <a:schemeClr val="accent1">
-              <a:shade val="50000"/>
-            </a:schemeClr>
-          </a:lnRef>
-          <a:fillRef idx="1">
-            <a:schemeClr val="accent1"/>
-          </a:fillRef>
-          <a:effectRef idx="0">
-            <a:schemeClr val="accent1"/>
-          </a:effectRef>
-          <a:fontRef idx="minor">
-            <a:schemeClr val="lt1"/>
-          </a:fontRef>
-        </p:style>
-        <p:txBody>
-          <a:bodyPr rtlCol="0" anchor="ctr"/>
-          <a:lstStyle/>
-          <a:p>
-            <a:pPr algn="ctr"/>
-            <a:endParaRPr kumimoji="1" lang="ja-JP" altLang="en-US"/>
-          </a:p>
-        </p:txBody>
-      </p:sp>
-    </p:spTree>
-    <p:extLst>
-      <p:ext uri="{BB962C8B-B14F-4D97-AF65-F5344CB8AC3E}">
-        <p14:creationId xmlns:p14="http://schemas.microsoft.com/office/powerpoint/2010/main" val="3576786639"/>
-      </p:ext>
-    </p:extLst>
-  </p:cSld>
-  <p:clrMapOvr>
-    <a:masterClrMapping/>
-  </p:clrMapOvr>
-  <p:timing>
-    <p:tnLst>
-      <p:par>
-        <p:cTn id="1" dur="indefinite" restart="never" nodeType="tmRoot"/>
-      </p:par>
-    </p:tnLst>
-  </p:timing>
-</p:sld>
-</file>
-
-<file path=ppt/slides/slide4.xml><?xml version="1.0" encoding="utf-8"?>
-<p:sld xmlns:a="http://schemas.openxmlformats.org/drawingml/2006/main" xmlns:r="http://schemas.openxmlformats.org/officeDocument/2006/relationships" xmlns:p="http://schemas.openxmlformats.org/presentationml/2006/main">
-  <p:cSld>
-    <p:spTree>
-      <p:nvGrpSpPr>
-        <p:cNvPr id="1" name=""/>
-        <p:cNvGrpSpPr/>
-        <p:nvPr/>
-      </p:nvGrpSpPr>
-      <p:grpSpPr>
-        <a:xfrm>
-          <a:off x="0" y="0"/>
-          <a:ext cx="0" cy="0"/>
-          <a:chOff x="0" y="0"/>
-          <a:chExt cx="0" cy="0"/>
-        </a:xfrm>
-      </p:grpSpPr>
-      <p:sp>
-        <p:nvSpPr>
-          <p:cNvPr id="2" name="タイトル 1"/>
-          <p:cNvSpPr>
-            <a:spLocks noGrp="1"/>
-          </p:cNvSpPr>
-          <p:nvPr>
-            <p:ph type="title"/>
-          </p:nvPr>
-        </p:nvSpPr>
-        <p:spPr/>
-        <p:txBody>
-          <a:bodyPr/>
-          <a:lstStyle/>
-          <a:p>
-            <a:r>
-              <a:rPr kumimoji="1" lang="ja-JP" altLang="en-US" dirty="0" smtClean="0">
-                <a:latin typeface="メイリオ" panose="020B0604030504040204" pitchFamily="50" charset="-128"/>
-                <a:ea typeface="メイリオ" panose="020B0604030504040204" pitchFamily="50" charset="-128"/>
-                <a:cs typeface="メイリオ" panose="020B0604030504040204" pitchFamily="50" charset="-128"/>
-              </a:rPr>
-              <a:t>背景</a:t>
-            </a:r>
-            <a:endParaRPr kumimoji="1" lang="ja-JP" altLang="en-US" dirty="0">
-              <a:latin typeface="メイリオ" panose="020B0604030504040204" pitchFamily="50" charset="-128"/>
-              <a:ea typeface="メイリオ" panose="020B0604030504040204" pitchFamily="50" charset="-128"/>
-              <a:cs typeface="メイリオ" panose="020B0604030504040204" pitchFamily="50" charset="-128"/>
-            </a:endParaRPr>
-          </a:p>
-        </p:txBody>
-      </p:sp>
-      <p:sp>
-        <p:nvSpPr>
-          <p:cNvPr id="7" name="コンテンツ プレースホルダー 2"/>
-          <p:cNvSpPr>
-            <a:spLocks noGrp="1"/>
-          </p:cNvSpPr>
-          <p:nvPr>
-            <p:ph idx="1"/>
-          </p:nvPr>
-        </p:nvSpPr>
-        <p:spPr>
-          <a:xfrm>
-            <a:off x="1115616" y="5949280"/>
-            <a:ext cx="7818072" cy="720080"/>
-          </a:xfrm>
-        </p:spPr>
-        <p:txBody>
-          <a:bodyPr>
-            <a:normAutofit/>
-          </a:bodyPr>
-          <a:lstStyle/>
-          <a:p>
-            <a:pPr marL="82296" indent="0">
-              <a:buNone/>
-            </a:pPr>
-            <a:r>
-              <a:rPr lang="en-US" altLang="ja-JP" dirty="0" smtClean="0">
-                <a:latin typeface="メイリオ" panose="020B0604030504040204" pitchFamily="50" charset="-128"/>
-                <a:ea typeface="メイリオ" panose="020B0604030504040204" pitchFamily="50" charset="-128"/>
-                <a:cs typeface="メイリオ" panose="020B0604030504040204" pitchFamily="50" charset="-128"/>
-              </a:rPr>
-              <a:t>Win</a:t>
-            </a:r>
-            <a:r>
-              <a:rPr lang="ja-JP" altLang="en-US" dirty="0" smtClean="0">
-                <a:latin typeface="メイリオ" panose="020B0604030504040204" pitchFamily="50" charset="-128"/>
-                <a:ea typeface="メイリオ" panose="020B0604030504040204" pitchFamily="50" charset="-128"/>
-                <a:cs typeface="メイリオ" panose="020B0604030504040204" pitchFamily="50" charset="-128"/>
-              </a:rPr>
-              <a:t>のコマンドプロンプトを</a:t>
-            </a:r>
-            <a:r>
-              <a:rPr lang="ja-JP" altLang="en-US" dirty="0" smtClean="0">
-                <a:latin typeface="メイリオ" panose="020B0604030504040204" pitchFamily="50" charset="-128"/>
-                <a:ea typeface="メイリオ" panose="020B0604030504040204" pitchFamily="50" charset="-128"/>
-                <a:cs typeface="メイリオ" panose="020B0604030504040204" pitchFamily="50" charset="-128"/>
-              </a:rPr>
-              <a:t>使った</a:t>
-            </a:r>
-            <a:r>
-              <a:rPr lang="ja-JP" altLang="en-US" dirty="0">
-                <a:latin typeface="メイリオ" panose="020B0604030504040204" pitchFamily="50" charset="-128"/>
-                <a:ea typeface="メイリオ" panose="020B0604030504040204" pitchFamily="50" charset="-128"/>
-                <a:cs typeface="メイリオ" panose="020B0604030504040204" pitchFamily="50" charset="-128"/>
-              </a:rPr>
-              <a:t>結果</a:t>
-            </a:r>
-            <a:endParaRPr lang="en-US" altLang="ja-JP" dirty="0">
-              <a:latin typeface="メイリオ" panose="020B0604030504040204" pitchFamily="50" charset="-128"/>
-              <a:ea typeface="メイリオ" panose="020B0604030504040204" pitchFamily="50" charset="-128"/>
-              <a:cs typeface="メイリオ" panose="020B0604030504040204" pitchFamily="50" charset="-128"/>
-            </a:endParaRPr>
-          </a:p>
-        </p:txBody>
-      </p:sp>
-      <p:pic>
-        <p:nvPicPr>
-          <p:cNvPr id="2051" name="Picture 3" descr="D:\tool\uwsc48e\cap\cap1.bmp"/>
-          <p:cNvPicPr>
-            <a:picLocks noChangeAspect="1" noChangeArrowheads="1"/>
-          </p:cNvPicPr>
-          <p:nvPr/>
-        </p:nvPicPr>
-        <p:blipFill>
-          <a:blip r:embed="rId2">
-            <a:extLst>
-              <a:ext uri="{28A0092B-C50C-407E-A947-70E740481C1C}">
-                <a14:useLocalDpi xmlns:a14="http://schemas.microsoft.com/office/drawing/2010/main" val="0"/>
-              </a:ext>
-            </a:extLst>
-          </a:blip>
-          <a:srcRect/>
-          <a:stretch>
-            <a:fillRect/>
-          </a:stretch>
-        </p:blipFill>
-        <p:spPr bwMode="auto">
-          <a:xfrm>
-            <a:off x="1475656" y="1052736"/>
-            <a:ext cx="7210426" cy="4686300"/>
-          </a:xfrm>
-          <a:prstGeom prst="rect">
-            <a:avLst/>
-          </a:prstGeom>
-          <a:noFill/>
-          <a:extLst>
-            <a:ext uri="{909E8E84-426E-40DD-AFC4-6F175D3DCCD1}">
-              <a14:hiddenFill xmlns:a14="http://schemas.microsoft.com/office/drawing/2010/main">
-                <a:solidFill>
-                  <a:srgbClr val="FFFFFF"/>
-                </a:solidFill>
-              </a14:hiddenFill>
-            </a:ext>
-          </a:extLst>
-        </p:spPr>
-      </p:pic>
-    </p:spTree>
-    <p:extLst>
-      <p:ext uri="{BB962C8B-B14F-4D97-AF65-F5344CB8AC3E}">
-        <p14:creationId xmlns:p14="http://schemas.microsoft.com/office/powerpoint/2010/main" val="737976439"/>
-      </p:ext>
-    </p:extLst>
-  </p:cSld>
-  <p:clrMapOvr>
-    <a:masterClrMapping/>
-  </p:clrMapOvr>
-  <p:timing>
-    <p:tnLst>
-      <p:par>
-        <p:cTn id="1" dur="indefinite" restart="never" nodeType="tmRoot"/>
-      </p:par>
-    </p:tnLst>
-  </p:timing>
-</p:sld>
-</file>
-
-<file path=ppt/slides/slide5.xml><?xml version="1.0" encoding="utf-8"?>
-<p:sld xmlns:a="http://schemas.openxmlformats.org/drawingml/2006/main" xmlns:r="http://schemas.openxmlformats.org/officeDocument/2006/relationships" xmlns:p="http://schemas.openxmlformats.org/presentationml/2006/main">
-  <p:cSld>
-    <p:spTree>
-      <p:nvGrpSpPr>
-        <p:cNvPr id="1" name=""/>
-        <p:cNvGrpSpPr/>
-        <p:nvPr/>
-      </p:nvGrpSpPr>
-      <p:grpSpPr>
-        <a:xfrm>
-          <a:off x="0" y="0"/>
-          <a:ext cx="0" cy="0"/>
-          <a:chOff x="0" y="0"/>
-          <a:chExt cx="0" cy="0"/>
-        </a:xfrm>
-      </p:grpSpPr>
-      <p:sp>
-        <p:nvSpPr>
-          <p:cNvPr id="2" name="タイトル 1"/>
-          <p:cNvSpPr>
-            <a:spLocks noGrp="1"/>
-          </p:cNvSpPr>
-          <p:nvPr>
-            <p:ph type="title"/>
-          </p:nvPr>
-        </p:nvSpPr>
-        <p:spPr/>
-        <p:txBody>
-          <a:bodyPr/>
-          <a:lstStyle/>
-          <a:p>
-            <a:r>
-              <a:rPr kumimoji="1" lang="ja-JP" altLang="en-US" dirty="0" smtClean="0">
-                <a:latin typeface="メイリオ" panose="020B0604030504040204" pitchFamily="50" charset="-128"/>
-                <a:ea typeface="メイリオ" panose="020B0604030504040204" pitchFamily="50" charset="-128"/>
-                <a:cs typeface="メイリオ" panose="020B0604030504040204" pitchFamily="50" charset="-128"/>
-              </a:rPr>
-              <a:t>背景</a:t>
-            </a:r>
-            <a:endParaRPr kumimoji="1" lang="ja-JP" altLang="en-US" dirty="0">
-              <a:latin typeface="メイリオ" panose="020B0604030504040204" pitchFamily="50" charset="-128"/>
-              <a:ea typeface="メイリオ" panose="020B0604030504040204" pitchFamily="50" charset="-128"/>
-              <a:cs typeface="メイリオ" panose="020B0604030504040204" pitchFamily="50" charset="-128"/>
-            </a:endParaRPr>
-          </a:p>
-        </p:txBody>
-      </p:sp>
-      <p:sp>
-        <p:nvSpPr>
-          <p:cNvPr id="7" name="コンテンツ プレースホルダー 2"/>
-          <p:cNvSpPr>
-            <a:spLocks noGrp="1"/>
-          </p:cNvSpPr>
-          <p:nvPr>
-            <p:ph idx="1"/>
-          </p:nvPr>
-        </p:nvSpPr>
-        <p:spPr>
-          <a:xfrm>
-            <a:off x="1115616" y="5949280"/>
-            <a:ext cx="7818072" cy="720080"/>
-          </a:xfrm>
-        </p:spPr>
-        <p:txBody>
-          <a:bodyPr>
-            <a:normAutofit/>
-          </a:bodyPr>
-          <a:lstStyle/>
-          <a:p>
-            <a:pPr marL="82296" indent="0">
-              <a:buNone/>
-            </a:pPr>
-            <a:r>
-              <a:rPr lang="en-US" altLang="ja-JP" dirty="0" smtClean="0">
-                <a:latin typeface="メイリオ" panose="020B0604030504040204" pitchFamily="50" charset="-128"/>
-                <a:ea typeface="メイリオ" panose="020B0604030504040204" pitchFamily="50" charset="-128"/>
-                <a:cs typeface="メイリオ" panose="020B0604030504040204" pitchFamily="50" charset="-128"/>
-              </a:rPr>
-              <a:t>Win</a:t>
-            </a:r>
-            <a:r>
-              <a:rPr lang="ja-JP" altLang="en-US" dirty="0" smtClean="0">
-                <a:latin typeface="メイリオ" panose="020B0604030504040204" pitchFamily="50" charset="-128"/>
-                <a:ea typeface="メイリオ" panose="020B0604030504040204" pitchFamily="50" charset="-128"/>
-                <a:cs typeface="メイリオ" panose="020B0604030504040204" pitchFamily="50" charset="-128"/>
-              </a:rPr>
-              <a:t>のコマンドプロンプトを</a:t>
-            </a:r>
-            <a:r>
-              <a:rPr lang="ja-JP" altLang="en-US" dirty="0" smtClean="0">
-                <a:latin typeface="メイリオ" panose="020B0604030504040204" pitchFamily="50" charset="-128"/>
-                <a:ea typeface="メイリオ" panose="020B0604030504040204" pitchFamily="50" charset="-128"/>
-                <a:cs typeface="メイリオ" panose="020B0604030504040204" pitchFamily="50" charset="-128"/>
-              </a:rPr>
-              <a:t>使った</a:t>
-            </a:r>
-            <a:r>
-              <a:rPr lang="ja-JP" altLang="en-US" dirty="0">
-                <a:latin typeface="メイリオ" panose="020B0604030504040204" pitchFamily="50" charset="-128"/>
-                <a:ea typeface="メイリオ" panose="020B0604030504040204" pitchFamily="50" charset="-128"/>
-                <a:cs typeface="メイリオ" panose="020B0604030504040204" pitchFamily="50" charset="-128"/>
-              </a:rPr>
-              <a:t>結果</a:t>
-            </a:r>
-            <a:endParaRPr lang="en-US" altLang="ja-JP" dirty="0">
-              <a:latin typeface="メイリオ" panose="020B0604030504040204" pitchFamily="50" charset="-128"/>
-              <a:ea typeface="メイリオ" panose="020B0604030504040204" pitchFamily="50" charset="-128"/>
-              <a:cs typeface="メイリオ" panose="020B0604030504040204" pitchFamily="50" charset="-128"/>
-            </a:endParaRPr>
-          </a:p>
-        </p:txBody>
-      </p:sp>
-      <p:pic>
-        <p:nvPicPr>
-          <p:cNvPr id="2051" name="Picture 3" descr="D:\tool\uwsc48e\cap\cap1.bmp"/>
-          <p:cNvPicPr>
-            <a:picLocks noChangeAspect="1" noChangeArrowheads="1"/>
-          </p:cNvPicPr>
-          <p:nvPr/>
-        </p:nvPicPr>
-        <p:blipFill>
-          <a:blip r:embed="rId2">
-            <a:extLst>
-              <a:ext uri="{28A0092B-C50C-407E-A947-70E740481C1C}">
-                <a14:useLocalDpi xmlns:a14="http://schemas.microsoft.com/office/drawing/2010/main" val="0"/>
-              </a:ext>
-            </a:extLst>
-          </a:blip>
-          <a:srcRect/>
-          <a:stretch>
-            <a:fillRect/>
-          </a:stretch>
-        </p:blipFill>
-        <p:spPr bwMode="auto">
-          <a:xfrm>
-            <a:off x="1475656" y="1052736"/>
-            <a:ext cx="7210426" cy="4686300"/>
-          </a:xfrm>
-          <a:prstGeom prst="rect">
-            <a:avLst/>
-          </a:prstGeom>
-          <a:noFill/>
-          <a:extLst>
-            <a:ext uri="{909E8E84-426E-40DD-AFC4-6F175D3DCCD1}">
-              <a14:hiddenFill xmlns:a14="http://schemas.microsoft.com/office/drawing/2010/main">
-                <a:solidFill>
-                  <a:srgbClr val="FFFFFF"/>
-                </a:solidFill>
-              </a14:hiddenFill>
-            </a:ext>
-          </a:extLst>
-        </p:spPr>
-      </p:pic>
-      <p:sp>
-        <p:nvSpPr>
-          <p:cNvPr id="3" name="テキスト ボックス 2"/>
-          <p:cNvSpPr txBox="1"/>
-          <p:nvPr/>
-        </p:nvSpPr>
-        <p:spPr>
-          <a:xfrm>
-            <a:off x="3216374" y="3103532"/>
-            <a:ext cx="3155826" cy="1200329"/>
-          </a:xfrm>
-          <a:prstGeom prst="rect">
-            <a:avLst/>
-          </a:prstGeom>
-          <a:solidFill>
-            <a:schemeClr val="bg1"/>
-          </a:solidFill>
-        </p:spPr>
-        <p:txBody>
-          <a:bodyPr wrap="square" rtlCol="0">
-            <a:spAutoFit/>
-          </a:bodyPr>
-          <a:lstStyle/>
-          <a:p>
-            <a:r>
-              <a:rPr lang="el-GR" altLang="ja-JP" sz="7200" b="1" dirty="0"/>
-              <a:t>(#^ω</a:t>
-            </a:r>
-            <a:r>
-              <a:rPr lang="el-GR" altLang="ja-JP" sz="7200" b="1" dirty="0" smtClean="0"/>
-              <a:t>^)</a:t>
-            </a:r>
-            <a:endParaRPr lang="el-GR" altLang="ja-JP" sz="7200" b="1" dirty="0"/>
-          </a:p>
-        </p:txBody>
-      </p:sp>
-    </p:spTree>
-    <p:extLst>
-      <p:ext uri="{BB962C8B-B14F-4D97-AF65-F5344CB8AC3E}">
-        <p14:creationId xmlns:p14="http://schemas.microsoft.com/office/powerpoint/2010/main" val="235753869"/>
-      </p:ext>
-    </p:extLst>
-  </p:cSld>
-  <p:clrMapOvr>
-    <a:masterClrMapping/>
-  </p:clrMapOvr>
-  <p:timing>
-    <p:tnLst>
-      <p:par>
-        <p:cTn id="1" dur="indefinite" restart="never" nodeType="tmRoot"/>
-      </p:par>
-    </p:tnLst>
-  </p:timing>
-</p:sld>
-</file>
-
-<file path=ppt/slides/slide6.xml><?xml version="1.0" encoding="utf-8"?>
-<p:sld xmlns:a="http://schemas.openxmlformats.org/drawingml/2006/main" xmlns:r="http://schemas.openxmlformats.org/officeDocument/2006/relationships" xmlns:p="http://schemas.openxmlformats.org/presentationml/2006/main">
-  <p:cSld>
-    <p:spTree>
-      <p:nvGrpSpPr>
-        <p:cNvPr id="1" name=""/>
-        <p:cNvGrpSpPr/>
-        <p:nvPr/>
-      </p:nvGrpSpPr>
-      <p:grpSpPr>
-        <a:xfrm>
-          <a:off x="0" y="0"/>
-          <a:ext cx="0" cy="0"/>
-          <a:chOff x="0" y="0"/>
-          <a:chExt cx="0" cy="0"/>
-        </a:xfrm>
-      </p:grpSpPr>
-      <p:sp>
-        <p:nvSpPr>
-          <p:cNvPr id="12" name="タイトル 1"/>
-          <p:cNvSpPr>
-            <a:spLocks noGrp="1"/>
-          </p:cNvSpPr>
-          <p:nvPr>
-            <p:ph type="title"/>
-          </p:nvPr>
-        </p:nvSpPr>
-        <p:spPr/>
-        <p:txBody>
-          <a:bodyPr/>
-          <a:lstStyle/>
-          <a:p>
-            <a:r>
-              <a:rPr kumimoji="1" lang="ja-JP" altLang="en-US" dirty="0" smtClean="0">
-                <a:latin typeface="メイリオ" panose="020B0604030504040204" pitchFamily="50" charset="-128"/>
-                <a:ea typeface="メイリオ" panose="020B0604030504040204" pitchFamily="50" charset="-128"/>
-                <a:cs typeface="メイリオ" panose="020B0604030504040204" pitchFamily="50" charset="-128"/>
-              </a:rPr>
-              <a:t>背景</a:t>
-            </a:r>
-            <a:endParaRPr kumimoji="1" lang="ja-JP" altLang="en-US" dirty="0">
-              <a:latin typeface="メイリオ" panose="020B0604030504040204" pitchFamily="50" charset="-128"/>
-              <a:ea typeface="メイリオ" panose="020B0604030504040204" pitchFamily="50" charset="-128"/>
-              <a:cs typeface="メイリオ" panose="020B0604030504040204" pitchFamily="50" charset="-128"/>
-            </a:endParaRPr>
-          </a:p>
-        </p:txBody>
-      </p:sp>
-      <p:sp>
-        <p:nvSpPr>
-          <p:cNvPr id="13" name="コンテンツ プレースホルダー 2"/>
-          <p:cNvSpPr>
-            <a:spLocks noGrp="1"/>
-          </p:cNvSpPr>
-          <p:nvPr>
-            <p:ph idx="1"/>
-          </p:nvPr>
-        </p:nvSpPr>
-        <p:spPr>
-          <a:xfrm>
-            <a:off x="1115616" y="1124744"/>
-            <a:ext cx="7818072" cy="5544616"/>
-          </a:xfrm>
-        </p:spPr>
-        <p:txBody>
-          <a:bodyPr>
-            <a:normAutofit lnSpcReduction="10000"/>
-          </a:bodyPr>
-          <a:lstStyle/>
-          <a:p>
-            <a:pPr marL="82296" indent="0">
-              <a:buNone/>
-            </a:pPr>
-            <a:r>
-              <a:rPr lang="ja-JP" altLang="en-US" dirty="0">
-                <a:latin typeface="メイリオ" panose="020B0604030504040204" pitchFamily="50" charset="-128"/>
-                <a:ea typeface="メイリオ" panose="020B0604030504040204" pitchFamily="50" charset="-128"/>
-                <a:cs typeface="メイリオ" panose="020B0604030504040204" pitchFamily="50" charset="-128"/>
-              </a:rPr>
-              <a:t>この後の</a:t>
-            </a:r>
-            <a:r>
-              <a:rPr lang="ja-JP" altLang="en-US" dirty="0" smtClean="0">
-                <a:latin typeface="メイリオ" panose="020B0604030504040204" pitchFamily="50" charset="-128"/>
-                <a:ea typeface="メイリオ" panose="020B0604030504040204" pitchFamily="50" charset="-128"/>
-                <a:cs typeface="メイリオ" panose="020B0604030504040204" pitchFamily="50" charset="-128"/>
-              </a:rPr>
-              <a:t>流れ</a:t>
-            </a:r>
-            <a:endParaRPr lang="en-US" altLang="ja-JP" dirty="0" smtClean="0">
-              <a:latin typeface="メイリオ" panose="020B0604030504040204" pitchFamily="50" charset="-128"/>
-              <a:ea typeface="メイリオ" panose="020B0604030504040204" pitchFamily="50" charset="-128"/>
-              <a:cs typeface="メイリオ" panose="020B0604030504040204" pitchFamily="50" charset="-128"/>
-            </a:endParaRPr>
-          </a:p>
-          <a:p>
-            <a:pPr marL="82296" indent="0">
-              <a:buNone/>
-            </a:pPr>
-            <a:r>
-              <a:rPr lang="ja-JP" altLang="en-US" dirty="0" smtClean="0">
-                <a:latin typeface="メイリオ" panose="020B0604030504040204" pitchFamily="50" charset="-128"/>
-                <a:ea typeface="メイリオ" panose="020B0604030504040204" pitchFamily="50" charset="-128"/>
-                <a:cs typeface="メイリオ" panose="020B0604030504040204" pitchFamily="50" charset="-128"/>
-              </a:rPr>
-              <a:t>・</a:t>
-            </a:r>
-            <a:r>
-              <a:rPr lang="en-US" altLang="ja-JP" dirty="0" err="1" smtClean="0">
-                <a:latin typeface="メイリオ" panose="020B0604030504040204" pitchFamily="50" charset="-128"/>
-                <a:ea typeface="メイリオ" panose="020B0604030504040204" pitchFamily="50" charset="-128"/>
-                <a:cs typeface="メイリオ" panose="020B0604030504040204" pitchFamily="50" charset="-128"/>
-              </a:rPr>
-              <a:t>cmd</a:t>
-            </a:r>
-            <a:r>
-              <a:rPr lang="ja-JP" altLang="en-US" dirty="0" smtClean="0">
-                <a:latin typeface="メイリオ" panose="020B0604030504040204" pitchFamily="50" charset="-128"/>
-                <a:ea typeface="メイリオ" panose="020B0604030504040204" pitchFamily="50" charset="-128"/>
-                <a:cs typeface="メイリオ" panose="020B0604030504040204" pitchFamily="50" charset="-128"/>
-              </a:rPr>
-              <a:t>改造計画</a:t>
-            </a:r>
-            <a:endParaRPr lang="en-US" altLang="ja-JP" dirty="0" smtClean="0">
-              <a:latin typeface="メイリオ" panose="020B0604030504040204" pitchFamily="50" charset="-128"/>
-              <a:ea typeface="メイリオ" panose="020B0604030504040204" pitchFamily="50" charset="-128"/>
-              <a:cs typeface="メイリオ" panose="020B0604030504040204" pitchFamily="50" charset="-128"/>
-            </a:endParaRPr>
-          </a:p>
-          <a:p>
-            <a:pPr marL="82296" indent="0">
-              <a:buNone/>
-            </a:pPr>
-            <a:r>
-              <a:rPr lang="ja-JP" altLang="en-US" dirty="0" smtClean="0">
-                <a:latin typeface="メイリオ" panose="020B0604030504040204" pitchFamily="50" charset="-128"/>
-                <a:ea typeface="メイリオ" panose="020B0604030504040204" pitchFamily="50" charset="-128"/>
-                <a:cs typeface="メイリオ" panose="020B0604030504040204" pitchFamily="50" charset="-128"/>
-              </a:rPr>
-              <a:t>・</a:t>
-            </a:r>
-            <a:r>
-              <a:rPr lang="en-US" altLang="ja-JP" dirty="0" smtClean="0">
-                <a:latin typeface="メイリオ" panose="020B0604030504040204" pitchFamily="50" charset="-128"/>
-                <a:ea typeface="メイリオ" panose="020B0604030504040204" pitchFamily="50" charset="-128"/>
-                <a:cs typeface="メイリオ" panose="020B0604030504040204" pitchFamily="50" charset="-128"/>
-              </a:rPr>
-              <a:t>nemo</a:t>
-            </a:r>
-            <a:r>
-              <a:rPr lang="ja-JP" altLang="en-US" dirty="0" err="1" smtClean="0">
-                <a:latin typeface="メイリオ" panose="020B0604030504040204" pitchFamily="50" charset="-128"/>
-                <a:ea typeface="メイリオ" panose="020B0604030504040204" pitchFamily="50" charset="-128"/>
-                <a:cs typeface="メイリオ" panose="020B0604030504040204" pitchFamily="50" charset="-128"/>
-              </a:rPr>
-              <a:t>さん</a:t>
-            </a:r>
-            <a:r>
-              <a:rPr lang="ja-JP" altLang="en-US" dirty="0" smtClean="0">
-                <a:latin typeface="メイリオ" panose="020B0604030504040204" pitchFamily="50" charset="-128"/>
-                <a:ea typeface="メイリオ" panose="020B0604030504040204" pitchFamily="50" charset="-128"/>
-                <a:cs typeface="メイリオ" panose="020B0604030504040204" pitchFamily="50" charset="-128"/>
-              </a:rPr>
-              <a:t>が</a:t>
-            </a:r>
-            <a:r>
-              <a:rPr lang="en-US" altLang="ja-JP" dirty="0" err="1" smtClean="0">
-                <a:latin typeface="メイリオ" panose="020B0604030504040204" pitchFamily="50" charset="-128"/>
-                <a:ea typeface="メイリオ" panose="020B0604030504040204" pitchFamily="50" charset="-128"/>
-                <a:cs typeface="メイリオ" panose="020B0604030504040204" pitchFamily="50" charset="-128"/>
-              </a:rPr>
-              <a:t>conemu</a:t>
-            </a:r>
-            <a:r>
-              <a:rPr lang="ja-JP" altLang="en-US" dirty="0" smtClean="0">
-                <a:latin typeface="メイリオ" panose="020B0604030504040204" pitchFamily="50" charset="-128"/>
-                <a:ea typeface="メイリオ" panose="020B0604030504040204" pitchFamily="50" charset="-128"/>
-                <a:cs typeface="メイリオ" panose="020B0604030504040204" pitchFamily="50" charset="-128"/>
-              </a:rPr>
-              <a:t>いいぞって言ってた</a:t>
-            </a:r>
-            <a:endParaRPr lang="en-US" altLang="ja-JP" dirty="0">
-              <a:latin typeface="メイリオ" panose="020B0604030504040204" pitchFamily="50" charset="-128"/>
-              <a:ea typeface="メイリオ" panose="020B0604030504040204" pitchFamily="50" charset="-128"/>
-              <a:cs typeface="メイリオ" panose="020B0604030504040204" pitchFamily="50" charset="-128"/>
-            </a:endParaRPr>
-          </a:p>
-          <a:p>
-            <a:pPr marL="82296" indent="0">
-              <a:buNone/>
-            </a:pPr>
-            <a:r>
-              <a:rPr lang="ja-JP" altLang="en-US" dirty="0">
-                <a:latin typeface="メイリオ" panose="020B0604030504040204" pitchFamily="50" charset="-128"/>
-                <a:ea typeface="メイリオ" panose="020B0604030504040204" pitchFamily="50" charset="-128"/>
-                <a:cs typeface="メイリオ" panose="020B0604030504040204" pitchFamily="50" charset="-128"/>
-              </a:rPr>
-              <a:t>・</a:t>
-            </a:r>
-            <a:r>
-              <a:rPr lang="ja-JP" altLang="en-US" dirty="0" smtClean="0">
-                <a:latin typeface="メイリオ" panose="020B0604030504040204" pitchFamily="50" charset="-128"/>
-                <a:ea typeface="メイリオ" panose="020B0604030504040204" pitchFamily="50" charset="-128"/>
-                <a:cs typeface="メイリオ" panose="020B0604030504040204" pitchFamily="50" charset="-128"/>
-              </a:rPr>
-              <a:t>いれよう→すばらしい・・・</a:t>
-            </a:r>
-            <a:endParaRPr lang="en-US" altLang="ja-JP" dirty="0">
-              <a:latin typeface="メイリオ" panose="020B0604030504040204" pitchFamily="50" charset="-128"/>
-              <a:ea typeface="メイリオ" panose="020B0604030504040204" pitchFamily="50" charset="-128"/>
-              <a:cs typeface="メイリオ" panose="020B0604030504040204" pitchFamily="50" charset="-128"/>
-            </a:endParaRPr>
-          </a:p>
-          <a:p>
-            <a:pPr marL="82296" indent="0">
-              <a:buNone/>
-            </a:pPr>
-            <a:r>
-              <a:rPr lang="ja-JP" altLang="en-US" dirty="0" smtClean="0">
-                <a:latin typeface="メイリオ" panose="020B0604030504040204" pitchFamily="50" charset="-128"/>
-                <a:ea typeface="メイリオ" panose="020B0604030504040204" pitchFamily="50" charset="-128"/>
-                <a:cs typeface="メイリオ" panose="020B0604030504040204" pitchFamily="50" charset="-128"/>
-              </a:rPr>
-              <a:t>・</a:t>
-            </a:r>
-            <a:r>
-              <a:rPr lang="en-US" altLang="ja-JP" dirty="0" smtClean="0">
-                <a:latin typeface="メイリオ" panose="020B0604030504040204" pitchFamily="50" charset="-128"/>
-                <a:ea typeface="メイリオ" panose="020B0604030504040204" pitchFamily="50" charset="-128"/>
-                <a:cs typeface="メイリオ" panose="020B0604030504040204" pitchFamily="50" charset="-128"/>
-              </a:rPr>
-              <a:t>GOW</a:t>
-            </a:r>
-            <a:r>
-              <a:rPr lang="ja-JP" altLang="en-US" dirty="0" smtClean="0">
-                <a:latin typeface="メイリオ" panose="020B0604030504040204" pitchFamily="50" charset="-128"/>
-                <a:ea typeface="メイリオ" panose="020B0604030504040204" pitchFamily="50" charset="-128"/>
-                <a:cs typeface="メイリオ" panose="020B0604030504040204" pitchFamily="50" charset="-128"/>
-              </a:rPr>
-              <a:t>いいぞって言ってた</a:t>
-            </a:r>
-            <a:endParaRPr lang="en-US" altLang="ja-JP" dirty="0" smtClean="0">
-              <a:latin typeface="メイリオ" panose="020B0604030504040204" pitchFamily="50" charset="-128"/>
-              <a:ea typeface="メイリオ" panose="020B0604030504040204" pitchFamily="50" charset="-128"/>
-              <a:cs typeface="メイリオ" panose="020B0604030504040204" pitchFamily="50" charset="-128"/>
-            </a:endParaRPr>
-          </a:p>
-          <a:p>
-            <a:pPr marL="82296" indent="0">
-              <a:buNone/>
-            </a:pPr>
-            <a:r>
-              <a:rPr lang="ja-JP" altLang="en-US" dirty="0" smtClean="0">
-                <a:latin typeface="メイリオ" panose="020B0604030504040204" pitchFamily="50" charset="-128"/>
-                <a:ea typeface="メイリオ" panose="020B0604030504040204" pitchFamily="50" charset="-128"/>
-                <a:cs typeface="メイリオ" panose="020B0604030504040204" pitchFamily="50" charset="-128"/>
-              </a:rPr>
-              <a:t>・いれよう→すばらしい・・・</a:t>
-            </a:r>
-            <a:endParaRPr lang="en-US" altLang="ja-JP" dirty="0" smtClean="0">
-              <a:latin typeface="メイリオ" panose="020B0604030504040204" pitchFamily="50" charset="-128"/>
-              <a:ea typeface="メイリオ" panose="020B0604030504040204" pitchFamily="50" charset="-128"/>
-              <a:cs typeface="メイリオ" panose="020B0604030504040204" pitchFamily="50" charset="-128"/>
-            </a:endParaRPr>
-          </a:p>
-          <a:p>
-            <a:pPr marL="82296" indent="0">
-              <a:buNone/>
-            </a:pPr>
-            <a:r>
-              <a:rPr lang="ja-JP" altLang="en-US" dirty="0" smtClean="0">
-                <a:latin typeface="メイリオ" panose="020B0604030504040204" pitchFamily="50" charset="-128"/>
-                <a:ea typeface="メイリオ" panose="020B0604030504040204" pitchFamily="50" charset="-128"/>
-                <a:cs typeface="メイリオ" panose="020B0604030504040204" pitchFamily="50" charset="-128"/>
-              </a:rPr>
-              <a:t>・なんか文字化けする→</a:t>
-            </a:r>
-            <a:r>
-              <a:rPr lang="ja-JP" altLang="en-US" dirty="0" err="1" smtClean="0">
-                <a:latin typeface="メイリオ" panose="020B0604030504040204" pitchFamily="50" charset="-128"/>
-                <a:ea typeface="メイリオ" panose="020B0604030504040204" pitchFamily="50" charset="-128"/>
-                <a:cs typeface="メイリオ" panose="020B0604030504040204" pitchFamily="50" charset="-128"/>
-              </a:rPr>
-              <a:t>にゃ</a:t>
-            </a:r>
-            <a:r>
-              <a:rPr lang="ja-JP" altLang="en-US" dirty="0" smtClean="0">
-                <a:latin typeface="メイリオ" panose="020B0604030504040204" pitchFamily="50" charset="-128"/>
-                <a:ea typeface="メイリオ" panose="020B0604030504040204" pitchFamily="50" charset="-128"/>
-                <a:cs typeface="メイリオ" panose="020B0604030504040204" pitchFamily="50" charset="-128"/>
-              </a:rPr>
-              <a:t>おす</a:t>
-            </a:r>
-            <a:endParaRPr lang="en-US" altLang="ja-JP" dirty="0" smtClean="0">
-              <a:latin typeface="メイリオ" panose="020B0604030504040204" pitchFamily="50" charset="-128"/>
-              <a:ea typeface="メイリオ" panose="020B0604030504040204" pitchFamily="50" charset="-128"/>
-              <a:cs typeface="メイリオ" panose="020B0604030504040204" pitchFamily="50" charset="-128"/>
-            </a:endParaRPr>
-          </a:p>
-          <a:p>
-            <a:pPr marL="82296" indent="0">
-              <a:buNone/>
-            </a:pPr>
-            <a:r>
-              <a:rPr lang="en-US" altLang="ja-JP" dirty="0" err="1" smtClean="0">
-                <a:latin typeface="メイリオ" panose="020B0604030504040204" pitchFamily="50" charset="-128"/>
-                <a:ea typeface="メイリオ" panose="020B0604030504040204" pitchFamily="50" charset="-128"/>
-                <a:cs typeface="メイリオ" panose="020B0604030504040204" pitchFamily="50" charset="-128"/>
-              </a:rPr>
-              <a:t>Gow</a:t>
-            </a:r>
-            <a:r>
-              <a:rPr lang="ja-JP" altLang="en-US" dirty="0" smtClean="0">
-                <a:latin typeface="メイリオ" panose="020B0604030504040204" pitchFamily="50" charset="-128"/>
-                <a:ea typeface="メイリオ" panose="020B0604030504040204" pitchFamily="50" charset="-128"/>
-                <a:cs typeface="メイリオ" panose="020B0604030504040204" pitchFamily="50" charset="-128"/>
-              </a:rPr>
-              <a:t>に</a:t>
-            </a:r>
-            <a:r>
-              <a:rPr lang="en-US" altLang="ja-JP" dirty="0" smtClean="0">
-                <a:latin typeface="メイリオ" panose="020B0604030504040204" pitchFamily="50" charset="-128"/>
-                <a:ea typeface="メイリオ" panose="020B0604030504040204" pitchFamily="50" charset="-128"/>
-                <a:cs typeface="メイリオ" panose="020B0604030504040204" pitchFamily="50" charset="-128"/>
-              </a:rPr>
-              <a:t>vim</a:t>
-            </a:r>
-            <a:r>
-              <a:rPr lang="ja-JP" altLang="en-US" dirty="0" smtClean="0">
-                <a:latin typeface="メイリオ" panose="020B0604030504040204" pitchFamily="50" charset="-128"/>
-                <a:ea typeface="メイリオ" panose="020B0604030504040204" pitchFamily="50" charset="-128"/>
-                <a:cs typeface="メイリオ" panose="020B0604030504040204" pitchFamily="50" charset="-128"/>
-              </a:rPr>
-              <a:t>がはいっててすごくいい。</a:t>
-            </a:r>
-            <a:endParaRPr lang="en-US" altLang="ja-JP" dirty="0" smtClean="0">
-              <a:latin typeface="メイリオ" panose="020B0604030504040204" pitchFamily="50" charset="-128"/>
-              <a:ea typeface="メイリオ" panose="020B0604030504040204" pitchFamily="50" charset="-128"/>
-              <a:cs typeface="メイリオ" panose="020B0604030504040204" pitchFamily="50" charset="-128"/>
-            </a:endParaRPr>
-          </a:p>
-          <a:p>
-            <a:pPr marL="82296" indent="0">
-              <a:buNone/>
-            </a:pPr>
-            <a:r>
-              <a:rPr lang="ja-JP" altLang="en-US" dirty="0" smtClean="0">
-                <a:latin typeface="メイリオ" panose="020B0604030504040204" pitchFamily="50" charset="-128"/>
-                <a:ea typeface="メイリオ" panose="020B0604030504040204" pitchFamily="50" charset="-128"/>
-                <a:cs typeface="メイリオ" panose="020B0604030504040204" pitchFamily="50" charset="-128"/>
-              </a:rPr>
-              <a:t>→使ってみよう→第二部へ</a:t>
-            </a:r>
-            <a:endParaRPr lang="en-US" altLang="ja-JP" dirty="0" smtClean="0">
-              <a:latin typeface="メイリオ" panose="020B0604030504040204" pitchFamily="50" charset="-128"/>
-              <a:ea typeface="メイリオ" panose="020B0604030504040204" pitchFamily="50" charset="-128"/>
-              <a:cs typeface="メイリオ" panose="020B0604030504040204" pitchFamily="50" charset="-128"/>
-            </a:endParaRPr>
-          </a:p>
-        </p:txBody>
-      </p:sp>
-    </p:spTree>
-    <p:extLst>
-      <p:ext uri="{BB962C8B-B14F-4D97-AF65-F5344CB8AC3E}">
-        <p14:creationId xmlns:p14="http://schemas.microsoft.com/office/powerpoint/2010/main" val="1642618047"/>
-      </p:ext>
-    </p:extLst>
-  </p:cSld>
-  <p:clrMapOvr>
-    <a:masterClrMapping/>
-  </p:clrMapOvr>
-  <p:timing>
-    <p:tnLst>
-      <p:par>
-        <p:cTn id="1" dur="indefinite" restart="never" nodeType="tmRoot"/>
-      </p:par>
-    </p:tnLst>
-  </p:timing>
-</p:sld>
-</file>
-
-<file path=ppt/slides/slide7.xml><?xml version="1.0" encoding="utf-8"?>
-<p:sld xmlns:a="http://schemas.openxmlformats.org/drawingml/2006/main" xmlns:r="http://schemas.openxmlformats.org/officeDocument/2006/relationships" xmlns:p="http://schemas.openxmlformats.org/presentationml/2006/main">
-  <p:cSld>
-    <p:spTree>
-      <p:nvGrpSpPr>
-        <p:cNvPr id="1" name=""/>
-        <p:cNvGrpSpPr/>
-        <p:nvPr/>
-      </p:nvGrpSpPr>
-      <p:grpSpPr>
-        <a:xfrm>
-          <a:off x="0" y="0"/>
-          <a:ext cx="0" cy="0"/>
-          <a:chOff x="0" y="0"/>
-          <a:chExt cx="0" cy="0"/>
-        </a:xfrm>
-      </p:grpSpPr>
-      <p:sp>
-        <p:nvSpPr>
-          <p:cNvPr id="12" name="タイトル 1"/>
-          <p:cNvSpPr>
-            <a:spLocks noGrp="1"/>
-          </p:cNvSpPr>
-          <p:nvPr>
-            <p:ph type="title"/>
-          </p:nvPr>
-        </p:nvSpPr>
-        <p:spPr/>
-        <p:txBody>
-          <a:bodyPr/>
-          <a:lstStyle/>
-          <a:p>
-            <a:r>
-              <a:rPr kumimoji="1" lang="ja-JP" altLang="en-US" dirty="0" smtClean="0">
-                <a:latin typeface="メイリオ" panose="020B0604030504040204" pitchFamily="50" charset="-128"/>
-                <a:ea typeface="メイリオ" panose="020B0604030504040204" pitchFamily="50" charset="-128"/>
-                <a:cs typeface="メイリオ" panose="020B0604030504040204" pitchFamily="50" charset="-128"/>
-              </a:rPr>
-              <a:t>背景</a:t>
-            </a:r>
-            <a:endParaRPr kumimoji="1" lang="ja-JP" altLang="en-US" dirty="0">
-              <a:latin typeface="メイリオ" panose="020B0604030504040204" pitchFamily="50" charset="-128"/>
-              <a:ea typeface="メイリオ" panose="020B0604030504040204" pitchFamily="50" charset="-128"/>
-              <a:cs typeface="メイリオ" panose="020B0604030504040204" pitchFamily="50" charset="-128"/>
-            </a:endParaRPr>
-          </a:p>
-        </p:txBody>
-      </p:sp>
-      <p:sp>
-        <p:nvSpPr>
-          <p:cNvPr id="13" name="コンテンツ プレースホルダー 2"/>
-          <p:cNvSpPr>
-            <a:spLocks noGrp="1"/>
-          </p:cNvSpPr>
-          <p:nvPr>
-            <p:ph idx="1"/>
-          </p:nvPr>
-        </p:nvSpPr>
-        <p:spPr>
-          <a:xfrm>
-            <a:off x="1115616" y="1124744"/>
-            <a:ext cx="7818072" cy="5544616"/>
-          </a:xfrm>
-        </p:spPr>
-        <p:txBody>
-          <a:bodyPr>
-            <a:normAutofit/>
-          </a:bodyPr>
-          <a:lstStyle/>
-          <a:p>
-            <a:pPr marL="82296" indent="0">
-              <a:buNone/>
-            </a:pPr>
-            <a:r>
-              <a:rPr lang="ja-JP" altLang="en-US" dirty="0" smtClean="0">
-                <a:latin typeface="メイリオ" panose="020B0604030504040204" pitchFamily="50" charset="-128"/>
-                <a:ea typeface="メイリオ" panose="020B0604030504040204" pitchFamily="50" charset="-128"/>
-                <a:cs typeface="メイリオ" panose="020B0604030504040204" pitchFamily="50" charset="-128"/>
-              </a:rPr>
-              <a:t>ああああ</a:t>
-            </a:r>
-            <a:endParaRPr lang="en-US" altLang="ja-JP" dirty="0" smtClean="0">
-              <a:latin typeface="メイリオ" panose="020B0604030504040204" pitchFamily="50" charset="-128"/>
-              <a:ea typeface="メイリオ" panose="020B0604030504040204" pitchFamily="50" charset="-128"/>
-              <a:cs typeface="メイリオ" panose="020B0604030504040204" pitchFamily="50" charset="-128"/>
-            </a:endParaRPr>
-          </a:p>
-        </p:txBody>
-      </p:sp>
-    </p:spTree>
-    <p:extLst>
-      <p:ext uri="{BB962C8B-B14F-4D97-AF65-F5344CB8AC3E}">
-        <p14:creationId xmlns:p14="http://schemas.microsoft.com/office/powerpoint/2010/main" val="840102760"/>
-      </p:ext>
-    </p:extLst>
-  </p:cSld>
-  <p:clrMapOvr>
-    <a:masterClrMapping/>
-  </p:clrMapOvr>
-  <p:timing>
-    <p:tnLst>
-      <p:par>
-        <p:cTn id="1" dur="indefinite" restart="never" nodeType="tmRoot"/>
-      </p:par>
-    </p:tnLst>
-  </p:timing>
-</p:sld>
-</file>
-
-<file path=ppt/slides/slide8.xml><?xml version="1.0" encoding="utf-8"?>
 <p:sld xmlns:a="http://schemas.openxmlformats.org/drawingml/2006/main" xmlns:r="http://schemas.openxmlformats.org/officeDocument/2006/relationships" xmlns:p="http://schemas.openxmlformats.org/presentationml/2006/main">
   <p:cSld>
     <p:spTree>
@@ -8482,7 +4935,7 @@
 </p:sld>
 </file>
 
-<file path=ppt/slides/slide9.xml><?xml version="1.0" encoding="utf-8"?>
+<file path=ppt/slides/slide11.xml><?xml version="1.0" encoding="utf-8"?>
 <p:sld xmlns:a="http://schemas.openxmlformats.org/drawingml/2006/main" xmlns:r="http://schemas.openxmlformats.org/officeDocument/2006/relationships" xmlns:p="http://schemas.openxmlformats.org/presentationml/2006/main">
   <p:cSld>
     <p:spTree>
@@ -8720,6 +5173,3993 @@
     <p:extLst>
       <p:ext uri="{BB962C8B-B14F-4D97-AF65-F5344CB8AC3E}">
         <p14:creationId xmlns:p14="http://schemas.microsoft.com/office/powerpoint/2010/main" val="3760567198"/>
+      </p:ext>
+    </p:extLst>
+  </p:cSld>
+  <p:clrMapOvr>
+    <a:masterClrMapping/>
+  </p:clrMapOvr>
+  <p:timing>
+    <p:tnLst>
+      <p:par>
+        <p:cTn id="1" dur="indefinite" restart="never" nodeType="tmRoot"/>
+      </p:par>
+    </p:tnLst>
+  </p:timing>
+</p:sld>
+</file>
+
+<file path=ppt/slides/slide12.xml><?xml version="1.0" encoding="utf-8"?>
+<p:sld xmlns:a="http://schemas.openxmlformats.org/drawingml/2006/main" xmlns:r="http://schemas.openxmlformats.org/officeDocument/2006/relationships" xmlns:p="http://schemas.openxmlformats.org/presentationml/2006/main">
+  <p:cSld>
+    <p:spTree>
+      <p:nvGrpSpPr>
+        <p:cNvPr id="1" name=""/>
+        <p:cNvGrpSpPr/>
+        <p:nvPr/>
+      </p:nvGrpSpPr>
+      <p:grpSpPr>
+        <a:xfrm>
+          <a:off x="0" y="0"/>
+          <a:ext cx="0" cy="0"/>
+          <a:chOff x="0" y="0"/>
+          <a:chExt cx="0" cy="0"/>
+        </a:xfrm>
+      </p:grpSpPr>
+      <p:sp>
+        <p:nvSpPr>
+          <p:cNvPr id="2" name="タイトル 1"/>
+          <p:cNvSpPr>
+            <a:spLocks noGrp="1"/>
+          </p:cNvSpPr>
+          <p:nvPr>
+            <p:ph type="title"/>
+          </p:nvPr>
+        </p:nvSpPr>
+        <p:spPr/>
+        <p:txBody>
+          <a:bodyPr/>
+          <a:lstStyle/>
+          <a:p>
+            <a:r>
+              <a:rPr kumimoji="1" lang="en-US" altLang="ja-JP" dirty="0" smtClean="0">
+                <a:latin typeface="メイリオ" panose="020B0604030504040204" pitchFamily="50" charset="-128"/>
+                <a:ea typeface="メイリオ" panose="020B0604030504040204" pitchFamily="50" charset="-128"/>
+                <a:cs typeface="メイリオ" panose="020B0604030504040204" pitchFamily="50" charset="-128"/>
+              </a:rPr>
+              <a:t>Monaca</a:t>
+            </a:r>
+            <a:r>
+              <a:rPr kumimoji="1" lang="ja-JP" altLang="en-US" dirty="0" smtClean="0">
+                <a:latin typeface="メイリオ" panose="020B0604030504040204" pitchFamily="50" charset="-128"/>
+                <a:ea typeface="メイリオ" panose="020B0604030504040204" pitchFamily="50" charset="-128"/>
+                <a:cs typeface="メイリオ" panose="020B0604030504040204" pitchFamily="50" charset="-128"/>
+              </a:rPr>
+              <a:t>とは？</a:t>
+            </a:r>
+            <a:endParaRPr kumimoji="1" lang="ja-JP" altLang="en-US" dirty="0">
+              <a:latin typeface="メイリオ" panose="020B0604030504040204" pitchFamily="50" charset="-128"/>
+              <a:ea typeface="メイリオ" panose="020B0604030504040204" pitchFamily="50" charset="-128"/>
+              <a:cs typeface="メイリオ" panose="020B0604030504040204" pitchFamily="50" charset="-128"/>
+            </a:endParaRPr>
+          </a:p>
+        </p:txBody>
+      </p:sp>
+      <p:sp>
+        <p:nvSpPr>
+          <p:cNvPr id="3" name="コンテンツ プレースホルダー 2"/>
+          <p:cNvSpPr>
+            <a:spLocks noGrp="1"/>
+          </p:cNvSpPr>
+          <p:nvPr>
+            <p:ph idx="1"/>
+          </p:nvPr>
+        </p:nvSpPr>
+        <p:spPr>
+          <a:xfrm>
+            <a:off x="1115616" y="1124744"/>
+            <a:ext cx="7818072" cy="5544616"/>
+          </a:xfrm>
+        </p:spPr>
+        <p:txBody>
+          <a:bodyPr>
+            <a:normAutofit/>
+          </a:bodyPr>
+          <a:lstStyle/>
+          <a:p>
+            <a:pPr marL="82296" indent="0">
+              <a:buNone/>
+            </a:pPr>
+            <a:r>
+              <a:rPr lang="ja-JP" altLang="en-US" dirty="0" smtClean="0">
+                <a:latin typeface="メイリオ" panose="020B0604030504040204" pitchFamily="50" charset="-128"/>
+                <a:ea typeface="メイリオ" panose="020B0604030504040204" pitchFamily="50" charset="-128"/>
+                <a:cs typeface="メイリオ" panose="020B0604030504040204" pitchFamily="50" charset="-128"/>
+              </a:rPr>
+              <a:t>・</a:t>
+            </a:r>
+            <a:r>
+              <a:rPr lang="en-US" altLang="ja-JP" dirty="0" smtClean="0">
+                <a:latin typeface="メイリオ" panose="020B0604030504040204" pitchFamily="50" charset="-128"/>
+                <a:ea typeface="メイリオ" panose="020B0604030504040204" pitchFamily="50" charset="-128"/>
+                <a:cs typeface="メイリオ" panose="020B0604030504040204" pitchFamily="50" charset="-128"/>
+              </a:rPr>
+              <a:t>HTML5</a:t>
+            </a:r>
+            <a:r>
+              <a:rPr lang="ja-JP" altLang="en-US" dirty="0">
+                <a:latin typeface="メイリオ" panose="020B0604030504040204" pitchFamily="50" charset="-128"/>
+                <a:ea typeface="メイリオ" panose="020B0604030504040204" pitchFamily="50" charset="-128"/>
+                <a:cs typeface="メイリオ" panose="020B0604030504040204" pitchFamily="50" charset="-128"/>
+              </a:rPr>
+              <a:t>でモバイルアプリを開発</a:t>
+            </a:r>
+            <a:r>
+              <a:rPr lang="ja-JP" altLang="en-US" dirty="0" smtClean="0">
+                <a:latin typeface="メイリオ" panose="020B0604030504040204" pitchFamily="50" charset="-128"/>
+                <a:ea typeface="メイリオ" panose="020B0604030504040204" pitchFamily="50" charset="-128"/>
+                <a:cs typeface="メイリオ" panose="020B0604030504040204" pitchFamily="50" charset="-128"/>
+              </a:rPr>
+              <a:t>する</a:t>
+            </a:r>
+            <a:endParaRPr lang="en-US" altLang="ja-JP" dirty="0" smtClean="0">
+              <a:latin typeface="メイリオ" panose="020B0604030504040204" pitchFamily="50" charset="-128"/>
+              <a:ea typeface="メイリオ" panose="020B0604030504040204" pitchFamily="50" charset="-128"/>
+              <a:cs typeface="メイリオ" panose="020B0604030504040204" pitchFamily="50" charset="-128"/>
+            </a:endParaRPr>
+          </a:p>
+          <a:p>
+            <a:pPr marL="82296" indent="0">
+              <a:buNone/>
+            </a:pPr>
+            <a:r>
+              <a:rPr lang="ja-JP" altLang="en-US" dirty="0">
+                <a:latin typeface="メイリオ" panose="020B0604030504040204" pitchFamily="50" charset="-128"/>
+                <a:ea typeface="メイリオ" panose="020B0604030504040204" pitchFamily="50" charset="-128"/>
+                <a:cs typeface="メイリオ" panose="020B0604030504040204" pitchFamily="50" charset="-128"/>
+              </a:rPr>
+              <a:t>　</a:t>
+            </a:r>
+            <a:r>
+              <a:rPr lang="ja-JP" altLang="en-US" dirty="0" smtClean="0">
+                <a:latin typeface="メイリオ" panose="020B0604030504040204" pitchFamily="50" charset="-128"/>
+                <a:ea typeface="メイリオ" panose="020B0604030504040204" pitchFamily="50" charset="-128"/>
+                <a:cs typeface="メイリオ" panose="020B0604030504040204" pitchFamily="50" charset="-128"/>
+              </a:rPr>
+              <a:t>ため</a:t>
+            </a:r>
+            <a:r>
+              <a:rPr lang="ja-JP" altLang="en-US" dirty="0">
+                <a:latin typeface="メイリオ" panose="020B0604030504040204" pitchFamily="50" charset="-128"/>
+                <a:ea typeface="メイリオ" panose="020B0604030504040204" pitchFamily="50" charset="-128"/>
+                <a:cs typeface="メイリオ" panose="020B0604030504040204" pitchFamily="50" charset="-128"/>
+              </a:rPr>
+              <a:t>の</a:t>
+            </a:r>
+            <a:r>
+              <a:rPr lang="ja-JP" altLang="en-US" dirty="0" smtClean="0">
+                <a:latin typeface="メイリオ" panose="020B0604030504040204" pitchFamily="50" charset="-128"/>
+                <a:ea typeface="メイリオ" panose="020B0604030504040204" pitchFamily="50" charset="-128"/>
+                <a:cs typeface="メイリオ" panose="020B0604030504040204" pitchFamily="50" charset="-128"/>
+              </a:rPr>
+              <a:t>ツール</a:t>
+            </a:r>
+            <a:endParaRPr lang="en-US" altLang="ja-JP" dirty="0" smtClean="0">
+              <a:latin typeface="メイリオ" panose="020B0604030504040204" pitchFamily="50" charset="-128"/>
+              <a:ea typeface="メイリオ" panose="020B0604030504040204" pitchFamily="50" charset="-128"/>
+              <a:cs typeface="メイリオ" panose="020B0604030504040204" pitchFamily="50" charset="-128"/>
+            </a:endParaRPr>
+          </a:p>
+          <a:p>
+            <a:pPr marL="82296" indent="0">
+              <a:buNone/>
+            </a:pPr>
+            <a:r>
+              <a:rPr lang="ja-JP" altLang="en-US" dirty="0" smtClean="0">
+                <a:latin typeface="メイリオ" panose="020B0604030504040204" pitchFamily="50" charset="-128"/>
+                <a:ea typeface="メイリオ" panose="020B0604030504040204" pitchFamily="50" charset="-128"/>
+                <a:cs typeface="メイリオ" panose="020B0604030504040204" pitchFamily="50" charset="-128"/>
+              </a:rPr>
+              <a:t>・基本的に無料</a:t>
+            </a:r>
+            <a:endParaRPr lang="en-US" altLang="ja-JP" dirty="0" smtClean="0">
+              <a:latin typeface="メイリオ" panose="020B0604030504040204" pitchFamily="50" charset="-128"/>
+              <a:ea typeface="メイリオ" panose="020B0604030504040204" pitchFamily="50" charset="-128"/>
+              <a:cs typeface="メイリオ" panose="020B0604030504040204" pitchFamily="50" charset="-128"/>
+            </a:endParaRPr>
+          </a:p>
+          <a:p>
+            <a:pPr marL="82296" indent="0">
+              <a:buNone/>
+            </a:pPr>
+            <a:r>
+              <a:rPr lang="ja-JP" altLang="en-US" dirty="0" smtClean="0">
+                <a:latin typeface="メイリオ" panose="020B0604030504040204" pitchFamily="50" charset="-128"/>
+                <a:ea typeface="メイリオ" panose="020B0604030504040204" pitchFamily="50" charset="-128"/>
+                <a:cs typeface="メイリオ" panose="020B0604030504040204" pitchFamily="50" charset="-128"/>
+              </a:rPr>
+              <a:t>・</a:t>
+            </a:r>
+            <a:r>
+              <a:rPr lang="en-US" altLang="ja-JP" dirty="0" smtClean="0">
+                <a:latin typeface="メイリオ" panose="020B0604030504040204" pitchFamily="50" charset="-128"/>
+                <a:ea typeface="メイリオ" panose="020B0604030504040204" pitchFamily="50" charset="-128"/>
+                <a:cs typeface="メイリオ" panose="020B0604030504040204" pitchFamily="50" charset="-128"/>
+              </a:rPr>
+              <a:t>Web</a:t>
+            </a:r>
+            <a:r>
+              <a:rPr lang="ja-JP" altLang="en-US" dirty="0" smtClean="0">
+                <a:latin typeface="メイリオ" panose="020B0604030504040204" pitchFamily="50" charset="-128"/>
+                <a:ea typeface="メイリオ" panose="020B0604030504040204" pitchFamily="50" charset="-128"/>
+                <a:cs typeface="メイリオ" panose="020B0604030504040204" pitchFamily="50" charset="-128"/>
+              </a:rPr>
+              <a:t>ブラウザで動作する</a:t>
+            </a:r>
+            <a:r>
+              <a:rPr lang="en-US" altLang="ja-JP" dirty="0" smtClean="0">
+                <a:latin typeface="メイリオ" panose="020B0604030504040204" pitchFamily="50" charset="-128"/>
+                <a:ea typeface="メイリオ" panose="020B0604030504040204" pitchFamily="50" charset="-128"/>
+                <a:cs typeface="メイリオ" panose="020B0604030504040204" pitchFamily="50" charset="-128"/>
+              </a:rPr>
+              <a:t>IDE</a:t>
+            </a:r>
+            <a:r>
+              <a:rPr lang="ja-JP" altLang="en-US" dirty="0" smtClean="0">
+                <a:latin typeface="メイリオ" panose="020B0604030504040204" pitchFamily="50" charset="-128"/>
+                <a:ea typeface="メイリオ" panose="020B0604030504040204" pitchFamily="50" charset="-128"/>
+                <a:cs typeface="メイリオ" panose="020B0604030504040204" pitchFamily="50" charset="-128"/>
+              </a:rPr>
+              <a:t>あり</a:t>
+            </a:r>
+            <a:endParaRPr lang="en-US" altLang="ja-JP" dirty="0" smtClean="0">
+              <a:latin typeface="メイリオ" panose="020B0604030504040204" pitchFamily="50" charset="-128"/>
+              <a:ea typeface="メイリオ" panose="020B0604030504040204" pitchFamily="50" charset="-128"/>
+              <a:cs typeface="メイリオ" panose="020B0604030504040204" pitchFamily="50" charset="-128"/>
+            </a:endParaRPr>
+          </a:p>
+          <a:p>
+            <a:pPr marL="82296" indent="0">
+              <a:buNone/>
+            </a:pPr>
+            <a:r>
+              <a:rPr lang="ja-JP" altLang="en-US" dirty="0">
+                <a:latin typeface="メイリオ" panose="020B0604030504040204" pitchFamily="50" charset="-128"/>
+                <a:ea typeface="メイリオ" panose="020B0604030504040204" pitchFamily="50" charset="-128"/>
+                <a:cs typeface="メイリオ" panose="020B0604030504040204" pitchFamily="50" charset="-128"/>
+              </a:rPr>
+              <a:t>　</a:t>
+            </a:r>
+            <a:r>
+              <a:rPr lang="ja-JP" altLang="en-US" dirty="0" smtClean="0">
+                <a:latin typeface="メイリオ" panose="020B0604030504040204" pitchFamily="50" charset="-128"/>
+                <a:ea typeface="メイリオ" panose="020B0604030504040204" pitchFamily="50" charset="-128"/>
+                <a:cs typeface="メイリオ" panose="020B0604030504040204" pitchFamily="50" charset="-128"/>
+              </a:rPr>
+              <a:t>（データはクラウドに）</a:t>
+            </a:r>
+            <a:endParaRPr lang="en-US" altLang="ja-JP" dirty="0" smtClean="0">
+              <a:latin typeface="メイリオ" panose="020B0604030504040204" pitchFamily="50" charset="-128"/>
+              <a:ea typeface="メイリオ" panose="020B0604030504040204" pitchFamily="50" charset="-128"/>
+              <a:cs typeface="メイリオ" panose="020B0604030504040204" pitchFamily="50" charset="-128"/>
+            </a:endParaRPr>
+          </a:p>
+          <a:p>
+            <a:pPr marL="82296" indent="0">
+              <a:buNone/>
+            </a:pPr>
+            <a:r>
+              <a:rPr lang="ja-JP" altLang="en-US" dirty="0" smtClean="0">
+                <a:latin typeface="メイリオ" panose="020B0604030504040204" pitchFamily="50" charset="-128"/>
+                <a:ea typeface="メイリオ" panose="020B0604030504040204" pitchFamily="50" charset="-128"/>
+                <a:cs typeface="メイリオ" panose="020B0604030504040204" pitchFamily="50" charset="-128"/>
+              </a:rPr>
+              <a:t>・日本製</a:t>
+            </a:r>
+            <a:endParaRPr lang="en-US" altLang="ja-JP" dirty="0">
+              <a:latin typeface="メイリオ" panose="020B0604030504040204" pitchFamily="50" charset="-128"/>
+              <a:ea typeface="メイリオ" panose="020B0604030504040204" pitchFamily="50" charset="-128"/>
+              <a:cs typeface="メイリオ" panose="020B0604030504040204" pitchFamily="50" charset="-128"/>
+            </a:endParaRPr>
+          </a:p>
+          <a:p>
+            <a:pPr marL="82296" indent="0">
+              <a:buNone/>
+            </a:pPr>
+            <a:endParaRPr lang="en-US" altLang="ja-JP" dirty="0" smtClean="0">
+              <a:latin typeface="メイリオ" panose="020B0604030504040204" pitchFamily="50" charset="-128"/>
+              <a:ea typeface="メイリオ" panose="020B0604030504040204" pitchFamily="50" charset="-128"/>
+              <a:cs typeface="メイリオ" panose="020B0604030504040204" pitchFamily="50" charset="-128"/>
+            </a:endParaRPr>
+          </a:p>
+          <a:p>
+            <a:pPr marL="82296" indent="0">
+              <a:buNone/>
+            </a:pPr>
+            <a:endParaRPr lang="en-US" altLang="ja-JP" dirty="0">
+              <a:latin typeface="メイリオ" panose="020B0604030504040204" pitchFamily="50" charset="-128"/>
+              <a:ea typeface="メイリオ" panose="020B0604030504040204" pitchFamily="50" charset="-128"/>
+              <a:cs typeface="メイリオ" panose="020B0604030504040204" pitchFamily="50" charset="-128"/>
+            </a:endParaRPr>
+          </a:p>
+          <a:p>
+            <a:pPr marL="82296" indent="0">
+              <a:buNone/>
+            </a:pPr>
+            <a:r>
+              <a:rPr lang="en-US" altLang="ja-JP" dirty="0">
+                <a:latin typeface="メイリオ" panose="020B0604030504040204" pitchFamily="50" charset="-128"/>
+                <a:ea typeface="メイリオ" panose="020B0604030504040204" pitchFamily="50" charset="-128"/>
+                <a:cs typeface="メイリオ" panose="020B0604030504040204" pitchFamily="50" charset="-128"/>
+              </a:rPr>
+              <a:t>http://monaca.mobi/ja/</a:t>
+            </a:r>
+          </a:p>
+        </p:txBody>
+      </p:sp>
+      <p:pic>
+        <p:nvPicPr>
+          <p:cNvPr id="4" name="図 3"/>
+          <p:cNvPicPr>
+            <a:picLocks noChangeAspect="1"/>
+          </p:cNvPicPr>
+          <p:nvPr/>
+        </p:nvPicPr>
+        <p:blipFill>
+          <a:blip r:embed="rId2">
+            <a:extLst>
+              <a:ext uri="{28A0092B-C50C-407E-A947-70E740481C1C}">
+                <a14:useLocalDpi xmlns:a14="http://schemas.microsoft.com/office/drawing/2010/main" val="0"/>
+              </a:ext>
+            </a:extLst>
+          </a:blip>
+          <a:stretch>
+            <a:fillRect/>
+          </a:stretch>
+        </p:blipFill>
+        <p:spPr>
+          <a:xfrm>
+            <a:off x="6286500" y="3717032"/>
+            <a:ext cx="2857500" cy="2590800"/>
+          </a:xfrm>
+          <a:prstGeom prst="rect">
+            <a:avLst/>
+          </a:prstGeom>
+        </p:spPr>
+      </p:pic>
+    </p:spTree>
+    <p:extLst>
+      <p:ext uri="{BB962C8B-B14F-4D97-AF65-F5344CB8AC3E}">
+        <p14:creationId xmlns:p14="http://schemas.microsoft.com/office/powerpoint/2010/main" val="1570990741"/>
+      </p:ext>
+    </p:extLst>
+  </p:cSld>
+  <p:clrMapOvr>
+    <a:masterClrMapping/>
+  </p:clrMapOvr>
+  <p:timing>
+    <p:tnLst>
+      <p:par>
+        <p:cTn id="1" dur="indefinite" restart="never" nodeType="tmRoot"/>
+      </p:par>
+    </p:tnLst>
+  </p:timing>
+</p:sld>
+</file>
+
+<file path=ppt/slides/slide13.xml><?xml version="1.0" encoding="utf-8"?>
+<p:sld xmlns:a="http://schemas.openxmlformats.org/drawingml/2006/main" xmlns:r="http://schemas.openxmlformats.org/officeDocument/2006/relationships" xmlns:p="http://schemas.openxmlformats.org/presentationml/2006/main">
+  <p:cSld>
+    <p:spTree>
+      <p:nvGrpSpPr>
+        <p:cNvPr id="1" name=""/>
+        <p:cNvGrpSpPr/>
+        <p:nvPr/>
+      </p:nvGrpSpPr>
+      <p:grpSpPr>
+        <a:xfrm>
+          <a:off x="0" y="0"/>
+          <a:ext cx="0" cy="0"/>
+          <a:chOff x="0" y="0"/>
+          <a:chExt cx="0" cy="0"/>
+        </a:xfrm>
+      </p:grpSpPr>
+      <p:sp>
+        <p:nvSpPr>
+          <p:cNvPr id="2" name="タイトル 1"/>
+          <p:cNvSpPr>
+            <a:spLocks noGrp="1"/>
+          </p:cNvSpPr>
+          <p:nvPr>
+            <p:ph type="title"/>
+          </p:nvPr>
+        </p:nvSpPr>
+        <p:spPr/>
+        <p:txBody>
+          <a:bodyPr/>
+          <a:lstStyle/>
+          <a:p>
+            <a:r>
+              <a:rPr kumimoji="1" lang="ja-JP" altLang="en-US" dirty="0" smtClean="0">
+                <a:latin typeface="メイリオ" panose="020B0604030504040204" pitchFamily="50" charset="-128"/>
+                <a:ea typeface="メイリオ" panose="020B0604030504040204" pitchFamily="50" charset="-128"/>
+                <a:cs typeface="メイリオ" panose="020B0604030504040204" pitchFamily="50" charset="-128"/>
+              </a:rPr>
+              <a:t>環境構築</a:t>
+            </a:r>
+            <a:endParaRPr kumimoji="1" lang="ja-JP" altLang="en-US" dirty="0">
+              <a:latin typeface="メイリオ" panose="020B0604030504040204" pitchFamily="50" charset="-128"/>
+              <a:ea typeface="メイリオ" panose="020B0604030504040204" pitchFamily="50" charset="-128"/>
+              <a:cs typeface="メイリオ" panose="020B0604030504040204" pitchFamily="50" charset="-128"/>
+            </a:endParaRPr>
+          </a:p>
+        </p:txBody>
+      </p:sp>
+      <p:sp>
+        <p:nvSpPr>
+          <p:cNvPr id="3" name="コンテンツ プレースホルダー 2"/>
+          <p:cNvSpPr>
+            <a:spLocks noGrp="1"/>
+          </p:cNvSpPr>
+          <p:nvPr>
+            <p:ph idx="1"/>
+          </p:nvPr>
+        </p:nvSpPr>
+        <p:spPr>
+          <a:xfrm>
+            <a:off x="1115616" y="1124744"/>
+            <a:ext cx="7818072" cy="5544616"/>
+          </a:xfrm>
+        </p:spPr>
+        <p:txBody>
+          <a:bodyPr>
+            <a:normAutofit/>
+          </a:bodyPr>
+          <a:lstStyle/>
+          <a:p>
+            <a:pPr marL="82296" indent="0" algn="ctr">
+              <a:buNone/>
+            </a:pPr>
+            <a:endParaRPr lang="en-US" altLang="ja-JP" dirty="0" smtClean="0">
+              <a:latin typeface="メイリオ" panose="020B0604030504040204" pitchFamily="50" charset="-128"/>
+              <a:ea typeface="メイリオ" panose="020B0604030504040204" pitchFamily="50" charset="-128"/>
+              <a:cs typeface="メイリオ" panose="020B0604030504040204" pitchFamily="50" charset="-128"/>
+            </a:endParaRPr>
+          </a:p>
+          <a:p>
+            <a:pPr marL="82296" indent="0" algn="ctr">
+              <a:buNone/>
+            </a:pPr>
+            <a:r>
+              <a:rPr lang="ja-JP" altLang="en-US" dirty="0" smtClean="0">
+                <a:latin typeface="メイリオ" panose="020B0604030504040204" pitchFamily="50" charset="-128"/>
+                <a:ea typeface="メイリオ" panose="020B0604030504040204" pitchFamily="50" charset="-128"/>
+                <a:cs typeface="メイリオ" panose="020B0604030504040204" pitchFamily="50" charset="-128"/>
+              </a:rPr>
+              <a:t>ユーザ登録</a:t>
+            </a:r>
+            <a:endParaRPr lang="en-US" altLang="ja-JP" dirty="0" smtClean="0">
+              <a:latin typeface="メイリオ" panose="020B0604030504040204" pitchFamily="50" charset="-128"/>
+              <a:ea typeface="メイリオ" panose="020B0604030504040204" pitchFamily="50" charset="-128"/>
+              <a:cs typeface="メイリオ" panose="020B0604030504040204" pitchFamily="50" charset="-128"/>
+            </a:endParaRPr>
+          </a:p>
+          <a:p>
+            <a:pPr marL="82296" indent="0" algn="ctr">
+              <a:buNone/>
+            </a:pPr>
+            <a:r>
+              <a:rPr lang="en-US" altLang="ja-JP" dirty="0" smtClean="0">
+                <a:latin typeface="メイリオ" panose="020B0604030504040204" pitchFamily="50" charset="-128"/>
+                <a:ea typeface="メイリオ" panose="020B0604030504040204" pitchFamily="50" charset="-128"/>
+                <a:cs typeface="メイリオ" panose="020B0604030504040204" pitchFamily="50" charset="-128"/>
+              </a:rPr>
+              <a:t>(</a:t>
+            </a:r>
+            <a:r>
+              <a:rPr lang="ja-JP" altLang="en-US" dirty="0" smtClean="0">
+                <a:latin typeface="メイリオ" panose="020B0604030504040204" pitchFamily="50" charset="-128"/>
+                <a:ea typeface="メイリオ" panose="020B0604030504040204" pitchFamily="50" charset="-128"/>
+                <a:cs typeface="メイリオ" panose="020B0604030504040204" pitchFamily="50" charset="-128"/>
+              </a:rPr>
+              <a:t>推奨環境：</a:t>
+            </a:r>
+            <a:r>
+              <a:rPr lang="en-US" altLang="ja-JP" dirty="0" smtClean="0">
+                <a:latin typeface="メイリオ" panose="020B0604030504040204" pitchFamily="50" charset="-128"/>
+                <a:ea typeface="メイリオ" panose="020B0604030504040204" pitchFamily="50" charset="-128"/>
+                <a:cs typeface="メイリオ" panose="020B0604030504040204" pitchFamily="50" charset="-128"/>
+              </a:rPr>
+              <a:t>Google Chrome</a:t>
+            </a:r>
+            <a:r>
+              <a:rPr lang="ja-JP" altLang="en-US" dirty="0" smtClean="0">
+                <a:latin typeface="メイリオ" panose="020B0604030504040204" pitchFamily="50" charset="-128"/>
+                <a:ea typeface="メイリオ" panose="020B0604030504040204" pitchFamily="50" charset="-128"/>
+                <a:cs typeface="メイリオ" panose="020B0604030504040204" pitchFamily="50" charset="-128"/>
+              </a:rPr>
+              <a:t>か</a:t>
+            </a:r>
+            <a:r>
+              <a:rPr lang="en-US" altLang="ja-JP" dirty="0" smtClean="0">
+                <a:latin typeface="メイリオ" panose="020B0604030504040204" pitchFamily="50" charset="-128"/>
+                <a:ea typeface="メイリオ" panose="020B0604030504040204" pitchFamily="50" charset="-128"/>
+                <a:cs typeface="メイリオ" panose="020B0604030504040204" pitchFamily="50" charset="-128"/>
+              </a:rPr>
+              <a:t>Safari)</a:t>
+            </a:r>
+            <a:endParaRPr lang="en-US" altLang="ja-JP" dirty="0">
+              <a:latin typeface="メイリオ" panose="020B0604030504040204" pitchFamily="50" charset="-128"/>
+              <a:ea typeface="メイリオ" panose="020B0604030504040204" pitchFamily="50" charset="-128"/>
+              <a:cs typeface="メイリオ" panose="020B0604030504040204" pitchFamily="50" charset="-128"/>
+            </a:endParaRPr>
+          </a:p>
+          <a:p>
+            <a:pPr marL="82296" indent="0" algn="ctr">
+              <a:buNone/>
+            </a:pPr>
+            <a:r>
+              <a:rPr lang="ja-JP" altLang="en-US" dirty="0" smtClean="0">
+                <a:latin typeface="メイリオ" panose="020B0604030504040204" pitchFamily="50" charset="-128"/>
+                <a:ea typeface="メイリオ" panose="020B0604030504040204" pitchFamily="50" charset="-128"/>
+                <a:cs typeface="メイリオ" panose="020B0604030504040204" pitchFamily="50" charset="-128"/>
+              </a:rPr>
+              <a:t>↓</a:t>
+            </a:r>
+            <a:endParaRPr lang="en-US" altLang="ja-JP" dirty="0" smtClean="0">
+              <a:latin typeface="メイリオ" panose="020B0604030504040204" pitchFamily="50" charset="-128"/>
+              <a:ea typeface="メイリオ" panose="020B0604030504040204" pitchFamily="50" charset="-128"/>
+              <a:cs typeface="メイリオ" panose="020B0604030504040204" pitchFamily="50" charset="-128"/>
+            </a:endParaRPr>
+          </a:p>
+          <a:p>
+            <a:pPr marL="82296" indent="0" algn="ctr">
+              <a:buNone/>
+            </a:pPr>
+            <a:r>
+              <a:rPr lang="ja-JP" altLang="en-US" dirty="0">
+                <a:latin typeface="メイリオ" panose="020B0604030504040204" pitchFamily="50" charset="-128"/>
+                <a:ea typeface="メイリオ" panose="020B0604030504040204" pitchFamily="50" charset="-128"/>
+                <a:cs typeface="メイリオ" panose="020B0604030504040204" pitchFamily="50" charset="-128"/>
+              </a:rPr>
+              <a:t>実機</a:t>
+            </a:r>
+            <a:r>
+              <a:rPr lang="ja-JP" altLang="en-US" dirty="0" smtClean="0">
+                <a:latin typeface="メイリオ" panose="020B0604030504040204" pitchFamily="50" charset="-128"/>
+                <a:ea typeface="メイリオ" panose="020B0604030504040204" pitchFamily="50" charset="-128"/>
+                <a:cs typeface="メイリオ" panose="020B0604030504040204" pitchFamily="50" charset="-128"/>
+              </a:rPr>
+              <a:t>確認用アプリのインストール</a:t>
+            </a:r>
+            <a:endParaRPr lang="en-US" altLang="ja-JP" dirty="0" smtClean="0">
+              <a:latin typeface="メイリオ" panose="020B0604030504040204" pitchFamily="50" charset="-128"/>
+              <a:ea typeface="メイリオ" panose="020B0604030504040204" pitchFamily="50" charset="-128"/>
+              <a:cs typeface="メイリオ" panose="020B0604030504040204" pitchFamily="50" charset="-128"/>
+            </a:endParaRPr>
+          </a:p>
+          <a:p>
+            <a:pPr marL="82296" indent="0" algn="ctr">
+              <a:buNone/>
+            </a:pPr>
+            <a:r>
+              <a:rPr lang="en-US" altLang="ja-JP" dirty="0" smtClean="0">
+                <a:latin typeface="メイリオ" panose="020B0604030504040204" pitchFamily="50" charset="-128"/>
+                <a:ea typeface="メイリオ" panose="020B0604030504040204" pitchFamily="50" charset="-128"/>
+                <a:cs typeface="メイリオ" panose="020B0604030504040204" pitchFamily="50" charset="-128"/>
+              </a:rPr>
+              <a:t>(App Store</a:t>
+            </a:r>
+            <a:r>
+              <a:rPr lang="ja-JP" altLang="en-US" dirty="0" smtClean="0">
+                <a:latin typeface="メイリオ" panose="020B0604030504040204" pitchFamily="50" charset="-128"/>
+                <a:ea typeface="メイリオ" panose="020B0604030504040204" pitchFamily="50" charset="-128"/>
+                <a:cs typeface="メイリオ" panose="020B0604030504040204" pitchFamily="50" charset="-128"/>
+              </a:rPr>
+              <a:t>・</a:t>
+            </a:r>
+            <a:r>
+              <a:rPr lang="en-US" altLang="ja-JP" dirty="0" smtClean="0">
+                <a:latin typeface="メイリオ" panose="020B0604030504040204" pitchFamily="50" charset="-128"/>
+                <a:ea typeface="メイリオ" panose="020B0604030504040204" pitchFamily="50" charset="-128"/>
+                <a:cs typeface="メイリオ" panose="020B0604030504040204" pitchFamily="50" charset="-128"/>
+              </a:rPr>
+              <a:t>Google Play)</a:t>
+            </a:r>
+            <a:endParaRPr lang="en-US" altLang="ja-JP" dirty="0">
+              <a:latin typeface="メイリオ" panose="020B0604030504040204" pitchFamily="50" charset="-128"/>
+              <a:ea typeface="メイリオ" panose="020B0604030504040204" pitchFamily="50" charset="-128"/>
+              <a:cs typeface="メイリオ" panose="020B0604030504040204" pitchFamily="50" charset="-128"/>
+            </a:endParaRPr>
+          </a:p>
+          <a:p>
+            <a:pPr marL="82296" indent="0" algn="ctr">
+              <a:buNone/>
+            </a:pPr>
+            <a:r>
+              <a:rPr lang="ja-JP" altLang="en-US" dirty="0" smtClean="0">
+                <a:latin typeface="メイリオ" panose="020B0604030504040204" pitchFamily="50" charset="-128"/>
+                <a:ea typeface="メイリオ" panose="020B0604030504040204" pitchFamily="50" charset="-128"/>
+                <a:cs typeface="メイリオ" panose="020B0604030504040204" pitchFamily="50" charset="-128"/>
+              </a:rPr>
+              <a:t>↓</a:t>
+            </a:r>
+            <a:endParaRPr lang="en-US" altLang="ja-JP" dirty="0" smtClean="0">
+              <a:latin typeface="メイリオ" panose="020B0604030504040204" pitchFamily="50" charset="-128"/>
+              <a:ea typeface="メイリオ" panose="020B0604030504040204" pitchFamily="50" charset="-128"/>
+              <a:cs typeface="メイリオ" panose="020B0604030504040204" pitchFamily="50" charset="-128"/>
+            </a:endParaRPr>
+          </a:p>
+          <a:p>
+            <a:pPr marL="82296" indent="0" algn="ctr">
+              <a:buNone/>
+            </a:pPr>
+            <a:r>
+              <a:rPr lang="ja-JP" altLang="en-US" dirty="0">
+                <a:latin typeface="メイリオ" panose="020B0604030504040204" pitchFamily="50" charset="-128"/>
+                <a:ea typeface="メイリオ" panose="020B0604030504040204" pitchFamily="50" charset="-128"/>
+                <a:cs typeface="メイリオ" panose="020B0604030504040204" pitchFamily="50" charset="-128"/>
+              </a:rPr>
+              <a:t>ログイン</a:t>
+            </a:r>
+            <a:endParaRPr lang="en-US" altLang="ja-JP" dirty="0">
+              <a:latin typeface="メイリオ" panose="020B0604030504040204" pitchFamily="50" charset="-128"/>
+              <a:ea typeface="メイリオ" panose="020B0604030504040204" pitchFamily="50" charset="-128"/>
+              <a:cs typeface="メイリオ" panose="020B0604030504040204" pitchFamily="50" charset="-128"/>
+            </a:endParaRPr>
+          </a:p>
+        </p:txBody>
+      </p:sp>
+    </p:spTree>
+    <p:extLst>
+      <p:ext uri="{BB962C8B-B14F-4D97-AF65-F5344CB8AC3E}">
+        <p14:creationId xmlns:p14="http://schemas.microsoft.com/office/powerpoint/2010/main" val="3999748118"/>
+      </p:ext>
+    </p:extLst>
+  </p:cSld>
+  <p:clrMapOvr>
+    <a:masterClrMapping/>
+  </p:clrMapOvr>
+  <p:timing>
+    <p:tnLst>
+      <p:par>
+        <p:cTn id="1" dur="indefinite" restart="never" nodeType="tmRoot"/>
+      </p:par>
+    </p:tnLst>
+  </p:timing>
+</p:sld>
+</file>
+
+<file path=ppt/slides/slide14.xml><?xml version="1.0" encoding="utf-8"?>
+<p:sld xmlns:a="http://schemas.openxmlformats.org/drawingml/2006/main" xmlns:r="http://schemas.openxmlformats.org/officeDocument/2006/relationships" xmlns:p="http://schemas.openxmlformats.org/presentationml/2006/main">
+  <p:cSld>
+    <p:spTree>
+      <p:nvGrpSpPr>
+        <p:cNvPr id="1" name=""/>
+        <p:cNvGrpSpPr/>
+        <p:nvPr/>
+      </p:nvGrpSpPr>
+      <p:grpSpPr>
+        <a:xfrm>
+          <a:off x="0" y="0"/>
+          <a:ext cx="0" cy="0"/>
+          <a:chOff x="0" y="0"/>
+          <a:chExt cx="0" cy="0"/>
+        </a:xfrm>
+      </p:grpSpPr>
+      <p:sp>
+        <p:nvSpPr>
+          <p:cNvPr id="2" name="タイトル 1"/>
+          <p:cNvSpPr>
+            <a:spLocks noGrp="1"/>
+          </p:cNvSpPr>
+          <p:nvPr>
+            <p:ph type="title"/>
+          </p:nvPr>
+        </p:nvSpPr>
+        <p:spPr/>
+        <p:txBody>
+          <a:bodyPr/>
+          <a:lstStyle/>
+          <a:p>
+            <a:r>
+              <a:rPr kumimoji="1" lang="ja-JP" altLang="en-US" dirty="0" smtClean="0">
+                <a:latin typeface="メイリオ" panose="020B0604030504040204" pitchFamily="50" charset="-128"/>
+                <a:ea typeface="メイリオ" panose="020B0604030504040204" pitchFamily="50" charset="-128"/>
+                <a:cs typeface="メイリオ" panose="020B0604030504040204" pitchFamily="50" charset="-128"/>
+              </a:rPr>
+              <a:t>さわってみる</a:t>
+            </a:r>
+            <a:endParaRPr kumimoji="1" lang="ja-JP" altLang="en-US" dirty="0">
+              <a:latin typeface="メイリオ" panose="020B0604030504040204" pitchFamily="50" charset="-128"/>
+              <a:ea typeface="メイリオ" panose="020B0604030504040204" pitchFamily="50" charset="-128"/>
+              <a:cs typeface="メイリオ" panose="020B0604030504040204" pitchFamily="50" charset="-128"/>
+            </a:endParaRPr>
+          </a:p>
+        </p:txBody>
+      </p:sp>
+      <p:sp>
+        <p:nvSpPr>
+          <p:cNvPr id="5" name="コンテンツ プレースホルダー 2"/>
+          <p:cNvSpPr txBox="1">
+            <a:spLocks/>
+          </p:cNvSpPr>
+          <p:nvPr/>
+        </p:nvSpPr>
+        <p:spPr>
+          <a:xfrm>
+            <a:off x="1115616" y="1124744"/>
+            <a:ext cx="7818072" cy="5544616"/>
+          </a:xfrm>
+          <a:prstGeom prst="rect">
+            <a:avLst/>
+          </a:prstGeom>
+        </p:spPr>
+        <p:txBody>
+          <a:bodyPr>
+            <a:normAutofit/>
+          </a:bodyPr>
+          <a:lstStyle>
+            <a:lvl1pPr marL="365760" indent="-283464" algn="l" rtl="0" eaLnBrk="1" latinLnBrk="0" hangingPunct="1">
+              <a:lnSpc>
+                <a:spcPct val="100000"/>
+              </a:lnSpc>
+              <a:spcBef>
+                <a:spcPts val="600"/>
+              </a:spcBef>
+              <a:buClr>
+                <a:schemeClr val="accent1"/>
+              </a:buClr>
+              <a:buSzPct val="80000"/>
+              <a:buFont typeface="Wingdings 2"/>
+              <a:buChar char=""/>
+              <a:defRPr kumimoji="1" sz="3200" kern="1200">
+                <a:solidFill>
+                  <a:schemeClr val="tx1"/>
+                </a:solidFill>
+                <a:latin typeface="+mn-lt"/>
+                <a:ea typeface="+mn-ea"/>
+                <a:cs typeface="+mn-cs"/>
+              </a:defRPr>
+            </a:lvl1pPr>
+            <a:lvl2pPr marL="640080" indent="-237744" algn="l" rtl="0" eaLnBrk="1" latinLnBrk="0" hangingPunct="1">
+              <a:lnSpc>
+                <a:spcPct val="100000"/>
+              </a:lnSpc>
+              <a:spcBef>
+                <a:spcPts val="550"/>
+              </a:spcBef>
+              <a:buClr>
+                <a:schemeClr val="accent1"/>
+              </a:buClr>
+              <a:buFont typeface="Verdana"/>
+              <a:buChar char="◦"/>
+              <a:defRPr kumimoji="1" sz="2800" kern="1200">
+                <a:solidFill>
+                  <a:schemeClr val="tx1"/>
+                </a:solidFill>
+                <a:latin typeface="+mn-lt"/>
+                <a:ea typeface="+mn-ea"/>
+                <a:cs typeface="+mn-cs"/>
+              </a:defRPr>
+            </a:lvl2pPr>
+            <a:lvl3pPr marL="886968" indent="-228600" algn="l" rtl="0" eaLnBrk="1" latinLnBrk="0" hangingPunct="1">
+              <a:lnSpc>
+                <a:spcPct val="100000"/>
+              </a:lnSpc>
+              <a:spcBef>
+                <a:spcPct val="20000"/>
+              </a:spcBef>
+              <a:buClr>
+                <a:schemeClr val="accent2"/>
+              </a:buClr>
+              <a:buFont typeface="Wingdings 2"/>
+              <a:buChar char=""/>
+              <a:defRPr kumimoji="1" sz="2400" kern="1200">
+                <a:solidFill>
+                  <a:schemeClr val="tx1"/>
+                </a:solidFill>
+                <a:latin typeface="+mn-lt"/>
+                <a:ea typeface="+mn-ea"/>
+                <a:cs typeface="+mn-cs"/>
+              </a:defRPr>
+            </a:lvl3pPr>
+            <a:lvl4pPr marL="1097280" indent="-173736" algn="l" rtl="0" eaLnBrk="1" latinLnBrk="0" hangingPunct="1">
+              <a:lnSpc>
+                <a:spcPct val="100000"/>
+              </a:lnSpc>
+              <a:spcBef>
+                <a:spcPct val="20000"/>
+              </a:spcBef>
+              <a:buClr>
+                <a:schemeClr val="accent3"/>
+              </a:buClr>
+              <a:buFont typeface="Wingdings 2"/>
+              <a:buChar char=""/>
+              <a:defRPr kumimoji="1" sz="2000" kern="1200">
+                <a:solidFill>
+                  <a:schemeClr val="tx1"/>
+                </a:solidFill>
+                <a:latin typeface="+mn-lt"/>
+                <a:ea typeface="+mn-ea"/>
+                <a:cs typeface="+mn-cs"/>
+              </a:defRPr>
+            </a:lvl4pPr>
+            <a:lvl5pPr marL="1298448" indent="-182880" algn="l" rtl="0" eaLnBrk="1" latinLnBrk="0" hangingPunct="1">
+              <a:lnSpc>
+                <a:spcPct val="100000"/>
+              </a:lnSpc>
+              <a:spcBef>
+                <a:spcPct val="20000"/>
+              </a:spcBef>
+              <a:buClr>
+                <a:schemeClr val="accent4"/>
+              </a:buClr>
+              <a:buFont typeface="Wingdings 2"/>
+              <a:buChar char=""/>
+              <a:defRPr kumimoji="1" sz="2000" kern="1200">
+                <a:solidFill>
+                  <a:schemeClr val="tx1"/>
+                </a:solidFill>
+                <a:latin typeface="+mn-lt"/>
+                <a:ea typeface="+mn-ea"/>
+                <a:cs typeface="+mn-cs"/>
+              </a:defRPr>
+            </a:lvl5pPr>
+            <a:lvl6pPr marL="1508760" indent="-182880" algn="l" rtl="0" eaLnBrk="1" latinLnBrk="0" hangingPunct="1">
+              <a:lnSpc>
+                <a:spcPct val="100000"/>
+              </a:lnSpc>
+              <a:spcBef>
+                <a:spcPct val="20000"/>
+              </a:spcBef>
+              <a:buClr>
+                <a:schemeClr val="accent5"/>
+              </a:buClr>
+              <a:buFont typeface="Wingdings 2"/>
+              <a:buChar char=""/>
+              <a:defRPr kumimoji="1" sz="2000" kern="1200">
+                <a:solidFill>
+                  <a:schemeClr val="tx1"/>
+                </a:solidFill>
+                <a:latin typeface="+mn-lt"/>
+                <a:ea typeface="+mn-ea"/>
+                <a:cs typeface="+mn-cs"/>
+              </a:defRPr>
+            </a:lvl6pPr>
+            <a:lvl7pPr marL="1719072" indent="-182880" algn="l" rtl="0" eaLnBrk="1" latinLnBrk="0" hangingPunct="1">
+              <a:lnSpc>
+                <a:spcPct val="100000"/>
+              </a:lnSpc>
+              <a:spcBef>
+                <a:spcPct val="20000"/>
+              </a:spcBef>
+              <a:buClr>
+                <a:schemeClr val="accent6"/>
+              </a:buClr>
+              <a:buFont typeface="Wingdings 2"/>
+              <a:buChar char=""/>
+              <a:defRPr kumimoji="1" sz="2000" kern="1200">
+                <a:solidFill>
+                  <a:schemeClr val="tx1"/>
+                </a:solidFill>
+                <a:latin typeface="+mn-lt"/>
+                <a:ea typeface="+mn-ea"/>
+                <a:cs typeface="+mn-cs"/>
+              </a:defRPr>
+            </a:lvl7pPr>
+            <a:lvl8pPr marL="1920240" indent="-182880" algn="l" rtl="0" eaLnBrk="1" latinLnBrk="0" hangingPunct="1">
+              <a:lnSpc>
+                <a:spcPct val="100000"/>
+              </a:lnSpc>
+              <a:spcBef>
+                <a:spcPct val="20000"/>
+              </a:spcBef>
+              <a:buClr>
+                <a:schemeClr val="accent6"/>
+              </a:buClr>
+              <a:buFont typeface="Wingdings 2"/>
+              <a:buChar char=""/>
+              <a:defRPr kumimoji="1" sz="2000" kern="1200">
+                <a:solidFill>
+                  <a:schemeClr val="tx1"/>
+                </a:solidFill>
+                <a:latin typeface="+mn-lt"/>
+                <a:ea typeface="+mn-ea"/>
+                <a:cs typeface="+mn-cs"/>
+              </a:defRPr>
+            </a:lvl8pPr>
+            <a:lvl9pPr marL="2130552" indent="-182880" algn="l" rtl="0" eaLnBrk="1" latinLnBrk="0" hangingPunct="1">
+              <a:lnSpc>
+                <a:spcPct val="100000"/>
+              </a:lnSpc>
+              <a:spcBef>
+                <a:spcPct val="20000"/>
+              </a:spcBef>
+              <a:buClr>
+                <a:schemeClr val="accent6"/>
+              </a:buClr>
+              <a:buFont typeface="Wingdings 2"/>
+              <a:buChar char=""/>
+              <a:defRPr kumimoji="1" sz="2000" kern="1200">
+                <a:solidFill>
+                  <a:schemeClr val="tx1"/>
+                </a:solidFill>
+                <a:latin typeface="+mn-lt"/>
+                <a:ea typeface="+mn-ea"/>
+                <a:cs typeface="+mn-cs"/>
+              </a:defRPr>
+            </a:lvl9pPr>
+            <a:extLst/>
+          </a:lstStyle>
+          <a:p>
+            <a:pPr marL="82296" indent="0">
+              <a:buFont typeface="Wingdings 2"/>
+              <a:buNone/>
+            </a:pPr>
+            <a:r>
+              <a:rPr lang="ja-JP" altLang="en-US" dirty="0" smtClean="0">
+                <a:latin typeface="メイリオ" panose="020B0604030504040204" pitchFamily="50" charset="-128"/>
+                <a:ea typeface="メイリオ" panose="020B0604030504040204" pitchFamily="50" charset="-128"/>
+                <a:cs typeface="メイリオ" panose="020B0604030504040204" pitchFamily="50" charset="-128"/>
+              </a:rPr>
+              <a:t>ひな形とか結構作ってくれて楽。</a:t>
+            </a:r>
+            <a:endParaRPr lang="en-US" altLang="ja-JP" dirty="0" smtClean="0">
+              <a:latin typeface="メイリオ" panose="020B0604030504040204" pitchFamily="50" charset="-128"/>
+              <a:ea typeface="メイリオ" panose="020B0604030504040204" pitchFamily="50" charset="-128"/>
+              <a:cs typeface="メイリオ" panose="020B0604030504040204" pitchFamily="50" charset="-128"/>
+            </a:endParaRPr>
+          </a:p>
+          <a:p>
+            <a:pPr marL="82296" indent="0">
+              <a:buFont typeface="Wingdings 2"/>
+              <a:buNone/>
+            </a:pPr>
+            <a:endParaRPr lang="en-US" altLang="ja-JP" dirty="0">
+              <a:latin typeface="メイリオ" panose="020B0604030504040204" pitchFamily="50" charset="-128"/>
+              <a:ea typeface="メイリオ" panose="020B0604030504040204" pitchFamily="50" charset="-128"/>
+              <a:cs typeface="メイリオ" panose="020B0604030504040204" pitchFamily="50" charset="-128"/>
+            </a:endParaRPr>
+          </a:p>
+          <a:p>
+            <a:pPr marL="82296" indent="0">
+              <a:buFont typeface="Wingdings 2"/>
+              <a:buNone/>
+            </a:pPr>
+            <a:r>
+              <a:rPr lang="ja-JP" altLang="en-US" dirty="0" smtClean="0">
+                <a:latin typeface="メイリオ" panose="020B0604030504040204" pitchFamily="50" charset="-128"/>
+                <a:ea typeface="メイリオ" panose="020B0604030504040204" pitchFamily="50" charset="-128"/>
+                <a:cs typeface="メイリオ" panose="020B0604030504040204" pitchFamily="50" charset="-128"/>
+              </a:rPr>
+              <a:t>当然</a:t>
+            </a:r>
+            <a:r>
+              <a:rPr lang="en-US" altLang="ja-JP" dirty="0" smtClean="0">
+                <a:latin typeface="メイリオ" panose="020B0604030504040204" pitchFamily="50" charset="-128"/>
+                <a:ea typeface="メイリオ" panose="020B0604030504040204" pitchFamily="50" charset="-128"/>
+                <a:cs typeface="メイリオ" panose="020B0604030504040204" pitchFamily="50" charset="-128"/>
+              </a:rPr>
+              <a:t>JS</a:t>
+            </a:r>
+            <a:r>
+              <a:rPr lang="ja-JP" altLang="en-US" dirty="0" err="1" smtClean="0">
+                <a:latin typeface="メイリオ" panose="020B0604030504040204" pitchFamily="50" charset="-128"/>
+                <a:ea typeface="メイリオ" panose="020B0604030504040204" pitchFamily="50" charset="-128"/>
+                <a:cs typeface="メイリオ" panose="020B0604030504040204" pitchFamily="50" charset="-128"/>
+              </a:rPr>
+              <a:t>、</a:t>
+            </a:r>
+            <a:r>
+              <a:rPr lang="en-US" altLang="ja-JP" dirty="0" smtClean="0">
+                <a:latin typeface="メイリオ" panose="020B0604030504040204" pitchFamily="50" charset="-128"/>
+                <a:ea typeface="メイリオ" panose="020B0604030504040204" pitchFamily="50" charset="-128"/>
+                <a:cs typeface="メイリオ" panose="020B0604030504040204" pitchFamily="50" charset="-128"/>
+              </a:rPr>
+              <a:t>JQuery</a:t>
+            </a:r>
+            <a:r>
+              <a:rPr lang="ja-JP" altLang="en-US" dirty="0" smtClean="0">
+                <a:latin typeface="メイリオ" panose="020B0604030504040204" pitchFamily="50" charset="-128"/>
+                <a:ea typeface="メイリオ" panose="020B0604030504040204" pitchFamily="50" charset="-128"/>
+                <a:cs typeface="メイリオ" panose="020B0604030504040204" pitchFamily="50" charset="-128"/>
+              </a:rPr>
+              <a:t>とか使える</a:t>
+            </a:r>
+            <a:r>
+              <a:rPr lang="ja-JP" altLang="en-US" dirty="0" err="1" smtClean="0">
+                <a:latin typeface="メイリオ" panose="020B0604030504040204" pitchFamily="50" charset="-128"/>
+                <a:ea typeface="メイリオ" panose="020B0604030504040204" pitchFamily="50" charset="-128"/>
+                <a:cs typeface="メイリオ" panose="020B0604030504040204" pitchFamily="50" charset="-128"/>
+              </a:rPr>
+              <a:t>っぽ</a:t>
+            </a:r>
+            <a:r>
+              <a:rPr lang="ja-JP" altLang="en-US" dirty="0" smtClean="0">
+                <a:latin typeface="メイリオ" panose="020B0604030504040204" pitchFamily="50" charset="-128"/>
+                <a:ea typeface="メイリオ" panose="020B0604030504040204" pitchFamily="50" charset="-128"/>
+                <a:cs typeface="メイリオ" panose="020B0604030504040204" pitchFamily="50" charset="-128"/>
+              </a:rPr>
+              <a:t>いです</a:t>
+            </a:r>
+            <a:endParaRPr lang="en-US" altLang="ja-JP" dirty="0">
+              <a:latin typeface="メイリオ" panose="020B0604030504040204" pitchFamily="50" charset="-128"/>
+              <a:ea typeface="メイリオ" panose="020B0604030504040204" pitchFamily="50" charset="-128"/>
+              <a:cs typeface="メイリオ" panose="020B0604030504040204" pitchFamily="50" charset="-128"/>
+            </a:endParaRPr>
+          </a:p>
+        </p:txBody>
+      </p:sp>
+    </p:spTree>
+    <p:extLst>
+      <p:ext uri="{BB962C8B-B14F-4D97-AF65-F5344CB8AC3E}">
+        <p14:creationId xmlns:p14="http://schemas.microsoft.com/office/powerpoint/2010/main" val="4231235222"/>
+      </p:ext>
+    </p:extLst>
+  </p:cSld>
+  <p:clrMapOvr>
+    <a:masterClrMapping/>
+  </p:clrMapOvr>
+  <p:timing>
+    <p:tnLst>
+      <p:par>
+        <p:cTn id="1" dur="indefinite" restart="never" nodeType="tmRoot"/>
+      </p:par>
+    </p:tnLst>
+  </p:timing>
+</p:sld>
+</file>
+
+<file path=ppt/slides/slide15.xml><?xml version="1.0" encoding="utf-8"?>
+<p:sld xmlns:a="http://schemas.openxmlformats.org/drawingml/2006/main" xmlns:r="http://schemas.openxmlformats.org/officeDocument/2006/relationships" xmlns:p="http://schemas.openxmlformats.org/presentationml/2006/main">
+  <p:cSld>
+    <p:spTree>
+      <p:nvGrpSpPr>
+        <p:cNvPr id="1" name=""/>
+        <p:cNvGrpSpPr/>
+        <p:nvPr/>
+      </p:nvGrpSpPr>
+      <p:grpSpPr>
+        <a:xfrm>
+          <a:off x="0" y="0"/>
+          <a:ext cx="0" cy="0"/>
+          <a:chOff x="0" y="0"/>
+          <a:chExt cx="0" cy="0"/>
+        </a:xfrm>
+      </p:grpSpPr>
+      <p:sp>
+        <p:nvSpPr>
+          <p:cNvPr id="2" name="タイトル 1"/>
+          <p:cNvSpPr>
+            <a:spLocks noGrp="1"/>
+          </p:cNvSpPr>
+          <p:nvPr>
+            <p:ph type="title"/>
+          </p:nvPr>
+        </p:nvSpPr>
+        <p:spPr/>
+        <p:txBody>
+          <a:bodyPr/>
+          <a:lstStyle/>
+          <a:p>
+            <a:r>
+              <a:rPr kumimoji="1" lang="en-US" altLang="ja-JP" dirty="0" err="1" smtClean="0">
+                <a:latin typeface="メイリオ" panose="020B0604030504040204" pitchFamily="50" charset="-128"/>
+                <a:ea typeface="メイリオ" panose="020B0604030504040204" pitchFamily="50" charset="-128"/>
+                <a:cs typeface="メイリオ" panose="020B0604030504040204" pitchFamily="50" charset="-128"/>
+              </a:rPr>
+              <a:t>OnsenUI</a:t>
+            </a:r>
+            <a:r>
+              <a:rPr kumimoji="1" lang="ja-JP" altLang="en-US" dirty="0" smtClean="0">
+                <a:latin typeface="メイリオ" panose="020B0604030504040204" pitchFamily="50" charset="-128"/>
+                <a:ea typeface="メイリオ" panose="020B0604030504040204" pitchFamily="50" charset="-128"/>
+                <a:cs typeface="メイリオ" panose="020B0604030504040204" pitchFamily="50" charset="-128"/>
+              </a:rPr>
+              <a:t>を使う</a:t>
+            </a:r>
+            <a:endParaRPr kumimoji="1" lang="ja-JP" altLang="en-US" dirty="0">
+              <a:latin typeface="メイリオ" panose="020B0604030504040204" pitchFamily="50" charset="-128"/>
+              <a:ea typeface="メイリオ" panose="020B0604030504040204" pitchFamily="50" charset="-128"/>
+              <a:cs typeface="メイリオ" panose="020B0604030504040204" pitchFamily="50" charset="-128"/>
+            </a:endParaRPr>
+          </a:p>
+        </p:txBody>
+      </p:sp>
+      <p:sp>
+        <p:nvSpPr>
+          <p:cNvPr id="5" name="コンテンツ プレースホルダー 2"/>
+          <p:cNvSpPr txBox="1">
+            <a:spLocks/>
+          </p:cNvSpPr>
+          <p:nvPr/>
+        </p:nvSpPr>
+        <p:spPr>
+          <a:xfrm>
+            <a:off x="1115616" y="1124744"/>
+            <a:ext cx="7818072" cy="5544616"/>
+          </a:xfrm>
+          <a:prstGeom prst="rect">
+            <a:avLst/>
+          </a:prstGeom>
+        </p:spPr>
+        <p:txBody>
+          <a:bodyPr>
+            <a:normAutofit/>
+          </a:bodyPr>
+          <a:lstStyle>
+            <a:lvl1pPr marL="365760" indent="-283464" algn="l" rtl="0" eaLnBrk="1" latinLnBrk="0" hangingPunct="1">
+              <a:lnSpc>
+                <a:spcPct val="100000"/>
+              </a:lnSpc>
+              <a:spcBef>
+                <a:spcPts val="600"/>
+              </a:spcBef>
+              <a:buClr>
+                <a:schemeClr val="accent1"/>
+              </a:buClr>
+              <a:buSzPct val="80000"/>
+              <a:buFont typeface="Wingdings 2"/>
+              <a:buChar char=""/>
+              <a:defRPr kumimoji="1" sz="3200" kern="1200">
+                <a:solidFill>
+                  <a:schemeClr val="tx1"/>
+                </a:solidFill>
+                <a:latin typeface="+mn-lt"/>
+                <a:ea typeface="+mn-ea"/>
+                <a:cs typeface="+mn-cs"/>
+              </a:defRPr>
+            </a:lvl1pPr>
+            <a:lvl2pPr marL="640080" indent="-237744" algn="l" rtl="0" eaLnBrk="1" latinLnBrk="0" hangingPunct="1">
+              <a:lnSpc>
+                <a:spcPct val="100000"/>
+              </a:lnSpc>
+              <a:spcBef>
+                <a:spcPts val="550"/>
+              </a:spcBef>
+              <a:buClr>
+                <a:schemeClr val="accent1"/>
+              </a:buClr>
+              <a:buFont typeface="Verdana"/>
+              <a:buChar char="◦"/>
+              <a:defRPr kumimoji="1" sz="2800" kern="1200">
+                <a:solidFill>
+                  <a:schemeClr val="tx1"/>
+                </a:solidFill>
+                <a:latin typeface="+mn-lt"/>
+                <a:ea typeface="+mn-ea"/>
+                <a:cs typeface="+mn-cs"/>
+              </a:defRPr>
+            </a:lvl2pPr>
+            <a:lvl3pPr marL="886968" indent="-228600" algn="l" rtl="0" eaLnBrk="1" latinLnBrk="0" hangingPunct="1">
+              <a:lnSpc>
+                <a:spcPct val="100000"/>
+              </a:lnSpc>
+              <a:spcBef>
+                <a:spcPct val="20000"/>
+              </a:spcBef>
+              <a:buClr>
+                <a:schemeClr val="accent2"/>
+              </a:buClr>
+              <a:buFont typeface="Wingdings 2"/>
+              <a:buChar char=""/>
+              <a:defRPr kumimoji="1" sz="2400" kern="1200">
+                <a:solidFill>
+                  <a:schemeClr val="tx1"/>
+                </a:solidFill>
+                <a:latin typeface="+mn-lt"/>
+                <a:ea typeface="+mn-ea"/>
+                <a:cs typeface="+mn-cs"/>
+              </a:defRPr>
+            </a:lvl3pPr>
+            <a:lvl4pPr marL="1097280" indent="-173736" algn="l" rtl="0" eaLnBrk="1" latinLnBrk="0" hangingPunct="1">
+              <a:lnSpc>
+                <a:spcPct val="100000"/>
+              </a:lnSpc>
+              <a:spcBef>
+                <a:spcPct val="20000"/>
+              </a:spcBef>
+              <a:buClr>
+                <a:schemeClr val="accent3"/>
+              </a:buClr>
+              <a:buFont typeface="Wingdings 2"/>
+              <a:buChar char=""/>
+              <a:defRPr kumimoji="1" sz="2000" kern="1200">
+                <a:solidFill>
+                  <a:schemeClr val="tx1"/>
+                </a:solidFill>
+                <a:latin typeface="+mn-lt"/>
+                <a:ea typeface="+mn-ea"/>
+                <a:cs typeface="+mn-cs"/>
+              </a:defRPr>
+            </a:lvl4pPr>
+            <a:lvl5pPr marL="1298448" indent="-182880" algn="l" rtl="0" eaLnBrk="1" latinLnBrk="0" hangingPunct="1">
+              <a:lnSpc>
+                <a:spcPct val="100000"/>
+              </a:lnSpc>
+              <a:spcBef>
+                <a:spcPct val="20000"/>
+              </a:spcBef>
+              <a:buClr>
+                <a:schemeClr val="accent4"/>
+              </a:buClr>
+              <a:buFont typeface="Wingdings 2"/>
+              <a:buChar char=""/>
+              <a:defRPr kumimoji="1" sz="2000" kern="1200">
+                <a:solidFill>
+                  <a:schemeClr val="tx1"/>
+                </a:solidFill>
+                <a:latin typeface="+mn-lt"/>
+                <a:ea typeface="+mn-ea"/>
+                <a:cs typeface="+mn-cs"/>
+              </a:defRPr>
+            </a:lvl5pPr>
+            <a:lvl6pPr marL="1508760" indent="-182880" algn="l" rtl="0" eaLnBrk="1" latinLnBrk="0" hangingPunct="1">
+              <a:lnSpc>
+                <a:spcPct val="100000"/>
+              </a:lnSpc>
+              <a:spcBef>
+                <a:spcPct val="20000"/>
+              </a:spcBef>
+              <a:buClr>
+                <a:schemeClr val="accent5"/>
+              </a:buClr>
+              <a:buFont typeface="Wingdings 2"/>
+              <a:buChar char=""/>
+              <a:defRPr kumimoji="1" sz="2000" kern="1200">
+                <a:solidFill>
+                  <a:schemeClr val="tx1"/>
+                </a:solidFill>
+                <a:latin typeface="+mn-lt"/>
+                <a:ea typeface="+mn-ea"/>
+                <a:cs typeface="+mn-cs"/>
+              </a:defRPr>
+            </a:lvl6pPr>
+            <a:lvl7pPr marL="1719072" indent="-182880" algn="l" rtl="0" eaLnBrk="1" latinLnBrk="0" hangingPunct="1">
+              <a:lnSpc>
+                <a:spcPct val="100000"/>
+              </a:lnSpc>
+              <a:spcBef>
+                <a:spcPct val="20000"/>
+              </a:spcBef>
+              <a:buClr>
+                <a:schemeClr val="accent6"/>
+              </a:buClr>
+              <a:buFont typeface="Wingdings 2"/>
+              <a:buChar char=""/>
+              <a:defRPr kumimoji="1" sz="2000" kern="1200">
+                <a:solidFill>
+                  <a:schemeClr val="tx1"/>
+                </a:solidFill>
+                <a:latin typeface="+mn-lt"/>
+                <a:ea typeface="+mn-ea"/>
+                <a:cs typeface="+mn-cs"/>
+              </a:defRPr>
+            </a:lvl7pPr>
+            <a:lvl8pPr marL="1920240" indent="-182880" algn="l" rtl="0" eaLnBrk="1" latinLnBrk="0" hangingPunct="1">
+              <a:lnSpc>
+                <a:spcPct val="100000"/>
+              </a:lnSpc>
+              <a:spcBef>
+                <a:spcPct val="20000"/>
+              </a:spcBef>
+              <a:buClr>
+                <a:schemeClr val="accent6"/>
+              </a:buClr>
+              <a:buFont typeface="Wingdings 2"/>
+              <a:buChar char=""/>
+              <a:defRPr kumimoji="1" sz="2000" kern="1200">
+                <a:solidFill>
+                  <a:schemeClr val="tx1"/>
+                </a:solidFill>
+                <a:latin typeface="+mn-lt"/>
+                <a:ea typeface="+mn-ea"/>
+                <a:cs typeface="+mn-cs"/>
+              </a:defRPr>
+            </a:lvl8pPr>
+            <a:lvl9pPr marL="2130552" indent="-182880" algn="l" rtl="0" eaLnBrk="1" latinLnBrk="0" hangingPunct="1">
+              <a:lnSpc>
+                <a:spcPct val="100000"/>
+              </a:lnSpc>
+              <a:spcBef>
+                <a:spcPct val="20000"/>
+              </a:spcBef>
+              <a:buClr>
+                <a:schemeClr val="accent6"/>
+              </a:buClr>
+              <a:buFont typeface="Wingdings 2"/>
+              <a:buChar char=""/>
+              <a:defRPr kumimoji="1" sz="2000" kern="1200">
+                <a:solidFill>
+                  <a:schemeClr val="tx1"/>
+                </a:solidFill>
+                <a:latin typeface="+mn-lt"/>
+                <a:ea typeface="+mn-ea"/>
+                <a:cs typeface="+mn-cs"/>
+              </a:defRPr>
+            </a:lvl9pPr>
+            <a:extLst/>
+          </a:lstStyle>
+          <a:p>
+            <a:pPr marL="82296" indent="0">
+              <a:buFont typeface="Wingdings 2"/>
+              <a:buNone/>
+            </a:pPr>
+            <a:r>
+              <a:rPr lang="en-US" altLang="ja-JP" dirty="0" err="1" smtClean="0">
+                <a:latin typeface="メイリオ" panose="020B0604030504040204" pitchFamily="50" charset="-128"/>
+                <a:ea typeface="メイリオ" panose="020B0604030504040204" pitchFamily="50" charset="-128"/>
+                <a:cs typeface="メイリオ" panose="020B0604030504040204" pitchFamily="50" charset="-128"/>
+              </a:rPr>
+              <a:t>OnsenUI</a:t>
+            </a:r>
+            <a:r>
+              <a:rPr lang="en-US" altLang="ja-JP" dirty="0" smtClean="0">
+                <a:latin typeface="メイリオ" panose="020B0604030504040204" pitchFamily="50" charset="-128"/>
+                <a:ea typeface="メイリオ" panose="020B0604030504040204" pitchFamily="50" charset="-128"/>
+                <a:cs typeface="メイリオ" panose="020B0604030504040204" pitchFamily="50" charset="-128"/>
+              </a:rPr>
+              <a:t>:</a:t>
+            </a:r>
+          </a:p>
+          <a:p>
+            <a:pPr marL="82296" indent="0">
+              <a:buFont typeface="Wingdings 2"/>
+              <a:buNone/>
+            </a:pPr>
+            <a:r>
+              <a:rPr lang="en-US" altLang="ja-JP" dirty="0" smtClean="0">
+                <a:latin typeface="メイリオ" panose="020B0604030504040204" pitchFamily="50" charset="-128"/>
+                <a:ea typeface="メイリオ" panose="020B0604030504040204" pitchFamily="50" charset="-128"/>
+                <a:cs typeface="メイリオ" panose="020B0604030504040204" pitchFamily="50" charset="-128"/>
+              </a:rPr>
+              <a:t>HTML</a:t>
+            </a:r>
+            <a:r>
+              <a:rPr lang="ja-JP" altLang="en-US" dirty="0" smtClean="0">
+                <a:latin typeface="メイリオ" panose="020B0604030504040204" pitchFamily="50" charset="-128"/>
+                <a:ea typeface="メイリオ" panose="020B0604030504040204" pitchFamily="50" charset="-128"/>
+                <a:cs typeface="メイリオ" panose="020B0604030504040204" pitchFamily="50" charset="-128"/>
+              </a:rPr>
+              <a:t>でスマホアプリっぽい</a:t>
+            </a:r>
+            <a:r>
+              <a:rPr lang="en-US" altLang="ja-JP" dirty="0" smtClean="0">
+                <a:latin typeface="メイリオ" panose="020B0604030504040204" pitchFamily="50" charset="-128"/>
+                <a:ea typeface="メイリオ" panose="020B0604030504040204" pitchFamily="50" charset="-128"/>
+                <a:cs typeface="メイリオ" panose="020B0604030504040204" pitchFamily="50" charset="-128"/>
+              </a:rPr>
+              <a:t>UI</a:t>
+            </a:r>
+            <a:r>
+              <a:rPr lang="ja-JP" altLang="en-US" dirty="0" smtClean="0">
+                <a:latin typeface="メイリオ" panose="020B0604030504040204" pitchFamily="50" charset="-128"/>
+                <a:ea typeface="メイリオ" panose="020B0604030504040204" pitchFamily="50" charset="-128"/>
+                <a:cs typeface="メイリオ" panose="020B0604030504040204" pitchFamily="50" charset="-128"/>
+              </a:rPr>
+              <a:t>を作成しやすくしてくれるフレームワーク</a:t>
+            </a:r>
+            <a:endParaRPr lang="en-US" altLang="ja-JP" dirty="0" smtClean="0">
+              <a:latin typeface="メイリオ" panose="020B0604030504040204" pitchFamily="50" charset="-128"/>
+              <a:ea typeface="メイリオ" panose="020B0604030504040204" pitchFamily="50" charset="-128"/>
+              <a:cs typeface="メイリオ" panose="020B0604030504040204" pitchFamily="50" charset="-128"/>
+            </a:endParaRPr>
+          </a:p>
+          <a:p>
+            <a:pPr marL="82296" indent="0">
+              <a:buFont typeface="Wingdings 2"/>
+              <a:buNone/>
+            </a:pPr>
+            <a:endParaRPr lang="en-US" altLang="ja-JP" dirty="0">
+              <a:latin typeface="メイリオ" panose="020B0604030504040204" pitchFamily="50" charset="-128"/>
+              <a:ea typeface="メイリオ" panose="020B0604030504040204" pitchFamily="50" charset="-128"/>
+              <a:cs typeface="メイリオ" panose="020B0604030504040204" pitchFamily="50" charset="-128"/>
+            </a:endParaRPr>
+          </a:p>
+          <a:p>
+            <a:pPr marL="82296" indent="0">
+              <a:buFont typeface="Wingdings 2"/>
+              <a:buNone/>
+            </a:pPr>
+            <a:r>
+              <a:rPr lang="ja-JP" altLang="en-US" dirty="0" smtClean="0">
+                <a:latin typeface="メイリオ" panose="020B0604030504040204" pitchFamily="50" charset="-128"/>
+                <a:ea typeface="メイリオ" panose="020B0604030504040204" pitchFamily="50" charset="-128"/>
+                <a:cs typeface="メイリオ" panose="020B0604030504040204" pitchFamily="50" charset="-128"/>
+              </a:rPr>
+              <a:t>これもひな形とかあります</a:t>
+            </a:r>
+            <a:endParaRPr lang="en-US" altLang="ja-JP" dirty="0">
+              <a:latin typeface="メイリオ" panose="020B0604030504040204" pitchFamily="50" charset="-128"/>
+              <a:ea typeface="メイリオ" panose="020B0604030504040204" pitchFamily="50" charset="-128"/>
+              <a:cs typeface="メイリオ" panose="020B0604030504040204" pitchFamily="50" charset="-128"/>
+            </a:endParaRPr>
+          </a:p>
+        </p:txBody>
+      </p:sp>
+      <p:pic>
+        <p:nvPicPr>
+          <p:cNvPr id="3" name="図 2"/>
+          <p:cNvPicPr>
+            <a:picLocks noChangeAspect="1"/>
+          </p:cNvPicPr>
+          <p:nvPr/>
+        </p:nvPicPr>
+        <p:blipFill>
+          <a:blip r:embed="rId2">
+            <a:extLst>
+              <a:ext uri="{28A0092B-C50C-407E-A947-70E740481C1C}">
+                <a14:useLocalDpi xmlns:a14="http://schemas.microsoft.com/office/drawing/2010/main" val="0"/>
+              </a:ext>
+            </a:extLst>
+          </a:blip>
+          <a:stretch>
+            <a:fillRect/>
+          </a:stretch>
+        </p:blipFill>
+        <p:spPr>
+          <a:xfrm>
+            <a:off x="5724128" y="3801462"/>
+            <a:ext cx="2762250" cy="2857500"/>
+          </a:xfrm>
+          <a:prstGeom prst="rect">
+            <a:avLst/>
+          </a:prstGeom>
+        </p:spPr>
+      </p:pic>
+    </p:spTree>
+    <p:extLst>
+      <p:ext uri="{BB962C8B-B14F-4D97-AF65-F5344CB8AC3E}">
+        <p14:creationId xmlns:p14="http://schemas.microsoft.com/office/powerpoint/2010/main" val="2786951398"/>
+      </p:ext>
+    </p:extLst>
+  </p:cSld>
+  <p:clrMapOvr>
+    <a:masterClrMapping/>
+  </p:clrMapOvr>
+  <p:timing>
+    <p:tnLst>
+      <p:par>
+        <p:cTn id="1" dur="indefinite" restart="never" nodeType="tmRoot"/>
+      </p:par>
+    </p:tnLst>
+  </p:timing>
+</p:sld>
+</file>
+
+<file path=ppt/slides/slide16.xml><?xml version="1.0" encoding="utf-8"?>
+<p:sld xmlns:a="http://schemas.openxmlformats.org/drawingml/2006/main" xmlns:r="http://schemas.openxmlformats.org/officeDocument/2006/relationships" xmlns:p="http://schemas.openxmlformats.org/presentationml/2006/main">
+  <p:cSld>
+    <p:spTree>
+      <p:nvGrpSpPr>
+        <p:cNvPr id="1" name=""/>
+        <p:cNvGrpSpPr/>
+        <p:nvPr/>
+      </p:nvGrpSpPr>
+      <p:grpSpPr>
+        <a:xfrm>
+          <a:off x="0" y="0"/>
+          <a:ext cx="0" cy="0"/>
+          <a:chOff x="0" y="0"/>
+          <a:chExt cx="0" cy="0"/>
+        </a:xfrm>
+      </p:grpSpPr>
+      <p:sp>
+        <p:nvSpPr>
+          <p:cNvPr id="2" name="タイトル 1"/>
+          <p:cNvSpPr>
+            <a:spLocks noGrp="1"/>
+          </p:cNvSpPr>
+          <p:nvPr>
+            <p:ph type="title"/>
+          </p:nvPr>
+        </p:nvSpPr>
+        <p:spPr/>
+        <p:txBody>
+          <a:bodyPr/>
+          <a:lstStyle/>
+          <a:p>
+            <a:r>
+              <a:rPr kumimoji="1" lang="ja-JP" altLang="en-US" dirty="0" smtClean="0">
+                <a:latin typeface="メイリオ" panose="020B0604030504040204" pitchFamily="50" charset="-128"/>
+                <a:ea typeface="メイリオ" panose="020B0604030504040204" pitchFamily="50" charset="-128"/>
+                <a:cs typeface="メイリオ" panose="020B0604030504040204" pitchFamily="50" charset="-128"/>
+              </a:rPr>
+              <a:t>感想</a:t>
+            </a:r>
+            <a:endParaRPr kumimoji="1" lang="ja-JP" altLang="en-US" dirty="0">
+              <a:latin typeface="メイリオ" panose="020B0604030504040204" pitchFamily="50" charset="-128"/>
+              <a:ea typeface="メイリオ" panose="020B0604030504040204" pitchFamily="50" charset="-128"/>
+              <a:cs typeface="メイリオ" panose="020B0604030504040204" pitchFamily="50" charset="-128"/>
+            </a:endParaRPr>
+          </a:p>
+        </p:txBody>
+      </p:sp>
+      <p:sp>
+        <p:nvSpPr>
+          <p:cNvPr id="6" name="コンテンツ プレースホルダー 2"/>
+          <p:cNvSpPr>
+            <a:spLocks noGrp="1"/>
+          </p:cNvSpPr>
+          <p:nvPr>
+            <p:ph idx="1"/>
+          </p:nvPr>
+        </p:nvSpPr>
+        <p:spPr>
+          <a:xfrm>
+            <a:off x="1435608" y="1124744"/>
+            <a:ext cx="7498080" cy="5400600"/>
+          </a:xfrm>
+        </p:spPr>
+        <p:txBody>
+          <a:bodyPr>
+            <a:normAutofit/>
+          </a:bodyPr>
+          <a:lstStyle/>
+          <a:p>
+            <a:pPr marL="82296" indent="0">
+              <a:buNone/>
+            </a:pPr>
+            <a:r>
+              <a:rPr lang="ja-JP" altLang="en-US" dirty="0" smtClean="0">
+                <a:latin typeface="メイリオ" panose="020B0604030504040204" pitchFamily="50" charset="-128"/>
+                <a:ea typeface="メイリオ" panose="020B0604030504040204" pitchFamily="50" charset="-128"/>
+                <a:cs typeface="メイリオ" panose="020B0604030504040204" pitchFamily="50" charset="-128"/>
+              </a:rPr>
+              <a:t>・とりあえず無料で気軽にできる</a:t>
+            </a:r>
+            <a:endParaRPr lang="en-US" altLang="ja-JP" dirty="0" smtClean="0">
+              <a:latin typeface="メイリオ" panose="020B0604030504040204" pitchFamily="50" charset="-128"/>
+              <a:ea typeface="メイリオ" panose="020B0604030504040204" pitchFamily="50" charset="-128"/>
+              <a:cs typeface="メイリオ" panose="020B0604030504040204" pitchFamily="50" charset="-128"/>
+            </a:endParaRPr>
+          </a:p>
+          <a:p>
+            <a:pPr marL="82296" indent="0">
+              <a:buNone/>
+            </a:pPr>
+            <a:endParaRPr lang="en-US" altLang="ja-JP" dirty="0">
+              <a:latin typeface="メイリオ" panose="020B0604030504040204" pitchFamily="50" charset="-128"/>
+              <a:ea typeface="メイリオ" panose="020B0604030504040204" pitchFamily="50" charset="-128"/>
+              <a:cs typeface="メイリオ" panose="020B0604030504040204" pitchFamily="50" charset="-128"/>
+            </a:endParaRPr>
+          </a:p>
+          <a:p>
+            <a:pPr marL="82296" indent="0">
+              <a:buNone/>
+            </a:pPr>
+            <a:r>
+              <a:rPr lang="ja-JP" altLang="en-US" dirty="0" smtClean="0">
+                <a:latin typeface="メイリオ" panose="020B0604030504040204" pitchFamily="50" charset="-128"/>
+                <a:ea typeface="メイリオ" panose="020B0604030504040204" pitchFamily="50" charset="-128"/>
+                <a:cs typeface="メイリオ" panose="020B0604030504040204" pitchFamily="50" charset="-128"/>
+              </a:rPr>
+              <a:t>・チュートリアル、ドキュメントが</a:t>
+            </a:r>
+            <a:endParaRPr lang="en-US" altLang="ja-JP" dirty="0" smtClean="0">
+              <a:latin typeface="メイリオ" panose="020B0604030504040204" pitchFamily="50" charset="-128"/>
+              <a:ea typeface="メイリオ" panose="020B0604030504040204" pitchFamily="50" charset="-128"/>
+              <a:cs typeface="メイリオ" panose="020B0604030504040204" pitchFamily="50" charset="-128"/>
+            </a:endParaRPr>
+          </a:p>
+          <a:p>
+            <a:pPr marL="82296" indent="0">
+              <a:buNone/>
+            </a:pPr>
+            <a:r>
+              <a:rPr lang="ja-JP" altLang="en-US" dirty="0">
+                <a:latin typeface="メイリオ" panose="020B0604030504040204" pitchFamily="50" charset="-128"/>
+                <a:ea typeface="メイリオ" panose="020B0604030504040204" pitchFamily="50" charset="-128"/>
+                <a:cs typeface="メイリオ" panose="020B0604030504040204" pitchFamily="50" charset="-128"/>
+              </a:rPr>
+              <a:t>　</a:t>
+            </a:r>
+            <a:r>
+              <a:rPr lang="ja-JP" altLang="en-US" dirty="0" smtClean="0">
+                <a:latin typeface="メイリオ" panose="020B0604030504040204" pitchFamily="50" charset="-128"/>
+                <a:ea typeface="メイリオ" panose="020B0604030504040204" pitchFamily="50" charset="-128"/>
+                <a:cs typeface="メイリオ" panose="020B0604030504040204" pitchFamily="50" charset="-128"/>
+              </a:rPr>
+              <a:t>豊富</a:t>
+            </a:r>
+            <a:endParaRPr lang="en-US" altLang="ja-JP" dirty="0" smtClean="0">
+              <a:latin typeface="メイリオ" panose="020B0604030504040204" pitchFamily="50" charset="-128"/>
+              <a:ea typeface="メイリオ" panose="020B0604030504040204" pitchFamily="50" charset="-128"/>
+              <a:cs typeface="メイリオ" panose="020B0604030504040204" pitchFamily="50" charset="-128"/>
+            </a:endParaRPr>
+          </a:p>
+          <a:p>
+            <a:pPr marL="82296" indent="0">
+              <a:buNone/>
+            </a:pPr>
+            <a:endParaRPr lang="en-US" altLang="ja-JP" dirty="0">
+              <a:latin typeface="メイリオ" panose="020B0604030504040204" pitchFamily="50" charset="-128"/>
+              <a:ea typeface="メイリオ" panose="020B0604030504040204" pitchFamily="50" charset="-128"/>
+              <a:cs typeface="メイリオ" panose="020B0604030504040204" pitchFamily="50" charset="-128"/>
+            </a:endParaRPr>
+          </a:p>
+          <a:p>
+            <a:pPr marL="82296" indent="0">
+              <a:buNone/>
+            </a:pPr>
+            <a:r>
+              <a:rPr lang="ja-JP" altLang="en-US" dirty="0" smtClean="0">
+                <a:latin typeface="メイリオ" panose="020B0604030504040204" pitchFamily="50" charset="-128"/>
+                <a:ea typeface="メイリオ" panose="020B0604030504040204" pitchFamily="50" charset="-128"/>
+                <a:cs typeface="メイリオ" panose="020B0604030504040204" pitchFamily="50" charset="-128"/>
+              </a:rPr>
+              <a:t>・コード修正→実機で即反映</a:t>
+            </a:r>
+            <a:endParaRPr lang="en-US" altLang="ja-JP" dirty="0" smtClean="0">
+              <a:latin typeface="メイリオ" panose="020B0604030504040204" pitchFamily="50" charset="-128"/>
+              <a:ea typeface="メイリオ" panose="020B0604030504040204" pitchFamily="50" charset="-128"/>
+              <a:cs typeface="メイリオ" panose="020B0604030504040204" pitchFamily="50" charset="-128"/>
+            </a:endParaRPr>
+          </a:p>
+          <a:p>
+            <a:pPr marL="82296" indent="0">
+              <a:buNone/>
+            </a:pPr>
+            <a:r>
+              <a:rPr lang="ja-JP" altLang="en-US" dirty="0">
+                <a:latin typeface="メイリオ" panose="020B0604030504040204" pitchFamily="50" charset="-128"/>
+                <a:ea typeface="メイリオ" panose="020B0604030504040204" pitchFamily="50" charset="-128"/>
+                <a:cs typeface="メイリオ" panose="020B0604030504040204" pitchFamily="50" charset="-128"/>
+              </a:rPr>
+              <a:t>　</a:t>
+            </a:r>
+            <a:r>
+              <a:rPr lang="ja-JP" altLang="en-US" dirty="0" smtClean="0">
+                <a:latin typeface="メイリオ" panose="020B0604030504040204" pitchFamily="50" charset="-128"/>
+                <a:ea typeface="メイリオ" panose="020B0604030504040204" pitchFamily="50" charset="-128"/>
+                <a:cs typeface="メイリオ" panose="020B0604030504040204" pitchFamily="50" charset="-128"/>
+              </a:rPr>
+              <a:t>はやっぱり楽しい</a:t>
+            </a:r>
+            <a:endParaRPr lang="en-US" altLang="ja-JP" dirty="0" smtClean="0">
+              <a:latin typeface="メイリオ" panose="020B0604030504040204" pitchFamily="50" charset="-128"/>
+              <a:ea typeface="メイリオ" panose="020B0604030504040204" pitchFamily="50" charset="-128"/>
+              <a:cs typeface="メイリオ" panose="020B0604030504040204" pitchFamily="50" charset="-128"/>
+            </a:endParaRPr>
+          </a:p>
+          <a:p>
+            <a:pPr marL="82296" indent="0">
+              <a:buNone/>
+            </a:pPr>
+            <a:endParaRPr lang="en-US" altLang="ja-JP" dirty="0" smtClean="0">
+              <a:latin typeface="メイリオ" panose="020B0604030504040204" pitchFamily="50" charset="-128"/>
+              <a:ea typeface="メイリオ" panose="020B0604030504040204" pitchFamily="50" charset="-128"/>
+              <a:cs typeface="メイリオ" panose="020B0604030504040204" pitchFamily="50" charset="-128"/>
+            </a:endParaRPr>
+          </a:p>
+          <a:p>
+            <a:pPr marL="82296" indent="0">
+              <a:buNone/>
+            </a:pPr>
+            <a:r>
+              <a:rPr lang="ja-JP" altLang="en-US" dirty="0" smtClean="0">
+                <a:latin typeface="メイリオ" panose="020B0604030504040204" pitchFamily="50" charset="-128"/>
+                <a:ea typeface="メイリオ" panose="020B0604030504040204" pitchFamily="50" charset="-128"/>
+                <a:cs typeface="メイリオ" panose="020B0604030504040204" pitchFamily="50" charset="-128"/>
+              </a:rPr>
+              <a:t>・やはり</a:t>
+            </a:r>
+            <a:r>
+              <a:rPr lang="en-US" altLang="ja-JP" dirty="0" smtClean="0">
+                <a:latin typeface="メイリオ" panose="020B0604030504040204" pitchFamily="50" charset="-128"/>
+                <a:ea typeface="メイリオ" panose="020B0604030504040204" pitchFamily="50" charset="-128"/>
+                <a:cs typeface="メイリオ" panose="020B0604030504040204" pitchFamily="50" charset="-128"/>
+              </a:rPr>
+              <a:t>Objective-C</a:t>
+            </a:r>
+            <a:r>
+              <a:rPr lang="ja-JP" altLang="en-US" dirty="0" smtClean="0">
+                <a:latin typeface="メイリオ" panose="020B0604030504040204" pitchFamily="50" charset="-128"/>
+                <a:ea typeface="メイリオ" panose="020B0604030504040204" pitchFamily="50" charset="-128"/>
+                <a:cs typeface="メイリオ" panose="020B0604030504040204" pitchFamily="50" charset="-128"/>
+              </a:rPr>
+              <a:t>より</a:t>
+            </a:r>
+            <a:r>
+              <a:rPr lang="ja-JP" altLang="en-US" dirty="0" err="1" smtClean="0">
+                <a:latin typeface="メイリオ" panose="020B0604030504040204" pitchFamily="50" charset="-128"/>
+                <a:ea typeface="メイリオ" panose="020B0604030504040204" pitchFamily="50" charset="-128"/>
+                <a:cs typeface="メイリオ" panose="020B0604030504040204" pitchFamily="50" charset="-128"/>
+              </a:rPr>
+              <a:t>遅いっぽい</a:t>
+            </a:r>
+            <a:r>
+              <a:rPr lang="ja-JP" altLang="en-US" dirty="0" smtClean="0">
+                <a:latin typeface="メイリオ" panose="020B0604030504040204" pitchFamily="50" charset="-128"/>
+                <a:ea typeface="メイリオ" panose="020B0604030504040204" pitchFamily="50" charset="-128"/>
+                <a:cs typeface="メイリオ" panose="020B0604030504040204" pitchFamily="50" charset="-128"/>
+              </a:rPr>
+              <a:t>？</a:t>
+            </a:r>
+            <a:endParaRPr lang="en-US" altLang="ja-JP" dirty="0">
+              <a:latin typeface="メイリオ" panose="020B0604030504040204" pitchFamily="50" charset="-128"/>
+              <a:ea typeface="メイリオ" panose="020B0604030504040204" pitchFamily="50" charset="-128"/>
+              <a:cs typeface="メイリオ" panose="020B0604030504040204" pitchFamily="50" charset="-128"/>
+            </a:endParaRPr>
+          </a:p>
+        </p:txBody>
+      </p:sp>
+    </p:spTree>
+    <p:extLst>
+      <p:ext uri="{BB962C8B-B14F-4D97-AF65-F5344CB8AC3E}">
+        <p14:creationId xmlns:p14="http://schemas.microsoft.com/office/powerpoint/2010/main" val="868550525"/>
+      </p:ext>
+    </p:extLst>
+  </p:cSld>
+  <p:clrMapOvr>
+    <a:masterClrMapping/>
+  </p:clrMapOvr>
+</p:sld>
+</file>
+
+<file path=ppt/slides/slide17.xml><?xml version="1.0" encoding="utf-8"?>
+<p:sld xmlns:a="http://schemas.openxmlformats.org/drawingml/2006/main" xmlns:r="http://schemas.openxmlformats.org/officeDocument/2006/relationships" xmlns:p="http://schemas.openxmlformats.org/presentationml/2006/main">
+  <p:cSld>
+    <p:spTree>
+      <p:nvGrpSpPr>
+        <p:cNvPr id="1" name=""/>
+        <p:cNvGrpSpPr/>
+        <p:nvPr/>
+      </p:nvGrpSpPr>
+      <p:grpSpPr>
+        <a:xfrm>
+          <a:off x="0" y="0"/>
+          <a:ext cx="0" cy="0"/>
+          <a:chOff x="0" y="0"/>
+          <a:chExt cx="0" cy="0"/>
+        </a:xfrm>
+      </p:grpSpPr>
+      <p:sp>
+        <p:nvSpPr>
+          <p:cNvPr id="2" name="タイトル 1"/>
+          <p:cNvSpPr>
+            <a:spLocks noGrp="1"/>
+          </p:cNvSpPr>
+          <p:nvPr>
+            <p:ph type="title"/>
+          </p:nvPr>
+        </p:nvSpPr>
+        <p:spPr/>
+        <p:txBody>
+          <a:bodyPr/>
+          <a:lstStyle/>
+          <a:p>
+            <a:r>
+              <a:rPr kumimoji="1" lang="ja-JP" altLang="en-US" dirty="0" smtClean="0">
+                <a:latin typeface="メイリオ" panose="020B0604030504040204" pitchFamily="50" charset="-128"/>
+                <a:ea typeface="メイリオ" panose="020B0604030504040204" pitchFamily="50" charset="-128"/>
+                <a:cs typeface="メイリオ" panose="020B0604030504040204" pitchFamily="50" charset="-128"/>
+              </a:rPr>
+              <a:t>反省</a:t>
+            </a:r>
+            <a:endParaRPr kumimoji="1" lang="ja-JP" altLang="en-US" dirty="0">
+              <a:latin typeface="メイリオ" panose="020B0604030504040204" pitchFamily="50" charset="-128"/>
+              <a:ea typeface="メイリオ" panose="020B0604030504040204" pitchFamily="50" charset="-128"/>
+              <a:cs typeface="メイリオ" panose="020B0604030504040204" pitchFamily="50" charset="-128"/>
+            </a:endParaRPr>
+          </a:p>
+        </p:txBody>
+      </p:sp>
+      <p:sp>
+        <p:nvSpPr>
+          <p:cNvPr id="6" name="コンテンツ プレースホルダー 2"/>
+          <p:cNvSpPr>
+            <a:spLocks noGrp="1"/>
+          </p:cNvSpPr>
+          <p:nvPr>
+            <p:ph idx="1"/>
+          </p:nvPr>
+        </p:nvSpPr>
+        <p:spPr>
+          <a:xfrm>
+            <a:off x="1435608" y="1447800"/>
+            <a:ext cx="7498080" cy="5410200"/>
+          </a:xfrm>
+        </p:spPr>
+        <p:txBody>
+          <a:bodyPr>
+            <a:normAutofit/>
+          </a:bodyPr>
+          <a:lstStyle/>
+          <a:p>
+            <a:pPr marL="82296" indent="0">
+              <a:buNone/>
+            </a:pPr>
+            <a:r>
+              <a:rPr lang="ja-JP" altLang="en-US" dirty="0" smtClean="0">
+                <a:latin typeface="メイリオ" panose="020B0604030504040204" pitchFamily="50" charset="-128"/>
+                <a:ea typeface="メイリオ" panose="020B0604030504040204" pitchFamily="50" charset="-128"/>
+                <a:cs typeface="メイリオ" panose="020B0604030504040204" pitchFamily="50" charset="-128"/>
+              </a:rPr>
+              <a:t>・なんか作ろうと思ってたけど</a:t>
+            </a:r>
+            <a:endParaRPr lang="en-US" altLang="ja-JP" dirty="0" smtClean="0">
+              <a:latin typeface="メイリオ" panose="020B0604030504040204" pitchFamily="50" charset="-128"/>
+              <a:ea typeface="メイリオ" panose="020B0604030504040204" pitchFamily="50" charset="-128"/>
+              <a:cs typeface="メイリオ" panose="020B0604030504040204" pitchFamily="50" charset="-128"/>
+            </a:endParaRPr>
+          </a:p>
+          <a:p>
+            <a:pPr marL="82296" indent="0">
+              <a:buNone/>
+            </a:pPr>
+            <a:r>
+              <a:rPr lang="ja-JP" altLang="en-US" dirty="0">
+                <a:latin typeface="メイリオ" panose="020B0604030504040204" pitchFamily="50" charset="-128"/>
+                <a:ea typeface="メイリオ" panose="020B0604030504040204" pitchFamily="50" charset="-128"/>
+                <a:cs typeface="メイリオ" panose="020B0604030504040204" pitchFamily="50" charset="-128"/>
+              </a:rPr>
+              <a:t>　</a:t>
+            </a:r>
+            <a:r>
+              <a:rPr lang="ja-JP" altLang="en-US" dirty="0" smtClean="0">
+                <a:latin typeface="メイリオ" panose="020B0604030504040204" pitchFamily="50" charset="-128"/>
+                <a:ea typeface="メイリオ" panose="020B0604030504040204" pitchFamily="50" charset="-128"/>
+                <a:cs typeface="メイリオ" panose="020B0604030504040204" pitchFamily="50" charset="-128"/>
+              </a:rPr>
+              <a:t>サンプル追うだけでおわった・・・</a:t>
+            </a:r>
+            <a:endParaRPr lang="en-US" altLang="ja-JP" dirty="0" smtClean="0">
+              <a:latin typeface="メイリオ" panose="020B0604030504040204" pitchFamily="50" charset="-128"/>
+              <a:ea typeface="メイリオ" panose="020B0604030504040204" pitchFamily="50" charset="-128"/>
+              <a:cs typeface="メイリオ" panose="020B0604030504040204" pitchFamily="50" charset="-128"/>
+            </a:endParaRPr>
+          </a:p>
+          <a:p>
+            <a:pPr marL="82296" indent="0">
+              <a:buNone/>
+            </a:pPr>
+            <a:endParaRPr lang="en-US" altLang="ja-JP" dirty="0">
+              <a:latin typeface="メイリオ" panose="020B0604030504040204" pitchFamily="50" charset="-128"/>
+              <a:ea typeface="メイリオ" panose="020B0604030504040204" pitchFamily="50" charset="-128"/>
+              <a:cs typeface="メイリオ" panose="020B0604030504040204" pitchFamily="50" charset="-128"/>
+            </a:endParaRPr>
+          </a:p>
+          <a:p>
+            <a:pPr marL="82296" indent="0">
+              <a:buNone/>
+            </a:pPr>
+            <a:r>
+              <a:rPr lang="ja-JP" altLang="en-US" dirty="0" smtClean="0">
+                <a:latin typeface="メイリオ" panose="020B0604030504040204" pitchFamily="50" charset="-128"/>
+                <a:ea typeface="メイリオ" panose="020B0604030504040204" pitchFamily="50" charset="-128"/>
+                <a:cs typeface="メイリオ" panose="020B0604030504040204" pitchFamily="50" charset="-128"/>
+              </a:rPr>
+              <a:t>・</a:t>
+            </a:r>
+            <a:r>
+              <a:rPr lang="en-US" altLang="ja-JP" dirty="0" smtClean="0">
+                <a:latin typeface="メイリオ" panose="020B0604030504040204" pitchFamily="50" charset="-128"/>
+                <a:ea typeface="メイリオ" panose="020B0604030504040204" pitchFamily="50" charset="-128"/>
+                <a:cs typeface="メイリオ" panose="020B0604030504040204" pitchFamily="50" charset="-128"/>
+              </a:rPr>
+              <a:t>JS</a:t>
+            </a:r>
+            <a:r>
+              <a:rPr lang="ja-JP" altLang="en-US" dirty="0" smtClean="0">
+                <a:latin typeface="メイリオ" panose="020B0604030504040204" pitchFamily="50" charset="-128"/>
+                <a:ea typeface="メイリオ" panose="020B0604030504040204" pitchFamily="50" charset="-128"/>
+                <a:cs typeface="メイリオ" panose="020B0604030504040204" pitchFamily="50" charset="-128"/>
+              </a:rPr>
+              <a:t>とか</a:t>
+            </a:r>
+            <a:r>
+              <a:rPr lang="en-US" altLang="ja-JP" dirty="0" smtClean="0">
+                <a:latin typeface="メイリオ" panose="020B0604030504040204" pitchFamily="50" charset="-128"/>
+                <a:ea typeface="メイリオ" panose="020B0604030504040204" pitchFamily="50" charset="-128"/>
+                <a:cs typeface="メイリオ" panose="020B0604030504040204" pitchFamily="50" charset="-128"/>
+              </a:rPr>
+              <a:t>Web</a:t>
+            </a:r>
+            <a:r>
+              <a:rPr lang="ja-JP" altLang="en-US" dirty="0" smtClean="0">
+                <a:latin typeface="メイリオ" panose="020B0604030504040204" pitchFamily="50" charset="-128"/>
+                <a:ea typeface="メイリオ" panose="020B0604030504040204" pitchFamily="50" charset="-128"/>
+                <a:cs typeface="メイリオ" panose="020B0604030504040204" pitchFamily="50" charset="-128"/>
+              </a:rPr>
+              <a:t>系技術は別途勉強した</a:t>
+            </a:r>
+            <a:endParaRPr lang="en-US" altLang="ja-JP" dirty="0" smtClean="0">
+              <a:latin typeface="メイリオ" panose="020B0604030504040204" pitchFamily="50" charset="-128"/>
+              <a:ea typeface="メイリオ" panose="020B0604030504040204" pitchFamily="50" charset="-128"/>
+              <a:cs typeface="メイリオ" panose="020B0604030504040204" pitchFamily="50" charset="-128"/>
+            </a:endParaRPr>
+          </a:p>
+          <a:p>
+            <a:pPr marL="82296" indent="0">
+              <a:buNone/>
+            </a:pPr>
+            <a:r>
+              <a:rPr lang="ja-JP" altLang="en-US" dirty="0">
+                <a:latin typeface="メイリオ" panose="020B0604030504040204" pitchFamily="50" charset="-128"/>
+                <a:ea typeface="メイリオ" panose="020B0604030504040204" pitchFamily="50" charset="-128"/>
+                <a:cs typeface="メイリオ" panose="020B0604030504040204" pitchFamily="50" charset="-128"/>
+              </a:rPr>
+              <a:t>　</a:t>
+            </a:r>
+            <a:r>
+              <a:rPr lang="ja-JP" altLang="en-US" dirty="0" smtClean="0">
+                <a:latin typeface="メイリオ" panose="020B0604030504040204" pitchFamily="50" charset="-128"/>
+                <a:ea typeface="メイリオ" panose="020B0604030504040204" pitchFamily="50" charset="-128"/>
+                <a:cs typeface="メイリオ" panose="020B0604030504040204" pitchFamily="50" charset="-128"/>
+              </a:rPr>
+              <a:t>ほうがいいかも。</a:t>
+            </a:r>
+            <a:endParaRPr lang="en-US" altLang="ja-JP" dirty="0" smtClean="0">
+              <a:latin typeface="メイリオ" panose="020B0604030504040204" pitchFamily="50" charset="-128"/>
+              <a:ea typeface="メイリオ" panose="020B0604030504040204" pitchFamily="50" charset="-128"/>
+              <a:cs typeface="メイリオ" panose="020B0604030504040204" pitchFamily="50" charset="-128"/>
+            </a:endParaRPr>
+          </a:p>
+          <a:p>
+            <a:pPr marL="82296" indent="0">
+              <a:buNone/>
+            </a:pPr>
+            <a:r>
+              <a:rPr lang="ja-JP" altLang="en-US" dirty="0" smtClean="0">
+                <a:latin typeface="メイリオ" panose="020B0604030504040204" pitchFamily="50" charset="-128"/>
+                <a:ea typeface="メイリオ" panose="020B0604030504040204" pitchFamily="50" charset="-128"/>
+                <a:cs typeface="メイリオ" panose="020B0604030504040204" pitchFamily="50" charset="-128"/>
+              </a:rPr>
+              <a:t>　→</a:t>
+            </a:r>
+            <a:r>
+              <a:rPr lang="en-US" altLang="ja-JP" dirty="0" smtClean="0">
+                <a:latin typeface="メイリオ" panose="020B0604030504040204" pitchFamily="50" charset="-128"/>
+                <a:ea typeface="メイリオ" panose="020B0604030504040204" pitchFamily="50" charset="-128"/>
+                <a:cs typeface="メイリオ" panose="020B0604030504040204" pitchFamily="50" charset="-128"/>
+              </a:rPr>
+              <a:t>Monaca</a:t>
+            </a:r>
+            <a:r>
+              <a:rPr lang="ja-JP" altLang="en-US" dirty="0" smtClean="0">
+                <a:latin typeface="メイリオ" panose="020B0604030504040204" pitchFamily="50" charset="-128"/>
+                <a:ea typeface="メイリオ" panose="020B0604030504040204" pitchFamily="50" charset="-128"/>
+                <a:cs typeface="メイリオ" panose="020B0604030504040204" pitchFamily="50" charset="-128"/>
+              </a:rPr>
+              <a:t>を勉強用にもできそう。</a:t>
+            </a:r>
+            <a:endParaRPr lang="en-US" altLang="ja-JP" dirty="0" smtClean="0">
+              <a:latin typeface="メイリオ" panose="020B0604030504040204" pitchFamily="50" charset="-128"/>
+              <a:ea typeface="メイリオ" panose="020B0604030504040204" pitchFamily="50" charset="-128"/>
+              <a:cs typeface="メイリオ" panose="020B0604030504040204" pitchFamily="50" charset="-128"/>
+            </a:endParaRPr>
+          </a:p>
+          <a:p>
+            <a:pPr marL="82296" indent="0">
+              <a:buNone/>
+            </a:pPr>
+            <a:endParaRPr lang="en-US" altLang="ja-JP" dirty="0">
+              <a:latin typeface="メイリオ" panose="020B0604030504040204" pitchFamily="50" charset="-128"/>
+              <a:ea typeface="メイリオ" panose="020B0604030504040204" pitchFamily="50" charset="-128"/>
+              <a:cs typeface="メイリオ" panose="020B0604030504040204" pitchFamily="50" charset="-128"/>
+            </a:endParaRPr>
+          </a:p>
+          <a:p>
+            <a:pPr marL="82296" indent="0">
+              <a:buNone/>
+            </a:pPr>
+            <a:r>
+              <a:rPr lang="ja-JP" altLang="en-US" dirty="0" smtClean="0">
+                <a:latin typeface="メイリオ" panose="020B0604030504040204" pitchFamily="50" charset="-128"/>
+                <a:ea typeface="メイリオ" panose="020B0604030504040204" pitchFamily="50" charset="-128"/>
+                <a:cs typeface="メイリオ" panose="020B0604030504040204" pitchFamily="50" charset="-128"/>
+              </a:rPr>
+              <a:t>・今後は</a:t>
+            </a:r>
+            <a:r>
+              <a:rPr lang="en-US" altLang="ja-JP" dirty="0" err="1" smtClean="0">
+                <a:latin typeface="メイリオ" panose="020B0604030504040204" pitchFamily="50" charset="-128"/>
+                <a:ea typeface="メイリオ" panose="020B0604030504040204" pitchFamily="50" charset="-128"/>
+                <a:cs typeface="メイリオ" panose="020B0604030504040204" pitchFamily="50" charset="-128"/>
+              </a:rPr>
+              <a:t>PhoneGap</a:t>
+            </a:r>
+            <a:r>
+              <a:rPr lang="ja-JP" altLang="en-US" dirty="0" smtClean="0">
+                <a:latin typeface="メイリオ" panose="020B0604030504040204" pitchFamily="50" charset="-128"/>
+                <a:ea typeface="メイリオ" panose="020B0604030504040204" pitchFamily="50" charset="-128"/>
+                <a:cs typeface="メイリオ" panose="020B0604030504040204" pitchFamily="50" charset="-128"/>
+              </a:rPr>
+              <a:t>とか触ると面白い</a:t>
+            </a:r>
+            <a:endParaRPr lang="en-US" altLang="ja-JP" dirty="0" smtClean="0">
+              <a:latin typeface="メイリオ" panose="020B0604030504040204" pitchFamily="50" charset="-128"/>
+              <a:ea typeface="メイリオ" panose="020B0604030504040204" pitchFamily="50" charset="-128"/>
+              <a:cs typeface="メイリオ" panose="020B0604030504040204" pitchFamily="50" charset="-128"/>
+            </a:endParaRPr>
+          </a:p>
+          <a:p>
+            <a:pPr marL="82296" indent="0">
+              <a:buNone/>
+            </a:pPr>
+            <a:r>
+              <a:rPr lang="ja-JP" altLang="en-US" dirty="0">
+                <a:latin typeface="メイリオ" panose="020B0604030504040204" pitchFamily="50" charset="-128"/>
+                <a:ea typeface="メイリオ" panose="020B0604030504040204" pitchFamily="50" charset="-128"/>
+                <a:cs typeface="メイリオ" panose="020B0604030504040204" pitchFamily="50" charset="-128"/>
+              </a:rPr>
+              <a:t>　</a:t>
+            </a:r>
+            <a:r>
+              <a:rPr lang="ja-JP" altLang="en-US" dirty="0" smtClean="0">
+                <a:latin typeface="メイリオ" panose="020B0604030504040204" pitchFamily="50" charset="-128"/>
+                <a:ea typeface="メイリオ" panose="020B0604030504040204" pitchFamily="50" charset="-128"/>
+                <a:cs typeface="メイリオ" panose="020B0604030504040204" pitchFamily="50" charset="-128"/>
+              </a:rPr>
+              <a:t>と思った</a:t>
+            </a:r>
+            <a:endParaRPr lang="en-US" altLang="ja-JP" dirty="0" smtClean="0">
+              <a:latin typeface="メイリオ" panose="020B0604030504040204" pitchFamily="50" charset="-128"/>
+              <a:ea typeface="メイリオ" panose="020B0604030504040204" pitchFamily="50" charset="-128"/>
+              <a:cs typeface="メイリオ" panose="020B0604030504040204" pitchFamily="50" charset="-128"/>
+            </a:endParaRPr>
+          </a:p>
+        </p:txBody>
+      </p:sp>
+    </p:spTree>
+    <p:extLst>
+      <p:ext uri="{BB962C8B-B14F-4D97-AF65-F5344CB8AC3E}">
+        <p14:creationId xmlns:p14="http://schemas.microsoft.com/office/powerpoint/2010/main" val="1080911360"/>
+      </p:ext>
+    </p:extLst>
+  </p:cSld>
+  <p:clrMapOvr>
+    <a:masterClrMapping/>
+  </p:clrMapOvr>
+</p:sld>
+</file>
+
+<file path=ppt/slides/slide18.xml><?xml version="1.0" encoding="utf-8"?>
+<p:sld xmlns:a="http://schemas.openxmlformats.org/drawingml/2006/main" xmlns:r="http://schemas.openxmlformats.org/officeDocument/2006/relationships" xmlns:p="http://schemas.openxmlformats.org/presentationml/2006/main">
+  <p:cSld>
+    <p:spTree>
+      <p:nvGrpSpPr>
+        <p:cNvPr id="1" name=""/>
+        <p:cNvGrpSpPr/>
+        <p:nvPr/>
+      </p:nvGrpSpPr>
+      <p:grpSpPr>
+        <a:xfrm>
+          <a:off x="0" y="0"/>
+          <a:ext cx="0" cy="0"/>
+          <a:chOff x="0" y="0"/>
+          <a:chExt cx="0" cy="0"/>
+        </a:xfrm>
+      </p:grpSpPr>
+      <p:sp>
+        <p:nvSpPr>
+          <p:cNvPr id="3" name="コンテンツ プレースホルダー 2"/>
+          <p:cNvSpPr>
+            <a:spLocks noGrp="1"/>
+          </p:cNvSpPr>
+          <p:nvPr>
+            <p:ph idx="1"/>
+          </p:nvPr>
+        </p:nvSpPr>
+        <p:spPr>
+          <a:xfrm>
+            <a:off x="1435608" y="3068960"/>
+            <a:ext cx="7498080" cy="3179440"/>
+          </a:xfrm>
+        </p:spPr>
+        <p:txBody>
+          <a:bodyPr>
+            <a:normAutofit/>
+          </a:bodyPr>
+          <a:lstStyle/>
+          <a:p>
+            <a:pPr marL="82296" indent="0">
+              <a:buNone/>
+            </a:pPr>
+            <a:r>
+              <a:rPr kumimoji="1" lang="ja-JP" altLang="en-US" sz="3600" dirty="0" smtClean="0">
+                <a:latin typeface="メイリオ" panose="020B0604030504040204" pitchFamily="50" charset="-128"/>
+                <a:ea typeface="メイリオ" panose="020B0604030504040204" pitchFamily="50" charset="-128"/>
+                <a:cs typeface="メイリオ" panose="020B0604030504040204" pitchFamily="50" charset="-128"/>
+              </a:rPr>
+              <a:t>ご清聴ありがとうございました</a:t>
+            </a:r>
+            <a:endParaRPr kumimoji="1" lang="ja-JP" altLang="en-US" sz="3600" dirty="0">
+              <a:latin typeface="メイリオ" panose="020B0604030504040204" pitchFamily="50" charset="-128"/>
+              <a:ea typeface="メイリオ" panose="020B0604030504040204" pitchFamily="50" charset="-128"/>
+              <a:cs typeface="メイリオ" panose="020B0604030504040204" pitchFamily="50" charset="-128"/>
+            </a:endParaRPr>
+          </a:p>
+        </p:txBody>
+      </p:sp>
+      <p:sp>
+        <p:nvSpPr>
+          <p:cNvPr id="4" name="タイトル 3"/>
+          <p:cNvSpPr>
+            <a:spLocks noGrp="1"/>
+          </p:cNvSpPr>
+          <p:nvPr>
+            <p:ph type="title"/>
+          </p:nvPr>
+        </p:nvSpPr>
+        <p:spPr/>
+        <p:txBody>
+          <a:bodyPr/>
+          <a:lstStyle/>
+          <a:p>
+            <a:endParaRPr kumimoji="1" lang="ja-JP" altLang="en-US">
+              <a:latin typeface="メイリオ" panose="020B0604030504040204" pitchFamily="50" charset="-128"/>
+              <a:ea typeface="メイリオ" panose="020B0604030504040204" pitchFamily="50" charset="-128"/>
+              <a:cs typeface="メイリオ" panose="020B0604030504040204" pitchFamily="50" charset="-128"/>
+            </a:endParaRPr>
+          </a:p>
+        </p:txBody>
+      </p:sp>
+    </p:spTree>
+    <p:extLst>
+      <p:ext uri="{BB962C8B-B14F-4D97-AF65-F5344CB8AC3E}">
+        <p14:creationId xmlns:p14="http://schemas.microsoft.com/office/powerpoint/2010/main" val="2805364914"/>
+      </p:ext>
+    </p:extLst>
+  </p:cSld>
+  <p:clrMapOvr>
+    <a:masterClrMapping/>
+  </p:clrMapOvr>
+</p:sld>
+</file>
+
+<file path=ppt/slides/slide2.xml><?xml version="1.0" encoding="utf-8"?>
+<p:sld xmlns:a="http://schemas.openxmlformats.org/drawingml/2006/main" xmlns:r="http://schemas.openxmlformats.org/officeDocument/2006/relationships" xmlns:p="http://schemas.openxmlformats.org/presentationml/2006/main">
+  <p:cSld>
+    <p:spTree>
+      <p:nvGrpSpPr>
+        <p:cNvPr id="1" name=""/>
+        <p:cNvGrpSpPr/>
+        <p:nvPr/>
+      </p:nvGrpSpPr>
+      <p:grpSpPr>
+        <a:xfrm>
+          <a:off x="0" y="0"/>
+          <a:ext cx="0" cy="0"/>
+          <a:chOff x="0" y="0"/>
+          <a:chExt cx="0" cy="0"/>
+        </a:xfrm>
+      </p:grpSpPr>
+      <p:sp>
+        <p:nvSpPr>
+          <p:cNvPr id="2" name="タイトル 1"/>
+          <p:cNvSpPr>
+            <a:spLocks noGrp="1"/>
+          </p:cNvSpPr>
+          <p:nvPr>
+            <p:ph type="title"/>
+          </p:nvPr>
+        </p:nvSpPr>
+        <p:spPr>
+          <a:xfrm>
+            <a:off x="1435608" y="2852936"/>
+            <a:ext cx="7498080" cy="1143000"/>
+          </a:xfrm>
+        </p:spPr>
+        <p:txBody>
+          <a:bodyPr>
+            <a:normAutofit fontScale="90000"/>
+          </a:bodyPr>
+          <a:lstStyle/>
+          <a:p>
+            <a:r>
+              <a:rPr kumimoji="1" lang="ja-JP" altLang="en-US" sz="3600" dirty="0" smtClean="0">
+                <a:latin typeface="メイリオ" panose="020B0604030504040204" pitchFamily="50" charset="-128"/>
+                <a:ea typeface="メイリオ" panose="020B0604030504040204" pitchFamily="50" charset="-128"/>
+                <a:cs typeface="メイリオ" panose="020B0604030504040204" pitchFamily="50" charset="-128"/>
+              </a:rPr>
+              <a:t>第一部　</a:t>
+            </a:r>
+            <a:r>
+              <a:rPr kumimoji="1" lang="en-US" altLang="ja-JP" sz="3600" dirty="0" smtClean="0">
+                <a:latin typeface="メイリオ" panose="020B0604030504040204" pitchFamily="50" charset="-128"/>
+                <a:ea typeface="メイリオ" panose="020B0604030504040204" pitchFamily="50" charset="-128"/>
+                <a:cs typeface="メイリオ" panose="020B0604030504040204" pitchFamily="50" charset="-128"/>
+              </a:rPr>
+              <a:t>Vim</a:t>
+            </a:r>
+            <a:r>
+              <a:rPr kumimoji="1" lang="ja-JP" altLang="en-US" sz="3600" dirty="0" smtClean="0">
+                <a:latin typeface="メイリオ" panose="020B0604030504040204" pitchFamily="50" charset="-128"/>
+                <a:ea typeface="メイリオ" panose="020B0604030504040204" pitchFamily="50" charset="-128"/>
+                <a:cs typeface="メイリオ" panose="020B0604030504040204" pitchFamily="50" charset="-128"/>
+              </a:rPr>
+              <a:t>との出会い</a:t>
+            </a:r>
+            <a:r>
+              <a:rPr kumimoji="1" lang="en-US" altLang="ja-JP" sz="3600" dirty="0" smtClean="0">
+                <a:latin typeface="メイリオ" panose="020B0604030504040204" pitchFamily="50" charset="-128"/>
+                <a:ea typeface="メイリオ" panose="020B0604030504040204" pitchFamily="50" charset="-128"/>
+                <a:cs typeface="メイリオ" panose="020B0604030504040204" pitchFamily="50" charset="-128"/>
+              </a:rPr>
+              <a:t/>
+            </a:r>
+            <a:br>
+              <a:rPr kumimoji="1" lang="en-US" altLang="ja-JP" sz="3600" dirty="0" smtClean="0">
+                <a:latin typeface="メイリオ" panose="020B0604030504040204" pitchFamily="50" charset="-128"/>
+                <a:ea typeface="メイリオ" panose="020B0604030504040204" pitchFamily="50" charset="-128"/>
+                <a:cs typeface="メイリオ" panose="020B0604030504040204" pitchFamily="50" charset="-128"/>
+              </a:rPr>
+            </a:br>
+            <a:r>
+              <a:rPr kumimoji="1" lang="ja-JP" altLang="en-US" sz="3600" dirty="0" smtClean="0">
+                <a:latin typeface="メイリオ" panose="020B0604030504040204" pitchFamily="50" charset="-128"/>
+                <a:ea typeface="メイリオ" panose="020B0604030504040204" pitchFamily="50" charset="-128"/>
+                <a:cs typeface="メイリオ" panose="020B0604030504040204" pitchFamily="50" charset="-128"/>
+              </a:rPr>
+              <a:t>　　　　</a:t>
+            </a:r>
+            <a:r>
+              <a:rPr lang="ja-JP" altLang="en-US" sz="3600" dirty="0" smtClean="0">
+                <a:latin typeface="メイリオ" panose="020B0604030504040204" pitchFamily="50" charset="-128"/>
+                <a:ea typeface="メイリオ" panose="020B0604030504040204" pitchFamily="50" charset="-128"/>
+                <a:cs typeface="メイリオ" panose="020B0604030504040204" pitchFamily="50" charset="-128"/>
+              </a:rPr>
+              <a:t>～</a:t>
+            </a:r>
+            <a:r>
+              <a:rPr kumimoji="1" lang="ja-JP" altLang="en-US" sz="3600" dirty="0" smtClean="0">
+                <a:latin typeface="メイリオ" panose="020B0604030504040204" pitchFamily="50" charset="-128"/>
+                <a:ea typeface="メイリオ" panose="020B0604030504040204" pitchFamily="50" charset="-128"/>
+                <a:cs typeface="メイリオ" panose="020B0604030504040204" pitchFamily="50" charset="-128"/>
+              </a:rPr>
+              <a:t>コマンドプロンプト改造～</a:t>
+            </a:r>
+            <a:endParaRPr kumimoji="1" lang="ja-JP" altLang="en-US" sz="3600" dirty="0">
+              <a:latin typeface="メイリオ" panose="020B0604030504040204" pitchFamily="50" charset="-128"/>
+              <a:ea typeface="メイリオ" panose="020B0604030504040204" pitchFamily="50" charset="-128"/>
+              <a:cs typeface="メイリオ" panose="020B0604030504040204" pitchFamily="50" charset="-128"/>
+            </a:endParaRPr>
+          </a:p>
+        </p:txBody>
+      </p:sp>
+    </p:spTree>
+    <p:extLst>
+      <p:ext uri="{BB962C8B-B14F-4D97-AF65-F5344CB8AC3E}">
+        <p14:creationId xmlns:p14="http://schemas.microsoft.com/office/powerpoint/2010/main" val="2486749052"/>
+      </p:ext>
+    </p:extLst>
+  </p:cSld>
+  <p:clrMapOvr>
+    <a:masterClrMapping/>
+  </p:clrMapOvr>
+  <p:timing>
+    <p:tnLst>
+      <p:par>
+        <p:cTn id="1" dur="indefinite" restart="never" nodeType="tmRoot"/>
+      </p:par>
+    </p:tnLst>
+  </p:timing>
+</p:sld>
+</file>
+
+<file path=ppt/slides/slide3.xml><?xml version="1.0" encoding="utf-8"?>
+<p:sld xmlns:a="http://schemas.openxmlformats.org/drawingml/2006/main" xmlns:r="http://schemas.openxmlformats.org/officeDocument/2006/relationships" xmlns:p="http://schemas.openxmlformats.org/presentationml/2006/main">
+  <p:cSld>
+    <p:spTree>
+      <p:nvGrpSpPr>
+        <p:cNvPr id="1" name=""/>
+        <p:cNvGrpSpPr/>
+        <p:nvPr/>
+      </p:nvGrpSpPr>
+      <p:grpSpPr>
+        <a:xfrm>
+          <a:off x="0" y="0"/>
+          <a:ext cx="0" cy="0"/>
+          <a:chOff x="0" y="0"/>
+          <a:chExt cx="0" cy="0"/>
+        </a:xfrm>
+      </p:grpSpPr>
+      <p:pic>
+        <p:nvPicPr>
+          <p:cNvPr id="1030" name="Picture 6" descr="C:\Users\Owner\Pictures\human_pictgram\pc.jpg"/>
+          <p:cNvPicPr>
+            <a:picLocks noChangeAspect="1" noChangeArrowheads="1"/>
+          </p:cNvPicPr>
+          <p:nvPr/>
+        </p:nvPicPr>
+        <p:blipFill>
+          <a:blip r:embed="rId2">
+            <a:extLst>
+              <a:ext uri="{28A0092B-C50C-407E-A947-70E740481C1C}">
+                <a14:useLocalDpi xmlns:a14="http://schemas.microsoft.com/office/drawing/2010/main" val="0"/>
+              </a:ext>
+            </a:extLst>
+          </a:blip>
+          <a:srcRect/>
+          <a:stretch>
+            <a:fillRect/>
+          </a:stretch>
+        </p:blipFill>
+        <p:spPr bwMode="auto">
+          <a:xfrm flipH="1">
+            <a:off x="1065134" y="2369621"/>
+            <a:ext cx="2327230" cy="2140695"/>
+          </a:xfrm>
+          <a:prstGeom prst="rect">
+            <a:avLst/>
+          </a:prstGeom>
+          <a:noFill/>
+          <a:extLst>
+            <a:ext uri="{909E8E84-426E-40DD-AFC4-6F175D3DCCD1}">
+              <a14:hiddenFill xmlns:a14="http://schemas.microsoft.com/office/drawing/2010/main">
+                <a:solidFill>
+                  <a:srgbClr val="FFFFFF"/>
+                </a:solidFill>
+              </a14:hiddenFill>
+            </a:ext>
+          </a:extLst>
+        </p:spPr>
+      </p:pic>
+      <p:sp>
+        <p:nvSpPr>
+          <p:cNvPr id="2" name="タイトル 1"/>
+          <p:cNvSpPr>
+            <a:spLocks noGrp="1"/>
+          </p:cNvSpPr>
+          <p:nvPr>
+            <p:ph type="title"/>
+          </p:nvPr>
+        </p:nvSpPr>
+        <p:spPr/>
+        <p:txBody>
+          <a:bodyPr/>
+          <a:lstStyle/>
+          <a:p>
+            <a:r>
+              <a:rPr kumimoji="1" lang="ja-JP" altLang="en-US" dirty="0" smtClean="0">
+                <a:latin typeface="メイリオ" panose="020B0604030504040204" pitchFamily="50" charset="-128"/>
+                <a:ea typeface="メイリオ" panose="020B0604030504040204" pitchFamily="50" charset="-128"/>
+                <a:cs typeface="メイリオ" panose="020B0604030504040204" pitchFamily="50" charset="-128"/>
+              </a:rPr>
+              <a:t>背景</a:t>
+            </a:r>
+            <a:endParaRPr kumimoji="1" lang="ja-JP" altLang="en-US" dirty="0">
+              <a:latin typeface="メイリオ" panose="020B0604030504040204" pitchFamily="50" charset="-128"/>
+              <a:ea typeface="メイリオ" panose="020B0604030504040204" pitchFamily="50" charset="-128"/>
+              <a:cs typeface="メイリオ" panose="020B0604030504040204" pitchFamily="50" charset="-128"/>
+            </a:endParaRPr>
+          </a:p>
+        </p:txBody>
+      </p:sp>
+      <p:pic>
+        <p:nvPicPr>
+          <p:cNvPr id="1026" name="Picture 2" descr="C:\Users\Owner\Pictures\redhat_logo.png"/>
+          <p:cNvPicPr>
+            <a:picLocks noChangeAspect="1" noChangeArrowheads="1"/>
+          </p:cNvPicPr>
+          <p:nvPr/>
+        </p:nvPicPr>
+        <p:blipFill>
+          <a:blip r:embed="rId3">
+            <a:extLst>
+              <a:ext uri="{28A0092B-C50C-407E-A947-70E740481C1C}">
+                <a14:useLocalDpi xmlns:a14="http://schemas.microsoft.com/office/drawing/2010/main" val="0"/>
+              </a:ext>
+            </a:extLst>
+          </a:blip>
+          <a:srcRect/>
+          <a:stretch>
+            <a:fillRect/>
+          </a:stretch>
+        </p:blipFill>
+        <p:spPr bwMode="auto">
+          <a:xfrm>
+            <a:off x="5724127" y="2080394"/>
+            <a:ext cx="2156123" cy="1617092"/>
+          </a:xfrm>
+          <a:prstGeom prst="rect">
+            <a:avLst/>
+          </a:prstGeom>
+          <a:noFill/>
+          <a:extLst>
+            <a:ext uri="{909E8E84-426E-40DD-AFC4-6F175D3DCCD1}">
+              <a14:hiddenFill xmlns:a14="http://schemas.microsoft.com/office/drawing/2010/main">
+                <a:solidFill>
+                  <a:srgbClr val="FFFFFF"/>
+                </a:solidFill>
+              </a14:hiddenFill>
+            </a:ext>
+          </a:extLst>
+        </p:spPr>
+      </p:pic>
+      <p:sp>
+        <p:nvSpPr>
+          <p:cNvPr id="7" name="コンテンツ プレースホルダー 2"/>
+          <p:cNvSpPr>
+            <a:spLocks noGrp="1"/>
+          </p:cNvSpPr>
+          <p:nvPr>
+            <p:ph idx="1"/>
+          </p:nvPr>
+        </p:nvSpPr>
+        <p:spPr>
+          <a:xfrm>
+            <a:off x="1115616" y="5085184"/>
+            <a:ext cx="7818072" cy="1584176"/>
+          </a:xfrm>
+        </p:spPr>
+        <p:txBody>
+          <a:bodyPr>
+            <a:normAutofit/>
+          </a:bodyPr>
+          <a:lstStyle/>
+          <a:p>
+            <a:pPr marL="82296" indent="0">
+              <a:buNone/>
+            </a:pPr>
+            <a:r>
+              <a:rPr lang="ja-JP" altLang="en-US" dirty="0" smtClean="0">
+                <a:latin typeface="メイリオ" panose="020B0604030504040204" pitchFamily="50" charset="-128"/>
+                <a:ea typeface="メイリオ" panose="020B0604030504040204" pitchFamily="50" charset="-128"/>
+                <a:cs typeface="メイリオ" panose="020B0604030504040204" pitchFamily="50" charset="-128"/>
+              </a:rPr>
+              <a:t>業務で</a:t>
+            </a:r>
+            <a:r>
+              <a:rPr lang="en-US" altLang="ja-JP" dirty="0" err="1" smtClean="0">
+                <a:latin typeface="メイリオ" panose="020B0604030504040204" pitchFamily="50" charset="-128"/>
+                <a:ea typeface="メイリオ" panose="020B0604030504040204" pitchFamily="50" charset="-128"/>
+                <a:cs typeface="メイリオ" panose="020B0604030504040204" pitchFamily="50" charset="-128"/>
+              </a:rPr>
+              <a:t>teraterm</a:t>
+            </a:r>
+            <a:r>
+              <a:rPr lang="ja-JP" altLang="en-US" dirty="0" smtClean="0">
+                <a:latin typeface="メイリオ" panose="020B0604030504040204" pitchFamily="50" charset="-128"/>
+                <a:ea typeface="メイリオ" panose="020B0604030504040204" pitchFamily="50" charset="-128"/>
+                <a:cs typeface="メイリオ" panose="020B0604030504040204" pitchFamily="50" charset="-128"/>
+              </a:rPr>
+              <a:t>を使って</a:t>
+            </a:r>
+            <a:endParaRPr lang="en-US" altLang="ja-JP" dirty="0" smtClean="0">
+              <a:latin typeface="メイリオ" panose="020B0604030504040204" pitchFamily="50" charset="-128"/>
+              <a:ea typeface="メイリオ" panose="020B0604030504040204" pitchFamily="50" charset="-128"/>
+              <a:cs typeface="メイリオ" panose="020B0604030504040204" pitchFamily="50" charset="-128"/>
+            </a:endParaRPr>
+          </a:p>
+          <a:p>
+            <a:pPr marL="82296" indent="0">
+              <a:buNone/>
+            </a:pPr>
+            <a:r>
+              <a:rPr lang="en-US" altLang="ja-JP" dirty="0" err="1" smtClean="0">
+                <a:latin typeface="メイリオ" panose="020B0604030504040204" pitchFamily="50" charset="-128"/>
+                <a:ea typeface="メイリオ" panose="020B0604030504040204" pitchFamily="50" charset="-128"/>
+                <a:cs typeface="メイリオ" panose="020B0604030504040204" pitchFamily="50" charset="-128"/>
+              </a:rPr>
+              <a:t>unix</a:t>
+            </a:r>
+            <a:r>
+              <a:rPr lang="ja-JP" altLang="en-US" dirty="0" smtClean="0">
+                <a:latin typeface="メイリオ" panose="020B0604030504040204" pitchFamily="50" charset="-128"/>
+                <a:ea typeface="メイリオ" panose="020B0604030504040204" pitchFamily="50" charset="-128"/>
+                <a:cs typeface="メイリオ" panose="020B0604030504040204" pitchFamily="50" charset="-128"/>
+              </a:rPr>
+              <a:t>系</a:t>
+            </a:r>
+            <a:r>
+              <a:rPr lang="en-US" altLang="ja-JP" dirty="0" smtClean="0">
+                <a:latin typeface="メイリオ" panose="020B0604030504040204" pitchFamily="50" charset="-128"/>
+                <a:ea typeface="メイリオ" panose="020B0604030504040204" pitchFamily="50" charset="-128"/>
+                <a:cs typeface="メイリオ" panose="020B0604030504040204" pitchFamily="50" charset="-128"/>
+              </a:rPr>
+              <a:t>OS</a:t>
+            </a:r>
+            <a:r>
+              <a:rPr lang="ja-JP" altLang="en-US" dirty="0" smtClean="0">
+                <a:latin typeface="メイリオ" panose="020B0604030504040204" pitchFamily="50" charset="-128"/>
+                <a:ea typeface="メイリオ" panose="020B0604030504040204" pitchFamily="50" charset="-128"/>
+                <a:cs typeface="メイリオ" panose="020B0604030504040204" pitchFamily="50" charset="-128"/>
+              </a:rPr>
+              <a:t>に触る機会があった</a:t>
+            </a:r>
+            <a:endParaRPr lang="en-US" altLang="ja-JP" dirty="0">
+              <a:latin typeface="メイリオ" panose="020B0604030504040204" pitchFamily="50" charset="-128"/>
+              <a:ea typeface="メイリオ" panose="020B0604030504040204" pitchFamily="50" charset="-128"/>
+              <a:cs typeface="メイリオ" panose="020B0604030504040204" pitchFamily="50" charset="-128"/>
+            </a:endParaRPr>
+          </a:p>
+        </p:txBody>
+      </p:sp>
+      <p:pic>
+        <p:nvPicPr>
+          <p:cNvPr id="1027" name="Picture 3" descr="C:\Users\Owner\Pictures\teraterm_icon.png"/>
+          <p:cNvPicPr>
+            <a:picLocks noChangeAspect="1" noChangeArrowheads="1"/>
+          </p:cNvPicPr>
+          <p:nvPr/>
+        </p:nvPicPr>
+        <p:blipFill>
+          <a:blip r:embed="rId4">
+            <a:extLst>
+              <a:ext uri="{28A0092B-C50C-407E-A947-70E740481C1C}">
+                <a14:useLocalDpi xmlns:a14="http://schemas.microsoft.com/office/drawing/2010/main" val="0"/>
+              </a:ext>
+            </a:extLst>
+          </a:blip>
+          <a:srcRect/>
+          <a:stretch>
+            <a:fillRect/>
+          </a:stretch>
+        </p:blipFill>
+        <p:spPr bwMode="auto">
+          <a:xfrm>
+            <a:off x="2788066" y="2198786"/>
+            <a:ext cx="1208596" cy="1208596"/>
+          </a:xfrm>
+          <a:prstGeom prst="rect">
+            <a:avLst/>
+          </a:prstGeom>
+          <a:noFill/>
+          <a:extLst>
+            <a:ext uri="{909E8E84-426E-40DD-AFC4-6F175D3DCCD1}">
+              <a14:hiddenFill xmlns:a14="http://schemas.microsoft.com/office/drawing/2010/main">
+                <a:solidFill>
+                  <a:srgbClr val="FFFFFF"/>
+                </a:solidFill>
+              </a14:hiddenFill>
+            </a:ext>
+          </a:extLst>
+        </p:spPr>
+      </p:pic>
+      <p:sp>
+        <p:nvSpPr>
+          <p:cNvPr id="3" name="右矢印 2"/>
+          <p:cNvSpPr/>
+          <p:nvPr/>
+        </p:nvSpPr>
+        <p:spPr>
+          <a:xfrm>
+            <a:off x="4427984" y="2272866"/>
+            <a:ext cx="1008112" cy="416049"/>
+          </a:xfrm>
+          <a:prstGeom prst="rightArrow">
+            <a:avLst/>
+          </a:prstGeom>
+        </p:spPr>
+        <p:style>
+          <a:lnRef idx="2">
+            <a:schemeClr val="accent1">
+              <a:shade val="50000"/>
+            </a:schemeClr>
+          </a:lnRef>
+          <a:fillRef idx="1">
+            <a:schemeClr val="accent1"/>
+          </a:fillRef>
+          <a:effectRef idx="0">
+            <a:schemeClr val="accent1"/>
+          </a:effectRef>
+          <a:fontRef idx="minor">
+            <a:schemeClr val="lt1"/>
+          </a:fontRef>
+        </p:style>
+        <p:txBody>
+          <a:bodyPr rtlCol="0" anchor="ctr"/>
+          <a:lstStyle/>
+          <a:p>
+            <a:pPr algn="ctr"/>
+            <a:endParaRPr kumimoji="1" lang="ja-JP" altLang="en-US"/>
+          </a:p>
+        </p:txBody>
+      </p:sp>
+      <p:sp>
+        <p:nvSpPr>
+          <p:cNvPr id="11" name="右矢印 10"/>
+          <p:cNvSpPr/>
+          <p:nvPr/>
+        </p:nvSpPr>
+        <p:spPr>
+          <a:xfrm rot="10800000">
+            <a:off x="4427984" y="2991332"/>
+            <a:ext cx="1008112" cy="416049"/>
+          </a:xfrm>
+          <a:prstGeom prst="rightArrow">
+            <a:avLst/>
+          </a:prstGeom>
+        </p:spPr>
+        <p:style>
+          <a:lnRef idx="2">
+            <a:schemeClr val="accent1">
+              <a:shade val="50000"/>
+            </a:schemeClr>
+          </a:lnRef>
+          <a:fillRef idx="1">
+            <a:schemeClr val="accent1"/>
+          </a:fillRef>
+          <a:effectRef idx="0">
+            <a:schemeClr val="accent1"/>
+          </a:effectRef>
+          <a:fontRef idx="minor">
+            <a:schemeClr val="lt1"/>
+          </a:fontRef>
+        </p:style>
+        <p:txBody>
+          <a:bodyPr rtlCol="0" anchor="ctr"/>
+          <a:lstStyle/>
+          <a:p>
+            <a:pPr algn="ctr"/>
+            <a:endParaRPr kumimoji="1" lang="ja-JP" altLang="en-US"/>
+          </a:p>
+        </p:txBody>
+      </p:sp>
+    </p:spTree>
+    <p:extLst>
+      <p:ext uri="{BB962C8B-B14F-4D97-AF65-F5344CB8AC3E}">
+        <p14:creationId xmlns:p14="http://schemas.microsoft.com/office/powerpoint/2010/main" val="3576786639"/>
+      </p:ext>
+    </p:extLst>
+  </p:cSld>
+  <p:clrMapOvr>
+    <a:masterClrMapping/>
+  </p:clrMapOvr>
+  <p:timing>
+    <p:tnLst>
+      <p:par>
+        <p:cTn id="1" dur="indefinite" restart="never" nodeType="tmRoot"/>
+      </p:par>
+    </p:tnLst>
+  </p:timing>
+</p:sld>
+</file>
+
+<file path=ppt/slides/slide4.xml><?xml version="1.0" encoding="utf-8"?>
+<p:sld xmlns:a="http://schemas.openxmlformats.org/drawingml/2006/main" xmlns:r="http://schemas.openxmlformats.org/officeDocument/2006/relationships" xmlns:p="http://schemas.openxmlformats.org/presentationml/2006/main">
+  <p:cSld>
+    <p:spTree>
+      <p:nvGrpSpPr>
+        <p:cNvPr id="1" name=""/>
+        <p:cNvGrpSpPr/>
+        <p:nvPr/>
+      </p:nvGrpSpPr>
+      <p:grpSpPr>
+        <a:xfrm>
+          <a:off x="0" y="0"/>
+          <a:ext cx="0" cy="0"/>
+          <a:chOff x="0" y="0"/>
+          <a:chExt cx="0" cy="0"/>
+        </a:xfrm>
+      </p:grpSpPr>
+      <p:sp>
+        <p:nvSpPr>
+          <p:cNvPr id="2" name="タイトル 1"/>
+          <p:cNvSpPr>
+            <a:spLocks noGrp="1"/>
+          </p:cNvSpPr>
+          <p:nvPr>
+            <p:ph type="title"/>
+          </p:nvPr>
+        </p:nvSpPr>
+        <p:spPr/>
+        <p:txBody>
+          <a:bodyPr/>
+          <a:lstStyle/>
+          <a:p>
+            <a:r>
+              <a:rPr kumimoji="1" lang="ja-JP" altLang="en-US" dirty="0" smtClean="0">
+                <a:latin typeface="メイリオ" panose="020B0604030504040204" pitchFamily="50" charset="-128"/>
+                <a:ea typeface="メイリオ" panose="020B0604030504040204" pitchFamily="50" charset="-128"/>
+                <a:cs typeface="メイリオ" panose="020B0604030504040204" pitchFamily="50" charset="-128"/>
+              </a:rPr>
+              <a:t>背景</a:t>
+            </a:r>
+            <a:endParaRPr kumimoji="1" lang="ja-JP" altLang="en-US" dirty="0">
+              <a:latin typeface="メイリオ" panose="020B0604030504040204" pitchFamily="50" charset="-128"/>
+              <a:ea typeface="メイリオ" panose="020B0604030504040204" pitchFamily="50" charset="-128"/>
+              <a:cs typeface="メイリオ" panose="020B0604030504040204" pitchFamily="50" charset="-128"/>
+            </a:endParaRPr>
+          </a:p>
+        </p:txBody>
+      </p:sp>
+      <p:sp>
+        <p:nvSpPr>
+          <p:cNvPr id="7" name="コンテンツ プレースホルダー 2"/>
+          <p:cNvSpPr>
+            <a:spLocks noGrp="1"/>
+          </p:cNvSpPr>
+          <p:nvPr>
+            <p:ph idx="1"/>
+          </p:nvPr>
+        </p:nvSpPr>
+        <p:spPr>
+          <a:xfrm>
+            <a:off x="1115616" y="5949280"/>
+            <a:ext cx="7818072" cy="720080"/>
+          </a:xfrm>
+        </p:spPr>
+        <p:txBody>
+          <a:bodyPr>
+            <a:normAutofit/>
+          </a:bodyPr>
+          <a:lstStyle/>
+          <a:p>
+            <a:pPr marL="82296" indent="0">
+              <a:buNone/>
+            </a:pPr>
+            <a:r>
+              <a:rPr lang="en-US" altLang="ja-JP" dirty="0" smtClean="0">
+                <a:latin typeface="メイリオ" panose="020B0604030504040204" pitchFamily="50" charset="-128"/>
+                <a:ea typeface="メイリオ" panose="020B0604030504040204" pitchFamily="50" charset="-128"/>
+                <a:cs typeface="メイリオ" panose="020B0604030504040204" pitchFamily="50" charset="-128"/>
+              </a:rPr>
+              <a:t>Win</a:t>
+            </a:r>
+            <a:r>
+              <a:rPr lang="ja-JP" altLang="en-US" dirty="0" smtClean="0">
+                <a:latin typeface="メイリオ" panose="020B0604030504040204" pitchFamily="50" charset="-128"/>
+                <a:ea typeface="メイリオ" panose="020B0604030504040204" pitchFamily="50" charset="-128"/>
+                <a:cs typeface="メイリオ" panose="020B0604030504040204" pitchFamily="50" charset="-128"/>
+              </a:rPr>
+              <a:t>のコマンドプロンプトを使った</a:t>
+            </a:r>
+            <a:r>
+              <a:rPr lang="ja-JP" altLang="en-US" dirty="0">
+                <a:latin typeface="メイリオ" panose="020B0604030504040204" pitchFamily="50" charset="-128"/>
+                <a:ea typeface="メイリオ" panose="020B0604030504040204" pitchFamily="50" charset="-128"/>
+                <a:cs typeface="メイリオ" panose="020B0604030504040204" pitchFamily="50" charset="-128"/>
+              </a:rPr>
+              <a:t>結果</a:t>
+            </a:r>
+            <a:endParaRPr lang="en-US" altLang="ja-JP" dirty="0">
+              <a:latin typeface="メイリオ" panose="020B0604030504040204" pitchFamily="50" charset="-128"/>
+              <a:ea typeface="メイリオ" panose="020B0604030504040204" pitchFamily="50" charset="-128"/>
+              <a:cs typeface="メイリオ" panose="020B0604030504040204" pitchFamily="50" charset="-128"/>
+            </a:endParaRPr>
+          </a:p>
+        </p:txBody>
+      </p:sp>
+      <p:pic>
+        <p:nvPicPr>
+          <p:cNvPr id="2051" name="Picture 3" descr="D:\tool\uwsc48e\cap\cap1.bmp"/>
+          <p:cNvPicPr>
+            <a:picLocks noChangeAspect="1" noChangeArrowheads="1"/>
+          </p:cNvPicPr>
+          <p:nvPr/>
+        </p:nvPicPr>
+        <p:blipFill>
+          <a:blip r:embed="rId2">
+            <a:extLst>
+              <a:ext uri="{28A0092B-C50C-407E-A947-70E740481C1C}">
+                <a14:useLocalDpi xmlns:a14="http://schemas.microsoft.com/office/drawing/2010/main" val="0"/>
+              </a:ext>
+            </a:extLst>
+          </a:blip>
+          <a:srcRect/>
+          <a:stretch>
+            <a:fillRect/>
+          </a:stretch>
+        </p:blipFill>
+        <p:spPr bwMode="auto">
+          <a:xfrm>
+            <a:off x="1475656" y="1052736"/>
+            <a:ext cx="7210426" cy="4686300"/>
+          </a:xfrm>
+          <a:prstGeom prst="rect">
+            <a:avLst/>
+          </a:prstGeom>
+          <a:noFill/>
+          <a:extLst>
+            <a:ext uri="{909E8E84-426E-40DD-AFC4-6F175D3DCCD1}">
+              <a14:hiddenFill xmlns:a14="http://schemas.microsoft.com/office/drawing/2010/main">
+                <a:solidFill>
+                  <a:srgbClr val="FFFFFF"/>
+                </a:solidFill>
+              </a14:hiddenFill>
+            </a:ext>
+          </a:extLst>
+        </p:spPr>
+      </p:pic>
+    </p:spTree>
+    <p:extLst>
+      <p:ext uri="{BB962C8B-B14F-4D97-AF65-F5344CB8AC3E}">
+        <p14:creationId xmlns:p14="http://schemas.microsoft.com/office/powerpoint/2010/main" val="737976439"/>
+      </p:ext>
+    </p:extLst>
+  </p:cSld>
+  <p:clrMapOvr>
+    <a:masterClrMapping/>
+  </p:clrMapOvr>
+  <p:timing>
+    <p:tnLst>
+      <p:par>
+        <p:cTn id="1" dur="indefinite" restart="never" nodeType="tmRoot"/>
+      </p:par>
+    </p:tnLst>
+  </p:timing>
+</p:sld>
+</file>
+
+<file path=ppt/slides/slide5.xml><?xml version="1.0" encoding="utf-8"?>
+<p:sld xmlns:a="http://schemas.openxmlformats.org/drawingml/2006/main" xmlns:r="http://schemas.openxmlformats.org/officeDocument/2006/relationships" xmlns:p="http://schemas.openxmlformats.org/presentationml/2006/main">
+  <p:cSld>
+    <p:spTree>
+      <p:nvGrpSpPr>
+        <p:cNvPr id="1" name=""/>
+        <p:cNvGrpSpPr/>
+        <p:nvPr/>
+      </p:nvGrpSpPr>
+      <p:grpSpPr>
+        <a:xfrm>
+          <a:off x="0" y="0"/>
+          <a:ext cx="0" cy="0"/>
+          <a:chOff x="0" y="0"/>
+          <a:chExt cx="0" cy="0"/>
+        </a:xfrm>
+      </p:grpSpPr>
+      <p:sp>
+        <p:nvSpPr>
+          <p:cNvPr id="2" name="タイトル 1"/>
+          <p:cNvSpPr>
+            <a:spLocks noGrp="1"/>
+          </p:cNvSpPr>
+          <p:nvPr>
+            <p:ph type="title"/>
+          </p:nvPr>
+        </p:nvSpPr>
+        <p:spPr/>
+        <p:txBody>
+          <a:bodyPr/>
+          <a:lstStyle/>
+          <a:p>
+            <a:r>
+              <a:rPr kumimoji="1" lang="ja-JP" altLang="en-US" dirty="0" smtClean="0">
+                <a:latin typeface="メイリオ" panose="020B0604030504040204" pitchFamily="50" charset="-128"/>
+                <a:ea typeface="メイリオ" panose="020B0604030504040204" pitchFamily="50" charset="-128"/>
+                <a:cs typeface="メイリオ" panose="020B0604030504040204" pitchFamily="50" charset="-128"/>
+              </a:rPr>
+              <a:t>背景</a:t>
+            </a:r>
+            <a:endParaRPr kumimoji="1" lang="ja-JP" altLang="en-US" dirty="0">
+              <a:latin typeface="メイリオ" panose="020B0604030504040204" pitchFamily="50" charset="-128"/>
+              <a:ea typeface="メイリオ" panose="020B0604030504040204" pitchFamily="50" charset="-128"/>
+              <a:cs typeface="メイリオ" panose="020B0604030504040204" pitchFamily="50" charset="-128"/>
+            </a:endParaRPr>
+          </a:p>
+        </p:txBody>
+      </p:sp>
+      <p:sp>
+        <p:nvSpPr>
+          <p:cNvPr id="7" name="コンテンツ プレースホルダー 2"/>
+          <p:cNvSpPr>
+            <a:spLocks noGrp="1"/>
+          </p:cNvSpPr>
+          <p:nvPr>
+            <p:ph idx="1"/>
+          </p:nvPr>
+        </p:nvSpPr>
+        <p:spPr>
+          <a:xfrm>
+            <a:off x="1115616" y="5949280"/>
+            <a:ext cx="7818072" cy="720080"/>
+          </a:xfrm>
+        </p:spPr>
+        <p:txBody>
+          <a:bodyPr>
+            <a:normAutofit/>
+          </a:bodyPr>
+          <a:lstStyle/>
+          <a:p>
+            <a:pPr marL="82296" indent="0">
+              <a:buNone/>
+            </a:pPr>
+            <a:r>
+              <a:rPr lang="en-US" altLang="ja-JP" dirty="0" smtClean="0">
+                <a:latin typeface="メイリオ" panose="020B0604030504040204" pitchFamily="50" charset="-128"/>
+                <a:ea typeface="メイリオ" panose="020B0604030504040204" pitchFamily="50" charset="-128"/>
+                <a:cs typeface="メイリオ" panose="020B0604030504040204" pitchFamily="50" charset="-128"/>
+              </a:rPr>
+              <a:t>Win</a:t>
+            </a:r>
+            <a:r>
+              <a:rPr lang="ja-JP" altLang="en-US" dirty="0" smtClean="0">
+                <a:latin typeface="メイリオ" panose="020B0604030504040204" pitchFamily="50" charset="-128"/>
+                <a:ea typeface="メイリオ" panose="020B0604030504040204" pitchFamily="50" charset="-128"/>
+                <a:cs typeface="メイリオ" panose="020B0604030504040204" pitchFamily="50" charset="-128"/>
+              </a:rPr>
+              <a:t>のコマンドプロンプトを使った</a:t>
+            </a:r>
+            <a:r>
+              <a:rPr lang="ja-JP" altLang="en-US" dirty="0">
+                <a:latin typeface="メイリオ" panose="020B0604030504040204" pitchFamily="50" charset="-128"/>
+                <a:ea typeface="メイリオ" panose="020B0604030504040204" pitchFamily="50" charset="-128"/>
+                <a:cs typeface="メイリオ" panose="020B0604030504040204" pitchFamily="50" charset="-128"/>
+              </a:rPr>
+              <a:t>結果</a:t>
+            </a:r>
+            <a:endParaRPr lang="en-US" altLang="ja-JP" dirty="0">
+              <a:latin typeface="メイリオ" panose="020B0604030504040204" pitchFamily="50" charset="-128"/>
+              <a:ea typeface="メイリオ" panose="020B0604030504040204" pitchFamily="50" charset="-128"/>
+              <a:cs typeface="メイリオ" panose="020B0604030504040204" pitchFamily="50" charset="-128"/>
+            </a:endParaRPr>
+          </a:p>
+        </p:txBody>
+      </p:sp>
+      <p:pic>
+        <p:nvPicPr>
+          <p:cNvPr id="2051" name="Picture 3" descr="D:\tool\uwsc48e\cap\cap1.bmp"/>
+          <p:cNvPicPr>
+            <a:picLocks noChangeAspect="1" noChangeArrowheads="1"/>
+          </p:cNvPicPr>
+          <p:nvPr/>
+        </p:nvPicPr>
+        <p:blipFill>
+          <a:blip r:embed="rId2">
+            <a:extLst>
+              <a:ext uri="{28A0092B-C50C-407E-A947-70E740481C1C}">
+                <a14:useLocalDpi xmlns:a14="http://schemas.microsoft.com/office/drawing/2010/main" val="0"/>
+              </a:ext>
+            </a:extLst>
+          </a:blip>
+          <a:srcRect/>
+          <a:stretch>
+            <a:fillRect/>
+          </a:stretch>
+        </p:blipFill>
+        <p:spPr bwMode="auto">
+          <a:xfrm>
+            <a:off x="1475656" y="1052736"/>
+            <a:ext cx="7210426" cy="4686300"/>
+          </a:xfrm>
+          <a:prstGeom prst="rect">
+            <a:avLst/>
+          </a:prstGeom>
+          <a:noFill/>
+          <a:extLst>
+            <a:ext uri="{909E8E84-426E-40DD-AFC4-6F175D3DCCD1}">
+              <a14:hiddenFill xmlns:a14="http://schemas.microsoft.com/office/drawing/2010/main">
+                <a:solidFill>
+                  <a:srgbClr val="FFFFFF"/>
+                </a:solidFill>
+              </a14:hiddenFill>
+            </a:ext>
+          </a:extLst>
+        </p:spPr>
+      </p:pic>
+      <p:sp>
+        <p:nvSpPr>
+          <p:cNvPr id="3" name="テキスト ボックス 2"/>
+          <p:cNvSpPr txBox="1"/>
+          <p:nvPr/>
+        </p:nvSpPr>
+        <p:spPr>
+          <a:xfrm>
+            <a:off x="3216374" y="3103532"/>
+            <a:ext cx="3155826" cy="1200329"/>
+          </a:xfrm>
+          <a:prstGeom prst="rect">
+            <a:avLst/>
+          </a:prstGeom>
+          <a:solidFill>
+            <a:schemeClr val="bg1"/>
+          </a:solidFill>
+        </p:spPr>
+        <p:txBody>
+          <a:bodyPr wrap="square" rtlCol="0">
+            <a:spAutoFit/>
+          </a:bodyPr>
+          <a:lstStyle/>
+          <a:p>
+            <a:r>
+              <a:rPr lang="el-GR" altLang="ja-JP" sz="7200" b="1" dirty="0"/>
+              <a:t>(#^ω</a:t>
+            </a:r>
+            <a:r>
+              <a:rPr lang="el-GR" altLang="ja-JP" sz="7200" b="1" dirty="0" smtClean="0"/>
+              <a:t>^)</a:t>
+            </a:r>
+            <a:endParaRPr lang="el-GR" altLang="ja-JP" sz="7200" b="1" dirty="0"/>
+          </a:p>
+        </p:txBody>
+      </p:sp>
+    </p:spTree>
+    <p:extLst>
+      <p:ext uri="{BB962C8B-B14F-4D97-AF65-F5344CB8AC3E}">
+        <p14:creationId xmlns:p14="http://schemas.microsoft.com/office/powerpoint/2010/main" val="235753869"/>
+      </p:ext>
+    </p:extLst>
+  </p:cSld>
+  <p:clrMapOvr>
+    <a:masterClrMapping/>
+  </p:clrMapOvr>
+  <p:timing>
+    <p:tnLst>
+      <p:par>
+        <p:cTn id="1" dur="indefinite" restart="never" nodeType="tmRoot"/>
+      </p:par>
+    </p:tnLst>
+  </p:timing>
+</p:sld>
+</file>
+
+<file path=ppt/slides/slide6.xml><?xml version="1.0" encoding="utf-8"?>
+<p:sld xmlns:a="http://schemas.openxmlformats.org/drawingml/2006/main" xmlns:r="http://schemas.openxmlformats.org/officeDocument/2006/relationships" xmlns:p="http://schemas.openxmlformats.org/presentationml/2006/main">
+  <p:cSld>
+    <p:spTree>
+      <p:nvGrpSpPr>
+        <p:cNvPr id="1" name=""/>
+        <p:cNvGrpSpPr/>
+        <p:nvPr/>
+      </p:nvGrpSpPr>
+      <p:grpSpPr>
+        <a:xfrm>
+          <a:off x="0" y="0"/>
+          <a:ext cx="0" cy="0"/>
+          <a:chOff x="0" y="0"/>
+          <a:chExt cx="0" cy="0"/>
+        </a:xfrm>
+      </p:grpSpPr>
+      <p:sp>
+        <p:nvSpPr>
+          <p:cNvPr id="13" name="コンテンツ プレースホルダー 2"/>
+          <p:cNvSpPr>
+            <a:spLocks noGrp="1"/>
+          </p:cNvSpPr>
+          <p:nvPr>
+            <p:ph idx="1"/>
+          </p:nvPr>
+        </p:nvSpPr>
+        <p:spPr>
+          <a:xfrm>
+            <a:off x="893880" y="1196752"/>
+            <a:ext cx="8250120" cy="5544616"/>
+          </a:xfrm>
+        </p:spPr>
+        <p:txBody>
+          <a:bodyPr>
+            <a:normAutofit/>
+          </a:bodyPr>
+          <a:lstStyle/>
+          <a:p>
+            <a:pPr marL="82296" indent="0">
+              <a:buNone/>
+            </a:pPr>
+            <a:endParaRPr lang="en-US" altLang="ja-JP" dirty="0" smtClean="0">
+              <a:latin typeface="メイリオ" panose="020B0604030504040204" pitchFamily="50" charset="-128"/>
+              <a:ea typeface="メイリオ" panose="020B0604030504040204" pitchFamily="50" charset="-128"/>
+              <a:cs typeface="メイリオ" panose="020B0604030504040204" pitchFamily="50" charset="-128"/>
+            </a:endParaRPr>
+          </a:p>
+          <a:p>
+            <a:pPr marL="82296" indent="0">
+              <a:buNone/>
+            </a:pPr>
+            <a:endParaRPr lang="en-US" altLang="ja-JP" dirty="0">
+              <a:latin typeface="メイリオ" panose="020B0604030504040204" pitchFamily="50" charset="-128"/>
+              <a:ea typeface="メイリオ" panose="020B0604030504040204" pitchFamily="50" charset="-128"/>
+              <a:cs typeface="メイリオ" panose="020B0604030504040204" pitchFamily="50" charset="-128"/>
+            </a:endParaRPr>
+          </a:p>
+          <a:p>
+            <a:pPr marL="82296" indent="0">
+              <a:buNone/>
+            </a:pPr>
+            <a:endParaRPr lang="en-US" altLang="ja-JP" dirty="0" smtClean="0">
+              <a:latin typeface="メイリオ" panose="020B0604030504040204" pitchFamily="50" charset="-128"/>
+              <a:ea typeface="メイリオ" panose="020B0604030504040204" pitchFamily="50" charset="-128"/>
+              <a:cs typeface="メイリオ" panose="020B0604030504040204" pitchFamily="50" charset="-128"/>
+            </a:endParaRPr>
+          </a:p>
+          <a:p>
+            <a:pPr marL="82296" indent="0">
+              <a:buNone/>
+            </a:pPr>
+            <a:r>
+              <a:rPr lang="ja-JP" altLang="en-US" sz="4800" b="1" dirty="0" smtClean="0">
+                <a:latin typeface="メイリオ" panose="020B0604030504040204" pitchFamily="50" charset="-128"/>
+                <a:ea typeface="メイリオ" panose="020B0604030504040204" pitchFamily="50" charset="-128"/>
+                <a:cs typeface="メイリオ" panose="020B0604030504040204" pitchFamily="50" charset="-128"/>
+              </a:rPr>
+              <a:t>コマンドプロンプト改造計画</a:t>
+            </a:r>
+            <a:endParaRPr lang="en-US" altLang="ja-JP" sz="4800" b="1" dirty="0" smtClean="0">
+              <a:latin typeface="メイリオ" panose="020B0604030504040204" pitchFamily="50" charset="-128"/>
+              <a:ea typeface="メイリオ" panose="020B0604030504040204" pitchFamily="50" charset="-128"/>
+              <a:cs typeface="メイリオ" panose="020B0604030504040204" pitchFamily="50" charset="-128"/>
+            </a:endParaRPr>
+          </a:p>
+        </p:txBody>
+      </p:sp>
+      <p:sp>
+        <p:nvSpPr>
+          <p:cNvPr id="2" name="タイトル 1"/>
+          <p:cNvSpPr>
+            <a:spLocks noGrp="1"/>
+          </p:cNvSpPr>
+          <p:nvPr>
+            <p:ph type="title"/>
+          </p:nvPr>
+        </p:nvSpPr>
+        <p:spPr/>
+        <p:txBody>
+          <a:bodyPr/>
+          <a:lstStyle/>
+          <a:p>
+            <a:endParaRPr kumimoji="1" lang="ja-JP" altLang="en-US"/>
+          </a:p>
+        </p:txBody>
+      </p:sp>
+    </p:spTree>
+    <p:extLst>
+      <p:ext uri="{BB962C8B-B14F-4D97-AF65-F5344CB8AC3E}">
+        <p14:creationId xmlns:p14="http://schemas.microsoft.com/office/powerpoint/2010/main" val="840102760"/>
+      </p:ext>
+    </p:extLst>
+  </p:cSld>
+  <p:clrMapOvr>
+    <a:masterClrMapping/>
+  </p:clrMapOvr>
+  <p:timing>
+    <p:tnLst>
+      <p:par>
+        <p:cTn id="1" dur="indefinite" restart="never" nodeType="tmRoot"/>
+      </p:par>
+    </p:tnLst>
+  </p:timing>
+</p:sld>
+</file>
+
+<file path=ppt/slides/slide7.xml><?xml version="1.0" encoding="utf-8"?>
+<p:sld xmlns:a="http://schemas.openxmlformats.org/drawingml/2006/main" xmlns:r="http://schemas.openxmlformats.org/officeDocument/2006/relationships" xmlns:p="http://schemas.openxmlformats.org/presentationml/2006/main">
+  <p:cSld>
+    <p:spTree>
+      <p:nvGrpSpPr>
+        <p:cNvPr id="1" name=""/>
+        <p:cNvGrpSpPr/>
+        <p:nvPr/>
+      </p:nvGrpSpPr>
+      <p:grpSpPr>
+        <a:xfrm>
+          <a:off x="0" y="0"/>
+          <a:ext cx="0" cy="0"/>
+          <a:chOff x="0" y="0"/>
+          <a:chExt cx="0" cy="0"/>
+        </a:xfrm>
+      </p:grpSpPr>
+      <p:sp>
+        <p:nvSpPr>
+          <p:cNvPr id="12" name="タイトル 1"/>
+          <p:cNvSpPr>
+            <a:spLocks noGrp="1"/>
+          </p:cNvSpPr>
+          <p:nvPr>
+            <p:ph type="title"/>
+          </p:nvPr>
+        </p:nvSpPr>
+        <p:spPr/>
+        <p:txBody>
+          <a:bodyPr/>
+          <a:lstStyle/>
+          <a:p>
+            <a:r>
+              <a:rPr kumimoji="1" lang="ja-JP" altLang="en-US" dirty="0" smtClean="0">
+                <a:latin typeface="メイリオ" panose="020B0604030504040204" pitchFamily="50" charset="-128"/>
+                <a:ea typeface="メイリオ" panose="020B0604030504040204" pitchFamily="50" charset="-128"/>
+                <a:cs typeface="メイリオ" panose="020B0604030504040204" pitchFamily="50" charset="-128"/>
+              </a:rPr>
+              <a:t>コマンドプロンプト改造</a:t>
+            </a:r>
+            <a:endParaRPr kumimoji="1" lang="ja-JP" altLang="en-US" dirty="0">
+              <a:latin typeface="メイリオ" panose="020B0604030504040204" pitchFamily="50" charset="-128"/>
+              <a:ea typeface="メイリオ" panose="020B0604030504040204" pitchFamily="50" charset="-128"/>
+              <a:cs typeface="メイリオ" panose="020B0604030504040204" pitchFamily="50" charset="-128"/>
+            </a:endParaRPr>
+          </a:p>
+        </p:txBody>
+      </p:sp>
+      <p:sp>
+        <p:nvSpPr>
+          <p:cNvPr id="13" name="コンテンツ プレースホルダー 2"/>
+          <p:cNvSpPr>
+            <a:spLocks noGrp="1"/>
+          </p:cNvSpPr>
+          <p:nvPr>
+            <p:ph idx="1"/>
+          </p:nvPr>
+        </p:nvSpPr>
+        <p:spPr>
+          <a:xfrm>
+            <a:off x="1115616" y="1124744"/>
+            <a:ext cx="7818072" cy="5544616"/>
+          </a:xfrm>
+        </p:spPr>
+        <p:txBody>
+          <a:bodyPr>
+            <a:normAutofit/>
+          </a:bodyPr>
+          <a:lstStyle/>
+          <a:p>
+            <a:pPr marL="82296" indent="0">
+              <a:buNone/>
+            </a:pPr>
+            <a:r>
+              <a:rPr lang="en-US" altLang="ja-JP" sz="4000" b="1" dirty="0" err="1" smtClean="0">
+                <a:latin typeface="メイリオ" panose="020B0604030504040204" pitchFamily="50" charset="-128"/>
+                <a:ea typeface="メイリオ" panose="020B0604030504040204" pitchFamily="50" charset="-128"/>
+                <a:cs typeface="メイリオ" panose="020B0604030504040204" pitchFamily="50" charset="-128"/>
+              </a:rPr>
+              <a:t>ConEmu</a:t>
+            </a:r>
+            <a:endParaRPr lang="en-US" altLang="ja-JP" sz="4000" b="1" dirty="0" smtClean="0">
+              <a:latin typeface="メイリオ" panose="020B0604030504040204" pitchFamily="50" charset="-128"/>
+              <a:ea typeface="メイリオ" panose="020B0604030504040204" pitchFamily="50" charset="-128"/>
+              <a:cs typeface="メイリオ" panose="020B0604030504040204" pitchFamily="50" charset="-128"/>
+            </a:endParaRPr>
+          </a:p>
+          <a:p>
+            <a:pPr marL="82296" indent="0">
+              <a:buNone/>
+            </a:pPr>
+            <a:r>
+              <a:rPr lang="ja-JP" altLang="en-US" dirty="0" smtClean="0">
+                <a:latin typeface="メイリオ" panose="020B0604030504040204" pitchFamily="50" charset="-128"/>
+                <a:ea typeface="メイリオ" panose="020B0604030504040204" pitchFamily="50" charset="-128"/>
+                <a:cs typeface="メイリオ" panose="020B0604030504040204" pitchFamily="50" charset="-128"/>
+              </a:rPr>
+              <a:t>色々便利な</a:t>
+            </a:r>
+            <a:r>
+              <a:rPr lang="en-US" altLang="ja-JP" dirty="0" smtClean="0">
+                <a:latin typeface="メイリオ" panose="020B0604030504040204" pitchFamily="50" charset="-128"/>
+                <a:ea typeface="メイリオ" panose="020B0604030504040204" pitchFamily="50" charset="-128"/>
+                <a:cs typeface="メイリオ" panose="020B0604030504040204" pitchFamily="50" charset="-128"/>
+              </a:rPr>
+              <a:t>Windows</a:t>
+            </a:r>
+            <a:r>
+              <a:rPr lang="ja-JP" altLang="en-US" dirty="0" smtClean="0">
+                <a:latin typeface="メイリオ" panose="020B0604030504040204" pitchFamily="50" charset="-128"/>
+                <a:ea typeface="メイリオ" panose="020B0604030504040204" pitchFamily="50" charset="-128"/>
+                <a:cs typeface="メイリオ" panose="020B0604030504040204" pitchFamily="50" charset="-128"/>
+              </a:rPr>
+              <a:t>用</a:t>
+            </a:r>
+            <a:r>
+              <a:rPr lang="ja-JP" altLang="en-US" dirty="0" smtClean="0">
+                <a:latin typeface="メイリオ" panose="020B0604030504040204" pitchFamily="50" charset="-128"/>
+                <a:ea typeface="メイリオ" panose="020B0604030504040204" pitchFamily="50" charset="-128"/>
+                <a:cs typeface="メイリオ" panose="020B0604030504040204" pitchFamily="50" charset="-128"/>
+              </a:rPr>
+              <a:t>の</a:t>
+            </a:r>
+            <a:endParaRPr lang="en-US" altLang="ja-JP" dirty="0" smtClean="0">
+              <a:latin typeface="メイリオ" panose="020B0604030504040204" pitchFamily="50" charset="-128"/>
+              <a:ea typeface="メイリオ" panose="020B0604030504040204" pitchFamily="50" charset="-128"/>
+              <a:cs typeface="メイリオ" panose="020B0604030504040204" pitchFamily="50" charset="-128"/>
+            </a:endParaRPr>
+          </a:p>
+          <a:p>
+            <a:pPr marL="82296" indent="0">
+              <a:buNone/>
+            </a:pPr>
+            <a:r>
+              <a:rPr lang="ja-JP" altLang="en-US" dirty="0" smtClean="0">
+                <a:latin typeface="メイリオ" panose="020B0604030504040204" pitchFamily="50" charset="-128"/>
+                <a:ea typeface="メイリオ" panose="020B0604030504040204" pitchFamily="50" charset="-128"/>
+                <a:cs typeface="メイリオ" panose="020B0604030504040204" pitchFamily="50" charset="-128"/>
+              </a:rPr>
+              <a:t>コンソールエミュレータ</a:t>
+            </a:r>
+            <a:endParaRPr lang="en-US" altLang="ja-JP" dirty="0" smtClean="0">
+              <a:latin typeface="メイリオ" panose="020B0604030504040204" pitchFamily="50" charset="-128"/>
+              <a:ea typeface="メイリオ" panose="020B0604030504040204" pitchFamily="50" charset="-128"/>
+              <a:cs typeface="メイリオ" panose="020B0604030504040204" pitchFamily="50" charset="-128"/>
+            </a:endParaRPr>
+          </a:p>
+          <a:p>
+            <a:pPr marL="82296" indent="0">
+              <a:buNone/>
+            </a:pPr>
+            <a:endParaRPr lang="en-US" altLang="ja-JP" dirty="0">
+              <a:latin typeface="メイリオ" panose="020B0604030504040204" pitchFamily="50" charset="-128"/>
+              <a:ea typeface="メイリオ" panose="020B0604030504040204" pitchFamily="50" charset="-128"/>
+              <a:cs typeface="メイリオ" panose="020B0604030504040204" pitchFamily="50" charset="-128"/>
+            </a:endParaRPr>
+          </a:p>
+          <a:p>
+            <a:pPr marL="82296" indent="0">
+              <a:buNone/>
+            </a:pPr>
+            <a:r>
+              <a:rPr lang="ja-JP" altLang="en-US" dirty="0" smtClean="0">
+                <a:latin typeface="メイリオ" panose="020B0604030504040204" pitchFamily="50" charset="-128"/>
+                <a:ea typeface="メイリオ" panose="020B0604030504040204" pitchFamily="50" charset="-128"/>
+                <a:cs typeface="メイリオ" panose="020B0604030504040204" pitchFamily="50" charset="-128"/>
+              </a:rPr>
+              <a:t>・コンソールのタブ化</a:t>
+            </a:r>
+            <a:endParaRPr lang="en-US" altLang="ja-JP" dirty="0" smtClean="0">
+              <a:latin typeface="メイリオ" panose="020B0604030504040204" pitchFamily="50" charset="-128"/>
+              <a:ea typeface="メイリオ" panose="020B0604030504040204" pitchFamily="50" charset="-128"/>
+              <a:cs typeface="メイリオ" panose="020B0604030504040204" pitchFamily="50" charset="-128"/>
+            </a:endParaRPr>
+          </a:p>
+          <a:p>
+            <a:pPr marL="82296" indent="0">
+              <a:buNone/>
+            </a:pPr>
+            <a:r>
+              <a:rPr lang="ja-JP" altLang="en-US" dirty="0" smtClean="0">
+                <a:latin typeface="メイリオ" panose="020B0604030504040204" pitchFamily="50" charset="-128"/>
+                <a:ea typeface="メイリオ" panose="020B0604030504040204" pitchFamily="50" charset="-128"/>
+                <a:cs typeface="メイリオ" panose="020B0604030504040204" pitchFamily="50" charset="-128"/>
+              </a:rPr>
+              <a:t>・便利な操作性</a:t>
+            </a:r>
+            <a:endParaRPr lang="en-US" altLang="ja-JP" dirty="0" smtClean="0">
+              <a:latin typeface="メイリオ" panose="020B0604030504040204" pitchFamily="50" charset="-128"/>
+              <a:ea typeface="メイリオ" panose="020B0604030504040204" pitchFamily="50" charset="-128"/>
+              <a:cs typeface="メイリオ" panose="020B0604030504040204" pitchFamily="50" charset="-128"/>
+            </a:endParaRPr>
+          </a:p>
+          <a:p>
+            <a:pPr marL="82296" indent="0">
+              <a:buNone/>
+            </a:pPr>
+            <a:r>
+              <a:rPr lang="ja-JP" altLang="en-US" dirty="0" smtClean="0">
+                <a:latin typeface="メイリオ" panose="020B0604030504040204" pitchFamily="50" charset="-128"/>
+                <a:ea typeface="メイリオ" panose="020B0604030504040204" pitchFamily="50" charset="-128"/>
+                <a:cs typeface="メイリオ" panose="020B0604030504040204" pitchFamily="50" charset="-128"/>
+              </a:rPr>
+              <a:t>・豊富な設定項目</a:t>
+            </a:r>
+            <a:endParaRPr lang="en-US" altLang="ja-JP" dirty="0" smtClean="0">
+              <a:latin typeface="メイリオ" panose="020B0604030504040204" pitchFamily="50" charset="-128"/>
+              <a:ea typeface="メイリオ" panose="020B0604030504040204" pitchFamily="50" charset="-128"/>
+              <a:cs typeface="メイリオ" panose="020B0604030504040204" pitchFamily="50" charset="-128"/>
+            </a:endParaRPr>
+          </a:p>
+        </p:txBody>
+      </p:sp>
+    </p:spTree>
+    <p:extLst>
+      <p:ext uri="{BB962C8B-B14F-4D97-AF65-F5344CB8AC3E}">
+        <p14:creationId xmlns:p14="http://schemas.microsoft.com/office/powerpoint/2010/main" val="1642618047"/>
+      </p:ext>
+    </p:extLst>
+  </p:cSld>
+  <p:clrMapOvr>
+    <a:masterClrMapping/>
+  </p:clrMapOvr>
+  <p:timing>
+    <p:tnLst>
+      <p:par>
+        <p:cTn id="1" dur="indefinite" restart="never" nodeType="tmRoot"/>
+      </p:par>
+    </p:tnLst>
+  </p:timing>
+</p:sld>
+</file>
+
+<file path=ppt/slides/slide8.xml><?xml version="1.0" encoding="utf-8"?>
+<p:sld xmlns:a="http://schemas.openxmlformats.org/drawingml/2006/main" xmlns:r="http://schemas.openxmlformats.org/officeDocument/2006/relationships" xmlns:p="http://schemas.openxmlformats.org/presentationml/2006/main">
+  <p:cSld>
+    <p:spTree>
+      <p:nvGrpSpPr>
+        <p:cNvPr id="1" name=""/>
+        <p:cNvGrpSpPr/>
+        <p:nvPr/>
+      </p:nvGrpSpPr>
+      <p:grpSpPr>
+        <a:xfrm>
+          <a:off x="0" y="0"/>
+          <a:ext cx="0" cy="0"/>
+          <a:chOff x="0" y="0"/>
+          <a:chExt cx="0" cy="0"/>
+        </a:xfrm>
+      </p:grpSpPr>
+      <p:sp>
+        <p:nvSpPr>
+          <p:cNvPr id="12" name="タイトル 1"/>
+          <p:cNvSpPr>
+            <a:spLocks noGrp="1"/>
+          </p:cNvSpPr>
+          <p:nvPr>
+            <p:ph type="title"/>
+          </p:nvPr>
+        </p:nvSpPr>
+        <p:spPr/>
+        <p:txBody>
+          <a:bodyPr/>
+          <a:lstStyle/>
+          <a:p>
+            <a:r>
+              <a:rPr kumimoji="1" lang="ja-JP" altLang="en-US" dirty="0" smtClean="0">
+                <a:latin typeface="メイリオ" panose="020B0604030504040204" pitchFamily="50" charset="-128"/>
+                <a:ea typeface="メイリオ" panose="020B0604030504040204" pitchFamily="50" charset="-128"/>
+                <a:cs typeface="メイリオ" panose="020B0604030504040204" pitchFamily="50" charset="-128"/>
+              </a:rPr>
+              <a:t>コマンドプロンプト改造</a:t>
+            </a:r>
+            <a:endParaRPr kumimoji="1" lang="ja-JP" altLang="en-US" dirty="0">
+              <a:latin typeface="メイリオ" panose="020B0604030504040204" pitchFamily="50" charset="-128"/>
+              <a:ea typeface="メイリオ" panose="020B0604030504040204" pitchFamily="50" charset="-128"/>
+              <a:cs typeface="メイリオ" panose="020B0604030504040204" pitchFamily="50" charset="-128"/>
+            </a:endParaRPr>
+          </a:p>
+        </p:txBody>
+      </p:sp>
+      <p:sp>
+        <p:nvSpPr>
+          <p:cNvPr id="13" name="コンテンツ プレースホルダー 2"/>
+          <p:cNvSpPr>
+            <a:spLocks noGrp="1"/>
+          </p:cNvSpPr>
+          <p:nvPr>
+            <p:ph idx="1"/>
+          </p:nvPr>
+        </p:nvSpPr>
+        <p:spPr>
+          <a:xfrm>
+            <a:off x="1115616" y="1124744"/>
+            <a:ext cx="7818072" cy="5544616"/>
+          </a:xfrm>
+        </p:spPr>
+        <p:txBody>
+          <a:bodyPr>
+            <a:normAutofit/>
+          </a:bodyPr>
+          <a:lstStyle/>
+          <a:p>
+            <a:pPr marL="82296" indent="0">
+              <a:buNone/>
+            </a:pPr>
+            <a:r>
+              <a:rPr lang="en-US" altLang="ja-JP" sz="4000" b="1" dirty="0" err="1" smtClean="0">
+                <a:latin typeface="メイリオ" panose="020B0604030504040204" pitchFamily="50" charset="-128"/>
+                <a:ea typeface="メイリオ" panose="020B0604030504040204" pitchFamily="50" charset="-128"/>
+                <a:cs typeface="メイリオ" panose="020B0604030504040204" pitchFamily="50" charset="-128"/>
+              </a:rPr>
+              <a:t>ConEmu</a:t>
+            </a:r>
+            <a:endParaRPr lang="en-US" altLang="ja-JP" sz="4000" b="1" dirty="0" smtClean="0">
+              <a:latin typeface="メイリオ" panose="020B0604030504040204" pitchFamily="50" charset="-128"/>
+              <a:ea typeface="メイリオ" panose="020B0604030504040204" pitchFamily="50" charset="-128"/>
+              <a:cs typeface="メイリオ" panose="020B0604030504040204" pitchFamily="50" charset="-128"/>
+            </a:endParaRPr>
+          </a:p>
+          <a:p>
+            <a:pPr marL="82296" indent="0">
+              <a:buNone/>
+            </a:pPr>
+            <a:r>
+              <a:rPr lang="ja-JP" altLang="en-US" dirty="0" smtClean="0">
+                <a:latin typeface="メイリオ" panose="020B0604030504040204" pitchFamily="50" charset="-128"/>
+                <a:ea typeface="メイリオ" panose="020B0604030504040204" pitchFamily="50" charset="-128"/>
+                <a:cs typeface="メイリオ" panose="020B0604030504040204" pitchFamily="50" charset="-128"/>
+              </a:rPr>
+              <a:t>色々便利な</a:t>
+            </a:r>
+            <a:r>
+              <a:rPr lang="en-US" altLang="ja-JP" dirty="0" smtClean="0">
+                <a:latin typeface="メイリオ" panose="020B0604030504040204" pitchFamily="50" charset="-128"/>
+                <a:ea typeface="メイリオ" panose="020B0604030504040204" pitchFamily="50" charset="-128"/>
+                <a:cs typeface="メイリオ" panose="020B0604030504040204" pitchFamily="50" charset="-128"/>
+              </a:rPr>
+              <a:t>Windows</a:t>
+            </a:r>
+            <a:r>
+              <a:rPr lang="ja-JP" altLang="en-US" dirty="0" smtClean="0">
+                <a:latin typeface="メイリオ" panose="020B0604030504040204" pitchFamily="50" charset="-128"/>
+                <a:ea typeface="メイリオ" panose="020B0604030504040204" pitchFamily="50" charset="-128"/>
+                <a:cs typeface="メイリオ" panose="020B0604030504040204" pitchFamily="50" charset="-128"/>
+              </a:rPr>
+              <a:t>用</a:t>
+            </a:r>
+            <a:r>
+              <a:rPr lang="ja-JP" altLang="en-US" dirty="0" smtClean="0">
+                <a:latin typeface="メイリオ" panose="020B0604030504040204" pitchFamily="50" charset="-128"/>
+                <a:ea typeface="メイリオ" panose="020B0604030504040204" pitchFamily="50" charset="-128"/>
+                <a:cs typeface="メイリオ" panose="020B0604030504040204" pitchFamily="50" charset="-128"/>
+              </a:rPr>
+              <a:t>の</a:t>
+            </a:r>
+            <a:endParaRPr lang="en-US" altLang="ja-JP" dirty="0" smtClean="0">
+              <a:latin typeface="メイリオ" panose="020B0604030504040204" pitchFamily="50" charset="-128"/>
+              <a:ea typeface="メイリオ" panose="020B0604030504040204" pitchFamily="50" charset="-128"/>
+              <a:cs typeface="メイリオ" panose="020B0604030504040204" pitchFamily="50" charset="-128"/>
+            </a:endParaRPr>
+          </a:p>
+          <a:p>
+            <a:pPr marL="82296" indent="0">
+              <a:buNone/>
+            </a:pPr>
+            <a:r>
+              <a:rPr lang="ja-JP" altLang="en-US" dirty="0" smtClean="0">
+                <a:latin typeface="メイリオ" panose="020B0604030504040204" pitchFamily="50" charset="-128"/>
+                <a:ea typeface="メイリオ" panose="020B0604030504040204" pitchFamily="50" charset="-128"/>
+                <a:cs typeface="メイリオ" panose="020B0604030504040204" pitchFamily="50" charset="-128"/>
+              </a:rPr>
+              <a:t>コンソールエミュレータ</a:t>
+            </a:r>
+            <a:endParaRPr lang="en-US" altLang="ja-JP" dirty="0" smtClean="0">
+              <a:latin typeface="メイリオ" panose="020B0604030504040204" pitchFamily="50" charset="-128"/>
+              <a:ea typeface="メイリオ" panose="020B0604030504040204" pitchFamily="50" charset="-128"/>
+              <a:cs typeface="メイリオ" panose="020B0604030504040204" pitchFamily="50" charset="-128"/>
+            </a:endParaRPr>
+          </a:p>
+          <a:p>
+            <a:pPr marL="82296" indent="0">
+              <a:buNone/>
+            </a:pPr>
+            <a:endParaRPr lang="en-US" altLang="ja-JP" dirty="0">
+              <a:latin typeface="メイリオ" panose="020B0604030504040204" pitchFamily="50" charset="-128"/>
+              <a:ea typeface="メイリオ" panose="020B0604030504040204" pitchFamily="50" charset="-128"/>
+              <a:cs typeface="メイリオ" panose="020B0604030504040204" pitchFamily="50" charset="-128"/>
+            </a:endParaRPr>
+          </a:p>
+          <a:p>
+            <a:pPr marL="82296" indent="0">
+              <a:buNone/>
+            </a:pPr>
+            <a:r>
+              <a:rPr lang="ja-JP" altLang="en-US" dirty="0" smtClean="0">
+                <a:latin typeface="メイリオ" panose="020B0604030504040204" pitchFamily="50" charset="-128"/>
+                <a:ea typeface="メイリオ" panose="020B0604030504040204" pitchFamily="50" charset="-128"/>
+                <a:cs typeface="メイリオ" panose="020B0604030504040204" pitchFamily="50" charset="-128"/>
+              </a:rPr>
+              <a:t>・コンソールのタブ化</a:t>
+            </a:r>
+            <a:endParaRPr lang="en-US" altLang="ja-JP" dirty="0" smtClean="0">
+              <a:latin typeface="メイリオ" panose="020B0604030504040204" pitchFamily="50" charset="-128"/>
+              <a:ea typeface="メイリオ" panose="020B0604030504040204" pitchFamily="50" charset="-128"/>
+              <a:cs typeface="メイリオ" panose="020B0604030504040204" pitchFamily="50" charset="-128"/>
+            </a:endParaRPr>
+          </a:p>
+          <a:p>
+            <a:pPr marL="82296" indent="0">
+              <a:buNone/>
+            </a:pPr>
+            <a:r>
+              <a:rPr lang="ja-JP" altLang="en-US" dirty="0" smtClean="0">
+                <a:latin typeface="メイリオ" panose="020B0604030504040204" pitchFamily="50" charset="-128"/>
+                <a:ea typeface="メイリオ" panose="020B0604030504040204" pitchFamily="50" charset="-128"/>
+                <a:cs typeface="メイリオ" panose="020B0604030504040204" pitchFamily="50" charset="-128"/>
+              </a:rPr>
+              <a:t>・便利な操作性</a:t>
+            </a:r>
+            <a:endParaRPr lang="en-US" altLang="ja-JP" dirty="0" smtClean="0">
+              <a:latin typeface="メイリオ" panose="020B0604030504040204" pitchFamily="50" charset="-128"/>
+              <a:ea typeface="メイリオ" panose="020B0604030504040204" pitchFamily="50" charset="-128"/>
+              <a:cs typeface="メイリオ" panose="020B0604030504040204" pitchFamily="50" charset="-128"/>
+            </a:endParaRPr>
+          </a:p>
+          <a:p>
+            <a:pPr marL="82296" indent="0">
+              <a:buNone/>
+            </a:pPr>
+            <a:r>
+              <a:rPr lang="ja-JP" altLang="en-US" dirty="0" smtClean="0">
+                <a:latin typeface="メイリオ" panose="020B0604030504040204" pitchFamily="50" charset="-128"/>
+                <a:ea typeface="メイリオ" panose="020B0604030504040204" pitchFamily="50" charset="-128"/>
+                <a:cs typeface="メイリオ" panose="020B0604030504040204" pitchFamily="50" charset="-128"/>
+              </a:rPr>
+              <a:t>・豊富な設定項目</a:t>
+            </a:r>
+            <a:endParaRPr lang="en-US" altLang="ja-JP" dirty="0" smtClean="0">
+              <a:latin typeface="メイリオ" panose="020B0604030504040204" pitchFamily="50" charset="-128"/>
+              <a:ea typeface="メイリオ" panose="020B0604030504040204" pitchFamily="50" charset="-128"/>
+              <a:cs typeface="メイリオ" panose="020B0604030504040204" pitchFamily="50" charset="-128"/>
+            </a:endParaRPr>
+          </a:p>
+          <a:p>
+            <a:pPr marL="82296" indent="0" algn="ctr">
+              <a:buNone/>
+            </a:pPr>
+            <a:r>
+              <a:rPr lang="ja-JP" altLang="en-US" sz="6000" b="1" dirty="0" smtClean="0">
+                <a:solidFill>
+                  <a:srgbClr val="FF0000"/>
+                </a:solidFill>
+                <a:latin typeface="メイリオ" panose="020B0604030504040204" pitchFamily="50" charset="-128"/>
+                <a:ea typeface="メイリオ" panose="020B0604030504040204" pitchFamily="50" charset="-128"/>
+                <a:cs typeface="メイリオ" panose="020B0604030504040204" pitchFamily="50" charset="-128"/>
+              </a:rPr>
+              <a:t>便利</a:t>
+            </a:r>
+            <a:endParaRPr lang="en-US" altLang="ja-JP" sz="6000" b="1" dirty="0" smtClean="0">
+              <a:solidFill>
+                <a:srgbClr val="FF0000"/>
+              </a:solidFill>
+              <a:latin typeface="メイリオ" panose="020B0604030504040204" pitchFamily="50" charset="-128"/>
+              <a:ea typeface="メイリオ" panose="020B0604030504040204" pitchFamily="50" charset="-128"/>
+              <a:cs typeface="メイリオ" panose="020B0604030504040204" pitchFamily="50" charset="-128"/>
+            </a:endParaRPr>
+          </a:p>
+        </p:txBody>
+      </p:sp>
+    </p:spTree>
+    <p:extLst>
+      <p:ext uri="{BB962C8B-B14F-4D97-AF65-F5344CB8AC3E}">
+        <p14:creationId xmlns:p14="http://schemas.microsoft.com/office/powerpoint/2010/main" val="3036703661"/>
+      </p:ext>
+    </p:extLst>
+  </p:cSld>
+  <p:clrMapOvr>
+    <a:masterClrMapping/>
+  </p:clrMapOvr>
+  <p:timing>
+    <p:tnLst>
+      <p:par>
+        <p:cTn id="1" dur="indefinite" restart="never" nodeType="tmRoot"/>
+      </p:par>
+    </p:tnLst>
+  </p:timing>
+</p:sld>
+</file>
+
+<file path=ppt/slides/slide9.xml><?xml version="1.0" encoding="utf-8"?>
+<p:sld xmlns:a="http://schemas.openxmlformats.org/drawingml/2006/main" xmlns:r="http://schemas.openxmlformats.org/officeDocument/2006/relationships" xmlns:p="http://schemas.openxmlformats.org/presentationml/2006/main">
+  <p:cSld>
+    <p:spTree>
+      <p:nvGrpSpPr>
+        <p:cNvPr id="1" name=""/>
+        <p:cNvGrpSpPr/>
+        <p:nvPr/>
+      </p:nvGrpSpPr>
+      <p:grpSpPr>
+        <a:xfrm>
+          <a:off x="0" y="0"/>
+          <a:ext cx="0" cy="0"/>
+          <a:chOff x="0" y="0"/>
+          <a:chExt cx="0" cy="0"/>
+        </a:xfrm>
+      </p:grpSpPr>
+      <p:sp>
+        <p:nvSpPr>
+          <p:cNvPr id="12" name="タイトル 1"/>
+          <p:cNvSpPr>
+            <a:spLocks noGrp="1"/>
+          </p:cNvSpPr>
+          <p:nvPr>
+            <p:ph type="title"/>
+          </p:nvPr>
+        </p:nvSpPr>
+        <p:spPr/>
+        <p:txBody>
+          <a:bodyPr/>
+          <a:lstStyle/>
+          <a:p>
+            <a:r>
+              <a:rPr kumimoji="1" lang="ja-JP" altLang="en-US" dirty="0" smtClean="0">
+                <a:latin typeface="メイリオ" panose="020B0604030504040204" pitchFamily="50" charset="-128"/>
+                <a:ea typeface="メイリオ" panose="020B0604030504040204" pitchFamily="50" charset="-128"/>
+                <a:cs typeface="メイリオ" panose="020B0604030504040204" pitchFamily="50" charset="-128"/>
+              </a:rPr>
+              <a:t>背景</a:t>
+            </a:r>
+            <a:endParaRPr kumimoji="1" lang="ja-JP" altLang="en-US" dirty="0">
+              <a:latin typeface="メイリオ" panose="020B0604030504040204" pitchFamily="50" charset="-128"/>
+              <a:ea typeface="メイリオ" panose="020B0604030504040204" pitchFamily="50" charset="-128"/>
+              <a:cs typeface="メイリオ" panose="020B0604030504040204" pitchFamily="50" charset="-128"/>
+            </a:endParaRPr>
+          </a:p>
+        </p:txBody>
+      </p:sp>
+      <p:sp>
+        <p:nvSpPr>
+          <p:cNvPr id="13" name="コンテンツ プレースホルダー 2"/>
+          <p:cNvSpPr>
+            <a:spLocks noGrp="1"/>
+          </p:cNvSpPr>
+          <p:nvPr>
+            <p:ph idx="1"/>
+          </p:nvPr>
+        </p:nvSpPr>
+        <p:spPr>
+          <a:xfrm>
+            <a:off x="1115616" y="1124744"/>
+            <a:ext cx="7818072" cy="5544616"/>
+          </a:xfrm>
+        </p:spPr>
+        <p:txBody>
+          <a:bodyPr>
+            <a:normAutofit lnSpcReduction="10000"/>
+          </a:bodyPr>
+          <a:lstStyle/>
+          <a:p>
+            <a:pPr marL="82296" indent="0">
+              <a:buNone/>
+            </a:pPr>
+            <a:r>
+              <a:rPr lang="ja-JP" altLang="en-US" dirty="0">
+                <a:latin typeface="メイリオ" panose="020B0604030504040204" pitchFamily="50" charset="-128"/>
+                <a:ea typeface="メイリオ" panose="020B0604030504040204" pitchFamily="50" charset="-128"/>
+                <a:cs typeface="メイリオ" panose="020B0604030504040204" pitchFamily="50" charset="-128"/>
+              </a:rPr>
+              <a:t>この後の</a:t>
+            </a:r>
+            <a:r>
+              <a:rPr lang="ja-JP" altLang="en-US" dirty="0" smtClean="0">
+                <a:latin typeface="メイリオ" panose="020B0604030504040204" pitchFamily="50" charset="-128"/>
+                <a:ea typeface="メイリオ" panose="020B0604030504040204" pitchFamily="50" charset="-128"/>
+                <a:cs typeface="メイリオ" panose="020B0604030504040204" pitchFamily="50" charset="-128"/>
+              </a:rPr>
+              <a:t>流れ</a:t>
+            </a:r>
+            <a:endParaRPr lang="en-US" altLang="ja-JP" dirty="0" smtClean="0">
+              <a:latin typeface="メイリオ" panose="020B0604030504040204" pitchFamily="50" charset="-128"/>
+              <a:ea typeface="メイリオ" panose="020B0604030504040204" pitchFamily="50" charset="-128"/>
+              <a:cs typeface="メイリオ" panose="020B0604030504040204" pitchFamily="50" charset="-128"/>
+            </a:endParaRPr>
+          </a:p>
+          <a:p>
+            <a:pPr marL="82296" indent="0">
+              <a:buNone/>
+            </a:pPr>
+            <a:r>
+              <a:rPr lang="ja-JP" altLang="en-US" dirty="0" smtClean="0">
+                <a:latin typeface="メイリオ" panose="020B0604030504040204" pitchFamily="50" charset="-128"/>
+                <a:ea typeface="メイリオ" panose="020B0604030504040204" pitchFamily="50" charset="-128"/>
+                <a:cs typeface="メイリオ" panose="020B0604030504040204" pitchFamily="50" charset="-128"/>
+              </a:rPr>
+              <a:t>・</a:t>
+            </a:r>
+            <a:r>
+              <a:rPr lang="en-US" altLang="ja-JP" dirty="0" err="1" smtClean="0">
+                <a:latin typeface="メイリオ" panose="020B0604030504040204" pitchFamily="50" charset="-128"/>
+                <a:ea typeface="メイリオ" panose="020B0604030504040204" pitchFamily="50" charset="-128"/>
+                <a:cs typeface="メイリオ" panose="020B0604030504040204" pitchFamily="50" charset="-128"/>
+              </a:rPr>
+              <a:t>cmd</a:t>
+            </a:r>
+            <a:r>
+              <a:rPr lang="ja-JP" altLang="en-US" dirty="0" smtClean="0">
+                <a:latin typeface="メイリオ" panose="020B0604030504040204" pitchFamily="50" charset="-128"/>
+                <a:ea typeface="メイリオ" panose="020B0604030504040204" pitchFamily="50" charset="-128"/>
+                <a:cs typeface="メイリオ" panose="020B0604030504040204" pitchFamily="50" charset="-128"/>
+              </a:rPr>
+              <a:t>改造計画</a:t>
+            </a:r>
+            <a:endParaRPr lang="en-US" altLang="ja-JP" dirty="0" smtClean="0">
+              <a:latin typeface="メイリオ" panose="020B0604030504040204" pitchFamily="50" charset="-128"/>
+              <a:ea typeface="メイリオ" panose="020B0604030504040204" pitchFamily="50" charset="-128"/>
+              <a:cs typeface="メイリオ" panose="020B0604030504040204" pitchFamily="50" charset="-128"/>
+            </a:endParaRPr>
+          </a:p>
+          <a:p>
+            <a:pPr marL="82296" indent="0">
+              <a:buNone/>
+            </a:pPr>
+            <a:r>
+              <a:rPr lang="ja-JP" altLang="en-US" dirty="0" smtClean="0">
+                <a:latin typeface="メイリオ" panose="020B0604030504040204" pitchFamily="50" charset="-128"/>
+                <a:ea typeface="メイリオ" panose="020B0604030504040204" pitchFamily="50" charset="-128"/>
+                <a:cs typeface="メイリオ" panose="020B0604030504040204" pitchFamily="50" charset="-128"/>
+              </a:rPr>
+              <a:t>・</a:t>
+            </a:r>
+            <a:r>
+              <a:rPr lang="en-US" altLang="ja-JP" dirty="0" smtClean="0">
+                <a:latin typeface="メイリオ" panose="020B0604030504040204" pitchFamily="50" charset="-128"/>
+                <a:ea typeface="メイリオ" panose="020B0604030504040204" pitchFamily="50" charset="-128"/>
+                <a:cs typeface="メイリオ" panose="020B0604030504040204" pitchFamily="50" charset="-128"/>
+              </a:rPr>
+              <a:t>nemo</a:t>
+            </a:r>
+            <a:r>
+              <a:rPr lang="ja-JP" altLang="en-US" dirty="0" err="1" smtClean="0">
+                <a:latin typeface="メイリオ" panose="020B0604030504040204" pitchFamily="50" charset="-128"/>
+                <a:ea typeface="メイリオ" panose="020B0604030504040204" pitchFamily="50" charset="-128"/>
+                <a:cs typeface="メイリオ" panose="020B0604030504040204" pitchFamily="50" charset="-128"/>
+              </a:rPr>
+              <a:t>さん</a:t>
+            </a:r>
+            <a:r>
+              <a:rPr lang="ja-JP" altLang="en-US" dirty="0" smtClean="0">
+                <a:latin typeface="メイリオ" panose="020B0604030504040204" pitchFamily="50" charset="-128"/>
+                <a:ea typeface="メイリオ" panose="020B0604030504040204" pitchFamily="50" charset="-128"/>
+                <a:cs typeface="メイリオ" panose="020B0604030504040204" pitchFamily="50" charset="-128"/>
+              </a:rPr>
+              <a:t>が</a:t>
+            </a:r>
+            <a:r>
+              <a:rPr lang="en-US" altLang="ja-JP" dirty="0" err="1" smtClean="0">
+                <a:latin typeface="メイリオ" panose="020B0604030504040204" pitchFamily="50" charset="-128"/>
+                <a:ea typeface="メイリオ" panose="020B0604030504040204" pitchFamily="50" charset="-128"/>
+                <a:cs typeface="メイリオ" panose="020B0604030504040204" pitchFamily="50" charset="-128"/>
+              </a:rPr>
+              <a:t>conemu</a:t>
+            </a:r>
+            <a:r>
+              <a:rPr lang="ja-JP" altLang="en-US" dirty="0" smtClean="0">
+                <a:latin typeface="メイリオ" panose="020B0604030504040204" pitchFamily="50" charset="-128"/>
+                <a:ea typeface="メイリオ" panose="020B0604030504040204" pitchFamily="50" charset="-128"/>
+                <a:cs typeface="メイリオ" panose="020B0604030504040204" pitchFamily="50" charset="-128"/>
+              </a:rPr>
+              <a:t>いいぞって言ってた</a:t>
+            </a:r>
+            <a:endParaRPr lang="en-US" altLang="ja-JP" dirty="0">
+              <a:latin typeface="メイリオ" panose="020B0604030504040204" pitchFamily="50" charset="-128"/>
+              <a:ea typeface="メイリオ" panose="020B0604030504040204" pitchFamily="50" charset="-128"/>
+              <a:cs typeface="メイリオ" panose="020B0604030504040204" pitchFamily="50" charset="-128"/>
+            </a:endParaRPr>
+          </a:p>
+          <a:p>
+            <a:pPr marL="82296" indent="0">
+              <a:buNone/>
+            </a:pPr>
+            <a:r>
+              <a:rPr lang="ja-JP" altLang="en-US" dirty="0">
+                <a:latin typeface="メイリオ" panose="020B0604030504040204" pitchFamily="50" charset="-128"/>
+                <a:ea typeface="メイリオ" panose="020B0604030504040204" pitchFamily="50" charset="-128"/>
+                <a:cs typeface="メイリオ" panose="020B0604030504040204" pitchFamily="50" charset="-128"/>
+              </a:rPr>
+              <a:t>・</a:t>
+            </a:r>
+            <a:r>
+              <a:rPr lang="ja-JP" altLang="en-US" dirty="0" smtClean="0">
+                <a:latin typeface="メイリオ" panose="020B0604030504040204" pitchFamily="50" charset="-128"/>
+                <a:ea typeface="メイリオ" panose="020B0604030504040204" pitchFamily="50" charset="-128"/>
+                <a:cs typeface="メイリオ" panose="020B0604030504040204" pitchFamily="50" charset="-128"/>
+              </a:rPr>
+              <a:t>いれよう→すばらしい・・・</a:t>
+            </a:r>
+            <a:endParaRPr lang="en-US" altLang="ja-JP" dirty="0">
+              <a:latin typeface="メイリオ" panose="020B0604030504040204" pitchFamily="50" charset="-128"/>
+              <a:ea typeface="メイリオ" panose="020B0604030504040204" pitchFamily="50" charset="-128"/>
+              <a:cs typeface="メイリオ" panose="020B0604030504040204" pitchFamily="50" charset="-128"/>
+            </a:endParaRPr>
+          </a:p>
+          <a:p>
+            <a:pPr marL="82296" indent="0">
+              <a:buNone/>
+            </a:pPr>
+            <a:r>
+              <a:rPr lang="ja-JP" altLang="en-US" dirty="0" smtClean="0">
+                <a:latin typeface="メイリオ" panose="020B0604030504040204" pitchFamily="50" charset="-128"/>
+                <a:ea typeface="メイリオ" panose="020B0604030504040204" pitchFamily="50" charset="-128"/>
+                <a:cs typeface="メイリオ" panose="020B0604030504040204" pitchFamily="50" charset="-128"/>
+              </a:rPr>
+              <a:t>・</a:t>
+            </a:r>
+            <a:r>
+              <a:rPr lang="en-US" altLang="ja-JP" dirty="0" smtClean="0">
+                <a:latin typeface="メイリオ" panose="020B0604030504040204" pitchFamily="50" charset="-128"/>
+                <a:ea typeface="メイリオ" panose="020B0604030504040204" pitchFamily="50" charset="-128"/>
+                <a:cs typeface="メイリオ" panose="020B0604030504040204" pitchFamily="50" charset="-128"/>
+              </a:rPr>
+              <a:t>GOW</a:t>
+            </a:r>
+            <a:r>
+              <a:rPr lang="ja-JP" altLang="en-US" dirty="0" smtClean="0">
+                <a:latin typeface="メイリオ" panose="020B0604030504040204" pitchFamily="50" charset="-128"/>
+                <a:ea typeface="メイリオ" panose="020B0604030504040204" pitchFamily="50" charset="-128"/>
+                <a:cs typeface="メイリオ" panose="020B0604030504040204" pitchFamily="50" charset="-128"/>
+              </a:rPr>
+              <a:t>いいぞって言ってた</a:t>
+            </a:r>
+            <a:endParaRPr lang="en-US" altLang="ja-JP" dirty="0" smtClean="0">
+              <a:latin typeface="メイリオ" panose="020B0604030504040204" pitchFamily="50" charset="-128"/>
+              <a:ea typeface="メイリオ" panose="020B0604030504040204" pitchFamily="50" charset="-128"/>
+              <a:cs typeface="メイリオ" panose="020B0604030504040204" pitchFamily="50" charset="-128"/>
+            </a:endParaRPr>
+          </a:p>
+          <a:p>
+            <a:pPr marL="82296" indent="0">
+              <a:buNone/>
+            </a:pPr>
+            <a:r>
+              <a:rPr lang="ja-JP" altLang="en-US" dirty="0" smtClean="0">
+                <a:latin typeface="メイリオ" panose="020B0604030504040204" pitchFamily="50" charset="-128"/>
+                <a:ea typeface="メイリオ" panose="020B0604030504040204" pitchFamily="50" charset="-128"/>
+                <a:cs typeface="メイリオ" panose="020B0604030504040204" pitchFamily="50" charset="-128"/>
+              </a:rPr>
+              <a:t>・いれよう→すばらしい・・・</a:t>
+            </a:r>
+            <a:endParaRPr lang="en-US" altLang="ja-JP" dirty="0" smtClean="0">
+              <a:latin typeface="メイリオ" panose="020B0604030504040204" pitchFamily="50" charset="-128"/>
+              <a:ea typeface="メイリオ" panose="020B0604030504040204" pitchFamily="50" charset="-128"/>
+              <a:cs typeface="メイリオ" panose="020B0604030504040204" pitchFamily="50" charset="-128"/>
+            </a:endParaRPr>
+          </a:p>
+          <a:p>
+            <a:pPr marL="82296" indent="0">
+              <a:buNone/>
+            </a:pPr>
+            <a:r>
+              <a:rPr lang="ja-JP" altLang="en-US" dirty="0" smtClean="0">
+                <a:latin typeface="メイリオ" panose="020B0604030504040204" pitchFamily="50" charset="-128"/>
+                <a:ea typeface="メイリオ" panose="020B0604030504040204" pitchFamily="50" charset="-128"/>
+                <a:cs typeface="メイリオ" panose="020B0604030504040204" pitchFamily="50" charset="-128"/>
+              </a:rPr>
+              <a:t>・なんか文字化けする→</a:t>
+            </a:r>
+            <a:r>
+              <a:rPr lang="ja-JP" altLang="en-US" dirty="0" err="1" smtClean="0">
+                <a:latin typeface="メイリオ" panose="020B0604030504040204" pitchFamily="50" charset="-128"/>
+                <a:ea typeface="メイリオ" panose="020B0604030504040204" pitchFamily="50" charset="-128"/>
+                <a:cs typeface="メイリオ" panose="020B0604030504040204" pitchFamily="50" charset="-128"/>
+              </a:rPr>
+              <a:t>にゃ</a:t>
+            </a:r>
+            <a:r>
+              <a:rPr lang="ja-JP" altLang="en-US" dirty="0" smtClean="0">
+                <a:latin typeface="メイリオ" panose="020B0604030504040204" pitchFamily="50" charset="-128"/>
+                <a:ea typeface="メイリオ" panose="020B0604030504040204" pitchFamily="50" charset="-128"/>
+                <a:cs typeface="メイリオ" panose="020B0604030504040204" pitchFamily="50" charset="-128"/>
+              </a:rPr>
+              <a:t>おす</a:t>
+            </a:r>
+            <a:endParaRPr lang="en-US" altLang="ja-JP" dirty="0" smtClean="0">
+              <a:latin typeface="メイリオ" panose="020B0604030504040204" pitchFamily="50" charset="-128"/>
+              <a:ea typeface="メイリオ" panose="020B0604030504040204" pitchFamily="50" charset="-128"/>
+              <a:cs typeface="メイリオ" panose="020B0604030504040204" pitchFamily="50" charset="-128"/>
+            </a:endParaRPr>
+          </a:p>
+          <a:p>
+            <a:pPr marL="82296" indent="0">
+              <a:buNone/>
+            </a:pPr>
+            <a:r>
+              <a:rPr lang="en-US" altLang="ja-JP" dirty="0" err="1" smtClean="0">
+                <a:latin typeface="メイリオ" panose="020B0604030504040204" pitchFamily="50" charset="-128"/>
+                <a:ea typeface="メイリオ" panose="020B0604030504040204" pitchFamily="50" charset="-128"/>
+                <a:cs typeface="メイリオ" panose="020B0604030504040204" pitchFamily="50" charset="-128"/>
+              </a:rPr>
+              <a:t>Gow</a:t>
+            </a:r>
+            <a:r>
+              <a:rPr lang="ja-JP" altLang="en-US" dirty="0" smtClean="0">
+                <a:latin typeface="メイリオ" panose="020B0604030504040204" pitchFamily="50" charset="-128"/>
+                <a:ea typeface="メイリオ" panose="020B0604030504040204" pitchFamily="50" charset="-128"/>
+                <a:cs typeface="メイリオ" panose="020B0604030504040204" pitchFamily="50" charset="-128"/>
+              </a:rPr>
+              <a:t>に</a:t>
+            </a:r>
+            <a:r>
+              <a:rPr lang="en-US" altLang="ja-JP" dirty="0" smtClean="0">
+                <a:latin typeface="メイリオ" panose="020B0604030504040204" pitchFamily="50" charset="-128"/>
+                <a:ea typeface="メイリオ" panose="020B0604030504040204" pitchFamily="50" charset="-128"/>
+                <a:cs typeface="メイリオ" panose="020B0604030504040204" pitchFamily="50" charset="-128"/>
+              </a:rPr>
+              <a:t>vim</a:t>
+            </a:r>
+            <a:r>
+              <a:rPr lang="ja-JP" altLang="en-US" dirty="0" smtClean="0">
+                <a:latin typeface="メイリオ" panose="020B0604030504040204" pitchFamily="50" charset="-128"/>
+                <a:ea typeface="メイリオ" panose="020B0604030504040204" pitchFamily="50" charset="-128"/>
+                <a:cs typeface="メイリオ" panose="020B0604030504040204" pitchFamily="50" charset="-128"/>
+              </a:rPr>
+              <a:t>がはいっててすごくいい。</a:t>
+            </a:r>
+            <a:endParaRPr lang="en-US" altLang="ja-JP" dirty="0" smtClean="0">
+              <a:latin typeface="メイリオ" panose="020B0604030504040204" pitchFamily="50" charset="-128"/>
+              <a:ea typeface="メイリオ" panose="020B0604030504040204" pitchFamily="50" charset="-128"/>
+              <a:cs typeface="メイリオ" panose="020B0604030504040204" pitchFamily="50" charset="-128"/>
+            </a:endParaRPr>
+          </a:p>
+          <a:p>
+            <a:pPr marL="82296" indent="0">
+              <a:buNone/>
+            </a:pPr>
+            <a:r>
+              <a:rPr lang="ja-JP" altLang="en-US" dirty="0" smtClean="0">
+                <a:latin typeface="メイリオ" panose="020B0604030504040204" pitchFamily="50" charset="-128"/>
+                <a:ea typeface="メイリオ" panose="020B0604030504040204" pitchFamily="50" charset="-128"/>
+                <a:cs typeface="メイリオ" panose="020B0604030504040204" pitchFamily="50" charset="-128"/>
+              </a:rPr>
+              <a:t>→使ってみよう→第二部へ</a:t>
+            </a:r>
+            <a:endParaRPr lang="en-US" altLang="ja-JP" dirty="0" smtClean="0">
+              <a:latin typeface="メイリオ" panose="020B0604030504040204" pitchFamily="50" charset="-128"/>
+              <a:ea typeface="メイリオ" panose="020B0604030504040204" pitchFamily="50" charset="-128"/>
+              <a:cs typeface="メイリオ" panose="020B0604030504040204" pitchFamily="50" charset="-128"/>
+            </a:endParaRPr>
+          </a:p>
+        </p:txBody>
+      </p:sp>
+    </p:spTree>
+    <p:extLst>
+      <p:ext uri="{BB962C8B-B14F-4D97-AF65-F5344CB8AC3E}">
+        <p14:creationId xmlns:p14="http://schemas.microsoft.com/office/powerpoint/2010/main" val="3866189211"/>
       </p:ext>
     </p:extLst>
   </p:cSld>

--- a/vimmer.pptx
+++ b/vimmer.pptx
@@ -13,16 +13,25 @@
     <p:sldId id="310" r:id="rId7"/>
     <p:sldId id="299" r:id="rId8"/>
     <p:sldId id="312" r:id="rId9"/>
-    <p:sldId id="311" r:id="rId10"/>
-    <p:sldId id="300" r:id="rId11"/>
-    <p:sldId id="302" r:id="rId12"/>
-    <p:sldId id="301" r:id="rId13"/>
-    <p:sldId id="303" r:id="rId14"/>
-    <p:sldId id="304" r:id="rId15"/>
-    <p:sldId id="305" r:id="rId16"/>
-    <p:sldId id="269" r:id="rId17"/>
-    <p:sldId id="306" r:id="rId18"/>
-    <p:sldId id="276" r:id="rId19"/>
+    <p:sldId id="315" r:id="rId10"/>
+    <p:sldId id="317" r:id="rId11"/>
+    <p:sldId id="316" r:id="rId12"/>
+    <p:sldId id="318" r:id="rId13"/>
+    <p:sldId id="319" r:id="rId14"/>
+    <p:sldId id="311" r:id="rId15"/>
+    <p:sldId id="320" r:id="rId16"/>
+    <p:sldId id="321" r:id="rId17"/>
+    <p:sldId id="300" r:id="rId18"/>
+    <p:sldId id="302" r:id="rId19"/>
+    <p:sldId id="301" r:id="rId20"/>
+    <p:sldId id="303" r:id="rId21"/>
+    <p:sldId id="304" r:id="rId22"/>
+    <p:sldId id="305" r:id="rId23"/>
+    <p:sldId id="269" r:id="rId24"/>
+    <p:sldId id="314" r:id="rId25"/>
+    <p:sldId id="313" r:id="rId26"/>
+    <p:sldId id="276" r:id="rId27"/>
+    <p:sldId id="306" r:id="rId28"/>
   </p:sldIdLst>
   <p:sldSz cx="9144000" cy="6858000" type="screen4x3"/>
   <p:notesSz cx="6858000" cy="9144000"/>
@@ -121,6 +130,22 @@
       </a:defRPr>
     </a:lvl9pPr>
   </p:defaultTextStyle>
+  <p:extLst>
+    <p:ext uri="{EFAFB233-063F-42B5-8137-9DF3F51BA10A}">
+      <p15:sldGuideLst xmlns:p15="http://schemas.microsoft.com/office/powerpoint/2012/main">
+        <p15:guide id="1" orient="horz" pos="2160">
+          <p15:clr>
+            <a:srgbClr val="A4A3A4"/>
+          </p15:clr>
+        </p15:guide>
+        <p15:guide id="2" pos="2880">
+          <p15:clr>
+            <a:srgbClr val="A4A3A4"/>
+          </p15:clr>
+        </p15:guide>
+      </p15:sldGuideLst>
+    </p:ext>
+  </p:extLst>
 </p:presentation>
 </file>
 
@@ -258,7 +283,7 @@
           <a:p>
             <a:fld id="{39378AC4-C49C-4159-B332-7738B007311C}" type="datetimeFigureOut">
               <a:rPr kumimoji="1" lang="ja-JP" altLang="en-US" smtClean="0"/>
-              <a:t>2015/9/1</a:t>
+              <a:t>2015/10/26</a:t>
             </a:fld>
             <a:endParaRPr kumimoji="1" lang="ja-JP" altLang="en-US"/>
           </a:p>
@@ -603,7 +628,7 @@
           <a:p>
             <a:fld id="{39378AC4-C49C-4159-B332-7738B007311C}" type="datetimeFigureOut">
               <a:rPr kumimoji="1" lang="ja-JP" altLang="en-US" smtClean="0"/>
-              <a:t>2015/9/1</a:t>
+              <a:t>2015/10/26</a:t>
             </a:fld>
             <a:endParaRPr kumimoji="1" lang="ja-JP" altLang="en-US"/>
           </a:p>
@@ -820,7 +845,7 @@
           <a:p>
             <a:fld id="{39378AC4-C49C-4159-B332-7738B007311C}" type="datetimeFigureOut">
               <a:rPr kumimoji="1" lang="ja-JP" altLang="en-US" smtClean="0"/>
-              <a:t>2015/9/1</a:t>
+              <a:t>2015/10/26</a:t>
             </a:fld>
             <a:endParaRPr kumimoji="1" lang="ja-JP" altLang="en-US"/>
           </a:p>
@@ -1027,7 +1052,7 @@
           <a:p>
             <a:fld id="{39378AC4-C49C-4159-B332-7738B007311C}" type="datetimeFigureOut">
               <a:rPr kumimoji="1" lang="ja-JP" altLang="en-US" smtClean="0"/>
-              <a:t>2015/9/1</a:t>
+              <a:t>2015/10/26</a:t>
             </a:fld>
             <a:endParaRPr kumimoji="1" lang="ja-JP" altLang="en-US"/>
           </a:p>
@@ -1295,7 +1320,7 @@
           <a:p>
             <a:fld id="{39378AC4-C49C-4159-B332-7738B007311C}" type="datetimeFigureOut">
               <a:rPr kumimoji="1" lang="ja-JP" altLang="en-US" smtClean="0"/>
-              <a:t>2015/9/1</a:t>
+              <a:t>2015/10/26</a:t>
             </a:fld>
             <a:endParaRPr kumimoji="1" lang="ja-JP" altLang="en-US"/>
           </a:p>
@@ -1827,7 +1852,7 @@
           <a:p>
             <a:fld id="{39378AC4-C49C-4159-B332-7738B007311C}" type="datetimeFigureOut">
               <a:rPr kumimoji="1" lang="ja-JP" altLang="en-US" smtClean="0"/>
-              <a:t>2015/9/1</a:t>
+              <a:t>2015/10/26</a:t>
             </a:fld>
             <a:endParaRPr kumimoji="1" lang="ja-JP" altLang="en-US"/>
           </a:p>
@@ -2380,7 +2405,7 @@
           <a:p>
             <a:fld id="{39378AC4-C49C-4159-B332-7738B007311C}" type="datetimeFigureOut">
               <a:rPr kumimoji="1" lang="ja-JP" altLang="en-US" smtClean="0"/>
-              <a:t>2015/9/1</a:t>
+              <a:t>2015/10/26</a:t>
             </a:fld>
             <a:endParaRPr kumimoji="1" lang="ja-JP" altLang="en-US"/>
           </a:p>
@@ -2506,7 +2531,7 @@
           <a:p>
             <a:fld id="{39378AC4-C49C-4159-B332-7738B007311C}" type="datetimeFigureOut">
               <a:rPr kumimoji="1" lang="ja-JP" altLang="en-US" smtClean="0"/>
-              <a:t>2015/9/1</a:t>
+              <a:t>2015/10/26</a:t>
             </a:fld>
             <a:endParaRPr kumimoji="1" lang="ja-JP" altLang="en-US"/>
           </a:p>
@@ -2650,7 +2675,7 @@
           <a:p>
             <a:fld id="{39378AC4-C49C-4159-B332-7738B007311C}" type="datetimeFigureOut">
               <a:rPr kumimoji="1" lang="ja-JP" altLang="en-US" smtClean="0"/>
-              <a:t>2015/9/1</a:t>
+              <a:t>2015/10/26</a:t>
             </a:fld>
             <a:endParaRPr kumimoji="1" lang="ja-JP" altLang="en-US"/>
           </a:p>
@@ -3004,7 +3029,7 @@
           <a:p>
             <a:fld id="{39378AC4-C49C-4159-B332-7738B007311C}" type="datetimeFigureOut">
               <a:rPr kumimoji="1" lang="ja-JP" altLang="en-US" smtClean="0"/>
-              <a:t>2015/9/1</a:t>
+              <a:t>2015/10/26</a:t>
             </a:fld>
             <a:endParaRPr kumimoji="1" lang="ja-JP" altLang="en-US"/>
           </a:p>
@@ -3138,7 +3163,7 @@
           <a:p>
             <a:fld id="{39378AC4-C49C-4159-B332-7738B007311C}" type="datetimeFigureOut">
               <a:rPr kumimoji="1" lang="ja-JP" altLang="en-US" smtClean="0"/>
-              <a:t>2015/9/1</a:t>
+              <a:t>2015/10/26</a:t>
             </a:fld>
             <a:endParaRPr kumimoji="1" lang="ja-JP" altLang="en-US"/>
           </a:p>
@@ -3951,7 +3976,7 @@
           <a:p>
             <a:fld id="{39378AC4-C49C-4159-B332-7738B007311C}" type="datetimeFigureOut">
               <a:rPr kumimoji="1" lang="ja-JP" altLang="en-US" smtClean="0"/>
-              <a:t>2015/9/1</a:t>
+              <a:t>2015/10/26</a:t>
             </a:fld>
             <a:endParaRPr kumimoji="1" lang="ja-JP" altLang="en-US"/>
           </a:p>
@@ -4578,6 +4603,2056 @@
       </p:grpSpPr>
       <p:sp>
         <p:nvSpPr>
+          <p:cNvPr id="12" name="タイトル 1"/>
+          <p:cNvSpPr>
+            <a:spLocks noGrp="1"/>
+          </p:cNvSpPr>
+          <p:nvPr>
+            <p:ph type="title"/>
+          </p:nvPr>
+        </p:nvSpPr>
+        <p:spPr/>
+        <p:txBody>
+          <a:bodyPr/>
+          <a:lstStyle/>
+          <a:p>
+            <a:r>
+              <a:rPr kumimoji="1" lang="ja-JP" altLang="en-US" dirty="0" smtClean="0">
+                <a:latin typeface="メイリオ" panose="020B0604030504040204" pitchFamily="50" charset="-128"/>
+                <a:ea typeface="メイリオ" panose="020B0604030504040204" pitchFamily="50" charset="-128"/>
+                <a:cs typeface="メイリオ" panose="020B0604030504040204" pitchFamily="50" charset="-128"/>
+              </a:rPr>
+              <a:t>コマンドプロンプト改造</a:t>
+            </a:r>
+            <a:endParaRPr kumimoji="1" lang="ja-JP" altLang="en-US" dirty="0">
+              <a:latin typeface="メイリオ" panose="020B0604030504040204" pitchFamily="50" charset="-128"/>
+              <a:ea typeface="メイリオ" panose="020B0604030504040204" pitchFamily="50" charset="-128"/>
+              <a:cs typeface="メイリオ" panose="020B0604030504040204" pitchFamily="50" charset="-128"/>
+            </a:endParaRPr>
+          </a:p>
+        </p:txBody>
+      </p:sp>
+      <p:sp>
+        <p:nvSpPr>
+          <p:cNvPr id="13" name="コンテンツ プレースホルダー 2"/>
+          <p:cNvSpPr>
+            <a:spLocks noGrp="1"/>
+          </p:cNvSpPr>
+          <p:nvPr>
+            <p:ph idx="1"/>
+          </p:nvPr>
+        </p:nvSpPr>
+        <p:spPr>
+          <a:xfrm>
+            <a:off x="1115616" y="1124744"/>
+            <a:ext cx="7818072" cy="5733256"/>
+          </a:xfrm>
+        </p:spPr>
+        <p:txBody>
+          <a:bodyPr>
+            <a:normAutofit/>
+          </a:bodyPr>
+          <a:lstStyle/>
+          <a:p>
+            <a:pPr marL="82296" indent="0">
+              <a:buNone/>
+            </a:pPr>
+            <a:r>
+              <a:rPr lang="en-US" altLang="ja-JP" sz="4000" b="1" dirty="0" err="1" smtClean="0">
+                <a:latin typeface="メイリオ" panose="020B0604030504040204" pitchFamily="50" charset="-128"/>
+                <a:ea typeface="メイリオ" panose="020B0604030504040204" pitchFamily="50" charset="-128"/>
+                <a:cs typeface="メイリオ" panose="020B0604030504040204" pitchFamily="50" charset="-128"/>
+              </a:rPr>
+              <a:t>GitForWindows</a:t>
+            </a:r>
+            <a:endParaRPr lang="en-US" altLang="ja-JP" sz="4000" b="1" dirty="0" smtClean="0">
+              <a:latin typeface="メイリオ" panose="020B0604030504040204" pitchFamily="50" charset="-128"/>
+              <a:ea typeface="メイリオ" panose="020B0604030504040204" pitchFamily="50" charset="-128"/>
+              <a:cs typeface="メイリオ" panose="020B0604030504040204" pitchFamily="50" charset="-128"/>
+            </a:endParaRPr>
+          </a:p>
+          <a:p>
+            <a:pPr marL="82296" indent="0">
+              <a:buNone/>
+            </a:pPr>
+            <a:r>
+              <a:rPr lang="ja-JP" altLang="en-US" dirty="0" smtClean="0">
+                <a:latin typeface="メイリオ" panose="020B0604030504040204" pitchFamily="50" charset="-128"/>
+                <a:ea typeface="メイリオ" panose="020B0604030504040204" pitchFamily="50" charset="-128"/>
+                <a:cs typeface="メイリオ" panose="020B0604030504040204" pitchFamily="50" charset="-128"/>
+              </a:rPr>
+              <a:t>言わずと知れたバージョン管理システム</a:t>
+            </a:r>
+            <a:endParaRPr lang="en-US" altLang="ja-JP" dirty="0" smtClean="0">
+              <a:latin typeface="メイリオ" panose="020B0604030504040204" pitchFamily="50" charset="-128"/>
+              <a:ea typeface="メイリオ" panose="020B0604030504040204" pitchFamily="50" charset="-128"/>
+              <a:cs typeface="メイリオ" panose="020B0604030504040204" pitchFamily="50" charset="-128"/>
+            </a:endParaRPr>
+          </a:p>
+          <a:p>
+            <a:pPr marL="82296" indent="0">
+              <a:buNone/>
+            </a:pPr>
+            <a:r>
+              <a:rPr lang="ja-JP" altLang="en-US" dirty="0" smtClean="0">
+                <a:latin typeface="メイリオ" panose="020B0604030504040204" pitchFamily="50" charset="-128"/>
+                <a:ea typeface="メイリオ" panose="020B0604030504040204" pitchFamily="50" charset="-128"/>
+                <a:cs typeface="メイリオ" panose="020B0604030504040204" pitchFamily="50" charset="-128"/>
+              </a:rPr>
+              <a:t>の、</a:t>
+            </a:r>
+            <a:r>
+              <a:rPr lang="en-US" altLang="ja-JP" dirty="0" smtClean="0">
+                <a:latin typeface="メイリオ" panose="020B0604030504040204" pitchFamily="50" charset="-128"/>
+                <a:ea typeface="メイリオ" panose="020B0604030504040204" pitchFamily="50" charset="-128"/>
+                <a:cs typeface="メイリオ" panose="020B0604030504040204" pitchFamily="50" charset="-128"/>
+              </a:rPr>
+              <a:t>windows</a:t>
+            </a:r>
+            <a:r>
+              <a:rPr lang="ja-JP" altLang="en-US" dirty="0" smtClean="0">
+                <a:latin typeface="メイリオ" panose="020B0604030504040204" pitchFamily="50" charset="-128"/>
+                <a:ea typeface="メイリオ" panose="020B0604030504040204" pitchFamily="50" charset="-128"/>
+                <a:cs typeface="メイリオ" panose="020B0604030504040204" pitchFamily="50" charset="-128"/>
+              </a:rPr>
+              <a:t>用</a:t>
+            </a:r>
+            <a:r>
+              <a:rPr lang="ja-JP" altLang="en-US" dirty="0">
+                <a:latin typeface="メイリオ" panose="020B0604030504040204" pitchFamily="50" charset="-128"/>
+                <a:ea typeface="メイリオ" panose="020B0604030504040204" pitchFamily="50" charset="-128"/>
+                <a:cs typeface="メイリオ" panose="020B0604030504040204" pitchFamily="50" charset="-128"/>
+              </a:rPr>
+              <a:t>プロジェクト</a:t>
+            </a:r>
+            <a:endParaRPr lang="en-US" altLang="ja-JP" dirty="0" smtClean="0">
+              <a:latin typeface="メイリオ" panose="020B0604030504040204" pitchFamily="50" charset="-128"/>
+              <a:ea typeface="メイリオ" panose="020B0604030504040204" pitchFamily="50" charset="-128"/>
+              <a:cs typeface="メイリオ" panose="020B0604030504040204" pitchFamily="50" charset="-128"/>
+            </a:endParaRPr>
+          </a:p>
+          <a:p>
+            <a:pPr marL="82296" indent="0">
+              <a:buNone/>
+            </a:pPr>
+            <a:endParaRPr lang="en-US" altLang="ja-JP" dirty="0" smtClean="0">
+              <a:latin typeface="メイリオ" panose="020B0604030504040204" pitchFamily="50" charset="-128"/>
+              <a:ea typeface="メイリオ" panose="020B0604030504040204" pitchFamily="50" charset="-128"/>
+              <a:cs typeface="メイリオ" panose="020B0604030504040204" pitchFamily="50" charset="-128"/>
+            </a:endParaRPr>
+          </a:p>
+          <a:p>
+            <a:pPr marL="82296" indent="0">
+              <a:buNone/>
+            </a:pPr>
+            <a:r>
+              <a:rPr lang="en-US" altLang="ja-JP" dirty="0" err="1" smtClean="0">
+                <a:latin typeface="メイリオ" panose="020B0604030504040204" pitchFamily="50" charset="-128"/>
+                <a:ea typeface="メイリオ" panose="020B0604030504040204" pitchFamily="50" charset="-128"/>
+                <a:cs typeface="メイリオ" panose="020B0604030504040204" pitchFamily="50" charset="-128"/>
+              </a:rPr>
+              <a:t>unix</a:t>
+            </a:r>
+            <a:r>
+              <a:rPr lang="ja-JP" altLang="en-US" dirty="0" smtClean="0">
+                <a:latin typeface="メイリオ" panose="020B0604030504040204" pitchFamily="50" charset="-128"/>
+                <a:ea typeface="メイリオ" panose="020B0604030504040204" pitchFamily="50" charset="-128"/>
+                <a:cs typeface="メイリオ" panose="020B0604030504040204" pitchFamily="50" charset="-128"/>
+              </a:rPr>
+              <a:t>系コマンドがある程度入ってます</a:t>
+            </a:r>
+            <a:endParaRPr lang="en-US" altLang="ja-JP" dirty="0" smtClean="0">
+              <a:latin typeface="メイリオ" panose="020B0604030504040204" pitchFamily="50" charset="-128"/>
+              <a:ea typeface="メイリオ" panose="020B0604030504040204" pitchFamily="50" charset="-128"/>
+              <a:cs typeface="メイリオ" panose="020B0604030504040204" pitchFamily="50" charset="-128"/>
+            </a:endParaRPr>
+          </a:p>
+          <a:p>
+            <a:pPr marL="82296" indent="0">
+              <a:buNone/>
+            </a:pPr>
+            <a:r>
+              <a:rPr lang="ja-JP" altLang="en-US" dirty="0">
+                <a:latin typeface="メイリオ" panose="020B0604030504040204" pitchFamily="50" charset="-128"/>
+                <a:ea typeface="メイリオ" panose="020B0604030504040204" pitchFamily="50" charset="-128"/>
+                <a:cs typeface="メイリオ" panose="020B0604030504040204" pitchFamily="50" charset="-128"/>
+              </a:rPr>
+              <a:t>（直接の目的とは別ですが）</a:t>
+            </a:r>
+            <a:endParaRPr lang="en-US" altLang="ja-JP" dirty="0">
+              <a:latin typeface="メイリオ" panose="020B0604030504040204" pitchFamily="50" charset="-128"/>
+              <a:ea typeface="メイリオ" panose="020B0604030504040204" pitchFamily="50" charset="-128"/>
+              <a:cs typeface="メイリオ" panose="020B0604030504040204" pitchFamily="50" charset="-128"/>
+            </a:endParaRPr>
+          </a:p>
+          <a:p>
+            <a:pPr marL="82296" indent="0">
+              <a:buNone/>
+            </a:pPr>
+            <a:r>
+              <a:rPr lang="ja-JP" altLang="en-US" dirty="0" smtClean="0">
+                <a:latin typeface="メイリオ" panose="020B0604030504040204" pitchFamily="50" charset="-128"/>
+                <a:ea typeface="メイリオ" panose="020B0604030504040204" pitchFamily="50" charset="-128"/>
+                <a:cs typeface="メイリオ" panose="020B0604030504040204" pitchFamily="50" charset="-128"/>
+              </a:rPr>
+              <a:t>→</a:t>
+            </a:r>
+            <a:r>
+              <a:rPr lang="en-US" altLang="ja-JP" dirty="0" smtClean="0">
+                <a:latin typeface="メイリオ" panose="020B0604030504040204" pitchFamily="50" charset="-128"/>
+                <a:ea typeface="メイリオ" panose="020B0604030504040204" pitchFamily="50" charset="-128"/>
+                <a:cs typeface="メイリオ" panose="020B0604030504040204" pitchFamily="50" charset="-128"/>
+              </a:rPr>
+              <a:t>ls</a:t>
+            </a:r>
+            <a:r>
+              <a:rPr lang="ja-JP" altLang="en-US" dirty="0" smtClean="0">
+                <a:latin typeface="メイリオ" panose="020B0604030504040204" pitchFamily="50" charset="-128"/>
+                <a:ea typeface="メイリオ" panose="020B0604030504040204" pitchFamily="50" charset="-128"/>
+                <a:cs typeface="メイリオ" panose="020B0604030504040204" pitchFamily="50" charset="-128"/>
+              </a:rPr>
+              <a:t>が使える！</a:t>
+            </a:r>
+            <a:r>
+              <a:rPr lang="en-US" altLang="ja-JP" dirty="0" smtClean="0">
+                <a:latin typeface="メイリオ" panose="020B0604030504040204" pitchFamily="50" charset="-128"/>
+                <a:ea typeface="メイリオ" panose="020B0604030504040204" pitchFamily="50" charset="-128"/>
+                <a:cs typeface="メイリオ" panose="020B0604030504040204" pitchFamily="50" charset="-128"/>
+              </a:rPr>
+              <a:t>grep</a:t>
+            </a:r>
+            <a:r>
+              <a:rPr lang="ja-JP" altLang="en-US" dirty="0" smtClean="0">
+                <a:latin typeface="メイリオ" panose="020B0604030504040204" pitchFamily="50" charset="-128"/>
+                <a:ea typeface="メイリオ" panose="020B0604030504040204" pitchFamily="50" charset="-128"/>
+                <a:cs typeface="メイリオ" panose="020B0604030504040204" pitchFamily="50" charset="-128"/>
+              </a:rPr>
+              <a:t>が使える！</a:t>
+            </a:r>
+            <a:endParaRPr lang="en-US" altLang="ja-JP" dirty="0" smtClean="0">
+              <a:latin typeface="メイリオ" panose="020B0604030504040204" pitchFamily="50" charset="-128"/>
+              <a:ea typeface="メイリオ" panose="020B0604030504040204" pitchFamily="50" charset="-128"/>
+              <a:cs typeface="メイリオ" panose="020B0604030504040204" pitchFamily="50" charset="-128"/>
+            </a:endParaRPr>
+          </a:p>
+          <a:p>
+            <a:pPr marL="82296" indent="0">
+              <a:buNone/>
+            </a:pPr>
+            <a:endParaRPr lang="en-US" altLang="ja-JP" dirty="0">
+              <a:latin typeface="メイリオ" panose="020B0604030504040204" pitchFamily="50" charset="-128"/>
+              <a:ea typeface="メイリオ" panose="020B0604030504040204" pitchFamily="50" charset="-128"/>
+              <a:cs typeface="メイリオ" panose="020B0604030504040204" pitchFamily="50" charset="-128"/>
+            </a:endParaRPr>
+          </a:p>
+          <a:p>
+            <a:pPr marL="82296" indent="0">
+              <a:buNone/>
+            </a:pPr>
+            <a:r>
+              <a:rPr lang="en-US" altLang="ja-JP" sz="6000" b="1" dirty="0" smtClean="0">
+                <a:solidFill>
+                  <a:srgbClr val="FF0000"/>
+                </a:solidFill>
+                <a:latin typeface="メイリオ" panose="020B0604030504040204" pitchFamily="50" charset="-128"/>
+                <a:ea typeface="メイリオ" panose="020B0604030504040204" pitchFamily="50" charset="-128"/>
+                <a:cs typeface="メイリオ" panose="020B0604030504040204" pitchFamily="50" charset="-128"/>
+              </a:rPr>
+              <a:t>Vim</a:t>
+            </a:r>
+            <a:r>
+              <a:rPr lang="ja-JP" altLang="en-US" sz="6000" b="1" dirty="0" smtClean="0">
+                <a:solidFill>
+                  <a:srgbClr val="FF0000"/>
+                </a:solidFill>
+                <a:latin typeface="メイリオ" panose="020B0604030504040204" pitchFamily="50" charset="-128"/>
+                <a:ea typeface="メイリオ" panose="020B0604030504040204" pitchFamily="50" charset="-128"/>
+                <a:cs typeface="メイリオ" panose="020B0604030504040204" pitchFamily="50" charset="-128"/>
+              </a:rPr>
+              <a:t>も入ってます</a:t>
+            </a:r>
+            <a:endParaRPr lang="en-US" altLang="ja-JP" sz="6000" b="1" dirty="0" smtClean="0">
+              <a:solidFill>
+                <a:srgbClr val="FF0000"/>
+              </a:solidFill>
+              <a:latin typeface="メイリオ" panose="020B0604030504040204" pitchFamily="50" charset="-128"/>
+              <a:ea typeface="メイリオ" panose="020B0604030504040204" pitchFamily="50" charset="-128"/>
+              <a:cs typeface="メイリオ" panose="020B0604030504040204" pitchFamily="50" charset="-128"/>
+            </a:endParaRPr>
+          </a:p>
+        </p:txBody>
+      </p:sp>
+    </p:spTree>
+    <p:extLst>
+      <p:ext uri="{BB962C8B-B14F-4D97-AF65-F5344CB8AC3E}">
+        <p14:creationId xmlns:p14="http://schemas.microsoft.com/office/powerpoint/2010/main" val="1122481767"/>
+      </p:ext>
+    </p:extLst>
+  </p:cSld>
+  <p:clrMapOvr>
+    <a:masterClrMapping/>
+  </p:clrMapOvr>
+  <p:timing>
+    <p:tnLst>
+      <p:par>
+        <p:cTn id="1" dur="indefinite" restart="never" nodeType="tmRoot"/>
+      </p:par>
+    </p:tnLst>
+  </p:timing>
+</p:sld>
+</file>
+
+<file path=ppt/slides/slide11.xml><?xml version="1.0" encoding="utf-8"?>
+<p:sld xmlns:a="http://schemas.openxmlformats.org/drawingml/2006/main" xmlns:r="http://schemas.openxmlformats.org/officeDocument/2006/relationships" xmlns:p="http://schemas.openxmlformats.org/presentationml/2006/main">
+  <p:cSld>
+    <p:spTree>
+      <p:nvGrpSpPr>
+        <p:cNvPr id="1" name=""/>
+        <p:cNvGrpSpPr/>
+        <p:nvPr/>
+      </p:nvGrpSpPr>
+      <p:grpSpPr>
+        <a:xfrm>
+          <a:off x="0" y="0"/>
+          <a:ext cx="0" cy="0"/>
+          <a:chOff x="0" y="0"/>
+          <a:chExt cx="0" cy="0"/>
+        </a:xfrm>
+      </p:grpSpPr>
+      <p:sp>
+        <p:nvSpPr>
+          <p:cNvPr id="2" name="タイトル 1"/>
+          <p:cNvSpPr>
+            <a:spLocks noGrp="1"/>
+          </p:cNvSpPr>
+          <p:nvPr>
+            <p:ph type="title"/>
+          </p:nvPr>
+        </p:nvSpPr>
+        <p:spPr/>
+        <p:txBody>
+          <a:bodyPr/>
+          <a:lstStyle/>
+          <a:p>
+            <a:r>
+              <a:rPr kumimoji="1" lang="ja-JP" altLang="en-US" smtClean="0">
+                <a:latin typeface="メイリオ" panose="020B0604030504040204" pitchFamily="50" charset="-128"/>
+                <a:ea typeface="メイリオ" panose="020B0604030504040204" pitchFamily="50" charset="-128"/>
+                <a:cs typeface="メイリオ" panose="020B0604030504040204" pitchFamily="50" charset="-128"/>
+              </a:rPr>
+              <a:t>しかし</a:t>
+            </a:r>
+            <a:endParaRPr kumimoji="1" lang="ja-JP" altLang="en-US" dirty="0">
+              <a:latin typeface="メイリオ" panose="020B0604030504040204" pitchFamily="50" charset="-128"/>
+              <a:ea typeface="メイリオ" panose="020B0604030504040204" pitchFamily="50" charset="-128"/>
+              <a:cs typeface="メイリオ" panose="020B0604030504040204" pitchFamily="50" charset="-128"/>
+            </a:endParaRPr>
+          </a:p>
+        </p:txBody>
+      </p:sp>
+      <p:sp>
+        <p:nvSpPr>
+          <p:cNvPr id="7" name="コンテンツ プレースホルダー 2"/>
+          <p:cNvSpPr>
+            <a:spLocks noGrp="1"/>
+          </p:cNvSpPr>
+          <p:nvPr>
+            <p:ph idx="1"/>
+          </p:nvPr>
+        </p:nvSpPr>
+        <p:spPr>
+          <a:xfrm>
+            <a:off x="1115616" y="5949280"/>
+            <a:ext cx="7818072" cy="720080"/>
+          </a:xfrm>
+        </p:spPr>
+        <p:txBody>
+          <a:bodyPr>
+            <a:normAutofit/>
+          </a:bodyPr>
+          <a:lstStyle/>
+          <a:p>
+            <a:pPr marL="82296" indent="0" algn="ctr">
+              <a:buNone/>
+            </a:pPr>
+            <a:r>
+              <a:rPr lang="ja-JP" altLang="en-US" dirty="0">
+                <a:latin typeface="メイリオ" panose="020B0604030504040204" pitchFamily="50" charset="-128"/>
+                <a:ea typeface="メイリオ" panose="020B0604030504040204" pitchFamily="50" charset="-128"/>
+                <a:cs typeface="メイリオ" panose="020B0604030504040204" pitchFamily="50" charset="-128"/>
+              </a:rPr>
+              <a:t>文字化</a:t>
+            </a:r>
+            <a:r>
+              <a:rPr lang="ja-JP" altLang="en-US" dirty="0" smtClean="0">
+                <a:latin typeface="メイリオ" panose="020B0604030504040204" pitchFamily="50" charset="-128"/>
+                <a:ea typeface="メイリオ" panose="020B0604030504040204" pitchFamily="50" charset="-128"/>
+                <a:cs typeface="メイリオ" panose="020B0604030504040204" pitchFamily="50" charset="-128"/>
+              </a:rPr>
+              <a:t>け</a:t>
+            </a:r>
+            <a:endParaRPr lang="en-US" altLang="ja-JP" dirty="0">
+              <a:latin typeface="メイリオ" panose="020B0604030504040204" pitchFamily="50" charset="-128"/>
+              <a:ea typeface="メイリオ" panose="020B0604030504040204" pitchFamily="50" charset="-128"/>
+              <a:cs typeface="メイリオ" panose="020B0604030504040204" pitchFamily="50" charset="-128"/>
+            </a:endParaRPr>
+          </a:p>
+        </p:txBody>
+      </p:sp>
+      <p:pic>
+        <p:nvPicPr>
+          <p:cNvPr id="3" name="図 2"/>
+          <p:cNvPicPr>
+            <a:picLocks noChangeAspect="1"/>
+          </p:cNvPicPr>
+          <p:nvPr/>
+        </p:nvPicPr>
+        <p:blipFill>
+          <a:blip r:embed="rId2">
+            <a:extLst>
+              <a:ext uri="{28A0092B-C50C-407E-A947-70E740481C1C}">
+                <a14:useLocalDpi xmlns:a14="http://schemas.microsoft.com/office/drawing/2010/main" val="0"/>
+              </a:ext>
+            </a:extLst>
+          </a:blip>
+          <a:stretch>
+            <a:fillRect/>
+          </a:stretch>
+        </p:blipFill>
+        <p:spPr>
+          <a:xfrm>
+            <a:off x="1077212" y="1124744"/>
+            <a:ext cx="7952488" cy="4587974"/>
+          </a:xfrm>
+          <a:prstGeom prst="rect">
+            <a:avLst/>
+          </a:prstGeom>
+        </p:spPr>
+      </p:pic>
+    </p:spTree>
+    <p:extLst>
+      <p:ext uri="{BB962C8B-B14F-4D97-AF65-F5344CB8AC3E}">
+        <p14:creationId xmlns:p14="http://schemas.microsoft.com/office/powerpoint/2010/main" val="3795023552"/>
+      </p:ext>
+    </p:extLst>
+  </p:cSld>
+  <p:clrMapOvr>
+    <a:masterClrMapping/>
+  </p:clrMapOvr>
+  <p:timing>
+    <p:tnLst>
+      <p:par>
+        <p:cTn id="1" dur="indefinite" restart="never" nodeType="tmRoot"/>
+      </p:par>
+    </p:tnLst>
+  </p:timing>
+</p:sld>
+</file>
+
+<file path=ppt/slides/slide12.xml><?xml version="1.0" encoding="utf-8"?>
+<p:sld xmlns:a="http://schemas.openxmlformats.org/drawingml/2006/main" xmlns:r="http://schemas.openxmlformats.org/officeDocument/2006/relationships" xmlns:p="http://schemas.openxmlformats.org/presentationml/2006/main">
+  <p:cSld>
+    <p:spTree>
+      <p:nvGrpSpPr>
+        <p:cNvPr id="1" name=""/>
+        <p:cNvGrpSpPr/>
+        <p:nvPr/>
+      </p:nvGrpSpPr>
+      <p:grpSpPr>
+        <a:xfrm>
+          <a:off x="0" y="0"/>
+          <a:ext cx="0" cy="0"/>
+          <a:chOff x="0" y="0"/>
+          <a:chExt cx="0" cy="0"/>
+        </a:xfrm>
+      </p:grpSpPr>
+      <p:sp>
+        <p:nvSpPr>
+          <p:cNvPr id="12" name="タイトル 1"/>
+          <p:cNvSpPr>
+            <a:spLocks noGrp="1"/>
+          </p:cNvSpPr>
+          <p:nvPr>
+            <p:ph type="title"/>
+          </p:nvPr>
+        </p:nvSpPr>
+        <p:spPr/>
+        <p:txBody>
+          <a:bodyPr/>
+          <a:lstStyle/>
+          <a:p>
+            <a:r>
+              <a:rPr kumimoji="1" lang="ja-JP" altLang="en-US" dirty="0" smtClean="0">
+                <a:latin typeface="メイリオ" panose="020B0604030504040204" pitchFamily="50" charset="-128"/>
+                <a:ea typeface="メイリオ" panose="020B0604030504040204" pitchFamily="50" charset="-128"/>
+                <a:cs typeface="メイリオ" panose="020B0604030504040204" pitchFamily="50" charset="-128"/>
+              </a:rPr>
+              <a:t>コマンドプロンプト改造</a:t>
+            </a:r>
+            <a:endParaRPr kumimoji="1" lang="ja-JP" altLang="en-US" dirty="0">
+              <a:latin typeface="メイリオ" panose="020B0604030504040204" pitchFamily="50" charset="-128"/>
+              <a:ea typeface="メイリオ" panose="020B0604030504040204" pitchFamily="50" charset="-128"/>
+              <a:cs typeface="メイリオ" panose="020B0604030504040204" pitchFamily="50" charset="-128"/>
+            </a:endParaRPr>
+          </a:p>
+        </p:txBody>
+      </p:sp>
+      <p:sp>
+        <p:nvSpPr>
+          <p:cNvPr id="13" name="コンテンツ プレースホルダー 2"/>
+          <p:cNvSpPr>
+            <a:spLocks noGrp="1"/>
+          </p:cNvSpPr>
+          <p:nvPr>
+            <p:ph idx="1"/>
+          </p:nvPr>
+        </p:nvSpPr>
+        <p:spPr>
+          <a:xfrm>
+            <a:off x="1115616" y="1124744"/>
+            <a:ext cx="7818072" cy="5733256"/>
+          </a:xfrm>
+        </p:spPr>
+        <p:txBody>
+          <a:bodyPr>
+            <a:normAutofit/>
+          </a:bodyPr>
+          <a:lstStyle/>
+          <a:p>
+            <a:pPr marL="82296" indent="0">
+              <a:buNone/>
+            </a:pPr>
+            <a:r>
+              <a:rPr lang="en-US" altLang="ja-JP" sz="4000" b="1" dirty="0" err="1" smtClean="0">
+                <a:latin typeface="メイリオ" panose="020B0604030504040204" pitchFamily="50" charset="-128"/>
+                <a:ea typeface="メイリオ" panose="020B0604030504040204" pitchFamily="50" charset="-128"/>
+                <a:cs typeface="メイリオ" panose="020B0604030504040204" pitchFamily="50" charset="-128"/>
+              </a:rPr>
+              <a:t>Nyagos</a:t>
+            </a:r>
+            <a:endParaRPr lang="en-US" altLang="ja-JP" sz="4000" b="1" dirty="0" smtClean="0">
+              <a:latin typeface="メイリオ" panose="020B0604030504040204" pitchFamily="50" charset="-128"/>
+              <a:ea typeface="メイリオ" panose="020B0604030504040204" pitchFamily="50" charset="-128"/>
+              <a:cs typeface="メイリオ" panose="020B0604030504040204" pitchFamily="50" charset="-128"/>
+            </a:endParaRPr>
+          </a:p>
+          <a:p>
+            <a:pPr marL="82296" indent="0">
+              <a:buNone/>
+            </a:pPr>
+            <a:r>
+              <a:rPr lang="en-US" altLang="ja-JP" dirty="0" smtClean="0">
+                <a:latin typeface="メイリオ" panose="020B0604030504040204" pitchFamily="50" charset="-128"/>
+                <a:ea typeface="メイリオ" panose="020B0604030504040204" pitchFamily="50" charset="-128"/>
+                <a:cs typeface="メイリオ" panose="020B0604030504040204" pitchFamily="50" charset="-128"/>
+              </a:rPr>
+              <a:t>Unix</a:t>
+            </a:r>
+            <a:r>
+              <a:rPr lang="ja-JP" altLang="en-US" dirty="0" smtClean="0">
+                <a:latin typeface="メイリオ" panose="020B0604030504040204" pitchFamily="50" charset="-128"/>
+                <a:ea typeface="メイリオ" panose="020B0604030504040204" pitchFamily="50" charset="-128"/>
+                <a:cs typeface="メイリオ" panose="020B0604030504040204" pitchFamily="50" charset="-128"/>
+              </a:rPr>
+              <a:t>ライクな日本語</a:t>
+            </a:r>
+            <a:r>
+              <a:rPr lang="ja-JP" altLang="en-US" dirty="0" smtClean="0">
+                <a:latin typeface="メイリオ" panose="020B0604030504040204" pitchFamily="50" charset="-128"/>
+                <a:ea typeface="メイリオ" panose="020B0604030504040204" pitchFamily="50" charset="-128"/>
+                <a:cs typeface="メイリオ" panose="020B0604030504040204" pitchFamily="50" charset="-128"/>
+              </a:rPr>
+              <a:t>拡張</a:t>
+            </a:r>
+            <a:r>
+              <a:rPr lang="ja-JP" altLang="en-US" dirty="0">
+                <a:latin typeface="メイリオ" panose="020B0604030504040204" pitchFamily="50" charset="-128"/>
+                <a:ea typeface="メイリオ" panose="020B0604030504040204" pitchFamily="50" charset="-128"/>
+                <a:cs typeface="メイリオ" panose="020B0604030504040204" pitchFamily="50" charset="-128"/>
+              </a:rPr>
+              <a:t>シェル</a:t>
+            </a:r>
+            <a:endParaRPr lang="en-US" altLang="ja-JP" dirty="0" smtClean="0">
+              <a:latin typeface="メイリオ" panose="020B0604030504040204" pitchFamily="50" charset="-128"/>
+              <a:ea typeface="メイリオ" panose="020B0604030504040204" pitchFamily="50" charset="-128"/>
+              <a:cs typeface="メイリオ" panose="020B0604030504040204" pitchFamily="50" charset="-128"/>
+            </a:endParaRPr>
+          </a:p>
+          <a:p>
+            <a:pPr marL="82296" indent="0">
+              <a:buNone/>
+            </a:pPr>
+            <a:r>
+              <a:rPr lang="en-US" altLang="ja-JP" dirty="0">
+                <a:latin typeface="メイリオ" panose="020B0604030504040204" pitchFamily="50" charset="-128"/>
+                <a:ea typeface="メイリオ" panose="020B0604030504040204" pitchFamily="50" charset="-128"/>
+                <a:cs typeface="メイリオ" panose="020B0604030504040204" pitchFamily="50" charset="-128"/>
+                <a:hlinkClick r:id="rId2"/>
+              </a:rPr>
+              <a:t>http://</a:t>
+            </a:r>
+            <a:r>
+              <a:rPr lang="en-US" altLang="ja-JP" dirty="0" smtClean="0">
+                <a:latin typeface="メイリオ" panose="020B0604030504040204" pitchFamily="50" charset="-128"/>
+                <a:ea typeface="メイリオ" panose="020B0604030504040204" pitchFamily="50" charset="-128"/>
+                <a:cs typeface="メイリオ" panose="020B0604030504040204" pitchFamily="50" charset="-128"/>
+                <a:hlinkClick r:id="rId2"/>
+              </a:rPr>
+              <a:t>www.nyaos.org/index.cgi?p=FrontPage.ja</a:t>
+            </a:r>
+            <a:endParaRPr lang="en-US" altLang="ja-JP" dirty="0" smtClean="0">
+              <a:latin typeface="メイリオ" panose="020B0604030504040204" pitchFamily="50" charset="-128"/>
+              <a:ea typeface="メイリオ" panose="020B0604030504040204" pitchFamily="50" charset="-128"/>
+              <a:cs typeface="メイリオ" panose="020B0604030504040204" pitchFamily="50" charset="-128"/>
+            </a:endParaRPr>
+          </a:p>
+          <a:p>
+            <a:pPr marL="82296" indent="0">
+              <a:buNone/>
+            </a:pPr>
+            <a:endParaRPr lang="en-US" altLang="ja-JP" dirty="0">
+              <a:latin typeface="メイリオ" panose="020B0604030504040204" pitchFamily="50" charset="-128"/>
+              <a:ea typeface="メイリオ" panose="020B0604030504040204" pitchFamily="50" charset="-128"/>
+              <a:cs typeface="メイリオ" panose="020B0604030504040204" pitchFamily="50" charset="-128"/>
+            </a:endParaRPr>
+          </a:p>
+          <a:p>
+            <a:pPr marL="82296" indent="0">
+              <a:buNone/>
+            </a:pPr>
+            <a:r>
+              <a:rPr lang="ja-JP" altLang="en-US" dirty="0" smtClean="0">
+                <a:latin typeface="メイリオ" panose="020B0604030504040204" pitchFamily="50" charset="-128"/>
+                <a:ea typeface="メイリオ" panose="020B0604030504040204" pitchFamily="50" charset="-128"/>
+                <a:cs typeface="メイリオ" panose="020B0604030504040204" pitchFamily="50" charset="-128"/>
+              </a:rPr>
+              <a:t>・補完、エイリアスなどいろいろ便利</a:t>
+            </a:r>
+            <a:endParaRPr lang="en-US" altLang="ja-JP" dirty="0" smtClean="0">
+              <a:latin typeface="メイリオ" panose="020B0604030504040204" pitchFamily="50" charset="-128"/>
+              <a:ea typeface="メイリオ" panose="020B0604030504040204" pitchFamily="50" charset="-128"/>
+              <a:cs typeface="メイリオ" panose="020B0604030504040204" pitchFamily="50" charset="-128"/>
+            </a:endParaRPr>
+          </a:p>
+          <a:p>
+            <a:pPr marL="82296" indent="0">
+              <a:buNone/>
+            </a:pPr>
+            <a:r>
+              <a:rPr lang="ja-JP" altLang="en-US" dirty="0" smtClean="0">
+                <a:latin typeface="メイリオ" panose="020B0604030504040204" pitchFamily="50" charset="-128"/>
+                <a:ea typeface="メイリオ" panose="020B0604030504040204" pitchFamily="50" charset="-128"/>
+                <a:cs typeface="メイリオ" panose="020B0604030504040204" pitchFamily="50" charset="-128"/>
+              </a:rPr>
+              <a:t>・最新版は</a:t>
+            </a:r>
+            <a:r>
+              <a:rPr lang="en-US" altLang="ja-JP" dirty="0" smtClean="0">
+                <a:latin typeface="メイリオ" panose="020B0604030504040204" pitchFamily="50" charset="-128"/>
+                <a:ea typeface="メイリオ" panose="020B0604030504040204" pitchFamily="50" charset="-128"/>
+                <a:cs typeface="メイリオ" panose="020B0604030504040204" pitchFamily="50" charset="-128"/>
+              </a:rPr>
+              <a:t>Go</a:t>
+            </a:r>
+            <a:r>
+              <a:rPr lang="ja-JP" altLang="en-US" dirty="0" smtClean="0">
+                <a:latin typeface="メイリオ" panose="020B0604030504040204" pitchFamily="50" charset="-128"/>
+                <a:ea typeface="メイリオ" panose="020B0604030504040204" pitchFamily="50" charset="-128"/>
+                <a:cs typeface="メイリオ" panose="020B0604030504040204" pitchFamily="50" charset="-128"/>
+              </a:rPr>
+              <a:t>言語で開発中</a:t>
+            </a:r>
+            <a:endParaRPr lang="en-US" altLang="ja-JP" dirty="0" smtClean="0">
+              <a:latin typeface="メイリオ" panose="020B0604030504040204" pitchFamily="50" charset="-128"/>
+              <a:ea typeface="メイリオ" panose="020B0604030504040204" pitchFamily="50" charset="-128"/>
+              <a:cs typeface="メイリオ" panose="020B0604030504040204" pitchFamily="50" charset="-128"/>
+            </a:endParaRPr>
+          </a:p>
+          <a:p>
+            <a:pPr marL="82296" indent="0">
+              <a:buNone/>
+            </a:pPr>
+            <a:endParaRPr lang="en-US" altLang="ja-JP" dirty="0">
+              <a:latin typeface="メイリオ" panose="020B0604030504040204" pitchFamily="50" charset="-128"/>
+              <a:ea typeface="メイリオ" panose="020B0604030504040204" pitchFamily="50" charset="-128"/>
+              <a:cs typeface="メイリオ" panose="020B0604030504040204" pitchFamily="50" charset="-128"/>
+            </a:endParaRPr>
+          </a:p>
+          <a:p>
+            <a:pPr marL="82296" indent="0">
+              <a:buNone/>
+            </a:pPr>
+            <a:r>
+              <a:rPr lang="ja-JP" altLang="en-US" dirty="0" smtClean="0">
+                <a:latin typeface="メイリオ" panose="020B0604030504040204" pitchFamily="50" charset="-128"/>
+                <a:ea typeface="メイリオ" panose="020B0604030504040204" pitchFamily="50" charset="-128"/>
+                <a:cs typeface="メイリオ" panose="020B0604030504040204" pitchFamily="50" charset="-128"/>
+              </a:rPr>
+              <a:t>→</a:t>
+            </a:r>
+            <a:r>
+              <a:rPr lang="en-US" altLang="ja-JP" dirty="0" err="1" smtClean="0">
+                <a:latin typeface="メイリオ" panose="020B0604030504040204" pitchFamily="50" charset="-128"/>
+                <a:ea typeface="メイリオ" panose="020B0604030504040204" pitchFamily="50" charset="-128"/>
+                <a:cs typeface="メイリオ" panose="020B0604030504040204" pitchFamily="50" charset="-128"/>
+              </a:rPr>
+              <a:t>ConEmu</a:t>
+            </a:r>
+            <a:r>
+              <a:rPr lang="ja-JP" altLang="en-US" dirty="0" smtClean="0">
+                <a:latin typeface="メイリオ" panose="020B0604030504040204" pitchFamily="50" charset="-128"/>
+                <a:ea typeface="メイリオ" panose="020B0604030504040204" pitchFamily="50" charset="-128"/>
+                <a:cs typeface="メイリオ" panose="020B0604030504040204" pitchFamily="50" charset="-128"/>
+              </a:rPr>
+              <a:t>から起動することで</a:t>
+            </a:r>
+            <a:endParaRPr lang="en-US" altLang="ja-JP" dirty="0" smtClean="0">
+              <a:latin typeface="メイリオ" panose="020B0604030504040204" pitchFamily="50" charset="-128"/>
+              <a:ea typeface="メイリオ" panose="020B0604030504040204" pitchFamily="50" charset="-128"/>
+              <a:cs typeface="メイリオ" panose="020B0604030504040204" pitchFamily="50" charset="-128"/>
+            </a:endParaRPr>
+          </a:p>
+          <a:p>
+            <a:pPr marL="82296" indent="0">
+              <a:buNone/>
+            </a:pPr>
+            <a:r>
+              <a:rPr lang="ja-JP" altLang="en-US" dirty="0">
+                <a:latin typeface="メイリオ" panose="020B0604030504040204" pitchFamily="50" charset="-128"/>
+                <a:ea typeface="メイリオ" panose="020B0604030504040204" pitchFamily="50" charset="-128"/>
+                <a:cs typeface="メイリオ" panose="020B0604030504040204" pitchFamily="50" charset="-128"/>
+              </a:rPr>
+              <a:t>　</a:t>
+            </a:r>
+            <a:r>
+              <a:rPr lang="ja-JP" altLang="en-US" dirty="0" smtClean="0">
+                <a:latin typeface="メイリオ" panose="020B0604030504040204" pitchFamily="50" charset="-128"/>
+                <a:ea typeface="メイリオ" panose="020B0604030504040204" pitchFamily="50" charset="-128"/>
+                <a:cs typeface="メイリオ" panose="020B0604030504040204" pitchFamily="50" charset="-128"/>
+              </a:rPr>
+              <a:t>素敵な感じに。</a:t>
+            </a:r>
+            <a:endParaRPr lang="en-US" altLang="ja-JP" dirty="0" smtClean="0">
+              <a:latin typeface="メイリオ" panose="020B0604030504040204" pitchFamily="50" charset="-128"/>
+              <a:ea typeface="メイリオ" panose="020B0604030504040204" pitchFamily="50" charset="-128"/>
+              <a:cs typeface="メイリオ" panose="020B0604030504040204" pitchFamily="50" charset="-128"/>
+            </a:endParaRPr>
+          </a:p>
+        </p:txBody>
+      </p:sp>
+    </p:spTree>
+    <p:extLst>
+      <p:ext uri="{BB962C8B-B14F-4D97-AF65-F5344CB8AC3E}">
+        <p14:creationId xmlns:p14="http://schemas.microsoft.com/office/powerpoint/2010/main" val="921755774"/>
+      </p:ext>
+    </p:extLst>
+  </p:cSld>
+  <p:clrMapOvr>
+    <a:masterClrMapping/>
+  </p:clrMapOvr>
+  <p:timing>
+    <p:tnLst>
+      <p:par>
+        <p:cTn id="1" dur="indefinite" restart="never" nodeType="tmRoot"/>
+      </p:par>
+    </p:tnLst>
+  </p:timing>
+</p:sld>
+</file>
+
+<file path=ppt/slides/slide13.xml><?xml version="1.0" encoding="utf-8"?>
+<p:sld xmlns:a="http://schemas.openxmlformats.org/drawingml/2006/main" xmlns:r="http://schemas.openxmlformats.org/officeDocument/2006/relationships" xmlns:p="http://schemas.openxmlformats.org/presentationml/2006/main">
+  <p:cSld>
+    <p:spTree>
+      <p:nvGrpSpPr>
+        <p:cNvPr id="1" name=""/>
+        <p:cNvGrpSpPr/>
+        <p:nvPr/>
+      </p:nvGrpSpPr>
+      <p:grpSpPr>
+        <a:xfrm>
+          <a:off x="0" y="0"/>
+          <a:ext cx="0" cy="0"/>
+          <a:chOff x="0" y="0"/>
+          <a:chExt cx="0" cy="0"/>
+        </a:xfrm>
+      </p:grpSpPr>
+      <p:sp>
+        <p:nvSpPr>
+          <p:cNvPr id="2" name="タイトル 1"/>
+          <p:cNvSpPr>
+            <a:spLocks noGrp="1"/>
+          </p:cNvSpPr>
+          <p:nvPr>
+            <p:ph type="title"/>
+          </p:nvPr>
+        </p:nvSpPr>
+        <p:spPr/>
+        <p:txBody>
+          <a:bodyPr/>
+          <a:lstStyle/>
+          <a:p>
+            <a:r>
+              <a:rPr kumimoji="1" lang="ja-JP" altLang="en-US" dirty="0" smtClean="0">
+                <a:latin typeface="メイリオ" panose="020B0604030504040204" pitchFamily="50" charset="-128"/>
+                <a:ea typeface="メイリオ" panose="020B0604030504040204" pitchFamily="50" charset="-128"/>
+                <a:cs typeface="メイリオ" panose="020B0604030504040204" pitchFamily="50" charset="-128"/>
+              </a:rPr>
+              <a:t>結果</a:t>
+            </a:r>
+            <a:endParaRPr kumimoji="1" lang="ja-JP" altLang="en-US" dirty="0">
+              <a:latin typeface="メイリオ" panose="020B0604030504040204" pitchFamily="50" charset="-128"/>
+              <a:ea typeface="メイリオ" panose="020B0604030504040204" pitchFamily="50" charset="-128"/>
+              <a:cs typeface="メイリオ" panose="020B0604030504040204" pitchFamily="50" charset="-128"/>
+            </a:endParaRPr>
+          </a:p>
+        </p:txBody>
+      </p:sp>
+      <p:sp>
+        <p:nvSpPr>
+          <p:cNvPr id="7" name="コンテンツ プレースホルダー 2"/>
+          <p:cNvSpPr>
+            <a:spLocks noGrp="1"/>
+          </p:cNvSpPr>
+          <p:nvPr>
+            <p:ph idx="1"/>
+          </p:nvPr>
+        </p:nvSpPr>
+        <p:spPr>
+          <a:xfrm>
+            <a:off x="1115616" y="5949280"/>
+            <a:ext cx="7818072" cy="720080"/>
+          </a:xfrm>
+        </p:spPr>
+        <p:txBody>
+          <a:bodyPr>
+            <a:normAutofit/>
+          </a:bodyPr>
+          <a:lstStyle/>
+          <a:p>
+            <a:pPr marL="82296" indent="0" algn="ctr">
+              <a:buNone/>
+            </a:pPr>
+            <a:endParaRPr lang="en-US" altLang="ja-JP" dirty="0">
+              <a:latin typeface="メイリオ" panose="020B0604030504040204" pitchFamily="50" charset="-128"/>
+              <a:ea typeface="メイリオ" panose="020B0604030504040204" pitchFamily="50" charset="-128"/>
+              <a:cs typeface="メイリオ" panose="020B0604030504040204" pitchFamily="50" charset="-128"/>
+            </a:endParaRPr>
+          </a:p>
+        </p:txBody>
+      </p:sp>
+      <p:pic>
+        <p:nvPicPr>
+          <p:cNvPr id="4" name="図 3"/>
+          <p:cNvPicPr>
+            <a:picLocks noChangeAspect="1"/>
+          </p:cNvPicPr>
+          <p:nvPr/>
+        </p:nvPicPr>
+        <p:blipFill>
+          <a:blip r:embed="rId2">
+            <a:extLst>
+              <a:ext uri="{28A0092B-C50C-407E-A947-70E740481C1C}">
+                <a14:useLocalDpi xmlns:a14="http://schemas.microsoft.com/office/drawing/2010/main" val="0"/>
+              </a:ext>
+            </a:extLst>
+          </a:blip>
+          <a:stretch>
+            <a:fillRect/>
+          </a:stretch>
+        </p:blipFill>
+        <p:spPr>
+          <a:xfrm>
+            <a:off x="1115615" y="1097432"/>
+            <a:ext cx="7761889" cy="5125591"/>
+          </a:xfrm>
+          <a:prstGeom prst="rect">
+            <a:avLst/>
+          </a:prstGeom>
+        </p:spPr>
+      </p:pic>
+    </p:spTree>
+    <p:extLst>
+      <p:ext uri="{BB962C8B-B14F-4D97-AF65-F5344CB8AC3E}">
+        <p14:creationId xmlns:p14="http://schemas.microsoft.com/office/powerpoint/2010/main" val="4032394742"/>
+      </p:ext>
+    </p:extLst>
+  </p:cSld>
+  <p:clrMapOvr>
+    <a:masterClrMapping/>
+  </p:clrMapOvr>
+  <p:timing>
+    <p:tnLst>
+      <p:par>
+        <p:cTn id="1" dur="indefinite" restart="never" nodeType="tmRoot"/>
+      </p:par>
+    </p:tnLst>
+  </p:timing>
+</p:sld>
+</file>
+
+<file path=ppt/slides/slide14.xml><?xml version="1.0" encoding="utf-8"?>
+<p:sld xmlns:a="http://schemas.openxmlformats.org/drawingml/2006/main" xmlns:r="http://schemas.openxmlformats.org/officeDocument/2006/relationships" xmlns:p="http://schemas.openxmlformats.org/presentationml/2006/main">
+  <p:cSld>
+    <p:spTree>
+      <p:nvGrpSpPr>
+        <p:cNvPr id="1" name=""/>
+        <p:cNvGrpSpPr/>
+        <p:nvPr/>
+      </p:nvGrpSpPr>
+      <p:grpSpPr>
+        <a:xfrm>
+          <a:off x="0" y="0"/>
+          <a:ext cx="0" cy="0"/>
+          <a:chOff x="0" y="0"/>
+          <a:chExt cx="0" cy="0"/>
+        </a:xfrm>
+      </p:grpSpPr>
+      <p:sp>
+        <p:nvSpPr>
+          <p:cNvPr id="12" name="タイトル 1"/>
+          <p:cNvSpPr>
+            <a:spLocks noGrp="1"/>
+          </p:cNvSpPr>
+          <p:nvPr>
+            <p:ph type="title"/>
+          </p:nvPr>
+        </p:nvSpPr>
+        <p:spPr/>
+        <p:txBody>
+          <a:bodyPr/>
+          <a:lstStyle/>
+          <a:p>
+            <a:r>
+              <a:rPr kumimoji="1" lang="ja-JP" altLang="en-US" dirty="0" smtClean="0">
+                <a:latin typeface="メイリオ" panose="020B0604030504040204" pitchFamily="50" charset="-128"/>
+                <a:ea typeface="メイリオ" panose="020B0604030504040204" pitchFamily="50" charset="-128"/>
+                <a:cs typeface="メイリオ" panose="020B0604030504040204" pitchFamily="50" charset="-128"/>
+              </a:rPr>
+              <a:t>背景</a:t>
+            </a:r>
+            <a:endParaRPr kumimoji="1" lang="ja-JP" altLang="en-US" dirty="0">
+              <a:latin typeface="メイリオ" panose="020B0604030504040204" pitchFamily="50" charset="-128"/>
+              <a:ea typeface="メイリオ" panose="020B0604030504040204" pitchFamily="50" charset="-128"/>
+              <a:cs typeface="メイリオ" panose="020B0604030504040204" pitchFamily="50" charset="-128"/>
+            </a:endParaRPr>
+          </a:p>
+        </p:txBody>
+      </p:sp>
+      <p:sp>
+        <p:nvSpPr>
+          <p:cNvPr id="13" name="コンテンツ プレースホルダー 2"/>
+          <p:cNvSpPr>
+            <a:spLocks noGrp="1"/>
+          </p:cNvSpPr>
+          <p:nvPr>
+            <p:ph idx="1"/>
+          </p:nvPr>
+        </p:nvSpPr>
+        <p:spPr>
+          <a:xfrm>
+            <a:off x="1115616" y="1124744"/>
+            <a:ext cx="7818072" cy="5544616"/>
+          </a:xfrm>
+        </p:spPr>
+        <p:txBody>
+          <a:bodyPr>
+            <a:normAutofit lnSpcReduction="10000"/>
+          </a:bodyPr>
+          <a:lstStyle/>
+          <a:p>
+            <a:pPr marL="82296" indent="0">
+              <a:buNone/>
+            </a:pPr>
+            <a:r>
+              <a:rPr lang="ja-JP" altLang="en-US" dirty="0">
+                <a:latin typeface="メイリオ" panose="020B0604030504040204" pitchFamily="50" charset="-128"/>
+                <a:ea typeface="メイリオ" panose="020B0604030504040204" pitchFamily="50" charset="-128"/>
+                <a:cs typeface="メイリオ" panose="020B0604030504040204" pitchFamily="50" charset="-128"/>
+              </a:rPr>
+              <a:t>この後の</a:t>
+            </a:r>
+            <a:r>
+              <a:rPr lang="ja-JP" altLang="en-US" dirty="0" smtClean="0">
+                <a:latin typeface="メイリオ" panose="020B0604030504040204" pitchFamily="50" charset="-128"/>
+                <a:ea typeface="メイリオ" panose="020B0604030504040204" pitchFamily="50" charset="-128"/>
+                <a:cs typeface="メイリオ" panose="020B0604030504040204" pitchFamily="50" charset="-128"/>
+              </a:rPr>
+              <a:t>流れ</a:t>
+            </a:r>
+            <a:endParaRPr lang="en-US" altLang="ja-JP" dirty="0" smtClean="0">
+              <a:latin typeface="メイリオ" panose="020B0604030504040204" pitchFamily="50" charset="-128"/>
+              <a:ea typeface="メイリオ" panose="020B0604030504040204" pitchFamily="50" charset="-128"/>
+              <a:cs typeface="メイリオ" panose="020B0604030504040204" pitchFamily="50" charset="-128"/>
+            </a:endParaRPr>
+          </a:p>
+          <a:p>
+            <a:pPr marL="82296" indent="0">
+              <a:buNone/>
+            </a:pPr>
+            <a:r>
+              <a:rPr lang="ja-JP" altLang="en-US" dirty="0" smtClean="0">
+                <a:latin typeface="メイリオ" panose="020B0604030504040204" pitchFamily="50" charset="-128"/>
+                <a:ea typeface="メイリオ" panose="020B0604030504040204" pitchFamily="50" charset="-128"/>
+                <a:cs typeface="メイリオ" panose="020B0604030504040204" pitchFamily="50" charset="-128"/>
+              </a:rPr>
+              <a:t>・</a:t>
+            </a:r>
+            <a:r>
+              <a:rPr lang="en-US" altLang="ja-JP" dirty="0" err="1" smtClean="0">
+                <a:latin typeface="メイリオ" panose="020B0604030504040204" pitchFamily="50" charset="-128"/>
+                <a:ea typeface="メイリオ" panose="020B0604030504040204" pitchFamily="50" charset="-128"/>
+                <a:cs typeface="メイリオ" panose="020B0604030504040204" pitchFamily="50" charset="-128"/>
+              </a:rPr>
+              <a:t>cmd</a:t>
+            </a:r>
+            <a:r>
+              <a:rPr lang="ja-JP" altLang="en-US" dirty="0" smtClean="0">
+                <a:latin typeface="メイリオ" panose="020B0604030504040204" pitchFamily="50" charset="-128"/>
+                <a:ea typeface="メイリオ" panose="020B0604030504040204" pitchFamily="50" charset="-128"/>
+                <a:cs typeface="メイリオ" panose="020B0604030504040204" pitchFamily="50" charset="-128"/>
+              </a:rPr>
+              <a:t>改造計画</a:t>
+            </a:r>
+            <a:endParaRPr lang="en-US" altLang="ja-JP" dirty="0" smtClean="0">
+              <a:latin typeface="メイリオ" panose="020B0604030504040204" pitchFamily="50" charset="-128"/>
+              <a:ea typeface="メイリオ" panose="020B0604030504040204" pitchFamily="50" charset="-128"/>
+              <a:cs typeface="メイリオ" panose="020B0604030504040204" pitchFamily="50" charset="-128"/>
+            </a:endParaRPr>
+          </a:p>
+          <a:p>
+            <a:pPr marL="82296" indent="0">
+              <a:buNone/>
+            </a:pPr>
+            <a:r>
+              <a:rPr lang="ja-JP" altLang="en-US" dirty="0" smtClean="0">
+                <a:latin typeface="メイリオ" panose="020B0604030504040204" pitchFamily="50" charset="-128"/>
+                <a:ea typeface="メイリオ" panose="020B0604030504040204" pitchFamily="50" charset="-128"/>
+                <a:cs typeface="メイリオ" panose="020B0604030504040204" pitchFamily="50" charset="-128"/>
+              </a:rPr>
+              <a:t>・</a:t>
+            </a:r>
+            <a:r>
+              <a:rPr lang="en-US" altLang="ja-JP" dirty="0" smtClean="0">
+                <a:latin typeface="メイリオ" panose="020B0604030504040204" pitchFamily="50" charset="-128"/>
+                <a:ea typeface="メイリオ" panose="020B0604030504040204" pitchFamily="50" charset="-128"/>
+                <a:cs typeface="メイリオ" panose="020B0604030504040204" pitchFamily="50" charset="-128"/>
+              </a:rPr>
+              <a:t>nemo</a:t>
+            </a:r>
+            <a:r>
+              <a:rPr lang="ja-JP" altLang="en-US" dirty="0" err="1" smtClean="0">
+                <a:latin typeface="メイリオ" panose="020B0604030504040204" pitchFamily="50" charset="-128"/>
+                <a:ea typeface="メイリオ" panose="020B0604030504040204" pitchFamily="50" charset="-128"/>
+                <a:cs typeface="メイリオ" panose="020B0604030504040204" pitchFamily="50" charset="-128"/>
+              </a:rPr>
+              <a:t>さん</a:t>
+            </a:r>
+            <a:r>
+              <a:rPr lang="ja-JP" altLang="en-US" dirty="0" smtClean="0">
+                <a:latin typeface="メイリオ" panose="020B0604030504040204" pitchFamily="50" charset="-128"/>
+                <a:ea typeface="メイリオ" panose="020B0604030504040204" pitchFamily="50" charset="-128"/>
+                <a:cs typeface="メイリオ" panose="020B0604030504040204" pitchFamily="50" charset="-128"/>
+              </a:rPr>
+              <a:t>が</a:t>
+            </a:r>
+            <a:r>
+              <a:rPr lang="en-US" altLang="ja-JP" dirty="0" err="1" smtClean="0">
+                <a:latin typeface="メイリオ" panose="020B0604030504040204" pitchFamily="50" charset="-128"/>
+                <a:ea typeface="メイリオ" panose="020B0604030504040204" pitchFamily="50" charset="-128"/>
+                <a:cs typeface="メイリオ" panose="020B0604030504040204" pitchFamily="50" charset="-128"/>
+              </a:rPr>
+              <a:t>conemu</a:t>
+            </a:r>
+            <a:r>
+              <a:rPr lang="ja-JP" altLang="en-US" dirty="0" smtClean="0">
+                <a:latin typeface="メイリオ" panose="020B0604030504040204" pitchFamily="50" charset="-128"/>
+                <a:ea typeface="メイリオ" panose="020B0604030504040204" pitchFamily="50" charset="-128"/>
+                <a:cs typeface="メイリオ" panose="020B0604030504040204" pitchFamily="50" charset="-128"/>
+              </a:rPr>
+              <a:t>いいぞって言ってた</a:t>
+            </a:r>
+            <a:endParaRPr lang="en-US" altLang="ja-JP" dirty="0">
+              <a:latin typeface="メイリオ" panose="020B0604030504040204" pitchFamily="50" charset="-128"/>
+              <a:ea typeface="メイリオ" panose="020B0604030504040204" pitchFamily="50" charset="-128"/>
+              <a:cs typeface="メイリオ" panose="020B0604030504040204" pitchFamily="50" charset="-128"/>
+            </a:endParaRPr>
+          </a:p>
+          <a:p>
+            <a:pPr marL="82296" indent="0">
+              <a:buNone/>
+            </a:pPr>
+            <a:r>
+              <a:rPr lang="ja-JP" altLang="en-US" dirty="0">
+                <a:latin typeface="メイリオ" panose="020B0604030504040204" pitchFamily="50" charset="-128"/>
+                <a:ea typeface="メイリオ" panose="020B0604030504040204" pitchFamily="50" charset="-128"/>
+                <a:cs typeface="メイリオ" panose="020B0604030504040204" pitchFamily="50" charset="-128"/>
+              </a:rPr>
+              <a:t>・</a:t>
+            </a:r>
+            <a:r>
+              <a:rPr lang="ja-JP" altLang="en-US" dirty="0" smtClean="0">
+                <a:latin typeface="メイリオ" panose="020B0604030504040204" pitchFamily="50" charset="-128"/>
+                <a:ea typeface="メイリオ" panose="020B0604030504040204" pitchFamily="50" charset="-128"/>
+                <a:cs typeface="メイリオ" panose="020B0604030504040204" pitchFamily="50" charset="-128"/>
+              </a:rPr>
+              <a:t>いれよう→すばらしい・・・</a:t>
+            </a:r>
+            <a:endParaRPr lang="en-US" altLang="ja-JP" dirty="0">
+              <a:latin typeface="メイリオ" panose="020B0604030504040204" pitchFamily="50" charset="-128"/>
+              <a:ea typeface="メイリオ" panose="020B0604030504040204" pitchFamily="50" charset="-128"/>
+              <a:cs typeface="メイリオ" panose="020B0604030504040204" pitchFamily="50" charset="-128"/>
+            </a:endParaRPr>
+          </a:p>
+          <a:p>
+            <a:pPr marL="82296" indent="0">
+              <a:buNone/>
+            </a:pPr>
+            <a:r>
+              <a:rPr lang="ja-JP" altLang="en-US" dirty="0" smtClean="0">
+                <a:latin typeface="メイリオ" panose="020B0604030504040204" pitchFamily="50" charset="-128"/>
+                <a:ea typeface="メイリオ" panose="020B0604030504040204" pitchFamily="50" charset="-128"/>
+                <a:cs typeface="メイリオ" panose="020B0604030504040204" pitchFamily="50" charset="-128"/>
+              </a:rPr>
+              <a:t>・</a:t>
+            </a:r>
+            <a:r>
+              <a:rPr lang="en-US" altLang="ja-JP" dirty="0" smtClean="0">
+                <a:latin typeface="メイリオ" panose="020B0604030504040204" pitchFamily="50" charset="-128"/>
+                <a:ea typeface="メイリオ" panose="020B0604030504040204" pitchFamily="50" charset="-128"/>
+                <a:cs typeface="メイリオ" panose="020B0604030504040204" pitchFamily="50" charset="-128"/>
+              </a:rPr>
+              <a:t>GOW</a:t>
+            </a:r>
+            <a:r>
+              <a:rPr lang="ja-JP" altLang="en-US" dirty="0" smtClean="0">
+                <a:latin typeface="メイリオ" panose="020B0604030504040204" pitchFamily="50" charset="-128"/>
+                <a:ea typeface="メイリオ" panose="020B0604030504040204" pitchFamily="50" charset="-128"/>
+                <a:cs typeface="メイリオ" panose="020B0604030504040204" pitchFamily="50" charset="-128"/>
+              </a:rPr>
+              <a:t>いいぞって言ってた</a:t>
+            </a:r>
+            <a:endParaRPr lang="en-US" altLang="ja-JP" dirty="0" smtClean="0">
+              <a:latin typeface="メイリオ" panose="020B0604030504040204" pitchFamily="50" charset="-128"/>
+              <a:ea typeface="メイリオ" panose="020B0604030504040204" pitchFamily="50" charset="-128"/>
+              <a:cs typeface="メイリオ" panose="020B0604030504040204" pitchFamily="50" charset="-128"/>
+            </a:endParaRPr>
+          </a:p>
+          <a:p>
+            <a:pPr marL="82296" indent="0">
+              <a:buNone/>
+            </a:pPr>
+            <a:r>
+              <a:rPr lang="ja-JP" altLang="en-US" dirty="0" smtClean="0">
+                <a:latin typeface="メイリオ" panose="020B0604030504040204" pitchFamily="50" charset="-128"/>
+                <a:ea typeface="メイリオ" panose="020B0604030504040204" pitchFamily="50" charset="-128"/>
+                <a:cs typeface="メイリオ" panose="020B0604030504040204" pitchFamily="50" charset="-128"/>
+              </a:rPr>
+              <a:t>・いれよう→すばらしい・・・</a:t>
+            </a:r>
+            <a:endParaRPr lang="en-US" altLang="ja-JP" dirty="0" smtClean="0">
+              <a:latin typeface="メイリオ" panose="020B0604030504040204" pitchFamily="50" charset="-128"/>
+              <a:ea typeface="メイリオ" panose="020B0604030504040204" pitchFamily="50" charset="-128"/>
+              <a:cs typeface="メイリオ" panose="020B0604030504040204" pitchFamily="50" charset="-128"/>
+            </a:endParaRPr>
+          </a:p>
+          <a:p>
+            <a:pPr marL="82296" indent="0">
+              <a:buNone/>
+            </a:pPr>
+            <a:r>
+              <a:rPr lang="ja-JP" altLang="en-US" dirty="0" smtClean="0">
+                <a:latin typeface="メイリオ" panose="020B0604030504040204" pitchFamily="50" charset="-128"/>
+                <a:ea typeface="メイリオ" panose="020B0604030504040204" pitchFamily="50" charset="-128"/>
+                <a:cs typeface="メイリオ" panose="020B0604030504040204" pitchFamily="50" charset="-128"/>
+              </a:rPr>
+              <a:t>・なんか文字化けする→</a:t>
+            </a:r>
+            <a:r>
+              <a:rPr lang="ja-JP" altLang="en-US" dirty="0" err="1" smtClean="0">
+                <a:latin typeface="メイリオ" panose="020B0604030504040204" pitchFamily="50" charset="-128"/>
+                <a:ea typeface="メイリオ" panose="020B0604030504040204" pitchFamily="50" charset="-128"/>
+                <a:cs typeface="メイリオ" panose="020B0604030504040204" pitchFamily="50" charset="-128"/>
+              </a:rPr>
+              <a:t>にゃ</a:t>
+            </a:r>
+            <a:r>
+              <a:rPr lang="ja-JP" altLang="en-US" dirty="0" smtClean="0">
+                <a:latin typeface="メイリオ" panose="020B0604030504040204" pitchFamily="50" charset="-128"/>
+                <a:ea typeface="メイリオ" panose="020B0604030504040204" pitchFamily="50" charset="-128"/>
+                <a:cs typeface="メイリオ" panose="020B0604030504040204" pitchFamily="50" charset="-128"/>
+              </a:rPr>
+              <a:t>おす</a:t>
+            </a:r>
+            <a:endParaRPr lang="en-US" altLang="ja-JP" dirty="0" smtClean="0">
+              <a:latin typeface="メイリオ" panose="020B0604030504040204" pitchFamily="50" charset="-128"/>
+              <a:ea typeface="メイリオ" panose="020B0604030504040204" pitchFamily="50" charset="-128"/>
+              <a:cs typeface="メイリオ" panose="020B0604030504040204" pitchFamily="50" charset="-128"/>
+            </a:endParaRPr>
+          </a:p>
+          <a:p>
+            <a:pPr marL="82296" indent="0">
+              <a:buNone/>
+            </a:pPr>
+            <a:r>
+              <a:rPr lang="en-US" altLang="ja-JP" dirty="0" err="1" smtClean="0">
+                <a:latin typeface="メイリオ" panose="020B0604030504040204" pitchFamily="50" charset="-128"/>
+                <a:ea typeface="メイリオ" panose="020B0604030504040204" pitchFamily="50" charset="-128"/>
+                <a:cs typeface="メイリオ" panose="020B0604030504040204" pitchFamily="50" charset="-128"/>
+              </a:rPr>
+              <a:t>Gow</a:t>
+            </a:r>
+            <a:r>
+              <a:rPr lang="ja-JP" altLang="en-US" dirty="0" smtClean="0">
+                <a:latin typeface="メイリオ" panose="020B0604030504040204" pitchFamily="50" charset="-128"/>
+                <a:ea typeface="メイリオ" panose="020B0604030504040204" pitchFamily="50" charset="-128"/>
+                <a:cs typeface="メイリオ" panose="020B0604030504040204" pitchFamily="50" charset="-128"/>
+              </a:rPr>
+              <a:t>に</a:t>
+            </a:r>
+            <a:r>
+              <a:rPr lang="en-US" altLang="ja-JP" dirty="0" smtClean="0">
+                <a:latin typeface="メイリオ" panose="020B0604030504040204" pitchFamily="50" charset="-128"/>
+                <a:ea typeface="メイリオ" panose="020B0604030504040204" pitchFamily="50" charset="-128"/>
+                <a:cs typeface="メイリオ" panose="020B0604030504040204" pitchFamily="50" charset="-128"/>
+              </a:rPr>
+              <a:t>vim</a:t>
+            </a:r>
+            <a:r>
+              <a:rPr lang="ja-JP" altLang="en-US" dirty="0" smtClean="0">
+                <a:latin typeface="メイリオ" panose="020B0604030504040204" pitchFamily="50" charset="-128"/>
+                <a:ea typeface="メイリオ" panose="020B0604030504040204" pitchFamily="50" charset="-128"/>
+                <a:cs typeface="メイリオ" panose="020B0604030504040204" pitchFamily="50" charset="-128"/>
+              </a:rPr>
+              <a:t>がはいっててすごくいい。</a:t>
+            </a:r>
+            <a:endParaRPr lang="en-US" altLang="ja-JP" dirty="0" smtClean="0">
+              <a:latin typeface="メイリオ" panose="020B0604030504040204" pitchFamily="50" charset="-128"/>
+              <a:ea typeface="メイリオ" panose="020B0604030504040204" pitchFamily="50" charset="-128"/>
+              <a:cs typeface="メイリオ" panose="020B0604030504040204" pitchFamily="50" charset="-128"/>
+            </a:endParaRPr>
+          </a:p>
+          <a:p>
+            <a:pPr marL="82296" indent="0">
+              <a:buNone/>
+            </a:pPr>
+            <a:r>
+              <a:rPr lang="ja-JP" altLang="en-US" dirty="0" smtClean="0">
+                <a:latin typeface="メイリオ" panose="020B0604030504040204" pitchFamily="50" charset="-128"/>
+                <a:ea typeface="メイリオ" panose="020B0604030504040204" pitchFamily="50" charset="-128"/>
+                <a:cs typeface="メイリオ" panose="020B0604030504040204" pitchFamily="50" charset="-128"/>
+              </a:rPr>
+              <a:t>→使ってみよう→第二部へ</a:t>
+            </a:r>
+            <a:endParaRPr lang="en-US" altLang="ja-JP" dirty="0" smtClean="0">
+              <a:latin typeface="メイリオ" panose="020B0604030504040204" pitchFamily="50" charset="-128"/>
+              <a:ea typeface="メイリオ" panose="020B0604030504040204" pitchFamily="50" charset="-128"/>
+              <a:cs typeface="メイリオ" panose="020B0604030504040204" pitchFamily="50" charset="-128"/>
+            </a:endParaRPr>
+          </a:p>
+        </p:txBody>
+      </p:sp>
+    </p:spTree>
+    <p:extLst>
+      <p:ext uri="{BB962C8B-B14F-4D97-AF65-F5344CB8AC3E}">
+        <p14:creationId xmlns:p14="http://schemas.microsoft.com/office/powerpoint/2010/main" val="3866189211"/>
+      </p:ext>
+    </p:extLst>
+  </p:cSld>
+  <p:clrMapOvr>
+    <a:masterClrMapping/>
+  </p:clrMapOvr>
+  <p:timing>
+    <p:tnLst>
+      <p:par>
+        <p:cTn id="1" dur="indefinite" restart="never" nodeType="tmRoot"/>
+      </p:par>
+    </p:tnLst>
+  </p:timing>
+</p:sld>
+</file>
+
+<file path=ppt/slides/slide15.xml><?xml version="1.0" encoding="utf-8"?>
+<p:sld xmlns:a="http://schemas.openxmlformats.org/drawingml/2006/main" xmlns:r="http://schemas.openxmlformats.org/officeDocument/2006/relationships" xmlns:p="http://schemas.openxmlformats.org/presentationml/2006/main">
+  <p:cSld>
+    <p:spTree>
+      <p:nvGrpSpPr>
+        <p:cNvPr id="1" name=""/>
+        <p:cNvGrpSpPr/>
+        <p:nvPr/>
+      </p:nvGrpSpPr>
+      <p:grpSpPr>
+        <a:xfrm>
+          <a:off x="0" y="0"/>
+          <a:ext cx="0" cy="0"/>
+          <a:chOff x="0" y="0"/>
+          <a:chExt cx="0" cy="0"/>
+        </a:xfrm>
+      </p:grpSpPr>
+      <p:sp>
+        <p:nvSpPr>
+          <p:cNvPr id="12" name="タイトル 1"/>
+          <p:cNvSpPr>
+            <a:spLocks noGrp="1"/>
+          </p:cNvSpPr>
+          <p:nvPr>
+            <p:ph type="title"/>
+          </p:nvPr>
+        </p:nvSpPr>
+        <p:spPr/>
+        <p:txBody>
+          <a:bodyPr/>
+          <a:lstStyle/>
+          <a:p>
+            <a:r>
+              <a:rPr kumimoji="1" lang="ja-JP" altLang="en-US" dirty="0" smtClean="0">
+                <a:latin typeface="メイリオ" panose="020B0604030504040204" pitchFamily="50" charset="-128"/>
+                <a:ea typeface="メイリオ" panose="020B0604030504040204" pitchFamily="50" charset="-128"/>
+                <a:cs typeface="メイリオ" panose="020B0604030504040204" pitchFamily="50" charset="-128"/>
+              </a:rPr>
+              <a:t>背景</a:t>
+            </a:r>
+            <a:endParaRPr kumimoji="1" lang="ja-JP" altLang="en-US" dirty="0">
+              <a:latin typeface="メイリオ" panose="020B0604030504040204" pitchFamily="50" charset="-128"/>
+              <a:ea typeface="メイリオ" panose="020B0604030504040204" pitchFamily="50" charset="-128"/>
+              <a:cs typeface="メイリオ" panose="020B0604030504040204" pitchFamily="50" charset="-128"/>
+            </a:endParaRPr>
+          </a:p>
+        </p:txBody>
+      </p:sp>
+      <p:sp>
+        <p:nvSpPr>
+          <p:cNvPr id="13" name="コンテンツ プレースホルダー 2"/>
+          <p:cNvSpPr>
+            <a:spLocks noGrp="1"/>
+          </p:cNvSpPr>
+          <p:nvPr>
+            <p:ph idx="1"/>
+          </p:nvPr>
+        </p:nvSpPr>
+        <p:spPr>
+          <a:xfrm>
+            <a:off x="1115616" y="1124744"/>
+            <a:ext cx="7818072" cy="5544616"/>
+          </a:xfrm>
+        </p:spPr>
+        <p:txBody>
+          <a:bodyPr>
+            <a:normAutofit lnSpcReduction="10000"/>
+          </a:bodyPr>
+          <a:lstStyle/>
+          <a:p>
+            <a:pPr marL="82296" indent="0">
+              <a:buNone/>
+            </a:pPr>
+            <a:r>
+              <a:rPr lang="ja-JP" altLang="en-US" dirty="0">
+                <a:latin typeface="メイリオ" panose="020B0604030504040204" pitchFamily="50" charset="-128"/>
+                <a:ea typeface="メイリオ" panose="020B0604030504040204" pitchFamily="50" charset="-128"/>
+                <a:cs typeface="メイリオ" panose="020B0604030504040204" pitchFamily="50" charset="-128"/>
+              </a:rPr>
+              <a:t>この後の</a:t>
+            </a:r>
+            <a:r>
+              <a:rPr lang="ja-JP" altLang="en-US" dirty="0" smtClean="0">
+                <a:latin typeface="メイリオ" panose="020B0604030504040204" pitchFamily="50" charset="-128"/>
+                <a:ea typeface="メイリオ" panose="020B0604030504040204" pitchFamily="50" charset="-128"/>
+                <a:cs typeface="メイリオ" panose="020B0604030504040204" pitchFamily="50" charset="-128"/>
+              </a:rPr>
+              <a:t>流れ</a:t>
+            </a:r>
+            <a:endParaRPr lang="en-US" altLang="ja-JP" dirty="0" smtClean="0">
+              <a:latin typeface="メイリオ" panose="020B0604030504040204" pitchFamily="50" charset="-128"/>
+              <a:ea typeface="メイリオ" panose="020B0604030504040204" pitchFamily="50" charset="-128"/>
+              <a:cs typeface="メイリオ" panose="020B0604030504040204" pitchFamily="50" charset="-128"/>
+            </a:endParaRPr>
+          </a:p>
+          <a:p>
+            <a:pPr marL="82296" indent="0">
+              <a:buNone/>
+            </a:pPr>
+            <a:r>
+              <a:rPr lang="ja-JP" altLang="en-US" dirty="0" smtClean="0">
+                <a:latin typeface="メイリオ" panose="020B0604030504040204" pitchFamily="50" charset="-128"/>
+                <a:ea typeface="メイリオ" panose="020B0604030504040204" pitchFamily="50" charset="-128"/>
+                <a:cs typeface="メイリオ" panose="020B0604030504040204" pitchFamily="50" charset="-128"/>
+              </a:rPr>
+              <a:t>・</a:t>
+            </a:r>
+            <a:r>
+              <a:rPr lang="en-US" altLang="ja-JP" dirty="0" err="1" smtClean="0">
+                <a:latin typeface="メイリオ" panose="020B0604030504040204" pitchFamily="50" charset="-128"/>
+                <a:ea typeface="メイリオ" panose="020B0604030504040204" pitchFamily="50" charset="-128"/>
+                <a:cs typeface="メイリオ" panose="020B0604030504040204" pitchFamily="50" charset="-128"/>
+              </a:rPr>
+              <a:t>cmd</a:t>
+            </a:r>
+            <a:r>
+              <a:rPr lang="ja-JP" altLang="en-US" dirty="0" smtClean="0">
+                <a:latin typeface="メイリオ" panose="020B0604030504040204" pitchFamily="50" charset="-128"/>
+                <a:ea typeface="メイリオ" panose="020B0604030504040204" pitchFamily="50" charset="-128"/>
+                <a:cs typeface="メイリオ" panose="020B0604030504040204" pitchFamily="50" charset="-128"/>
+              </a:rPr>
+              <a:t>改造計画</a:t>
+            </a:r>
+            <a:endParaRPr lang="en-US" altLang="ja-JP" dirty="0" smtClean="0">
+              <a:latin typeface="メイリオ" panose="020B0604030504040204" pitchFamily="50" charset="-128"/>
+              <a:ea typeface="メイリオ" panose="020B0604030504040204" pitchFamily="50" charset="-128"/>
+              <a:cs typeface="メイリオ" panose="020B0604030504040204" pitchFamily="50" charset="-128"/>
+            </a:endParaRPr>
+          </a:p>
+          <a:p>
+            <a:pPr marL="82296" indent="0">
+              <a:buNone/>
+            </a:pPr>
+            <a:r>
+              <a:rPr lang="ja-JP" altLang="en-US" dirty="0" smtClean="0">
+                <a:latin typeface="メイリオ" panose="020B0604030504040204" pitchFamily="50" charset="-128"/>
+                <a:ea typeface="メイリオ" panose="020B0604030504040204" pitchFamily="50" charset="-128"/>
+                <a:cs typeface="メイリオ" panose="020B0604030504040204" pitchFamily="50" charset="-128"/>
+              </a:rPr>
+              <a:t>・</a:t>
+            </a:r>
+            <a:r>
+              <a:rPr lang="en-US" altLang="ja-JP" dirty="0" smtClean="0">
+                <a:latin typeface="メイリオ" panose="020B0604030504040204" pitchFamily="50" charset="-128"/>
+                <a:ea typeface="メイリオ" panose="020B0604030504040204" pitchFamily="50" charset="-128"/>
+                <a:cs typeface="メイリオ" panose="020B0604030504040204" pitchFamily="50" charset="-128"/>
+              </a:rPr>
+              <a:t>nemo</a:t>
+            </a:r>
+            <a:r>
+              <a:rPr lang="ja-JP" altLang="en-US" dirty="0" err="1" smtClean="0">
+                <a:latin typeface="メイリオ" panose="020B0604030504040204" pitchFamily="50" charset="-128"/>
+                <a:ea typeface="メイリオ" panose="020B0604030504040204" pitchFamily="50" charset="-128"/>
+                <a:cs typeface="メイリオ" panose="020B0604030504040204" pitchFamily="50" charset="-128"/>
+              </a:rPr>
+              <a:t>さん</a:t>
+            </a:r>
+            <a:r>
+              <a:rPr lang="ja-JP" altLang="en-US" dirty="0" smtClean="0">
+                <a:latin typeface="メイリオ" panose="020B0604030504040204" pitchFamily="50" charset="-128"/>
+                <a:ea typeface="メイリオ" panose="020B0604030504040204" pitchFamily="50" charset="-128"/>
+                <a:cs typeface="メイリオ" panose="020B0604030504040204" pitchFamily="50" charset="-128"/>
+              </a:rPr>
+              <a:t>が</a:t>
+            </a:r>
+            <a:r>
+              <a:rPr lang="en-US" altLang="ja-JP" dirty="0" err="1" smtClean="0">
+                <a:latin typeface="メイリオ" panose="020B0604030504040204" pitchFamily="50" charset="-128"/>
+                <a:ea typeface="メイリオ" panose="020B0604030504040204" pitchFamily="50" charset="-128"/>
+                <a:cs typeface="メイリオ" panose="020B0604030504040204" pitchFamily="50" charset="-128"/>
+              </a:rPr>
+              <a:t>conemu</a:t>
+            </a:r>
+            <a:r>
+              <a:rPr lang="ja-JP" altLang="en-US" dirty="0" smtClean="0">
+                <a:latin typeface="メイリオ" panose="020B0604030504040204" pitchFamily="50" charset="-128"/>
+                <a:ea typeface="メイリオ" panose="020B0604030504040204" pitchFamily="50" charset="-128"/>
+                <a:cs typeface="メイリオ" panose="020B0604030504040204" pitchFamily="50" charset="-128"/>
+              </a:rPr>
+              <a:t>いいぞって言ってた</a:t>
+            </a:r>
+            <a:endParaRPr lang="en-US" altLang="ja-JP" dirty="0">
+              <a:latin typeface="メイリオ" panose="020B0604030504040204" pitchFamily="50" charset="-128"/>
+              <a:ea typeface="メイリオ" panose="020B0604030504040204" pitchFamily="50" charset="-128"/>
+              <a:cs typeface="メイリオ" panose="020B0604030504040204" pitchFamily="50" charset="-128"/>
+            </a:endParaRPr>
+          </a:p>
+          <a:p>
+            <a:pPr marL="82296" indent="0">
+              <a:buNone/>
+            </a:pPr>
+            <a:r>
+              <a:rPr lang="ja-JP" altLang="en-US" dirty="0">
+                <a:latin typeface="メイリオ" panose="020B0604030504040204" pitchFamily="50" charset="-128"/>
+                <a:ea typeface="メイリオ" panose="020B0604030504040204" pitchFamily="50" charset="-128"/>
+                <a:cs typeface="メイリオ" panose="020B0604030504040204" pitchFamily="50" charset="-128"/>
+              </a:rPr>
+              <a:t>・</a:t>
+            </a:r>
+            <a:r>
+              <a:rPr lang="ja-JP" altLang="en-US" dirty="0" smtClean="0">
+                <a:latin typeface="メイリオ" panose="020B0604030504040204" pitchFamily="50" charset="-128"/>
+                <a:ea typeface="メイリオ" panose="020B0604030504040204" pitchFamily="50" charset="-128"/>
+                <a:cs typeface="メイリオ" panose="020B0604030504040204" pitchFamily="50" charset="-128"/>
+              </a:rPr>
+              <a:t>いれよう→すばらしい・・・</a:t>
+            </a:r>
+            <a:endParaRPr lang="en-US" altLang="ja-JP" dirty="0">
+              <a:latin typeface="メイリオ" panose="020B0604030504040204" pitchFamily="50" charset="-128"/>
+              <a:ea typeface="メイリオ" panose="020B0604030504040204" pitchFamily="50" charset="-128"/>
+              <a:cs typeface="メイリオ" panose="020B0604030504040204" pitchFamily="50" charset="-128"/>
+            </a:endParaRPr>
+          </a:p>
+          <a:p>
+            <a:pPr marL="82296" indent="0">
+              <a:buNone/>
+            </a:pPr>
+            <a:r>
+              <a:rPr lang="ja-JP" altLang="en-US" dirty="0" smtClean="0">
+                <a:latin typeface="メイリオ" panose="020B0604030504040204" pitchFamily="50" charset="-128"/>
+                <a:ea typeface="メイリオ" panose="020B0604030504040204" pitchFamily="50" charset="-128"/>
+                <a:cs typeface="メイリオ" panose="020B0604030504040204" pitchFamily="50" charset="-128"/>
+              </a:rPr>
+              <a:t>・</a:t>
+            </a:r>
+            <a:r>
+              <a:rPr lang="en-US" altLang="ja-JP" dirty="0" smtClean="0">
+                <a:latin typeface="メイリオ" panose="020B0604030504040204" pitchFamily="50" charset="-128"/>
+                <a:ea typeface="メイリオ" panose="020B0604030504040204" pitchFamily="50" charset="-128"/>
+                <a:cs typeface="メイリオ" panose="020B0604030504040204" pitchFamily="50" charset="-128"/>
+              </a:rPr>
+              <a:t>GOW</a:t>
+            </a:r>
+            <a:r>
+              <a:rPr lang="ja-JP" altLang="en-US" dirty="0" smtClean="0">
+                <a:latin typeface="メイリオ" panose="020B0604030504040204" pitchFamily="50" charset="-128"/>
+                <a:ea typeface="メイリオ" panose="020B0604030504040204" pitchFamily="50" charset="-128"/>
+                <a:cs typeface="メイリオ" panose="020B0604030504040204" pitchFamily="50" charset="-128"/>
+              </a:rPr>
+              <a:t>いいぞって言ってた</a:t>
+            </a:r>
+            <a:endParaRPr lang="en-US" altLang="ja-JP" dirty="0" smtClean="0">
+              <a:latin typeface="メイリオ" panose="020B0604030504040204" pitchFamily="50" charset="-128"/>
+              <a:ea typeface="メイリオ" panose="020B0604030504040204" pitchFamily="50" charset="-128"/>
+              <a:cs typeface="メイリオ" panose="020B0604030504040204" pitchFamily="50" charset="-128"/>
+            </a:endParaRPr>
+          </a:p>
+          <a:p>
+            <a:pPr marL="82296" indent="0">
+              <a:buNone/>
+            </a:pPr>
+            <a:r>
+              <a:rPr lang="ja-JP" altLang="en-US" dirty="0" smtClean="0">
+                <a:latin typeface="メイリオ" panose="020B0604030504040204" pitchFamily="50" charset="-128"/>
+                <a:ea typeface="メイリオ" panose="020B0604030504040204" pitchFamily="50" charset="-128"/>
+                <a:cs typeface="メイリオ" panose="020B0604030504040204" pitchFamily="50" charset="-128"/>
+              </a:rPr>
+              <a:t>・いれよう→すばらしい・・・</a:t>
+            </a:r>
+            <a:endParaRPr lang="en-US" altLang="ja-JP" dirty="0" smtClean="0">
+              <a:latin typeface="メイリオ" panose="020B0604030504040204" pitchFamily="50" charset="-128"/>
+              <a:ea typeface="メイリオ" panose="020B0604030504040204" pitchFamily="50" charset="-128"/>
+              <a:cs typeface="メイリオ" panose="020B0604030504040204" pitchFamily="50" charset="-128"/>
+            </a:endParaRPr>
+          </a:p>
+          <a:p>
+            <a:pPr marL="82296" indent="0">
+              <a:buNone/>
+            </a:pPr>
+            <a:r>
+              <a:rPr lang="ja-JP" altLang="en-US" dirty="0" smtClean="0">
+                <a:latin typeface="メイリオ" panose="020B0604030504040204" pitchFamily="50" charset="-128"/>
+                <a:ea typeface="メイリオ" panose="020B0604030504040204" pitchFamily="50" charset="-128"/>
+                <a:cs typeface="メイリオ" panose="020B0604030504040204" pitchFamily="50" charset="-128"/>
+              </a:rPr>
+              <a:t>・なんか文字化けする→</a:t>
+            </a:r>
+            <a:r>
+              <a:rPr lang="ja-JP" altLang="en-US" dirty="0" err="1" smtClean="0">
+                <a:latin typeface="メイリオ" panose="020B0604030504040204" pitchFamily="50" charset="-128"/>
+                <a:ea typeface="メイリオ" panose="020B0604030504040204" pitchFamily="50" charset="-128"/>
+                <a:cs typeface="メイリオ" panose="020B0604030504040204" pitchFamily="50" charset="-128"/>
+              </a:rPr>
+              <a:t>にゃ</a:t>
+            </a:r>
+            <a:r>
+              <a:rPr lang="ja-JP" altLang="en-US" dirty="0" smtClean="0">
+                <a:latin typeface="メイリオ" panose="020B0604030504040204" pitchFamily="50" charset="-128"/>
+                <a:ea typeface="メイリオ" panose="020B0604030504040204" pitchFamily="50" charset="-128"/>
+                <a:cs typeface="メイリオ" panose="020B0604030504040204" pitchFamily="50" charset="-128"/>
+              </a:rPr>
+              <a:t>おす</a:t>
+            </a:r>
+            <a:endParaRPr lang="en-US" altLang="ja-JP" dirty="0" smtClean="0">
+              <a:latin typeface="メイリオ" panose="020B0604030504040204" pitchFamily="50" charset="-128"/>
+              <a:ea typeface="メイリオ" panose="020B0604030504040204" pitchFamily="50" charset="-128"/>
+              <a:cs typeface="メイリオ" panose="020B0604030504040204" pitchFamily="50" charset="-128"/>
+            </a:endParaRPr>
+          </a:p>
+          <a:p>
+            <a:pPr marL="82296" indent="0">
+              <a:buNone/>
+            </a:pPr>
+            <a:r>
+              <a:rPr lang="en-US" altLang="ja-JP" dirty="0" err="1" smtClean="0">
+                <a:latin typeface="メイリオ" panose="020B0604030504040204" pitchFamily="50" charset="-128"/>
+                <a:ea typeface="メイリオ" panose="020B0604030504040204" pitchFamily="50" charset="-128"/>
+                <a:cs typeface="メイリオ" panose="020B0604030504040204" pitchFamily="50" charset="-128"/>
+              </a:rPr>
+              <a:t>Gow</a:t>
+            </a:r>
+            <a:r>
+              <a:rPr lang="ja-JP" altLang="en-US" dirty="0" smtClean="0">
+                <a:latin typeface="メイリオ" panose="020B0604030504040204" pitchFamily="50" charset="-128"/>
+                <a:ea typeface="メイリオ" panose="020B0604030504040204" pitchFamily="50" charset="-128"/>
+                <a:cs typeface="メイリオ" panose="020B0604030504040204" pitchFamily="50" charset="-128"/>
+              </a:rPr>
+              <a:t>に</a:t>
+            </a:r>
+            <a:r>
+              <a:rPr lang="en-US" altLang="ja-JP" dirty="0" smtClean="0">
+                <a:latin typeface="メイリオ" panose="020B0604030504040204" pitchFamily="50" charset="-128"/>
+                <a:ea typeface="メイリオ" panose="020B0604030504040204" pitchFamily="50" charset="-128"/>
+                <a:cs typeface="メイリオ" panose="020B0604030504040204" pitchFamily="50" charset="-128"/>
+              </a:rPr>
+              <a:t>vim</a:t>
+            </a:r>
+            <a:r>
+              <a:rPr lang="ja-JP" altLang="en-US" dirty="0" smtClean="0">
+                <a:latin typeface="メイリオ" panose="020B0604030504040204" pitchFamily="50" charset="-128"/>
+                <a:ea typeface="メイリオ" panose="020B0604030504040204" pitchFamily="50" charset="-128"/>
+                <a:cs typeface="メイリオ" panose="020B0604030504040204" pitchFamily="50" charset="-128"/>
+              </a:rPr>
+              <a:t>がはいっててすごくいい。</a:t>
+            </a:r>
+            <a:endParaRPr lang="en-US" altLang="ja-JP" dirty="0" smtClean="0">
+              <a:latin typeface="メイリオ" panose="020B0604030504040204" pitchFamily="50" charset="-128"/>
+              <a:ea typeface="メイリオ" panose="020B0604030504040204" pitchFamily="50" charset="-128"/>
+              <a:cs typeface="メイリオ" panose="020B0604030504040204" pitchFamily="50" charset="-128"/>
+            </a:endParaRPr>
+          </a:p>
+          <a:p>
+            <a:pPr marL="82296" indent="0">
+              <a:buNone/>
+            </a:pPr>
+            <a:r>
+              <a:rPr lang="ja-JP" altLang="en-US" dirty="0" smtClean="0">
+                <a:latin typeface="メイリオ" panose="020B0604030504040204" pitchFamily="50" charset="-128"/>
+                <a:ea typeface="メイリオ" panose="020B0604030504040204" pitchFamily="50" charset="-128"/>
+                <a:cs typeface="メイリオ" panose="020B0604030504040204" pitchFamily="50" charset="-128"/>
+              </a:rPr>
+              <a:t>→使ってみよう→第二部へ</a:t>
+            </a:r>
+            <a:endParaRPr lang="en-US" altLang="ja-JP" dirty="0" smtClean="0">
+              <a:latin typeface="メイリオ" panose="020B0604030504040204" pitchFamily="50" charset="-128"/>
+              <a:ea typeface="メイリオ" panose="020B0604030504040204" pitchFamily="50" charset="-128"/>
+              <a:cs typeface="メイリオ" panose="020B0604030504040204" pitchFamily="50" charset="-128"/>
+            </a:endParaRPr>
+          </a:p>
+        </p:txBody>
+      </p:sp>
+    </p:spTree>
+    <p:extLst>
+      <p:ext uri="{BB962C8B-B14F-4D97-AF65-F5344CB8AC3E}">
+        <p14:creationId xmlns:p14="http://schemas.microsoft.com/office/powerpoint/2010/main" val="4263379800"/>
+      </p:ext>
+    </p:extLst>
+  </p:cSld>
+  <p:clrMapOvr>
+    <a:masterClrMapping/>
+  </p:clrMapOvr>
+  <p:timing>
+    <p:tnLst>
+      <p:par>
+        <p:cTn id="1" dur="indefinite" restart="never" nodeType="tmRoot"/>
+      </p:par>
+    </p:tnLst>
+  </p:timing>
+</p:sld>
+</file>
+
+<file path=ppt/slides/slide16.xml><?xml version="1.0" encoding="utf-8"?>
+<p:sld xmlns:a="http://schemas.openxmlformats.org/drawingml/2006/main" xmlns:r="http://schemas.openxmlformats.org/officeDocument/2006/relationships" xmlns:p="http://schemas.openxmlformats.org/presentationml/2006/main">
+  <p:cSld>
+    <p:spTree>
+      <p:nvGrpSpPr>
+        <p:cNvPr id="1" name=""/>
+        <p:cNvGrpSpPr/>
+        <p:nvPr/>
+      </p:nvGrpSpPr>
+      <p:grpSpPr>
+        <a:xfrm>
+          <a:off x="0" y="0"/>
+          <a:ext cx="0" cy="0"/>
+          <a:chOff x="0" y="0"/>
+          <a:chExt cx="0" cy="0"/>
+        </a:xfrm>
+      </p:grpSpPr>
+      <p:sp>
+        <p:nvSpPr>
+          <p:cNvPr id="12" name="タイトル 1"/>
+          <p:cNvSpPr>
+            <a:spLocks noGrp="1"/>
+          </p:cNvSpPr>
+          <p:nvPr>
+            <p:ph type="title"/>
+          </p:nvPr>
+        </p:nvSpPr>
+        <p:spPr/>
+        <p:txBody>
+          <a:bodyPr/>
+          <a:lstStyle/>
+          <a:p>
+            <a:r>
+              <a:rPr kumimoji="1" lang="ja-JP" altLang="en-US" dirty="0" smtClean="0">
+                <a:latin typeface="メイリオ" panose="020B0604030504040204" pitchFamily="50" charset="-128"/>
+                <a:ea typeface="メイリオ" panose="020B0604030504040204" pitchFamily="50" charset="-128"/>
+                <a:cs typeface="メイリオ" panose="020B0604030504040204" pitchFamily="50" charset="-128"/>
+              </a:rPr>
+              <a:t>背景</a:t>
+            </a:r>
+            <a:endParaRPr kumimoji="1" lang="ja-JP" altLang="en-US" dirty="0">
+              <a:latin typeface="メイリオ" panose="020B0604030504040204" pitchFamily="50" charset="-128"/>
+              <a:ea typeface="メイリオ" panose="020B0604030504040204" pitchFamily="50" charset="-128"/>
+              <a:cs typeface="メイリオ" panose="020B0604030504040204" pitchFamily="50" charset="-128"/>
+            </a:endParaRPr>
+          </a:p>
+        </p:txBody>
+      </p:sp>
+      <p:sp>
+        <p:nvSpPr>
+          <p:cNvPr id="13" name="コンテンツ プレースホルダー 2"/>
+          <p:cNvSpPr>
+            <a:spLocks noGrp="1"/>
+          </p:cNvSpPr>
+          <p:nvPr>
+            <p:ph idx="1"/>
+          </p:nvPr>
+        </p:nvSpPr>
+        <p:spPr>
+          <a:xfrm>
+            <a:off x="1115616" y="1124744"/>
+            <a:ext cx="7818072" cy="5544616"/>
+          </a:xfrm>
+        </p:spPr>
+        <p:txBody>
+          <a:bodyPr>
+            <a:normAutofit lnSpcReduction="10000"/>
+          </a:bodyPr>
+          <a:lstStyle/>
+          <a:p>
+            <a:pPr marL="82296" indent="0">
+              <a:buNone/>
+            </a:pPr>
+            <a:r>
+              <a:rPr lang="ja-JP" altLang="en-US" dirty="0">
+                <a:latin typeface="メイリオ" panose="020B0604030504040204" pitchFamily="50" charset="-128"/>
+                <a:ea typeface="メイリオ" panose="020B0604030504040204" pitchFamily="50" charset="-128"/>
+                <a:cs typeface="メイリオ" panose="020B0604030504040204" pitchFamily="50" charset="-128"/>
+              </a:rPr>
+              <a:t>この後の</a:t>
+            </a:r>
+            <a:r>
+              <a:rPr lang="ja-JP" altLang="en-US" dirty="0" smtClean="0">
+                <a:latin typeface="メイリオ" panose="020B0604030504040204" pitchFamily="50" charset="-128"/>
+                <a:ea typeface="メイリオ" panose="020B0604030504040204" pitchFamily="50" charset="-128"/>
+                <a:cs typeface="メイリオ" panose="020B0604030504040204" pitchFamily="50" charset="-128"/>
+              </a:rPr>
+              <a:t>流れ</a:t>
+            </a:r>
+            <a:endParaRPr lang="en-US" altLang="ja-JP" dirty="0" smtClean="0">
+              <a:latin typeface="メイリオ" panose="020B0604030504040204" pitchFamily="50" charset="-128"/>
+              <a:ea typeface="メイリオ" panose="020B0604030504040204" pitchFamily="50" charset="-128"/>
+              <a:cs typeface="メイリオ" panose="020B0604030504040204" pitchFamily="50" charset="-128"/>
+            </a:endParaRPr>
+          </a:p>
+          <a:p>
+            <a:pPr marL="82296" indent="0">
+              <a:buNone/>
+            </a:pPr>
+            <a:r>
+              <a:rPr lang="ja-JP" altLang="en-US" dirty="0" smtClean="0">
+                <a:latin typeface="メイリオ" panose="020B0604030504040204" pitchFamily="50" charset="-128"/>
+                <a:ea typeface="メイリオ" panose="020B0604030504040204" pitchFamily="50" charset="-128"/>
+                <a:cs typeface="メイリオ" panose="020B0604030504040204" pitchFamily="50" charset="-128"/>
+              </a:rPr>
+              <a:t>・</a:t>
+            </a:r>
+            <a:r>
+              <a:rPr lang="en-US" altLang="ja-JP" dirty="0" err="1" smtClean="0">
+                <a:latin typeface="メイリオ" panose="020B0604030504040204" pitchFamily="50" charset="-128"/>
+                <a:ea typeface="メイリオ" panose="020B0604030504040204" pitchFamily="50" charset="-128"/>
+                <a:cs typeface="メイリオ" panose="020B0604030504040204" pitchFamily="50" charset="-128"/>
+              </a:rPr>
+              <a:t>cmd</a:t>
+            </a:r>
+            <a:r>
+              <a:rPr lang="ja-JP" altLang="en-US" dirty="0" smtClean="0">
+                <a:latin typeface="メイリオ" panose="020B0604030504040204" pitchFamily="50" charset="-128"/>
+                <a:ea typeface="メイリオ" panose="020B0604030504040204" pitchFamily="50" charset="-128"/>
+                <a:cs typeface="メイリオ" panose="020B0604030504040204" pitchFamily="50" charset="-128"/>
+              </a:rPr>
+              <a:t>改造計画</a:t>
+            </a:r>
+            <a:endParaRPr lang="en-US" altLang="ja-JP" dirty="0" smtClean="0">
+              <a:latin typeface="メイリオ" panose="020B0604030504040204" pitchFamily="50" charset="-128"/>
+              <a:ea typeface="メイリオ" panose="020B0604030504040204" pitchFamily="50" charset="-128"/>
+              <a:cs typeface="メイリオ" panose="020B0604030504040204" pitchFamily="50" charset="-128"/>
+            </a:endParaRPr>
+          </a:p>
+          <a:p>
+            <a:pPr marL="82296" indent="0">
+              <a:buNone/>
+            </a:pPr>
+            <a:r>
+              <a:rPr lang="ja-JP" altLang="en-US" dirty="0" smtClean="0">
+                <a:latin typeface="メイリオ" panose="020B0604030504040204" pitchFamily="50" charset="-128"/>
+                <a:ea typeface="メイリオ" panose="020B0604030504040204" pitchFamily="50" charset="-128"/>
+                <a:cs typeface="メイリオ" panose="020B0604030504040204" pitchFamily="50" charset="-128"/>
+              </a:rPr>
+              <a:t>・</a:t>
+            </a:r>
+            <a:r>
+              <a:rPr lang="en-US" altLang="ja-JP" dirty="0" smtClean="0">
+                <a:latin typeface="メイリオ" panose="020B0604030504040204" pitchFamily="50" charset="-128"/>
+                <a:ea typeface="メイリオ" panose="020B0604030504040204" pitchFamily="50" charset="-128"/>
+                <a:cs typeface="メイリオ" panose="020B0604030504040204" pitchFamily="50" charset="-128"/>
+              </a:rPr>
+              <a:t>nemo</a:t>
+            </a:r>
+            <a:r>
+              <a:rPr lang="ja-JP" altLang="en-US" dirty="0" err="1" smtClean="0">
+                <a:latin typeface="メイリオ" panose="020B0604030504040204" pitchFamily="50" charset="-128"/>
+                <a:ea typeface="メイリオ" panose="020B0604030504040204" pitchFamily="50" charset="-128"/>
+                <a:cs typeface="メイリオ" panose="020B0604030504040204" pitchFamily="50" charset="-128"/>
+              </a:rPr>
+              <a:t>さん</a:t>
+            </a:r>
+            <a:r>
+              <a:rPr lang="ja-JP" altLang="en-US" dirty="0" smtClean="0">
+                <a:latin typeface="メイリオ" panose="020B0604030504040204" pitchFamily="50" charset="-128"/>
+                <a:ea typeface="メイリオ" panose="020B0604030504040204" pitchFamily="50" charset="-128"/>
+                <a:cs typeface="メイリオ" panose="020B0604030504040204" pitchFamily="50" charset="-128"/>
+              </a:rPr>
+              <a:t>が</a:t>
+            </a:r>
+            <a:r>
+              <a:rPr lang="en-US" altLang="ja-JP" dirty="0" err="1" smtClean="0">
+                <a:latin typeface="メイリオ" panose="020B0604030504040204" pitchFamily="50" charset="-128"/>
+                <a:ea typeface="メイリオ" panose="020B0604030504040204" pitchFamily="50" charset="-128"/>
+                <a:cs typeface="メイリオ" panose="020B0604030504040204" pitchFamily="50" charset="-128"/>
+              </a:rPr>
+              <a:t>conemu</a:t>
+            </a:r>
+            <a:r>
+              <a:rPr lang="ja-JP" altLang="en-US" dirty="0" smtClean="0">
+                <a:latin typeface="メイリオ" panose="020B0604030504040204" pitchFamily="50" charset="-128"/>
+                <a:ea typeface="メイリオ" panose="020B0604030504040204" pitchFamily="50" charset="-128"/>
+                <a:cs typeface="メイリオ" panose="020B0604030504040204" pitchFamily="50" charset="-128"/>
+              </a:rPr>
+              <a:t>いいぞって言ってた</a:t>
+            </a:r>
+            <a:endParaRPr lang="en-US" altLang="ja-JP" dirty="0">
+              <a:latin typeface="メイリオ" panose="020B0604030504040204" pitchFamily="50" charset="-128"/>
+              <a:ea typeface="メイリオ" panose="020B0604030504040204" pitchFamily="50" charset="-128"/>
+              <a:cs typeface="メイリオ" panose="020B0604030504040204" pitchFamily="50" charset="-128"/>
+            </a:endParaRPr>
+          </a:p>
+          <a:p>
+            <a:pPr marL="82296" indent="0">
+              <a:buNone/>
+            </a:pPr>
+            <a:r>
+              <a:rPr lang="ja-JP" altLang="en-US" dirty="0">
+                <a:latin typeface="メイリオ" panose="020B0604030504040204" pitchFamily="50" charset="-128"/>
+                <a:ea typeface="メイリオ" panose="020B0604030504040204" pitchFamily="50" charset="-128"/>
+                <a:cs typeface="メイリオ" panose="020B0604030504040204" pitchFamily="50" charset="-128"/>
+              </a:rPr>
+              <a:t>・</a:t>
+            </a:r>
+            <a:r>
+              <a:rPr lang="ja-JP" altLang="en-US" dirty="0" smtClean="0">
+                <a:latin typeface="メイリオ" panose="020B0604030504040204" pitchFamily="50" charset="-128"/>
+                <a:ea typeface="メイリオ" panose="020B0604030504040204" pitchFamily="50" charset="-128"/>
+                <a:cs typeface="メイリオ" panose="020B0604030504040204" pitchFamily="50" charset="-128"/>
+              </a:rPr>
+              <a:t>いれよう→すばらしい・・・</a:t>
+            </a:r>
+            <a:endParaRPr lang="en-US" altLang="ja-JP" dirty="0">
+              <a:latin typeface="メイリオ" panose="020B0604030504040204" pitchFamily="50" charset="-128"/>
+              <a:ea typeface="メイリオ" panose="020B0604030504040204" pitchFamily="50" charset="-128"/>
+              <a:cs typeface="メイリオ" panose="020B0604030504040204" pitchFamily="50" charset="-128"/>
+            </a:endParaRPr>
+          </a:p>
+          <a:p>
+            <a:pPr marL="82296" indent="0">
+              <a:buNone/>
+            </a:pPr>
+            <a:r>
+              <a:rPr lang="ja-JP" altLang="en-US" dirty="0" smtClean="0">
+                <a:latin typeface="メイリオ" panose="020B0604030504040204" pitchFamily="50" charset="-128"/>
+                <a:ea typeface="メイリオ" panose="020B0604030504040204" pitchFamily="50" charset="-128"/>
+                <a:cs typeface="メイリオ" panose="020B0604030504040204" pitchFamily="50" charset="-128"/>
+              </a:rPr>
+              <a:t>・</a:t>
+            </a:r>
+            <a:r>
+              <a:rPr lang="en-US" altLang="ja-JP" dirty="0" smtClean="0">
+                <a:latin typeface="メイリオ" panose="020B0604030504040204" pitchFamily="50" charset="-128"/>
+                <a:ea typeface="メイリオ" panose="020B0604030504040204" pitchFamily="50" charset="-128"/>
+                <a:cs typeface="メイリオ" panose="020B0604030504040204" pitchFamily="50" charset="-128"/>
+              </a:rPr>
+              <a:t>GOW</a:t>
+            </a:r>
+            <a:r>
+              <a:rPr lang="ja-JP" altLang="en-US" dirty="0" smtClean="0">
+                <a:latin typeface="メイリオ" panose="020B0604030504040204" pitchFamily="50" charset="-128"/>
+                <a:ea typeface="メイリオ" panose="020B0604030504040204" pitchFamily="50" charset="-128"/>
+                <a:cs typeface="メイリオ" panose="020B0604030504040204" pitchFamily="50" charset="-128"/>
+              </a:rPr>
+              <a:t>いいぞって言ってた</a:t>
+            </a:r>
+            <a:endParaRPr lang="en-US" altLang="ja-JP" dirty="0" smtClean="0">
+              <a:latin typeface="メイリオ" panose="020B0604030504040204" pitchFamily="50" charset="-128"/>
+              <a:ea typeface="メイリオ" panose="020B0604030504040204" pitchFamily="50" charset="-128"/>
+              <a:cs typeface="メイリオ" panose="020B0604030504040204" pitchFamily="50" charset="-128"/>
+            </a:endParaRPr>
+          </a:p>
+          <a:p>
+            <a:pPr marL="82296" indent="0">
+              <a:buNone/>
+            </a:pPr>
+            <a:r>
+              <a:rPr lang="ja-JP" altLang="en-US" dirty="0" smtClean="0">
+                <a:latin typeface="メイリオ" panose="020B0604030504040204" pitchFamily="50" charset="-128"/>
+                <a:ea typeface="メイリオ" panose="020B0604030504040204" pitchFamily="50" charset="-128"/>
+                <a:cs typeface="メイリオ" panose="020B0604030504040204" pitchFamily="50" charset="-128"/>
+              </a:rPr>
+              <a:t>・いれよう→すばらしい・・・</a:t>
+            </a:r>
+            <a:endParaRPr lang="en-US" altLang="ja-JP" dirty="0" smtClean="0">
+              <a:latin typeface="メイリオ" panose="020B0604030504040204" pitchFamily="50" charset="-128"/>
+              <a:ea typeface="メイリオ" panose="020B0604030504040204" pitchFamily="50" charset="-128"/>
+              <a:cs typeface="メイリオ" panose="020B0604030504040204" pitchFamily="50" charset="-128"/>
+            </a:endParaRPr>
+          </a:p>
+          <a:p>
+            <a:pPr marL="82296" indent="0">
+              <a:buNone/>
+            </a:pPr>
+            <a:r>
+              <a:rPr lang="ja-JP" altLang="en-US" dirty="0" smtClean="0">
+                <a:latin typeface="メイリオ" panose="020B0604030504040204" pitchFamily="50" charset="-128"/>
+                <a:ea typeface="メイリオ" panose="020B0604030504040204" pitchFamily="50" charset="-128"/>
+                <a:cs typeface="メイリオ" panose="020B0604030504040204" pitchFamily="50" charset="-128"/>
+              </a:rPr>
+              <a:t>・なんか文字化けする→</a:t>
+            </a:r>
+            <a:r>
+              <a:rPr lang="ja-JP" altLang="en-US" dirty="0" err="1" smtClean="0">
+                <a:latin typeface="メイリオ" panose="020B0604030504040204" pitchFamily="50" charset="-128"/>
+                <a:ea typeface="メイリオ" panose="020B0604030504040204" pitchFamily="50" charset="-128"/>
+                <a:cs typeface="メイリオ" panose="020B0604030504040204" pitchFamily="50" charset="-128"/>
+              </a:rPr>
+              <a:t>にゃ</a:t>
+            </a:r>
+            <a:r>
+              <a:rPr lang="ja-JP" altLang="en-US" dirty="0" smtClean="0">
+                <a:latin typeface="メイリオ" panose="020B0604030504040204" pitchFamily="50" charset="-128"/>
+                <a:ea typeface="メイリオ" panose="020B0604030504040204" pitchFamily="50" charset="-128"/>
+                <a:cs typeface="メイリオ" panose="020B0604030504040204" pitchFamily="50" charset="-128"/>
+              </a:rPr>
+              <a:t>おす</a:t>
+            </a:r>
+            <a:endParaRPr lang="en-US" altLang="ja-JP" dirty="0" smtClean="0">
+              <a:latin typeface="メイリオ" panose="020B0604030504040204" pitchFamily="50" charset="-128"/>
+              <a:ea typeface="メイリオ" panose="020B0604030504040204" pitchFamily="50" charset="-128"/>
+              <a:cs typeface="メイリオ" panose="020B0604030504040204" pitchFamily="50" charset="-128"/>
+            </a:endParaRPr>
+          </a:p>
+          <a:p>
+            <a:pPr marL="82296" indent="0">
+              <a:buNone/>
+            </a:pPr>
+            <a:r>
+              <a:rPr lang="en-US" altLang="ja-JP" dirty="0" err="1" smtClean="0">
+                <a:latin typeface="メイリオ" panose="020B0604030504040204" pitchFamily="50" charset="-128"/>
+                <a:ea typeface="メイリオ" panose="020B0604030504040204" pitchFamily="50" charset="-128"/>
+                <a:cs typeface="メイリオ" panose="020B0604030504040204" pitchFamily="50" charset="-128"/>
+              </a:rPr>
+              <a:t>Gow</a:t>
+            </a:r>
+            <a:r>
+              <a:rPr lang="ja-JP" altLang="en-US" dirty="0" smtClean="0">
+                <a:latin typeface="メイリオ" panose="020B0604030504040204" pitchFamily="50" charset="-128"/>
+                <a:ea typeface="メイリオ" panose="020B0604030504040204" pitchFamily="50" charset="-128"/>
+                <a:cs typeface="メイリオ" panose="020B0604030504040204" pitchFamily="50" charset="-128"/>
+              </a:rPr>
+              <a:t>に</a:t>
+            </a:r>
+            <a:r>
+              <a:rPr lang="en-US" altLang="ja-JP" dirty="0" smtClean="0">
+                <a:latin typeface="メイリオ" panose="020B0604030504040204" pitchFamily="50" charset="-128"/>
+                <a:ea typeface="メイリオ" panose="020B0604030504040204" pitchFamily="50" charset="-128"/>
+                <a:cs typeface="メイリオ" panose="020B0604030504040204" pitchFamily="50" charset="-128"/>
+              </a:rPr>
+              <a:t>vim</a:t>
+            </a:r>
+            <a:r>
+              <a:rPr lang="ja-JP" altLang="en-US" dirty="0" smtClean="0">
+                <a:latin typeface="メイリオ" panose="020B0604030504040204" pitchFamily="50" charset="-128"/>
+                <a:ea typeface="メイリオ" panose="020B0604030504040204" pitchFamily="50" charset="-128"/>
+                <a:cs typeface="メイリオ" panose="020B0604030504040204" pitchFamily="50" charset="-128"/>
+              </a:rPr>
+              <a:t>がはいっててすごくいい。</a:t>
+            </a:r>
+            <a:endParaRPr lang="en-US" altLang="ja-JP" dirty="0" smtClean="0">
+              <a:latin typeface="メイリオ" panose="020B0604030504040204" pitchFamily="50" charset="-128"/>
+              <a:ea typeface="メイリオ" panose="020B0604030504040204" pitchFamily="50" charset="-128"/>
+              <a:cs typeface="メイリオ" panose="020B0604030504040204" pitchFamily="50" charset="-128"/>
+            </a:endParaRPr>
+          </a:p>
+          <a:p>
+            <a:pPr marL="82296" indent="0">
+              <a:buNone/>
+            </a:pPr>
+            <a:r>
+              <a:rPr lang="ja-JP" altLang="en-US" dirty="0" smtClean="0">
+                <a:latin typeface="メイリオ" panose="020B0604030504040204" pitchFamily="50" charset="-128"/>
+                <a:ea typeface="メイリオ" panose="020B0604030504040204" pitchFamily="50" charset="-128"/>
+                <a:cs typeface="メイリオ" panose="020B0604030504040204" pitchFamily="50" charset="-128"/>
+              </a:rPr>
+              <a:t>→使ってみよう→第二部へ</a:t>
+            </a:r>
+            <a:endParaRPr lang="en-US" altLang="ja-JP" dirty="0" smtClean="0">
+              <a:latin typeface="メイリオ" panose="020B0604030504040204" pitchFamily="50" charset="-128"/>
+              <a:ea typeface="メイリオ" panose="020B0604030504040204" pitchFamily="50" charset="-128"/>
+              <a:cs typeface="メイリオ" panose="020B0604030504040204" pitchFamily="50" charset="-128"/>
+            </a:endParaRPr>
+          </a:p>
+        </p:txBody>
+      </p:sp>
+    </p:spTree>
+    <p:extLst>
+      <p:ext uri="{BB962C8B-B14F-4D97-AF65-F5344CB8AC3E}">
+        <p14:creationId xmlns:p14="http://schemas.microsoft.com/office/powerpoint/2010/main" val="3365495107"/>
+      </p:ext>
+    </p:extLst>
+  </p:cSld>
+  <p:clrMapOvr>
+    <a:masterClrMapping/>
+  </p:clrMapOvr>
+  <p:timing>
+    <p:tnLst>
+      <p:par>
+        <p:cTn id="1" dur="indefinite" restart="never" nodeType="tmRoot"/>
+      </p:par>
+    </p:tnLst>
+  </p:timing>
+</p:sld>
+</file>
+
+<file path=ppt/slides/slide17.xml><?xml version="1.0" encoding="utf-8"?>
+<p:sld xmlns:a="http://schemas.openxmlformats.org/drawingml/2006/main" xmlns:r="http://schemas.openxmlformats.org/officeDocument/2006/relationships" xmlns:p="http://schemas.openxmlformats.org/presentationml/2006/main">
+  <p:cSld>
+    <p:spTree>
+      <p:nvGrpSpPr>
+        <p:cNvPr id="1" name=""/>
+        <p:cNvGrpSpPr/>
+        <p:nvPr/>
+      </p:nvGrpSpPr>
+      <p:grpSpPr>
+        <a:xfrm>
+          <a:off x="0" y="0"/>
+          <a:ext cx="0" cy="0"/>
+          <a:chOff x="0" y="0"/>
+          <a:chExt cx="0" cy="0"/>
+        </a:xfrm>
+      </p:grpSpPr>
+      <p:sp>
+        <p:nvSpPr>
           <p:cNvPr id="2" name="タイトル 1"/>
           <p:cNvSpPr>
             <a:spLocks noGrp="1"/>
@@ -4935,7 +7010,7 @@
 </p:sld>
 </file>
 
-<file path=ppt/slides/slide11.xml><?xml version="1.0" encoding="utf-8"?>
+<file path=ppt/slides/slide18.xml><?xml version="1.0" encoding="utf-8"?>
 <p:sld xmlns:a="http://schemas.openxmlformats.org/drawingml/2006/main" xmlns:r="http://schemas.openxmlformats.org/officeDocument/2006/relationships" xmlns:p="http://schemas.openxmlformats.org/presentationml/2006/main">
   <p:cSld>
     <p:spTree>
@@ -5189,7 +7264,7 @@
 </p:sld>
 </file>
 
-<file path=ppt/slides/slide12.xml><?xml version="1.0" encoding="utf-8"?>
+<file path=ppt/slides/slide19.xml><?xml version="1.0" encoding="utf-8"?>
 <p:sld xmlns:a="http://schemas.openxmlformats.org/drawingml/2006/main" xmlns:r="http://schemas.openxmlformats.org/officeDocument/2006/relationships" xmlns:p="http://schemas.openxmlformats.org/presentationml/2006/main">
   <p:cSld>
     <p:spTree>
@@ -5547,7 +7622,137 @@
 </p:sld>
 </file>
 
-<file path=ppt/slides/slide13.xml><?xml version="1.0" encoding="utf-8"?>
+<file path=ppt/slides/slide2.xml><?xml version="1.0" encoding="utf-8"?>
+<p:sld xmlns:a="http://schemas.openxmlformats.org/drawingml/2006/main" xmlns:r="http://schemas.openxmlformats.org/officeDocument/2006/relationships" xmlns:p="http://schemas.openxmlformats.org/presentationml/2006/main">
+  <p:cSld>
+    <p:spTree>
+      <p:nvGrpSpPr>
+        <p:cNvPr id="1" name=""/>
+        <p:cNvGrpSpPr/>
+        <p:nvPr/>
+      </p:nvGrpSpPr>
+      <p:grpSpPr>
+        <a:xfrm>
+          <a:off x="0" y="0"/>
+          <a:ext cx="0" cy="0"/>
+          <a:chOff x="0" y="0"/>
+          <a:chExt cx="0" cy="0"/>
+        </a:xfrm>
+      </p:grpSpPr>
+      <p:sp>
+        <p:nvSpPr>
+          <p:cNvPr id="2" name="タイトル 1"/>
+          <p:cNvSpPr>
+            <a:spLocks noGrp="1"/>
+          </p:cNvSpPr>
+          <p:nvPr>
+            <p:ph type="title"/>
+          </p:nvPr>
+        </p:nvSpPr>
+        <p:spPr>
+          <a:xfrm>
+            <a:off x="1435608" y="2852936"/>
+            <a:ext cx="7498080" cy="1143000"/>
+          </a:xfrm>
+        </p:spPr>
+        <p:txBody>
+          <a:bodyPr>
+            <a:normAutofit fontScale="90000"/>
+          </a:bodyPr>
+          <a:lstStyle/>
+          <a:p>
+            <a:r>
+              <a:rPr kumimoji="1" lang="ja-JP" altLang="en-US" sz="3600" dirty="0" smtClean="0">
+                <a:latin typeface="メイリオ" panose="020B0604030504040204" pitchFamily="50" charset="-128"/>
+                <a:ea typeface="メイリオ" panose="020B0604030504040204" pitchFamily="50" charset="-128"/>
+                <a:cs typeface="メイリオ" panose="020B0604030504040204" pitchFamily="50" charset="-128"/>
+              </a:rPr>
+              <a:t>第一部　</a:t>
+            </a:r>
+            <a:r>
+              <a:rPr kumimoji="1" lang="en-US" altLang="ja-JP" sz="3600" dirty="0" smtClean="0">
+                <a:latin typeface="メイリオ" panose="020B0604030504040204" pitchFamily="50" charset="-128"/>
+                <a:ea typeface="メイリオ" panose="020B0604030504040204" pitchFamily="50" charset="-128"/>
+                <a:cs typeface="メイリオ" panose="020B0604030504040204" pitchFamily="50" charset="-128"/>
+              </a:rPr>
+              <a:t>Vim</a:t>
+            </a:r>
+            <a:r>
+              <a:rPr kumimoji="1" lang="ja-JP" altLang="en-US" sz="3600" dirty="0" smtClean="0">
+                <a:latin typeface="メイリオ" panose="020B0604030504040204" pitchFamily="50" charset="-128"/>
+                <a:ea typeface="メイリオ" panose="020B0604030504040204" pitchFamily="50" charset="-128"/>
+                <a:cs typeface="メイリオ" panose="020B0604030504040204" pitchFamily="50" charset="-128"/>
+              </a:rPr>
+              <a:t>との出会い</a:t>
+            </a:r>
+            <a:r>
+              <a:rPr kumimoji="1" lang="en-US" altLang="ja-JP" sz="3600" dirty="0" smtClean="0">
+                <a:latin typeface="メイリオ" panose="020B0604030504040204" pitchFamily="50" charset="-128"/>
+                <a:ea typeface="メイリオ" panose="020B0604030504040204" pitchFamily="50" charset="-128"/>
+                <a:cs typeface="メイリオ" panose="020B0604030504040204" pitchFamily="50" charset="-128"/>
+              </a:rPr>
+              <a:t/>
+            </a:r>
+            <a:br>
+              <a:rPr kumimoji="1" lang="en-US" altLang="ja-JP" sz="3600" dirty="0" smtClean="0">
+                <a:latin typeface="メイリオ" panose="020B0604030504040204" pitchFamily="50" charset="-128"/>
+                <a:ea typeface="メイリオ" panose="020B0604030504040204" pitchFamily="50" charset="-128"/>
+                <a:cs typeface="メイリオ" panose="020B0604030504040204" pitchFamily="50" charset="-128"/>
+              </a:rPr>
+            </a:br>
+            <a:r>
+              <a:rPr kumimoji="1" lang="ja-JP" altLang="en-US" sz="3600" dirty="0" smtClean="0">
+                <a:latin typeface="メイリオ" panose="020B0604030504040204" pitchFamily="50" charset="-128"/>
+                <a:ea typeface="メイリオ" panose="020B0604030504040204" pitchFamily="50" charset="-128"/>
+                <a:cs typeface="メイリオ" panose="020B0604030504040204" pitchFamily="50" charset="-128"/>
+              </a:rPr>
+              <a:t>　　　　</a:t>
+            </a:r>
+            <a:r>
+              <a:rPr lang="ja-JP" altLang="en-US" sz="3600" dirty="0" smtClean="0">
+                <a:latin typeface="メイリオ" panose="020B0604030504040204" pitchFamily="50" charset="-128"/>
+                <a:ea typeface="メイリオ" panose="020B0604030504040204" pitchFamily="50" charset="-128"/>
+                <a:cs typeface="メイリオ" panose="020B0604030504040204" pitchFamily="50" charset="-128"/>
+              </a:rPr>
+              <a:t>～</a:t>
+            </a:r>
+            <a:r>
+              <a:rPr kumimoji="1" lang="ja-JP" altLang="en-US" sz="3600" dirty="0" smtClean="0">
+                <a:latin typeface="メイリオ" panose="020B0604030504040204" pitchFamily="50" charset="-128"/>
+                <a:ea typeface="メイリオ" panose="020B0604030504040204" pitchFamily="50" charset="-128"/>
+                <a:cs typeface="メイリオ" panose="020B0604030504040204" pitchFamily="50" charset="-128"/>
+              </a:rPr>
+              <a:t>コマンドプロンプト改造～</a:t>
+            </a:r>
+            <a:endParaRPr kumimoji="1" lang="ja-JP" altLang="en-US" sz="3600" dirty="0">
+              <a:latin typeface="メイリオ" panose="020B0604030504040204" pitchFamily="50" charset="-128"/>
+              <a:ea typeface="メイリオ" panose="020B0604030504040204" pitchFamily="50" charset="-128"/>
+              <a:cs typeface="メイリオ" panose="020B0604030504040204" pitchFamily="50" charset="-128"/>
+            </a:endParaRPr>
+          </a:p>
+        </p:txBody>
+      </p:sp>
+    </p:spTree>
+    <p:extLst>
+      <p:ext uri="{BB962C8B-B14F-4D97-AF65-F5344CB8AC3E}">
+        <p14:creationId xmlns:p14="http://schemas.microsoft.com/office/powerpoint/2010/main" val="2486749052"/>
+      </p:ext>
+    </p:extLst>
+  </p:cSld>
+  <p:clrMapOvr>
+    <a:masterClrMapping/>
+  </p:clrMapOvr>
+  <p:timing>
+    <p:tnLst>
+      <p:par>
+        <p:cTn id="1" dur="indefinite" restart="never" nodeType="tmRoot"/>
+      </p:par>
+    </p:tnLst>
+  </p:timing>
+</p:sld>
+</file>
+
+<file path=ppt/slides/slide20.xml><?xml version="1.0" encoding="utf-8"?>
 <p:sld xmlns:a="http://schemas.openxmlformats.org/drawingml/2006/main" xmlns:r="http://schemas.openxmlformats.org/officeDocument/2006/relationships" xmlns:p="http://schemas.openxmlformats.org/presentationml/2006/main">
   <p:cSld>
     <p:spTree>
@@ -5830,7 +8035,7 @@
 </p:sld>
 </file>
 
-<file path=ppt/slides/slide14.xml><?xml version="1.0" encoding="utf-8"?>
+<file path=ppt/slides/slide21.xml><?xml version="1.0" encoding="utf-8"?>
 <p:sld xmlns:a="http://schemas.openxmlformats.org/drawingml/2006/main" xmlns:r="http://schemas.openxmlformats.org/officeDocument/2006/relationships" xmlns:p="http://schemas.openxmlformats.org/presentationml/2006/main">
   <p:cSld>
     <p:spTree>
@@ -6211,7 +8416,7 @@
 </p:sld>
 </file>
 
-<file path=ppt/slides/slide15.xml><?xml version="1.0" encoding="utf-8"?>
+<file path=ppt/slides/slide22.xml><?xml version="1.0" encoding="utf-8"?>
 <p:sld xmlns:a="http://schemas.openxmlformats.org/drawingml/2006/main" xmlns:r="http://schemas.openxmlformats.org/officeDocument/2006/relationships" xmlns:p="http://schemas.openxmlformats.org/presentationml/2006/main">
   <p:cSld>
     <p:spTree>
@@ -6628,7 +8833,7 @@
 </p:sld>
 </file>
 
-<file path=ppt/slides/slide16.xml><?xml version="1.0" encoding="utf-8"?>
+<file path=ppt/slides/slide23.xml><?xml version="1.0" encoding="utf-8"?>
 <p:sld xmlns:a="http://schemas.openxmlformats.org/drawingml/2006/main" xmlns:r="http://schemas.openxmlformats.org/officeDocument/2006/relationships" xmlns:p="http://schemas.openxmlformats.org/presentationml/2006/main">
   <p:cSld>
     <p:spTree>
@@ -6898,7 +9103,7 @@
 </p:sld>
 </file>
 
-<file path=ppt/slides/slide17.xml><?xml version="1.0" encoding="utf-8"?>
+<file path=ppt/slides/slide24.xml><?xml version="1.0" encoding="utf-8"?>
 <p:sld xmlns:a="http://schemas.openxmlformats.org/drawingml/2006/main" xmlns:r="http://schemas.openxmlformats.org/officeDocument/2006/relationships" xmlns:p="http://schemas.openxmlformats.org/presentationml/2006/main">
   <p:cSld>
     <p:spTree>
@@ -6977,223 +9182,7 @@
                 <a:ea typeface="メイリオ" panose="020B0604030504040204" pitchFamily="50" charset="-128"/>
                 <a:cs typeface="メイリオ" panose="020B0604030504040204" pitchFamily="50" charset="-128"/>
               </a:rPr>
-              <a:t>・なんか作ろうと思ってたけど</a:t>
-            </a:r>
-            <a:endParaRPr lang="en-US" altLang="ja-JP" dirty="0" smtClean="0">
-              <a:latin typeface="メイリオ" panose="020B0604030504040204" pitchFamily="50" charset="-128"/>
-              <a:ea typeface="メイリオ" panose="020B0604030504040204" pitchFamily="50" charset="-128"/>
-              <a:cs typeface="メイリオ" panose="020B0604030504040204" pitchFamily="50" charset="-128"/>
-            </a:endParaRPr>
-          </a:p>
-          <a:p>
-            <a:pPr marL="82296" indent="0">
-              <a:buNone/>
-            </a:pPr>
-            <a:r>
-              <a:rPr lang="ja-JP" altLang="en-US" dirty="0">
-                <a:latin typeface="メイリオ" panose="020B0604030504040204" pitchFamily="50" charset="-128"/>
-                <a:ea typeface="メイリオ" panose="020B0604030504040204" pitchFamily="50" charset="-128"/>
-                <a:cs typeface="メイリオ" panose="020B0604030504040204" pitchFamily="50" charset="-128"/>
-              </a:rPr>
-              <a:t>　</a:t>
-            </a:r>
-            <a:r>
-              <a:rPr lang="ja-JP" altLang="en-US" dirty="0" smtClean="0">
-                <a:latin typeface="メイリオ" panose="020B0604030504040204" pitchFamily="50" charset="-128"/>
-                <a:ea typeface="メイリオ" panose="020B0604030504040204" pitchFamily="50" charset="-128"/>
-                <a:cs typeface="メイリオ" panose="020B0604030504040204" pitchFamily="50" charset="-128"/>
-              </a:rPr>
-              <a:t>サンプル追うだけでおわった・・・</a:t>
-            </a:r>
-            <a:endParaRPr lang="en-US" altLang="ja-JP" dirty="0" smtClean="0">
-              <a:latin typeface="メイリオ" panose="020B0604030504040204" pitchFamily="50" charset="-128"/>
-              <a:ea typeface="メイリオ" panose="020B0604030504040204" pitchFamily="50" charset="-128"/>
-              <a:cs typeface="メイリオ" panose="020B0604030504040204" pitchFamily="50" charset="-128"/>
-            </a:endParaRPr>
-          </a:p>
-          <a:p>
-            <a:pPr marL="82296" indent="0">
-              <a:buNone/>
-            </a:pPr>
-            <a:endParaRPr lang="en-US" altLang="ja-JP" dirty="0">
-              <a:latin typeface="メイリオ" panose="020B0604030504040204" pitchFamily="50" charset="-128"/>
-              <a:ea typeface="メイリオ" panose="020B0604030504040204" pitchFamily="50" charset="-128"/>
-              <a:cs typeface="メイリオ" panose="020B0604030504040204" pitchFamily="50" charset="-128"/>
-            </a:endParaRPr>
-          </a:p>
-          <a:p>
-            <a:pPr marL="82296" indent="0">
-              <a:buNone/>
-            </a:pPr>
-            <a:r>
-              <a:rPr lang="ja-JP" altLang="en-US" dirty="0" smtClean="0">
-                <a:latin typeface="メイリオ" panose="020B0604030504040204" pitchFamily="50" charset="-128"/>
-                <a:ea typeface="メイリオ" panose="020B0604030504040204" pitchFamily="50" charset="-128"/>
-                <a:cs typeface="メイリオ" panose="020B0604030504040204" pitchFamily="50" charset="-128"/>
-              </a:rPr>
-              <a:t>・</a:t>
-            </a:r>
-            <a:r>
-              <a:rPr lang="en-US" altLang="ja-JP" dirty="0" smtClean="0">
-                <a:latin typeface="メイリオ" panose="020B0604030504040204" pitchFamily="50" charset="-128"/>
-                <a:ea typeface="メイリオ" panose="020B0604030504040204" pitchFamily="50" charset="-128"/>
-                <a:cs typeface="メイリオ" panose="020B0604030504040204" pitchFamily="50" charset="-128"/>
-              </a:rPr>
-              <a:t>JS</a:t>
-            </a:r>
-            <a:r>
-              <a:rPr lang="ja-JP" altLang="en-US" dirty="0" smtClean="0">
-                <a:latin typeface="メイリオ" panose="020B0604030504040204" pitchFamily="50" charset="-128"/>
-                <a:ea typeface="メイリオ" panose="020B0604030504040204" pitchFamily="50" charset="-128"/>
-                <a:cs typeface="メイリオ" panose="020B0604030504040204" pitchFamily="50" charset="-128"/>
-              </a:rPr>
-              <a:t>とか</a:t>
-            </a:r>
-            <a:r>
-              <a:rPr lang="en-US" altLang="ja-JP" dirty="0" smtClean="0">
-                <a:latin typeface="メイリオ" panose="020B0604030504040204" pitchFamily="50" charset="-128"/>
-                <a:ea typeface="メイリオ" panose="020B0604030504040204" pitchFamily="50" charset="-128"/>
-                <a:cs typeface="メイリオ" panose="020B0604030504040204" pitchFamily="50" charset="-128"/>
-              </a:rPr>
-              <a:t>Web</a:t>
-            </a:r>
-            <a:r>
-              <a:rPr lang="ja-JP" altLang="en-US" dirty="0" smtClean="0">
-                <a:latin typeface="メイリオ" panose="020B0604030504040204" pitchFamily="50" charset="-128"/>
-                <a:ea typeface="メイリオ" panose="020B0604030504040204" pitchFamily="50" charset="-128"/>
-                <a:cs typeface="メイリオ" panose="020B0604030504040204" pitchFamily="50" charset="-128"/>
-              </a:rPr>
-              <a:t>系技術は別途勉強した</a:t>
-            </a:r>
-            <a:endParaRPr lang="en-US" altLang="ja-JP" dirty="0" smtClean="0">
-              <a:latin typeface="メイリオ" panose="020B0604030504040204" pitchFamily="50" charset="-128"/>
-              <a:ea typeface="メイリオ" panose="020B0604030504040204" pitchFamily="50" charset="-128"/>
-              <a:cs typeface="メイリオ" panose="020B0604030504040204" pitchFamily="50" charset="-128"/>
-            </a:endParaRPr>
-          </a:p>
-          <a:p>
-            <a:pPr marL="82296" indent="0">
-              <a:buNone/>
-            </a:pPr>
-            <a:r>
-              <a:rPr lang="ja-JP" altLang="en-US" dirty="0">
-                <a:latin typeface="メイリオ" panose="020B0604030504040204" pitchFamily="50" charset="-128"/>
-                <a:ea typeface="メイリオ" panose="020B0604030504040204" pitchFamily="50" charset="-128"/>
-                <a:cs typeface="メイリオ" panose="020B0604030504040204" pitchFamily="50" charset="-128"/>
-              </a:rPr>
-              <a:t>　</a:t>
-            </a:r>
-            <a:r>
-              <a:rPr lang="ja-JP" altLang="en-US" dirty="0" smtClean="0">
-                <a:latin typeface="メイリオ" panose="020B0604030504040204" pitchFamily="50" charset="-128"/>
-                <a:ea typeface="メイリオ" panose="020B0604030504040204" pitchFamily="50" charset="-128"/>
-                <a:cs typeface="メイリオ" panose="020B0604030504040204" pitchFamily="50" charset="-128"/>
-              </a:rPr>
-              <a:t>ほうがいいかも。</a:t>
-            </a:r>
-            <a:endParaRPr lang="en-US" altLang="ja-JP" dirty="0" smtClean="0">
-              <a:latin typeface="メイリオ" panose="020B0604030504040204" pitchFamily="50" charset="-128"/>
-              <a:ea typeface="メイリオ" panose="020B0604030504040204" pitchFamily="50" charset="-128"/>
-              <a:cs typeface="メイリオ" panose="020B0604030504040204" pitchFamily="50" charset="-128"/>
-            </a:endParaRPr>
-          </a:p>
-          <a:p>
-            <a:pPr marL="82296" indent="0">
-              <a:buNone/>
-            </a:pPr>
-            <a:r>
-              <a:rPr lang="ja-JP" altLang="en-US" dirty="0" smtClean="0">
-                <a:latin typeface="メイリオ" panose="020B0604030504040204" pitchFamily="50" charset="-128"/>
-                <a:ea typeface="メイリオ" panose="020B0604030504040204" pitchFamily="50" charset="-128"/>
-                <a:cs typeface="メイリオ" panose="020B0604030504040204" pitchFamily="50" charset="-128"/>
-              </a:rPr>
-              <a:t>　→</a:t>
-            </a:r>
-            <a:r>
-              <a:rPr lang="en-US" altLang="ja-JP" dirty="0" smtClean="0">
-                <a:latin typeface="メイリオ" panose="020B0604030504040204" pitchFamily="50" charset="-128"/>
-                <a:ea typeface="メイリオ" panose="020B0604030504040204" pitchFamily="50" charset="-128"/>
-                <a:cs typeface="メイリオ" panose="020B0604030504040204" pitchFamily="50" charset="-128"/>
-              </a:rPr>
-              <a:t>Monaca</a:t>
-            </a:r>
-            <a:r>
-              <a:rPr lang="ja-JP" altLang="en-US" dirty="0" smtClean="0">
-                <a:latin typeface="メイリオ" panose="020B0604030504040204" pitchFamily="50" charset="-128"/>
-                <a:ea typeface="メイリオ" panose="020B0604030504040204" pitchFamily="50" charset="-128"/>
-                <a:cs typeface="メイリオ" panose="020B0604030504040204" pitchFamily="50" charset="-128"/>
-              </a:rPr>
-              <a:t>を勉強用にもできそう。</a:t>
-            </a:r>
-            <a:endParaRPr lang="en-US" altLang="ja-JP" dirty="0" smtClean="0">
-              <a:latin typeface="メイリオ" panose="020B0604030504040204" pitchFamily="50" charset="-128"/>
-              <a:ea typeface="メイリオ" panose="020B0604030504040204" pitchFamily="50" charset="-128"/>
-              <a:cs typeface="メイリオ" panose="020B0604030504040204" pitchFamily="50" charset="-128"/>
-            </a:endParaRPr>
-          </a:p>
-          <a:p>
-            <a:pPr marL="82296" indent="0">
-              <a:buNone/>
-            </a:pPr>
-            <a:endParaRPr lang="en-US" altLang="ja-JP" dirty="0">
-              <a:latin typeface="メイリオ" panose="020B0604030504040204" pitchFamily="50" charset="-128"/>
-              <a:ea typeface="メイリオ" panose="020B0604030504040204" pitchFamily="50" charset="-128"/>
-              <a:cs typeface="メイリオ" panose="020B0604030504040204" pitchFamily="50" charset="-128"/>
-            </a:endParaRPr>
-          </a:p>
-          <a:p>
-            <a:pPr marL="82296" indent="0">
-              <a:buNone/>
-            </a:pPr>
-            <a:r>
-              <a:rPr lang="ja-JP" altLang="en-US" dirty="0" smtClean="0">
-                <a:latin typeface="メイリオ" panose="020B0604030504040204" pitchFamily="50" charset="-128"/>
-                <a:ea typeface="メイリオ" panose="020B0604030504040204" pitchFamily="50" charset="-128"/>
-                <a:cs typeface="メイリオ" panose="020B0604030504040204" pitchFamily="50" charset="-128"/>
-              </a:rPr>
-              <a:t>・今後は</a:t>
-            </a:r>
-            <a:r>
-              <a:rPr lang="en-US" altLang="ja-JP" dirty="0" err="1" smtClean="0">
-                <a:latin typeface="メイリオ" panose="020B0604030504040204" pitchFamily="50" charset="-128"/>
-                <a:ea typeface="メイリオ" panose="020B0604030504040204" pitchFamily="50" charset="-128"/>
-                <a:cs typeface="メイリオ" panose="020B0604030504040204" pitchFamily="50" charset="-128"/>
-              </a:rPr>
-              <a:t>PhoneGap</a:t>
-            </a:r>
-            <a:r>
-              <a:rPr lang="ja-JP" altLang="en-US" dirty="0" smtClean="0">
-                <a:latin typeface="メイリオ" panose="020B0604030504040204" pitchFamily="50" charset="-128"/>
-                <a:ea typeface="メイリオ" panose="020B0604030504040204" pitchFamily="50" charset="-128"/>
-                <a:cs typeface="メイリオ" panose="020B0604030504040204" pitchFamily="50" charset="-128"/>
-              </a:rPr>
-              <a:t>とか触ると面白い</a:t>
-            </a:r>
-            <a:endParaRPr lang="en-US" altLang="ja-JP" dirty="0" smtClean="0">
-              <a:latin typeface="メイリオ" panose="020B0604030504040204" pitchFamily="50" charset="-128"/>
-              <a:ea typeface="メイリオ" panose="020B0604030504040204" pitchFamily="50" charset="-128"/>
-              <a:cs typeface="メイリオ" panose="020B0604030504040204" pitchFamily="50" charset="-128"/>
-            </a:endParaRPr>
-          </a:p>
-          <a:p>
-            <a:pPr marL="82296" indent="0">
-              <a:buNone/>
-            </a:pPr>
-            <a:r>
-              <a:rPr lang="ja-JP" altLang="en-US" dirty="0">
-                <a:latin typeface="メイリオ" panose="020B0604030504040204" pitchFamily="50" charset="-128"/>
-                <a:ea typeface="メイリオ" panose="020B0604030504040204" pitchFamily="50" charset="-128"/>
-                <a:cs typeface="メイリオ" panose="020B0604030504040204" pitchFamily="50" charset="-128"/>
-              </a:rPr>
-              <a:t>　</a:t>
-            </a:r>
-            <a:r>
-              <a:rPr lang="ja-JP" altLang="en-US" dirty="0" smtClean="0">
-                <a:latin typeface="メイリオ" panose="020B0604030504040204" pitchFamily="50" charset="-128"/>
-                <a:ea typeface="メイリオ" panose="020B0604030504040204" pitchFamily="50" charset="-128"/>
-                <a:cs typeface="メイリオ" panose="020B0604030504040204" pitchFamily="50" charset="-128"/>
-              </a:rPr>
-              <a:t>と思った</a:t>
+              <a:t>ああ</a:t>
             </a:r>
             <a:endParaRPr lang="en-US" altLang="ja-JP" dirty="0" smtClean="0">
               <a:latin typeface="メイリオ" panose="020B0604030504040204" pitchFamily="50" charset="-128"/>
@@ -7206,7 +9195,7 @@
     </p:spTree>
     <p:extLst>
       <p:ext uri="{BB962C8B-B14F-4D97-AF65-F5344CB8AC3E}">
-        <p14:creationId xmlns:p14="http://schemas.microsoft.com/office/powerpoint/2010/main" val="1080911360"/>
+        <p14:creationId xmlns:p14="http://schemas.microsoft.com/office/powerpoint/2010/main" val="3296658082"/>
       </p:ext>
     </p:extLst>
   </p:cSld>
@@ -7216,7 +9205,7 @@
 </p:sld>
 </file>
 
-<file path=ppt/slides/slide18.xml><?xml version="1.0" encoding="utf-8"?>
+<file path=ppt/slides/slide25.xml><?xml version="1.0" encoding="utf-8"?>
 <p:sld xmlns:a="http://schemas.openxmlformats.org/drawingml/2006/main" xmlns:r="http://schemas.openxmlformats.org/officeDocument/2006/relationships" xmlns:p="http://schemas.openxmlformats.org/presentationml/2006/main">
   <p:cSld>
     <p:spTree>
@@ -7235,7 +9224,38 @@
       </p:grpSpPr>
       <p:sp>
         <p:nvSpPr>
-          <p:cNvPr id="3" name="コンテンツ プレースホルダー 2"/>
+          <p:cNvPr id="2" name="タイトル 1"/>
+          <p:cNvSpPr>
+            <a:spLocks noGrp="1"/>
+          </p:cNvSpPr>
+          <p:nvPr>
+            <p:ph type="title"/>
+          </p:nvPr>
+        </p:nvSpPr>
+        <p:spPr/>
+        <p:txBody>
+          <a:bodyPr/>
+          <a:lstStyle/>
+          <a:p>
+            <a:r>
+              <a:rPr kumimoji="1" lang="ja-JP" altLang="en-US" dirty="0" smtClean="0">
+                <a:latin typeface="メイリオ" panose="020B0604030504040204" pitchFamily="50" charset="-128"/>
+                <a:ea typeface="メイリオ" panose="020B0604030504040204" pitchFamily="50" charset="-128"/>
+                <a:cs typeface="メイリオ" panose="020B0604030504040204" pitchFamily="50" charset="-128"/>
+              </a:rPr>
+              <a:t>参考サイト</a:t>
+            </a:r>
+            <a:endParaRPr kumimoji="1" lang="ja-JP" altLang="en-US" dirty="0">
+              <a:latin typeface="メイリオ" panose="020B0604030504040204" pitchFamily="50" charset="-128"/>
+              <a:ea typeface="メイリオ" panose="020B0604030504040204" pitchFamily="50" charset="-128"/>
+              <a:cs typeface="メイリオ" panose="020B0604030504040204" pitchFamily="50" charset="-128"/>
+            </a:endParaRPr>
+          </a:p>
+        </p:txBody>
+      </p:sp>
+      <p:sp>
+        <p:nvSpPr>
+          <p:cNvPr id="6" name="コンテンツ プレースホルダー 2"/>
           <p:cNvSpPr>
             <a:spLocks noGrp="1"/>
           </p:cNvSpPr>
@@ -7245,8 +9265,8 @@
         </p:nvSpPr>
         <p:spPr>
           <a:xfrm>
-            <a:off x="1435608" y="3068960"/>
-            <a:ext cx="7498080" cy="3179440"/>
+            <a:off x="1435608" y="1447800"/>
+            <a:ext cx="7498080" cy="5410200"/>
           </a:xfrm>
         </p:spPr>
         <p:txBody>
@@ -7259,37 +9279,186 @@
               <a:buNone/>
             </a:pPr>
             <a:r>
-              <a:rPr kumimoji="1" lang="ja-JP" altLang="en-US" sz="3600" dirty="0" smtClean="0">
-                <a:latin typeface="メイリオ" panose="020B0604030504040204" pitchFamily="50" charset="-128"/>
-                <a:ea typeface="メイリオ" panose="020B0604030504040204" pitchFamily="50" charset="-128"/>
-                <a:cs typeface="メイリオ" panose="020B0604030504040204" pitchFamily="50" charset="-128"/>
-              </a:rPr>
-              <a:t>ご清聴ありがとうございました</a:t>
-            </a:r>
-            <a:endParaRPr kumimoji="1" lang="ja-JP" altLang="en-US" sz="3600" dirty="0">
-              <a:latin typeface="メイリオ" panose="020B0604030504040204" pitchFamily="50" charset="-128"/>
-              <a:ea typeface="メイリオ" panose="020B0604030504040204" pitchFamily="50" charset="-128"/>
-              <a:cs typeface="メイリオ" panose="020B0604030504040204" pitchFamily="50" charset="-128"/>
-            </a:endParaRPr>
-          </a:p>
-        </p:txBody>
-      </p:sp>
-      <p:sp>
-        <p:nvSpPr>
-          <p:cNvPr id="4" name="タイトル 3"/>
-          <p:cNvSpPr>
-            <a:spLocks noGrp="1"/>
-          </p:cNvSpPr>
-          <p:nvPr>
-            <p:ph type="title"/>
-          </p:nvPr>
-        </p:nvSpPr>
-        <p:spPr/>
-        <p:txBody>
-          <a:bodyPr/>
-          <a:lstStyle/>
-          <a:p>
-            <a:endParaRPr kumimoji="1" lang="ja-JP" altLang="en-US">
+              <a:rPr lang="ja-JP" altLang="en-US" sz="2400" dirty="0" smtClean="0">
+                <a:latin typeface="メイリオ" panose="020B0604030504040204" pitchFamily="50" charset="-128"/>
+                <a:ea typeface="メイリオ" panose="020B0604030504040204" pitchFamily="50" charset="-128"/>
+                <a:cs typeface="メイリオ" panose="020B0604030504040204" pitchFamily="50" charset="-128"/>
+              </a:rPr>
+              <a:t>いろいろ。</a:t>
+            </a:r>
+            <a:endParaRPr lang="en-US" altLang="ja-JP" sz="2400" dirty="0" smtClean="0">
+              <a:latin typeface="メイリオ" panose="020B0604030504040204" pitchFamily="50" charset="-128"/>
+              <a:ea typeface="メイリオ" panose="020B0604030504040204" pitchFamily="50" charset="-128"/>
+              <a:cs typeface="メイリオ" panose="020B0604030504040204" pitchFamily="50" charset="-128"/>
+            </a:endParaRPr>
+          </a:p>
+          <a:p>
+            <a:pPr marL="82296" indent="0">
+              <a:buNone/>
+            </a:pPr>
+            <a:endParaRPr lang="en-US" altLang="ja-JP" sz="2400" dirty="0">
+              <a:latin typeface="メイリオ" panose="020B0604030504040204" pitchFamily="50" charset="-128"/>
+              <a:ea typeface="メイリオ" panose="020B0604030504040204" pitchFamily="50" charset="-128"/>
+              <a:cs typeface="メイリオ" panose="020B0604030504040204" pitchFamily="50" charset="-128"/>
+            </a:endParaRPr>
+          </a:p>
+          <a:p>
+            <a:pPr marL="82296" indent="0">
+              <a:buNone/>
+            </a:pPr>
+            <a:endParaRPr lang="en-US" altLang="ja-JP" sz="2400" dirty="0" smtClean="0">
+              <a:latin typeface="メイリオ" panose="020B0604030504040204" pitchFamily="50" charset="-128"/>
+              <a:ea typeface="メイリオ" panose="020B0604030504040204" pitchFamily="50" charset="-128"/>
+              <a:cs typeface="メイリオ" panose="020B0604030504040204" pitchFamily="50" charset="-128"/>
+            </a:endParaRPr>
+          </a:p>
+          <a:p>
+            <a:pPr marL="82296" indent="0">
+              <a:buNone/>
+            </a:pPr>
+            <a:endParaRPr lang="en-US" altLang="ja-JP" sz="2400" dirty="0">
+              <a:latin typeface="メイリオ" panose="020B0604030504040204" pitchFamily="50" charset="-128"/>
+              <a:ea typeface="メイリオ" panose="020B0604030504040204" pitchFamily="50" charset="-128"/>
+              <a:cs typeface="メイリオ" panose="020B0604030504040204" pitchFamily="50" charset="-128"/>
+            </a:endParaRPr>
+          </a:p>
+          <a:p>
+            <a:pPr marL="82296" indent="0">
+              <a:buNone/>
+            </a:pPr>
+            <a:r>
+              <a:rPr lang="en-US" altLang="ja-JP" sz="2400" dirty="0" err="1">
+                <a:latin typeface="メイリオ" panose="020B0604030504040204" pitchFamily="50" charset="-128"/>
+                <a:ea typeface="メイリオ" panose="020B0604030504040204" pitchFamily="50" charset="-128"/>
+                <a:cs typeface="メイリオ" panose="020B0604030504040204" pitchFamily="50" charset="-128"/>
+              </a:rPr>
+              <a:t>NeoBundle</a:t>
+            </a:r>
+            <a:r>
+              <a:rPr lang="ja-JP" altLang="en-US" sz="2400" dirty="0">
+                <a:latin typeface="メイリオ" panose="020B0604030504040204" pitchFamily="50" charset="-128"/>
+                <a:ea typeface="メイリオ" panose="020B0604030504040204" pitchFamily="50" charset="-128"/>
+                <a:cs typeface="メイリオ" panose="020B0604030504040204" pitchFamily="50" charset="-128"/>
+              </a:rPr>
+              <a:t>による</a:t>
+            </a:r>
+            <a:r>
+              <a:rPr lang="en-US" altLang="ja-JP" sz="2400" dirty="0">
+                <a:latin typeface="メイリオ" panose="020B0604030504040204" pitchFamily="50" charset="-128"/>
+                <a:ea typeface="メイリオ" panose="020B0604030504040204" pitchFamily="50" charset="-128"/>
+                <a:cs typeface="メイリオ" panose="020B0604030504040204" pitchFamily="50" charset="-128"/>
+              </a:rPr>
+              <a:t>Vim</a:t>
+            </a:r>
+            <a:r>
+              <a:rPr lang="ja-JP" altLang="en-US" sz="2400" dirty="0">
+                <a:latin typeface="メイリオ" panose="020B0604030504040204" pitchFamily="50" charset="-128"/>
+                <a:ea typeface="メイリオ" panose="020B0604030504040204" pitchFamily="50" charset="-128"/>
+                <a:cs typeface="メイリオ" panose="020B0604030504040204" pitchFamily="50" charset="-128"/>
+              </a:rPr>
+              <a:t>プラグイン管理とおすすめ</a:t>
+            </a:r>
+            <a:r>
+              <a:rPr lang="ja-JP" altLang="en-US" sz="2400" dirty="0" smtClean="0">
+                <a:latin typeface="メイリオ" panose="020B0604030504040204" pitchFamily="50" charset="-128"/>
+                <a:ea typeface="メイリオ" panose="020B0604030504040204" pitchFamily="50" charset="-128"/>
+                <a:cs typeface="メイリオ" panose="020B0604030504040204" pitchFamily="50" charset="-128"/>
+              </a:rPr>
+              <a:t>プラグイン</a:t>
+            </a:r>
+            <a:endParaRPr lang="en-US" altLang="ja-JP" sz="2400" dirty="0" smtClean="0">
+              <a:latin typeface="メイリオ" panose="020B0604030504040204" pitchFamily="50" charset="-128"/>
+              <a:ea typeface="メイリオ" panose="020B0604030504040204" pitchFamily="50" charset="-128"/>
+              <a:cs typeface="メイリオ" panose="020B0604030504040204" pitchFamily="50" charset="-128"/>
+            </a:endParaRPr>
+          </a:p>
+          <a:p>
+            <a:pPr marL="82296" indent="0">
+              <a:buNone/>
+            </a:pPr>
+            <a:r>
+              <a:rPr lang="en-US" altLang="ja-JP" sz="2400" dirty="0">
+                <a:latin typeface="メイリオ" panose="020B0604030504040204" pitchFamily="50" charset="-128"/>
+                <a:ea typeface="メイリオ" panose="020B0604030504040204" pitchFamily="50" charset="-128"/>
+                <a:cs typeface="メイリオ" panose="020B0604030504040204" pitchFamily="50" charset="-128"/>
+                <a:hlinkClick r:id="rId2"/>
+              </a:rPr>
+              <a:t>http://catcher-in-the-tech.net/1063</a:t>
+            </a:r>
+            <a:r>
+              <a:rPr lang="en-US" altLang="ja-JP" sz="2400" dirty="0" smtClean="0">
+                <a:latin typeface="メイリオ" panose="020B0604030504040204" pitchFamily="50" charset="-128"/>
+                <a:ea typeface="メイリオ" panose="020B0604030504040204" pitchFamily="50" charset="-128"/>
+                <a:cs typeface="メイリオ" panose="020B0604030504040204" pitchFamily="50" charset="-128"/>
+                <a:hlinkClick r:id="rId2"/>
+              </a:rPr>
+              <a:t>/</a:t>
+            </a:r>
+            <a:endParaRPr lang="en-US" altLang="ja-JP" sz="2400" dirty="0" smtClean="0">
+              <a:latin typeface="メイリオ" panose="020B0604030504040204" pitchFamily="50" charset="-128"/>
+              <a:ea typeface="メイリオ" panose="020B0604030504040204" pitchFamily="50" charset="-128"/>
+              <a:cs typeface="メイリオ" panose="020B0604030504040204" pitchFamily="50" charset="-128"/>
+            </a:endParaRPr>
+          </a:p>
+          <a:p>
+            <a:pPr marL="82296" indent="0">
+              <a:buNone/>
+            </a:pPr>
+            <a:r>
+              <a:rPr lang="ja-JP" altLang="en-US" sz="2400" dirty="0" smtClean="0">
+                <a:latin typeface="メイリオ" panose="020B0604030504040204" pitchFamily="50" charset="-128"/>
+                <a:ea typeface="メイリオ" panose="020B0604030504040204" pitchFamily="50" charset="-128"/>
+                <a:cs typeface="メイリオ" panose="020B0604030504040204" pitchFamily="50" charset="-128"/>
+              </a:rPr>
+              <a:t>ぼくのかんがえたさいしょうの</a:t>
+            </a:r>
+            <a:r>
+              <a:rPr lang="en-US" altLang="ja-JP" sz="2400" dirty="0" err="1" smtClean="0">
+                <a:latin typeface="メイリオ" panose="020B0604030504040204" pitchFamily="50" charset="-128"/>
+                <a:ea typeface="メイリオ" panose="020B0604030504040204" pitchFamily="50" charset="-128"/>
+                <a:cs typeface="メイリオ" panose="020B0604030504040204" pitchFamily="50" charset="-128"/>
+              </a:rPr>
+              <a:t>vimrc</a:t>
+            </a:r>
+            <a:endParaRPr lang="en-US" altLang="ja-JP" sz="2400" dirty="0" smtClean="0">
+              <a:latin typeface="メイリオ" panose="020B0604030504040204" pitchFamily="50" charset="-128"/>
+              <a:ea typeface="メイリオ" panose="020B0604030504040204" pitchFamily="50" charset="-128"/>
+              <a:cs typeface="メイリオ" panose="020B0604030504040204" pitchFamily="50" charset="-128"/>
+            </a:endParaRPr>
+          </a:p>
+          <a:p>
+            <a:pPr marL="82296" indent="0">
+              <a:buNone/>
+            </a:pPr>
+            <a:r>
+              <a:rPr lang="en-US" altLang="ja-JP" sz="2400" dirty="0">
+                <a:latin typeface="メイリオ" panose="020B0604030504040204" pitchFamily="50" charset="-128"/>
+                <a:ea typeface="メイリオ" panose="020B0604030504040204" pitchFamily="50" charset="-128"/>
+                <a:cs typeface="メイリオ" panose="020B0604030504040204" pitchFamily="50" charset="-128"/>
+                <a:hlinkClick r:id="rId3"/>
+              </a:rPr>
+              <a:t>http://</a:t>
+            </a:r>
+            <a:r>
+              <a:rPr lang="en-US" altLang="ja-JP" sz="2400" dirty="0" smtClean="0">
+                <a:latin typeface="メイリオ" panose="020B0604030504040204" pitchFamily="50" charset="-128"/>
+                <a:ea typeface="メイリオ" panose="020B0604030504040204" pitchFamily="50" charset="-128"/>
+                <a:cs typeface="メイリオ" panose="020B0604030504040204" pitchFamily="50" charset="-128"/>
+                <a:hlinkClick r:id="rId3"/>
+              </a:rPr>
+              <a:t>deris.hatenablog.jp/entry/2014/05/20/235807</a:t>
+            </a:r>
+            <a:endParaRPr lang="en-US" altLang="ja-JP" sz="2400" dirty="0" smtClean="0">
+              <a:latin typeface="メイリオ" panose="020B0604030504040204" pitchFamily="50" charset="-128"/>
+              <a:ea typeface="メイリオ" panose="020B0604030504040204" pitchFamily="50" charset="-128"/>
+              <a:cs typeface="メイリオ" panose="020B0604030504040204" pitchFamily="50" charset="-128"/>
+            </a:endParaRPr>
+          </a:p>
+          <a:p>
+            <a:pPr marL="82296" indent="0">
+              <a:buNone/>
+            </a:pPr>
+            <a:endParaRPr lang="en-US" altLang="ja-JP" sz="2400" dirty="0" smtClean="0">
               <a:latin typeface="メイリオ" panose="020B0604030504040204" pitchFamily="50" charset="-128"/>
               <a:ea typeface="メイリオ" panose="020B0604030504040204" pitchFamily="50" charset="-128"/>
               <a:cs typeface="メイリオ" panose="020B0604030504040204" pitchFamily="50" charset="-128"/>
@@ -7300,7 +9469,7 @@
     </p:spTree>
     <p:extLst>
       <p:ext uri="{BB962C8B-B14F-4D97-AF65-F5344CB8AC3E}">
-        <p14:creationId xmlns:p14="http://schemas.microsoft.com/office/powerpoint/2010/main" val="2805364914"/>
+        <p14:creationId xmlns:p14="http://schemas.microsoft.com/office/powerpoint/2010/main" val="3146739693"/>
       </p:ext>
     </p:extLst>
   </p:cSld>
@@ -7310,7 +9479,7 @@
 </p:sld>
 </file>
 
-<file path=ppt/slides/slide2.xml><?xml version="1.0" encoding="utf-8"?>
+<file path=ppt/slides/slide26.xml><?xml version="1.0" encoding="utf-8"?>
 <p:sld xmlns:a="http://schemas.openxmlformats.org/drawingml/2006/main" xmlns:r="http://schemas.openxmlformats.org/officeDocument/2006/relationships" xmlns:p="http://schemas.openxmlformats.org/presentationml/2006/main">
   <p:cSld>
     <p:spTree>
@@ -7329,6 +9498,100 @@
       </p:grpSpPr>
       <p:sp>
         <p:nvSpPr>
+          <p:cNvPr id="3" name="コンテンツ プレースホルダー 2"/>
+          <p:cNvSpPr>
+            <a:spLocks noGrp="1"/>
+          </p:cNvSpPr>
+          <p:nvPr>
+            <p:ph idx="1"/>
+          </p:nvPr>
+        </p:nvSpPr>
+        <p:spPr>
+          <a:xfrm>
+            <a:off x="1435608" y="3068960"/>
+            <a:ext cx="7498080" cy="3179440"/>
+          </a:xfrm>
+        </p:spPr>
+        <p:txBody>
+          <a:bodyPr>
+            <a:normAutofit/>
+          </a:bodyPr>
+          <a:lstStyle/>
+          <a:p>
+            <a:pPr marL="82296" indent="0">
+              <a:buNone/>
+            </a:pPr>
+            <a:r>
+              <a:rPr kumimoji="1" lang="ja-JP" altLang="en-US" sz="3600" dirty="0" smtClean="0">
+                <a:latin typeface="メイリオ" panose="020B0604030504040204" pitchFamily="50" charset="-128"/>
+                <a:ea typeface="メイリオ" panose="020B0604030504040204" pitchFamily="50" charset="-128"/>
+                <a:cs typeface="メイリオ" panose="020B0604030504040204" pitchFamily="50" charset="-128"/>
+              </a:rPr>
+              <a:t>ご清聴ありがとうございました</a:t>
+            </a:r>
+            <a:endParaRPr kumimoji="1" lang="ja-JP" altLang="en-US" sz="3600" dirty="0">
+              <a:latin typeface="メイリオ" panose="020B0604030504040204" pitchFamily="50" charset="-128"/>
+              <a:ea typeface="メイリオ" panose="020B0604030504040204" pitchFamily="50" charset="-128"/>
+              <a:cs typeface="メイリオ" panose="020B0604030504040204" pitchFamily="50" charset="-128"/>
+            </a:endParaRPr>
+          </a:p>
+        </p:txBody>
+      </p:sp>
+      <p:sp>
+        <p:nvSpPr>
+          <p:cNvPr id="4" name="タイトル 3"/>
+          <p:cNvSpPr>
+            <a:spLocks noGrp="1"/>
+          </p:cNvSpPr>
+          <p:nvPr>
+            <p:ph type="title"/>
+          </p:nvPr>
+        </p:nvSpPr>
+        <p:spPr/>
+        <p:txBody>
+          <a:bodyPr/>
+          <a:lstStyle/>
+          <a:p>
+            <a:endParaRPr kumimoji="1" lang="ja-JP" altLang="en-US">
+              <a:latin typeface="メイリオ" panose="020B0604030504040204" pitchFamily="50" charset="-128"/>
+              <a:ea typeface="メイリオ" panose="020B0604030504040204" pitchFamily="50" charset="-128"/>
+              <a:cs typeface="メイリオ" panose="020B0604030504040204" pitchFamily="50" charset="-128"/>
+            </a:endParaRPr>
+          </a:p>
+        </p:txBody>
+      </p:sp>
+    </p:spTree>
+    <p:extLst>
+      <p:ext uri="{BB962C8B-B14F-4D97-AF65-F5344CB8AC3E}">
+        <p14:creationId xmlns:p14="http://schemas.microsoft.com/office/powerpoint/2010/main" val="2805364914"/>
+      </p:ext>
+    </p:extLst>
+  </p:cSld>
+  <p:clrMapOvr>
+    <a:masterClrMapping/>
+  </p:clrMapOvr>
+</p:sld>
+</file>
+
+<file path=ppt/slides/slide27.xml><?xml version="1.0" encoding="utf-8"?>
+<p:sld xmlns:a="http://schemas.openxmlformats.org/drawingml/2006/main" xmlns:r="http://schemas.openxmlformats.org/officeDocument/2006/relationships" xmlns:p="http://schemas.openxmlformats.org/presentationml/2006/main">
+  <p:cSld>
+    <p:spTree>
+      <p:nvGrpSpPr>
+        <p:cNvPr id="1" name=""/>
+        <p:cNvGrpSpPr/>
+        <p:nvPr/>
+      </p:nvGrpSpPr>
+      <p:grpSpPr>
+        <a:xfrm>
+          <a:off x="0" y="0"/>
+          <a:ext cx="0" cy="0"/>
+          <a:chOff x="0" y="0"/>
+          <a:chExt cx="0" cy="0"/>
+        </a:xfrm>
+      </p:grpSpPr>
+      <p:sp>
+        <p:nvSpPr>
           <p:cNvPr id="2" name="タイトル 1"/>
           <p:cNvSpPr>
             <a:spLocks noGrp="1"/>
@@ -7337,82 +9600,161 @@
             <p:ph type="title"/>
           </p:nvPr>
         </p:nvSpPr>
+        <p:spPr/>
+        <p:txBody>
+          <a:bodyPr/>
+          <a:lstStyle/>
+          <a:p>
+            <a:r>
+              <a:rPr kumimoji="1" lang="ja-JP" altLang="en-US" dirty="0" smtClean="0">
+                <a:latin typeface="メイリオ" panose="020B0604030504040204" pitchFamily="50" charset="-128"/>
+                <a:ea typeface="メイリオ" panose="020B0604030504040204" pitchFamily="50" charset="-128"/>
+                <a:cs typeface="メイリオ" panose="020B0604030504040204" pitchFamily="50" charset="-128"/>
+              </a:rPr>
+              <a:t>おまけ</a:t>
+            </a:r>
+            <a:endParaRPr kumimoji="1" lang="ja-JP" altLang="en-US" dirty="0">
+              <a:latin typeface="メイリオ" panose="020B0604030504040204" pitchFamily="50" charset="-128"/>
+              <a:ea typeface="メイリオ" panose="020B0604030504040204" pitchFamily="50" charset="-128"/>
+              <a:cs typeface="メイリオ" panose="020B0604030504040204" pitchFamily="50" charset="-128"/>
+            </a:endParaRPr>
+          </a:p>
+        </p:txBody>
+      </p:sp>
+      <p:sp>
+        <p:nvSpPr>
+          <p:cNvPr id="6" name="コンテンツ プレースホルダー 2"/>
+          <p:cNvSpPr>
+            <a:spLocks noGrp="1"/>
+          </p:cNvSpPr>
+          <p:nvPr>
+            <p:ph idx="1"/>
+          </p:nvPr>
+        </p:nvSpPr>
         <p:spPr>
           <a:xfrm>
-            <a:off x="1435608" y="2852936"/>
-            <a:ext cx="7498080" cy="1143000"/>
+            <a:off x="1403648" y="1412776"/>
+            <a:ext cx="7498080" cy="5410200"/>
           </a:xfrm>
         </p:spPr>
         <p:txBody>
           <a:bodyPr>
-            <a:normAutofit fontScale="90000"/>
+            <a:normAutofit/>
           </a:bodyPr>
           <a:lstStyle/>
           <a:p>
-            <a:r>
-              <a:rPr kumimoji="1" lang="ja-JP" altLang="en-US" sz="3600" dirty="0" smtClean="0">
-                <a:latin typeface="メイリオ" panose="020B0604030504040204" pitchFamily="50" charset="-128"/>
-                <a:ea typeface="メイリオ" panose="020B0604030504040204" pitchFamily="50" charset="-128"/>
-                <a:cs typeface="メイリオ" panose="020B0604030504040204" pitchFamily="50" charset="-128"/>
-              </a:rPr>
-              <a:t>第一部　</a:t>
-            </a:r>
-            <a:r>
-              <a:rPr kumimoji="1" lang="en-US" altLang="ja-JP" sz="3600" dirty="0" smtClean="0">
-                <a:latin typeface="メイリオ" panose="020B0604030504040204" pitchFamily="50" charset="-128"/>
-                <a:ea typeface="メイリオ" panose="020B0604030504040204" pitchFamily="50" charset="-128"/>
-                <a:cs typeface="メイリオ" panose="020B0604030504040204" pitchFamily="50" charset="-128"/>
-              </a:rPr>
-              <a:t>Vim</a:t>
-            </a:r>
-            <a:r>
-              <a:rPr kumimoji="1" lang="ja-JP" altLang="en-US" sz="3600" dirty="0" smtClean="0">
-                <a:latin typeface="メイリオ" panose="020B0604030504040204" pitchFamily="50" charset="-128"/>
-                <a:ea typeface="メイリオ" panose="020B0604030504040204" pitchFamily="50" charset="-128"/>
-                <a:cs typeface="メイリオ" panose="020B0604030504040204" pitchFamily="50" charset="-128"/>
-              </a:rPr>
-              <a:t>との出会い</a:t>
-            </a:r>
-            <a:r>
-              <a:rPr kumimoji="1" lang="en-US" altLang="ja-JP" sz="3600" dirty="0" smtClean="0">
-                <a:latin typeface="メイリオ" panose="020B0604030504040204" pitchFamily="50" charset="-128"/>
-                <a:ea typeface="メイリオ" panose="020B0604030504040204" pitchFamily="50" charset="-128"/>
-                <a:cs typeface="メイリオ" panose="020B0604030504040204" pitchFamily="50" charset="-128"/>
-              </a:rPr>
-              <a:t/>
-            </a:r>
-            <a:br>
-              <a:rPr kumimoji="1" lang="en-US" altLang="ja-JP" sz="3600" dirty="0" smtClean="0">
-                <a:latin typeface="メイリオ" panose="020B0604030504040204" pitchFamily="50" charset="-128"/>
-                <a:ea typeface="メイリオ" panose="020B0604030504040204" pitchFamily="50" charset="-128"/>
-                <a:cs typeface="メイリオ" panose="020B0604030504040204" pitchFamily="50" charset="-128"/>
-              </a:rPr>
-            </a:br>
-            <a:r>
-              <a:rPr kumimoji="1" lang="ja-JP" altLang="en-US" sz="3600" dirty="0" smtClean="0">
-                <a:latin typeface="メイリオ" panose="020B0604030504040204" pitchFamily="50" charset="-128"/>
-                <a:ea typeface="メイリオ" panose="020B0604030504040204" pitchFamily="50" charset="-128"/>
-                <a:cs typeface="メイリオ" panose="020B0604030504040204" pitchFamily="50" charset="-128"/>
-              </a:rPr>
-              <a:t>　　　　</a:t>
-            </a:r>
-            <a:r>
-              <a:rPr lang="ja-JP" altLang="en-US" sz="3600" dirty="0" smtClean="0">
-                <a:latin typeface="メイリオ" panose="020B0604030504040204" pitchFamily="50" charset="-128"/>
-                <a:ea typeface="メイリオ" panose="020B0604030504040204" pitchFamily="50" charset="-128"/>
-                <a:cs typeface="メイリオ" panose="020B0604030504040204" pitchFamily="50" charset="-128"/>
-              </a:rPr>
-              <a:t>～</a:t>
-            </a:r>
-            <a:r>
-              <a:rPr kumimoji="1" lang="ja-JP" altLang="en-US" sz="3600" dirty="0" smtClean="0">
-                <a:latin typeface="メイリオ" panose="020B0604030504040204" pitchFamily="50" charset="-128"/>
-                <a:ea typeface="メイリオ" panose="020B0604030504040204" pitchFamily="50" charset="-128"/>
-                <a:cs typeface="メイリオ" panose="020B0604030504040204" pitchFamily="50" charset="-128"/>
-              </a:rPr>
-              <a:t>コマンドプロンプト改造～</a:t>
-            </a:r>
-            <a:endParaRPr kumimoji="1" lang="ja-JP" altLang="en-US" sz="3600" dirty="0">
+            <a:pPr marL="82296" indent="0">
+              <a:buNone/>
+            </a:pPr>
+            <a:r>
+              <a:rPr lang="ja-JP" altLang="en-US" dirty="0" smtClean="0">
+                <a:latin typeface="メイリオ" panose="020B0604030504040204" pitchFamily="50" charset="-128"/>
+                <a:ea typeface="メイリオ" panose="020B0604030504040204" pitchFamily="50" charset="-128"/>
+                <a:cs typeface="メイリオ" panose="020B0604030504040204" pitchFamily="50" charset="-128"/>
+              </a:rPr>
+              <a:t>・</a:t>
+            </a:r>
+            <a:r>
+              <a:rPr lang="en-US" altLang="ja-JP" dirty="0" err="1" smtClean="0">
+                <a:latin typeface="メイリオ" panose="020B0604030504040204" pitchFamily="50" charset="-128"/>
+                <a:ea typeface="メイリオ" panose="020B0604030504040204" pitchFamily="50" charset="-128"/>
+                <a:cs typeface="メイリオ" panose="020B0604030504040204" pitchFamily="50" charset="-128"/>
+              </a:rPr>
+              <a:t>AutoHotkey</a:t>
+            </a:r>
+            <a:r>
+              <a:rPr lang="ja-JP" altLang="en-US" dirty="0" smtClean="0">
+                <a:latin typeface="メイリオ" panose="020B0604030504040204" pitchFamily="50" charset="-128"/>
+                <a:ea typeface="メイリオ" panose="020B0604030504040204" pitchFamily="50" charset="-128"/>
+                <a:cs typeface="メイリオ" panose="020B0604030504040204" pitchFamily="50" charset="-128"/>
+              </a:rPr>
+              <a:t>でマカー向け設定</a:t>
+            </a:r>
+            <a:endParaRPr lang="en-US" altLang="ja-JP" dirty="0" smtClean="0">
+              <a:latin typeface="メイリオ" panose="020B0604030504040204" pitchFamily="50" charset="-128"/>
+              <a:ea typeface="メイリオ" panose="020B0604030504040204" pitchFamily="50" charset="-128"/>
+              <a:cs typeface="メイリオ" panose="020B0604030504040204" pitchFamily="50" charset="-128"/>
+            </a:endParaRPr>
+          </a:p>
+          <a:p>
+            <a:pPr marL="82296" indent="0">
+              <a:buNone/>
+            </a:pPr>
+            <a:endParaRPr lang="en-US" altLang="ja-JP" dirty="0">
+              <a:latin typeface="メイリオ" panose="020B0604030504040204" pitchFamily="50" charset="-128"/>
+              <a:ea typeface="メイリオ" panose="020B0604030504040204" pitchFamily="50" charset="-128"/>
+              <a:cs typeface="メイリオ" panose="020B0604030504040204" pitchFamily="50" charset="-128"/>
+            </a:endParaRPr>
+          </a:p>
+          <a:p>
+            <a:pPr marL="82296" indent="0">
+              <a:buNone/>
+            </a:pPr>
+            <a:r>
+              <a:rPr lang="ja-JP" altLang="en-US" dirty="0" smtClean="0">
+                <a:latin typeface="メイリオ" panose="020B0604030504040204" pitchFamily="50" charset="-128"/>
+                <a:ea typeface="メイリオ" panose="020B0604030504040204" pitchFamily="50" charset="-128"/>
+                <a:cs typeface="メイリオ" panose="020B0604030504040204" pitchFamily="50" charset="-128"/>
+              </a:rPr>
+              <a:t>・等幅メイリオ・フォントリンク</a:t>
+            </a:r>
+            <a:endParaRPr lang="en-US" altLang="ja-JP" dirty="0" smtClean="0">
+              <a:latin typeface="メイリオ" panose="020B0604030504040204" pitchFamily="50" charset="-128"/>
+              <a:ea typeface="メイリオ" panose="020B0604030504040204" pitchFamily="50" charset="-128"/>
+              <a:cs typeface="メイリオ" panose="020B0604030504040204" pitchFamily="50" charset="-128"/>
+            </a:endParaRPr>
+          </a:p>
+          <a:p>
+            <a:pPr marL="82296" indent="0">
+              <a:buNone/>
+            </a:pPr>
+            <a:r>
+              <a:rPr lang="en-US" altLang="ja-JP" dirty="0">
+                <a:latin typeface="メイリオ" panose="020B0604030504040204" pitchFamily="50" charset="-128"/>
+                <a:ea typeface="メイリオ" panose="020B0604030504040204" pitchFamily="50" charset="-128"/>
+                <a:cs typeface="メイリオ" panose="020B0604030504040204" pitchFamily="50" charset="-128"/>
+                <a:hlinkClick r:id="rId2"/>
+              </a:rPr>
+              <a:t>http://</a:t>
+            </a:r>
+            <a:r>
+              <a:rPr lang="en-US" altLang="ja-JP" dirty="0" smtClean="0">
+                <a:latin typeface="メイリオ" panose="020B0604030504040204" pitchFamily="50" charset="-128"/>
+                <a:ea typeface="メイリオ" panose="020B0604030504040204" pitchFamily="50" charset="-128"/>
+                <a:cs typeface="メイリオ" panose="020B0604030504040204" pitchFamily="50" charset="-128"/>
+                <a:hlinkClick r:id="rId2"/>
+              </a:rPr>
+              <a:t>www.progresslog.net/windows-font-inconsolata-meiryoke-rink</a:t>
+            </a:r>
+            <a:endParaRPr lang="en-US" altLang="ja-JP" dirty="0" smtClean="0">
+              <a:latin typeface="メイリオ" panose="020B0604030504040204" pitchFamily="50" charset="-128"/>
+              <a:ea typeface="メイリオ" panose="020B0604030504040204" pitchFamily="50" charset="-128"/>
+              <a:cs typeface="メイリオ" panose="020B0604030504040204" pitchFamily="50" charset="-128"/>
+            </a:endParaRPr>
+          </a:p>
+          <a:p>
+            <a:pPr marL="82296" indent="0">
+              <a:buNone/>
+            </a:pPr>
+            <a:endParaRPr lang="en-US" altLang="ja-JP" dirty="0">
+              <a:latin typeface="メイリオ" panose="020B0604030504040204" pitchFamily="50" charset="-128"/>
+              <a:ea typeface="メイリオ" panose="020B0604030504040204" pitchFamily="50" charset="-128"/>
+              <a:cs typeface="メイリオ" panose="020B0604030504040204" pitchFamily="50" charset="-128"/>
+            </a:endParaRPr>
+          </a:p>
+          <a:p>
+            <a:pPr marL="82296" indent="0">
+              <a:buNone/>
+            </a:pPr>
+            <a:r>
+              <a:rPr lang="ja-JP" altLang="en-US" dirty="0" smtClean="0">
+                <a:latin typeface="メイリオ" panose="020B0604030504040204" pitchFamily="50" charset="-128"/>
+                <a:ea typeface="メイリオ" panose="020B0604030504040204" pitchFamily="50" charset="-128"/>
+                <a:cs typeface="メイリオ" panose="020B0604030504040204" pitchFamily="50" charset="-128"/>
+              </a:rPr>
+              <a:t>・なにがし</a:t>
+            </a:r>
+            <a:endParaRPr lang="en-US" altLang="ja-JP" dirty="0" smtClean="0">
               <a:latin typeface="メイリオ" panose="020B0604030504040204" pitchFamily="50" charset="-128"/>
               <a:ea typeface="メイリオ" panose="020B0604030504040204" pitchFamily="50" charset="-128"/>
               <a:cs typeface="メイリオ" panose="020B0604030504040204" pitchFamily="50" charset="-128"/>
@@ -7423,20 +9765,13 @@
     </p:spTree>
     <p:extLst>
       <p:ext uri="{BB962C8B-B14F-4D97-AF65-F5344CB8AC3E}">
-        <p14:creationId xmlns:p14="http://schemas.microsoft.com/office/powerpoint/2010/main" val="2486749052"/>
+        <p14:creationId xmlns:p14="http://schemas.microsoft.com/office/powerpoint/2010/main" val="1080911360"/>
       </p:ext>
     </p:extLst>
   </p:cSld>
   <p:clrMapOvr>
     <a:masterClrMapping/>
   </p:clrMapOvr>
-  <p:timing>
-    <p:tnLst>
-      <p:par>
-        <p:cTn id="1" dur="indefinite" restart="never" nodeType="tmRoot"/>
-      </p:par>
-    </p:tnLst>
-  </p:timing>
 </p:sld>
 </file>
 
@@ -8418,15 +10753,7 @@
                 <a:ea typeface="メイリオ" panose="020B0604030504040204" pitchFamily="50" charset="-128"/>
                 <a:cs typeface="メイリオ" panose="020B0604030504040204" pitchFamily="50" charset="-128"/>
               </a:rPr>
-              <a:t>用</a:t>
-            </a:r>
-            <a:r>
-              <a:rPr lang="ja-JP" altLang="en-US" dirty="0" smtClean="0">
-                <a:latin typeface="メイリオ" panose="020B0604030504040204" pitchFamily="50" charset="-128"/>
-                <a:ea typeface="メイリオ" panose="020B0604030504040204" pitchFamily="50" charset="-128"/>
-                <a:cs typeface="メイリオ" panose="020B0604030504040204" pitchFamily="50" charset="-128"/>
-              </a:rPr>
-              <a:t>の</a:t>
+              <a:t>用の</a:t>
             </a:r>
             <a:endParaRPr lang="en-US" altLang="ja-JP" dirty="0" smtClean="0">
               <a:latin typeface="メイリオ" panose="020B0604030504040204" pitchFamily="50" charset="-128"/>
@@ -8651,15 +10978,7 @@
                 <a:ea typeface="メイリオ" panose="020B0604030504040204" pitchFamily="50" charset="-128"/>
                 <a:cs typeface="メイリオ" panose="020B0604030504040204" pitchFamily="50" charset="-128"/>
               </a:rPr>
-              <a:t>用</a:t>
-            </a:r>
-            <a:r>
-              <a:rPr lang="ja-JP" altLang="en-US" dirty="0" smtClean="0">
-                <a:latin typeface="メイリオ" panose="020B0604030504040204" pitchFamily="50" charset="-128"/>
-                <a:ea typeface="メイリオ" panose="020B0604030504040204" pitchFamily="50" charset="-128"/>
-                <a:cs typeface="メイリオ" panose="020B0604030504040204" pitchFamily="50" charset="-128"/>
-              </a:rPr>
-              <a:t>の</a:t>
+              <a:t>用の</a:t>
             </a:r>
             <a:endParaRPr lang="en-US" altLang="ja-JP" dirty="0" smtClean="0">
               <a:latin typeface="メイリオ" panose="020B0604030504040204" pitchFamily="50" charset="-128"/>
@@ -8762,7 +11081,7 @@
                 <a:ea typeface="メイリオ" panose="020B0604030504040204" pitchFamily="50" charset="-128"/>
                 <a:cs typeface="メイリオ" panose="020B0604030504040204" pitchFamily="50" charset="-128"/>
               </a:rPr>
-              <a:t>便利</a:t>
+              <a:t>かっこいい</a:t>
             </a:r>
             <a:endParaRPr lang="en-US" altLang="ja-JP" sz="6000" b="1" dirty="0" smtClean="0">
               <a:solidFill>
@@ -8833,7 +11152,7 @@
                 <a:ea typeface="メイリオ" panose="020B0604030504040204" pitchFamily="50" charset="-128"/>
                 <a:cs typeface="メイリオ" panose="020B0604030504040204" pitchFamily="50" charset="-128"/>
               </a:rPr>
-              <a:t>背景</a:t>
+              <a:t>コマンドプロンプト改造</a:t>
             </a:r>
             <a:endParaRPr kumimoji="1" lang="ja-JP" altLang="en-US" dirty="0">
               <a:latin typeface="メイリオ" panose="020B0604030504040204" pitchFamily="50" charset="-128"/>
@@ -8861,7 +11180,7 @@
         </p:spPr>
         <p:txBody>
           <a:bodyPr>
-            <a:normAutofit lnSpcReduction="10000"/>
+            <a:normAutofit/>
           </a:bodyPr>
           <a:lstStyle/>
           <a:p>
@@ -8869,20 +11188,72 @@
               <a:buNone/>
             </a:pPr>
             <a:r>
+              <a:rPr lang="en-US" altLang="ja-JP" sz="4000" b="1" dirty="0" err="1" smtClean="0">
+                <a:latin typeface="メイリオ" panose="020B0604030504040204" pitchFamily="50" charset="-128"/>
+                <a:ea typeface="メイリオ" panose="020B0604030504040204" pitchFamily="50" charset="-128"/>
+                <a:cs typeface="メイリオ" panose="020B0604030504040204" pitchFamily="50" charset="-128"/>
+              </a:rPr>
+              <a:t>GitForWindows</a:t>
+            </a:r>
+            <a:endParaRPr lang="en-US" altLang="ja-JP" sz="4000" b="1" dirty="0" smtClean="0">
+              <a:latin typeface="メイリオ" panose="020B0604030504040204" pitchFamily="50" charset="-128"/>
+              <a:ea typeface="メイリオ" panose="020B0604030504040204" pitchFamily="50" charset="-128"/>
+              <a:cs typeface="メイリオ" panose="020B0604030504040204" pitchFamily="50" charset="-128"/>
+            </a:endParaRPr>
+          </a:p>
+          <a:p>
+            <a:pPr marL="82296" indent="0">
+              <a:buNone/>
+            </a:pPr>
+            <a:r>
+              <a:rPr lang="ja-JP" altLang="en-US" dirty="0" smtClean="0">
+                <a:latin typeface="メイリオ" panose="020B0604030504040204" pitchFamily="50" charset="-128"/>
+                <a:ea typeface="メイリオ" panose="020B0604030504040204" pitchFamily="50" charset="-128"/>
+                <a:cs typeface="メイリオ" panose="020B0604030504040204" pitchFamily="50" charset="-128"/>
+              </a:rPr>
+              <a:t>言わずと知れたバージョン管理システム</a:t>
+            </a:r>
+            <a:endParaRPr lang="en-US" altLang="ja-JP" dirty="0" smtClean="0">
+              <a:latin typeface="メイリオ" panose="020B0604030504040204" pitchFamily="50" charset="-128"/>
+              <a:ea typeface="メイリオ" panose="020B0604030504040204" pitchFamily="50" charset="-128"/>
+              <a:cs typeface="メイリオ" panose="020B0604030504040204" pitchFamily="50" charset="-128"/>
+            </a:endParaRPr>
+          </a:p>
+          <a:p>
+            <a:pPr marL="82296" indent="0">
+              <a:buNone/>
+            </a:pPr>
+            <a:r>
+              <a:rPr lang="ja-JP" altLang="en-US" dirty="0" smtClean="0">
+                <a:latin typeface="メイリオ" panose="020B0604030504040204" pitchFamily="50" charset="-128"/>
+                <a:ea typeface="メイリオ" panose="020B0604030504040204" pitchFamily="50" charset="-128"/>
+                <a:cs typeface="メイリオ" panose="020B0604030504040204" pitchFamily="50" charset="-128"/>
+              </a:rPr>
+              <a:t>の、</a:t>
+            </a:r>
+            <a:r>
+              <a:rPr lang="en-US" altLang="ja-JP" dirty="0" smtClean="0">
+                <a:latin typeface="メイリオ" panose="020B0604030504040204" pitchFamily="50" charset="-128"/>
+                <a:ea typeface="メイリオ" panose="020B0604030504040204" pitchFamily="50" charset="-128"/>
+                <a:cs typeface="メイリオ" panose="020B0604030504040204" pitchFamily="50" charset="-128"/>
+              </a:rPr>
+              <a:t>windows</a:t>
+            </a:r>
+            <a:r>
+              <a:rPr lang="ja-JP" altLang="en-US" dirty="0" smtClean="0">
+                <a:latin typeface="メイリオ" panose="020B0604030504040204" pitchFamily="50" charset="-128"/>
+                <a:ea typeface="メイリオ" panose="020B0604030504040204" pitchFamily="50" charset="-128"/>
+                <a:cs typeface="メイリオ" panose="020B0604030504040204" pitchFamily="50" charset="-128"/>
+              </a:rPr>
+              <a:t>用</a:t>
+            </a:r>
+            <a:r>
               <a:rPr lang="ja-JP" altLang="en-US" dirty="0">
                 <a:latin typeface="メイリオ" panose="020B0604030504040204" pitchFamily="50" charset="-128"/>
                 <a:ea typeface="メイリオ" panose="020B0604030504040204" pitchFamily="50" charset="-128"/>
                 <a:cs typeface="メイリオ" panose="020B0604030504040204" pitchFamily="50" charset="-128"/>
               </a:rPr>
-              <a:t>この後の</a:t>
-            </a:r>
-            <a:r>
-              <a:rPr lang="ja-JP" altLang="en-US" dirty="0" smtClean="0">
-                <a:latin typeface="メイリオ" panose="020B0604030504040204" pitchFamily="50" charset="-128"/>
-                <a:ea typeface="メイリオ" panose="020B0604030504040204" pitchFamily="50" charset="-128"/>
-                <a:cs typeface="メイリオ" panose="020B0604030504040204" pitchFamily="50" charset="-128"/>
-              </a:rPr>
-              <a:t>流れ</a:t>
+              <a:t>プロジェクト</a:t>
             </a:r>
             <a:endParaRPr lang="en-US" altLang="ja-JP" dirty="0" smtClean="0">
               <a:latin typeface="メイリオ" panose="020B0604030504040204" pitchFamily="50" charset="-128"/>
@@ -8894,29 +11265,31 @@
             <a:pPr marL="82296" indent="0">
               <a:buNone/>
             </a:pPr>
-            <a:r>
-              <a:rPr lang="ja-JP" altLang="en-US" dirty="0" smtClean="0">
-                <a:latin typeface="メイリオ" panose="020B0604030504040204" pitchFamily="50" charset="-128"/>
-                <a:ea typeface="メイリオ" panose="020B0604030504040204" pitchFamily="50" charset="-128"/>
-                <a:cs typeface="メイリオ" panose="020B0604030504040204" pitchFamily="50" charset="-128"/>
-              </a:rPr>
-              <a:t>・</a:t>
-            </a:r>
+            <a:endParaRPr lang="en-US" altLang="ja-JP" dirty="0" smtClean="0">
+              <a:latin typeface="メイリオ" panose="020B0604030504040204" pitchFamily="50" charset="-128"/>
+              <a:ea typeface="メイリオ" panose="020B0604030504040204" pitchFamily="50" charset="-128"/>
+              <a:cs typeface="メイリオ" panose="020B0604030504040204" pitchFamily="50" charset="-128"/>
+            </a:endParaRPr>
+          </a:p>
+          <a:p>
+            <a:pPr marL="82296" indent="0">
+              <a:buNone/>
+            </a:pPr>
             <a:r>
               <a:rPr lang="en-US" altLang="ja-JP" dirty="0" err="1" smtClean="0">
                 <a:latin typeface="メイリオ" panose="020B0604030504040204" pitchFamily="50" charset="-128"/>
                 <a:ea typeface="メイリオ" panose="020B0604030504040204" pitchFamily="50" charset="-128"/>
                 <a:cs typeface="メイリオ" panose="020B0604030504040204" pitchFamily="50" charset="-128"/>
               </a:rPr>
-              <a:t>cmd</a:t>
-            </a:r>
-            <a:r>
-              <a:rPr lang="ja-JP" altLang="en-US" dirty="0" smtClean="0">
-                <a:latin typeface="メイリオ" panose="020B0604030504040204" pitchFamily="50" charset="-128"/>
-                <a:ea typeface="メイリオ" panose="020B0604030504040204" pitchFamily="50" charset="-128"/>
-                <a:cs typeface="メイリオ" panose="020B0604030504040204" pitchFamily="50" charset="-128"/>
-              </a:rPr>
-              <a:t>改造計画</a:t>
+              <a:t>unix</a:t>
+            </a:r>
+            <a:r>
+              <a:rPr lang="ja-JP" altLang="en-US" dirty="0" smtClean="0">
+                <a:latin typeface="メイリオ" panose="020B0604030504040204" pitchFamily="50" charset="-128"/>
+                <a:ea typeface="メイリオ" panose="020B0604030504040204" pitchFamily="50" charset="-128"/>
+                <a:cs typeface="メイリオ" panose="020B0604030504040204" pitchFamily="50" charset="-128"/>
+              </a:rPr>
+              <a:t>系コマンドがある程度入ってます</a:t>
             </a:r>
             <a:endParaRPr lang="en-US" altLang="ja-JP" dirty="0" smtClean="0">
               <a:latin typeface="メイリオ" panose="020B0604030504040204" pitchFamily="50" charset="-128"/>
@@ -8929,12 +11302,30 @@
               <a:buNone/>
             </a:pPr>
             <a:r>
-              <a:rPr lang="ja-JP" altLang="en-US" dirty="0" smtClean="0">
-                <a:latin typeface="メイリオ" panose="020B0604030504040204" pitchFamily="50" charset="-128"/>
-                <a:ea typeface="メイリオ" panose="020B0604030504040204" pitchFamily="50" charset="-128"/>
-                <a:cs typeface="メイリオ" panose="020B0604030504040204" pitchFamily="50" charset="-128"/>
-              </a:rPr>
-              <a:t>・</a:t>
+              <a:rPr lang="ja-JP" altLang="en-US" dirty="0">
+                <a:latin typeface="メイリオ" panose="020B0604030504040204" pitchFamily="50" charset="-128"/>
+                <a:ea typeface="メイリオ" panose="020B0604030504040204" pitchFamily="50" charset="-128"/>
+                <a:cs typeface="メイリオ" panose="020B0604030504040204" pitchFamily="50" charset="-128"/>
+              </a:rPr>
+              <a:t>（直接の目的とは別ですが）</a:t>
+            </a:r>
+            <a:endParaRPr lang="en-US" altLang="ja-JP" dirty="0">
+              <a:latin typeface="メイリオ" panose="020B0604030504040204" pitchFamily="50" charset="-128"/>
+              <a:ea typeface="メイリオ" panose="020B0604030504040204" pitchFamily="50" charset="-128"/>
+              <a:cs typeface="メイリオ" panose="020B0604030504040204" pitchFamily="50" charset="-128"/>
+            </a:endParaRPr>
+          </a:p>
+          <a:p>
+            <a:pPr marL="82296" indent="0">
+              <a:buNone/>
+            </a:pPr>
+            <a:r>
+              <a:rPr lang="ja-JP" altLang="en-US" dirty="0" smtClean="0">
+                <a:latin typeface="メイリオ" panose="020B0604030504040204" pitchFamily="50" charset="-128"/>
+                <a:ea typeface="メイリオ" panose="020B0604030504040204" pitchFamily="50" charset="-128"/>
+                <a:cs typeface="メイリオ" panose="020B0604030504040204" pitchFamily="50" charset="-128"/>
+              </a:rPr>
+              <a:t>→</a:t>
             </a:r>
             <a:r>
               <a:rPr lang="en-US" altLang="ja-JP" dirty="0" smtClean="0">
@@ -8942,83 +11333,15 @@
                 <a:ea typeface="メイリオ" panose="020B0604030504040204" pitchFamily="50" charset="-128"/>
                 <a:cs typeface="メイリオ" panose="020B0604030504040204" pitchFamily="50" charset="-128"/>
               </a:rPr>
-              <a:t>nemo</a:t>
-            </a:r>
-            <a:r>
-              <a:rPr lang="ja-JP" altLang="en-US" dirty="0" err="1" smtClean="0">
-                <a:latin typeface="メイリオ" panose="020B0604030504040204" pitchFamily="50" charset="-128"/>
-                <a:ea typeface="メイリオ" panose="020B0604030504040204" pitchFamily="50" charset="-128"/>
-                <a:cs typeface="メイリオ" panose="020B0604030504040204" pitchFamily="50" charset="-128"/>
-              </a:rPr>
-              <a:t>さん</a:t>
-            </a:r>
-            <a:r>
-              <a:rPr lang="ja-JP" altLang="en-US" dirty="0" smtClean="0">
-                <a:latin typeface="メイリオ" panose="020B0604030504040204" pitchFamily="50" charset="-128"/>
-                <a:ea typeface="メイリオ" panose="020B0604030504040204" pitchFamily="50" charset="-128"/>
-                <a:cs typeface="メイリオ" panose="020B0604030504040204" pitchFamily="50" charset="-128"/>
-              </a:rPr>
-              <a:t>が</a:t>
-            </a:r>
-            <a:r>
-              <a:rPr lang="en-US" altLang="ja-JP" dirty="0" err="1" smtClean="0">
-                <a:latin typeface="メイリオ" panose="020B0604030504040204" pitchFamily="50" charset="-128"/>
-                <a:ea typeface="メイリオ" panose="020B0604030504040204" pitchFamily="50" charset="-128"/>
-                <a:cs typeface="メイリオ" panose="020B0604030504040204" pitchFamily="50" charset="-128"/>
-              </a:rPr>
-              <a:t>conemu</a:t>
-            </a:r>
-            <a:r>
-              <a:rPr lang="ja-JP" altLang="en-US" dirty="0" smtClean="0">
-                <a:latin typeface="メイリオ" panose="020B0604030504040204" pitchFamily="50" charset="-128"/>
-                <a:ea typeface="メイリオ" panose="020B0604030504040204" pitchFamily="50" charset="-128"/>
-                <a:cs typeface="メイリオ" panose="020B0604030504040204" pitchFamily="50" charset="-128"/>
-              </a:rPr>
-              <a:t>いいぞって言ってた</a:t>
-            </a:r>
-            <a:endParaRPr lang="en-US" altLang="ja-JP" dirty="0">
-              <a:latin typeface="メイリオ" panose="020B0604030504040204" pitchFamily="50" charset="-128"/>
-              <a:ea typeface="メイリオ" panose="020B0604030504040204" pitchFamily="50" charset="-128"/>
-              <a:cs typeface="メイリオ" panose="020B0604030504040204" pitchFamily="50" charset="-128"/>
-            </a:endParaRPr>
-          </a:p>
-          <a:p>
-            <a:pPr marL="82296" indent="0">
-              <a:buNone/>
-            </a:pPr>
-            <a:r>
-              <a:rPr lang="ja-JP" altLang="en-US" dirty="0">
-                <a:latin typeface="メイリオ" panose="020B0604030504040204" pitchFamily="50" charset="-128"/>
-                <a:ea typeface="メイリオ" panose="020B0604030504040204" pitchFamily="50" charset="-128"/>
-                <a:cs typeface="メイリオ" panose="020B0604030504040204" pitchFamily="50" charset="-128"/>
-              </a:rPr>
-              <a:t>・</a:t>
-            </a:r>
-            <a:r>
-              <a:rPr lang="ja-JP" altLang="en-US" dirty="0" smtClean="0">
-                <a:latin typeface="メイリオ" panose="020B0604030504040204" pitchFamily="50" charset="-128"/>
-                <a:ea typeface="メイリオ" panose="020B0604030504040204" pitchFamily="50" charset="-128"/>
-                <a:cs typeface="メイリオ" panose="020B0604030504040204" pitchFamily="50" charset="-128"/>
-              </a:rPr>
-              <a:t>いれよう→すばらしい・・・</a:t>
-            </a:r>
-            <a:endParaRPr lang="en-US" altLang="ja-JP" dirty="0">
-              <a:latin typeface="メイリオ" panose="020B0604030504040204" pitchFamily="50" charset="-128"/>
-              <a:ea typeface="メイリオ" panose="020B0604030504040204" pitchFamily="50" charset="-128"/>
-              <a:cs typeface="メイリオ" panose="020B0604030504040204" pitchFamily="50" charset="-128"/>
-            </a:endParaRPr>
-          </a:p>
-          <a:p>
-            <a:pPr marL="82296" indent="0">
-              <a:buNone/>
-            </a:pPr>
-            <a:r>
-              <a:rPr lang="ja-JP" altLang="en-US" dirty="0" smtClean="0">
-                <a:latin typeface="メイリオ" panose="020B0604030504040204" pitchFamily="50" charset="-128"/>
-                <a:ea typeface="メイリオ" panose="020B0604030504040204" pitchFamily="50" charset="-128"/>
-                <a:cs typeface="メイリオ" panose="020B0604030504040204" pitchFamily="50" charset="-128"/>
-              </a:rPr>
-              <a:t>・</a:t>
+              <a:t>ls</a:t>
+            </a:r>
+            <a:r>
+              <a:rPr lang="ja-JP" altLang="en-US" dirty="0" smtClean="0">
+                <a:latin typeface="メイリオ" panose="020B0604030504040204" pitchFamily="50" charset="-128"/>
+                <a:ea typeface="メイリオ" panose="020B0604030504040204" pitchFamily="50" charset="-128"/>
+                <a:cs typeface="メイリオ" panose="020B0604030504040204" pitchFamily="50" charset="-128"/>
+              </a:rPr>
+              <a:t>が使える！</a:t>
             </a:r>
             <a:r>
               <a:rPr lang="en-US" altLang="ja-JP" dirty="0" smtClean="0">
@@ -9026,127 +11349,15 @@
                 <a:ea typeface="メイリオ" panose="020B0604030504040204" pitchFamily="50" charset="-128"/>
                 <a:cs typeface="メイリオ" panose="020B0604030504040204" pitchFamily="50" charset="-128"/>
               </a:rPr>
-              <a:t>GOW</a:t>
-            </a:r>
-            <a:r>
-              <a:rPr lang="ja-JP" altLang="en-US" dirty="0" smtClean="0">
-                <a:latin typeface="メイリオ" panose="020B0604030504040204" pitchFamily="50" charset="-128"/>
-                <a:ea typeface="メイリオ" panose="020B0604030504040204" pitchFamily="50" charset="-128"/>
-                <a:cs typeface="メイリオ" panose="020B0604030504040204" pitchFamily="50" charset="-128"/>
-              </a:rPr>
-              <a:t>いいぞって言ってた</a:t>
-            </a:r>
-            <a:endParaRPr lang="en-US" altLang="ja-JP" dirty="0" smtClean="0">
-              <a:latin typeface="メイリオ" panose="020B0604030504040204" pitchFamily="50" charset="-128"/>
-              <a:ea typeface="メイリオ" panose="020B0604030504040204" pitchFamily="50" charset="-128"/>
-              <a:cs typeface="メイリオ" panose="020B0604030504040204" pitchFamily="50" charset="-128"/>
-            </a:endParaRPr>
-          </a:p>
-          <a:p>
-            <a:pPr marL="82296" indent="0">
-              <a:buNone/>
-            </a:pPr>
-            <a:r>
-              <a:rPr lang="ja-JP" altLang="en-US" dirty="0" smtClean="0">
-                <a:latin typeface="メイリオ" panose="020B0604030504040204" pitchFamily="50" charset="-128"/>
-                <a:ea typeface="メイリオ" panose="020B0604030504040204" pitchFamily="50" charset="-128"/>
-                <a:cs typeface="メイリオ" panose="020B0604030504040204" pitchFamily="50" charset="-128"/>
-              </a:rPr>
-              <a:t>・いれよう→すばらしい・・・</a:t>
-            </a:r>
-            <a:endParaRPr lang="en-US" altLang="ja-JP" dirty="0" smtClean="0">
-              <a:latin typeface="メイリオ" panose="020B0604030504040204" pitchFamily="50" charset="-128"/>
-              <a:ea typeface="メイリオ" panose="020B0604030504040204" pitchFamily="50" charset="-128"/>
-              <a:cs typeface="メイリオ" panose="020B0604030504040204" pitchFamily="50" charset="-128"/>
-            </a:endParaRPr>
-          </a:p>
-          <a:p>
-            <a:pPr marL="82296" indent="0">
-              <a:buNone/>
-            </a:pPr>
-            <a:r>
-              <a:rPr lang="ja-JP" altLang="en-US" dirty="0" smtClean="0">
-                <a:latin typeface="メイリオ" panose="020B0604030504040204" pitchFamily="50" charset="-128"/>
-                <a:ea typeface="メイリオ" panose="020B0604030504040204" pitchFamily="50" charset="-128"/>
-                <a:cs typeface="メイリオ" panose="020B0604030504040204" pitchFamily="50" charset="-128"/>
-              </a:rPr>
-              <a:t>・なんか文字化けする→</a:t>
-            </a:r>
-            <a:r>
-              <a:rPr lang="ja-JP" altLang="en-US" dirty="0" err="1" smtClean="0">
-                <a:latin typeface="メイリオ" panose="020B0604030504040204" pitchFamily="50" charset="-128"/>
-                <a:ea typeface="メイリオ" panose="020B0604030504040204" pitchFamily="50" charset="-128"/>
-                <a:cs typeface="メイリオ" panose="020B0604030504040204" pitchFamily="50" charset="-128"/>
-              </a:rPr>
-              <a:t>にゃ</a:t>
-            </a:r>
-            <a:r>
-              <a:rPr lang="ja-JP" altLang="en-US" dirty="0" smtClean="0">
-                <a:latin typeface="メイリオ" panose="020B0604030504040204" pitchFamily="50" charset="-128"/>
-                <a:ea typeface="メイリオ" panose="020B0604030504040204" pitchFamily="50" charset="-128"/>
-                <a:cs typeface="メイリオ" panose="020B0604030504040204" pitchFamily="50" charset="-128"/>
-              </a:rPr>
-              <a:t>おす</a:t>
-            </a:r>
-            <a:endParaRPr lang="en-US" altLang="ja-JP" dirty="0" smtClean="0">
-              <a:latin typeface="メイリオ" panose="020B0604030504040204" pitchFamily="50" charset="-128"/>
-              <a:ea typeface="メイリオ" panose="020B0604030504040204" pitchFamily="50" charset="-128"/>
-              <a:cs typeface="メイリオ" panose="020B0604030504040204" pitchFamily="50" charset="-128"/>
-            </a:endParaRPr>
-          </a:p>
-          <a:p>
-            <a:pPr marL="82296" indent="0">
-              <a:buNone/>
-            </a:pPr>
-            <a:r>
-              <a:rPr lang="en-US" altLang="ja-JP" dirty="0" err="1" smtClean="0">
-                <a:latin typeface="メイリオ" panose="020B0604030504040204" pitchFamily="50" charset="-128"/>
-                <a:ea typeface="メイリオ" panose="020B0604030504040204" pitchFamily="50" charset="-128"/>
-                <a:cs typeface="メイリオ" panose="020B0604030504040204" pitchFamily="50" charset="-128"/>
-              </a:rPr>
-              <a:t>Gow</a:t>
-            </a:r>
-            <a:r>
-              <a:rPr lang="ja-JP" altLang="en-US" dirty="0" smtClean="0">
-                <a:latin typeface="メイリオ" panose="020B0604030504040204" pitchFamily="50" charset="-128"/>
-                <a:ea typeface="メイリオ" panose="020B0604030504040204" pitchFamily="50" charset="-128"/>
-                <a:cs typeface="メイリオ" panose="020B0604030504040204" pitchFamily="50" charset="-128"/>
-              </a:rPr>
-              <a:t>に</a:t>
-            </a:r>
-            <a:r>
-              <a:rPr lang="en-US" altLang="ja-JP" dirty="0" smtClean="0">
-                <a:latin typeface="メイリオ" panose="020B0604030504040204" pitchFamily="50" charset="-128"/>
-                <a:ea typeface="メイリオ" panose="020B0604030504040204" pitchFamily="50" charset="-128"/>
-                <a:cs typeface="メイリオ" panose="020B0604030504040204" pitchFamily="50" charset="-128"/>
-              </a:rPr>
-              <a:t>vim</a:t>
-            </a:r>
-            <a:r>
-              <a:rPr lang="ja-JP" altLang="en-US" dirty="0" smtClean="0">
-                <a:latin typeface="メイリオ" panose="020B0604030504040204" pitchFamily="50" charset="-128"/>
-                <a:ea typeface="メイリオ" panose="020B0604030504040204" pitchFamily="50" charset="-128"/>
-                <a:cs typeface="メイリオ" panose="020B0604030504040204" pitchFamily="50" charset="-128"/>
-              </a:rPr>
-              <a:t>がはいっててすごくいい。</a:t>
-            </a:r>
-            <a:endParaRPr lang="en-US" altLang="ja-JP" dirty="0" smtClean="0">
-              <a:latin typeface="メイリオ" panose="020B0604030504040204" pitchFamily="50" charset="-128"/>
-              <a:ea typeface="メイリオ" panose="020B0604030504040204" pitchFamily="50" charset="-128"/>
-              <a:cs typeface="メイリオ" panose="020B0604030504040204" pitchFamily="50" charset="-128"/>
-            </a:endParaRPr>
-          </a:p>
-          <a:p>
-            <a:pPr marL="82296" indent="0">
-              <a:buNone/>
-            </a:pPr>
-            <a:r>
-              <a:rPr lang="ja-JP" altLang="en-US" dirty="0" smtClean="0">
-                <a:latin typeface="メイリオ" panose="020B0604030504040204" pitchFamily="50" charset="-128"/>
-                <a:ea typeface="メイリオ" panose="020B0604030504040204" pitchFamily="50" charset="-128"/>
-                <a:cs typeface="メイリオ" panose="020B0604030504040204" pitchFamily="50" charset="-128"/>
-              </a:rPr>
-              <a:t>→使ってみよう→第二部へ</a:t>
+              <a:t>grep</a:t>
+            </a:r>
+            <a:r>
+              <a:rPr lang="ja-JP" altLang="en-US" dirty="0" smtClean="0">
+                <a:latin typeface="メイリオ" panose="020B0604030504040204" pitchFamily="50" charset="-128"/>
+                <a:ea typeface="メイリオ" panose="020B0604030504040204" pitchFamily="50" charset="-128"/>
+                <a:cs typeface="メイリオ" panose="020B0604030504040204" pitchFamily="50" charset="-128"/>
+              </a:rPr>
+              <a:t>が使える！</a:t>
             </a:r>
             <a:endParaRPr lang="en-US" altLang="ja-JP" dirty="0" smtClean="0">
               <a:latin typeface="メイリオ" panose="020B0604030504040204" pitchFamily="50" charset="-128"/>
@@ -9159,7 +11370,7 @@
     </p:spTree>
     <p:extLst>
       <p:ext uri="{BB962C8B-B14F-4D97-AF65-F5344CB8AC3E}">
-        <p14:creationId xmlns:p14="http://schemas.microsoft.com/office/powerpoint/2010/main" val="3866189211"/>
+        <p14:creationId xmlns:p14="http://schemas.microsoft.com/office/powerpoint/2010/main" val="4168020672"/>
       </p:ext>
     </p:extLst>
   </p:cSld>

--- a/vimmer.pptx
+++ b/vimmer.pptx
@@ -17,21 +17,27 @@
     <p:sldId id="317" r:id="rId11"/>
     <p:sldId id="316" r:id="rId12"/>
     <p:sldId id="318" r:id="rId13"/>
-    <p:sldId id="319" r:id="rId14"/>
+    <p:sldId id="322" r:id="rId14"/>
     <p:sldId id="311" r:id="rId15"/>
-    <p:sldId id="320" r:id="rId16"/>
-    <p:sldId id="321" r:id="rId17"/>
-    <p:sldId id="300" r:id="rId18"/>
-    <p:sldId id="302" r:id="rId19"/>
-    <p:sldId id="301" r:id="rId20"/>
-    <p:sldId id="303" r:id="rId21"/>
-    <p:sldId id="304" r:id="rId22"/>
-    <p:sldId id="305" r:id="rId23"/>
-    <p:sldId id="269" r:id="rId24"/>
-    <p:sldId id="314" r:id="rId25"/>
-    <p:sldId id="313" r:id="rId26"/>
-    <p:sldId id="276" r:id="rId27"/>
-    <p:sldId id="306" r:id="rId28"/>
+    <p:sldId id="323" r:id="rId16"/>
+    <p:sldId id="320" r:id="rId17"/>
+    <p:sldId id="324" r:id="rId18"/>
+    <p:sldId id="327" r:id="rId19"/>
+    <p:sldId id="328" r:id="rId20"/>
+    <p:sldId id="329" r:id="rId21"/>
+    <p:sldId id="330" r:id="rId22"/>
+    <p:sldId id="326" r:id="rId23"/>
+    <p:sldId id="300" r:id="rId24"/>
+    <p:sldId id="302" r:id="rId25"/>
+    <p:sldId id="301" r:id="rId26"/>
+    <p:sldId id="303" r:id="rId27"/>
+    <p:sldId id="304" r:id="rId28"/>
+    <p:sldId id="305" r:id="rId29"/>
+    <p:sldId id="269" r:id="rId30"/>
+    <p:sldId id="314" r:id="rId31"/>
+    <p:sldId id="313" r:id="rId32"/>
+    <p:sldId id="276" r:id="rId33"/>
+    <p:sldId id="306" r:id="rId34"/>
   </p:sldIdLst>
   <p:sldSz cx="9144000" cy="6858000" type="screen4x3"/>
   <p:notesSz cx="6858000" cy="9144000"/>
@@ -283,7 +289,7 @@
           <a:p>
             <a:fld id="{39378AC4-C49C-4159-B332-7738B007311C}" type="datetimeFigureOut">
               <a:rPr kumimoji="1" lang="ja-JP" altLang="en-US" smtClean="0"/>
-              <a:t>2015/10/26</a:t>
+              <a:t>2015/10/27</a:t>
             </a:fld>
             <a:endParaRPr kumimoji="1" lang="ja-JP" altLang="en-US"/>
           </a:p>
@@ -628,7 +634,7 @@
           <a:p>
             <a:fld id="{39378AC4-C49C-4159-B332-7738B007311C}" type="datetimeFigureOut">
               <a:rPr kumimoji="1" lang="ja-JP" altLang="en-US" smtClean="0"/>
-              <a:t>2015/10/26</a:t>
+              <a:t>2015/10/27</a:t>
             </a:fld>
             <a:endParaRPr kumimoji="1" lang="ja-JP" altLang="en-US"/>
           </a:p>
@@ -845,7 +851,7 @@
           <a:p>
             <a:fld id="{39378AC4-C49C-4159-B332-7738B007311C}" type="datetimeFigureOut">
               <a:rPr kumimoji="1" lang="ja-JP" altLang="en-US" smtClean="0"/>
-              <a:t>2015/10/26</a:t>
+              <a:t>2015/10/27</a:t>
             </a:fld>
             <a:endParaRPr kumimoji="1" lang="ja-JP" altLang="en-US"/>
           </a:p>
@@ -1052,7 +1058,7 @@
           <a:p>
             <a:fld id="{39378AC4-C49C-4159-B332-7738B007311C}" type="datetimeFigureOut">
               <a:rPr kumimoji="1" lang="ja-JP" altLang="en-US" smtClean="0"/>
-              <a:t>2015/10/26</a:t>
+              <a:t>2015/10/27</a:t>
             </a:fld>
             <a:endParaRPr kumimoji="1" lang="ja-JP" altLang="en-US"/>
           </a:p>
@@ -1320,7 +1326,7 @@
           <a:p>
             <a:fld id="{39378AC4-C49C-4159-B332-7738B007311C}" type="datetimeFigureOut">
               <a:rPr kumimoji="1" lang="ja-JP" altLang="en-US" smtClean="0"/>
-              <a:t>2015/10/26</a:t>
+              <a:t>2015/10/27</a:t>
             </a:fld>
             <a:endParaRPr kumimoji="1" lang="ja-JP" altLang="en-US"/>
           </a:p>
@@ -1852,7 +1858,7 @@
           <a:p>
             <a:fld id="{39378AC4-C49C-4159-B332-7738B007311C}" type="datetimeFigureOut">
               <a:rPr kumimoji="1" lang="ja-JP" altLang="en-US" smtClean="0"/>
-              <a:t>2015/10/26</a:t>
+              <a:t>2015/10/27</a:t>
             </a:fld>
             <a:endParaRPr kumimoji="1" lang="ja-JP" altLang="en-US"/>
           </a:p>
@@ -2405,7 +2411,7 @@
           <a:p>
             <a:fld id="{39378AC4-C49C-4159-B332-7738B007311C}" type="datetimeFigureOut">
               <a:rPr kumimoji="1" lang="ja-JP" altLang="en-US" smtClean="0"/>
-              <a:t>2015/10/26</a:t>
+              <a:t>2015/10/27</a:t>
             </a:fld>
             <a:endParaRPr kumimoji="1" lang="ja-JP" altLang="en-US"/>
           </a:p>
@@ -2531,7 +2537,7 @@
           <a:p>
             <a:fld id="{39378AC4-C49C-4159-B332-7738B007311C}" type="datetimeFigureOut">
               <a:rPr kumimoji="1" lang="ja-JP" altLang="en-US" smtClean="0"/>
-              <a:t>2015/10/26</a:t>
+              <a:t>2015/10/27</a:t>
             </a:fld>
             <a:endParaRPr kumimoji="1" lang="ja-JP" altLang="en-US"/>
           </a:p>
@@ -2675,7 +2681,7 @@
           <a:p>
             <a:fld id="{39378AC4-C49C-4159-B332-7738B007311C}" type="datetimeFigureOut">
               <a:rPr kumimoji="1" lang="ja-JP" altLang="en-US" smtClean="0"/>
-              <a:t>2015/10/26</a:t>
+              <a:t>2015/10/27</a:t>
             </a:fld>
             <a:endParaRPr kumimoji="1" lang="ja-JP" altLang="en-US"/>
           </a:p>
@@ -3029,7 +3035,7 @@
           <a:p>
             <a:fld id="{39378AC4-C49C-4159-B332-7738B007311C}" type="datetimeFigureOut">
               <a:rPr kumimoji="1" lang="ja-JP" altLang="en-US" smtClean="0"/>
-              <a:t>2015/10/26</a:t>
+              <a:t>2015/10/27</a:t>
             </a:fld>
             <a:endParaRPr kumimoji="1" lang="ja-JP" altLang="en-US"/>
           </a:p>
@@ -3163,7 +3169,7 @@
           <a:p>
             <a:fld id="{39378AC4-C49C-4159-B332-7738B007311C}" type="datetimeFigureOut">
               <a:rPr kumimoji="1" lang="ja-JP" altLang="en-US" smtClean="0"/>
-              <a:t>2015/10/26</a:t>
+              <a:t>2015/10/27</a:t>
             </a:fld>
             <a:endParaRPr kumimoji="1" lang="ja-JP" altLang="en-US"/>
           </a:p>
@@ -3976,7 +3982,7 @@
           <a:p>
             <a:fld id="{39378AC4-C49C-4159-B332-7738B007311C}" type="datetimeFigureOut">
               <a:rPr kumimoji="1" lang="ja-JP" altLang="en-US" smtClean="0"/>
-              <a:t>2015/10/26</a:t>
+              <a:t>2015/10/27</a:t>
             </a:fld>
             <a:endParaRPr kumimoji="1" lang="ja-JP" altLang="en-US"/>
           </a:p>
@@ -5154,23 +5160,71 @@
                 <a:ea typeface="メイリオ" panose="020B0604030504040204" pitchFamily="50" charset="-128"/>
                 <a:cs typeface="メイリオ" panose="020B0604030504040204" pitchFamily="50" charset="-128"/>
               </a:rPr>
-              <a:t>ライクな日本語</a:t>
-            </a:r>
+              <a:t>ライクな日本語拡張</a:t>
+            </a:r>
+            <a:r>
+              <a:rPr lang="ja-JP" altLang="en-US" dirty="0">
+                <a:latin typeface="メイリオ" panose="020B0604030504040204" pitchFamily="50" charset="-128"/>
+                <a:ea typeface="メイリオ" panose="020B0604030504040204" pitchFamily="50" charset="-128"/>
+                <a:cs typeface="メイリオ" panose="020B0604030504040204" pitchFamily="50" charset="-128"/>
+              </a:rPr>
+              <a:t>シェル</a:t>
+            </a:r>
+            <a:endParaRPr lang="en-US" altLang="ja-JP" dirty="0" smtClean="0">
+              <a:latin typeface="メイリオ" panose="020B0604030504040204" pitchFamily="50" charset="-128"/>
+              <a:ea typeface="メイリオ" panose="020B0604030504040204" pitchFamily="50" charset="-128"/>
+              <a:cs typeface="メイリオ" panose="020B0604030504040204" pitchFamily="50" charset="-128"/>
+            </a:endParaRPr>
+          </a:p>
+          <a:p>
+            <a:pPr marL="82296" indent="0">
+              <a:buNone/>
+            </a:pPr>
+            <a:r>
+              <a:rPr lang="en-US" altLang="ja-JP" dirty="0">
+                <a:latin typeface="メイリオ" panose="020B0604030504040204" pitchFamily="50" charset="-128"/>
+                <a:ea typeface="メイリオ" panose="020B0604030504040204" pitchFamily="50" charset="-128"/>
+                <a:cs typeface="メイリオ" panose="020B0604030504040204" pitchFamily="50" charset="-128"/>
+                <a:hlinkClick r:id="rId2"/>
+              </a:rPr>
+              <a:t>http://</a:t>
+            </a:r>
+            <a:r>
+              <a:rPr lang="en-US" altLang="ja-JP" dirty="0" smtClean="0">
+                <a:latin typeface="メイリオ" panose="020B0604030504040204" pitchFamily="50" charset="-128"/>
+                <a:ea typeface="メイリオ" panose="020B0604030504040204" pitchFamily="50" charset="-128"/>
+                <a:cs typeface="メイリオ" panose="020B0604030504040204" pitchFamily="50" charset="-128"/>
+                <a:hlinkClick r:id="rId2"/>
+              </a:rPr>
+              <a:t>www.nyaos.org/index.cgi?p=FrontPage.ja</a:t>
+            </a:r>
+            <a:endParaRPr lang="en-US" altLang="ja-JP" dirty="0" smtClean="0">
+              <a:latin typeface="メイリオ" panose="020B0604030504040204" pitchFamily="50" charset="-128"/>
+              <a:ea typeface="メイリオ" panose="020B0604030504040204" pitchFamily="50" charset="-128"/>
+              <a:cs typeface="メイリオ" panose="020B0604030504040204" pitchFamily="50" charset="-128"/>
+            </a:endParaRPr>
+          </a:p>
+          <a:p>
+            <a:pPr marL="82296" indent="0">
+              <a:buNone/>
+            </a:pPr>
+            <a:endParaRPr lang="en-US" altLang="ja-JP" dirty="0">
+              <a:latin typeface="メイリオ" panose="020B0604030504040204" pitchFamily="50" charset="-128"/>
+              <a:ea typeface="メイリオ" panose="020B0604030504040204" pitchFamily="50" charset="-128"/>
+              <a:cs typeface="メイリオ" panose="020B0604030504040204" pitchFamily="50" charset="-128"/>
+            </a:endParaRPr>
+          </a:p>
+          <a:p>
+            <a:pPr marL="82296" indent="0">
+              <a:buNone/>
+            </a:pPr>
             <a:r>
               <a:rPr lang="ja-JP" altLang="en-US" dirty="0" smtClean="0">
                 <a:latin typeface="メイリオ" panose="020B0604030504040204" pitchFamily="50" charset="-128"/>
                 <a:ea typeface="メイリオ" panose="020B0604030504040204" pitchFamily="50" charset="-128"/>
                 <a:cs typeface="メイリオ" panose="020B0604030504040204" pitchFamily="50" charset="-128"/>
               </a:rPr>
-              <a:t>拡張</a:t>
-            </a:r>
-            <a:r>
-              <a:rPr lang="ja-JP" altLang="en-US" dirty="0">
-                <a:latin typeface="メイリオ" panose="020B0604030504040204" pitchFamily="50" charset="-128"/>
-                <a:ea typeface="メイリオ" panose="020B0604030504040204" pitchFamily="50" charset="-128"/>
-                <a:cs typeface="メイリオ" panose="020B0604030504040204" pitchFamily="50" charset="-128"/>
-              </a:rPr>
-              <a:t>シェル</a:t>
+              <a:t>・補完、エイリアスなどいろいろ便利</a:t>
             </a:r>
             <a:endParaRPr lang="en-US" altLang="ja-JP" dirty="0" smtClean="0">
               <a:latin typeface="メイリオ" panose="020B0604030504040204" pitchFamily="50" charset="-128"/>
@@ -5183,84 +5237,36 @@
               <a:buNone/>
             </a:pPr>
             <a:r>
-              <a:rPr lang="en-US" altLang="ja-JP" dirty="0">
-                <a:latin typeface="メイリオ" panose="020B0604030504040204" pitchFamily="50" charset="-128"/>
-                <a:ea typeface="メイリオ" panose="020B0604030504040204" pitchFamily="50" charset="-128"/>
-                <a:cs typeface="メイリオ" panose="020B0604030504040204" pitchFamily="50" charset="-128"/>
-                <a:hlinkClick r:id="rId2"/>
-              </a:rPr>
-              <a:t>http://</a:t>
+              <a:rPr lang="ja-JP" altLang="en-US" dirty="0" smtClean="0">
+                <a:latin typeface="メイリオ" panose="020B0604030504040204" pitchFamily="50" charset="-128"/>
+                <a:ea typeface="メイリオ" panose="020B0604030504040204" pitchFamily="50" charset="-128"/>
+                <a:cs typeface="メイリオ" panose="020B0604030504040204" pitchFamily="50" charset="-128"/>
+              </a:rPr>
+              <a:t>・最新版は</a:t>
             </a:r>
             <a:r>
               <a:rPr lang="en-US" altLang="ja-JP" dirty="0" smtClean="0">
                 <a:latin typeface="メイリオ" panose="020B0604030504040204" pitchFamily="50" charset="-128"/>
                 <a:ea typeface="メイリオ" panose="020B0604030504040204" pitchFamily="50" charset="-128"/>
                 <a:cs typeface="メイリオ" panose="020B0604030504040204" pitchFamily="50" charset="-128"/>
-                <a:hlinkClick r:id="rId2"/>
-              </a:rPr>
-              <a:t>www.nyaos.org/index.cgi?p=FrontPage.ja</a:t>
-            </a:r>
-            <a:endParaRPr lang="en-US" altLang="ja-JP" dirty="0" smtClean="0">
-              <a:latin typeface="メイリオ" panose="020B0604030504040204" pitchFamily="50" charset="-128"/>
-              <a:ea typeface="メイリオ" panose="020B0604030504040204" pitchFamily="50" charset="-128"/>
-              <a:cs typeface="メイリオ" panose="020B0604030504040204" pitchFamily="50" charset="-128"/>
-            </a:endParaRPr>
-          </a:p>
-          <a:p>
-            <a:pPr marL="82296" indent="0">
-              <a:buNone/>
-            </a:pPr>
-            <a:endParaRPr lang="en-US" altLang="ja-JP" dirty="0">
-              <a:latin typeface="メイリオ" panose="020B0604030504040204" pitchFamily="50" charset="-128"/>
-              <a:ea typeface="メイリオ" panose="020B0604030504040204" pitchFamily="50" charset="-128"/>
-              <a:cs typeface="メイリオ" panose="020B0604030504040204" pitchFamily="50" charset="-128"/>
-            </a:endParaRPr>
-          </a:p>
-          <a:p>
-            <a:pPr marL="82296" indent="0">
-              <a:buNone/>
-            </a:pPr>
+              </a:rPr>
+              <a:t>Go</a:t>
+            </a:r>
             <a:r>
               <a:rPr lang="ja-JP" altLang="en-US" dirty="0" smtClean="0">
                 <a:latin typeface="メイリオ" panose="020B0604030504040204" pitchFamily="50" charset="-128"/>
                 <a:ea typeface="メイリオ" panose="020B0604030504040204" pitchFamily="50" charset="-128"/>
                 <a:cs typeface="メイリオ" panose="020B0604030504040204" pitchFamily="50" charset="-128"/>
               </a:rPr>
-              <a:t>・補完、エイリアスなどいろいろ便利</a:t>
-            </a:r>
-            <a:endParaRPr lang="en-US" altLang="ja-JP" dirty="0" smtClean="0">
-              <a:latin typeface="メイリオ" panose="020B0604030504040204" pitchFamily="50" charset="-128"/>
-              <a:ea typeface="メイリオ" panose="020B0604030504040204" pitchFamily="50" charset="-128"/>
-              <a:cs typeface="メイリオ" panose="020B0604030504040204" pitchFamily="50" charset="-128"/>
-            </a:endParaRPr>
-          </a:p>
-          <a:p>
-            <a:pPr marL="82296" indent="0">
-              <a:buNone/>
-            </a:pPr>
+              <a:t>言語</a:t>
+            </a:r>
             <a:r>
               <a:rPr lang="ja-JP" altLang="en-US" dirty="0" smtClean="0">
                 <a:latin typeface="メイリオ" panose="020B0604030504040204" pitchFamily="50" charset="-128"/>
                 <a:ea typeface="メイリオ" panose="020B0604030504040204" pitchFamily="50" charset="-128"/>
                 <a:cs typeface="メイリオ" panose="020B0604030504040204" pitchFamily="50" charset="-128"/>
               </a:rPr>
-              <a:t>・最新版は</a:t>
-            </a:r>
-            <a:r>
-              <a:rPr lang="en-US" altLang="ja-JP" dirty="0" smtClean="0">
-                <a:latin typeface="メイリオ" panose="020B0604030504040204" pitchFamily="50" charset="-128"/>
-                <a:ea typeface="メイリオ" panose="020B0604030504040204" pitchFamily="50" charset="-128"/>
-                <a:cs typeface="メイリオ" panose="020B0604030504040204" pitchFamily="50" charset="-128"/>
-              </a:rPr>
-              <a:t>Go</a:t>
-            </a:r>
-            <a:r>
-              <a:rPr lang="ja-JP" altLang="en-US" dirty="0" smtClean="0">
-                <a:latin typeface="メイリオ" panose="020B0604030504040204" pitchFamily="50" charset="-128"/>
-                <a:ea typeface="メイリオ" panose="020B0604030504040204" pitchFamily="50" charset="-128"/>
-                <a:cs typeface="メイリオ" panose="020B0604030504040204" pitchFamily="50" charset="-128"/>
-              </a:rPr>
-              <a:t>言語で開発中</a:t>
+              <a:t>で現在も開発中</a:t>
             </a:r>
             <a:endParaRPr lang="en-US" altLang="ja-JP" dirty="0" smtClean="0">
               <a:latin typeface="メイリオ" panose="020B0604030504040204" pitchFamily="50" charset="-128"/>
@@ -5433,6 +5439,14 @@
             <a:pPr marL="82296" indent="0" algn="ctr">
               <a:buNone/>
             </a:pPr>
+            <a:r>
+              <a:rPr lang="ja-JP" altLang="en-US" dirty="0" smtClean="0">
+                <a:latin typeface="メイリオ" panose="020B0604030504040204" pitchFamily="50" charset="-128"/>
+                <a:ea typeface="メイリオ" panose="020B0604030504040204" pitchFamily="50" charset="-128"/>
+                <a:cs typeface="メイリオ" panose="020B0604030504040204" pitchFamily="50" charset="-128"/>
+              </a:rPr>
+              <a:t>やったぜ。</a:t>
+            </a:r>
             <a:endParaRPr lang="en-US" altLang="ja-JP" dirty="0">
               <a:latin typeface="メイリオ" panose="020B0604030504040204" pitchFamily="50" charset="-128"/>
               <a:ea typeface="メイリオ" panose="020B0604030504040204" pitchFamily="50" charset="-128"/>
@@ -5463,8 +5477,8 @@
         </p:blipFill>
         <p:spPr>
           <a:xfrm>
-            <a:off x="1115615" y="1097432"/>
-            <a:ext cx="7761889" cy="5125591"/>
+            <a:off x="972625" y="1087052"/>
+            <a:ext cx="8159155" cy="4849134"/>
           </a:xfrm>
           <a:prstGeom prst="rect">
             <a:avLst/>
@@ -5474,7 +5488,7 @@
     </p:spTree>
     <p:extLst>
       <p:ext uri="{BB962C8B-B14F-4D97-AF65-F5344CB8AC3E}">
-        <p14:creationId xmlns:p14="http://schemas.microsoft.com/office/powerpoint/2010/main" val="4032394742"/>
+        <p14:creationId xmlns:p14="http://schemas.microsoft.com/office/powerpoint/2010/main" val="161023060"/>
       </p:ext>
     </p:extLst>
   </p:cSld>
@@ -5557,28 +5571,76 @@
         </p:spPr>
         <p:txBody>
           <a:bodyPr>
-            <a:normAutofit lnSpcReduction="10000"/>
+            <a:normAutofit/>
           </a:bodyPr>
           <a:lstStyle/>
           <a:p>
             <a:pPr marL="82296" indent="0">
               <a:buNone/>
             </a:pPr>
-            <a:r>
-              <a:rPr lang="ja-JP" altLang="en-US" dirty="0">
-                <a:latin typeface="メイリオ" panose="020B0604030504040204" pitchFamily="50" charset="-128"/>
-                <a:ea typeface="メイリオ" panose="020B0604030504040204" pitchFamily="50" charset="-128"/>
-                <a:cs typeface="メイリオ" panose="020B0604030504040204" pitchFamily="50" charset="-128"/>
-              </a:rPr>
-              <a:t>この後の</a:t>
-            </a:r>
+            <a:endParaRPr lang="en-US" altLang="ja-JP" dirty="0">
+              <a:latin typeface="メイリオ" panose="020B0604030504040204" pitchFamily="50" charset="-128"/>
+              <a:ea typeface="メイリオ" panose="020B0604030504040204" pitchFamily="50" charset="-128"/>
+              <a:cs typeface="メイリオ" panose="020B0604030504040204" pitchFamily="50" charset="-128"/>
+            </a:endParaRPr>
+          </a:p>
+          <a:p>
+            <a:pPr marL="82296" indent="0">
+              <a:buNone/>
+            </a:pPr>
+            <a:endParaRPr lang="en-US" altLang="ja-JP" dirty="0" smtClean="0">
+              <a:latin typeface="メイリオ" panose="020B0604030504040204" pitchFamily="50" charset="-128"/>
+              <a:ea typeface="メイリオ" panose="020B0604030504040204" pitchFamily="50" charset="-128"/>
+              <a:cs typeface="メイリオ" panose="020B0604030504040204" pitchFamily="50" charset="-128"/>
+            </a:endParaRPr>
+          </a:p>
+          <a:p>
+            <a:pPr marL="82296" indent="0">
+              <a:buNone/>
+            </a:pPr>
+            <a:endParaRPr lang="en-US" altLang="ja-JP" dirty="0">
+              <a:latin typeface="メイリオ" panose="020B0604030504040204" pitchFamily="50" charset="-128"/>
+              <a:ea typeface="メイリオ" panose="020B0604030504040204" pitchFamily="50" charset="-128"/>
+              <a:cs typeface="メイリオ" panose="020B0604030504040204" pitchFamily="50" charset="-128"/>
+            </a:endParaRPr>
+          </a:p>
+          <a:p>
+            <a:pPr marL="82296" indent="0">
+              <a:buNone/>
+            </a:pPr>
+            <a:endParaRPr lang="en-US" altLang="ja-JP" dirty="0" smtClean="0">
+              <a:latin typeface="メイリオ" panose="020B0604030504040204" pitchFamily="50" charset="-128"/>
+              <a:ea typeface="メイリオ" panose="020B0604030504040204" pitchFamily="50" charset="-128"/>
+              <a:cs typeface="メイリオ" panose="020B0604030504040204" pitchFamily="50" charset="-128"/>
+            </a:endParaRPr>
+          </a:p>
+          <a:p>
+            <a:pPr marL="82296" indent="0">
+              <a:buNone/>
+            </a:pPr>
             <a:r>
               <a:rPr lang="ja-JP" altLang="en-US" dirty="0" smtClean="0">
                 <a:latin typeface="メイリオ" panose="020B0604030504040204" pitchFamily="50" charset="-128"/>
                 <a:ea typeface="メイリオ" panose="020B0604030504040204" pitchFamily="50" charset="-128"/>
                 <a:cs typeface="メイリオ" panose="020B0604030504040204" pitchFamily="50" charset="-128"/>
               </a:rPr>
-              <a:t>流れ</a:t>
+              <a:t>なんか</a:t>
+            </a:r>
+            <a:r>
+              <a:rPr lang="en-US" altLang="ja-JP" dirty="0" smtClean="0">
+                <a:latin typeface="メイリオ" panose="020B0604030504040204" pitchFamily="50" charset="-128"/>
+                <a:ea typeface="メイリオ" panose="020B0604030504040204" pitchFamily="50" charset="-128"/>
+                <a:cs typeface="メイリオ" panose="020B0604030504040204" pitchFamily="50" charset="-128"/>
+              </a:rPr>
+              <a:t>vim</a:t>
+            </a:r>
+            <a:r>
+              <a:rPr lang="ja-JP" altLang="en-US" dirty="0" smtClean="0">
+                <a:latin typeface="メイリオ" panose="020B0604030504040204" pitchFamily="50" charset="-128"/>
+                <a:ea typeface="メイリオ" panose="020B0604030504040204" pitchFamily="50" charset="-128"/>
+                <a:cs typeface="メイリオ" panose="020B0604030504040204" pitchFamily="50" charset="-128"/>
+              </a:rPr>
+              <a:t>入ってるし使ってみよう</a:t>
             </a:r>
             <a:endParaRPr lang="en-US" altLang="ja-JP" dirty="0" smtClean="0">
               <a:latin typeface="メイリオ" panose="020B0604030504040204" pitchFamily="50" charset="-128"/>
@@ -5596,15 +5658,7 @@
                 <a:ea typeface="メイリオ" panose="020B0604030504040204" pitchFamily="50" charset="-128"/>
                 <a:cs typeface="メイリオ" panose="020B0604030504040204" pitchFamily="50" charset="-128"/>
               </a:rPr>
-              <a:t>・</a:t>
-            </a:r>
-            <a:r>
-              <a:rPr lang="en-US" altLang="ja-JP" dirty="0" err="1" smtClean="0">
-                <a:latin typeface="メイリオ" panose="020B0604030504040204" pitchFamily="50" charset="-128"/>
-                <a:ea typeface="メイリオ" panose="020B0604030504040204" pitchFamily="50" charset="-128"/>
-                <a:cs typeface="メイリオ" panose="020B0604030504040204" pitchFamily="50" charset="-128"/>
-              </a:rPr>
-              <a:t>cmd</a:t>
+              <a:t>→</a:t>
             </a:r>
             <a:r>
               <a:rPr lang="ja-JP" altLang="en-US" dirty="0" smtClean="0">
@@ -5612,237 +5666,7 @@
                 <a:ea typeface="メイリオ" panose="020B0604030504040204" pitchFamily="50" charset="-128"/>
                 <a:cs typeface="メイリオ" panose="020B0604030504040204" pitchFamily="50" charset="-128"/>
               </a:rPr>
-              <a:t>改造計画</a:t>
-            </a:r>
-            <a:endParaRPr lang="en-US" altLang="ja-JP" dirty="0" smtClean="0">
-              <a:latin typeface="メイリオ" panose="020B0604030504040204" pitchFamily="50" charset="-128"/>
-              <a:ea typeface="メイリオ" panose="020B0604030504040204" pitchFamily="50" charset="-128"/>
-              <a:cs typeface="メイリオ" panose="020B0604030504040204" pitchFamily="50" charset="-128"/>
-            </a:endParaRPr>
-          </a:p>
-          <a:p>
-            <a:pPr marL="82296" indent="0">
-              <a:buNone/>
-            </a:pPr>
-            <a:r>
-              <a:rPr lang="ja-JP" altLang="en-US" dirty="0" smtClean="0">
-                <a:latin typeface="メイリオ" panose="020B0604030504040204" pitchFamily="50" charset="-128"/>
-                <a:ea typeface="メイリオ" panose="020B0604030504040204" pitchFamily="50" charset="-128"/>
-                <a:cs typeface="メイリオ" panose="020B0604030504040204" pitchFamily="50" charset="-128"/>
-              </a:rPr>
-              <a:t>・</a:t>
-            </a:r>
-            <a:r>
-              <a:rPr lang="en-US" altLang="ja-JP" dirty="0" smtClean="0">
-                <a:latin typeface="メイリオ" panose="020B0604030504040204" pitchFamily="50" charset="-128"/>
-                <a:ea typeface="メイリオ" panose="020B0604030504040204" pitchFamily="50" charset="-128"/>
-                <a:cs typeface="メイリオ" panose="020B0604030504040204" pitchFamily="50" charset="-128"/>
-              </a:rPr>
-              <a:t>nemo</a:t>
-            </a:r>
-            <a:r>
-              <a:rPr lang="ja-JP" altLang="en-US" dirty="0" err="1" smtClean="0">
-                <a:latin typeface="メイリオ" panose="020B0604030504040204" pitchFamily="50" charset="-128"/>
-                <a:ea typeface="メイリオ" panose="020B0604030504040204" pitchFamily="50" charset="-128"/>
-                <a:cs typeface="メイリオ" panose="020B0604030504040204" pitchFamily="50" charset="-128"/>
-              </a:rPr>
-              <a:t>さん</a:t>
-            </a:r>
-            <a:r>
-              <a:rPr lang="ja-JP" altLang="en-US" dirty="0" smtClean="0">
-                <a:latin typeface="メイリオ" panose="020B0604030504040204" pitchFamily="50" charset="-128"/>
-                <a:ea typeface="メイリオ" panose="020B0604030504040204" pitchFamily="50" charset="-128"/>
-                <a:cs typeface="メイリオ" panose="020B0604030504040204" pitchFamily="50" charset="-128"/>
-              </a:rPr>
-              <a:t>が</a:t>
-            </a:r>
-            <a:r>
-              <a:rPr lang="en-US" altLang="ja-JP" dirty="0" err="1" smtClean="0">
-                <a:latin typeface="メイリオ" panose="020B0604030504040204" pitchFamily="50" charset="-128"/>
-                <a:ea typeface="メイリオ" panose="020B0604030504040204" pitchFamily="50" charset="-128"/>
-                <a:cs typeface="メイリオ" panose="020B0604030504040204" pitchFamily="50" charset="-128"/>
-              </a:rPr>
-              <a:t>conemu</a:t>
-            </a:r>
-            <a:r>
-              <a:rPr lang="ja-JP" altLang="en-US" dirty="0" smtClean="0">
-                <a:latin typeface="メイリオ" panose="020B0604030504040204" pitchFamily="50" charset="-128"/>
-                <a:ea typeface="メイリオ" panose="020B0604030504040204" pitchFamily="50" charset="-128"/>
-                <a:cs typeface="メイリオ" panose="020B0604030504040204" pitchFamily="50" charset="-128"/>
-              </a:rPr>
-              <a:t>いいぞって言ってた</a:t>
-            </a:r>
-            <a:endParaRPr lang="en-US" altLang="ja-JP" dirty="0">
-              <a:latin typeface="メイリオ" panose="020B0604030504040204" pitchFamily="50" charset="-128"/>
-              <a:ea typeface="メイリオ" panose="020B0604030504040204" pitchFamily="50" charset="-128"/>
-              <a:cs typeface="メイリオ" panose="020B0604030504040204" pitchFamily="50" charset="-128"/>
-            </a:endParaRPr>
-          </a:p>
-          <a:p>
-            <a:pPr marL="82296" indent="0">
-              <a:buNone/>
-            </a:pPr>
-            <a:r>
-              <a:rPr lang="ja-JP" altLang="en-US" dirty="0">
-                <a:latin typeface="メイリオ" panose="020B0604030504040204" pitchFamily="50" charset="-128"/>
-                <a:ea typeface="メイリオ" panose="020B0604030504040204" pitchFamily="50" charset="-128"/>
-                <a:cs typeface="メイリオ" panose="020B0604030504040204" pitchFamily="50" charset="-128"/>
-              </a:rPr>
-              <a:t>・</a:t>
-            </a:r>
-            <a:r>
-              <a:rPr lang="ja-JP" altLang="en-US" dirty="0" smtClean="0">
-                <a:latin typeface="メイリオ" panose="020B0604030504040204" pitchFamily="50" charset="-128"/>
-                <a:ea typeface="メイリオ" panose="020B0604030504040204" pitchFamily="50" charset="-128"/>
-                <a:cs typeface="メイリオ" panose="020B0604030504040204" pitchFamily="50" charset="-128"/>
-              </a:rPr>
-              <a:t>いれよう→すばらしい・・・</a:t>
-            </a:r>
-            <a:endParaRPr lang="en-US" altLang="ja-JP" dirty="0">
-              <a:latin typeface="メイリオ" panose="020B0604030504040204" pitchFamily="50" charset="-128"/>
-              <a:ea typeface="メイリオ" panose="020B0604030504040204" pitchFamily="50" charset="-128"/>
-              <a:cs typeface="メイリオ" panose="020B0604030504040204" pitchFamily="50" charset="-128"/>
-            </a:endParaRPr>
-          </a:p>
-          <a:p>
-            <a:pPr marL="82296" indent="0">
-              <a:buNone/>
-            </a:pPr>
-            <a:r>
-              <a:rPr lang="ja-JP" altLang="en-US" dirty="0" smtClean="0">
-                <a:latin typeface="メイリオ" panose="020B0604030504040204" pitchFamily="50" charset="-128"/>
-                <a:ea typeface="メイリオ" panose="020B0604030504040204" pitchFamily="50" charset="-128"/>
-                <a:cs typeface="メイリオ" panose="020B0604030504040204" pitchFamily="50" charset="-128"/>
-              </a:rPr>
-              <a:t>・</a:t>
-            </a:r>
-            <a:r>
-              <a:rPr lang="en-US" altLang="ja-JP" dirty="0" smtClean="0">
-                <a:latin typeface="メイリオ" panose="020B0604030504040204" pitchFamily="50" charset="-128"/>
-                <a:ea typeface="メイリオ" panose="020B0604030504040204" pitchFamily="50" charset="-128"/>
-                <a:cs typeface="メイリオ" panose="020B0604030504040204" pitchFamily="50" charset="-128"/>
-              </a:rPr>
-              <a:t>GOW</a:t>
-            </a:r>
-            <a:r>
-              <a:rPr lang="ja-JP" altLang="en-US" dirty="0" smtClean="0">
-                <a:latin typeface="メイリオ" panose="020B0604030504040204" pitchFamily="50" charset="-128"/>
-                <a:ea typeface="メイリオ" panose="020B0604030504040204" pitchFamily="50" charset="-128"/>
-                <a:cs typeface="メイリオ" panose="020B0604030504040204" pitchFamily="50" charset="-128"/>
-              </a:rPr>
-              <a:t>いいぞって言ってた</a:t>
-            </a:r>
-            <a:endParaRPr lang="en-US" altLang="ja-JP" dirty="0" smtClean="0">
-              <a:latin typeface="メイリオ" panose="020B0604030504040204" pitchFamily="50" charset="-128"/>
-              <a:ea typeface="メイリオ" panose="020B0604030504040204" pitchFamily="50" charset="-128"/>
-              <a:cs typeface="メイリオ" panose="020B0604030504040204" pitchFamily="50" charset="-128"/>
-            </a:endParaRPr>
-          </a:p>
-          <a:p>
-            <a:pPr marL="82296" indent="0">
-              <a:buNone/>
-            </a:pPr>
-            <a:r>
-              <a:rPr lang="ja-JP" altLang="en-US" dirty="0" smtClean="0">
-                <a:latin typeface="メイリオ" panose="020B0604030504040204" pitchFamily="50" charset="-128"/>
-                <a:ea typeface="メイリオ" panose="020B0604030504040204" pitchFamily="50" charset="-128"/>
-                <a:cs typeface="メイリオ" panose="020B0604030504040204" pitchFamily="50" charset="-128"/>
-              </a:rPr>
-              <a:t>・いれよう→すばらしい・・・</a:t>
-            </a:r>
-            <a:endParaRPr lang="en-US" altLang="ja-JP" dirty="0" smtClean="0">
-              <a:latin typeface="メイリオ" panose="020B0604030504040204" pitchFamily="50" charset="-128"/>
-              <a:ea typeface="メイリオ" panose="020B0604030504040204" pitchFamily="50" charset="-128"/>
-              <a:cs typeface="メイリオ" panose="020B0604030504040204" pitchFamily="50" charset="-128"/>
-            </a:endParaRPr>
-          </a:p>
-          <a:p>
-            <a:pPr marL="82296" indent="0">
-              <a:buNone/>
-            </a:pPr>
-            <a:r>
-              <a:rPr lang="ja-JP" altLang="en-US" dirty="0" smtClean="0">
-                <a:latin typeface="メイリオ" panose="020B0604030504040204" pitchFamily="50" charset="-128"/>
-                <a:ea typeface="メイリオ" panose="020B0604030504040204" pitchFamily="50" charset="-128"/>
-                <a:cs typeface="メイリオ" panose="020B0604030504040204" pitchFamily="50" charset="-128"/>
-              </a:rPr>
-              <a:t>・なんか文字化けする→</a:t>
-            </a:r>
-            <a:r>
-              <a:rPr lang="ja-JP" altLang="en-US" dirty="0" err="1" smtClean="0">
-                <a:latin typeface="メイリオ" panose="020B0604030504040204" pitchFamily="50" charset="-128"/>
-                <a:ea typeface="メイリオ" panose="020B0604030504040204" pitchFamily="50" charset="-128"/>
-                <a:cs typeface="メイリオ" panose="020B0604030504040204" pitchFamily="50" charset="-128"/>
-              </a:rPr>
-              <a:t>にゃ</a:t>
-            </a:r>
-            <a:r>
-              <a:rPr lang="ja-JP" altLang="en-US" dirty="0" smtClean="0">
-                <a:latin typeface="メイリオ" panose="020B0604030504040204" pitchFamily="50" charset="-128"/>
-                <a:ea typeface="メイリオ" panose="020B0604030504040204" pitchFamily="50" charset="-128"/>
-                <a:cs typeface="メイリオ" panose="020B0604030504040204" pitchFamily="50" charset="-128"/>
-              </a:rPr>
-              <a:t>おす</a:t>
-            </a:r>
-            <a:endParaRPr lang="en-US" altLang="ja-JP" dirty="0" smtClean="0">
-              <a:latin typeface="メイリオ" panose="020B0604030504040204" pitchFamily="50" charset="-128"/>
-              <a:ea typeface="メイリオ" panose="020B0604030504040204" pitchFamily="50" charset="-128"/>
-              <a:cs typeface="メイリオ" panose="020B0604030504040204" pitchFamily="50" charset="-128"/>
-            </a:endParaRPr>
-          </a:p>
-          <a:p>
-            <a:pPr marL="82296" indent="0">
-              <a:buNone/>
-            </a:pPr>
-            <a:r>
-              <a:rPr lang="en-US" altLang="ja-JP" dirty="0" err="1" smtClean="0">
-                <a:latin typeface="メイリオ" panose="020B0604030504040204" pitchFamily="50" charset="-128"/>
-                <a:ea typeface="メイリオ" panose="020B0604030504040204" pitchFamily="50" charset="-128"/>
-                <a:cs typeface="メイリオ" panose="020B0604030504040204" pitchFamily="50" charset="-128"/>
-              </a:rPr>
-              <a:t>Gow</a:t>
-            </a:r>
-            <a:r>
-              <a:rPr lang="ja-JP" altLang="en-US" dirty="0" smtClean="0">
-                <a:latin typeface="メイリオ" panose="020B0604030504040204" pitchFamily="50" charset="-128"/>
-                <a:ea typeface="メイリオ" panose="020B0604030504040204" pitchFamily="50" charset="-128"/>
-                <a:cs typeface="メイリオ" panose="020B0604030504040204" pitchFamily="50" charset="-128"/>
-              </a:rPr>
-              <a:t>に</a:t>
-            </a:r>
-            <a:r>
-              <a:rPr lang="en-US" altLang="ja-JP" dirty="0" smtClean="0">
-                <a:latin typeface="メイリオ" panose="020B0604030504040204" pitchFamily="50" charset="-128"/>
-                <a:ea typeface="メイリオ" panose="020B0604030504040204" pitchFamily="50" charset="-128"/>
-                <a:cs typeface="メイリオ" panose="020B0604030504040204" pitchFamily="50" charset="-128"/>
-              </a:rPr>
-              <a:t>vim</a:t>
-            </a:r>
-            <a:r>
-              <a:rPr lang="ja-JP" altLang="en-US" dirty="0" smtClean="0">
-                <a:latin typeface="メイリオ" panose="020B0604030504040204" pitchFamily="50" charset="-128"/>
-                <a:ea typeface="メイリオ" panose="020B0604030504040204" pitchFamily="50" charset="-128"/>
-                <a:cs typeface="メイリオ" panose="020B0604030504040204" pitchFamily="50" charset="-128"/>
-              </a:rPr>
-              <a:t>がはいっててすごくいい。</a:t>
-            </a:r>
-            <a:endParaRPr lang="en-US" altLang="ja-JP" dirty="0" smtClean="0">
-              <a:latin typeface="メイリオ" panose="020B0604030504040204" pitchFamily="50" charset="-128"/>
-              <a:ea typeface="メイリオ" panose="020B0604030504040204" pitchFamily="50" charset="-128"/>
-              <a:cs typeface="メイリオ" panose="020B0604030504040204" pitchFamily="50" charset="-128"/>
-            </a:endParaRPr>
-          </a:p>
-          <a:p>
-            <a:pPr marL="82296" indent="0">
-              <a:buNone/>
-            </a:pPr>
-            <a:r>
-              <a:rPr lang="ja-JP" altLang="en-US" dirty="0" smtClean="0">
-                <a:latin typeface="メイリオ" panose="020B0604030504040204" pitchFamily="50" charset="-128"/>
-                <a:ea typeface="メイリオ" panose="020B0604030504040204" pitchFamily="50" charset="-128"/>
-                <a:cs typeface="メイリオ" panose="020B0604030504040204" pitchFamily="50" charset="-128"/>
-              </a:rPr>
-              <a:t>→使ってみよう→第二部へ</a:t>
+              <a:t>第二部へ</a:t>
             </a:r>
             <a:endParaRPr lang="en-US" altLang="ja-JP" dirty="0" smtClean="0">
               <a:latin typeface="メイリオ" panose="020B0604030504040204" pitchFamily="50" charset="-128"/>
@@ -5891,7 +5715,7 @@
       </p:grpSpPr>
       <p:sp>
         <p:nvSpPr>
-          <p:cNvPr id="12" name="タイトル 1"/>
+          <p:cNvPr id="2" name="タイトル 1"/>
           <p:cNvSpPr>
             <a:spLocks noGrp="1"/>
           </p:cNvSpPr>
@@ -5899,333 +5723,51 @@
             <p:ph type="title"/>
           </p:nvPr>
         </p:nvSpPr>
-        <p:spPr/>
-        <p:txBody>
-          <a:bodyPr/>
-          <a:lstStyle/>
-          <a:p>
-            <a:r>
-              <a:rPr kumimoji="1" lang="ja-JP" altLang="en-US" dirty="0" smtClean="0">
-                <a:latin typeface="メイリオ" panose="020B0604030504040204" pitchFamily="50" charset="-128"/>
-                <a:ea typeface="メイリオ" panose="020B0604030504040204" pitchFamily="50" charset="-128"/>
-                <a:cs typeface="メイリオ" panose="020B0604030504040204" pitchFamily="50" charset="-128"/>
-              </a:rPr>
-              <a:t>背景</a:t>
-            </a:r>
-            <a:endParaRPr kumimoji="1" lang="ja-JP" altLang="en-US" dirty="0">
-              <a:latin typeface="メイリオ" panose="020B0604030504040204" pitchFamily="50" charset="-128"/>
-              <a:ea typeface="メイリオ" panose="020B0604030504040204" pitchFamily="50" charset="-128"/>
-              <a:cs typeface="メイリオ" panose="020B0604030504040204" pitchFamily="50" charset="-128"/>
-            </a:endParaRPr>
-          </a:p>
-        </p:txBody>
-      </p:sp>
-      <p:sp>
-        <p:nvSpPr>
-          <p:cNvPr id="13" name="コンテンツ プレースホルダー 2"/>
-          <p:cNvSpPr>
-            <a:spLocks noGrp="1"/>
-          </p:cNvSpPr>
-          <p:nvPr>
-            <p:ph idx="1"/>
-          </p:nvPr>
-        </p:nvSpPr>
         <p:spPr>
           <a:xfrm>
-            <a:off x="1115616" y="1124744"/>
-            <a:ext cx="7818072" cy="5544616"/>
+            <a:off x="1435608" y="2852936"/>
+            <a:ext cx="7498080" cy="1143000"/>
           </a:xfrm>
         </p:spPr>
         <p:txBody>
           <a:bodyPr>
-            <a:normAutofit lnSpcReduction="10000"/>
+            <a:normAutofit/>
           </a:bodyPr>
           <a:lstStyle/>
           <a:p>
-            <a:pPr marL="82296" indent="0">
-              <a:buNone/>
-            </a:pPr>
-            <a:r>
-              <a:rPr lang="ja-JP" altLang="en-US" dirty="0">
-                <a:latin typeface="メイリオ" panose="020B0604030504040204" pitchFamily="50" charset="-128"/>
-                <a:ea typeface="メイリオ" panose="020B0604030504040204" pitchFamily="50" charset="-128"/>
-                <a:cs typeface="メイリオ" panose="020B0604030504040204" pitchFamily="50" charset="-128"/>
-              </a:rPr>
-              <a:t>この後の</a:t>
-            </a:r>
-            <a:r>
-              <a:rPr lang="ja-JP" altLang="en-US" dirty="0" smtClean="0">
-                <a:latin typeface="メイリオ" panose="020B0604030504040204" pitchFamily="50" charset="-128"/>
-                <a:ea typeface="メイリオ" panose="020B0604030504040204" pitchFamily="50" charset="-128"/>
-                <a:cs typeface="メイリオ" panose="020B0604030504040204" pitchFamily="50" charset="-128"/>
-              </a:rPr>
-              <a:t>流れ</a:t>
-            </a:r>
-            <a:endParaRPr lang="en-US" altLang="ja-JP" dirty="0" smtClean="0">
-              <a:latin typeface="メイリオ" panose="020B0604030504040204" pitchFamily="50" charset="-128"/>
-              <a:ea typeface="メイリオ" panose="020B0604030504040204" pitchFamily="50" charset="-128"/>
-              <a:cs typeface="メイリオ" panose="020B0604030504040204" pitchFamily="50" charset="-128"/>
-            </a:endParaRPr>
-          </a:p>
-          <a:p>
-            <a:pPr marL="82296" indent="0">
-              <a:buNone/>
-            </a:pPr>
-            <a:r>
-              <a:rPr lang="ja-JP" altLang="en-US" dirty="0" smtClean="0">
-                <a:latin typeface="メイリオ" panose="020B0604030504040204" pitchFamily="50" charset="-128"/>
-                <a:ea typeface="メイリオ" panose="020B0604030504040204" pitchFamily="50" charset="-128"/>
-                <a:cs typeface="メイリオ" panose="020B0604030504040204" pitchFamily="50" charset="-128"/>
-              </a:rPr>
-              <a:t>・</a:t>
-            </a:r>
-            <a:r>
-              <a:rPr lang="en-US" altLang="ja-JP" dirty="0" err="1" smtClean="0">
-                <a:latin typeface="メイリオ" panose="020B0604030504040204" pitchFamily="50" charset="-128"/>
-                <a:ea typeface="メイリオ" panose="020B0604030504040204" pitchFamily="50" charset="-128"/>
-                <a:cs typeface="メイリオ" panose="020B0604030504040204" pitchFamily="50" charset="-128"/>
-              </a:rPr>
-              <a:t>cmd</a:t>
-            </a:r>
-            <a:r>
-              <a:rPr lang="ja-JP" altLang="en-US" dirty="0" smtClean="0">
-                <a:latin typeface="メイリオ" panose="020B0604030504040204" pitchFamily="50" charset="-128"/>
-                <a:ea typeface="メイリオ" panose="020B0604030504040204" pitchFamily="50" charset="-128"/>
-                <a:cs typeface="メイリオ" panose="020B0604030504040204" pitchFamily="50" charset="-128"/>
-              </a:rPr>
-              <a:t>改造計画</a:t>
-            </a:r>
-            <a:endParaRPr lang="en-US" altLang="ja-JP" dirty="0" smtClean="0">
-              <a:latin typeface="メイリオ" panose="020B0604030504040204" pitchFamily="50" charset="-128"/>
-              <a:ea typeface="メイリオ" panose="020B0604030504040204" pitchFamily="50" charset="-128"/>
-              <a:cs typeface="メイリオ" panose="020B0604030504040204" pitchFamily="50" charset="-128"/>
-            </a:endParaRPr>
-          </a:p>
-          <a:p>
-            <a:pPr marL="82296" indent="0">
-              <a:buNone/>
-            </a:pPr>
-            <a:r>
-              <a:rPr lang="ja-JP" altLang="en-US" dirty="0" smtClean="0">
-                <a:latin typeface="メイリオ" panose="020B0604030504040204" pitchFamily="50" charset="-128"/>
-                <a:ea typeface="メイリオ" panose="020B0604030504040204" pitchFamily="50" charset="-128"/>
-                <a:cs typeface="メイリオ" panose="020B0604030504040204" pitchFamily="50" charset="-128"/>
-              </a:rPr>
-              <a:t>・</a:t>
-            </a:r>
-            <a:r>
-              <a:rPr lang="en-US" altLang="ja-JP" dirty="0" smtClean="0">
-                <a:latin typeface="メイリオ" panose="020B0604030504040204" pitchFamily="50" charset="-128"/>
-                <a:ea typeface="メイリオ" panose="020B0604030504040204" pitchFamily="50" charset="-128"/>
-                <a:cs typeface="メイリオ" panose="020B0604030504040204" pitchFamily="50" charset="-128"/>
-              </a:rPr>
-              <a:t>nemo</a:t>
-            </a:r>
-            <a:r>
-              <a:rPr lang="ja-JP" altLang="en-US" dirty="0" err="1" smtClean="0">
-                <a:latin typeface="メイリオ" panose="020B0604030504040204" pitchFamily="50" charset="-128"/>
-                <a:ea typeface="メイリオ" panose="020B0604030504040204" pitchFamily="50" charset="-128"/>
-                <a:cs typeface="メイリオ" panose="020B0604030504040204" pitchFamily="50" charset="-128"/>
-              </a:rPr>
-              <a:t>さん</a:t>
-            </a:r>
-            <a:r>
-              <a:rPr lang="ja-JP" altLang="en-US" dirty="0" smtClean="0">
-                <a:latin typeface="メイリオ" panose="020B0604030504040204" pitchFamily="50" charset="-128"/>
-                <a:ea typeface="メイリオ" panose="020B0604030504040204" pitchFamily="50" charset="-128"/>
-                <a:cs typeface="メイリオ" panose="020B0604030504040204" pitchFamily="50" charset="-128"/>
-              </a:rPr>
-              <a:t>が</a:t>
-            </a:r>
-            <a:r>
-              <a:rPr lang="en-US" altLang="ja-JP" dirty="0" err="1" smtClean="0">
-                <a:latin typeface="メイリオ" panose="020B0604030504040204" pitchFamily="50" charset="-128"/>
-                <a:ea typeface="メイリオ" panose="020B0604030504040204" pitchFamily="50" charset="-128"/>
-                <a:cs typeface="メイリオ" panose="020B0604030504040204" pitchFamily="50" charset="-128"/>
-              </a:rPr>
-              <a:t>conemu</a:t>
-            </a:r>
-            <a:r>
-              <a:rPr lang="ja-JP" altLang="en-US" dirty="0" smtClean="0">
-                <a:latin typeface="メイリオ" panose="020B0604030504040204" pitchFamily="50" charset="-128"/>
-                <a:ea typeface="メイリオ" panose="020B0604030504040204" pitchFamily="50" charset="-128"/>
-                <a:cs typeface="メイリオ" panose="020B0604030504040204" pitchFamily="50" charset="-128"/>
-              </a:rPr>
-              <a:t>いいぞって言ってた</a:t>
-            </a:r>
-            <a:endParaRPr lang="en-US" altLang="ja-JP" dirty="0">
-              <a:latin typeface="メイリオ" panose="020B0604030504040204" pitchFamily="50" charset="-128"/>
-              <a:ea typeface="メイリオ" panose="020B0604030504040204" pitchFamily="50" charset="-128"/>
-              <a:cs typeface="メイリオ" panose="020B0604030504040204" pitchFamily="50" charset="-128"/>
-            </a:endParaRPr>
-          </a:p>
-          <a:p>
-            <a:pPr marL="82296" indent="0">
-              <a:buNone/>
-            </a:pPr>
-            <a:r>
-              <a:rPr lang="ja-JP" altLang="en-US" dirty="0">
-                <a:latin typeface="メイリオ" panose="020B0604030504040204" pitchFamily="50" charset="-128"/>
-                <a:ea typeface="メイリオ" panose="020B0604030504040204" pitchFamily="50" charset="-128"/>
-                <a:cs typeface="メイリオ" panose="020B0604030504040204" pitchFamily="50" charset="-128"/>
-              </a:rPr>
-              <a:t>・</a:t>
-            </a:r>
-            <a:r>
-              <a:rPr lang="ja-JP" altLang="en-US" dirty="0" smtClean="0">
-                <a:latin typeface="メイリオ" panose="020B0604030504040204" pitchFamily="50" charset="-128"/>
-                <a:ea typeface="メイリオ" panose="020B0604030504040204" pitchFamily="50" charset="-128"/>
-                <a:cs typeface="メイリオ" panose="020B0604030504040204" pitchFamily="50" charset="-128"/>
-              </a:rPr>
-              <a:t>いれよう→すばらしい・・・</a:t>
-            </a:r>
-            <a:endParaRPr lang="en-US" altLang="ja-JP" dirty="0">
-              <a:latin typeface="メイリオ" panose="020B0604030504040204" pitchFamily="50" charset="-128"/>
-              <a:ea typeface="メイリオ" panose="020B0604030504040204" pitchFamily="50" charset="-128"/>
-              <a:cs typeface="メイリオ" panose="020B0604030504040204" pitchFamily="50" charset="-128"/>
-            </a:endParaRPr>
-          </a:p>
-          <a:p>
-            <a:pPr marL="82296" indent="0">
-              <a:buNone/>
-            </a:pPr>
-            <a:r>
-              <a:rPr lang="ja-JP" altLang="en-US" dirty="0" smtClean="0">
-                <a:latin typeface="メイリオ" panose="020B0604030504040204" pitchFamily="50" charset="-128"/>
-                <a:ea typeface="メイリオ" panose="020B0604030504040204" pitchFamily="50" charset="-128"/>
-                <a:cs typeface="メイリオ" panose="020B0604030504040204" pitchFamily="50" charset="-128"/>
-              </a:rPr>
-              <a:t>・</a:t>
-            </a:r>
-            <a:r>
-              <a:rPr lang="en-US" altLang="ja-JP" dirty="0" smtClean="0">
-                <a:latin typeface="メイリオ" panose="020B0604030504040204" pitchFamily="50" charset="-128"/>
-                <a:ea typeface="メイリオ" panose="020B0604030504040204" pitchFamily="50" charset="-128"/>
-                <a:cs typeface="メイリオ" panose="020B0604030504040204" pitchFamily="50" charset="-128"/>
-              </a:rPr>
-              <a:t>GOW</a:t>
-            </a:r>
-            <a:r>
-              <a:rPr lang="ja-JP" altLang="en-US" dirty="0" smtClean="0">
-                <a:latin typeface="メイリオ" panose="020B0604030504040204" pitchFamily="50" charset="-128"/>
-                <a:ea typeface="メイリオ" panose="020B0604030504040204" pitchFamily="50" charset="-128"/>
-                <a:cs typeface="メイリオ" panose="020B0604030504040204" pitchFamily="50" charset="-128"/>
-              </a:rPr>
-              <a:t>いいぞって言ってた</a:t>
-            </a:r>
-            <a:endParaRPr lang="en-US" altLang="ja-JP" dirty="0" smtClean="0">
-              <a:latin typeface="メイリオ" panose="020B0604030504040204" pitchFamily="50" charset="-128"/>
-              <a:ea typeface="メイリオ" panose="020B0604030504040204" pitchFamily="50" charset="-128"/>
-              <a:cs typeface="メイリオ" panose="020B0604030504040204" pitchFamily="50" charset="-128"/>
-            </a:endParaRPr>
-          </a:p>
-          <a:p>
-            <a:pPr marL="82296" indent="0">
-              <a:buNone/>
-            </a:pPr>
-            <a:r>
-              <a:rPr lang="ja-JP" altLang="en-US" dirty="0" smtClean="0">
-                <a:latin typeface="メイリオ" panose="020B0604030504040204" pitchFamily="50" charset="-128"/>
-                <a:ea typeface="メイリオ" panose="020B0604030504040204" pitchFamily="50" charset="-128"/>
-                <a:cs typeface="メイリオ" panose="020B0604030504040204" pitchFamily="50" charset="-128"/>
-              </a:rPr>
-              <a:t>・いれよう→すばらしい・・・</a:t>
-            </a:r>
-            <a:endParaRPr lang="en-US" altLang="ja-JP" dirty="0" smtClean="0">
-              <a:latin typeface="メイリオ" panose="020B0604030504040204" pitchFamily="50" charset="-128"/>
-              <a:ea typeface="メイリオ" panose="020B0604030504040204" pitchFamily="50" charset="-128"/>
-              <a:cs typeface="メイリオ" panose="020B0604030504040204" pitchFamily="50" charset="-128"/>
-            </a:endParaRPr>
-          </a:p>
-          <a:p>
-            <a:pPr marL="82296" indent="0">
-              <a:buNone/>
-            </a:pPr>
-            <a:r>
-              <a:rPr lang="ja-JP" altLang="en-US" dirty="0" smtClean="0">
-                <a:latin typeface="メイリオ" panose="020B0604030504040204" pitchFamily="50" charset="-128"/>
-                <a:ea typeface="メイリオ" panose="020B0604030504040204" pitchFamily="50" charset="-128"/>
-                <a:cs typeface="メイリオ" panose="020B0604030504040204" pitchFamily="50" charset="-128"/>
-              </a:rPr>
-              <a:t>・なんか文字化けする→</a:t>
-            </a:r>
-            <a:r>
-              <a:rPr lang="ja-JP" altLang="en-US" dirty="0" err="1" smtClean="0">
-                <a:latin typeface="メイリオ" panose="020B0604030504040204" pitchFamily="50" charset="-128"/>
-                <a:ea typeface="メイリオ" panose="020B0604030504040204" pitchFamily="50" charset="-128"/>
-                <a:cs typeface="メイリオ" panose="020B0604030504040204" pitchFamily="50" charset="-128"/>
-              </a:rPr>
-              <a:t>にゃ</a:t>
-            </a:r>
-            <a:r>
-              <a:rPr lang="ja-JP" altLang="en-US" dirty="0" smtClean="0">
-                <a:latin typeface="メイリオ" panose="020B0604030504040204" pitchFamily="50" charset="-128"/>
-                <a:ea typeface="メイリオ" panose="020B0604030504040204" pitchFamily="50" charset="-128"/>
-                <a:cs typeface="メイリオ" panose="020B0604030504040204" pitchFamily="50" charset="-128"/>
-              </a:rPr>
-              <a:t>おす</a:t>
-            </a:r>
-            <a:endParaRPr lang="en-US" altLang="ja-JP" dirty="0" smtClean="0">
-              <a:latin typeface="メイリオ" panose="020B0604030504040204" pitchFamily="50" charset="-128"/>
-              <a:ea typeface="メイリオ" panose="020B0604030504040204" pitchFamily="50" charset="-128"/>
-              <a:cs typeface="メイリオ" panose="020B0604030504040204" pitchFamily="50" charset="-128"/>
-            </a:endParaRPr>
-          </a:p>
-          <a:p>
-            <a:pPr marL="82296" indent="0">
-              <a:buNone/>
-            </a:pPr>
-            <a:r>
-              <a:rPr lang="en-US" altLang="ja-JP" dirty="0" err="1" smtClean="0">
-                <a:latin typeface="メイリオ" panose="020B0604030504040204" pitchFamily="50" charset="-128"/>
-                <a:ea typeface="メイリオ" panose="020B0604030504040204" pitchFamily="50" charset="-128"/>
-                <a:cs typeface="メイリオ" panose="020B0604030504040204" pitchFamily="50" charset="-128"/>
-              </a:rPr>
-              <a:t>Gow</a:t>
-            </a:r>
-            <a:r>
-              <a:rPr lang="ja-JP" altLang="en-US" dirty="0" smtClean="0">
-                <a:latin typeface="メイリオ" panose="020B0604030504040204" pitchFamily="50" charset="-128"/>
-                <a:ea typeface="メイリオ" panose="020B0604030504040204" pitchFamily="50" charset="-128"/>
-                <a:cs typeface="メイリオ" panose="020B0604030504040204" pitchFamily="50" charset="-128"/>
-              </a:rPr>
-              <a:t>に</a:t>
-            </a:r>
-            <a:r>
-              <a:rPr lang="en-US" altLang="ja-JP" dirty="0" smtClean="0">
-                <a:latin typeface="メイリオ" panose="020B0604030504040204" pitchFamily="50" charset="-128"/>
-                <a:ea typeface="メイリオ" panose="020B0604030504040204" pitchFamily="50" charset="-128"/>
-                <a:cs typeface="メイリオ" panose="020B0604030504040204" pitchFamily="50" charset="-128"/>
-              </a:rPr>
-              <a:t>vim</a:t>
-            </a:r>
-            <a:r>
-              <a:rPr lang="ja-JP" altLang="en-US" dirty="0" smtClean="0">
-                <a:latin typeface="メイリオ" panose="020B0604030504040204" pitchFamily="50" charset="-128"/>
-                <a:ea typeface="メイリオ" panose="020B0604030504040204" pitchFamily="50" charset="-128"/>
-                <a:cs typeface="メイリオ" panose="020B0604030504040204" pitchFamily="50" charset="-128"/>
-              </a:rPr>
-              <a:t>がはいっててすごくいい。</a:t>
-            </a:r>
-            <a:endParaRPr lang="en-US" altLang="ja-JP" dirty="0" smtClean="0">
-              <a:latin typeface="メイリオ" panose="020B0604030504040204" pitchFamily="50" charset="-128"/>
-              <a:ea typeface="メイリオ" panose="020B0604030504040204" pitchFamily="50" charset="-128"/>
-              <a:cs typeface="メイリオ" panose="020B0604030504040204" pitchFamily="50" charset="-128"/>
-            </a:endParaRPr>
-          </a:p>
-          <a:p>
-            <a:pPr marL="82296" indent="0">
-              <a:buNone/>
-            </a:pPr>
-            <a:r>
-              <a:rPr lang="ja-JP" altLang="en-US" dirty="0" smtClean="0">
-                <a:latin typeface="メイリオ" panose="020B0604030504040204" pitchFamily="50" charset="-128"/>
-                <a:ea typeface="メイリオ" panose="020B0604030504040204" pitchFamily="50" charset="-128"/>
-                <a:cs typeface="メイリオ" panose="020B0604030504040204" pitchFamily="50" charset="-128"/>
-              </a:rPr>
-              <a:t>→使ってみよう→第二部へ</a:t>
-            </a:r>
-            <a:endParaRPr lang="en-US" altLang="ja-JP" dirty="0" smtClean="0">
+            <a:r>
+              <a:rPr kumimoji="1" lang="ja-JP" altLang="en-US" sz="3600" dirty="0" smtClean="0">
+                <a:latin typeface="メイリオ" panose="020B0604030504040204" pitchFamily="50" charset="-128"/>
+                <a:ea typeface="メイリオ" panose="020B0604030504040204" pitchFamily="50" charset="-128"/>
+                <a:cs typeface="メイリオ" panose="020B0604030504040204" pitchFamily="50" charset="-128"/>
+              </a:rPr>
+              <a:t>第二部</a:t>
+            </a:r>
+            <a:r>
+              <a:rPr kumimoji="1" lang="ja-JP" altLang="en-US" sz="3600" dirty="0" smtClean="0">
+                <a:latin typeface="メイリオ" panose="020B0604030504040204" pitchFamily="50" charset="-128"/>
+                <a:ea typeface="メイリオ" panose="020B0604030504040204" pitchFamily="50" charset="-128"/>
+                <a:cs typeface="メイリオ" panose="020B0604030504040204" pitchFamily="50" charset="-128"/>
+              </a:rPr>
+              <a:t>　</a:t>
+            </a:r>
+            <a:r>
+              <a:rPr kumimoji="1" lang="en-US" altLang="ja-JP" sz="3600" dirty="0" smtClean="0">
+                <a:latin typeface="メイリオ" panose="020B0604030504040204" pitchFamily="50" charset="-128"/>
+                <a:ea typeface="メイリオ" panose="020B0604030504040204" pitchFamily="50" charset="-128"/>
+                <a:cs typeface="メイリオ" panose="020B0604030504040204" pitchFamily="50" charset="-128"/>
+              </a:rPr>
+              <a:t>Vim</a:t>
+            </a:r>
+            <a:r>
+              <a:rPr kumimoji="1" lang="ja-JP" altLang="en-US" sz="3600" dirty="0" smtClean="0">
+                <a:latin typeface="メイリオ" panose="020B0604030504040204" pitchFamily="50" charset="-128"/>
+                <a:ea typeface="メイリオ" panose="020B0604030504040204" pitchFamily="50" charset="-128"/>
+                <a:cs typeface="メイリオ" panose="020B0604030504040204" pitchFamily="50" charset="-128"/>
+              </a:rPr>
+              <a:t>と戯れる</a:t>
+            </a:r>
+            <a:endParaRPr kumimoji="1" lang="ja-JP" altLang="en-US" sz="3600" dirty="0">
               <a:latin typeface="メイリオ" panose="020B0604030504040204" pitchFamily="50" charset="-128"/>
               <a:ea typeface="メイリオ" panose="020B0604030504040204" pitchFamily="50" charset="-128"/>
               <a:cs typeface="メイリオ" panose="020B0604030504040204" pitchFamily="50" charset="-128"/>
@@ -6236,7 +5778,7 @@
     </p:spTree>
     <p:extLst>
       <p:ext uri="{BB962C8B-B14F-4D97-AF65-F5344CB8AC3E}">
-        <p14:creationId xmlns:p14="http://schemas.microsoft.com/office/powerpoint/2010/main" val="4263379800"/>
+        <p14:creationId xmlns:p14="http://schemas.microsoft.com/office/powerpoint/2010/main" val="592080670"/>
       </p:ext>
     </p:extLst>
   </p:cSld>
@@ -6291,7 +5833,7 @@
                 <a:ea typeface="メイリオ" panose="020B0604030504040204" pitchFamily="50" charset="-128"/>
                 <a:cs typeface="メイリオ" panose="020B0604030504040204" pitchFamily="50" charset="-128"/>
               </a:rPr>
-              <a:t>背景</a:t>
+              <a:t>色々調べて使ってみる</a:t>
             </a:r>
             <a:endParaRPr kumimoji="1" lang="ja-JP" altLang="en-US" dirty="0">
               <a:latin typeface="メイリオ" panose="020B0604030504040204" pitchFamily="50" charset="-128"/>
@@ -6319,7 +5861,7 @@
         </p:spPr>
         <p:txBody>
           <a:bodyPr>
-            <a:normAutofit lnSpcReduction="10000"/>
+            <a:normAutofit/>
           </a:bodyPr>
           <a:lstStyle/>
           <a:p>
@@ -6327,20 +5869,12 @@
               <a:buNone/>
             </a:pPr>
             <a:r>
-              <a:rPr lang="ja-JP" altLang="en-US" dirty="0">
-                <a:latin typeface="メイリオ" panose="020B0604030504040204" pitchFamily="50" charset="-128"/>
-                <a:ea typeface="メイリオ" panose="020B0604030504040204" pitchFamily="50" charset="-128"/>
-                <a:cs typeface="メイリオ" panose="020B0604030504040204" pitchFamily="50" charset="-128"/>
-              </a:rPr>
-              <a:t>この後の</a:t>
-            </a:r>
-            <a:r>
               <a:rPr lang="ja-JP" altLang="en-US" dirty="0" smtClean="0">
                 <a:latin typeface="メイリオ" panose="020B0604030504040204" pitchFamily="50" charset="-128"/>
                 <a:ea typeface="メイリオ" panose="020B0604030504040204" pitchFamily="50" charset="-128"/>
                 <a:cs typeface="メイリオ" panose="020B0604030504040204" pitchFamily="50" charset="-128"/>
               </a:rPr>
-              <a:t>流れ</a:t>
+              <a:t>■モード切替の概念</a:t>
             </a:r>
             <a:endParaRPr lang="en-US" altLang="ja-JP" dirty="0" smtClean="0">
               <a:latin typeface="メイリオ" panose="020B0604030504040204" pitchFamily="50" charset="-128"/>
@@ -6352,29 +5886,23 @@
             <a:pPr marL="82296" indent="0">
               <a:buNone/>
             </a:pPr>
+            <a:endParaRPr lang="en-US" altLang="ja-JP" dirty="0">
+              <a:latin typeface="メイリオ" panose="020B0604030504040204" pitchFamily="50" charset="-128"/>
+              <a:ea typeface="メイリオ" panose="020B0604030504040204" pitchFamily="50" charset="-128"/>
+              <a:cs typeface="メイリオ" panose="020B0604030504040204" pitchFamily="50" charset="-128"/>
+            </a:endParaRPr>
+          </a:p>
+          <a:p>
+            <a:pPr marL="82296" indent="0">
+              <a:buNone/>
+            </a:pPr>
             <a:r>
               <a:rPr lang="ja-JP" altLang="en-US" dirty="0" smtClean="0">
                 <a:latin typeface="メイリオ" panose="020B0604030504040204" pitchFamily="50" charset="-128"/>
                 <a:ea typeface="メイリオ" panose="020B0604030504040204" pitchFamily="50" charset="-128"/>
                 <a:cs typeface="メイリオ" panose="020B0604030504040204" pitchFamily="50" charset="-128"/>
               </a:rPr>
-              <a:t>・</a:t>
-            </a:r>
-            <a:r>
-              <a:rPr lang="en-US" altLang="ja-JP" dirty="0" err="1" smtClean="0">
-                <a:latin typeface="メイリオ" panose="020B0604030504040204" pitchFamily="50" charset="-128"/>
-                <a:ea typeface="メイリオ" panose="020B0604030504040204" pitchFamily="50" charset="-128"/>
-                <a:cs typeface="メイリオ" panose="020B0604030504040204" pitchFamily="50" charset="-128"/>
-              </a:rPr>
-              <a:t>cmd</a:t>
-            </a:r>
-            <a:r>
-              <a:rPr lang="ja-JP" altLang="en-US" dirty="0" smtClean="0">
-                <a:latin typeface="メイリオ" panose="020B0604030504040204" pitchFamily="50" charset="-128"/>
-                <a:ea typeface="メイリオ" panose="020B0604030504040204" pitchFamily="50" charset="-128"/>
-                <a:cs typeface="メイリオ" panose="020B0604030504040204" pitchFamily="50" charset="-128"/>
-              </a:rPr>
-              <a:t>改造計画</a:t>
+              <a:t>通常モード⇔挿入モード</a:t>
             </a:r>
             <a:endParaRPr lang="en-US" altLang="ja-JP" dirty="0" smtClean="0">
               <a:latin typeface="メイリオ" panose="020B0604030504040204" pitchFamily="50" charset="-128"/>
@@ -6387,226 +5915,14 @@
               <a:buNone/>
             </a:pPr>
             <a:r>
-              <a:rPr lang="ja-JP" altLang="en-US" dirty="0" smtClean="0">
-                <a:latin typeface="メイリオ" panose="020B0604030504040204" pitchFamily="50" charset="-128"/>
-                <a:ea typeface="メイリオ" panose="020B0604030504040204" pitchFamily="50" charset="-128"/>
-                <a:cs typeface="メイリオ" panose="020B0604030504040204" pitchFamily="50" charset="-128"/>
-              </a:rPr>
-              <a:t>・</a:t>
-            </a:r>
-            <a:r>
-              <a:rPr lang="en-US" altLang="ja-JP" dirty="0" smtClean="0">
-                <a:latin typeface="メイリオ" panose="020B0604030504040204" pitchFamily="50" charset="-128"/>
-                <a:ea typeface="メイリオ" panose="020B0604030504040204" pitchFamily="50" charset="-128"/>
-                <a:cs typeface="メイリオ" panose="020B0604030504040204" pitchFamily="50" charset="-128"/>
-              </a:rPr>
-              <a:t>nemo</a:t>
-            </a:r>
-            <a:r>
-              <a:rPr lang="ja-JP" altLang="en-US" dirty="0" err="1" smtClean="0">
-                <a:latin typeface="メイリオ" panose="020B0604030504040204" pitchFamily="50" charset="-128"/>
-                <a:ea typeface="メイリオ" panose="020B0604030504040204" pitchFamily="50" charset="-128"/>
-                <a:cs typeface="メイリオ" panose="020B0604030504040204" pitchFamily="50" charset="-128"/>
-              </a:rPr>
-              <a:t>さん</a:t>
-            </a:r>
-            <a:r>
-              <a:rPr lang="ja-JP" altLang="en-US" dirty="0" smtClean="0">
-                <a:latin typeface="メイリオ" panose="020B0604030504040204" pitchFamily="50" charset="-128"/>
-                <a:ea typeface="メイリオ" panose="020B0604030504040204" pitchFamily="50" charset="-128"/>
-                <a:cs typeface="メイリオ" panose="020B0604030504040204" pitchFamily="50" charset="-128"/>
-              </a:rPr>
-              <a:t>が</a:t>
-            </a:r>
-            <a:r>
-              <a:rPr lang="en-US" altLang="ja-JP" dirty="0" err="1" smtClean="0">
-                <a:latin typeface="メイリオ" panose="020B0604030504040204" pitchFamily="50" charset="-128"/>
-                <a:ea typeface="メイリオ" panose="020B0604030504040204" pitchFamily="50" charset="-128"/>
-                <a:cs typeface="メイリオ" panose="020B0604030504040204" pitchFamily="50" charset="-128"/>
-              </a:rPr>
-              <a:t>conemu</a:t>
-            </a:r>
-            <a:r>
-              <a:rPr lang="ja-JP" altLang="en-US" dirty="0" smtClean="0">
-                <a:latin typeface="メイリオ" panose="020B0604030504040204" pitchFamily="50" charset="-128"/>
-                <a:ea typeface="メイリオ" panose="020B0604030504040204" pitchFamily="50" charset="-128"/>
-                <a:cs typeface="メイリオ" panose="020B0604030504040204" pitchFamily="50" charset="-128"/>
-              </a:rPr>
-              <a:t>いいぞって言ってた</a:t>
-            </a:r>
-            <a:endParaRPr lang="en-US" altLang="ja-JP" dirty="0">
-              <a:latin typeface="メイリオ" panose="020B0604030504040204" pitchFamily="50" charset="-128"/>
-              <a:ea typeface="メイリオ" panose="020B0604030504040204" pitchFamily="50" charset="-128"/>
-              <a:cs typeface="メイリオ" panose="020B0604030504040204" pitchFamily="50" charset="-128"/>
-            </a:endParaRPr>
-          </a:p>
-          <a:p>
-            <a:pPr marL="82296" indent="0">
-              <a:buNone/>
-            </a:pPr>
-            <a:r>
-              <a:rPr lang="ja-JP" altLang="en-US" dirty="0">
-                <a:latin typeface="メイリオ" panose="020B0604030504040204" pitchFamily="50" charset="-128"/>
-                <a:ea typeface="メイリオ" panose="020B0604030504040204" pitchFamily="50" charset="-128"/>
-                <a:cs typeface="メイリオ" panose="020B0604030504040204" pitchFamily="50" charset="-128"/>
-              </a:rPr>
-              <a:t>・</a:t>
-            </a:r>
-            <a:r>
-              <a:rPr lang="ja-JP" altLang="en-US" dirty="0" smtClean="0">
-                <a:latin typeface="メイリオ" panose="020B0604030504040204" pitchFamily="50" charset="-128"/>
-                <a:ea typeface="メイリオ" panose="020B0604030504040204" pitchFamily="50" charset="-128"/>
-                <a:cs typeface="メイリオ" panose="020B0604030504040204" pitchFamily="50" charset="-128"/>
-              </a:rPr>
-              <a:t>いれよう→すばらしい・・・</a:t>
-            </a:r>
-            <a:endParaRPr lang="en-US" altLang="ja-JP" dirty="0">
-              <a:latin typeface="メイリオ" panose="020B0604030504040204" pitchFamily="50" charset="-128"/>
-              <a:ea typeface="メイリオ" panose="020B0604030504040204" pitchFamily="50" charset="-128"/>
-              <a:cs typeface="メイリオ" panose="020B0604030504040204" pitchFamily="50" charset="-128"/>
-            </a:endParaRPr>
-          </a:p>
-          <a:p>
-            <a:pPr marL="82296" indent="0">
-              <a:buNone/>
-            </a:pPr>
-            <a:r>
-              <a:rPr lang="ja-JP" altLang="en-US" dirty="0" smtClean="0">
-                <a:latin typeface="メイリオ" panose="020B0604030504040204" pitchFamily="50" charset="-128"/>
-                <a:ea typeface="メイリオ" panose="020B0604030504040204" pitchFamily="50" charset="-128"/>
-                <a:cs typeface="メイリオ" panose="020B0604030504040204" pitchFamily="50" charset="-128"/>
-              </a:rPr>
-              <a:t>・</a:t>
-            </a:r>
-            <a:r>
-              <a:rPr lang="en-US" altLang="ja-JP" dirty="0" smtClean="0">
-                <a:latin typeface="メイリオ" panose="020B0604030504040204" pitchFamily="50" charset="-128"/>
-                <a:ea typeface="メイリオ" panose="020B0604030504040204" pitchFamily="50" charset="-128"/>
-                <a:cs typeface="メイリオ" panose="020B0604030504040204" pitchFamily="50" charset="-128"/>
-              </a:rPr>
-              <a:t>GOW</a:t>
-            </a:r>
-            <a:r>
-              <a:rPr lang="ja-JP" altLang="en-US" dirty="0" smtClean="0">
-                <a:latin typeface="メイリオ" panose="020B0604030504040204" pitchFamily="50" charset="-128"/>
-                <a:ea typeface="メイリオ" panose="020B0604030504040204" pitchFamily="50" charset="-128"/>
-                <a:cs typeface="メイリオ" panose="020B0604030504040204" pitchFamily="50" charset="-128"/>
-              </a:rPr>
-              <a:t>いいぞって言ってた</a:t>
-            </a:r>
-            <a:endParaRPr lang="en-US" altLang="ja-JP" dirty="0" smtClean="0">
-              <a:latin typeface="メイリオ" panose="020B0604030504040204" pitchFamily="50" charset="-128"/>
-              <a:ea typeface="メイリオ" panose="020B0604030504040204" pitchFamily="50" charset="-128"/>
-              <a:cs typeface="メイリオ" panose="020B0604030504040204" pitchFamily="50" charset="-128"/>
-            </a:endParaRPr>
-          </a:p>
-          <a:p>
-            <a:pPr marL="82296" indent="0">
-              <a:buNone/>
-            </a:pPr>
-            <a:r>
-              <a:rPr lang="ja-JP" altLang="en-US" dirty="0" smtClean="0">
-                <a:latin typeface="メイリオ" panose="020B0604030504040204" pitchFamily="50" charset="-128"/>
-                <a:ea typeface="メイリオ" panose="020B0604030504040204" pitchFamily="50" charset="-128"/>
-                <a:cs typeface="メイリオ" panose="020B0604030504040204" pitchFamily="50" charset="-128"/>
-              </a:rPr>
-              <a:t>・いれよう→すばらしい・・・</a:t>
-            </a:r>
-            <a:endParaRPr lang="en-US" altLang="ja-JP" dirty="0" smtClean="0">
-              <a:latin typeface="メイリオ" panose="020B0604030504040204" pitchFamily="50" charset="-128"/>
-              <a:ea typeface="メイリオ" panose="020B0604030504040204" pitchFamily="50" charset="-128"/>
-              <a:cs typeface="メイリオ" panose="020B0604030504040204" pitchFamily="50" charset="-128"/>
-            </a:endParaRPr>
-          </a:p>
-          <a:p>
-            <a:pPr marL="82296" indent="0">
-              <a:buNone/>
-            </a:pPr>
-            <a:r>
-              <a:rPr lang="ja-JP" altLang="en-US" dirty="0" smtClean="0">
-                <a:latin typeface="メイリオ" panose="020B0604030504040204" pitchFamily="50" charset="-128"/>
-                <a:ea typeface="メイリオ" panose="020B0604030504040204" pitchFamily="50" charset="-128"/>
-                <a:cs typeface="メイリオ" panose="020B0604030504040204" pitchFamily="50" charset="-128"/>
-              </a:rPr>
-              <a:t>・なんか文字化けする→</a:t>
-            </a:r>
-            <a:r>
-              <a:rPr lang="ja-JP" altLang="en-US" dirty="0" err="1" smtClean="0">
-                <a:latin typeface="メイリオ" panose="020B0604030504040204" pitchFamily="50" charset="-128"/>
-                <a:ea typeface="メイリオ" panose="020B0604030504040204" pitchFamily="50" charset="-128"/>
-                <a:cs typeface="メイリオ" panose="020B0604030504040204" pitchFamily="50" charset="-128"/>
-              </a:rPr>
-              <a:t>にゃ</a:t>
-            </a:r>
-            <a:r>
-              <a:rPr lang="ja-JP" altLang="en-US" dirty="0" smtClean="0">
-                <a:latin typeface="メイリオ" panose="020B0604030504040204" pitchFamily="50" charset="-128"/>
-                <a:ea typeface="メイリオ" panose="020B0604030504040204" pitchFamily="50" charset="-128"/>
-                <a:cs typeface="メイリオ" panose="020B0604030504040204" pitchFamily="50" charset="-128"/>
-              </a:rPr>
-              <a:t>おす</a:t>
-            </a:r>
-            <a:endParaRPr lang="en-US" altLang="ja-JP" dirty="0" smtClean="0">
-              <a:latin typeface="メイリオ" panose="020B0604030504040204" pitchFamily="50" charset="-128"/>
-              <a:ea typeface="メイリオ" panose="020B0604030504040204" pitchFamily="50" charset="-128"/>
-              <a:cs typeface="メイリオ" panose="020B0604030504040204" pitchFamily="50" charset="-128"/>
-            </a:endParaRPr>
-          </a:p>
-          <a:p>
-            <a:pPr marL="82296" indent="0">
-              <a:buNone/>
-            </a:pPr>
-            <a:r>
-              <a:rPr lang="en-US" altLang="ja-JP" dirty="0" err="1" smtClean="0">
-                <a:latin typeface="メイリオ" panose="020B0604030504040204" pitchFamily="50" charset="-128"/>
-                <a:ea typeface="メイリオ" panose="020B0604030504040204" pitchFamily="50" charset="-128"/>
-                <a:cs typeface="メイリオ" panose="020B0604030504040204" pitchFamily="50" charset="-128"/>
-              </a:rPr>
-              <a:t>Gow</a:t>
-            </a:r>
-            <a:r>
-              <a:rPr lang="ja-JP" altLang="en-US" dirty="0" smtClean="0">
-                <a:latin typeface="メイリオ" panose="020B0604030504040204" pitchFamily="50" charset="-128"/>
-                <a:ea typeface="メイリオ" panose="020B0604030504040204" pitchFamily="50" charset="-128"/>
-                <a:cs typeface="メイリオ" panose="020B0604030504040204" pitchFamily="50" charset="-128"/>
-              </a:rPr>
-              <a:t>に</a:t>
-            </a:r>
-            <a:r>
-              <a:rPr lang="en-US" altLang="ja-JP" dirty="0" smtClean="0">
-                <a:latin typeface="メイリオ" panose="020B0604030504040204" pitchFamily="50" charset="-128"/>
-                <a:ea typeface="メイリオ" panose="020B0604030504040204" pitchFamily="50" charset="-128"/>
-                <a:cs typeface="メイリオ" panose="020B0604030504040204" pitchFamily="50" charset="-128"/>
-              </a:rPr>
-              <a:t>vim</a:t>
-            </a:r>
-            <a:r>
-              <a:rPr lang="ja-JP" altLang="en-US" dirty="0" smtClean="0">
-                <a:latin typeface="メイリオ" panose="020B0604030504040204" pitchFamily="50" charset="-128"/>
-                <a:ea typeface="メイリオ" panose="020B0604030504040204" pitchFamily="50" charset="-128"/>
-                <a:cs typeface="メイリオ" panose="020B0604030504040204" pitchFamily="50" charset="-128"/>
-              </a:rPr>
-              <a:t>がはいっててすごくいい。</a:t>
-            </a:r>
-            <a:endParaRPr lang="en-US" altLang="ja-JP" dirty="0" smtClean="0">
-              <a:latin typeface="メイリオ" panose="020B0604030504040204" pitchFamily="50" charset="-128"/>
-              <a:ea typeface="メイリオ" panose="020B0604030504040204" pitchFamily="50" charset="-128"/>
-              <a:cs typeface="メイリオ" panose="020B0604030504040204" pitchFamily="50" charset="-128"/>
-            </a:endParaRPr>
-          </a:p>
-          <a:p>
-            <a:pPr marL="82296" indent="0">
-              <a:buNone/>
-            </a:pPr>
-            <a:r>
-              <a:rPr lang="ja-JP" altLang="en-US" dirty="0" smtClean="0">
-                <a:latin typeface="メイリオ" panose="020B0604030504040204" pitchFamily="50" charset="-128"/>
-                <a:ea typeface="メイリオ" panose="020B0604030504040204" pitchFamily="50" charset="-128"/>
-                <a:cs typeface="メイリオ" panose="020B0604030504040204" pitchFamily="50" charset="-128"/>
-              </a:rPr>
-              <a:t>→使ってみよう→第二部へ</a:t>
-            </a:r>
-            <a:endParaRPr lang="en-US" altLang="ja-JP" dirty="0" smtClean="0">
+              <a:rPr lang="ja-JP" altLang="en-US" sz="2800" dirty="0" smtClean="0">
+                <a:latin typeface="メイリオ" panose="020B0604030504040204" pitchFamily="50" charset="-128"/>
+                <a:ea typeface="メイリオ" panose="020B0604030504040204" pitchFamily="50" charset="-128"/>
+                <a:cs typeface="メイリオ" panose="020B0604030504040204" pitchFamily="50" charset="-128"/>
+              </a:rPr>
+              <a:t>大抵いきなりつまずくやつ。</a:t>
+            </a:r>
+            <a:endParaRPr lang="en-US" altLang="ja-JP" sz="2800" dirty="0" smtClean="0">
               <a:latin typeface="メイリオ" panose="020B0604030504040204" pitchFamily="50" charset="-128"/>
               <a:ea typeface="メイリオ" panose="020B0604030504040204" pitchFamily="50" charset="-128"/>
               <a:cs typeface="メイリオ" panose="020B0604030504040204" pitchFamily="50" charset="-128"/>
@@ -6617,7 +5933,7 @@
     </p:spTree>
     <p:extLst>
       <p:ext uri="{BB962C8B-B14F-4D97-AF65-F5344CB8AC3E}">
-        <p14:creationId xmlns:p14="http://schemas.microsoft.com/office/powerpoint/2010/main" val="3365495107"/>
+        <p14:creationId xmlns:p14="http://schemas.microsoft.com/office/powerpoint/2010/main" val="4263379800"/>
       </p:ext>
     </p:extLst>
   </p:cSld>
@@ -6635,6 +5951,2247 @@
 </file>
 
 <file path=ppt/slides/slide17.xml><?xml version="1.0" encoding="utf-8"?>
+<p:sld xmlns:a="http://schemas.openxmlformats.org/drawingml/2006/main" xmlns:r="http://schemas.openxmlformats.org/officeDocument/2006/relationships" xmlns:p="http://schemas.openxmlformats.org/presentationml/2006/main">
+  <p:cSld>
+    <p:spTree>
+      <p:nvGrpSpPr>
+        <p:cNvPr id="1" name=""/>
+        <p:cNvGrpSpPr/>
+        <p:nvPr/>
+      </p:nvGrpSpPr>
+      <p:grpSpPr>
+        <a:xfrm>
+          <a:off x="0" y="0"/>
+          <a:ext cx="0" cy="0"/>
+          <a:chOff x="0" y="0"/>
+          <a:chExt cx="0" cy="0"/>
+        </a:xfrm>
+      </p:grpSpPr>
+      <p:sp>
+        <p:nvSpPr>
+          <p:cNvPr id="12" name="タイトル 1"/>
+          <p:cNvSpPr>
+            <a:spLocks noGrp="1"/>
+          </p:cNvSpPr>
+          <p:nvPr>
+            <p:ph type="title"/>
+          </p:nvPr>
+        </p:nvSpPr>
+        <p:spPr/>
+        <p:txBody>
+          <a:bodyPr/>
+          <a:lstStyle/>
+          <a:p>
+            <a:r>
+              <a:rPr kumimoji="1" lang="ja-JP" altLang="en-US" dirty="0" smtClean="0">
+                <a:latin typeface="メイリオ" panose="020B0604030504040204" pitchFamily="50" charset="-128"/>
+                <a:ea typeface="メイリオ" panose="020B0604030504040204" pitchFamily="50" charset="-128"/>
+                <a:cs typeface="メイリオ" panose="020B0604030504040204" pitchFamily="50" charset="-128"/>
+              </a:rPr>
+              <a:t>色々調べて使ってみる</a:t>
+            </a:r>
+            <a:endParaRPr kumimoji="1" lang="ja-JP" altLang="en-US" dirty="0">
+              <a:latin typeface="メイリオ" panose="020B0604030504040204" pitchFamily="50" charset="-128"/>
+              <a:ea typeface="メイリオ" panose="020B0604030504040204" pitchFamily="50" charset="-128"/>
+              <a:cs typeface="メイリオ" panose="020B0604030504040204" pitchFamily="50" charset="-128"/>
+            </a:endParaRPr>
+          </a:p>
+        </p:txBody>
+      </p:sp>
+      <p:sp>
+        <p:nvSpPr>
+          <p:cNvPr id="13" name="コンテンツ プレースホルダー 2"/>
+          <p:cNvSpPr>
+            <a:spLocks noGrp="1"/>
+          </p:cNvSpPr>
+          <p:nvPr>
+            <p:ph idx="1"/>
+          </p:nvPr>
+        </p:nvSpPr>
+        <p:spPr>
+          <a:xfrm>
+            <a:off x="1115616" y="1124744"/>
+            <a:ext cx="7818072" cy="3600400"/>
+          </a:xfrm>
+        </p:spPr>
+        <p:txBody>
+          <a:bodyPr>
+            <a:normAutofit/>
+          </a:bodyPr>
+          <a:lstStyle/>
+          <a:p>
+            <a:pPr marL="82296" indent="0">
+              <a:buNone/>
+            </a:pPr>
+            <a:r>
+              <a:rPr lang="ja-JP" altLang="en-US" dirty="0" smtClean="0">
+                <a:latin typeface="メイリオ" panose="020B0604030504040204" pitchFamily="50" charset="-128"/>
+                <a:ea typeface="メイリオ" panose="020B0604030504040204" pitchFamily="50" charset="-128"/>
+                <a:cs typeface="メイリオ" panose="020B0604030504040204" pitchFamily="50" charset="-128"/>
+              </a:rPr>
+              <a:t>■モード切替の概念</a:t>
+            </a:r>
+            <a:endParaRPr lang="en-US" altLang="ja-JP" dirty="0" smtClean="0">
+              <a:latin typeface="メイリオ" panose="020B0604030504040204" pitchFamily="50" charset="-128"/>
+              <a:ea typeface="メイリオ" panose="020B0604030504040204" pitchFamily="50" charset="-128"/>
+              <a:cs typeface="メイリオ" panose="020B0604030504040204" pitchFamily="50" charset="-128"/>
+            </a:endParaRPr>
+          </a:p>
+          <a:p>
+            <a:pPr marL="82296" indent="0">
+              <a:buNone/>
+            </a:pPr>
+            <a:endParaRPr lang="en-US" altLang="ja-JP" dirty="0">
+              <a:latin typeface="メイリオ" panose="020B0604030504040204" pitchFamily="50" charset="-128"/>
+              <a:ea typeface="メイリオ" panose="020B0604030504040204" pitchFamily="50" charset="-128"/>
+              <a:cs typeface="メイリオ" panose="020B0604030504040204" pitchFamily="50" charset="-128"/>
+            </a:endParaRPr>
+          </a:p>
+          <a:p>
+            <a:pPr marL="82296" indent="0">
+              <a:buNone/>
+            </a:pPr>
+            <a:r>
+              <a:rPr lang="ja-JP" altLang="en-US" dirty="0" smtClean="0">
+                <a:latin typeface="メイリオ" panose="020B0604030504040204" pitchFamily="50" charset="-128"/>
+                <a:ea typeface="メイリオ" panose="020B0604030504040204" pitchFamily="50" charset="-128"/>
+                <a:cs typeface="メイリオ" panose="020B0604030504040204" pitchFamily="50" charset="-128"/>
+              </a:rPr>
+              <a:t>通常モード⇔挿入モード</a:t>
+            </a:r>
+            <a:endParaRPr lang="en-US" altLang="ja-JP" dirty="0" smtClean="0">
+              <a:latin typeface="メイリオ" panose="020B0604030504040204" pitchFamily="50" charset="-128"/>
+              <a:ea typeface="メイリオ" panose="020B0604030504040204" pitchFamily="50" charset="-128"/>
+              <a:cs typeface="メイリオ" panose="020B0604030504040204" pitchFamily="50" charset="-128"/>
+            </a:endParaRPr>
+          </a:p>
+          <a:p>
+            <a:pPr marL="82296" indent="0">
+              <a:buNone/>
+            </a:pPr>
+            <a:endParaRPr lang="en-US" altLang="ja-JP" dirty="0" smtClean="0">
+              <a:latin typeface="メイリオ" panose="020B0604030504040204" pitchFamily="50" charset="-128"/>
+              <a:ea typeface="メイリオ" panose="020B0604030504040204" pitchFamily="50" charset="-128"/>
+              <a:cs typeface="メイリオ" panose="020B0604030504040204" pitchFamily="50" charset="-128"/>
+            </a:endParaRPr>
+          </a:p>
+          <a:p>
+            <a:pPr marL="82296" indent="0">
+              <a:buNone/>
+            </a:pPr>
+            <a:r>
+              <a:rPr lang="ja-JP" altLang="en-US" sz="2400" dirty="0" smtClean="0">
+                <a:latin typeface="メイリオ" panose="020B0604030504040204" pitchFamily="50" charset="-128"/>
+                <a:ea typeface="メイリオ" panose="020B0604030504040204" pitchFamily="50" charset="-128"/>
+                <a:cs typeface="メイリオ" panose="020B0604030504040204" pitchFamily="50" charset="-128"/>
+              </a:rPr>
+              <a:t>・あるサイトの記述</a:t>
+            </a:r>
+            <a:endParaRPr lang="en-US" altLang="ja-JP" sz="2400" dirty="0" smtClean="0">
+              <a:latin typeface="メイリオ" panose="020B0604030504040204" pitchFamily="50" charset="-128"/>
+              <a:ea typeface="メイリオ" panose="020B0604030504040204" pitchFamily="50" charset="-128"/>
+              <a:cs typeface="メイリオ" panose="020B0604030504040204" pitchFamily="50" charset="-128"/>
+            </a:endParaRPr>
+          </a:p>
+          <a:p>
+            <a:pPr marL="82296" indent="0">
+              <a:buNone/>
+            </a:pPr>
+            <a:r>
+              <a:rPr lang="en-US" altLang="ja-JP" sz="2400" dirty="0" smtClean="0">
+                <a:latin typeface="メイリオ" panose="020B0604030504040204" pitchFamily="50" charset="-128"/>
+                <a:ea typeface="メイリオ" panose="020B0604030504040204" pitchFamily="50" charset="-128"/>
+                <a:cs typeface="メイリオ" panose="020B0604030504040204" pitchFamily="50" charset="-128"/>
+              </a:rPr>
+              <a:t>“</a:t>
+            </a:r>
+            <a:r>
+              <a:rPr lang="en-US" altLang="ja-JP" sz="2400" dirty="0">
+                <a:latin typeface="メイリオ" panose="020B0604030504040204" pitchFamily="50" charset="-128"/>
+                <a:ea typeface="メイリオ" panose="020B0604030504040204" pitchFamily="50" charset="-128"/>
+                <a:cs typeface="メイリオ" panose="020B0604030504040204" pitchFamily="50" charset="-128"/>
+              </a:rPr>
+              <a:t>vim</a:t>
+            </a:r>
+            <a:r>
+              <a:rPr lang="ja-JP" altLang="en-US" sz="2400" dirty="0">
+                <a:latin typeface="メイリオ" panose="020B0604030504040204" pitchFamily="50" charset="-128"/>
+                <a:ea typeface="メイリオ" panose="020B0604030504040204" pitchFamily="50" charset="-128"/>
+                <a:cs typeface="メイリオ" panose="020B0604030504040204" pitchFamily="50" charset="-128"/>
+              </a:rPr>
+              <a:t>の</a:t>
+            </a:r>
+            <a:r>
+              <a:rPr lang="en-US" altLang="ja-JP" sz="2400" dirty="0">
+                <a:latin typeface="メイリオ" panose="020B0604030504040204" pitchFamily="50" charset="-128"/>
+                <a:ea typeface="メイリオ" panose="020B0604030504040204" pitchFamily="50" charset="-128"/>
+                <a:cs typeface="メイリオ" panose="020B0604030504040204" pitchFamily="50" charset="-128"/>
+              </a:rPr>
+              <a:t>Normal mode</a:t>
+            </a:r>
+            <a:r>
+              <a:rPr lang="ja-JP" altLang="en-US" sz="2400" dirty="0">
+                <a:latin typeface="メイリオ" panose="020B0604030504040204" pitchFamily="50" charset="-128"/>
+                <a:ea typeface="メイリオ" panose="020B0604030504040204" pitchFamily="50" charset="-128"/>
+                <a:cs typeface="メイリオ" panose="020B0604030504040204" pitchFamily="50" charset="-128"/>
+              </a:rPr>
+              <a:t>とは、</a:t>
+            </a:r>
+            <a:r>
+              <a:rPr lang="en-US" altLang="ja-JP" sz="2400" dirty="0">
+                <a:latin typeface="メイリオ" panose="020B0604030504040204" pitchFamily="50" charset="-128"/>
+                <a:ea typeface="メイリオ" panose="020B0604030504040204" pitchFamily="50" charset="-128"/>
+                <a:cs typeface="メイリオ" panose="020B0604030504040204" pitchFamily="50" charset="-128"/>
+              </a:rPr>
+              <a:t>(</a:t>
+            </a:r>
+            <a:r>
+              <a:rPr lang="ja-JP" altLang="en-US" sz="2400" dirty="0">
+                <a:latin typeface="メイリオ" panose="020B0604030504040204" pitchFamily="50" charset="-128"/>
+                <a:ea typeface="メイリオ" panose="020B0604030504040204" pitchFamily="50" charset="-128"/>
+                <a:cs typeface="メイリオ" panose="020B0604030504040204" pitchFamily="50" charset="-128"/>
+              </a:rPr>
+              <a:t>通常エディタでの</a:t>
+            </a:r>
+            <a:r>
+              <a:rPr lang="en-US" altLang="ja-JP" sz="2400" dirty="0" smtClean="0">
+                <a:latin typeface="メイリオ" panose="020B0604030504040204" pitchFamily="50" charset="-128"/>
+                <a:ea typeface="メイリオ" panose="020B0604030504040204" pitchFamily="50" charset="-128"/>
+                <a:cs typeface="メイリオ" panose="020B0604030504040204" pitchFamily="50" charset="-128"/>
+              </a:rPr>
+              <a:t>)Ctrl</a:t>
+            </a:r>
+            <a:r>
+              <a:rPr lang="ja-JP" altLang="en-US" sz="2400" dirty="0">
+                <a:latin typeface="メイリオ" panose="020B0604030504040204" pitchFamily="50" charset="-128"/>
+                <a:ea typeface="メイリオ" panose="020B0604030504040204" pitchFamily="50" charset="-128"/>
+                <a:cs typeface="メイリオ" panose="020B0604030504040204" pitchFamily="50" charset="-128"/>
+              </a:rPr>
+              <a:t>キーがずっと押しっぱなしになっている様な物だ。</a:t>
+            </a:r>
+            <a:r>
+              <a:rPr lang="en-US" altLang="ja-JP" sz="2400" dirty="0">
+                <a:latin typeface="メイリオ" panose="020B0604030504040204" pitchFamily="50" charset="-128"/>
+                <a:ea typeface="メイリオ" panose="020B0604030504040204" pitchFamily="50" charset="-128"/>
+                <a:cs typeface="メイリオ" panose="020B0604030504040204" pitchFamily="50" charset="-128"/>
+              </a:rPr>
+              <a:t>”</a:t>
+            </a:r>
+          </a:p>
+          <a:p>
+            <a:pPr marL="82296" indent="0">
+              <a:buNone/>
+            </a:pPr>
+            <a:endParaRPr lang="en-US" altLang="ja-JP" dirty="0">
+              <a:latin typeface="メイリオ" panose="020B0604030504040204" pitchFamily="50" charset="-128"/>
+              <a:ea typeface="メイリオ" panose="020B0604030504040204" pitchFamily="50" charset="-128"/>
+              <a:cs typeface="メイリオ" panose="020B0604030504040204" pitchFamily="50" charset="-128"/>
+            </a:endParaRPr>
+          </a:p>
+        </p:txBody>
+      </p:sp>
+      <p:sp>
+        <p:nvSpPr>
+          <p:cNvPr id="2" name="テキスト ボックス 1"/>
+          <p:cNvSpPr txBox="1"/>
+          <p:nvPr/>
+        </p:nvSpPr>
+        <p:spPr>
+          <a:xfrm>
+            <a:off x="1406366" y="4725144"/>
+            <a:ext cx="6264696" cy="1200329"/>
+          </a:xfrm>
+          <a:prstGeom prst="rect">
+            <a:avLst/>
+          </a:prstGeom>
+          <a:noFill/>
+          <a:ln>
+            <a:solidFill>
+              <a:srgbClr val="B1B1AC"/>
+            </a:solidFill>
+          </a:ln>
+        </p:spPr>
+        <p:txBody>
+          <a:bodyPr wrap="square" rtlCol="0">
+            <a:spAutoFit/>
+          </a:bodyPr>
+          <a:lstStyle/>
+          <a:p>
+            <a:r>
+              <a:rPr kumimoji="1" lang="ja-JP" altLang="en-US" dirty="0" smtClean="0">
+                <a:latin typeface="メイリオ" panose="020B0604030504040204" pitchFamily="50" charset="-128"/>
+                <a:ea typeface="メイリオ" panose="020B0604030504040204" pitchFamily="50" charset="-128"/>
+              </a:rPr>
+              <a:t>例）コピー ⇒ ペースト</a:t>
+            </a:r>
+            <a:r>
+              <a:rPr lang="ja-JP" altLang="en-US" dirty="0" smtClean="0">
+                <a:latin typeface="メイリオ" panose="020B0604030504040204" pitchFamily="50" charset="-128"/>
+                <a:ea typeface="メイリオ" panose="020B0604030504040204" pitchFamily="50" charset="-128"/>
+              </a:rPr>
+              <a:t>の操作</a:t>
+            </a:r>
+            <a:endParaRPr kumimoji="1" lang="en-US" altLang="ja-JP" dirty="0" smtClean="0">
+              <a:latin typeface="メイリオ" panose="020B0604030504040204" pitchFamily="50" charset="-128"/>
+              <a:ea typeface="メイリオ" panose="020B0604030504040204" pitchFamily="50" charset="-128"/>
+            </a:endParaRPr>
+          </a:p>
+          <a:p>
+            <a:endParaRPr kumimoji="1" lang="en-US" altLang="ja-JP" dirty="0" smtClean="0">
+              <a:latin typeface="メイリオ" panose="020B0604030504040204" pitchFamily="50" charset="-128"/>
+              <a:ea typeface="メイリオ" panose="020B0604030504040204" pitchFamily="50" charset="-128"/>
+            </a:endParaRPr>
+          </a:p>
+          <a:p>
+            <a:r>
+              <a:rPr kumimoji="1" lang="ja-JP" altLang="en-US" dirty="0" smtClean="0">
+                <a:latin typeface="メイリオ" panose="020B0604030504040204" pitchFamily="50" charset="-128"/>
+                <a:ea typeface="メイリオ" panose="020B0604030504040204" pitchFamily="50" charset="-128"/>
+              </a:rPr>
+              <a:t>通常エディタ</a:t>
+            </a:r>
+            <a:r>
+              <a:rPr kumimoji="1" lang="en-US" altLang="ja-JP" dirty="0" smtClean="0">
+                <a:latin typeface="メイリオ" panose="020B0604030504040204" pitchFamily="50" charset="-128"/>
+                <a:ea typeface="メイリオ" panose="020B0604030504040204" pitchFamily="50" charset="-128"/>
+              </a:rPr>
+              <a:t>:		|	</a:t>
+            </a:r>
+            <a:r>
+              <a:rPr lang="en-US" altLang="ja-JP" dirty="0" smtClean="0">
+                <a:latin typeface="メイリオ" panose="020B0604030504040204" pitchFamily="50" charset="-128"/>
+                <a:ea typeface="メイリオ" panose="020B0604030504040204" pitchFamily="50" charset="-128"/>
+              </a:rPr>
+              <a:t>Vim:</a:t>
+            </a:r>
+            <a:endParaRPr kumimoji="1" lang="en-US" altLang="ja-JP" dirty="0" smtClean="0">
+              <a:latin typeface="メイリオ" panose="020B0604030504040204" pitchFamily="50" charset="-128"/>
+              <a:ea typeface="メイリオ" panose="020B0604030504040204" pitchFamily="50" charset="-128"/>
+            </a:endParaRPr>
+          </a:p>
+          <a:p>
+            <a:r>
+              <a:rPr lang="en-US" altLang="ja-JP" dirty="0" err="1" smtClean="0">
+                <a:latin typeface="メイリオ" panose="020B0604030504040204" pitchFamily="50" charset="-128"/>
+                <a:ea typeface="メイリオ" panose="020B0604030504040204" pitchFamily="50" charset="-128"/>
+              </a:rPr>
+              <a:t>Ctrl+c</a:t>
+            </a:r>
+            <a:r>
+              <a:rPr lang="en-US" altLang="ja-JP" dirty="0" smtClean="0">
+                <a:latin typeface="メイリオ" panose="020B0604030504040204" pitchFamily="50" charset="-128"/>
+                <a:ea typeface="メイリオ" panose="020B0604030504040204" pitchFamily="50" charset="-128"/>
+              </a:rPr>
+              <a:t> </a:t>
+            </a:r>
+            <a:r>
+              <a:rPr lang="ja-JP" altLang="en-US" dirty="0" smtClean="0">
+                <a:latin typeface="メイリオ" panose="020B0604030504040204" pitchFamily="50" charset="-128"/>
+                <a:ea typeface="メイリオ" panose="020B0604030504040204" pitchFamily="50" charset="-128"/>
+              </a:rPr>
+              <a:t>⇒ </a:t>
+            </a:r>
+            <a:r>
+              <a:rPr lang="en-US" altLang="ja-JP" dirty="0" err="1" smtClean="0">
+                <a:latin typeface="メイリオ" panose="020B0604030504040204" pitchFamily="50" charset="-128"/>
+                <a:ea typeface="メイリオ" panose="020B0604030504040204" pitchFamily="50" charset="-128"/>
+              </a:rPr>
+              <a:t>Ctrl+v</a:t>
+            </a:r>
+            <a:r>
+              <a:rPr lang="en-US" altLang="ja-JP" dirty="0" smtClean="0">
+                <a:latin typeface="メイリオ" panose="020B0604030504040204" pitchFamily="50" charset="-128"/>
+                <a:ea typeface="メイリオ" panose="020B0604030504040204" pitchFamily="50" charset="-128"/>
+              </a:rPr>
+              <a:t>	</a:t>
+            </a:r>
+            <a:r>
+              <a:rPr lang="en-US" altLang="ja-JP" dirty="0">
+                <a:latin typeface="メイリオ" panose="020B0604030504040204" pitchFamily="50" charset="-128"/>
+                <a:ea typeface="メイリオ" panose="020B0604030504040204" pitchFamily="50" charset="-128"/>
+              </a:rPr>
+              <a:t>	</a:t>
+            </a:r>
+            <a:r>
+              <a:rPr lang="en-US" altLang="ja-JP" dirty="0" smtClean="0">
+                <a:latin typeface="メイリオ" panose="020B0604030504040204" pitchFamily="50" charset="-128"/>
+                <a:ea typeface="メイリオ" panose="020B0604030504040204" pitchFamily="50" charset="-128"/>
+              </a:rPr>
+              <a:t>|	</a:t>
+            </a:r>
+            <a:r>
+              <a:rPr lang="en-US" altLang="ja-JP" dirty="0" err="1" smtClean="0">
+                <a:latin typeface="メイリオ" panose="020B0604030504040204" pitchFamily="50" charset="-128"/>
+                <a:ea typeface="メイリオ" panose="020B0604030504040204" pitchFamily="50" charset="-128"/>
+              </a:rPr>
+              <a:t>yy</a:t>
+            </a:r>
+            <a:r>
+              <a:rPr lang="en-US" altLang="ja-JP" dirty="0" smtClean="0">
+                <a:latin typeface="メイリオ" panose="020B0604030504040204" pitchFamily="50" charset="-128"/>
+                <a:ea typeface="メイリオ" panose="020B0604030504040204" pitchFamily="50" charset="-128"/>
+              </a:rPr>
+              <a:t> </a:t>
+            </a:r>
+            <a:r>
+              <a:rPr lang="ja-JP" altLang="en-US" dirty="0">
+                <a:latin typeface="メイリオ" panose="020B0604030504040204" pitchFamily="50" charset="-128"/>
+                <a:ea typeface="メイリオ" panose="020B0604030504040204" pitchFamily="50" charset="-128"/>
+              </a:rPr>
+              <a:t>⇒ </a:t>
+            </a:r>
+            <a:r>
+              <a:rPr lang="en-US" altLang="ja-JP" dirty="0" smtClean="0">
+                <a:latin typeface="メイリオ" panose="020B0604030504040204" pitchFamily="50" charset="-128"/>
+                <a:ea typeface="メイリオ" panose="020B0604030504040204" pitchFamily="50" charset="-128"/>
+              </a:rPr>
+              <a:t>p</a:t>
+            </a:r>
+            <a:endParaRPr lang="ja-JP" altLang="en-US" dirty="0">
+              <a:latin typeface="メイリオ" panose="020B0604030504040204" pitchFamily="50" charset="-128"/>
+              <a:ea typeface="メイリオ" panose="020B0604030504040204" pitchFamily="50" charset="-128"/>
+            </a:endParaRPr>
+          </a:p>
+        </p:txBody>
+      </p:sp>
+    </p:spTree>
+    <p:extLst>
+      <p:ext uri="{BB962C8B-B14F-4D97-AF65-F5344CB8AC3E}">
+        <p14:creationId xmlns:p14="http://schemas.microsoft.com/office/powerpoint/2010/main" val="3138945774"/>
+      </p:ext>
+    </p:extLst>
+  </p:cSld>
+  <p:clrMapOvr>
+    <a:masterClrMapping/>
+  </p:clrMapOvr>
+  <p:timing>
+    <p:tnLst>
+      <p:par>
+        <p:cTn id="1" dur="indefinite" restart="never" nodeType="tmRoot"/>
+      </p:par>
+    </p:tnLst>
+  </p:timing>
+</p:sld>
+</file>
+
+<file path=ppt/slides/slide18.xml><?xml version="1.0" encoding="utf-8"?>
+<p:sld xmlns:a="http://schemas.openxmlformats.org/drawingml/2006/main" xmlns:r="http://schemas.openxmlformats.org/officeDocument/2006/relationships" xmlns:p="http://schemas.openxmlformats.org/presentationml/2006/main">
+  <p:cSld>
+    <p:spTree>
+      <p:nvGrpSpPr>
+        <p:cNvPr id="1" name=""/>
+        <p:cNvGrpSpPr/>
+        <p:nvPr/>
+      </p:nvGrpSpPr>
+      <p:grpSpPr>
+        <a:xfrm>
+          <a:off x="0" y="0"/>
+          <a:ext cx="0" cy="0"/>
+          <a:chOff x="0" y="0"/>
+          <a:chExt cx="0" cy="0"/>
+        </a:xfrm>
+      </p:grpSpPr>
+      <p:sp>
+        <p:nvSpPr>
+          <p:cNvPr id="12" name="タイトル 1"/>
+          <p:cNvSpPr>
+            <a:spLocks noGrp="1"/>
+          </p:cNvSpPr>
+          <p:nvPr>
+            <p:ph type="title"/>
+          </p:nvPr>
+        </p:nvSpPr>
+        <p:spPr/>
+        <p:txBody>
+          <a:bodyPr/>
+          <a:lstStyle/>
+          <a:p>
+            <a:r>
+              <a:rPr kumimoji="1" lang="ja-JP" altLang="en-US" dirty="0" smtClean="0">
+                <a:latin typeface="メイリオ" panose="020B0604030504040204" pitchFamily="50" charset="-128"/>
+                <a:ea typeface="メイリオ" panose="020B0604030504040204" pitchFamily="50" charset="-128"/>
+                <a:cs typeface="メイリオ" panose="020B0604030504040204" pitchFamily="50" charset="-128"/>
+              </a:rPr>
+              <a:t>色々調べて使ってみる</a:t>
+            </a:r>
+            <a:endParaRPr kumimoji="1" lang="ja-JP" altLang="en-US" dirty="0">
+              <a:latin typeface="メイリオ" panose="020B0604030504040204" pitchFamily="50" charset="-128"/>
+              <a:ea typeface="メイリオ" panose="020B0604030504040204" pitchFamily="50" charset="-128"/>
+              <a:cs typeface="メイリオ" panose="020B0604030504040204" pitchFamily="50" charset="-128"/>
+            </a:endParaRPr>
+          </a:p>
+        </p:txBody>
+      </p:sp>
+      <p:sp>
+        <p:nvSpPr>
+          <p:cNvPr id="13" name="コンテンツ プレースホルダー 2"/>
+          <p:cNvSpPr>
+            <a:spLocks noGrp="1"/>
+          </p:cNvSpPr>
+          <p:nvPr>
+            <p:ph idx="1"/>
+          </p:nvPr>
+        </p:nvSpPr>
+        <p:spPr>
+          <a:xfrm>
+            <a:off x="1115616" y="1124744"/>
+            <a:ext cx="7818072" cy="3600400"/>
+          </a:xfrm>
+        </p:spPr>
+        <p:txBody>
+          <a:bodyPr>
+            <a:normAutofit/>
+          </a:bodyPr>
+          <a:lstStyle/>
+          <a:p>
+            <a:pPr marL="82296" indent="0">
+              <a:buNone/>
+            </a:pPr>
+            <a:r>
+              <a:rPr lang="ja-JP" altLang="en-US" dirty="0" smtClean="0">
+                <a:latin typeface="メイリオ" panose="020B0604030504040204" pitchFamily="50" charset="-128"/>
+                <a:ea typeface="メイリオ" panose="020B0604030504040204" pitchFamily="50" charset="-128"/>
+                <a:cs typeface="メイリオ" panose="020B0604030504040204" pitchFamily="50" charset="-128"/>
+              </a:rPr>
+              <a:t>■モード切替の概念</a:t>
+            </a:r>
+            <a:endParaRPr lang="en-US" altLang="ja-JP" dirty="0" smtClean="0">
+              <a:latin typeface="メイリオ" panose="020B0604030504040204" pitchFamily="50" charset="-128"/>
+              <a:ea typeface="メイリオ" panose="020B0604030504040204" pitchFamily="50" charset="-128"/>
+              <a:cs typeface="メイリオ" panose="020B0604030504040204" pitchFamily="50" charset="-128"/>
+            </a:endParaRPr>
+          </a:p>
+          <a:p>
+            <a:pPr marL="82296" indent="0">
+              <a:buNone/>
+            </a:pPr>
+            <a:endParaRPr lang="en-US" altLang="ja-JP" dirty="0">
+              <a:latin typeface="メイリオ" panose="020B0604030504040204" pitchFamily="50" charset="-128"/>
+              <a:ea typeface="メイリオ" panose="020B0604030504040204" pitchFamily="50" charset="-128"/>
+              <a:cs typeface="メイリオ" panose="020B0604030504040204" pitchFamily="50" charset="-128"/>
+            </a:endParaRPr>
+          </a:p>
+          <a:p>
+            <a:pPr marL="82296" indent="0">
+              <a:buNone/>
+            </a:pPr>
+            <a:r>
+              <a:rPr lang="ja-JP" altLang="en-US" dirty="0" smtClean="0">
+                <a:latin typeface="メイリオ" panose="020B0604030504040204" pitchFamily="50" charset="-128"/>
+                <a:ea typeface="メイリオ" panose="020B0604030504040204" pitchFamily="50" charset="-128"/>
+                <a:cs typeface="メイリオ" panose="020B0604030504040204" pitchFamily="50" charset="-128"/>
+              </a:rPr>
+              <a:t>通常モード⇔挿入モード</a:t>
+            </a:r>
+            <a:endParaRPr lang="en-US" altLang="ja-JP" dirty="0" smtClean="0">
+              <a:latin typeface="メイリオ" panose="020B0604030504040204" pitchFamily="50" charset="-128"/>
+              <a:ea typeface="メイリオ" panose="020B0604030504040204" pitchFamily="50" charset="-128"/>
+              <a:cs typeface="メイリオ" panose="020B0604030504040204" pitchFamily="50" charset="-128"/>
+            </a:endParaRPr>
+          </a:p>
+          <a:p>
+            <a:pPr marL="82296" indent="0">
+              <a:buNone/>
+            </a:pPr>
+            <a:endParaRPr lang="en-US" altLang="ja-JP" dirty="0" smtClean="0">
+              <a:latin typeface="メイリオ" panose="020B0604030504040204" pitchFamily="50" charset="-128"/>
+              <a:ea typeface="メイリオ" panose="020B0604030504040204" pitchFamily="50" charset="-128"/>
+              <a:cs typeface="メイリオ" panose="020B0604030504040204" pitchFamily="50" charset="-128"/>
+            </a:endParaRPr>
+          </a:p>
+          <a:p>
+            <a:pPr marL="82296" indent="0">
+              <a:buNone/>
+            </a:pPr>
+            <a:r>
+              <a:rPr lang="ja-JP" altLang="en-US" sz="2400" dirty="0" smtClean="0">
+                <a:latin typeface="メイリオ" panose="020B0604030504040204" pitchFamily="50" charset="-128"/>
+                <a:ea typeface="メイリオ" panose="020B0604030504040204" pitchFamily="50" charset="-128"/>
+                <a:cs typeface="メイリオ" panose="020B0604030504040204" pitchFamily="50" charset="-128"/>
+              </a:rPr>
+              <a:t>・あるサイトの記述</a:t>
+            </a:r>
+            <a:endParaRPr lang="en-US" altLang="ja-JP" sz="2400" dirty="0" smtClean="0">
+              <a:latin typeface="メイリオ" panose="020B0604030504040204" pitchFamily="50" charset="-128"/>
+              <a:ea typeface="メイリオ" panose="020B0604030504040204" pitchFamily="50" charset="-128"/>
+              <a:cs typeface="メイリオ" panose="020B0604030504040204" pitchFamily="50" charset="-128"/>
+            </a:endParaRPr>
+          </a:p>
+          <a:p>
+            <a:pPr marL="82296" indent="0">
+              <a:buNone/>
+            </a:pPr>
+            <a:r>
+              <a:rPr lang="en-US" altLang="ja-JP" sz="2400" dirty="0" smtClean="0">
+                <a:latin typeface="メイリオ" panose="020B0604030504040204" pitchFamily="50" charset="-128"/>
+                <a:ea typeface="メイリオ" panose="020B0604030504040204" pitchFamily="50" charset="-128"/>
+                <a:cs typeface="メイリオ" panose="020B0604030504040204" pitchFamily="50" charset="-128"/>
+              </a:rPr>
+              <a:t>“</a:t>
+            </a:r>
+            <a:r>
+              <a:rPr lang="en-US" altLang="ja-JP" sz="2400" dirty="0">
+                <a:latin typeface="メイリオ" panose="020B0604030504040204" pitchFamily="50" charset="-128"/>
+                <a:ea typeface="メイリオ" panose="020B0604030504040204" pitchFamily="50" charset="-128"/>
+                <a:cs typeface="メイリオ" panose="020B0604030504040204" pitchFamily="50" charset="-128"/>
+              </a:rPr>
+              <a:t>vim</a:t>
+            </a:r>
+            <a:r>
+              <a:rPr lang="ja-JP" altLang="en-US" sz="2400" dirty="0">
+                <a:latin typeface="メイリオ" panose="020B0604030504040204" pitchFamily="50" charset="-128"/>
+                <a:ea typeface="メイリオ" panose="020B0604030504040204" pitchFamily="50" charset="-128"/>
+                <a:cs typeface="メイリオ" panose="020B0604030504040204" pitchFamily="50" charset="-128"/>
+              </a:rPr>
+              <a:t>の</a:t>
+            </a:r>
+            <a:r>
+              <a:rPr lang="en-US" altLang="ja-JP" sz="2400" dirty="0">
+                <a:latin typeface="メイリオ" panose="020B0604030504040204" pitchFamily="50" charset="-128"/>
+                <a:ea typeface="メイリオ" panose="020B0604030504040204" pitchFamily="50" charset="-128"/>
+                <a:cs typeface="メイリオ" panose="020B0604030504040204" pitchFamily="50" charset="-128"/>
+              </a:rPr>
+              <a:t>Normal mode</a:t>
+            </a:r>
+            <a:r>
+              <a:rPr lang="ja-JP" altLang="en-US" sz="2400" dirty="0">
+                <a:latin typeface="メイリオ" panose="020B0604030504040204" pitchFamily="50" charset="-128"/>
+                <a:ea typeface="メイリオ" panose="020B0604030504040204" pitchFamily="50" charset="-128"/>
+                <a:cs typeface="メイリオ" panose="020B0604030504040204" pitchFamily="50" charset="-128"/>
+              </a:rPr>
+              <a:t>とは、</a:t>
+            </a:r>
+            <a:r>
+              <a:rPr lang="en-US" altLang="ja-JP" sz="2400" dirty="0">
+                <a:latin typeface="メイリオ" panose="020B0604030504040204" pitchFamily="50" charset="-128"/>
+                <a:ea typeface="メイリオ" panose="020B0604030504040204" pitchFamily="50" charset="-128"/>
+                <a:cs typeface="メイリオ" panose="020B0604030504040204" pitchFamily="50" charset="-128"/>
+              </a:rPr>
+              <a:t>(</a:t>
+            </a:r>
+            <a:r>
+              <a:rPr lang="ja-JP" altLang="en-US" sz="2400" dirty="0">
+                <a:latin typeface="メイリオ" panose="020B0604030504040204" pitchFamily="50" charset="-128"/>
+                <a:ea typeface="メイリオ" panose="020B0604030504040204" pitchFamily="50" charset="-128"/>
+                <a:cs typeface="メイリオ" panose="020B0604030504040204" pitchFamily="50" charset="-128"/>
+              </a:rPr>
+              <a:t>通常エディタでの</a:t>
+            </a:r>
+            <a:r>
+              <a:rPr lang="en-US" altLang="ja-JP" sz="2400" dirty="0" smtClean="0">
+                <a:latin typeface="メイリオ" panose="020B0604030504040204" pitchFamily="50" charset="-128"/>
+                <a:ea typeface="メイリオ" panose="020B0604030504040204" pitchFamily="50" charset="-128"/>
+                <a:cs typeface="メイリオ" panose="020B0604030504040204" pitchFamily="50" charset="-128"/>
+              </a:rPr>
+              <a:t>)Ctrl</a:t>
+            </a:r>
+            <a:r>
+              <a:rPr lang="ja-JP" altLang="en-US" sz="2400" dirty="0">
+                <a:latin typeface="メイリオ" panose="020B0604030504040204" pitchFamily="50" charset="-128"/>
+                <a:ea typeface="メイリオ" panose="020B0604030504040204" pitchFamily="50" charset="-128"/>
+                <a:cs typeface="メイリオ" panose="020B0604030504040204" pitchFamily="50" charset="-128"/>
+              </a:rPr>
+              <a:t>キーがずっと押しっぱなしになっている様な物だ。</a:t>
+            </a:r>
+            <a:r>
+              <a:rPr lang="en-US" altLang="ja-JP" sz="2400" dirty="0">
+                <a:latin typeface="メイリオ" panose="020B0604030504040204" pitchFamily="50" charset="-128"/>
+                <a:ea typeface="メイリオ" panose="020B0604030504040204" pitchFamily="50" charset="-128"/>
+                <a:cs typeface="メイリオ" panose="020B0604030504040204" pitchFamily="50" charset="-128"/>
+              </a:rPr>
+              <a:t>”</a:t>
+            </a:r>
+          </a:p>
+          <a:p>
+            <a:pPr marL="82296" indent="0">
+              <a:buNone/>
+            </a:pPr>
+            <a:endParaRPr lang="en-US" altLang="ja-JP" dirty="0">
+              <a:latin typeface="メイリオ" panose="020B0604030504040204" pitchFamily="50" charset="-128"/>
+              <a:ea typeface="メイリオ" panose="020B0604030504040204" pitchFamily="50" charset="-128"/>
+              <a:cs typeface="メイリオ" panose="020B0604030504040204" pitchFamily="50" charset="-128"/>
+            </a:endParaRPr>
+          </a:p>
+        </p:txBody>
+      </p:sp>
+      <p:sp>
+        <p:nvSpPr>
+          <p:cNvPr id="2" name="テキスト ボックス 1"/>
+          <p:cNvSpPr txBox="1"/>
+          <p:nvPr/>
+        </p:nvSpPr>
+        <p:spPr>
+          <a:xfrm>
+            <a:off x="1406366" y="4725144"/>
+            <a:ext cx="6264696" cy="1200329"/>
+          </a:xfrm>
+          <a:prstGeom prst="rect">
+            <a:avLst/>
+          </a:prstGeom>
+          <a:noFill/>
+          <a:ln>
+            <a:solidFill>
+              <a:srgbClr val="B1B1AC"/>
+            </a:solidFill>
+          </a:ln>
+        </p:spPr>
+        <p:txBody>
+          <a:bodyPr wrap="square" rtlCol="0">
+            <a:spAutoFit/>
+          </a:bodyPr>
+          <a:lstStyle/>
+          <a:p>
+            <a:r>
+              <a:rPr kumimoji="1" lang="ja-JP" altLang="en-US" dirty="0" smtClean="0">
+                <a:latin typeface="メイリオ" panose="020B0604030504040204" pitchFamily="50" charset="-128"/>
+                <a:ea typeface="メイリオ" panose="020B0604030504040204" pitchFamily="50" charset="-128"/>
+              </a:rPr>
+              <a:t>例）コピー ⇒ ペースト</a:t>
+            </a:r>
+            <a:r>
+              <a:rPr lang="ja-JP" altLang="en-US" dirty="0" smtClean="0">
+                <a:latin typeface="メイリオ" panose="020B0604030504040204" pitchFamily="50" charset="-128"/>
+                <a:ea typeface="メイリオ" panose="020B0604030504040204" pitchFamily="50" charset="-128"/>
+              </a:rPr>
+              <a:t>の操作</a:t>
+            </a:r>
+            <a:endParaRPr kumimoji="1" lang="en-US" altLang="ja-JP" dirty="0" smtClean="0">
+              <a:latin typeface="メイリオ" panose="020B0604030504040204" pitchFamily="50" charset="-128"/>
+              <a:ea typeface="メイリオ" panose="020B0604030504040204" pitchFamily="50" charset="-128"/>
+            </a:endParaRPr>
+          </a:p>
+          <a:p>
+            <a:endParaRPr kumimoji="1" lang="en-US" altLang="ja-JP" dirty="0" smtClean="0">
+              <a:latin typeface="メイリオ" panose="020B0604030504040204" pitchFamily="50" charset="-128"/>
+              <a:ea typeface="メイリオ" panose="020B0604030504040204" pitchFamily="50" charset="-128"/>
+            </a:endParaRPr>
+          </a:p>
+          <a:p>
+            <a:r>
+              <a:rPr kumimoji="1" lang="ja-JP" altLang="en-US" dirty="0" smtClean="0">
+                <a:latin typeface="メイリオ" panose="020B0604030504040204" pitchFamily="50" charset="-128"/>
+                <a:ea typeface="メイリオ" panose="020B0604030504040204" pitchFamily="50" charset="-128"/>
+              </a:rPr>
+              <a:t>通常エディタ</a:t>
+            </a:r>
+            <a:r>
+              <a:rPr kumimoji="1" lang="en-US" altLang="ja-JP" dirty="0" smtClean="0">
+                <a:latin typeface="メイリオ" panose="020B0604030504040204" pitchFamily="50" charset="-128"/>
+                <a:ea typeface="メイリオ" panose="020B0604030504040204" pitchFamily="50" charset="-128"/>
+              </a:rPr>
+              <a:t>:		|	</a:t>
+            </a:r>
+            <a:r>
+              <a:rPr lang="en-US" altLang="ja-JP" dirty="0" smtClean="0">
+                <a:latin typeface="メイリオ" panose="020B0604030504040204" pitchFamily="50" charset="-128"/>
+                <a:ea typeface="メイリオ" panose="020B0604030504040204" pitchFamily="50" charset="-128"/>
+              </a:rPr>
+              <a:t>Vim:</a:t>
+            </a:r>
+            <a:endParaRPr kumimoji="1" lang="en-US" altLang="ja-JP" dirty="0" smtClean="0">
+              <a:latin typeface="メイリオ" panose="020B0604030504040204" pitchFamily="50" charset="-128"/>
+              <a:ea typeface="メイリオ" panose="020B0604030504040204" pitchFamily="50" charset="-128"/>
+            </a:endParaRPr>
+          </a:p>
+          <a:p>
+            <a:r>
+              <a:rPr lang="en-US" altLang="ja-JP" dirty="0" err="1" smtClean="0">
+                <a:latin typeface="メイリオ" panose="020B0604030504040204" pitchFamily="50" charset="-128"/>
+                <a:ea typeface="メイリオ" panose="020B0604030504040204" pitchFamily="50" charset="-128"/>
+              </a:rPr>
+              <a:t>Ctrl+c</a:t>
+            </a:r>
+            <a:r>
+              <a:rPr lang="en-US" altLang="ja-JP" dirty="0" smtClean="0">
+                <a:latin typeface="メイリオ" panose="020B0604030504040204" pitchFamily="50" charset="-128"/>
+                <a:ea typeface="メイリオ" panose="020B0604030504040204" pitchFamily="50" charset="-128"/>
+              </a:rPr>
+              <a:t> </a:t>
+            </a:r>
+            <a:r>
+              <a:rPr lang="ja-JP" altLang="en-US" dirty="0" smtClean="0">
+                <a:latin typeface="メイリオ" panose="020B0604030504040204" pitchFamily="50" charset="-128"/>
+                <a:ea typeface="メイリオ" panose="020B0604030504040204" pitchFamily="50" charset="-128"/>
+              </a:rPr>
+              <a:t>⇒ </a:t>
+            </a:r>
+            <a:r>
+              <a:rPr lang="en-US" altLang="ja-JP" dirty="0" err="1" smtClean="0">
+                <a:latin typeface="メイリオ" panose="020B0604030504040204" pitchFamily="50" charset="-128"/>
+                <a:ea typeface="メイリオ" panose="020B0604030504040204" pitchFamily="50" charset="-128"/>
+              </a:rPr>
+              <a:t>Ctrl+v</a:t>
+            </a:r>
+            <a:r>
+              <a:rPr lang="en-US" altLang="ja-JP" dirty="0" smtClean="0">
+                <a:latin typeface="メイリオ" panose="020B0604030504040204" pitchFamily="50" charset="-128"/>
+                <a:ea typeface="メイリオ" panose="020B0604030504040204" pitchFamily="50" charset="-128"/>
+              </a:rPr>
+              <a:t>	</a:t>
+            </a:r>
+            <a:r>
+              <a:rPr lang="en-US" altLang="ja-JP" dirty="0">
+                <a:latin typeface="メイリオ" panose="020B0604030504040204" pitchFamily="50" charset="-128"/>
+                <a:ea typeface="メイリオ" panose="020B0604030504040204" pitchFamily="50" charset="-128"/>
+              </a:rPr>
+              <a:t>	</a:t>
+            </a:r>
+            <a:r>
+              <a:rPr lang="en-US" altLang="ja-JP" dirty="0" smtClean="0">
+                <a:latin typeface="メイリオ" panose="020B0604030504040204" pitchFamily="50" charset="-128"/>
+                <a:ea typeface="メイリオ" panose="020B0604030504040204" pitchFamily="50" charset="-128"/>
+              </a:rPr>
+              <a:t>|	</a:t>
+            </a:r>
+            <a:r>
+              <a:rPr lang="en-US" altLang="ja-JP" dirty="0" err="1" smtClean="0">
+                <a:latin typeface="メイリオ" panose="020B0604030504040204" pitchFamily="50" charset="-128"/>
+                <a:ea typeface="メイリオ" panose="020B0604030504040204" pitchFamily="50" charset="-128"/>
+              </a:rPr>
+              <a:t>yy</a:t>
+            </a:r>
+            <a:r>
+              <a:rPr lang="en-US" altLang="ja-JP" dirty="0" smtClean="0">
+                <a:latin typeface="メイリオ" panose="020B0604030504040204" pitchFamily="50" charset="-128"/>
+                <a:ea typeface="メイリオ" panose="020B0604030504040204" pitchFamily="50" charset="-128"/>
+              </a:rPr>
+              <a:t> </a:t>
+            </a:r>
+            <a:r>
+              <a:rPr lang="ja-JP" altLang="en-US" dirty="0">
+                <a:latin typeface="メイリオ" panose="020B0604030504040204" pitchFamily="50" charset="-128"/>
+                <a:ea typeface="メイリオ" panose="020B0604030504040204" pitchFamily="50" charset="-128"/>
+              </a:rPr>
+              <a:t>⇒ </a:t>
+            </a:r>
+            <a:r>
+              <a:rPr lang="en-US" altLang="ja-JP" dirty="0" smtClean="0">
+                <a:latin typeface="メイリオ" panose="020B0604030504040204" pitchFamily="50" charset="-128"/>
+                <a:ea typeface="メイリオ" panose="020B0604030504040204" pitchFamily="50" charset="-128"/>
+              </a:rPr>
+              <a:t>p</a:t>
+            </a:r>
+            <a:endParaRPr lang="ja-JP" altLang="en-US" dirty="0">
+              <a:latin typeface="メイリオ" panose="020B0604030504040204" pitchFamily="50" charset="-128"/>
+              <a:ea typeface="メイリオ" panose="020B0604030504040204" pitchFamily="50" charset="-128"/>
+            </a:endParaRPr>
+          </a:p>
+        </p:txBody>
+      </p:sp>
+      <p:sp>
+        <p:nvSpPr>
+          <p:cNvPr id="4" name="正方形/長方形 3"/>
+          <p:cNvSpPr/>
+          <p:nvPr/>
+        </p:nvSpPr>
+        <p:spPr>
+          <a:xfrm>
+            <a:off x="1111970" y="5925473"/>
+            <a:ext cx="8644605" cy="923330"/>
+          </a:xfrm>
+          <a:prstGeom prst="rect">
+            <a:avLst/>
+          </a:prstGeom>
+        </p:spPr>
+        <p:txBody>
+          <a:bodyPr wrap="square">
+            <a:spAutoFit/>
+          </a:bodyPr>
+          <a:lstStyle/>
+          <a:p>
+            <a:pPr marL="82296" lvl="0">
+              <a:spcBef>
+                <a:spcPts val="600"/>
+              </a:spcBef>
+              <a:buClr>
+                <a:srgbClr val="3891A7"/>
+              </a:buClr>
+              <a:buSzPct val="80000"/>
+            </a:pPr>
+            <a:r>
+              <a:rPr lang="ja-JP" altLang="en-US" sz="5400" b="1" dirty="0" smtClean="0">
+                <a:solidFill>
+                  <a:srgbClr val="FF0000"/>
+                </a:solidFill>
+                <a:latin typeface="メイリオ" panose="020B0604030504040204" pitchFamily="50" charset="-128"/>
+                <a:ea typeface="メイリオ" panose="020B0604030504040204" pitchFamily="50" charset="-128"/>
+                <a:cs typeface="メイリオ" panose="020B0604030504040204" pitchFamily="50" charset="-128"/>
+              </a:rPr>
+              <a:t>理に適ってるのかも</a:t>
+            </a:r>
+            <a:r>
+              <a:rPr lang="en-US" altLang="ja-JP" sz="5400" b="1" dirty="0">
+                <a:solidFill>
+                  <a:srgbClr val="FF0000"/>
+                </a:solidFill>
+                <a:latin typeface="メイリオ" panose="020B0604030504040204" pitchFamily="50" charset="-128"/>
+                <a:ea typeface="メイリオ" panose="020B0604030504040204" pitchFamily="50" charset="-128"/>
+                <a:cs typeface="メイリオ" panose="020B0604030504040204" pitchFamily="50" charset="-128"/>
+              </a:rPr>
+              <a:t>?</a:t>
+            </a:r>
+          </a:p>
+        </p:txBody>
+      </p:sp>
+    </p:spTree>
+    <p:extLst>
+      <p:ext uri="{BB962C8B-B14F-4D97-AF65-F5344CB8AC3E}">
+        <p14:creationId xmlns:p14="http://schemas.microsoft.com/office/powerpoint/2010/main" val="2214941197"/>
+      </p:ext>
+    </p:extLst>
+  </p:cSld>
+  <p:clrMapOvr>
+    <a:masterClrMapping/>
+  </p:clrMapOvr>
+  <p:timing>
+    <p:tnLst>
+      <p:par>
+        <p:cTn id="1" dur="indefinite" restart="never" nodeType="tmRoot"/>
+      </p:par>
+    </p:tnLst>
+  </p:timing>
+</p:sld>
+</file>
+
+<file path=ppt/slides/slide19.xml><?xml version="1.0" encoding="utf-8"?>
+<p:sld xmlns:a="http://schemas.openxmlformats.org/drawingml/2006/main" xmlns:r="http://schemas.openxmlformats.org/officeDocument/2006/relationships" xmlns:p="http://schemas.openxmlformats.org/presentationml/2006/main">
+  <p:cSld>
+    <p:spTree>
+      <p:nvGrpSpPr>
+        <p:cNvPr id="1" name=""/>
+        <p:cNvGrpSpPr/>
+        <p:nvPr/>
+      </p:nvGrpSpPr>
+      <p:grpSpPr>
+        <a:xfrm>
+          <a:off x="0" y="0"/>
+          <a:ext cx="0" cy="0"/>
+          <a:chOff x="0" y="0"/>
+          <a:chExt cx="0" cy="0"/>
+        </a:xfrm>
+      </p:grpSpPr>
+      <p:sp>
+        <p:nvSpPr>
+          <p:cNvPr id="12" name="タイトル 1"/>
+          <p:cNvSpPr>
+            <a:spLocks noGrp="1"/>
+          </p:cNvSpPr>
+          <p:nvPr>
+            <p:ph type="title"/>
+          </p:nvPr>
+        </p:nvSpPr>
+        <p:spPr/>
+        <p:txBody>
+          <a:bodyPr/>
+          <a:lstStyle/>
+          <a:p>
+            <a:r>
+              <a:rPr kumimoji="1" lang="ja-JP" altLang="en-US" dirty="0" smtClean="0">
+                <a:latin typeface="メイリオ" panose="020B0604030504040204" pitchFamily="50" charset="-128"/>
+                <a:ea typeface="メイリオ" panose="020B0604030504040204" pitchFamily="50" charset="-128"/>
+                <a:cs typeface="メイリオ" panose="020B0604030504040204" pitchFamily="50" charset="-128"/>
+              </a:rPr>
+              <a:t>色々調べて使ってみる</a:t>
+            </a:r>
+            <a:endParaRPr kumimoji="1" lang="ja-JP" altLang="en-US" dirty="0">
+              <a:latin typeface="メイリオ" panose="020B0604030504040204" pitchFamily="50" charset="-128"/>
+              <a:ea typeface="メイリオ" panose="020B0604030504040204" pitchFamily="50" charset="-128"/>
+              <a:cs typeface="メイリオ" panose="020B0604030504040204" pitchFamily="50" charset="-128"/>
+            </a:endParaRPr>
+          </a:p>
+        </p:txBody>
+      </p:sp>
+      <p:sp>
+        <p:nvSpPr>
+          <p:cNvPr id="13" name="コンテンツ プレースホルダー 2"/>
+          <p:cNvSpPr>
+            <a:spLocks noGrp="1"/>
+          </p:cNvSpPr>
+          <p:nvPr>
+            <p:ph idx="1"/>
+          </p:nvPr>
+        </p:nvSpPr>
+        <p:spPr>
+          <a:xfrm>
+            <a:off x="1115616" y="1124744"/>
+            <a:ext cx="7818072" cy="5544616"/>
+          </a:xfrm>
+        </p:spPr>
+        <p:txBody>
+          <a:bodyPr>
+            <a:normAutofit/>
+          </a:bodyPr>
+          <a:lstStyle/>
+          <a:p>
+            <a:pPr marL="82296" indent="0">
+              <a:buNone/>
+            </a:pPr>
+            <a:r>
+              <a:rPr lang="ja-JP" altLang="en-US" dirty="0" smtClean="0">
+                <a:latin typeface="メイリオ" panose="020B0604030504040204" pitchFamily="50" charset="-128"/>
+                <a:ea typeface="メイリオ" panose="020B0604030504040204" pitchFamily="50" charset="-128"/>
+                <a:cs typeface="メイリオ" panose="020B0604030504040204" pitchFamily="50" charset="-128"/>
+              </a:rPr>
+              <a:t>■カーソル移動コマンド</a:t>
+            </a:r>
+            <a:endParaRPr lang="en-US" altLang="ja-JP" dirty="0" smtClean="0">
+              <a:latin typeface="メイリオ" panose="020B0604030504040204" pitchFamily="50" charset="-128"/>
+              <a:ea typeface="メイリオ" panose="020B0604030504040204" pitchFamily="50" charset="-128"/>
+              <a:cs typeface="メイリオ" panose="020B0604030504040204" pitchFamily="50" charset="-128"/>
+            </a:endParaRPr>
+          </a:p>
+          <a:p>
+            <a:pPr marL="82296" indent="0">
+              <a:buNone/>
+            </a:pPr>
+            <a:r>
+              <a:rPr lang="en-US" altLang="ja-JP" dirty="0" err="1">
+                <a:latin typeface="メイリオ" panose="020B0604030504040204" pitchFamily="50" charset="-128"/>
+                <a:ea typeface="メイリオ" panose="020B0604030504040204" pitchFamily="50" charset="-128"/>
+                <a:cs typeface="メイリオ" panose="020B0604030504040204" pitchFamily="50" charset="-128"/>
+              </a:rPr>
+              <a:t>h</a:t>
+            </a:r>
+            <a:r>
+              <a:rPr lang="en-US" altLang="ja-JP" dirty="0" err="1" smtClean="0">
+                <a:latin typeface="メイリオ" panose="020B0604030504040204" pitchFamily="50" charset="-128"/>
+                <a:ea typeface="メイリオ" panose="020B0604030504040204" pitchFamily="50" charset="-128"/>
+                <a:cs typeface="メイリオ" panose="020B0604030504040204" pitchFamily="50" charset="-128"/>
+              </a:rPr>
+              <a:t>jkl</a:t>
+            </a:r>
+            <a:r>
+              <a:rPr lang="en-US" altLang="ja-JP" dirty="0" smtClean="0">
+                <a:latin typeface="メイリオ" panose="020B0604030504040204" pitchFamily="50" charset="-128"/>
+                <a:ea typeface="メイリオ" panose="020B0604030504040204" pitchFamily="50" charset="-128"/>
+                <a:cs typeface="メイリオ" panose="020B0604030504040204" pitchFamily="50" charset="-128"/>
+              </a:rPr>
+              <a:t>:</a:t>
+            </a:r>
+            <a:r>
+              <a:rPr lang="ja-JP" altLang="en-US" dirty="0">
+                <a:latin typeface="メイリオ" panose="020B0604030504040204" pitchFamily="50" charset="-128"/>
+                <a:ea typeface="メイリオ" panose="020B0604030504040204" pitchFamily="50" charset="-128"/>
+                <a:cs typeface="メイリオ" panose="020B0604030504040204" pitchFamily="50" charset="-128"/>
+              </a:rPr>
+              <a:t>　</a:t>
+            </a:r>
+            <a:r>
+              <a:rPr lang="ja-JP" altLang="en-US" dirty="0" smtClean="0">
+                <a:latin typeface="メイリオ" panose="020B0604030504040204" pitchFamily="50" charset="-128"/>
+                <a:ea typeface="メイリオ" panose="020B0604030504040204" pitchFamily="50" charset="-128"/>
+                <a:cs typeface="メイリオ" panose="020B0604030504040204" pitchFamily="50" charset="-128"/>
+              </a:rPr>
+              <a:t>←↑↓→</a:t>
+            </a:r>
+            <a:endParaRPr lang="en-US" altLang="ja-JP" dirty="0" smtClean="0">
+              <a:latin typeface="メイリオ" panose="020B0604030504040204" pitchFamily="50" charset="-128"/>
+              <a:ea typeface="メイリオ" panose="020B0604030504040204" pitchFamily="50" charset="-128"/>
+              <a:cs typeface="メイリオ" panose="020B0604030504040204" pitchFamily="50" charset="-128"/>
+            </a:endParaRPr>
+          </a:p>
+          <a:p>
+            <a:pPr marL="82296" indent="0">
+              <a:buNone/>
+            </a:pPr>
+            <a:r>
+              <a:rPr lang="en-US" altLang="ja-JP" dirty="0" smtClean="0">
+                <a:latin typeface="メイリオ" panose="020B0604030504040204" pitchFamily="50" charset="-128"/>
+                <a:ea typeface="メイリオ" panose="020B0604030504040204" pitchFamily="50" charset="-128"/>
+                <a:cs typeface="メイリオ" panose="020B0604030504040204" pitchFamily="50" charset="-128"/>
+              </a:rPr>
+              <a:t>0, $:</a:t>
+            </a:r>
+            <a:r>
+              <a:rPr lang="ja-JP" altLang="en-US" dirty="0" smtClean="0">
+                <a:latin typeface="メイリオ" panose="020B0604030504040204" pitchFamily="50" charset="-128"/>
+                <a:ea typeface="メイリオ" panose="020B0604030504040204" pitchFamily="50" charset="-128"/>
+                <a:cs typeface="メイリオ" panose="020B0604030504040204" pitchFamily="50" charset="-128"/>
+              </a:rPr>
+              <a:t>　行頭、行末移動</a:t>
+            </a:r>
+            <a:endParaRPr lang="en-US" altLang="ja-JP" dirty="0" smtClean="0">
+              <a:latin typeface="メイリオ" panose="020B0604030504040204" pitchFamily="50" charset="-128"/>
+              <a:ea typeface="メイリオ" panose="020B0604030504040204" pitchFamily="50" charset="-128"/>
+              <a:cs typeface="メイリオ" panose="020B0604030504040204" pitchFamily="50" charset="-128"/>
+            </a:endParaRPr>
+          </a:p>
+          <a:p>
+            <a:pPr marL="82296" indent="0">
+              <a:buNone/>
+            </a:pPr>
+            <a:r>
+              <a:rPr lang="en-US" altLang="ja-JP" dirty="0" smtClean="0">
+                <a:latin typeface="メイリオ" panose="020B0604030504040204" pitchFamily="50" charset="-128"/>
+                <a:ea typeface="メイリオ" panose="020B0604030504040204" pitchFamily="50" charset="-128"/>
+                <a:cs typeface="メイリオ" panose="020B0604030504040204" pitchFamily="50" charset="-128"/>
+              </a:rPr>
+              <a:t>w, b</a:t>
+            </a:r>
+            <a:r>
+              <a:rPr lang="en-US" altLang="ja-JP" dirty="0">
+                <a:latin typeface="メイリオ" panose="020B0604030504040204" pitchFamily="50" charset="-128"/>
+                <a:ea typeface="メイリオ" panose="020B0604030504040204" pitchFamily="50" charset="-128"/>
+                <a:cs typeface="メイリオ" panose="020B0604030504040204" pitchFamily="50" charset="-128"/>
+              </a:rPr>
+              <a:t>	</a:t>
+            </a:r>
+            <a:r>
+              <a:rPr lang="en-US" altLang="ja-JP" dirty="0" smtClean="0">
+                <a:latin typeface="メイリオ" panose="020B0604030504040204" pitchFamily="50" charset="-128"/>
+                <a:ea typeface="メイリオ" panose="020B0604030504040204" pitchFamily="50" charset="-128"/>
+                <a:cs typeface="メイリオ" panose="020B0604030504040204" pitchFamily="50" charset="-128"/>
+              </a:rPr>
+              <a:t>:</a:t>
+            </a:r>
+            <a:r>
+              <a:rPr lang="ja-JP" altLang="en-US" dirty="0" smtClean="0">
+                <a:latin typeface="メイリオ" panose="020B0604030504040204" pitchFamily="50" charset="-128"/>
+                <a:ea typeface="メイリオ" panose="020B0604030504040204" pitchFamily="50" charset="-128"/>
+                <a:cs typeface="メイリオ" panose="020B0604030504040204" pitchFamily="50" charset="-128"/>
+              </a:rPr>
+              <a:t>　次の</a:t>
+            </a:r>
+            <a:r>
+              <a:rPr lang="en-US" altLang="ja-JP" dirty="0" smtClean="0">
+                <a:latin typeface="メイリオ" panose="020B0604030504040204" pitchFamily="50" charset="-128"/>
+                <a:ea typeface="メイリオ" panose="020B0604030504040204" pitchFamily="50" charset="-128"/>
+                <a:cs typeface="メイリオ" panose="020B0604030504040204" pitchFamily="50" charset="-128"/>
+              </a:rPr>
+              <a:t>/</a:t>
+            </a:r>
+            <a:r>
+              <a:rPr lang="ja-JP" altLang="en-US" dirty="0" smtClean="0">
+                <a:latin typeface="メイリオ" panose="020B0604030504040204" pitchFamily="50" charset="-128"/>
+                <a:ea typeface="メイリオ" panose="020B0604030504040204" pitchFamily="50" charset="-128"/>
+                <a:cs typeface="メイリオ" panose="020B0604030504040204" pitchFamily="50" charset="-128"/>
+              </a:rPr>
+              <a:t>前の単語の先頭へ移動</a:t>
+            </a:r>
+            <a:endParaRPr lang="en-US" altLang="ja-JP" dirty="0">
+              <a:latin typeface="メイリオ" panose="020B0604030504040204" pitchFamily="50" charset="-128"/>
+              <a:ea typeface="メイリオ" panose="020B0604030504040204" pitchFamily="50" charset="-128"/>
+              <a:cs typeface="メイリオ" panose="020B0604030504040204" pitchFamily="50" charset="-128"/>
+            </a:endParaRPr>
+          </a:p>
+          <a:p>
+            <a:pPr marL="82296" indent="0">
+              <a:buNone/>
+            </a:pPr>
+            <a:r>
+              <a:rPr lang="en-US" altLang="ja-JP" dirty="0" err="1" smtClean="0">
+                <a:latin typeface="メイリオ" panose="020B0604030504040204" pitchFamily="50" charset="-128"/>
+                <a:ea typeface="メイリオ" panose="020B0604030504040204" pitchFamily="50" charset="-128"/>
+                <a:cs typeface="メイリオ" panose="020B0604030504040204" pitchFamily="50" charset="-128"/>
+              </a:rPr>
+              <a:t>fx</a:t>
+            </a:r>
+            <a:r>
+              <a:rPr lang="en-US" altLang="ja-JP" dirty="0" smtClean="0">
+                <a:latin typeface="メイリオ" panose="020B0604030504040204" pitchFamily="50" charset="-128"/>
+                <a:ea typeface="メイリオ" panose="020B0604030504040204" pitchFamily="50" charset="-128"/>
+                <a:cs typeface="メイリオ" panose="020B0604030504040204" pitchFamily="50" charset="-128"/>
+              </a:rPr>
+              <a:t>  :</a:t>
+            </a:r>
+            <a:r>
+              <a:rPr lang="ja-JP" altLang="en-US" dirty="0" smtClean="0">
+                <a:latin typeface="メイリオ" panose="020B0604030504040204" pitchFamily="50" charset="-128"/>
+                <a:ea typeface="メイリオ" panose="020B0604030504040204" pitchFamily="50" charset="-128"/>
+                <a:cs typeface="メイリオ" panose="020B0604030504040204" pitchFamily="50" charset="-128"/>
+              </a:rPr>
+              <a:t>　カーソル行の次の</a:t>
+            </a:r>
+            <a:r>
+              <a:rPr lang="en-US" altLang="ja-JP" dirty="0" smtClean="0">
+                <a:latin typeface="メイリオ" panose="020B0604030504040204" pitchFamily="50" charset="-128"/>
+                <a:ea typeface="メイリオ" panose="020B0604030504040204" pitchFamily="50" charset="-128"/>
+                <a:cs typeface="メイリオ" panose="020B0604030504040204" pitchFamily="50" charset="-128"/>
+              </a:rPr>
+              <a:t>x</a:t>
+            </a:r>
+            <a:r>
+              <a:rPr lang="ja-JP" altLang="en-US" dirty="0" smtClean="0">
+                <a:latin typeface="メイリオ" panose="020B0604030504040204" pitchFamily="50" charset="-128"/>
+                <a:ea typeface="メイリオ" panose="020B0604030504040204" pitchFamily="50" charset="-128"/>
+                <a:cs typeface="メイリオ" panose="020B0604030504040204" pitchFamily="50" charset="-128"/>
+              </a:rPr>
+              <a:t>へ移動</a:t>
+            </a:r>
+            <a:endParaRPr lang="en-US" altLang="ja-JP" dirty="0" smtClean="0">
+              <a:latin typeface="メイリオ" panose="020B0604030504040204" pitchFamily="50" charset="-128"/>
+              <a:ea typeface="メイリオ" panose="020B0604030504040204" pitchFamily="50" charset="-128"/>
+              <a:cs typeface="メイリオ" panose="020B0604030504040204" pitchFamily="50" charset="-128"/>
+            </a:endParaRPr>
+          </a:p>
+          <a:p>
+            <a:pPr marL="82296" indent="0">
+              <a:buNone/>
+            </a:pPr>
+            <a:r>
+              <a:rPr lang="en-US" altLang="ja-JP" dirty="0" err="1" smtClean="0">
+                <a:latin typeface="メイリオ" panose="020B0604030504040204" pitchFamily="50" charset="-128"/>
+                <a:ea typeface="メイリオ" panose="020B0604030504040204" pitchFamily="50" charset="-128"/>
+                <a:cs typeface="メイリオ" panose="020B0604030504040204" pitchFamily="50" charset="-128"/>
+              </a:rPr>
+              <a:t>Ctrl+u,Ctrl+d</a:t>
+            </a:r>
+            <a:r>
+              <a:rPr lang="en-US" altLang="ja-JP" dirty="0" smtClean="0">
+                <a:latin typeface="メイリオ" panose="020B0604030504040204" pitchFamily="50" charset="-128"/>
+                <a:ea typeface="メイリオ" panose="020B0604030504040204" pitchFamily="50" charset="-128"/>
+                <a:cs typeface="メイリオ" panose="020B0604030504040204" pitchFamily="50" charset="-128"/>
+              </a:rPr>
+              <a:t>:</a:t>
+            </a:r>
+            <a:r>
+              <a:rPr lang="ja-JP" altLang="en-US" dirty="0" smtClean="0">
+                <a:latin typeface="メイリオ" panose="020B0604030504040204" pitchFamily="50" charset="-128"/>
+                <a:ea typeface="メイリオ" panose="020B0604030504040204" pitchFamily="50" charset="-128"/>
+                <a:cs typeface="メイリオ" panose="020B0604030504040204" pitchFamily="50" charset="-128"/>
+              </a:rPr>
+              <a:t>一画面分前</a:t>
+            </a:r>
+            <a:r>
+              <a:rPr lang="en-US" altLang="ja-JP" dirty="0" smtClean="0">
+                <a:latin typeface="メイリオ" panose="020B0604030504040204" pitchFamily="50" charset="-128"/>
+                <a:ea typeface="メイリオ" panose="020B0604030504040204" pitchFamily="50" charset="-128"/>
+                <a:cs typeface="メイリオ" panose="020B0604030504040204" pitchFamily="50" charset="-128"/>
+              </a:rPr>
+              <a:t>/</a:t>
+            </a:r>
+            <a:r>
+              <a:rPr lang="ja-JP" altLang="en-US" dirty="0" smtClean="0">
+                <a:latin typeface="メイリオ" panose="020B0604030504040204" pitchFamily="50" charset="-128"/>
+                <a:ea typeface="メイリオ" panose="020B0604030504040204" pitchFamily="50" charset="-128"/>
+                <a:cs typeface="メイリオ" panose="020B0604030504040204" pitchFamily="50" charset="-128"/>
+              </a:rPr>
+              <a:t>後へ移動</a:t>
+            </a:r>
+            <a:endParaRPr lang="en-US" altLang="ja-JP" dirty="0" smtClean="0">
+              <a:latin typeface="メイリオ" panose="020B0604030504040204" pitchFamily="50" charset="-128"/>
+              <a:ea typeface="メイリオ" panose="020B0604030504040204" pitchFamily="50" charset="-128"/>
+              <a:cs typeface="メイリオ" panose="020B0604030504040204" pitchFamily="50" charset="-128"/>
+            </a:endParaRPr>
+          </a:p>
+          <a:p>
+            <a:pPr marL="82296" indent="0">
+              <a:buNone/>
+            </a:pPr>
+            <a:r>
+              <a:rPr lang="ja-JP" altLang="en-US" dirty="0" smtClean="0">
+                <a:latin typeface="メイリオ" panose="020B0604030504040204" pitchFamily="50" charset="-128"/>
+                <a:ea typeface="メイリオ" panose="020B0604030504040204" pitchFamily="50" charset="-128"/>
+                <a:cs typeface="メイリオ" panose="020B0604030504040204" pitchFamily="50" charset="-128"/>
+              </a:rPr>
+              <a:t>などなど</a:t>
+            </a:r>
+            <a:r>
+              <a:rPr lang="en-US" altLang="ja-JP" dirty="0" smtClean="0">
+                <a:latin typeface="メイリオ" panose="020B0604030504040204" pitchFamily="50" charset="-128"/>
+                <a:ea typeface="メイリオ" panose="020B0604030504040204" pitchFamily="50" charset="-128"/>
+                <a:cs typeface="メイリオ" panose="020B0604030504040204" pitchFamily="50" charset="-128"/>
+              </a:rPr>
+              <a:t>…</a:t>
+            </a:r>
+          </a:p>
+          <a:p>
+            <a:pPr marL="82296" indent="0">
+              <a:buNone/>
+            </a:pPr>
+            <a:endParaRPr lang="en-US" altLang="ja-JP" dirty="0" smtClean="0">
+              <a:latin typeface="メイリオ" panose="020B0604030504040204" pitchFamily="50" charset="-128"/>
+              <a:ea typeface="メイリオ" panose="020B0604030504040204" pitchFamily="50" charset="-128"/>
+              <a:cs typeface="メイリオ" panose="020B0604030504040204" pitchFamily="50" charset="-128"/>
+            </a:endParaRPr>
+          </a:p>
+          <a:p>
+            <a:pPr marL="82296" indent="0">
+              <a:buNone/>
+            </a:pPr>
+            <a:r>
+              <a:rPr lang="ja-JP" altLang="en-US" dirty="0" smtClean="0">
+                <a:latin typeface="メイリオ" panose="020B0604030504040204" pitchFamily="50" charset="-128"/>
+                <a:ea typeface="メイリオ" panose="020B0604030504040204" pitchFamily="50" charset="-128"/>
+                <a:cs typeface="メイリオ" panose="020B0604030504040204" pitchFamily="50" charset="-128"/>
+              </a:rPr>
+              <a:t>・・・カーソル移動コマンド多くね？</a:t>
+            </a:r>
+            <a:endParaRPr lang="en-US" altLang="ja-JP" dirty="0">
+              <a:latin typeface="メイリオ" panose="020B0604030504040204" pitchFamily="50" charset="-128"/>
+              <a:ea typeface="メイリオ" panose="020B0604030504040204" pitchFamily="50" charset="-128"/>
+              <a:cs typeface="メイリオ" panose="020B0604030504040204" pitchFamily="50" charset="-128"/>
+            </a:endParaRPr>
+          </a:p>
+        </p:txBody>
+      </p:sp>
+    </p:spTree>
+    <p:extLst>
+      <p:ext uri="{BB962C8B-B14F-4D97-AF65-F5344CB8AC3E}">
+        <p14:creationId xmlns:p14="http://schemas.microsoft.com/office/powerpoint/2010/main" val="4035299323"/>
+      </p:ext>
+    </p:extLst>
+  </p:cSld>
+  <p:clrMapOvr>
+    <a:masterClrMapping/>
+  </p:clrMapOvr>
+  <p:timing>
+    <p:tnLst>
+      <p:par>
+        <p:cTn id="1" dur="indefinite" restart="never" nodeType="tmRoot"/>
+      </p:par>
+    </p:tnLst>
+  </p:timing>
+</p:sld>
+</file>
+
+<file path=ppt/slides/slide2.xml><?xml version="1.0" encoding="utf-8"?>
+<p:sld xmlns:a="http://schemas.openxmlformats.org/drawingml/2006/main" xmlns:r="http://schemas.openxmlformats.org/officeDocument/2006/relationships" xmlns:p="http://schemas.openxmlformats.org/presentationml/2006/main">
+  <p:cSld>
+    <p:spTree>
+      <p:nvGrpSpPr>
+        <p:cNvPr id="1" name=""/>
+        <p:cNvGrpSpPr/>
+        <p:nvPr/>
+      </p:nvGrpSpPr>
+      <p:grpSpPr>
+        <a:xfrm>
+          <a:off x="0" y="0"/>
+          <a:ext cx="0" cy="0"/>
+          <a:chOff x="0" y="0"/>
+          <a:chExt cx="0" cy="0"/>
+        </a:xfrm>
+      </p:grpSpPr>
+      <p:sp>
+        <p:nvSpPr>
+          <p:cNvPr id="2" name="タイトル 1"/>
+          <p:cNvSpPr>
+            <a:spLocks noGrp="1"/>
+          </p:cNvSpPr>
+          <p:nvPr>
+            <p:ph type="title"/>
+          </p:nvPr>
+        </p:nvSpPr>
+        <p:spPr>
+          <a:xfrm>
+            <a:off x="1435608" y="2852936"/>
+            <a:ext cx="7498080" cy="1143000"/>
+          </a:xfrm>
+        </p:spPr>
+        <p:txBody>
+          <a:bodyPr>
+            <a:noAutofit/>
+          </a:bodyPr>
+          <a:lstStyle/>
+          <a:p>
+            <a:r>
+              <a:rPr kumimoji="1" lang="ja-JP" altLang="en-US" sz="3600" dirty="0" smtClean="0">
+                <a:latin typeface="メイリオ" panose="020B0604030504040204" pitchFamily="50" charset="-128"/>
+                <a:ea typeface="メイリオ" panose="020B0604030504040204" pitchFamily="50" charset="-128"/>
+                <a:cs typeface="メイリオ" panose="020B0604030504040204" pitchFamily="50" charset="-128"/>
+              </a:rPr>
+              <a:t>第一部　</a:t>
+            </a:r>
+            <a:r>
+              <a:rPr kumimoji="1" lang="en-US" altLang="ja-JP" sz="3600" dirty="0" smtClean="0">
+                <a:latin typeface="メイリオ" panose="020B0604030504040204" pitchFamily="50" charset="-128"/>
+                <a:ea typeface="メイリオ" panose="020B0604030504040204" pitchFamily="50" charset="-128"/>
+                <a:cs typeface="メイリオ" panose="020B0604030504040204" pitchFamily="50" charset="-128"/>
+              </a:rPr>
+              <a:t>Vim</a:t>
+            </a:r>
+            <a:r>
+              <a:rPr kumimoji="1" lang="ja-JP" altLang="en-US" sz="3600" dirty="0" smtClean="0">
+                <a:latin typeface="メイリオ" panose="020B0604030504040204" pitchFamily="50" charset="-128"/>
+                <a:ea typeface="メイリオ" panose="020B0604030504040204" pitchFamily="50" charset="-128"/>
+                <a:cs typeface="メイリオ" panose="020B0604030504040204" pitchFamily="50" charset="-128"/>
+              </a:rPr>
+              <a:t>との出会い</a:t>
+            </a:r>
+            <a:r>
+              <a:rPr kumimoji="1" lang="en-US" altLang="ja-JP" sz="3600" dirty="0" smtClean="0">
+                <a:latin typeface="メイリオ" panose="020B0604030504040204" pitchFamily="50" charset="-128"/>
+                <a:ea typeface="メイリオ" panose="020B0604030504040204" pitchFamily="50" charset="-128"/>
+                <a:cs typeface="メイリオ" panose="020B0604030504040204" pitchFamily="50" charset="-128"/>
+              </a:rPr>
+              <a:t/>
+            </a:r>
+            <a:br>
+              <a:rPr kumimoji="1" lang="en-US" altLang="ja-JP" sz="3600" dirty="0" smtClean="0">
+                <a:latin typeface="メイリオ" panose="020B0604030504040204" pitchFamily="50" charset="-128"/>
+                <a:ea typeface="メイリオ" panose="020B0604030504040204" pitchFamily="50" charset="-128"/>
+                <a:cs typeface="メイリオ" panose="020B0604030504040204" pitchFamily="50" charset="-128"/>
+              </a:rPr>
+            </a:br>
+            <a:r>
+              <a:rPr kumimoji="1" lang="ja-JP" altLang="en-US" sz="3600" dirty="0" smtClean="0">
+                <a:latin typeface="メイリオ" panose="020B0604030504040204" pitchFamily="50" charset="-128"/>
+                <a:ea typeface="メイリオ" panose="020B0604030504040204" pitchFamily="50" charset="-128"/>
+                <a:cs typeface="メイリオ" panose="020B0604030504040204" pitchFamily="50" charset="-128"/>
+              </a:rPr>
+              <a:t>　　　</a:t>
+            </a:r>
+            <a:r>
+              <a:rPr lang="ja-JP" altLang="en-US" sz="3600" dirty="0" smtClean="0">
+                <a:latin typeface="メイリオ" panose="020B0604030504040204" pitchFamily="50" charset="-128"/>
+                <a:ea typeface="メイリオ" panose="020B0604030504040204" pitchFamily="50" charset="-128"/>
+                <a:cs typeface="メイリオ" panose="020B0604030504040204" pitchFamily="50" charset="-128"/>
+              </a:rPr>
+              <a:t>～</a:t>
+            </a:r>
+            <a:r>
+              <a:rPr kumimoji="1" lang="ja-JP" altLang="en-US" sz="3600" dirty="0" smtClean="0">
+                <a:latin typeface="メイリオ" panose="020B0604030504040204" pitchFamily="50" charset="-128"/>
+                <a:ea typeface="メイリオ" panose="020B0604030504040204" pitchFamily="50" charset="-128"/>
+                <a:cs typeface="メイリオ" panose="020B0604030504040204" pitchFamily="50" charset="-128"/>
+              </a:rPr>
+              <a:t>コマンドプロンプト改造～</a:t>
+            </a:r>
+            <a:endParaRPr kumimoji="1" lang="ja-JP" altLang="en-US" sz="3600" dirty="0">
+              <a:latin typeface="メイリオ" panose="020B0604030504040204" pitchFamily="50" charset="-128"/>
+              <a:ea typeface="メイリオ" panose="020B0604030504040204" pitchFamily="50" charset="-128"/>
+              <a:cs typeface="メイリオ" panose="020B0604030504040204" pitchFamily="50" charset="-128"/>
+            </a:endParaRPr>
+          </a:p>
+        </p:txBody>
+      </p:sp>
+    </p:spTree>
+    <p:extLst>
+      <p:ext uri="{BB962C8B-B14F-4D97-AF65-F5344CB8AC3E}">
+        <p14:creationId xmlns:p14="http://schemas.microsoft.com/office/powerpoint/2010/main" val="2486749052"/>
+      </p:ext>
+    </p:extLst>
+  </p:cSld>
+  <p:clrMapOvr>
+    <a:masterClrMapping/>
+  </p:clrMapOvr>
+  <p:timing>
+    <p:tnLst>
+      <p:par>
+        <p:cTn id="1" dur="indefinite" restart="never" nodeType="tmRoot"/>
+      </p:par>
+    </p:tnLst>
+  </p:timing>
+</p:sld>
+</file>
+
+<file path=ppt/slides/slide20.xml><?xml version="1.0" encoding="utf-8"?>
+<p:sld xmlns:a="http://schemas.openxmlformats.org/drawingml/2006/main" xmlns:r="http://schemas.openxmlformats.org/officeDocument/2006/relationships" xmlns:p="http://schemas.openxmlformats.org/presentationml/2006/main">
+  <p:cSld>
+    <p:spTree>
+      <p:nvGrpSpPr>
+        <p:cNvPr id="1" name=""/>
+        <p:cNvGrpSpPr/>
+        <p:nvPr/>
+      </p:nvGrpSpPr>
+      <p:grpSpPr>
+        <a:xfrm>
+          <a:off x="0" y="0"/>
+          <a:ext cx="0" cy="0"/>
+          <a:chOff x="0" y="0"/>
+          <a:chExt cx="0" cy="0"/>
+        </a:xfrm>
+      </p:grpSpPr>
+      <p:sp>
+        <p:nvSpPr>
+          <p:cNvPr id="12" name="タイトル 1"/>
+          <p:cNvSpPr>
+            <a:spLocks noGrp="1"/>
+          </p:cNvSpPr>
+          <p:nvPr>
+            <p:ph type="title"/>
+          </p:nvPr>
+        </p:nvSpPr>
+        <p:spPr/>
+        <p:txBody>
+          <a:bodyPr/>
+          <a:lstStyle/>
+          <a:p>
+            <a:r>
+              <a:rPr kumimoji="1" lang="ja-JP" altLang="en-US" dirty="0" smtClean="0">
+                <a:latin typeface="メイリオ" panose="020B0604030504040204" pitchFamily="50" charset="-128"/>
+                <a:ea typeface="メイリオ" panose="020B0604030504040204" pitchFamily="50" charset="-128"/>
+                <a:cs typeface="メイリオ" panose="020B0604030504040204" pitchFamily="50" charset="-128"/>
+              </a:rPr>
+              <a:t>やったこと</a:t>
+            </a:r>
+            <a:endParaRPr kumimoji="1" lang="ja-JP" altLang="en-US" dirty="0">
+              <a:latin typeface="メイリオ" panose="020B0604030504040204" pitchFamily="50" charset="-128"/>
+              <a:ea typeface="メイリオ" panose="020B0604030504040204" pitchFamily="50" charset="-128"/>
+              <a:cs typeface="メイリオ" panose="020B0604030504040204" pitchFamily="50" charset="-128"/>
+            </a:endParaRPr>
+          </a:p>
+        </p:txBody>
+      </p:sp>
+      <p:sp>
+        <p:nvSpPr>
+          <p:cNvPr id="13" name="コンテンツ プレースホルダー 2"/>
+          <p:cNvSpPr>
+            <a:spLocks noGrp="1"/>
+          </p:cNvSpPr>
+          <p:nvPr>
+            <p:ph idx="1"/>
+          </p:nvPr>
+        </p:nvSpPr>
+        <p:spPr>
+          <a:xfrm>
+            <a:off x="1115616" y="1124744"/>
+            <a:ext cx="7818072" cy="5544616"/>
+          </a:xfrm>
+        </p:spPr>
+        <p:txBody>
+          <a:bodyPr>
+            <a:normAutofit/>
+          </a:bodyPr>
+          <a:lstStyle/>
+          <a:p>
+            <a:pPr marL="82296" indent="0">
+              <a:buNone/>
+            </a:pPr>
+            <a:r>
+              <a:rPr lang="ja-JP" altLang="en-US" dirty="0" smtClean="0">
+                <a:latin typeface="Inconsolata" panose="020B0609030003000000" pitchFamily="49" charset="0"/>
+                <a:ea typeface="メイリオ" panose="020B0604030504040204" pitchFamily="50" charset="-128"/>
+                <a:cs typeface="メイリオ" panose="020B0604030504040204" pitchFamily="50" charset="-128"/>
+              </a:rPr>
+              <a:t>カーソル移動コマンド多い</a:t>
+            </a:r>
+            <a:endParaRPr lang="en-US" altLang="ja-JP" dirty="0" smtClean="0">
+              <a:latin typeface="Inconsolata" panose="020B0609030003000000" pitchFamily="49" charset="0"/>
+              <a:ea typeface="メイリオ" panose="020B0604030504040204" pitchFamily="50" charset="-128"/>
+              <a:cs typeface="メイリオ" panose="020B0604030504040204" pitchFamily="50" charset="-128"/>
+            </a:endParaRPr>
+          </a:p>
+          <a:p>
+            <a:pPr marL="82296" indent="0">
+              <a:buNone/>
+            </a:pPr>
+            <a:r>
+              <a:rPr lang="ja-JP" altLang="en-US" dirty="0" smtClean="0">
+                <a:latin typeface="Inconsolata" panose="020B0609030003000000" pitchFamily="49" charset="0"/>
+                <a:ea typeface="メイリオ" panose="020B0604030504040204" pitchFamily="50" charset="-128"/>
+                <a:cs typeface="メイリオ" panose="020B0604030504040204" pitchFamily="50" charset="-128"/>
+              </a:rPr>
+              <a:t>↓</a:t>
+            </a:r>
+            <a:endParaRPr lang="en-US" altLang="ja-JP" dirty="0" smtClean="0">
+              <a:latin typeface="Inconsolata" panose="020B0609030003000000" pitchFamily="49" charset="0"/>
+              <a:ea typeface="メイリオ" panose="020B0604030504040204" pitchFamily="50" charset="-128"/>
+              <a:cs typeface="メイリオ" panose="020B0604030504040204" pitchFamily="50" charset="-128"/>
+            </a:endParaRPr>
+          </a:p>
+          <a:p>
+            <a:pPr marL="82296" indent="0">
+              <a:buNone/>
+            </a:pPr>
+            <a:r>
+              <a:rPr lang="ja-JP" altLang="en-US" dirty="0">
+                <a:latin typeface="Inconsolata" panose="020B0609030003000000" pitchFamily="49" charset="0"/>
+                <a:ea typeface="メイリオ" panose="020B0604030504040204" pitchFamily="50" charset="-128"/>
+                <a:cs typeface="メイリオ" panose="020B0604030504040204" pitchFamily="50" charset="-128"/>
+              </a:rPr>
+              <a:t>大昔</a:t>
+            </a:r>
+            <a:r>
+              <a:rPr lang="ja-JP" altLang="en-US" dirty="0" smtClean="0">
+                <a:latin typeface="Inconsolata" panose="020B0609030003000000" pitchFamily="49" charset="0"/>
+                <a:ea typeface="メイリオ" panose="020B0604030504040204" pitchFamily="50" charset="-128"/>
+                <a:cs typeface="メイリオ" panose="020B0604030504040204" pitchFamily="50" charset="-128"/>
+              </a:rPr>
+              <a:t>のキーボードの名残？</a:t>
+            </a:r>
+            <a:endParaRPr lang="en-US" altLang="ja-JP" dirty="0" smtClean="0">
+              <a:latin typeface="Inconsolata" panose="020B0609030003000000" pitchFamily="49" charset="0"/>
+              <a:ea typeface="メイリオ" panose="020B0604030504040204" pitchFamily="50" charset="-128"/>
+              <a:cs typeface="メイリオ" panose="020B0604030504040204" pitchFamily="50" charset="-128"/>
+            </a:endParaRPr>
+          </a:p>
+          <a:p>
+            <a:pPr marL="82296" indent="0">
+              <a:buNone/>
+            </a:pPr>
+            <a:r>
+              <a:rPr lang="ja-JP" altLang="en-US" dirty="0" smtClean="0">
+                <a:latin typeface="Inconsolata" panose="020B0609030003000000" pitchFamily="49" charset="0"/>
+                <a:ea typeface="メイリオ" panose="020B0604030504040204" pitchFamily="50" charset="-128"/>
+                <a:cs typeface="メイリオ" panose="020B0604030504040204" pitchFamily="50" charset="-128"/>
+              </a:rPr>
+              <a:t>↓</a:t>
+            </a:r>
+            <a:endParaRPr lang="en-US" altLang="ja-JP" dirty="0" smtClean="0">
+              <a:latin typeface="Inconsolata" panose="020B0609030003000000" pitchFamily="49" charset="0"/>
+              <a:ea typeface="メイリオ" panose="020B0604030504040204" pitchFamily="50" charset="-128"/>
+              <a:cs typeface="メイリオ" panose="020B0604030504040204" pitchFamily="50" charset="-128"/>
+            </a:endParaRPr>
+          </a:p>
+        </p:txBody>
+      </p:sp>
+      <p:sp>
+        <p:nvSpPr>
+          <p:cNvPr id="4" name="正方形/長方形 3"/>
+          <p:cNvSpPr/>
+          <p:nvPr/>
+        </p:nvSpPr>
+        <p:spPr>
+          <a:xfrm>
+            <a:off x="862345" y="3284984"/>
+            <a:ext cx="8644605" cy="923330"/>
+          </a:xfrm>
+          <a:prstGeom prst="rect">
+            <a:avLst/>
+          </a:prstGeom>
+        </p:spPr>
+        <p:txBody>
+          <a:bodyPr wrap="square">
+            <a:spAutoFit/>
+          </a:bodyPr>
+          <a:lstStyle/>
+          <a:p>
+            <a:pPr marL="82296" lvl="0">
+              <a:spcBef>
+                <a:spcPts val="600"/>
+              </a:spcBef>
+              <a:buClr>
+                <a:srgbClr val="3891A7"/>
+              </a:buClr>
+              <a:buSzPct val="80000"/>
+            </a:pPr>
+            <a:r>
+              <a:rPr lang="ja-JP" altLang="en-US" sz="5400" b="1" dirty="0" smtClean="0">
+                <a:solidFill>
+                  <a:srgbClr val="FF0000"/>
+                </a:solidFill>
+                <a:latin typeface="メイリオ" panose="020B0604030504040204" pitchFamily="50" charset="-128"/>
+                <a:ea typeface="メイリオ" panose="020B0604030504040204" pitchFamily="50" charset="-128"/>
+                <a:cs typeface="メイリオ" panose="020B0604030504040204" pitchFamily="50" charset="-128"/>
+              </a:rPr>
+              <a:t>矢印キー封印してみる</a:t>
+            </a:r>
+            <a:endParaRPr lang="en-US" altLang="ja-JP" sz="5400" b="1" dirty="0">
+              <a:solidFill>
+                <a:srgbClr val="FF0000"/>
+              </a:solidFill>
+              <a:latin typeface="メイリオ" panose="020B0604030504040204" pitchFamily="50" charset="-128"/>
+              <a:ea typeface="メイリオ" panose="020B0604030504040204" pitchFamily="50" charset="-128"/>
+              <a:cs typeface="メイリオ" panose="020B0604030504040204" pitchFamily="50" charset="-128"/>
+            </a:endParaRPr>
+          </a:p>
+        </p:txBody>
+      </p:sp>
+    </p:spTree>
+    <p:extLst>
+      <p:ext uri="{BB962C8B-B14F-4D97-AF65-F5344CB8AC3E}">
+        <p14:creationId xmlns:p14="http://schemas.microsoft.com/office/powerpoint/2010/main" val="1065693241"/>
+      </p:ext>
+    </p:extLst>
+  </p:cSld>
+  <p:clrMapOvr>
+    <a:masterClrMapping/>
+  </p:clrMapOvr>
+  <p:timing>
+    <p:tnLst>
+      <p:par>
+        <p:cTn id="1" dur="indefinite" restart="never" nodeType="tmRoot"/>
+      </p:par>
+    </p:tnLst>
+  </p:timing>
+</p:sld>
+</file>
+
+<file path=ppt/slides/slide21.xml><?xml version="1.0" encoding="utf-8"?>
+<p:sld xmlns:a="http://schemas.openxmlformats.org/drawingml/2006/main" xmlns:r="http://schemas.openxmlformats.org/officeDocument/2006/relationships" xmlns:p="http://schemas.openxmlformats.org/presentationml/2006/main">
+  <p:cSld>
+    <p:spTree>
+      <p:nvGrpSpPr>
+        <p:cNvPr id="1" name=""/>
+        <p:cNvGrpSpPr/>
+        <p:nvPr/>
+      </p:nvGrpSpPr>
+      <p:grpSpPr>
+        <a:xfrm>
+          <a:off x="0" y="0"/>
+          <a:ext cx="0" cy="0"/>
+          <a:chOff x="0" y="0"/>
+          <a:chExt cx="0" cy="0"/>
+        </a:xfrm>
+      </p:grpSpPr>
+      <p:sp>
+        <p:nvSpPr>
+          <p:cNvPr id="12" name="タイトル 1"/>
+          <p:cNvSpPr>
+            <a:spLocks noGrp="1"/>
+          </p:cNvSpPr>
+          <p:nvPr>
+            <p:ph type="title"/>
+          </p:nvPr>
+        </p:nvSpPr>
+        <p:spPr/>
+        <p:txBody>
+          <a:bodyPr/>
+          <a:lstStyle/>
+          <a:p>
+            <a:r>
+              <a:rPr kumimoji="1" lang="ja-JP" altLang="en-US" dirty="0" smtClean="0">
+                <a:latin typeface="メイリオ" panose="020B0604030504040204" pitchFamily="50" charset="-128"/>
+                <a:ea typeface="メイリオ" panose="020B0604030504040204" pitchFamily="50" charset="-128"/>
+                <a:cs typeface="メイリオ" panose="020B0604030504040204" pitchFamily="50" charset="-128"/>
+              </a:rPr>
+              <a:t>やったこと</a:t>
+            </a:r>
+            <a:endParaRPr kumimoji="1" lang="ja-JP" altLang="en-US" dirty="0">
+              <a:latin typeface="メイリオ" panose="020B0604030504040204" pitchFamily="50" charset="-128"/>
+              <a:ea typeface="メイリオ" panose="020B0604030504040204" pitchFamily="50" charset="-128"/>
+              <a:cs typeface="メイリオ" panose="020B0604030504040204" pitchFamily="50" charset="-128"/>
+            </a:endParaRPr>
+          </a:p>
+        </p:txBody>
+      </p:sp>
+      <p:sp>
+        <p:nvSpPr>
+          <p:cNvPr id="13" name="コンテンツ プレースホルダー 2"/>
+          <p:cNvSpPr>
+            <a:spLocks noGrp="1"/>
+          </p:cNvSpPr>
+          <p:nvPr>
+            <p:ph idx="1"/>
+          </p:nvPr>
+        </p:nvSpPr>
+        <p:spPr>
+          <a:xfrm>
+            <a:off x="1115616" y="1124744"/>
+            <a:ext cx="7818072" cy="5544616"/>
+          </a:xfrm>
+        </p:spPr>
+        <p:txBody>
+          <a:bodyPr>
+            <a:normAutofit/>
+          </a:bodyPr>
+          <a:lstStyle/>
+          <a:p>
+            <a:pPr marL="82296" indent="0">
+              <a:buNone/>
+            </a:pPr>
+            <a:r>
+              <a:rPr lang="ja-JP" altLang="en-US" dirty="0" smtClean="0">
+                <a:latin typeface="Inconsolata" panose="020B0609030003000000" pitchFamily="49" charset="0"/>
+                <a:ea typeface="メイリオ" panose="020B0604030504040204" pitchFamily="50" charset="-128"/>
+                <a:cs typeface="メイリオ" panose="020B0604030504040204" pitchFamily="50" charset="-128"/>
+              </a:rPr>
+              <a:t>カーソル移動コマンド多い</a:t>
+            </a:r>
+            <a:endParaRPr lang="en-US" altLang="ja-JP" dirty="0" smtClean="0">
+              <a:latin typeface="Inconsolata" panose="020B0609030003000000" pitchFamily="49" charset="0"/>
+              <a:ea typeface="メイリオ" panose="020B0604030504040204" pitchFamily="50" charset="-128"/>
+              <a:cs typeface="メイリオ" panose="020B0604030504040204" pitchFamily="50" charset="-128"/>
+            </a:endParaRPr>
+          </a:p>
+          <a:p>
+            <a:pPr marL="82296" indent="0">
+              <a:buNone/>
+            </a:pPr>
+            <a:r>
+              <a:rPr lang="ja-JP" altLang="en-US" dirty="0" smtClean="0">
+                <a:latin typeface="Inconsolata" panose="020B0609030003000000" pitchFamily="49" charset="0"/>
+                <a:ea typeface="メイリオ" panose="020B0604030504040204" pitchFamily="50" charset="-128"/>
+                <a:cs typeface="メイリオ" panose="020B0604030504040204" pitchFamily="50" charset="-128"/>
+              </a:rPr>
+              <a:t>↓</a:t>
+            </a:r>
+            <a:endParaRPr lang="en-US" altLang="ja-JP" dirty="0" smtClean="0">
+              <a:latin typeface="Inconsolata" panose="020B0609030003000000" pitchFamily="49" charset="0"/>
+              <a:ea typeface="メイリオ" panose="020B0604030504040204" pitchFamily="50" charset="-128"/>
+              <a:cs typeface="メイリオ" panose="020B0604030504040204" pitchFamily="50" charset="-128"/>
+            </a:endParaRPr>
+          </a:p>
+          <a:p>
+            <a:pPr marL="82296" indent="0">
+              <a:buNone/>
+            </a:pPr>
+            <a:r>
+              <a:rPr lang="ja-JP" altLang="en-US" dirty="0">
+                <a:latin typeface="Inconsolata" panose="020B0609030003000000" pitchFamily="49" charset="0"/>
+                <a:ea typeface="メイリオ" panose="020B0604030504040204" pitchFamily="50" charset="-128"/>
+                <a:cs typeface="メイリオ" panose="020B0604030504040204" pitchFamily="50" charset="-128"/>
+              </a:rPr>
+              <a:t>大昔</a:t>
+            </a:r>
+            <a:r>
+              <a:rPr lang="ja-JP" altLang="en-US" dirty="0" smtClean="0">
+                <a:latin typeface="Inconsolata" panose="020B0609030003000000" pitchFamily="49" charset="0"/>
+                <a:ea typeface="メイリオ" panose="020B0604030504040204" pitchFamily="50" charset="-128"/>
+                <a:cs typeface="メイリオ" panose="020B0604030504040204" pitchFamily="50" charset="-128"/>
+              </a:rPr>
+              <a:t>のキーボードの名残？</a:t>
+            </a:r>
+            <a:endParaRPr lang="en-US" altLang="ja-JP" dirty="0" smtClean="0">
+              <a:latin typeface="Inconsolata" panose="020B0609030003000000" pitchFamily="49" charset="0"/>
+              <a:ea typeface="メイリオ" panose="020B0604030504040204" pitchFamily="50" charset="-128"/>
+              <a:cs typeface="メイリオ" panose="020B0604030504040204" pitchFamily="50" charset="-128"/>
+            </a:endParaRPr>
+          </a:p>
+          <a:p>
+            <a:pPr marL="82296" indent="0">
+              <a:buNone/>
+            </a:pPr>
+            <a:r>
+              <a:rPr lang="ja-JP" altLang="en-US" dirty="0" smtClean="0">
+                <a:latin typeface="Inconsolata" panose="020B0609030003000000" pitchFamily="49" charset="0"/>
+                <a:ea typeface="メイリオ" panose="020B0604030504040204" pitchFamily="50" charset="-128"/>
+                <a:cs typeface="メイリオ" panose="020B0604030504040204" pitchFamily="50" charset="-128"/>
+              </a:rPr>
+              <a:t>↓</a:t>
+            </a:r>
+            <a:endParaRPr lang="en-US" altLang="ja-JP" dirty="0" smtClean="0">
+              <a:latin typeface="Inconsolata" panose="020B0609030003000000" pitchFamily="49" charset="0"/>
+              <a:ea typeface="メイリオ" panose="020B0604030504040204" pitchFamily="50" charset="-128"/>
+              <a:cs typeface="メイリオ" panose="020B0604030504040204" pitchFamily="50" charset="-128"/>
+            </a:endParaRPr>
+          </a:p>
+          <a:p>
+            <a:pPr marL="82296" indent="0">
+              <a:buNone/>
+            </a:pPr>
+            <a:endParaRPr lang="en-US" altLang="ja-JP" dirty="0">
+              <a:latin typeface="Inconsolata" panose="020B0609030003000000" pitchFamily="49" charset="0"/>
+              <a:ea typeface="メイリオ" panose="020B0604030504040204" pitchFamily="50" charset="-128"/>
+              <a:cs typeface="メイリオ" panose="020B0604030504040204" pitchFamily="50" charset="-128"/>
+            </a:endParaRPr>
+          </a:p>
+          <a:p>
+            <a:pPr marL="82296" indent="0">
+              <a:buNone/>
+            </a:pPr>
+            <a:r>
+              <a:rPr lang="ja-JP" altLang="en-US" dirty="0">
+                <a:latin typeface="Inconsolata" panose="020B0609030003000000" pitchFamily="49" charset="0"/>
+                <a:ea typeface="メイリオ" panose="020B0604030504040204" pitchFamily="50" charset="-128"/>
+                <a:cs typeface="メイリオ" panose="020B0604030504040204" pitchFamily="50" charset="-128"/>
+              </a:rPr>
+              <a:t>↓</a:t>
+            </a:r>
+            <a:endParaRPr lang="en-US" altLang="ja-JP" dirty="0">
+              <a:latin typeface="Inconsolata" panose="020B0609030003000000" pitchFamily="49" charset="0"/>
+              <a:ea typeface="メイリオ" panose="020B0604030504040204" pitchFamily="50" charset="-128"/>
+              <a:cs typeface="メイリオ" panose="020B0604030504040204" pitchFamily="50" charset="-128"/>
+            </a:endParaRPr>
+          </a:p>
+          <a:p>
+            <a:pPr marL="82296" indent="0">
+              <a:buNone/>
+            </a:pPr>
+            <a:r>
+              <a:rPr lang="ja-JP" altLang="en-US" dirty="0" smtClean="0">
+                <a:latin typeface="Inconsolata" panose="020B0609030003000000" pitchFamily="49" charset="0"/>
+                <a:ea typeface="メイリオ" panose="020B0604030504040204" pitchFamily="50" charset="-128"/>
+                <a:cs typeface="メイリオ" panose="020B0604030504040204" pitchFamily="50" charset="-128"/>
+              </a:rPr>
+              <a:t>結構使い慣れてきた</a:t>
+            </a:r>
+            <a:endParaRPr lang="en-US" altLang="ja-JP" dirty="0">
+              <a:latin typeface="Inconsolata" panose="020B0609030003000000" pitchFamily="49" charset="0"/>
+              <a:ea typeface="メイリオ" panose="020B0604030504040204" pitchFamily="50" charset="-128"/>
+              <a:cs typeface="メイリオ" panose="020B0604030504040204" pitchFamily="50" charset="-128"/>
+            </a:endParaRPr>
+          </a:p>
+          <a:p>
+            <a:pPr marL="82296" indent="0">
+              <a:buNone/>
+            </a:pPr>
+            <a:r>
+              <a:rPr lang="ja-JP" altLang="en-US" dirty="0" smtClean="0">
+                <a:latin typeface="Inconsolata" panose="020B0609030003000000" pitchFamily="49" charset="0"/>
+                <a:ea typeface="メイリオ" panose="020B0604030504040204" pitchFamily="50" charset="-128"/>
+                <a:cs typeface="メイリオ" panose="020B0604030504040204" pitchFamily="50" charset="-128"/>
+              </a:rPr>
+              <a:t>↓</a:t>
+            </a:r>
+            <a:endParaRPr lang="en-US" altLang="ja-JP" dirty="0" smtClean="0">
+              <a:latin typeface="Inconsolata" panose="020B0609030003000000" pitchFamily="49" charset="0"/>
+              <a:ea typeface="メイリオ" panose="020B0604030504040204" pitchFamily="50" charset="-128"/>
+              <a:cs typeface="メイリオ" panose="020B0604030504040204" pitchFamily="50" charset="-128"/>
+            </a:endParaRPr>
+          </a:p>
+          <a:p>
+            <a:pPr marL="82296" indent="0">
+              <a:buNone/>
+            </a:pPr>
+            <a:endParaRPr lang="en-US" altLang="ja-JP" dirty="0">
+              <a:latin typeface="Inconsolata" panose="020B0609030003000000" pitchFamily="49" charset="0"/>
+              <a:ea typeface="メイリオ" panose="020B0604030504040204" pitchFamily="50" charset="-128"/>
+              <a:cs typeface="メイリオ" panose="020B0604030504040204" pitchFamily="50" charset="-128"/>
+            </a:endParaRPr>
+          </a:p>
+        </p:txBody>
+      </p:sp>
+      <p:sp>
+        <p:nvSpPr>
+          <p:cNvPr id="4" name="正方形/長方形 3"/>
+          <p:cNvSpPr/>
+          <p:nvPr/>
+        </p:nvSpPr>
+        <p:spPr>
+          <a:xfrm>
+            <a:off x="862345" y="3284984"/>
+            <a:ext cx="8644605" cy="923330"/>
+          </a:xfrm>
+          <a:prstGeom prst="rect">
+            <a:avLst/>
+          </a:prstGeom>
+        </p:spPr>
+        <p:txBody>
+          <a:bodyPr wrap="square">
+            <a:spAutoFit/>
+          </a:bodyPr>
+          <a:lstStyle/>
+          <a:p>
+            <a:pPr marL="82296" lvl="0">
+              <a:spcBef>
+                <a:spcPts val="600"/>
+              </a:spcBef>
+              <a:buClr>
+                <a:srgbClr val="3891A7"/>
+              </a:buClr>
+              <a:buSzPct val="80000"/>
+            </a:pPr>
+            <a:r>
+              <a:rPr lang="ja-JP" altLang="en-US" sz="5400" b="1" dirty="0" smtClean="0">
+                <a:solidFill>
+                  <a:srgbClr val="FF0000"/>
+                </a:solidFill>
+                <a:latin typeface="メイリオ" panose="020B0604030504040204" pitchFamily="50" charset="-128"/>
+                <a:ea typeface="メイリオ" panose="020B0604030504040204" pitchFamily="50" charset="-128"/>
+                <a:cs typeface="メイリオ" panose="020B0604030504040204" pitchFamily="50" charset="-128"/>
+              </a:rPr>
+              <a:t>矢印キー封印してみる</a:t>
+            </a:r>
+            <a:endParaRPr lang="en-US" altLang="ja-JP" sz="5400" b="1" dirty="0">
+              <a:solidFill>
+                <a:srgbClr val="FF0000"/>
+              </a:solidFill>
+              <a:latin typeface="メイリオ" panose="020B0604030504040204" pitchFamily="50" charset="-128"/>
+              <a:ea typeface="メイリオ" panose="020B0604030504040204" pitchFamily="50" charset="-128"/>
+              <a:cs typeface="メイリオ" panose="020B0604030504040204" pitchFamily="50" charset="-128"/>
+            </a:endParaRPr>
+          </a:p>
+        </p:txBody>
+      </p:sp>
+      <p:sp>
+        <p:nvSpPr>
+          <p:cNvPr id="5" name="正方形/長方形 4"/>
+          <p:cNvSpPr/>
+          <p:nvPr/>
+        </p:nvSpPr>
+        <p:spPr>
+          <a:xfrm>
+            <a:off x="702349" y="5653697"/>
+            <a:ext cx="8644605" cy="923330"/>
+          </a:xfrm>
+          <a:prstGeom prst="rect">
+            <a:avLst/>
+          </a:prstGeom>
+        </p:spPr>
+        <p:txBody>
+          <a:bodyPr wrap="square">
+            <a:spAutoFit/>
+          </a:bodyPr>
+          <a:lstStyle/>
+          <a:p>
+            <a:pPr marL="82296" lvl="0">
+              <a:spcBef>
+                <a:spcPts val="600"/>
+              </a:spcBef>
+              <a:buClr>
+                <a:srgbClr val="3891A7"/>
+              </a:buClr>
+              <a:buSzPct val="80000"/>
+            </a:pPr>
+            <a:r>
+              <a:rPr lang="ja-JP" altLang="en-US" sz="5400" b="1" dirty="0" smtClean="0">
+                <a:solidFill>
+                  <a:srgbClr val="FF0000"/>
+                </a:solidFill>
+                <a:latin typeface="メイリオ" panose="020B0604030504040204" pitchFamily="50" charset="-128"/>
+                <a:ea typeface="メイリオ" panose="020B0604030504040204" pitchFamily="50" charset="-128"/>
+                <a:cs typeface="メイリオ" panose="020B0604030504040204" pitchFamily="50" charset="-128"/>
+              </a:rPr>
+              <a:t>他のテキストエディタ封印</a:t>
+            </a:r>
+            <a:endParaRPr lang="en-US" altLang="ja-JP" sz="5400" b="1" dirty="0">
+              <a:solidFill>
+                <a:srgbClr val="FF0000"/>
+              </a:solidFill>
+              <a:latin typeface="メイリオ" panose="020B0604030504040204" pitchFamily="50" charset="-128"/>
+              <a:ea typeface="メイリオ" panose="020B0604030504040204" pitchFamily="50" charset="-128"/>
+              <a:cs typeface="メイリオ" panose="020B0604030504040204" pitchFamily="50" charset="-128"/>
+            </a:endParaRPr>
+          </a:p>
+        </p:txBody>
+      </p:sp>
+    </p:spTree>
+    <p:extLst>
+      <p:ext uri="{BB962C8B-B14F-4D97-AF65-F5344CB8AC3E}">
+        <p14:creationId xmlns:p14="http://schemas.microsoft.com/office/powerpoint/2010/main" val="2035645094"/>
+      </p:ext>
+    </p:extLst>
+  </p:cSld>
+  <p:clrMapOvr>
+    <a:masterClrMapping/>
+  </p:clrMapOvr>
+  <p:timing>
+    <p:tnLst>
+      <p:par>
+        <p:cTn id="1" dur="indefinite" restart="never" nodeType="tmRoot"/>
+      </p:par>
+    </p:tnLst>
+  </p:timing>
+</p:sld>
+</file>
+
+<file path=ppt/slides/slide22.xml><?xml version="1.0" encoding="utf-8"?>
+<p:sld xmlns:a="http://schemas.openxmlformats.org/drawingml/2006/main" xmlns:r="http://schemas.openxmlformats.org/officeDocument/2006/relationships" xmlns:p="http://schemas.openxmlformats.org/presentationml/2006/main">
+  <p:cSld>
+    <p:spTree>
+      <p:nvGrpSpPr>
+        <p:cNvPr id="1" name=""/>
+        <p:cNvGrpSpPr/>
+        <p:nvPr/>
+      </p:nvGrpSpPr>
+      <p:grpSpPr>
+        <a:xfrm>
+          <a:off x="0" y="0"/>
+          <a:ext cx="0" cy="0"/>
+          <a:chOff x="0" y="0"/>
+          <a:chExt cx="0" cy="0"/>
+        </a:xfrm>
+      </p:grpSpPr>
+      <p:sp>
+        <p:nvSpPr>
+          <p:cNvPr id="12" name="タイトル 1"/>
+          <p:cNvSpPr>
+            <a:spLocks noGrp="1"/>
+          </p:cNvSpPr>
+          <p:nvPr>
+            <p:ph type="title"/>
+          </p:nvPr>
+        </p:nvSpPr>
+        <p:spPr/>
+        <p:txBody>
+          <a:bodyPr/>
+          <a:lstStyle/>
+          <a:p>
+            <a:r>
+              <a:rPr kumimoji="1" lang="ja-JP" altLang="en-US" dirty="0" smtClean="0">
+                <a:latin typeface="メイリオ" panose="020B0604030504040204" pitchFamily="50" charset="-128"/>
+                <a:ea typeface="メイリオ" panose="020B0604030504040204" pitchFamily="50" charset="-128"/>
+                <a:cs typeface="メイリオ" panose="020B0604030504040204" pitchFamily="50" charset="-128"/>
+              </a:rPr>
+              <a:t>色々調べて使ってみる</a:t>
+            </a:r>
+            <a:endParaRPr kumimoji="1" lang="ja-JP" altLang="en-US" dirty="0">
+              <a:latin typeface="メイリオ" panose="020B0604030504040204" pitchFamily="50" charset="-128"/>
+              <a:ea typeface="メイリオ" panose="020B0604030504040204" pitchFamily="50" charset="-128"/>
+              <a:cs typeface="メイリオ" panose="020B0604030504040204" pitchFamily="50" charset="-128"/>
+            </a:endParaRPr>
+          </a:p>
+        </p:txBody>
+      </p:sp>
+      <p:sp>
+        <p:nvSpPr>
+          <p:cNvPr id="13" name="コンテンツ プレースホルダー 2"/>
+          <p:cNvSpPr>
+            <a:spLocks noGrp="1"/>
+          </p:cNvSpPr>
+          <p:nvPr>
+            <p:ph idx="1"/>
+          </p:nvPr>
+        </p:nvSpPr>
+        <p:spPr>
+          <a:xfrm>
+            <a:off x="1115616" y="1124744"/>
+            <a:ext cx="7818072" cy="5544616"/>
+          </a:xfrm>
+        </p:spPr>
+        <p:txBody>
+          <a:bodyPr>
+            <a:normAutofit/>
+          </a:bodyPr>
+          <a:lstStyle/>
+          <a:p>
+            <a:pPr marL="82296" indent="0">
+              <a:buNone/>
+            </a:pPr>
+            <a:r>
+              <a:rPr lang="ja-JP" altLang="en-US" dirty="0" smtClean="0">
+                <a:latin typeface="メイリオ" panose="020B0604030504040204" pitchFamily="50" charset="-128"/>
+                <a:ea typeface="メイリオ" panose="020B0604030504040204" pitchFamily="50" charset="-128"/>
+                <a:cs typeface="メイリオ" panose="020B0604030504040204" pitchFamily="50" charset="-128"/>
+              </a:rPr>
+              <a:t>■モード切替の概念</a:t>
+            </a:r>
+            <a:endParaRPr lang="en-US" altLang="ja-JP" dirty="0" smtClean="0">
+              <a:latin typeface="メイリオ" panose="020B0604030504040204" pitchFamily="50" charset="-128"/>
+              <a:ea typeface="メイリオ" panose="020B0604030504040204" pitchFamily="50" charset="-128"/>
+              <a:cs typeface="メイリオ" panose="020B0604030504040204" pitchFamily="50" charset="-128"/>
+            </a:endParaRPr>
+          </a:p>
+          <a:p>
+            <a:pPr marL="82296" indent="0">
+              <a:buNone/>
+            </a:pPr>
+            <a:endParaRPr lang="en-US" altLang="ja-JP" dirty="0">
+              <a:latin typeface="メイリオ" panose="020B0604030504040204" pitchFamily="50" charset="-128"/>
+              <a:ea typeface="メイリオ" panose="020B0604030504040204" pitchFamily="50" charset="-128"/>
+              <a:cs typeface="メイリオ" panose="020B0604030504040204" pitchFamily="50" charset="-128"/>
+            </a:endParaRPr>
+          </a:p>
+          <a:p>
+            <a:pPr marL="82296" indent="0">
+              <a:buNone/>
+            </a:pPr>
+            <a:r>
+              <a:rPr lang="ja-JP" altLang="en-US" dirty="0" smtClean="0">
+                <a:latin typeface="メイリオ" panose="020B0604030504040204" pitchFamily="50" charset="-128"/>
+                <a:ea typeface="メイリオ" panose="020B0604030504040204" pitchFamily="50" charset="-128"/>
+                <a:cs typeface="メイリオ" panose="020B0604030504040204" pitchFamily="50" charset="-128"/>
+              </a:rPr>
+              <a:t>通常モード⇔挿入モード</a:t>
+            </a:r>
+            <a:endParaRPr lang="en-US" altLang="ja-JP" dirty="0" smtClean="0">
+              <a:latin typeface="メイリオ" panose="020B0604030504040204" pitchFamily="50" charset="-128"/>
+              <a:ea typeface="メイリオ" panose="020B0604030504040204" pitchFamily="50" charset="-128"/>
+              <a:cs typeface="メイリオ" panose="020B0604030504040204" pitchFamily="50" charset="-128"/>
+            </a:endParaRPr>
+          </a:p>
+          <a:p>
+            <a:pPr marL="82296" indent="0">
+              <a:buNone/>
+            </a:pPr>
+            <a:endParaRPr lang="en-US" altLang="ja-JP" dirty="0" smtClean="0">
+              <a:latin typeface="メイリオ" panose="020B0604030504040204" pitchFamily="50" charset="-128"/>
+              <a:ea typeface="メイリオ" panose="020B0604030504040204" pitchFamily="50" charset="-128"/>
+              <a:cs typeface="メイリオ" panose="020B0604030504040204" pitchFamily="50" charset="-128"/>
+            </a:endParaRPr>
+          </a:p>
+          <a:p>
+            <a:pPr marL="82296" indent="0">
+              <a:buNone/>
+            </a:pPr>
+            <a:endParaRPr lang="en-US" altLang="ja-JP" dirty="0" smtClean="0">
+              <a:latin typeface="メイリオ" panose="020B0604030504040204" pitchFamily="50" charset="-128"/>
+              <a:ea typeface="メイリオ" panose="020B0604030504040204" pitchFamily="50" charset="-128"/>
+              <a:cs typeface="メイリオ" panose="020B0604030504040204" pitchFamily="50" charset="-128"/>
+            </a:endParaRPr>
+          </a:p>
+          <a:p>
+            <a:pPr marL="82296" indent="0">
+              <a:buNone/>
+            </a:pPr>
+            <a:r>
+              <a:rPr lang="en-US" altLang="ja-JP" sz="2400" dirty="0">
+                <a:latin typeface="メイリオ" panose="020B0604030504040204" pitchFamily="50" charset="-128"/>
+                <a:ea typeface="メイリオ" panose="020B0604030504040204" pitchFamily="50" charset="-128"/>
+                <a:cs typeface="メイリオ" panose="020B0604030504040204" pitchFamily="50" charset="-128"/>
+              </a:rPr>
+              <a:t>“vim</a:t>
+            </a:r>
+            <a:r>
+              <a:rPr lang="ja-JP" altLang="en-US" sz="2400" dirty="0">
+                <a:latin typeface="メイリオ" panose="020B0604030504040204" pitchFamily="50" charset="-128"/>
+                <a:ea typeface="メイリオ" panose="020B0604030504040204" pitchFamily="50" charset="-128"/>
+                <a:cs typeface="メイリオ" panose="020B0604030504040204" pitchFamily="50" charset="-128"/>
+              </a:rPr>
+              <a:t>の</a:t>
+            </a:r>
+            <a:r>
+              <a:rPr lang="en-US" altLang="ja-JP" sz="2400" dirty="0">
+                <a:latin typeface="メイリオ" panose="020B0604030504040204" pitchFamily="50" charset="-128"/>
+                <a:ea typeface="メイリオ" panose="020B0604030504040204" pitchFamily="50" charset="-128"/>
+                <a:cs typeface="メイリオ" panose="020B0604030504040204" pitchFamily="50" charset="-128"/>
+              </a:rPr>
+              <a:t>Normal mode</a:t>
+            </a:r>
+            <a:r>
+              <a:rPr lang="ja-JP" altLang="en-US" sz="2400" dirty="0">
+                <a:latin typeface="メイリオ" panose="020B0604030504040204" pitchFamily="50" charset="-128"/>
+                <a:ea typeface="メイリオ" panose="020B0604030504040204" pitchFamily="50" charset="-128"/>
+                <a:cs typeface="メイリオ" panose="020B0604030504040204" pitchFamily="50" charset="-128"/>
+              </a:rPr>
+              <a:t>とは、</a:t>
+            </a:r>
+            <a:r>
+              <a:rPr lang="en-US" altLang="ja-JP" sz="2400" dirty="0">
+                <a:latin typeface="メイリオ" panose="020B0604030504040204" pitchFamily="50" charset="-128"/>
+                <a:ea typeface="メイリオ" panose="020B0604030504040204" pitchFamily="50" charset="-128"/>
+                <a:cs typeface="メイリオ" panose="020B0604030504040204" pitchFamily="50" charset="-128"/>
+              </a:rPr>
+              <a:t>(</a:t>
+            </a:r>
+            <a:r>
+              <a:rPr lang="ja-JP" altLang="en-US" sz="2400" dirty="0">
+                <a:latin typeface="メイリオ" panose="020B0604030504040204" pitchFamily="50" charset="-128"/>
+                <a:ea typeface="メイリオ" panose="020B0604030504040204" pitchFamily="50" charset="-128"/>
+                <a:cs typeface="メイリオ" panose="020B0604030504040204" pitchFamily="50" charset="-128"/>
+              </a:rPr>
+              <a:t>通常エディタでの</a:t>
+            </a:r>
+            <a:r>
+              <a:rPr lang="en-US" altLang="ja-JP" sz="2400" dirty="0">
+                <a:latin typeface="メイリオ" panose="020B0604030504040204" pitchFamily="50" charset="-128"/>
+                <a:ea typeface="メイリオ" panose="020B0604030504040204" pitchFamily="50" charset="-128"/>
+                <a:cs typeface="メイリオ" panose="020B0604030504040204" pitchFamily="50" charset="-128"/>
+              </a:rPr>
+              <a:t>)Ctrl</a:t>
+            </a:r>
+            <a:r>
+              <a:rPr lang="ja-JP" altLang="en-US" sz="2400" dirty="0">
+                <a:latin typeface="メイリオ" panose="020B0604030504040204" pitchFamily="50" charset="-128"/>
+                <a:ea typeface="メイリオ" panose="020B0604030504040204" pitchFamily="50" charset="-128"/>
+                <a:cs typeface="メイリオ" panose="020B0604030504040204" pitchFamily="50" charset="-128"/>
+              </a:rPr>
+              <a:t>キーがずっと押しっぱなしになっている様な物だ。</a:t>
+            </a:r>
+            <a:r>
+              <a:rPr lang="en-US" altLang="ja-JP" sz="2400" dirty="0">
+                <a:latin typeface="メイリオ" panose="020B0604030504040204" pitchFamily="50" charset="-128"/>
+                <a:ea typeface="メイリオ" panose="020B0604030504040204" pitchFamily="50" charset="-128"/>
+                <a:cs typeface="メイリオ" panose="020B0604030504040204" pitchFamily="50" charset="-128"/>
+              </a:rPr>
+              <a:t>”</a:t>
+            </a:r>
+          </a:p>
+          <a:p>
+            <a:pPr marL="82296" indent="0">
+              <a:buNone/>
+            </a:pPr>
+            <a:endParaRPr lang="en-US" altLang="ja-JP" dirty="0">
+              <a:latin typeface="メイリオ" panose="020B0604030504040204" pitchFamily="50" charset="-128"/>
+              <a:ea typeface="メイリオ" panose="020B0604030504040204" pitchFamily="50" charset="-128"/>
+              <a:cs typeface="メイリオ" panose="020B0604030504040204" pitchFamily="50" charset="-128"/>
+            </a:endParaRPr>
+          </a:p>
+        </p:txBody>
+      </p:sp>
+    </p:spTree>
+    <p:extLst>
+      <p:ext uri="{BB962C8B-B14F-4D97-AF65-F5344CB8AC3E}">
+        <p14:creationId xmlns:p14="http://schemas.microsoft.com/office/powerpoint/2010/main" val="890534244"/>
+      </p:ext>
+    </p:extLst>
+  </p:cSld>
+  <p:clrMapOvr>
+    <a:masterClrMapping/>
+  </p:clrMapOvr>
+  <p:timing>
+    <p:tnLst>
+      <p:par>
+        <p:cTn id="1" dur="indefinite" restart="never" nodeType="tmRoot"/>
+      </p:par>
+    </p:tnLst>
+  </p:timing>
+</p:sld>
+</file>
+
+<file path=ppt/slides/slide23.xml><?xml version="1.0" encoding="utf-8"?>
 <p:sld xmlns:a="http://schemas.openxmlformats.org/drawingml/2006/main" xmlns:r="http://schemas.openxmlformats.org/officeDocument/2006/relationships" xmlns:p="http://schemas.openxmlformats.org/presentationml/2006/main">
   <p:cSld>
     <p:spTree>
@@ -7010,7 +8567,7 @@
 </p:sld>
 </file>
 
-<file path=ppt/slides/slide18.xml><?xml version="1.0" encoding="utf-8"?>
+<file path=ppt/slides/slide24.xml><?xml version="1.0" encoding="utf-8"?>
 <p:sld xmlns:a="http://schemas.openxmlformats.org/drawingml/2006/main" xmlns:r="http://schemas.openxmlformats.org/officeDocument/2006/relationships" xmlns:p="http://schemas.openxmlformats.org/presentationml/2006/main">
   <p:cSld>
     <p:spTree>
@@ -7264,7 +8821,7 @@
 </p:sld>
 </file>
 
-<file path=ppt/slides/slide19.xml><?xml version="1.0" encoding="utf-8"?>
+<file path=ppt/slides/slide25.xml><?xml version="1.0" encoding="utf-8"?>
 <p:sld xmlns:a="http://schemas.openxmlformats.org/drawingml/2006/main" xmlns:r="http://schemas.openxmlformats.org/officeDocument/2006/relationships" xmlns:p="http://schemas.openxmlformats.org/presentationml/2006/main">
   <p:cSld>
     <p:spTree>
@@ -7622,137 +9179,7 @@
 </p:sld>
 </file>
 
-<file path=ppt/slides/slide2.xml><?xml version="1.0" encoding="utf-8"?>
-<p:sld xmlns:a="http://schemas.openxmlformats.org/drawingml/2006/main" xmlns:r="http://schemas.openxmlformats.org/officeDocument/2006/relationships" xmlns:p="http://schemas.openxmlformats.org/presentationml/2006/main">
-  <p:cSld>
-    <p:spTree>
-      <p:nvGrpSpPr>
-        <p:cNvPr id="1" name=""/>
-        <p:cNvGrpSpPr/>
-        <p:nvPr/>
-      </p:nvGrpSpPr>
-      <p:grpSpPr>
-        <a:xfrm>
-          <a:off x="0" y="0"/>
-          <a:ext cx="0" cy="0"/>
-          <a:chOff x="0" y="0"/>
-          <a:chExt cx="0" cy="0"/>
-        </a:xfrm>
-      </p:grpSpPr>
-      <p:sp>
-        <p:nvSpPr>
-          <p:cNvPr id="2" name="タイトル 1"/>
-          <p:cNvSpPr>
-            <a:spLocks noGrp="1"/>
-          </p:cNvSpPr>
-          <p:nvPr>
-            <p:ph type="title"/>
-          </p:nvPr>
-        </p:nvSpPr>
-        <p:spPr>
-          <a:xfrm>
-            <a:off x="1435608" y="2852936"/>
-            <a:ext cx="7498080" cy="1143000"/>
-          </a:xfrm>
-        </p:spPr>
-        <p:txBody>
-          <a:bodyPr>
-            <a:normAutofit fontScale="90000"/>
-          </a:bodyPr>
-          <a:lstStyle/>
-          <a:p>
-            <a:r>
-              <a:rPr kumimoji="1" lang="ja-JP" altLang="en-US" sz="3600" dirty="0" smtClean="0">
-                <a:latin typeface="メイリオ" panose="020B0604030504040204" pitchFamily="50" charset="-128"/>
-                <a:ea typeface="メイリオ" panose="020B0604030504040204" pitchFamily="50" charset="-128"/>
-                <a:cs typeface="メイリオ" panose="020B0604030504040204" pitchFamily="50" charset="-128"/>
-              </a:rPr>
-              <a:t>第一部　</a:t>
-            </a:r>
-            <a:r>
-              <a:rPr kumimoji="1" lang="en-US" altLang="ja-JP" sz="3600" dirty="0" smtClean="0">
-                <a:latin typeface="メイリオ" panose="020B0604030504040204" pitchFamily="50" charset="-128"/>
-                <a:ea typeface="メイリオ" panose="020B0604030504040204" pitchFamily="50" charset="-128"/>
-                <a:cs typeface="メイリオ" panose="020B0604030504040204" pitchFamily="50" charset="-128"/>
-              </a:rPr>
-              <a:t>Vim</a:t>
-            </a:r>
-            <a:r>
-              <a:rPr kumimoji="1" lang="ja-JP" altLang="en-US" sz="3600" dirty="0" smtClean="0">
-                <a:latin typeface="メイリオ" panose="020B0604030504040204" pitchFamily="50" charset="-128"/>
-                <a:ea typeface="メイリオ" panose="020B0604030504040204" pitchFamily="50" charset="-128"/>
-                <a:cs typeface="メイリオ" panose="020B0604030504040204" pitchFamily="50" charset="-128"/>
-              </a:rPr>
-              <a:t>との出会い</a:t>
-            </a:r>
-            <a:r>
-              <a:rPr kumimoji="1" lang="en-US" altLang="ja-JP" sz="3600" dirty="0" smtClean="0">
-                <a:latin typeface="メイリオ" panose="020B0604030504040204" pitchFamily="50" charset="-128"/>
-                <a:ea typeface="メイリオ" panose="020B0604030504040204" pitchFamily="50" charset="-128"/>
-                <a:cs typeface="メイリオ" panose="020B0604030504040204" pitchFamily="50" charset="-128"/>
-              </a:rPr>
-              <a:t/>
-            </a:r>
-            <a:br>
-              <a:rPr kumimoji="1" lang="en-US" altLang="ja-JP" sz="3600" dirty="0" smtClean="0">
-                <a:latin typeface="メイリオ" panose="020B0604030504040204" pitchFamily="50" charset="-128"/>
-                <a:ea typeface="メイリオ" panose="020B0604030504040204" pitchFamily="50" charset="-128"/>
-                <a:cs typeface="メイリオ" panose="020B0604030504040204" pitchFamily="50" charset="-128"/>
-              </a:rPr>
-            </a:br>
-            <a:r>
-              <a:rPr kumimoji="1" lang="ja-JP" altLang="en-US" sz="3600" dirty="0" smtClean="0">
-                <a:latin typeface="メイリオ" panose="020B0604030504040204" pitchFamily="50" charset="-128"/>
-                <a:ea typeface="メイリオ" panose="020B0604030504040204" pitchFamily="50" charset="-128"/>
-                <a:cs typeface="メイリオ" panose="020B0604030504040204" pitchFamily="50" charset="-128"/>
-              </a:rPr>
-              <a:t>　　　　</a:t>
-            </a:r>
-            <a:r>
-              <a:rPr lang="ja-JP" altLang="en-US" sz="3600" dirty="0" smtClean="0">
-                <a:latin typeface="メイリオ" panose="020B0604030504040204" pitchFamily="50" charset="-128"/>
-                <a:ea typeface="メイリオ" panose="020B0604030504040204" pitchFamily="50" charset="-128"/>
-                <a:cs typeface="メイリオ" panose="020B0604030504040204" pitchFamily="50" charset="-128"/>
-              </a:rPr>
-              <a:t>～</a:t>
-            </a:r>
-            <a:r>
-              <a:rPr kumimoji="1" lang="ja-JP" altLang="en-US" sz="3600" dirty="0" smtClean="0">
-                <a:latin typeface="メイリオ" panose="020B0604030504040204" pitchFamily="50" charset="-128"/>
-                <a:ea typeface="メイリオ" panose="020B0604030504040204" pitchFamily="50" charset="-128"/>
-                <a:cs typeface="メイリオ" panose="020B0604030504040204" pitchFamily="50" charset="-128"/>
-              </a:rPr>
-              <a:t>コマンドプロンプト改造～</a:t>
-            </a:r>
-            <a:endParaRPr kumimoji="1" lang="ja-JP" altLang="en-US" sz="3600" dirty="0">
-              <a:latin typeface="メイリオ" panose="020B0604030504040204" pitchFamily="50" charset="-128"/>
-              <a:ea typeface="メイリオ" panose="020B0604030504040204" pitchFamily="50" charset="-128"/>
-              <a:cs typeface="メイリオ" panose="020B0604030504040204" pitchFamily="50" charset="-128"/>
-            </a:endParaRPr>
-          </a:p>
-        </p:txBody>
-      </p:sp>
-    </p:spTree>
-    <p:extLst>
-      <p:ext uri="{BB962C8B-B14F-4D97-AF65-F5344CB8AC3E}">
-        <p14:creationId xmlns:p14="http://schemas.microsoft.com/office/powerpoint/2010/main" val="2486749052"/>
-      </p:ext>
-    </p:extLst>
-  </p:cSld>
-  <p:clrMapOvr>
-    <a:masterClrMapping/>
-  </p:clrMapOvr>
-  <p:timing>
-    <p:tnLst>
-      <p:par>
-        <p:cTn id="1" dur="indefinite" restart="never" nodeType="tmRoot"/>
-      </p:par>
-    </p:tnLst>
-  </p:timing>
-</p:sld>
-</file>
-
-<file path=ppt/slides/slide20.xml><?xml version="1.0" encoding="utf-8"?>
+<file path=ppt/slides/slide26.xml><?xml version="1.0" encoding="utf-8"?>
 <p:sld xmlns:a="http://schemas.openxmlformats.org/drawingml/2006/main" xmlns:r="http://schemas.openxmlformats.org/officeDocument/2006/relationships" xmlns:p="http://schemas.openxmlformats.org/presentationml/2006/main">
   <p:cSld>
     <p:spTree>
@@ -8035,7 +9462,7 @@
 </p:sld>
 </file>
 
-<file path=ppt/slides/slide21.xml><?xml version="1.0" encoding="utf-8"?>
+<file path=ppt/slides/slide27.xml><?xml version="1.0" encoding="utf-8"?>
 <p:sld xmlns:a="http://schemas.openxmlformats.org/drawingml/2006/main" xmlns:r="http://schemas.openxmlformats.org/officeDocument/2006/relationships" xmlns:p="http://schemas.openxmlformats.org/presentationml/2006/main">
   <p:cSld>
     <p:spTree>
@@ -8416,7 +9843,7 @@
 </p:sld>
 </file>
 
-<file path=ppt/slides/slide22.xml><?xml version="1.0" encoding="utf-8"?>
+<file path=ppt/slides/slide28.xml><?xml version="1.0" encoding="utf-8"?>
 <p:sld xmlns:a="http://schemas.openxmlformats.org/drawingml/2006/main" xmlns:r="http://schemas.openxmlformats.org/officeDocument/2006/relationships" xmlns:p="http://schemas.openxmlformats.org/presentationml/2006/main">
   <p:cSld>
     <p:spTree>
@@ -8833,7 +10260,7 @@
 </p:sld>
 </file>
 
-<file path=ppt/slides/slide23.xml><?xml version="1.0" encoding="utf-8"?>
+<file path=ppt/slides/slide29.xml><?xml version="1.0" encoding="utf-8"?>
 <p:sld xmlns:a="http://schemas.openxmlformats.org/drawingml/2006/main" xmlns:r="http://schemas.openxmlformats.org/officeDocument/2006/relationships" xmlns:p="http://schemas.openxmlformats.org/presentationml/2006/main">
   <p:cSld>
     <p:spTree>
@@ -9094,678 +10521,6 @@
     <p:extLst>
       <p:ext uri="{BB962C8B-B14F-4D97-AF65-F5344CB8AC3E}">
         <p14:creationId xmlns:p14="http://schemas.microsoft.com/office/powerpoint/2010/main" val="868550525"/>
-      </p:ext>
-    </p:extLst>
-  </p:cSld>
-  <p:clrMapOvr>
-    <a:masterClrMapping/>
-  </p:clrMapOvr>
-</p:sld>
-</file>
-
-<file path=ppt/slides/slide24.xml><?xml version="1.0" encoding="utf-8"?>
-<p:sld xmlns:a="http://schemas.openxmlformats.org/drawingml/2006/main" xmlns:r="http://schemas.openxmlformats.org/officeDocument/2006/relationships" xmlns:p="http://schemas.openxmlformats.org/presentationml/2006/main">
-  <p:cSld>
-    <p:spTree>
-      <p:nvGrpSpPr>
-        <p:cNvPr id="1" name=""/>
-        <p:cNvGrpSpPr/>
-        <p:nvPr/>
-      </p:nvGrpSpPr>
-      <p:grpSpPr>
-        <a:xfrm>
-          <a:off x="0" y="0"/>
-          <a:ext cx="0" cy="0"/>
-          <a:chOff x="0" y="0"/>
-          <a:chExt cx="0" cy="0"/>
-        </a:xfrm>
-      </p:grpSpPr>
-      <p:sp>
-        <p:nvSpPr>
-          <p:cNvPr id="2" name="タイトル 1"/>
-          <p:cNvSpPr>
-            <a:spLocks noGrp="1"/>
-          </p:cNvSpPr>
-          <p:nvPr>
-            <p:ph type="title"/>
-          </p:nvPr>
-        </p:nvSpPr>
-        <p:spPr/>
-        <p:txBody>
-          <a:bodyPr/>
-          <a:lstStyle/>
-          <a:p>
-            <a:r>
-              <a:rPr kumimoji="1" lang="ja-JP" altLang="en-US" dirty="0" smtClean="0">
-                <a:latin typeface="メイリオ" panose="020B0604030504040204" pitchFamily="50" charset="-128"/>
-                <a:ea typeface="メイリオ" panose="020B0604030504040204" pitchFamily="50" charset="-128"/>
-                <a:cs typeface="メイリオ" panose="020B0604030504040204" pitchFamily="50" charset="-128"/>
-              </a:rPr>
-              <a:t>反省</a:t>
-            </a:r>
-            <a:endParaRPr kumimoji="1" lang="ja-JP" altLang="en-US" dirty="0">
-              <a:latin typeface="メイリオ" panose="020B0604030504040204" pitchFamily="50" charset="-128"/>
-              <a:ea typeface="メイリオ" panose="020B0604030504040204" pitchFamily="50" charset="-128"/>
-              <a:cs typeface="メイリオ" panose="020B0604030504040204" pitchFamily="50" charset="-128"/>
-            </a:endParaRPr>
-          </a:p>
-        </p:txBody>
-      </p:sp>
-      <p:sp>
-        <p:nvSpPr>
-          <p:cNvPr id="6" name="コンテンツ プレースホルダー 2"/>
-          <p:cNvSpPr>
-            <a:spLocks noGrp="1"/>
-          </p:cNvSpPr>
-          <p:nvPr>
-            <p:ph idx="1"/>
-          </p:nvPr>
-        </p:nvSpPr>
-        <p:spPr>
-          <a:xfrm>
-            <a:off x="1435608" y="1447800"/>
-            <a:ext cx="7498080" cy="5410200"/>
-          </a:xfrm>
-        </p:spPr>
-        <p:txBody>
-          <a:bodyPr>
-            <a:normAutofit/>
-          </a:bodyPr>
-          <a:lstStyle/>
-          <a:p>
-            <a:pPr marL="82296" indent="0">
-              <a:buNone/>
-            </a:pPr>
-            <a:r>
-              <a:rPr lang="ja-JP" altLang="en-US" dirty="0" smtClean="0">
-                <a:latin typeface="メイリオ" panose="020B0604030504040204" pitchFamily="50" charset="-128"/>
-                <a:ea typeface="メイリオ" panose="020B0604030504040204" pitchFamily="50" charset="-128"/>
-                <a:cs typeface="メイリオ" panose="020B0604030504040204" pitchFamily="50" charset="-128"/>
-              </a:rPr>
-              <a:t>ああ</a:t>
-            </a:r>
-            <a:endParaRPr lang="en-US" altLang="ja-JP" dirty="0" smtClean="0">
-              <a:latin typeface="メイリオ" panose="020B0604030504040204" pitchFamily="50" charset="-128"/>
-              <a:ea typeface="メイリオ" panose="020B0604030504040204" pitchFamily="50" charset="-128"/>
-              <a:cs typeface="メイリオ" panose="020B0604030504040204" pitchFamily="50" charset="-128"/>
-            </a:endParaRPr>
-          </a:p>
-        </p:txBody>
-      </p:sp>
-    </p:spTree>
-    <p:extLst>
-      <p:ext uri="{BB962C8B-B14F-4D97-AF65-F5344CB8AC3E}">
-        <p14:creationId xmlns:p14="http://schemas.microsoft.com/office/powerpoint/2010/main" val="3296658082"/>
-      </p:ext>
-    </p:extLst>
-  </p:cSld>
-  <p:clrMapOvr>
-    <a:masterClrMapping/>
-  </p:clrMapOvr>
-</p:sld>
-</file>
-
-<file path=ppt/slides/slide25.xml><?xml version="1.0" encoding="utf-8"?>
-<p:sld xmlns:a="http://schemas.openxmlformats.org/drawingml/2006/main" xmlns:r="http://schemas.openxmlformats.org/officeDocument/2006/relationships" xmlns:p="http://schemas.openxmlformats.org/presentationml/2006/main">
-  <p:cSld>
-    <p:spTree>
-      <p:nvGrpSpPr>
-        <p:cNvPr id="1" name=""/>
-        <p:cNvGrpSpPr/>
-        <p:nvPr/>
-      </p:nvGrpSpPr>
-      <p:grpSpPr>
-        <a:xfrm>
-          <a:off x="0" y="0"/>
-          <a:ext cx="0" cy="0"/>
-          <a:chOff x="0" y="0"/>
-          <a:chExt cx="0" cy="0"/>
-        </a:xfrm>
-      </p:grpSpPr>
-      <p:sp>
-        <p:nvSpPr>
-          <p:cNvPr id="2" name="タイトル 1"/>
-          <p:cNvSpPr>
-            <a:spLocks noGrp="1"/>
-          </p:cNvSpPr>
-          <p:nvPr>
-            <p:ph type="title"/>
-          </p:nvPr>
-        </p:nvSpPr>
-        <p:spPr/>
-        <p:txBody>
-          <a:bodyPr/>
-          <a:lstStyle/>
-          <a:p>
-            <a:r>
-              <a:rPr kumimoji="1" lang="ja-JP" altLang="en-US" dirty="0" smtClean="0">
-                <a:latin typeface="メイリオ" panose="020B0604030504040204" pitchFamily="50" charset="-128"/>
-                <a:ea typeface="メイリオ" panose="020B0604030504040204" pitchFamily="50" charset="-128"/>
-                <a:cs typeface="メイリオ" panose="020B0604030504040204" pitchFamily="50" charset="-128"/>
-              </a:rPr>
-              <a:t>参考サイト</a:t>
-            </a:r>
-            <a:endParaRPr kumimoji="1" lang="ja-JP" altLang="en-US" dirty="0">
-              <a:latin typeface="メイリオ" panose="020B0604030504040204" pitchFamily="50" charset="-128"/>
-              <a:ea typeface="メイリオ" panose="020B0604030504040204" pitchFamily="50" charset="-128"/>
-              <a:cs typeface="メイリオ" panose="020B0604030504040204" pitchFamily="50" charset="-128"/>
-            </a:endParaRPr>
-          </a:p>
-        </p:txBody>
-      </p:sp>
-      <p:sp>
-        <p:nvSpPr>
-          <p:cNvPr id="6" name="コンテンツ プレースホルダー 2"/>
-          <p:cNvSpPr>
-            <a:spLocks noGrp="1"/>
-          </p:cNvSpPr>
-          <p:nvPr>
-            <p:ph idx="1"/>
-          </p:nvPr>
-        </p:nvSpPr>
-        <p:spPr>
-          <a:xfrm>
-            <a:off x="1435608" y="1447800"/>
-            <a:ext cx="7498080" cy="5410200"/>
-          </a:xfrm>
-        </p:spPr>
-        <p:txBody>
-          <a:bodyPr>
-            <a:normAutofit/>
-          </a:bodyPr>
-          <a:lstStyle/>
-          <a:p>
-            <a:pPr marL="82296" indent="0">
-              <a:buNone/>
-            </a:pPr>
-            <a:r>
-              <a:rPr lang="ja-JP" altLang="en-US" sz="2400" dirty="0" smtClean="0">
-                <a:latin typeface="メイリオ" panose="020B0604030504040204" pitchFamily="50" charset="-128"/>
-                <a:ea typeface="メイリオ" panose="020B0604030504040204" pitchFamily="50" charset="-128"/>
-                <a:cs typeface="メイリオ" panose="020B0604030504040204" pitchFamily="50" charset="-128"/>
-              </a:rPr>
-              <a:t>いろいろ。</a:t>
-            </a:r>
-            <a:endParaRPr lang="en-US" altLang="ja-JP" sz="2400" dirty="0" smtClean="0">
-              <a:latin typeface="メイリオ" panose="020B0604030504040204" pitchFamily="50" charset="-128"/>
-              <a:ea typeface="メイリオ" panose="020B0604030504040204" pitchFamily="50" charset="-128"/>
-              <a:cs typeface="メイリオ" panose="020B0604030504040204" pitchFamily="50" charset="-128"/>
-            </a:endParaRPr>
-          </a:p>
-          <a:p>
-            <a:pPr marL="82296" indent="0">
-              <a:buNone/>
-            </a:pPr>
-            <a:endParaRPr lang="en-US" altLang="ja-JP" sz="2400" dirty="0">
-              <a:latin typeface="メイリオ" panose="020B0604030504040204" pitchFamily="50" charset="-128"/>
-              <a:ea typeface="メイリオ" panose="020B0604030504040204" pitchFamily="50" charset="-128"/>
-              <a:cs typeface="メイリオ" panose="020B0604030504040204" pitchFamily="50" charset="-128"/>
-            </a:endParaRPr>
-          </a:p>
-          <a:p>
-            <a:pPr marL="82296" indent="0">
-              <a:buNone/>
-            </a:pPr>
-            <a:endParaRPr lang="en-US" altLang="ja-JP" sz="2400" dirty="0" smtClean="0">
-              <a:latin typeface="メイリオ" panose="020B0604030504040204" pitchFamily="50" charset="-128"/>
-              <a:ea typeface="メイリオ" panose="020B0604030504040204" pitchFamily="50" charset="-128"/>
-              <a:cs typeface="メイリオ" panose="020B0604030504040204" pitchFamily="50" charset="-128"/>
-            </a:endParaRPr>
-          </a:p>
-          <a:p>
-            <a:pPr marL="82296" indent="0">
-              <a:buNone/>
-            </a:pPr>
-            <a:endParaRPr lang="en-US" altLang="ja-JP" sz="2400" dirty="0">
-              <a:latin typeface="メイリオ" panose="020B0604030504040204" pitchFamily="50" charset="-128"/>
-              <a:ea typeface="メイリオ" panose="020B0604030504040204" pitchFamily="50" charset="-128"/>
-              <a:cs typeface="メイリオ" panose="020B0604030504040204" pitchFamily="50" charset="-128"/>
-            </a:endParaRPr>
-          </a:p>
-          <a:p>
-            <a:pPr marL="82296" indent="0">
-              <a:buNone/>
-            </a:pPr>
-            <a:r>
-              <a:rPr lang="en-US" altLang="ja-JP" sz="2400" dirty="0" err="1">
-                <a:latin typeface="メイリオ" panose="020B0604030504040204" pitchFamily="50" charset="-128"/>
-                <a:ea typeface="メイリオ" panose="020B0604030504040204" pitchFamily="50" charset="-128"/>
-                <a:cs typeface="メイリオ" panose="020B0604030504040204" pitchFamily="50" charset="-128"/>
-              </a:rPr>
-              <a:t>NeoBundle</a:t>
-            </a:r>
-            <a:r>
-              <a:rPr lang="ja-JP" altLang="en-US" sz="2400" dirty="0">
-                <a:latin typeface="メイリオ" panose="020B0604030504040204" pitchFamily="50" charset="-128"/>
-                <a:ea typeface="メイリオ" panose="020B0604030504040204" pitchFamily="50" charset="-128"/>
-                <a:cs typeface="メイリオ" panose="020B0604030504040204" pitchFamily="50" charset="-128"/>
-              </a:rPr>
-              <a:t>による</a:t>
-            </a:r>
-            <a:r>
-              <a:rPr lang="en-US" altLang="ja-JP" sz="2400" dirty="0">
-                <a:latin typeface="メイリオ" panose="020B0604030504040204" pitchFamily="50" charset="-128"/>
-                <a:ea typeface="メイリオ" panose="020B0604030504040204" pitchFamily="50" charset="-128"/>
-                <a:cs typeface="メイリオ" panose="020B0604030504040204" pitchFamily="50" charset="-128"/>
-              </a:rPr>
-              <a:t>Vim</a:t>
-            </a:r>
-            <a:r>
-              <a:rPr lang="ja-JP" altLang="en-US" sz="2400" dirty="0">
-                <a:latin typeface="メイリオ" panose="020B0604030504040204" pitchFamily="50" charset="-128"/>
-                <a:ea typeface="メイリオ" panose="020B0604030504040204" pitchFamily="50" charset="-128"/>
-                <a:cs typeface="メイリオ" panose="020B0604030504040204" pitchFamily="50" charset="-128"/>
-              </a:rPr>
-              <a:t>プラグイン管理とおすすめ</a:t>
-            </a:r>
-            <a:r>
-              <a:rPr lang="ja-JP" altLang="en-US" sz="2400" dirty="0" smtClean="0">
-                <a:latin typeface="メイリオ" panose="020B0604030504040204" pitchFamily="50" charset="-128"/>
-                <a:ea typeface="メイリオ" panose="020B0604030504040204" pitchFamily="50" charset="-128"/>
-                <a:cs typeface="メイリオ" panose="020B0604030504040204" pitchFamily="50" charset="-128"/>
-              </a:rPr>
-              <a:t>プラグイン</a:t>
-            </a:r>
-            <a:endParaRPr lang="en-US" altLang="ja-JP" sz="2400" dirty="0" smtClean="0">
-              <a:latin typeface="メイリオ" panose="020B0604030504040204" pitchFamily="50" charset="-128"/>
-              <a:ea typeface="メイリオ" panose="020B0604030504040204" pitchFamily="50" charset="-128"/>
-              <a:cs typeface="メイリオ" panose="020B0604030504040204" pitchFamily="50" charset="-128"/>
-            </a:endParaRPr>
-          </a:p>
-          <a:p>
-            <a:pPr marL="82296" indent="0">
-              <a:buNone/>
-            </a:pPr>
-            <a:r>
-              <a:rPr lang="en-US" altLang="ja-JP" sz="2400" dirty="0">
-                <a:latin typeface="メイリオ" panose="020B0604030504040204" pitchFamily="50" charset="-128"/>
-                <a:ea typeface="メイリオ" panose="020B0604030504040204" pitchFamily="50" charset="-128"/>
-                <a:cs typeface="メイリオ" panose="020B0604030504040204" pitchFamily="50" charset="-128"/>
-                <a:hlinkClick r:id="rId2"/>
-              </a:rPr>
-              <a:t>http://catcher-in-the-tech.net/1063</a:t>
-            </a:r>
-            <a:r>
-              <a:rPr lang="en-US" altLang="ja-JP" sz="2400" dirty="0" smtClean="0">
-                <a:latin typeface="メイリオ" panose="020B0604030504040204" pitchFamily="50" charset="-128"/>
-                <a:ea typeface="メイリオ" panose="020B0604030504040204" pitchFamily="50" charset="-128"/>
-                <a:cs typeface="メイリオ" panose="020B0604030504040204" pitchFamily="50" charset="-128"/>
-                <a:hlinkClick r:id="rId2"/>
-              </a:rPr>
-              <a:t>/</a:t>
-            </a:r>
-            <a:endParaRPr lang="en-US" altLang="ja-JP" sz="2400" dirty="0" smtClean="0">
-              <a:latin typeface="メイリオ" panose="020B0604030504040204" pitchFamily="50" charset="-128"/>
-              <a:ea typeface="メイリオ" panose="020B0604030504040204" pitchFamily="50" charset="-128"/>
-              <a:cs typeface="メイリオ" panose="020B0604030504040204" pitchFamily="50" charset="-128"/>
-            </a:endParaRPr>
-          </a:p>
-          <a:p>
-            <a:pPr marL="82296" indent="0">
-              <a:buNone/>
-            </a:pPr>
-            <a:r>
-              <a:rPr lang="ja-JP" altLang="en-US" sz="2400" dirty="0" smtClean="0">
-                <a:latin typeface="メイリオ" panose="020B0604030504040204" pitchFamily="50" charset="-128"/>
-                <a:ea typeface="メイリオ" panose="020B0604030504040204" pitchFamily="50" charset="-128"/>
-                <a:cs typeface="メイリオ" panose="020B0604030504040204" pitchFamily="50" charset="-128"/>
-              </a:rPr>
-              <a:t>ぼくのかんがえたさいしょうの</a:t>
-            </a:r>
-            <a:r>
-              <a:rPr lang="en-US" altLang="ja-JP" sz="2400" dirty="0" err="1" smtClean="0">
-                <a:latin typeface="メイリオ" panose="020B0604030504040204" pitchFamily="50" charset="-128"/>
-                <a:ea typeface="メイリオ" panose="020B0604030504040204" pitchFamily="50" charset="-128"/>
-                <a:cs typeface="メイリオ" panose="020B0604030504040204" pitchFamily="50" charset="-128"/>
-              </a:rPr>
-              <a:t>vimrc</a:t>
-            </a:r>
-            <a:endParaRPr lang="en-US" altLang="ja-JP" sz="2400" dirty="0" smtClean="0">
-              <a:latin typeface="メイリオ" panose="020B0604030504040204" pitchFamily="50" charset="-128"/>
-              <a:ea typeface="メイリオ" panose="020B0604030504040204" pitchFamily="50" charset="-128"/>
-              <a:cs typeface="メイリオ" panose="020B0604030504040204" pitchFamily="50" charset="-128"/>
-            </a:endParaRPr>
-          </a:p>
-          <a:p>
-            <a:pPr marL="82296" indent="0">
-              <a:buNone/>
-            </a:pPr>
-            <a:r>
-              <a:rPr lang="en-US" altLang="ja-JP" sz="2400" dirty="0">
-                <a:latin typeface="メイリオ" panose="020B0604030504040204" pitchFamily="50" charset="-128"/>
-                <a:ea typeface="メイリオ" panose="020B0604030504040204" pitchFamily="50" charset="-128"/>
-                <a:cs typeface="メイリオ" panose="020B0604030504040204" pitchFamily="50" charset="-128"/>
-                <a:hlinkClick r:id="rId3"/>
-              </a:rPr>
-              <a:t>http://</a:t>
-            </a:r>
-            <a:r>
-              <a:rPr lang="en-US" altLang="ja-JP" sz="2400" dirty="0" smtClean="0">
-                <a:latin typeface="メイリオ" panose="020B0604030504040204" pitchFamily="50" charset="-128"/>
-                <a:ea typeface="メイリオ" panose="020B0604030504040204" pitchFamily="50" charset="-128"/>
-                <a:cs typeface="メイリオ" panose="020B0604030504040204" pitchFamily="50" charset="-128"/>
-                <a:hlinkClick r:id="rId3"/>
-              </a:rPr>
-              <a:t>deris.hatenablog.jp/entry/2014/05/20/235807</a:t>
-            </a:r>
-            <a:endParaRPr lang="en-US" altLang="ja-JP" sz="2400" dirty="0" smtClean="0">
-              <a:latin typeface="メイリオ" panose="020B0604030504040204" pitchFamily="50" charset="-128"/>
-              <a:ea typeface="メイリオ" panose="020B0604030504040204" pitchFamily="50" charset="-128"/>
-              <a:cs typeface="メイリオ" panose="020B0604030504040204" pitchFamily="50" charset="-128"/>
-            </a:endParaRPr>
-          </a:p>
-          <a:p>
-            <a:pPr marL="82296" indent="0">
-              <a:buNone/>
-            </a:pPr>
-            <a:endParaRPr lang="en-US" altLang="ja-JP" sz="2400" dirty="0" smtClean="0">
-              <a:latin typeface="メイリオ" panose="020B0604030504040204" pitchFamily="50" charset="-128"/>
-              <a:ea typeface="メイリオ" panose="020B0604030504040204" pitchFamily="50" charset="-128"/>
-              <a:cs typeface="メイリオ" panose="020B0604030504040204" pitchFamily="50" charset="-128"/>
-            </a:endParaRPr>
-          </a:p>
-        </p:txBody>
-      </p:sp>
-    </p:spTree>
-    <p:extLst>
-      <p:ext uri="{BB962C8B-B14F-4D97-AF65-F5344CB8AC3E}">
-        <p14:creationId xmlns:p14="http://schemas.microsoft.com/office/powerpoint/2010/main" val="3146739693"/>
-      </p:ext>
-    </p:extLst>
-  </p:cSld>
-  <p:clrMapOvr>
-    <a:masterClrMapping/>
-  </p:clrMapOvr>
-</p:sld>
-</file>
-
-<file path=ppt/slides/slide26.xml><?xml version="1.0" encoding="utf-8"?>
-<p:sld xmlns:a="http://schemas.openxmlformats.org/drawingml/2006/main" xmlns:r="http://schemas.openxmlformats.org/officeDocument/2006/relationships" xmlns:p="http://schemas.openxmlformats.org/presentationml/2006/main">
-  <p:cSld>
-    <p:spTree>
-      <p:nvGrpSpPr>
-        <p:cNvPr id="1" name=""/>
-        <p:cNvGrpSpPr/>
-        <p:nvPr/>
-      </p:nvGrpSpPr>
-      <p:grpSpPr>
-        <a:xfrm>
-          <a:off x="0" y="0"/>
-          <a:ext cx="0" cy="0"/>
-          <a:chOff x="0" y="0"/>
-          <a:chExt cx="0" cy="0"/>
-        </a:xfrm>
-      </p:grpSpPr>
-      <p:sp>
-        <p:nvSpPr>
-          <p:cNvPr id="3" name="コンテンツ プレースホルダー 2"/>
-          <p:cNvSpPr>
-            <a:spLocks noGrp="1"/>
-          </p:cNvSpPr>
-          <p:nvPr>
-            <p:ph idx="1"/>
-          </p:nvPr>
-        </p:nvSpPr>
-        <p:spPr>
-          <a:xfrm>
-            <a:off x="1435608" y="3068960"/>
-            <a:ext cx="7498080" cy="3179440"/>
-          </a:xfrm>
-        </p:spPr>
-        <p:txBody>
-          <a:bodyPr>
-            <a:normAutofit/>
-          </a:bodyPr>
-          <a:lstStyle/>
-          <a:p>
-            <a:pPr marL="82296" indent="0">
-              <a:buNone/>
-            </a:pPr>
-            <a:r>
-              <a:rPr kumimoji="1" lang="ja-JP" altLang="en-US" sz="3600" dirty="0" smtClean="0">
-                <a:latin typeface="メイリオ" panose="020B0604030504040204" pitchFamily="50" charset="-128"/>
-                <a:ea typeface="メイリオ" panose="020B0604030504040204" pitchFamily="50" charset="-128"/>
-                <a:cs typeface="メイリオ" panose="020B0604030504040204" pitchFamily="50" charset="-128"/>
-              </a:rPr>
-              <a:t>ご清聴ありがとうございました</a:t>
-            </a:r>
-            <a:endParaRPr kumimoji="1" lang="ja-JP" altLang="en-US" sz="3600" dirty="0">
-              <a:latin typeface="メイリオ" panose="020B0604030504040204" pitchFamily="50" charset="-128"/>
-              <a:ea typeface="メイリオ" panose="020B0604030504040204" pitchFamily="50" charset="-128"/>
-              <a:cs typeface="メイリオ" panose="020B0604030504040204" pitchFamily="50" charset="-128"/>
-            </a:endParaRPr>
-          </a:p>
-        </p:txBody>
-      </p:sp>
-      <p:sp>
-        <p:nvSpPr>
-          <p:cNvPr id="4" name="タイトル 3"/>
-          <p:cNvSpPr>
-            <a:spLocks noGrp="1"/>
-          </p:cNvSpPr>
-          <p:nvPr>
-            <p:ph type="title"/>
-          </p:nvPr>
-        </p:nvSpPr>
-        <p:spPr/>
-        <p:txBody>
-          <a:bodyPr/>
-          <a:lstStyle/>
-          <a:p>
-            <a:endParaRPr kumimoji="1" lang="ja-JP" altLang="en-US">
-              <a:latin typeface="メイリオ" panose="020B0604030504040204" pitchFamily="50" charset="-128"/>
-              <a:ea typeface="メイリオ" panose="020B0604030504040204" pitchFamily="50" charset="-128"/>
-              <a:cs typeface="メイリオ" panose="020B0604030504040204" pitchFamily="50" charset="-128"/>
-            </a:endParaRPr>
-          </a:p>
-        </p:txBody>
-      </p:sp>
-    </p:spTree>
-    <p:extLst>
-      <p:ext uri="{BB962C8B-B14F-4D97-AF65-F5344CB8AC3E}">
-        <p14:creationId xmlns:p14="http://schemas.microsoft.com/office/powerpoint/2010/main" val="2805364914"/>
-      </p:ext>
-    </p:extLst>
-  </p:cSld>
-  <p:clrMapOvr>
-    <a:masterClrMapping/>
-  </p:clrMapOvr>
-</p:sld>
-</file>
-
-<file path=ppt/slides/slide27.xml><?xml version="1.0" encoding="utf-8"?>
-<p:sld xmlns:a="http://schemas.openxmlformats.org/drawingml/2006/main" xmlns:r="http://schemas.openxmlformats.org/officeDocument/2006/relationships" xmlns:p="http://schemas.openxmlformats.org/presentationml/2006/main">
-  <p:cSld>
-    <p:spTree>
-      <p:nvGrpSpPr>
-        <p:cNvPr id="1" name=""/>
-        <p:cNvGrpSpPr/>
-        <p:nvPr/>
-      </p:nvGrpSpPr>
-      <p:grpSpPr>
-        <a:xfrm>
-          <a:off x="0" y="0"/>
-          <a:ext cx="0" cy="0"/>
-          <a:chOff x="0" y="0"/>
-          <a:chExt cx="0" cy="0"/>
-        </a:xfrm>
-      </p:grpSpPr>
-      <p:sp>
-        <p:nvSpPr>
-          <p:cNvPr id="2" name="タイトル 1"/>
-          <p:cNvSpPr>
-            <a:spLocks noGrp="1"/>
-          </p:cNvSpPr>
-          <p:nvPr>
-            <p:ph type="title"/>
-          </p:nvPr>
-        </p:nvSpPr>
-        <p:spPr/>
-        <p:txBody>
-          <a:bodyPr/>
-          <a:lstStyle/>
-          <a:p>
-            <a:r>
-              <a:rPr kumimoji="1" lang="ja-JP" altLang="en-US" dirty="0" smtClean="0">
-                <a:latin typeface="メイリオ" panose="020B0604030504040204" pitchFamily="50" charset="-128"/>
-                <a:ea typeface="メイリオ" panose="020B0604030504040204" pitchFamily="50" charset="-128"/>
-                <a:cs typeface="メイリオ" panose="020B0604030504040204" pitchFamily="50" charset="-128"/>
-              </a:rPr>
-              <a:t>おまけ</a:t>
-            </a:r>
-            <a:endParaRPr kumimoji="1" lang="ja-JP" altLang="en-US" dirty="0">
-              <a:latin typeface="メイリオ" panose="020B0604030504040204" pitchFamily="50" charset="-128"/>
-              <a:ea typeface="メイリオ" panose="020B0604030504040204" pitchFamily="50" charset="-128"/>
-              <a:cs typeface="メイリオ" panose="020B0604030504040204" pitchFamily="50" charset="-128"/>
-            </a:endParaRPr>
-          </a:p>
-        </p:txBody>
-      </p:sp>
-      <p:sp>
-        <p:nvSpPr>
-          <p:cNvPr id="6" name="コンテンツ プレースホルダー 2"/>
-          <p:cNvSpPr>
-            <a:spLocks noGrp="1"/>
-          </p:cNvSpPr>
-          <p:nvPr>
-            <p:ph idx="1"/>
-          </p:nvPr>
-        </p:nvSpPr>
-        <p:spPr>
-          <a:xfrm>
-            <a:off x="1403648" y="1412776"/>
-            <a:ext cx="7498080" cy="5410200"/>
-          </a:xfrm>
-        </p:spPr>
-        <p:txBody>
-          <a:bodyPr>
-            <a:normAutofit/>
-          </a:bodyPr>
-          <a:lstStyle/>
-          <a:p>
-            <a:pPr marL="82296" indent="0">
-              <a:buNone/>
-            </a:pPr>
-            <a:r>
-              <a:rPr lang="ja-JP" altLang="en-US" dirty="0" smtClean="0">
-                <a:latin typeface="メイリオ" panose="020B0604030504040204" pitchFamily="50" charset="-128"/>
-                <a:ea typeface="メイリオ" panose="020B0604030504040204" pitchFamily="50" charset="-128"/>
-                <a:cs typeface="メイリオ" panose="020B0604030504040204" pitchFamily="50" charset="-128"/>
-              </a:rPr>
-              <a:t>・</a:t>
-            </a:r>
-            <a:r>
-              <a:rPr lang="en-US" altLang="ja-JP" dirty="0" err="1" smtClean="0">
-                <a:latin typeface="メイリオ" panose="020B0604030504040204" pitchFamily="50" charset="-128"/>
-                <a:ea typeface="メイリオ" panose="020B0604030504040204" pitchFamily="50" charset="-128"/>
-                <a:cs typeface="メイリオ" panose="020B0604030504040204" pitchFamily="50" charset="-128"/>
-              </a:rPr>
-              <a:t>AutoHotkey</a:t>
-            </a:r>
-            <a:r>
-              <a:rPr lang="ja-JP" altLang="en-US" dirty="0" smtClean="0">
-                <a:latin typeface="メイリオ" panose="020B0604030504040204" pitchFamily="50" charset="-128"/>
-                <a:ea typeface="メイリオ" panose="020B0604030504040204" pitchFamily="50" charset="-128"/>
-                <a:cs typeface="メイリオ" panose="020B0604030504040204" pitchFamily="50" charset="-128"/>
-              </a:rPr>
-              <a:t>でマカー向け設定</a:t>
-            </a:r>
-            <a:endParaRPr lang="en-US" altLang="ja-JP" dirty="0" smtClean="0">
-              <a:latin typeface="メイリオ" panose="020B0604030504040204" pitchFamily="50" charset="-128"/>
-              <a:ea typeface="メイリオ" panose="020B0604030504040204" pitchFamily="50" charset="-128"/>
-              <a:cs typeface="メイリオ" panose="020B0604030504040204" pitchFamily="50" charset="-128"/>
-            </a:endParaRPr>
-          </a:p>
-          <a:p>
-            <a:pPr marL="82296" indent="0">
-              <a:buNone/>
-            </a:pPr>
-            <a:endParaRPr lang="en-US" altLang="ja-JP" dirty="0">
-              <a:latin typeface="メイリオ" panose="020B0604030504040204" pitchFamily="50" charset="-128"/>
-              <a:ea typeface="メイリオ" panose="020B0604030504040204" pitchFamily="50" charset="-128"/>
-              <a:cs typeface="メイリオ" panose="020B0604030504040204" pitchFamily="50" charset="-128"/>
-            </a:endParaRPr>
-          </a:p>
-          <a:p>
-            <a:pPr marL="82296" indent="0">
-              <a:buNone/>
-            </a:pPr>
-            <a:r>
-              <a:rPr lang="ja-JP" altLang="en-US" dirty="0" smtClean="0">
-                <a:latin typeface="メイリオ" panose="020B0604030504040204" pitchFamily="50" charset="-128"/>
-                <a:ea typeface="メイリオ" panose="020B0604030504040204" pitchFamily="50" charset="-128"/>
-                <a:cs typeface="メイリオ" panose="020B0604030504040204" pitchFamily="50" charset="-128"/>
-              </a:rPr>
-              <a:t>・等幅メイリオ・フォントリンク</a:t>
-            </a:r>
-            <a:endParaRPr lang="en-US" altLang="ja-JP" dirty="0" smtClean="0">
-              <a:latin typeface="メイリオ" panose="020B0604030504040204" pitchFamily="50" charset="-128"/>
-              <a:ea typeface="メイリオ" panose="020B0604030504040204" pitchFamily="50" charset="-128"/>
-              <a:cs typeface="メイリオ" panose="020B0604030504040204" pitchFamily="50" charset="-128"/>
-            </a:endParaRPr>
-          </a:p>
-          <a:p>
-            <a:pPr marL="82296" indent="0">
-              <a:buNone/>
-            </a:pPr>
-            <a:r>
-              <a:rPr lang="en-US" altLang="ja-JP" dirty="0">
-                <a:latin typeface="メイリオ" panose="020B0604030504040204" pitchFamily="50" charset="-128"/>
-                <a:ea typeface="メイリオ" panose="020B0604030504040204" pitchFamily="50" charset="-128"/>
-                <a:cs typeface="メイリオ" panose="020B0604030504040204" pitchFamily="50" charset="-128"/>
-                <a:hlinkClick r:id="rId2"/>
-              </a:rPr>
-              <a:t>http://</a:t>
-            </a:r>
-            <a:r>
-              <a:rPr lang="en-US" altLang="ja-JP" dirty="0" smtClean="0">
-                <a:latin typeface="メイリオ" panose="020B0604030504040204" pitchFamily="50" charset="-128"/>
-                <a:ea typeface="メイリオ" panose="020B0604030504040204" pitchFamily="50" charset="-128"/>
-                <a:cs typeface="メイリオ" panose="020B0604030504040204" pitchFamily="50" charset="-128"/>
-                <a:hlinkClick r:id="rId2"/>
-              </a:rPr>
-              <a:t>www.progresslog.net/windows-font-inconsolata-meiryoke-rink</a:t>
-            </a:r>
-            <a:endParaRPr lang="en-US" altLang="ja-JP" dirty="0" smtClean="0">
-              <a:latin typeface="メイリオ" panose="020B0604030504040204" pitchFamily="50" charset="-128"/>
-              <a:ea typeface="メイリオ" panose="020B0604030504040204" pitchFamily="50" charset="-128"/>
-              <a:cs typeface="メイリオ" panose="020B0604030504040204" pitchFamily="50" charset="-128"/>
-            </a:endParaRPr>
-          </a:p>
-          <a:p>
-            <a:pPr marL="82296" indent="0">
-              <a:buNone/>
-            </a:pPr>
-            <a:endParaRPr lang="en-US" altLang="ja-JP" dirty="0">
-              <a:latin typeface="メイリオ" panose="020B0604030504040204" pitchFamily="50" charset="-128"/>
-              <a:ea typeface="メイリオ" panose="020B0604030504040204" pitchFamily="50" charset="-128"/>
-              <a:cs typeface="メイリオ" panose="020B0604030504040204" pitchFamily="50" charset="-128"/>
-            </a:endParaRPr>
-          </a:p>
-          <a:p>
-            <a:pPr marL="82296" indent="0">
-              <a:buNone/>
-            </a:pPr>
-            <a:r>
-              <a:rPr lang="ja-JP" altLang="en-US" dirty="0" smtClean="0">
-                <a:latin typeface="メイリオ" panose="020B0604030504040204" pitchFamily="50" charset="-128"/>
-                <a:ea typeface="メイリオ" panose="020B0604030504040204" pitchFamily="50" charset="-128"/>
-                <a:cs typeface="メイリオ" panose="020B0604030504040204" pitchFamily="50" charset="-128"/>
-              </a:rPr>
-              <a:t>・なにがし</a:t>
-            </a:r>
-            <a:endParaRPr lang="en-US" altLang="ja-JP" dirty="0" smtClean="0">
-              <a:latin typeface="メイリオ" panose="020B0604030504040204" pitchFamily="50" charset="-128"/>
-              <a:ea typeface="メイリオ" panose="020B0604030504040204" pitchFamily="50" charset="-128"/>
-              <a:cs typeface="メイリオ" panose="020B0604030504040204" pitchFamily="50" charset="-128"/>
-            </a:endParaRPr>
-          </a:p>
-        </p:txBody>
-      </p:sp>
-    </p:spTree>
-    <p:extLst>
-      <p:ext uri="{BB962C8B-B14F-4D97-AF65-F5344CB8AC3E}">
-        <p14:creationId xmlns:p14="http://schemas.microsoft.com/office/powerpoint/2010/main" val="1080911360"/>
       </p:ext>
     </p:extLst>
   </p:cSld>
@@ -9936,7 +10691,15 @@
                 <a:ea typeface="メイリオ" panose="020B0604030504040204" pitchFamily="50" charset="-128"/>
                 <a:cs typeface="メイリオ" panose="020B0604030504040204" pitchFamily="50" charset="-128"/>
               </a:rPr>
-              <a:t>業務で</a:t>
+              <a:t>一時期、業務</a:t>
+            </a:r>
+            <a:r>
+              <a:rPr lang="ja-JP" altLang="en-US" dirty="0" smtClean="0">
+                <a:latin typeface="メイリオ" panose="020B0604030504040204" pitchFamily="50" charset="-128"/>
+                <a:ea typeface="メイリオ" panose="020B0604030504040204" pitchFamily="50" charset="-128"/>
+                <a:cs typeface="メイリオ" panose="020B0604030504040204" pitchFamily="50" charset="-128"/>
+              </a:rPr>
+              <a:t>で</a:t>
             </a:r>
             <a:r>
               <a:rPr lang="en-US" altLang="ja-JP" dirty="0" err="1" smtClean="0">
@@ -10142,6 +10905,715 @@
       </p:par>
     </p:tnLst>
   </p:timing>
+</p:sld>
+</file>
+
+<file path=ppt/slides/slide30.xml><?xml version="1.0" encoding="utf-8"?>
+<p:sld xmlns:a="http://schemas.openxmlformats.org/drawingml/2006/main" xmlns:r="http://schemas.openxmlformats.org/officeDocument/2006/relationships" xmlns:p="http://schemas.openxmlformats.org/presentationml/2006/main">
+  <p:cSld>
+    <p:spTree>
+      <p:nvGrpSpPr>
+        <p:cNvPr id="1" name=""/>
+        <p:cNvGrpSpPr/>
+        <p:nvPr/>
+      </p:nvGrpSpPr>
+      <p:grpSpPr>
+        <a:xfrm>
+          <a:off x="0" y="0"/>
+          <a:ext cx="0" cy="0"/>
+          <a:chOff x="0" y="0"/>
+          <a:chExt cx="0" cy="0"/>
+        </a:xfrm>
+      </p:grpSpPr>
+      <p:sp>
+        <p:nvSpPr>
+          <p:cNvPr id="2" name="タイトル 1"/>
+          <p:cNvSpPr>
+            <a:spLocks noGrp="1"/>
+          </p:cNvSpPr>
+          <p:nvPr>
+            <p:ph type="title"/>
+          </p:nvPr>
+        </p:nvSpPr>
+        <p:spPr/>
+        <p:txBody>
+          <a:bodyPr/>
+          <a:lstStyle/>
+          <a:p>
+            <a:r>
+              <a:rPr kumimoji="1" lang="ja-JP" altLang="en-US" dirty="0" smtClean="0">
+                <a:latin typeface="メイリオ" panose="020B0604030504040204" pitchFamily="50" charset="-128"/>
+                <a:ea typeface="メイリオ" panose="020B0604030504040204" pitchFamily="50" charset="-128"/>
+                <a:cs typeface="メイリオ" panose="020B0604030504040204" pitchFamily="50" charset="-128"/>
+              </a:rPr>
+              <a:t>反省</a:t>
+            </a:r>
+            <a:endParaRPr kumimoji="1" lang="ja-JP" altLang="en-US" dirty="0">
+              <a:latin typeface="メイリオ" panose="020B0604030504040204" pitchFamily="50" charset="-128"/>
+              <a:ea typeface="メイリオ" panose="020B0604030504040204" pitchFamily="50" charset="-128"/>
+              <a:cs typeface="メイリオ" panose="020B0604030504040204" pitchFamily="50" charset="-128"/>
+            </a:endParaRPr>
+          </a:p>
+        </p:txBody>
+      </p:sp>
+      <p:sp>
+        <p:nvSpPr>
+          <p:cNvPr id="6" name="コンテンツ プレースホルダー 2"/>
+          <p:cNvSpPr>
+            <a:spLocks noGrp="1"/>
+          </p:cNvSpPr>
+          <p:nvPr>
+            <p:ph idx="1"/>
+          </p:nvPr>
+        </p:nvSpPr>
+        <p:spPr>
+          <a:xfrm>
+            <a:off x="1435608" y="1447800"/>
+            <a:ext cx="7498080" cy="5410200"/>
+          </a:xfrm>
+        </p:spPr>
+        <p:txBody>
+          <a:bodyPr>
+            <a:normAutofit/>
+          </a:bodyPr>
+          <a:lstStyle/>
+          <a:p>
+            <a:pPr marL="82296" indent="0">
+              <a:buNone/>
+            </a:pPr>
+            <a:r>
+              <a:rPr lang="ja-JP" altLang="en-US" dirty="0" smtClean="0">
+                <a:latin typeface="メイリオ" panose="020B0604030504040204" pitchFamily="50" charset="-128"/>
+                <a:ea typeface="メイリオ" panose="020B0604030504040204" pitchFamily="50" charset="-128"/>
+                <a:cs typeface="メイリオ" panose="020B0604030504040204" pitchFamily="50" charset="-128"/>
+              </a:rPr>
+              <a:t>ああ</a:t>
+            </a:r>
+            <a:endParaRPr lang="en-US" altLang="ja-JP" dirty="0" smtClean="0">
+              <a:latin typeface="メイリオ" panose="020B0604030504040204" pitchFamily="50" charset="-128"/>
+              <a:ea typeface="メイリオ" panose="020B0604030504040204" pitchFamily="50" charset="-128"/>
+              <a:cs typeface="メイリオ" panose="020B0604030504040204" pitchFamily="50" charset="-128"/>
+            </a:endParaRPr>
+          </a:p>
+        </p:txBody>
+      </p:sp>
+    </p:spTree>
+    <p:extLst>
+      <p:ext uri="{BB962C8B-B14F-4D97-AF65-F5344CB8AC3E}">
+        <p14:creationId xmlns:p14="http://schemas.microsoft.com/office/powerpoint/2010/main" val="3296658082"/>
+      </p:ext>
+    </p:extLst>
+  </p:cSld>
+  <p:clrMapOvr>
+    <a:masterClrMapping/>
+  </p:clrMapOvr>
+</p:sld>
+</file>
+
+<file path=ppt/slides/slide31.xml><?xml version="1.0" encoding="utf-8"?>
+<p:sld xmlns:a="http://schemas.openxmlformats.org/drawingml/2006/main" xmlns:r="http://schemas.openxmlformats.org/officeDocument/2006/relationships" xmlns:p="http://schemas.openxmlformats.org/presentationml/2006/main">
+  <p:cSld>
+    <p:spTree>
+      <p:nvGrpSpPr>
+        <p:cNvPr id="1" name=""/>
+        <p:cNvGrpSpPr/>
+        <p:nvPr/>
+      </p:nvGrpSpPr>
+      <p:grpSpPr>
+        <a:xfrm>
+          <a:off x="0" y="0"/>
+          <a:ext cx="0" cy="0"/>
+          <a:chOff x="0" y="0"/>
+          <a:chExt cx="0" cy="0"/>
+        </a:xfrm>
+      </p:grpSpPr>
+      <p:sp>
+        <p:nvSpPr>
+          <p:cNvPr id="2" name="タイトル 1"/>
+          <p:cNvSpPr>
+            <a:spLocks noGrp="1"/>
+          </p:cNvSpPr>
+          <p:nvPr>
+            <p:ph type="title"/>
+          </p:nvPr>
+        </p:nvSpPr>
+        <p:spPr/>
+        <p:txBody>
+          <a:bodyPr/>
+          <a:lstStyle/>
+          <a:p>
+            <a:r>
+              <a:rPr kumimoji="1" lang="ja-JP" altLang="en-US" dirty="0" smtClean="0">
+                <a:latin typeface="メイリオ" panose="020B0604030504040204" pitchFamily="50" charset="-128"/>
+                <a:ea typeface="メイリオ" panose="020B0604030504040204" pitchFamily="50" charset="-128"/>
+                <a:cs typeface="メイリオ" panose="020B0604030504040204" pitchFamily="50" charset="-128"/>
+              </a:rPr>
+              <a:t>参考サイト</a:t>
+            </a:r>
+            <a:endParaRPr kumimoji="1" lang="ja-JP" altLang="en-US" dirty="0">
+              <a:latin typeface="メイリオ" panose="020B0604030504040204" pitchFamily="50" charset="-128"/>
+              <a:ea typeface="メイリオ" panose="020B0604030504040204" pitchFamily="50" charset="-128"/>
+              <a:cs typeface="メイリオ" panose="020B0604030504040204" pitchFamily="50" charset="-128"/>
+            </a:endParaRPr>
+          </a:p>
+        </p:txBody>
+      </p:sp>
+      <p:sp>
+        <p:nvSpPr>
+          <p:cNvPr id="6" name="コンテンツ プレースホルダー 2"/>
+          <p:cNvSpPr>
+            <a:spLocks noGrp="1"/>
+          </p:cNvSpPr>
+          <p:nvPr>
+            <p:ph idx="1"/>
+          </p:nvPr>
+        </p:nvSpPr>
+        <p:spPr>
+          <a:xfrm>
+            <a:off x="1435608" y="1447800"/>
+            <a:ext cx="7498080" cy="5410200"/>
+          </a:xfrm>
+        </p:spPr>
+        <p:txBody>
+          <a:bodyPr>
+            <a:normAutofit/>
+          </a:bodyPr>
+          <a:lstStyle/>
+          <a:p>
+            <a:pPr marL="82296" indent="0">
+              <a:buNone/>
+            </a:pPr>
+            <a:r>
+              <a:rPr lang="en-US" altLang="ja-JP" sz="2400" dirty="0" smtClean="0">
+                <a:latin typeface="メイリオ" panose="020B0604030504040204" pitchFamily="50" charset="-128"/>
+                <a:ea typeface="メイリオ" panose="020B0604030504040204" pitchFamily="50" charset="-128"/>
+                <a:cs typeface="メイリオ" panose="020B0604030504040204" pitchFamily="50" charset="-128"/>
+              </a:rPr>
+              <a:t>Learn Vim Progressively</a:t>
+            </a:r>
+            <a:endParaRPr lang="en-US" altLang="ja-JP" sz="2400" dirty="0" smtClean="0">
+              <a:latin typeface="メイリオ" panose="020B0604030504040204" pitchFamily="50" charset="-128"/>
+              <a:ea typeface="メイリオ" panose="020B0604030504040204" pitchFamily="50" charset="-128"/>
+              <a:cs typeface="メイリオ" panose="020B0604030504040204" pitchFamily="50" charset="-128"/>
+            </a:endParaRPr>
+          </a:p>
+          <a:p>
+            <a:pPr marL="82296" indent="0">
+              <a:buNone/>
+            </a:pPr>
+            <a:r>
+              <a:rPr lang="en-US" altLang="ja-JP" sz="2000" dirty="0" smtClean="0">
+                <a:latin typeface="メイリオ" panose="020B0604030504040204" pitchFamily="50" charset="-128"/>
+                <a:ea typeface="メイリオ" panose="020B0604030504040204" pitchFamily="50" charset="-128"/>
+                <a:cs typeface="メイリオ" panose="020B0604030504040204" pitchFamily="50" charset="-128"/>
+                <a:hlinkClick r:id="rId2"/>
+              </a:rPr>
+              <a:t>http</a:t>
+            </a:r>
+            <a:r>
+              <a:rPr lang="en-US" altLang="ja-JP" sz="2000" dirty="0">
+                <a:latin typeface="メイリオ" panose="020B0604030504040204" pitchFamily="50" charset="-128"/>
+                <a:ea typeface="メイリオ" panose="020B0604030504040204" pitchFamily="50" charset="-128"/>
+                <a:cs typeface="メイリオ" panose="020B0604030504040204" pitchFamily="50" charset="-128"/>
+                <a:hlinkClick r:id="rId2"/>
+              </a:rPr>
+              <a:t>://</a:t>
+            </a:r>
+            <a:r>
+              <a:rPr lang="en-US" altLang="ja-JP" sz="2000" dirty="0" smtClean="0">
+                <a:latin typeface="メイリオ" panose="020B0604030504040204" pitchFamily="50" charset="-128"/>
+                <a:ea typeface="メイリオ" panose="020B0604030504040204" pitchFamily="50" charset="-128"/>
+                <a:cs typeface="メイリオ" panose="020B0604030504040204" pitchFamily="50" charset="-128"/>
+                <a:hlinkClick r:id="rId2"/>
+              </a:rPr>
+              <a:t>mattn.kaoriya.net/software/vim/20110902125512.htm</a:t>
+            </a:r>
+            <a:endParaRPr lang="en-US" altLang="ja-JP" sz="2000" dirty="0" smtClean="0">
+              <a:latin typeface="メイリオ" panose="020B0604030504040204" pitchFamily="50" charset="-128"/>
+              <a:ea typeface="メイリオ" panose="020B0604030504040204" pitchFamily="50" charset="-128"/>
+              <a:cs typeface="メイリオ" panose="020B0604030504040204" pitchFamily="50" charset="-128"/>
+            </a:endParaRPr>
+          </a:p>
+          <a:p>
+            <a:pPr marL="82296" indent="0">
+              <a:buNone/>
+            </a:pPr>
+            <a:endParaRPr lang="en-US" altLang="ja-JP" sz="2400" dirty="0">
+              <a:latin typeface="メイリオ" panose="020B0604030504040204" pitchFamily="50" charset="-128"/>
+              <a:ea typeface="メイリオ" panose="020B0604030504040204" pitchFamily="50" charset="-128"/>
+              <a:cs typeface="メイリオ" panose="020B0604030504040204" pitchFamily="50" charset="-128"/>
+            </a:endParaRPr>
+          </a:p>
+          <a:p>
+            <a:pPr marL="82296" indent="0">
+              <a:buNone/>
+            </a:pPr>
+            <a:endParaRPr lang="en-US" altLang="ja-JP" sz="2400" dirty="0" smtClean="0">
+              <a:latin typeface="メイリオ" panose="020B0604030504040204" pitchFamily="50" charset="-128"/>
+              <a:ea typeface="メイリオ" panose="020B0604030504040204" pitchFamily="50" charset="-128"/>
+              <a:cs typeface="メイリオ" panose="020B0604030504040204" pitchFamily="50" charset="-128"/>
+            </a:endParaRPr>
+          </a:p>
+          <a:p>
+            <a:pPr marL="82296" indent="0">
+              <a:buNone/>
+            </a:pPr>
+            <a:endParaRPr lang="en-US" altLang="ja-JP" sz="2400" dirty="0">
+              <a:latin typeface="メイリオ" panose="020B0604030504040204" pitchFamily="50" charset="-128"/>
+              <a:ea typeface="メイリオ" panose="020B0604030504040204" pitchFamily="50" charset="-128"/>
+              <a:cs typeface="メイリオ" panose="020B0604030504040204" pitchFamily="50" charset="-128"/>
+            </a:endParaRPr>
+          </a:p>
+          <a:p>
+            <a:pPr marL="82296" indent="0">
+              <a:buNone/>
+            </a:pPr>
+            <a:r>
+              <a:rPr lang="en-US" altLang="ja-JP" sz="2400" dirty="0" err="1">
+                <a:latin typeface="メイリオ" panose="020B0604030504040204" pitchFamily="50" charset="-128"/>
+                <a:ea typeface="メイリオ" panose="020B0604030504040204" pitchFamily="50" charset="-128"/>
+                <a:cs typeface="メイリオ" panose="020B0604030504040204" pitchFamily="50" charset="-128"/>
+              </a:rPr>
+              <a:t>NeoBundle</a:t>
+            </a:r>
+            <a:r>
+              <a:rPr lang="ja-JP" altLang="en-US" sz="2400" dirty="0">
+                <a:latin typeface="メイリオ" panose="020B0604030504040204" pitchFamily="50" charset="-128"/>
+                <a:ea typeface="メイリオ" panose="020B0604030504040204" pitchFamily="50" charset="-128"/>
+                <a:cs typeface="メイリオ" panose="020B0604030504040204" pitchFamily="50" charset="-128"/>
+              </a:rPr>
+              <a:t>による</a:t>
+            </a:r>
+            <a:r>
+              <a:rPr lang="en-US" altLang="ja-JP" sz="2400" dirty="0">
+                <a:latin typeface="メイリオ" panose="020B0604030504040204" pitchFamily="50" charset="-128"/>
+                <a:ea typeface="メイリオ" panose="020B0604030504040204" pitchFamily="50" charset="-128"/>
+                <a:cs typeface="メイリオ" panose="020B0604030504040204" pitchFamily="50" charset="-128"/>
+              </a:rPr>
+              <a:t>Vim</a:t>
+            </a:r>
+            <a:r>
+              <a:rPr lang="ja-JP" altLang="en-US" sz="2400" dirty="0">
+                <a:latin typeface="メイリオ" panose="020B0604030504040204" pitchFamily="50" charset="-128"/>
+                <a:ea typeface="メイリオ" panose="020B0604030504040204" pitchFamily="50" charset="-128"/>
+                <a:cs typeface="メイリオ" panose="020B0604030504040204" pitchFamily="50" charset="-128"/>
+              </a:rPr>
+              <a:t>プラグイン管理とおすすめ</a:t>
+            </a:r>
+            <a:r>
+              <a:rPr lang="ja-JP" altLang="en-US" sz="2400" dirty="0" smtClean="0">
+                <a:latin typeface="メイリオ" panose="020B0604030504040204" pitchFamily="50" charset="-128"/>
+                <a:ea typeface="メイリオ" panose="020B0604030504040204" pitchFamily="50" charset="-128"/>
+                <a:cs typeface="メイリオ" panose="020B0604030504040204" pitchFamily="50" charset="-128"/>
+              </a:rPr>
+              <a:t>プラグイン</a:t>
+            </a:r>
+            <a:endParaRPr lang="en-US" altLang="ja-JP" sz="2400" dirty="0" smtClean="0">
+              <a:latin typeface="メイリオ" panose="020B0604030504040204" pitchFamily="50" charset="-128"/>
+              <a:ea typeface="メイリオ" panose="020B0604030504040204" pitchFamily="50" charset="-128"/>
+              <a:cs typeface="メイリオ" panose="020B0604030504040204" pitchFamily="50" charset="-128"/>
+            </a:endParaRPr>
+          </a:p>
+          <a:p>
+            <a:pPr marL="82296" indent="0">
+              <a:buNone/>
+            </a:pPr>
+            <a:r>
+              <a:rPr lang="en-US" altLang="ja-JP" sz="2000" dirty="0">
+                <a:latin typeface="メイリオ" panose="020B0604030504040204" pitchFamily="50" charset="-128"/>
+                <a:ea typeface="メイリオ" panose="020B0604030504040204" pitchFamily="50" charset="-128"/>
+                <a:cs typeface="メイリオ" panose="020B0604030504040204" pitchFamily="50" charset="-128"/>
+                <a:hlinkClick r:id="rId3"/>
+              </a:rPr>
+              <a:t>http://catcher-in-the-tech.net/1063</a:t>
+            </a:r>
+            <a:r>
+              <a:rPr lang="en-US" altLang="ja-JP" sz="2000" dirty="0" smtClean="0">
+                <a:latin typeface="メイリオ" panose="020B0604030504040204" pitchFamily="50" charset="-128"/>
+                <a:ea typeface="メイリオ" panose="020B0604030504040204" pitchFamily="50" charset="-128"/>
+                <a:cs typeface="メイリオ" panose="020B0604030504040204" pitchFamily="50" charset="-128"/>
+                <a:hlinkClick r:id="rId3"/>
+              </a:rPr>
+              <a:t>/</a:t>
+            </a:r>
+            <a:endParaRPr lang="en-US" altLang="ja-JP" sz="2000" dirty="0" smtClean="0">
+              <a:latin typeface="メイリオ" panose="020B0604030504040204" pitchFamily="50" charset="-128"/>
+              <a:ea typeface="メイリオ" panose="020B0604030504040204" pitchFamily="50" charset="-128"/>
+              <a:cs typeface="メイリオ" panose="020B0604030504040204" pitchFamily="50" charset="-128"/>
+            </a:endParaRPr>
+          </a:p>
+          <a:p>
+            <a:pPr marL="82296" indent="0">
+              <a:buNone/>
+            </a:pPr>
+            <a:r>
+              <a:rPr lang="ja-JP" altLang="en-US" sz="2400" dirty="0" smtClean="0">
+                <a:latin typeface="メイリオ" panose="020B0604030504040204" pitchFamily="50" charset="-128"/>
+                <a:ea typeface="メイリオ" panose="020B0604030504040204" pitchFamily="50" charset="-128"/>
+                <a:cs typeface="メイリオ" panose="020B0604030504040204" pitchFamily="50" charset="-128"/>
+              </a:rPr>
+              <a:t>ぼくのかんがえたさいしょうの</a:t>
+            </a:r>
+            <a:r>
+              <a:rPr lang="en-US" altLang="ja-JP" sz="2400" dirty="0" err="1" smtClean="0">
+                <a:latin typeface="メイリオ" panose="020B0604030504040204" pitchFamily="50" charset="-128"/>
+                <a:ea typeface="メイリオ" panose="020B0604030504040204" pitchFamily="50" charset="-128"/>
+                <a:cs typeface="メイリオ" panose="020B0604030504040204" pitchFamily="50" charset="-128"/>
+              </a:rPr>
+              <a:t>vimrc</a:t>
+            </a:r>
+            <a:endParaRPr lang="en-US" altLang="ja-JP" sz="2400" dirty="0" smtClean="0">
+              <a:latin typeface="メイリオ" panose="020B0604030504040204" pitchFamily="50" charset="-128"/>
+              <a:ea typeface="メイリオ" panose="020B0604030504040204" pitchFamily="50" charset="-128"/>
+              <a:cs typeface="メイリオ" panose="020B0604030504040204" pitchFamily="50" charset="-128"/>
+            </a:endParaRPr>
+          </a:p>
+          <a:p>
+            <a:pPr marL="82296" indent="0">
+              <a:buNone/>
+            </a:pPr>
+            <a:r>
+              <a:rPr lang="en-US" altLang="ja-JP" sz="2000" dirty="0">
+                <a:latin typeface="メイリオ" panose="020B0604030504040204" pitchFamily="50" charset="-128"/>
+                <a:ea typeface="メイリオ" panose="020B0604030504040204" pitchFamily="50" charset="-128"/>
+                <a:cs typeface="メイリオ" panose="020B0604030504040204" pitchFamily="50" charset="-128"/>
+                <a:hlinkClick r:id="rId4"/>
+              </a:rPr>
+              <a:t>http://</a:t>
+            </a:r>
+            <a:r>
+              <a:rPr lang="en-US" altLang="ja-JP" sz="2000" dirty="0" smtClean="0">
+                <a:latin typeface="メイリオ" panose="020B0604030504040204" pitchFamily="50" charset="-128"/>
+                <a:ea typeface="メイリオ" panose="020B0604030504040204" pitchFamily="50" charset="-128"/>
+                <a:cs typeface="メイリオ" panose="020B0604030504040204" pitchFamily="50" charset="-128"/>
+                <a:hlinkClick r:id="rId4"/>
+              </a:rPr>
+              <a:t>deris.hatenablog.jp/entry/2014/05/20/235807</a:t>
+            </a:r>
+            <a:endParaRPr lang="en-US" altLang="ja-JP" sz="2000" dirty="0" smtClean="0">
+              <a:latin typeface="メイリオ" panose="020B0604030504040204" pitchFamily="50" charset="-128"/>
+              <a:ea typeface="メイリオ" panose="020B0604030504040204" pitchFamily="50" charset="-128"/>
+              <a:cs typeface="メイリオ" panose="020B0604030504040204" pitchFamily="50" charset="-128"/>
+            </a:endParaRPr>
+          </a:p>
+          <a:p>
+            <a:pPr marL="82296" indent="0">
+              <a:buNone/>
+            </a:pPr>
+            <a:endParaRPr lang="en-US" altLang="ja-JP" sz="2400" dirty="0" smtClean="0">
+              <a:latin typeface="メイリオ" panose="020B0604030504040204" pitchFamily="50" charset="-128"/>
+              <a:ea typeface="メイリオ" panose="020B0604030504040204" pitchFamily="50" charset="-128"/>
+              <a:cs typeface="メイリオ" panose="020B0604030504040204" pitchFamily="50" charset="-128"/>
+            </a:endParaRPr>
+          </a:p>
+        </p:txBody>
+      </p:sp>
+    </p:spTree>
+    <p:extLst>
+      <p:ext uri="{BB962C8B-B14F-4D97-AF65-F5344CB8AC3E}">
+        <p14:creationId xmlns:p14="http://schemas.microsoft.com/office/powerpoint/2010/main" val="3146739693"/>
+      </p:ext>
+    </p:extLst>
+  </p:cSld>
+  <p:clrMapOvr>
+    <a:masterClrMapping/>
+  </p:clrMapOvr>
+</p:sld>
+</file>
+
+<file path=ppt/slides/slide32.xml><?xml version="1.0" encoding="utf-8"?>
+<p:sld xmlns:a="http://schemas.openxmlformats.org/drawingml/2006/main" xmlns:r="http://schemas.openxmlformats.org/officeDocument/2006/relationships" xmlns:p="http://schemas.openxmlformats.org/presentationml/2006/main">
+  <p:cSld>
+    <p:spTree>
+      <p:nvGrpSpPr>
+        <p:cNvPr id="1" name=""/>
+        <p:cNvGrpSpPr/>
+        <p:nvPr/>
+      </p:nvGrpSpPr>
+      <p:grpSpPr>
+        <a:xfrm>
+          <a:off x="0" y="0"/>
+          <a:ext cx="0" cy="0"/>
+          <a:chOff x="0" y="0"/>
+          <a:chExt cx="0" cy="0"/>
+        </a:xfrm>
+      </p:grpSpPr>
+      <p:sp>
+        <p:nvSpPr>
+          <p:cNvPr id="3" name="コンテンツ プレースホルダー 2"/>
+          <p:cNvSpPr>
+            <a:spLocks noGrp="1"/>
+          </p:cNvSpPr>
+          <p:nvPr>
+            <p:ph idx="1"/>
+          </p:nvPr>
+        </p:nvSpPr>
+        <p:spPr>
+          <a:xfrm>
+            <a:off x="1435608" y="3068960"/>
+            <a:ext cx="7498080" cy="3179440"/>
+          </a:xfrm>
+        </p:spPr>
+        <p:txBody>
+          <a:bodyPr>
+            <a:normAutofit/>
+          </a:bodyPr>
+          <a:lstStyle/>
+          <a:p>
+            <a:pPr marL="82296" indent="0">
+              <a:buNone/>
+            </a:pPr>
+            <a:r>
+              <a:rPr kumimoji="1" lang="ja-JP" altLang="en-US" sz="3600" dirty="0" smtClean="0">
+                <a:latin typeface="メイリオ" panose="020B0604030504040204" pitchFamily="50" charset="-128"/>
+                <a:ea typeface="メイリオ" panose="020B0604030504040204" pitchFamily="50" charset="-128"/>
+                <a:cs typeface="メイリオ" panose="020B0604030504040204" pitchFamily="50" charset="-128"/>
+              </a:rPr>
+              <a:t>ご清聴ありがとうございました</a:t>
+            </a:r>
+            <a:endParaRPr kumimoji="1" lang="ja-JP" altLang="en-US" sz="3600" dirty="0">
+              <a:latin typeface="メイリオ" panose="020B0604030504040204" pitchFamily="50" charset="-128"/>
+              <a:ea typeface="メイリオ" panose="020B0604030504040204" pitchFamily="50" charset="-128"/>
+              <a:cs typeface="メイリオ" panose="020B0604030504040204" pitchFamily="50" charset="-128"/>
+            </a:endParaRPr>
+          </a:p>
+        </p:txBody>
+      </p:sp>
+      <p:sp>
+        <p:nvSpPr>
+          <p:cNvPr id="4" name="タイトル 3"/>
+          <p:cNvSpPr>
+            <a:spLocks noGrp="1"/>
+          </p:cNvSpPr>
+          <p:nvPr>
+            <p:ph type="title"/>
+          </p:nvPr>
+        </p:nvSpPr>
+        <p:spPr/>
+        <p:txBody>
+          <a:bodyPr/>
+          <a:lstStyle/>
+          <a:p>
+            <a:endParaRPr kumimoji="1" lang="ja-JP" altLang="en-US">
+              <a:latin typeface="メイリオ" panose="020B0604030504040204" pitchFamily="50" charset="-128"/>
+              <a:ea typeface="メイリオ" panose="020B0604030504040204" pitchFamily="50" charset="-128"/>
+              <a:cs typeface="メイリオ" panose="020B0604030504040204" pitchFamily="50" charset="-128"/>
+            </a:endParaRPr>
+          </a:p>
+        </p:txBody>
+      </p:sp>
+    </p:spTree>
+    <p:extLst>
+      <p:ext uri="{BB962C8B-B14F-4D97-AF65-F5344CB8AC3E}">
+        <p14:creationId xmlns:p14="http://schemas.microsoft.com/office/powerpoint/2010/main" val="2805364914"/>
+      </p:ext>
+    </p:extLst>
+  </p:cSld>
+  <p:clrMapOvr>
+    <a:masterClrMapping/>
+  </p:clrMapOvr>
+</p:sld>
+</file>
+
+<file path=ppt/slides/slide33.xml><?xml version="1.0" encoding="utf-8"?>
+<p:sld xmlns:a="http://schemas.openxmlformats.org/drawingml/2006/main" xmlns:r="http://schemas.openxmlformats.org/officeDocument/2006/relationships" xmlns:p="http://schemas.openxmlformats.org/presentationml/2006/main">
+  <p:cSld>
+    <p:spTree>
+      <p:nvGrpSpPr>
+        <p:cNvPr id="1" name=""/>
+        <p:cNvGrpSpPr/>
+        <p:nvPr/>
+      </p:nvGrpSpPr>
+      <p:grpSpPr>
+        <a:xfrm>
+          <a:off x="0" y="0"/>
+          <a:ext cx="0" cy="0"/>
+          <a:chOff x="0" y="0"/>
+          <a:chExt cx="0" cy="0"/>
+        </a:xfrm>
+      </p:grpSpPr>
+      <p:sp>
+        <p:nvSpPr>
+          <p:cNvPr id="2" name="タイトル 1"/>
+          <p:cNvSpPr>
+            <a:spLocks noGrp="1"/>
+          </p:cNvSpPr>
+          <p:nvPr>
+            <p:ph type="title"/>
+          </p:nvPr>
+        </p:nvSpPr>
+        <p:spPr/>
+        <p:txBody>
+          <a:bodyPr/>
+          <a:lstStyle/>
+          <a:p>
+            <a:r>
+              <a:rPr kumimoji="1" lang="ja-JP" altLang="en-US" dirty="0" smtClean="0">
+                <a:latin typeface="メイリオ" panose="020B0604030504040204" pitchFamily="50" charset="-128"/>
+                <a:ea typeface="メイリオ" panose="020B0604030504040204" pitchFamily="50" charset="-128"/>
+                <a:cs typeface="メイリオ" panose="020B0604030504040204" pitchFamily="50" charset="-128"/>
+              </a:rPr>
+              <a:t>おまけ</a:t>
+            </a:r>
+            <a:endParaRPr kumimoji="1" lang="ja-JP" altLang="en-US" dirty="0">
+              <a:latin typeface="メイリオ" panose="020B0604030504040204" pitchFamily="50" charset="-128"/>
+              <a:ea typeface="メイリオ" panose="020B0604030504040204" pitchFamily="50" charset="-128"/>
+              <a:cs typeface="メイリオ" panose="020B0604030504040204" pitchFamily="50" charset="-128"/>
+            </a:endParaRPr>
+          </a:p>
+        </p:txBody>
+      </p:sp>
+      <p:sp>
+        <p:nvSpPr>
+          <p:cNvPr id="6" name="コンテンツ プレースホルダー 2"/>
+          <p:cNvSpPr>
+            <a:spLocks noGrp="1"/>
+          </p:cNvSpPr>
+          <p:nvPr>
+            <p:ph idx="1"/>
+          </p:nvPr>
+        </p:nvSpPr>
+        <p:spPr>
+          <a:xfrm>
+            <a:off x="1403648" y="1412776"/>
+            <a:ext cx="7498080" cy="5410200"/>
+          </a:xfrm>
+        </p:spPr>
+        <p:txBody>
+          <a:bodyPr>
+            <a:normAutofit/>
+          </a:bodyPr>
+          <a:lstStyle/>
+          <a:p>
+            <a:pPr marL="82296" indent="0">
+              <a:buNone/>
+            </a:pPr>
+            <a:r>
+              <a:rPr lang="ja-JP" altLang="en-US" dirty="0" smtClean="0">
+                <a:latin typeface="メイリオ" panose="020B0604030504040204" pitchFamily="50" charset="-128"/>
+                <a:ea typeface="メイリオ" panose="020B0604030504040204" pitchFamily="50" charset="-128"/>
+                <a:cs typeface="メイリオ" panose="020B0604030504040204" pitchFamily="50" charset="-128"/>
+              </a:rPr>
+              <a:t>・</a:t>
+            </a:r>
+            <a:r>
+              <a:rPr lang="en-US" altLang="ja-JP" dirty="0" err="1" smtClean="0">
+                <a:latin typeface="メイリオ" panose="020B0604030504040204" pitchFamily="50" charset="-128"/>
+                <a:ea typeface="メイリオ" panose="020B0604030504040204" pitchFamily="50" charset="-128"/>
+                <a:cs typeface="メイリオ" panose="020B0604030504040204" pitchFamily="50" charset="-128"/>
+              </a:rPr>
+              <a:t>AutoHotkey</a:t>
+            </a:r>
+            <a:r>
+              <a:rPr lang="ja-JP" altLang="en-US" dirty="0" smtClean="0">
+                <a:latin typeface="メイリオ" panose="020B0604030504040204" pitchFamily="50" charset="-128"/>
+                <a:ea typeface="メイリオ" panose="020B0604030504040204" pitchFamily="50" charset="-128"/>
+                <a:cs typeface="メイリオ" panose="020B0604030504040204" pitchFamily="50" charset="-128"/>
+              </a:rPr>
+              <a:t>でマカー向け設定</a:t>
+            </a:r>
+            <a:endParaRPr lang="en-US" altLang="ja-JP" dirty="0" smtClean="0">
+              <a:latin typeface="メイリオ" panose="020B0604030504040204" pitchFamily="50" charset="-128"/>
+              <a:ea typeface="メイリオ" panose="020B0604030504040204" pitchFamily="50" charset="-128"/>
+              <a:cs typeface="メイリオ" panose="020B0604030504040204" pitchFamily="50" charset="-128"/>
+            </a:endParaRPr>
+          </a:p>
+          <a:p>
+            <a:pPr marL="82296" indent="0">
+              <a:buNone/>
+            </a:pPr>
+            <a:endParaRPr lang="en-US" altLang="ja-JP" dirty="0">
+              <a:latin typeface="メイリオ" panose="020B0604030504040204" pitchFamily="50" charset="-128"/>
+              <a:ea typeface="メイリオ" panose="020B0604030504040204" pitchFamily="50" charset="-128"/>
+              <a:cs typeface="メイリオ" panose="020B0604030504040204" pitchFamily="50" charset="-128"/>
+            </a:endParaRPr>
+          </a:p>
+          <a:p>
+            <a:pPr marL="82296" indent="0">
+              <a:buNone/>
+            </a:pPr>
+            <a:r>
+              <a:rPr lang="ja-JP" altLang="en-US" dirty="0" smtClean="0">
+                <a:latin typeface="メイリオ" panose="020B0604030504040204" pitchFamily="50" charset="-128"/>
+                <a:ea typeface="メイリオ" panose="020B0604030504040204" pitchFamily="50" charset="-128"/>
+                <a:cs typeface="メイリオ" panose="020B0604030504040204" pitchFamily="50" charset="-128"/>
+              </a:rPr>
+              <a:t>・等幅メイリオ・フォントリンク</a:t>
+            </a:r>
+            <a:endParaRPr lang="en-US" altLang="ja-JP" dirty="0" smtClean="0">
+              <a:latin typeface="メイリオ" panose="020B0604030504040204" pitchFamily="50" charset="-128"/>
+              <a:ea typeface="メイリオ" panose="020B0604030504040204" pitchFamily="50" charset="-128"/>
+              <a:cs typeface="メイリオ" panose="020B0604030504040204" pitchFamily="50" charset="-128"/>
+            </a:endParaRPr>
+          </a:p>
+          <a:p>
+            <a:pPr marL="82296" indent="0">
+              <a:buNone/>
+            </a:pPr>
+            <a:r>
+              <a:rPr lang="en-US" altLang="ja-JP" dirty="0">
+                <a:latin typeface="メイリオ" panose="020B0604030504040204" pitchFamily="50" charset="-128"/>
+                <a:ea typeface="メイリオ" panose="020B0604030504040204" pitchFamily="50" charset="-128"/>
+                <a:cs typeface="メイリオ" panose="020B0604030504040204" pitchFamily="50" charset="-128"/>
+                <a:hlinkClick r:id="rId2"/>
+              </a:rPr>
+              <a:t>http://</a:t>
+            </a:r>
+            <a:r>
+              <a:rPr lang="en-US" altLang="ja-JP" dirty="0" smtClean="0">
+                <a:latin typeface="メイリオ" panose="020B0604030504040204" pitchFamily="50" charset="-128"/>
+                <a:ea typeface="メイリオ" panose="020B0604030504040204" pitchFamily="50" charset="-128"/>
+                <a:cs typeface="メイリオ" panose="020B0604030504040204" pitchFamily="50" charset="-128"/>
+                <a:hlinkClick r:id="rId2"/>
+              </a:rPr>
+              <a:t>www.progresslog.net/windows-font-inconsolata-meiryoke-rink</a:t>
+            </a:r>
+            <a:endParaRPr lang="en-US" altLang="ja-JP" dirty="0" smtClean="0">
+              <a:latin typeface="メイリオ" panose="020B0604030504040204" pitchFamily="50" charset="-128"/>
+              <a:ea typeface="メイリオ" panose="020B0604030504040204" pitchFamily="50" charset="-128"/>
+              <a:cs typeface="メイリオ" panose="020B0604030504040204" pitchFamily="50" charset="-128"/>
+            </a:endParaRPr>
+          </a:p>
+          <a:p>
+            <a:pPr marL="82296" indent="0">
+              <a:buNone/>
+            </a:pPr>
+            <a:endParaRPr lang="en-US" altLang="ja-JP" dirty="0">
+              <a:latin typeface="メイリオ" panose="020B0604030504040204" pitchFamily="50" charset="-128"/>
+              <a:ea typeface="メイリオ" panose="020B0604030504040204" pitchFamily="50" charset="-128"/>
+              <a:cs typeface="メイリオ" panose="020B0604030504040204" pitchFamily="50" charset="-128"/>
+            </a:endParaRPr>
+          </a:p>
+          <a:p>
+            <a:pPr marL="82296" indent="0">
+              <a:buNone/>
+            </a:pPr>
+            <a:r>
+              <a:rPr lang="ja-JP" altLang="en-US" dirty="0" smtClean="0">
+                <a:latin typeface="メイリオ" panose="020B0604030504040204" pitchFamily="50" charset="-128"/>
+                <a:ea typeface="メイリオ" panose="020B0604030504040204" pitchFamily="50" charset="-128"/>
+                <a:cs typeface="メイリオ" panose="020B0604030504040204" pitchFamily="50" charset="-128"/>
+              </a:rPr>
+              <a:t>・なにがし</a:t>
+            </a:r>
+            <a:endParaRPr lang="en-US" altLang="ja-JP" dirty="0" smtClean="0">
+              <a:latin typeface="メイリオ" panose="020B0604030504040204" pitchFamily="50" charset="-128"/>
+              <a:ea typeface="メイリオ" panose="020B0604030504040204" pitchFamily="50" charset="-128"/>
+              <a:cs typeface="メイリオ" panose="020B0604030504040204" pitchFamily="50" charset="-128"/>
+            </a:endParaRPr>
+          </a:p>
+        </p:txBody>
+      </p:sp>
+    </p:spTree>
+    <p:extLst>
+      <p:ext uri="{BB962C8B-B14F-4D97-AF65-F5344CB8AC3E}">
+        <p14:creationId xmlns:p14="http://schemas.microsoft.com/office/powerpoint/2010/main" val="1080911360"/>
+      </p:ext>
+    </p:extLst>
+  </p:cSld>
+  <p:clrMapOvr>
+    <a:masterClrMapping/>
+  </p:clrMapOvr>
 </p:sld>
 </file>
 

--- a/vimmer.pptx
+++ b/vimmer.pptx
@@ -26,18 +26,21 @@
     <p:sldId id="328" r:id="rId20"/>
     <p:sldId id="329" r:id="rId21"/>
     <p:sldId id="330" r:id="rId22"/>
-    <p:sldId id="326" r:id="rId23"/>
-    <p:sldId id="300" r:id="rId24"/>
-    <p:sldId id="302" r:id="rId25"/>
-    <p:sldId id="301" r:id="rId26"/>
-    <p:sldId id="303" r:id="rId27"/>
-    <p:sldId id="304" r:id="rId28"/>
-    <p:sldId id="305" r:id="rId29"/>
-    <p:sldId id="269" r:id="rId30"/>
-    <p:sldId id="314" r:id="rId31"/>
-    <p:sldId id="313" r:id="rId32"/>
-    <p:sldId id="276" r:id="rId33"/>
-    <p:sldId id="306" r:id="rId34"/>
+    <p:sldId id="331" r:id="rId23"/>
+    <p:sldId id="333" r:id="rId24"/>
+    <p:sldId id="332" r:id="rId25"/>
+    <p:sldId id="326" r:id="rId26"/>
+    <p:sldId id="300" r:id="rId27"/>
+    <p:sldId id="302" r:id="rId28"/>
+    <p:sldId id="301" r:id="rId29"/>
+    <p:sldId id="303" r:id="rId30"/>
+    <p:sldId id="304" r:id="rId31"/>
+    <p:sldId id="305" r:id="rId32"/>
+    <p:sldId id="269" r:id="rId33"/>
+    <p:sldId id="314" r:id="rId34"/>
+    <p:sldId id="313" r:id="rId35"/>
+    <p:sldId id="276" r:id="rId36"/>
+    <p:sldId id="306" r:id="rId37"/>
   </p:sldIdLst>
   <p:sldSz cx="9144000" cy="6858000" type="screen4x3"/>
   <p:notesSz cx="6858000" cy="9144000"/>
@@ -289,7 +292,7 @@
           <a:p>
             <a:fld id="{39378AC4-C49C-4159-B332-7738B007311C}" type="datetimeFigureOut">
               <a:rPr kumimoji="1" lang="ja-JP" altLang="en-US" smtClean="0"/>
-              <a:t>2015/10/27</a:t>
+              <a:t>2015/10/28</a:t>
             </a:fld>
             <a:endParaRPr kumimoji="1" lang="ja-JP" altLang="en-US"/>
           </a:p>
@@ -634,7 +637,7 @@
           <a:p>
             <a:fld id="{39378AC4-C49C-4159-B332-7738B007311C}" type="datetimeFigureOut">
               <a:rPr kumimoji="1" lang="ja-JP" altLang="en-US" smtClean="0"/>
-              <a:t>2015/10/27</a:t>
+              <a:t>2015/10/28</a:t>
             </a:fld>
             <a:endParaRPr kumimoji="1" lang="ja-JP" altLang="en-US"/>
           </a:p>
@@ -851,7 +854,7 @@
           <a:p>
             <a:fld id="{39378AC4-C49C-4159-B332-7738B007311C}" type="datetimeFigureOut">
               <a:rPr kumimoji="1" lang="ja-JP" altLang="en-US" smtClean="0"/>
-              <a:t>2015/10/27</a:t>
+              <a:t>2015/10/28</a:t>
             </a:fld>
             <a:endParaRPr kumimoji="1" lang="ja-JP" altLang="en-US"/>
           </a:p>
@@ -1058,7 +1061,7 @@
           <a:p>
             <a:fld id="{39378AC4-C49C-4159-B332-7738B007311C}" type="datetimeFigureOut">
               <a:rPr kumimoji="1" lang="ja-JP" altLang="en-US" smtClean="0"/>
-              <a:t>2015/10/27</a:t>
+              <a:t>2015/10/28</a:t>
             </a:fld>
             <a:endParaRPr kumimoji="1" lang="ja-JP" altLang="en-US"/>
           </a:p>
@@ -1326,7 +1329,7 @@
           <a:p>
             <a:fld id="{39378AC4-C49C-4159-B332-7738B007311C}" type="datetimeFigureOut">
               <a:rPr kumimoji="1" lang="ja-JP" altLang="en-US" smtClean="0"/>
-              <a:t>2015/10/27</a:t>
+              <a:t>2015/10/28</a:t>
             </a:fld>
             <a:endParaRPr kumimoji="1" lang="ja-JP" altLang="en-US"/>
           </a:p>
@@ -1858,7 +1861,7 @@
           <a:p>
             <a:fld id="{39378AC4-C49C-4159-B332-7738B007311C}" type="datetimeFigureOut">
               <a:rPr kumimoji="1" lang="ja-JP" altLang="en-US" smtClean="0"/>
-              <a:t>2015/10/27</a:t>
+              <a:t>2015/10/28</a:t>
             </a:fld>
             <a:endParaRPr kumimoji="1" lang="ja-JP" altLang="en-US"/>
           </a:p>
@@ -2411,7 +2414,7 @@
           <a:p>
             <a:fld id="{39378AC4-C49C-4159-B332-7738B007311C}" type="datetimeFigureOut">
               <a:rPr kumimoji="1" lang="ja-JP" altLang="en-US" smtClean="0"/>
-              <a:t>2015/10/27</a:t>
+              <a:t>2015/10/28</a:t>
             </a:fld>
             <a:endParaRPr kumimoji="1" lang="ja-JP" altLang="en-US"/>
           </a:p>
@@ -2537,7 +2540,7 @@
           <a:p>
             <a:fld id="{39378AC4-C49C-4159-B332-7738B007311C}" type="datetimeFigureOut">
               <a:rPr kumimoji="1" lang="ja-JP" altLang="en-US" smtClean="0"/>
-              <a:t>2015/10/27</a:t>
+              <a:t>2015/10/28</a:t>
             </a:fld>
             <a:endParaRPr kumimoji="1" lang="ja-JP" altLang="en-US"/>
           </a:p>
@@ -2681,7 +2684,7 @@
           <a:p>
             <a:fld id="{39378AC4-C49C-4159-B332-7738B007311C}" type="datetimeFigureOut">
               <a:rPr kumimoji="1" lang="ja-JP" altLang="en-US" smtClean="0"/>
-              <a:t>2015/10/27</a:t>
+              <a:t>2015/10/28</a:t>
             </a:fld>
             <a:endParaRPr kumimoji="1" lang="ja-JP" altLang="en-US"/>
           </a:p>
@@ -3035,7 +3038,7 @@
           <a:p>
             <a:fld id="{39378AC4-C49C-4159-B332-7738B007311C}" type="datetimeFigureOut">
               <a:rPr kumimoji="1" lang="ja-JP" altLang="en-US" smtClean="0"/>
-              <a:t>2015/10/27</a:t>
+              <a:t>2015/10/28</a:t>
             </a:fld>
             <a:endParaRPr kumimoji="1" lang="ja-JP" altLang="en-US"/>
           </a:p>
@@ -3169,7 +3172,7 @@
           <a:p>
             <a:fld id="{39378AC4-C49C-4159-B332-7738B007311C}" type="datetimeFigureOut">
               <a:rPr kumimoji="1" lang="ja-JP" altLang="en-US" smtClean="0"/>
-              <a:t>2015/10/27</a:t>
+              <a:t>2015/10/28</a:t>
             </a:fld>
             <a:endParaRPr kumimoji="1" lang="ja-JP" altLang="en-US"/>
           </a:p>
@@ -3982,7 +3985,7 @@
           <a:p>
             <a:fld id="{39378AC4-C49C-4159-B332-7738B007311C}" type="datetimeFigureOut">
               <a:rPr kumimoji="1" lang="ja-JP" altLang="en-US" smtClean="0"/>
-              <a:t>2015/10/27</a:t>
+              <a:t>2015/10/28</a:t>
             </a:fld>
             <a:endParaRPr kumimoji="1" lang="ja-JP" altLang="en-US"/>
           </a:p>
@@ -5258,15 +5261,7 @@
                 <a:ea typeface="メイリオ" panose="020B0604030504040204" pitchFamily="50" charset="-128"/>
                 <a:cs typeface="メイリオ" panose="020B0604030504040204" pitchFamily="50" charset="-128"/>
               </a:rPr>
-              <a:t>言語</a:t>
-            </a:r>
-            <a:r>
-              <a:rPr lang="ja-JP" altLang="en-US" dirty="0" smtClean="0">
-                <a:latin typeface="メイリオ" panose="020B0604030504040204" pitchFamily="50" charset="-128"/>
-                <a:ea typeface="メイリオ" panose="020B0604030504040204" pitchFamily="50" charset="-128"/>
-                <a:cs typeface="メイリオ" panose="020B0604030504040204" pitchFamily="50" charset="-128"/>
-              </a:rPr>
-              <a:t>で現在も開発中</a:t>
+              <a:t>言語で現在も開発中</a:t>
             </a:r>
             <a:endParaRPr lang="en-US" altLang="ja-JP" dirty="0" smtClean="0">
               <a:latin typeface="メイリオ" panose="020B0604030504040204" pitchFamily="50" charset="-128"/>
@@ -5658,15 +5653,7 @@
                 <a:ea typeface="メイリオ" panose="020B0604030504040204" pitchFamily="50" charset="-128"/>
                 <a:cs typeface="メイリオ" panose="020B0604030504040204" pitchFamily="50" charset="-128"/>
               </a:rPr>
-              <a:t>→</a:t>
-            </a:r>
-            <a:r>
-              <a:rPr lang="ja-JP" altLang="en-US" dirty="0" smtClean="0">
-                <a:latin typeface="メイリオ" panose="020B0604030504040204" pitchFamily="50" charset="-128"/>
-                <a:ea typeface="メイリオ" panose="020B0604030504040204" pitchFamily="50" charset="-128"/>
-                <a:cs typeface="メイリオ" panose="020B0604030504040204" pitchFamily="50" charset="-128"/>
-              </a:rPr>
-              <a:t>第二部へ</a:t>
+              <a:t>→第二部へ</a:t>
             </a:r>
             <a:endParaRPr lang="en-US" altLang="ja-JP" dirty="0" smtClean="0">
               <a:latin typeface="メイリオ" panose="020B0604030504040204" pitchFamily="50" charset="-128"/>
@@ -5741,15 +5728,7 @@
                 <a:ea typeface="メイリオ" panose="020B0604030504040204" pitchFamily="50" charset="-128"/>
                 <a:cs typeface="メイリオ" panose="020B0604030504040204" pitchFamily="50" charset="-128"/>
               </a:rPr>
-              <a:t>第二部</a:t>
-            </a:r>
-            <a:r>
-              <a:rPr kumimoji="1" lang="ja-JP" altLang="en-US" sz="3600" dirty="0" smtClean="0">
-                <a:latin typeface="メイリオ" panose="020B0604030504040204" pitchFamily="50" charset="-128"/>
-                <a:ea typeface="メイリオ" panose="020B0604030504040204" pitchFamily="50" charset="-128"/>
-                <a:cs typeface="メイリオ" panose="020B0604030504040204" pitchFamily="50" charset="-128"/>
-              </a:rPr>
-              <a:t>　</a:t>
+              <a:t>第二部　</a:t>
             </a:r>
             <a:r>
               <a:rPr kumimoji="1" lang="en-US" altLang="ja-JP" sz="3600" dirty="0" smtClean="0">
@@ -7985,6 +7964,483 @@
                 <a:ea typeface="メイリオ" panose="020B0604030504040204" pitchFamily="50" charset="-128"/>
                 <a:cs typeface="メイリオ" panose="020B0604030504040204" pitchFamily="50" charset="-128"/>
               </a:rPr>
+              <a:t>普通のエディタとの差を知る</a:t>
+            </a:r>
+            <a:endParaRPr kumimoji="1" lang="ja-JP" altLang="en-US" dirty="0">
+              <a:latin typeface="メイリオ" panose="020B0604030504040204" pitchFamily="50" charset="-128"/>
+              <a:ea typeface="メイリオ" panose="020B0604030504040204" pitchFamily="50" charset="-128"/>
+              <a:cs typeface="メイリオ" panose="020B0604030504040204" pitchFamily="50" charset="-128"/>
+            </a:endParaRPr>
+          </a:p>
+        </p:txBody>
+      </p:sp>
+      <p:sp>
+        <p:nvSpPr>
+          <p:cNvPr id="13" name="コンテンツ プレースホルダー 2"/>
+          <p:cNvSpPr>
+            <a:spLocks noGrp="1"/>
+          </p:cNvSpPr>
+          <p:nvPr>
+            <p:ph idx="1"/>
+          </p:nvPr>
+        </p:nvSpPr>
+        <p:spPr>
+          <a:xfrm>
+            <a:off x="1115616" y="1124744"/>
+            <a:ext cx="7818072" cy="5544616"/>
+          </a:xfrm>
+        </p:spPr>
+        <p:txBody>
+          <a:bodyPr>
+            <a:normAutofit/>
+          </a:bodyPr>
+          <a:lstStyle/>
+          <a:p>
+            <a:pPr marL="82296" indent="0">
+              <a:buNone/>
+            </a:pPr>
+            <a:endParaRPr lang="en-US" altLang="ja-JP" dirty="0">
+              <a:latin typeface="Inconsolata" panose="020B0609030003000000" pitchFamily="49" charset="0"/>
+              <a:ea typeface="メイリオ" panose="020B0604030504040204" pitchFamily="50" charset="-128"/>
+              <a:cs typeface="メイリオ" panose="020B0604030504040204" pitchFamily="50" charset="-128"/>
+            </a:endParaRPr>
+          </a:p>
+          <a:p>
+            <a:pPr marL="82296" indent="0">
+              <a:buNone/>
+            </a:pPr>
+            <a:r>
+              <a:rPr lang="ja-JP" altLang="en-US" smtClean="0">
+                <a:latin typeface="Inconsolata" panose="020B0609030003000000" pitchFamily="49" charset="0"/>
+                <a:ea typeface="メイリオ" panose="020B0604030504040204" pitchFamily="50" charset="-128"/>
+                <a:cs typeface="メイリオ" panose="020B0604030504040204" pitchFamily="50" charset="-128"/>
+              </a:rPr>
+              <a:t>コピー・ペーストがよくわからん</a:t>
+            </a:r>
+            <a:endParaRPr lang="en-US" altLang="ja-JP" dirty="0" smtClean="0">
+              <a:latin typeface="Inconsolata" panose="020B0609030003000000" pitchFamily="49" charset="0"/>
+              <a:ea typeface="メイリオ" panose="020B0604030504040204" pitchFamily="50" charset="-128"/>
+              <a:cs typeface="メイリオ" panose="020B0604030504040204" pitchFamily="50" charset="-128"/>
+            </a:endParaRPr>
+          </a:p>
+        </p:txBody>
+      </p:sp>
+    </p:spTree>
+    <p:extLst>
+      <p:ext uri="{BB962C8B-B14F-4D97-AF65-F5344CB8AC3E}">
+        <p14:creationId xmlns:p14="http://schemas.microsoft.com/office/powerpoint/2010/main" val="3110455544"/>
+      </p:ext>
+    </p:extLst>
+  </p:cSld>
+  <p:clrMapOvr>
+    <a:masterClrMapping/>
+  </p:clrMapOvr>
+  <p:timing>
+    <p:tnLst>
+      <p:par>
+        <p:cTn id="1" dur="indefinite" restart="never" nodeType="tmRoot"/>
+      </p:par>
+    </p:tnLst>
+  </p:timing>
+</p:sld>
+</file>
+
+<file path=ppt/slides/slide23.xml><?xml version="1.0" encoding="utf-8"?>
+<p:sld xmlns:a="http://schemas.openxmlformats.org/drawingml/2006/main" xmlns:r="http://schemas.openxmlformats.org/officeDocument/2006/relationships" xmlns:p="http://schemas.openxmlformats.org/presentationml/2006/main">
+  <p:cSld>
+    <p:spTree>
+      <p:nvGrpSpPr>
+        <p:cNvPr id="1" name=""/>
+        <p:cNvGrpSpPr/>
+        <p:nvPr/>
+      </p:nvGrpSpPr>
+      <p:grpSpPr>
+        <a:xfrm>
+          <a:off x="0" y="0"/>
+          <a:ext cx="0" cy="0"/>
+          <a:chOff x="0" y="0"/>
+          <a:chExt cx="0" cy="0"/>
+        </a:xfrm>
+      </p:grpSpPr>
+      <p:sp>
+        <p:nvSpPr>
+          <p:cNvPr id="12" name="タイトル 1"/>
+          <p:cNvSpPr>
+            <a:spLocks noGrp="1"/>
+          </p:cNvSpPr>
+          <p:nvPr>
+            <p:ph type="title"/>
+          </p:nvPr>
+        </p:nvSpPr>
+        <p:spPr/>
+        <p:txBody>
+          <a:bodyPr/>
+          <a:lstStyle/>
+          <a:p>
+            <a:r>
+              <a:rPr kumimoji="1" lang="ja-JP" altLang="en-US" dirty="0" smtClean="0">
+                <a:latin typeface="メイリオ" panose="020B0604030504040204" pitchFamily="50" charset="-128"/>
+                <a:ea typeface="メイリオ" panose="020B0604030504040204" pitchFamily="50" charset="-128"/>
+                <a:cs typeface="メイリオ" panose="020B0604030504040204" pitchFamily="50" charset="-128"/>
+              </a:rPr>
+              <a:t>普通のエディタとの差を知る</a:t>
+            </a:r>
+            <a:endParaRPr kumimoji="1" lang="ja-JP" altLang="en-US" dirty="0">
+              <a:latin typeface="メイリオ" panose="020B0604030504040204" pitchFamily="50" charset="-128"/>
+              <a:ea typeface="メイリオ" panose="020B0604030504040204" pitchFamily="50" charset="-128"/>
+              <a:cs typeface="メイリオ" panose="020B0604030504040204" pitchFamily="50" charset="-128"/>
+            </a:endParaRPr>
+          </a:p>
+        </p:txBody>
+      </p:sp>
+      <p:sp>
+        <p:nvSpPr>
+          <p:cNvPr id="13" name="コンテンツ プレースホルダー 2"/>
+          <p:cNvSpPr>
+            <a:spLocks noGrp="1"/>
+          </p:cNvSpPr>
+          <p:nvPr>
+            <p:ph idx="1"/>
+          </p:nvPr>
+        </p:nvSpPr>
+        <p:spPr>
+          <a:xfrm>
+            <a:off x="1115616" y="1124744"/>
+            <a:ext cx="7818072" cy="5544616"/>
+          </a:xfrm>
+        </p:spPr>
+        <p:txBody>
+          <a:bodyPr>
+            <a:normAutofit/>
+          </a:bodyPr>
+          <a:lstStyle/>
+          <a:p>
+            <a:pPr marL="82296" indent="0">
+              <a:buNone/>
+            </a:pPr>
+            <a:endParaRPr lang="en-US" altLang="ja-JP" dirty="0">
+              <a:latin typeface="Inconsolata" panose="020B0609030003000000" pitchFamily="49" charset="0"/>
+              <a:ea typeface="メイリオ" panose="020B0604030504040204" pitchFamily="50" charset="-128"/>
+              <a:cs typeface="メイリオ" panose="020B0604030504040204" pitchFamily="50" charset="-128"/>
+            </a:endParaRPr>
+          </a:p>
+          <a:p>
+            <a:pPr marL="82296" indent="0">
+              <a:buNone/>
+            </a:pPr>
+            <a:r>
+              <a:rPr lang="ja-JP" altLang="en-US" dirty="0" smtClean="0">
+                <a:latin typeface="Inconsolata" panose="020B0609030003000000" pitchFamily="49" charset="0"/>
+                <a:ea typeface="メイリオ" panose="020B0604030504040204" pitchFamily="50" charset="-128"/>
+                <a:cs typeface="メイリオ" panose="020B0604030504040204" pitchFamily="50" charset="-128"/>
+              </a:rPr>
+              <a:t>検索・置換ってどう</a:t>
+            </a:r>
+            <a:r>
+              <a:rPr lang="ja-JP" altLang="en-US" dirty="0" err="1" smtClean="0">
+                <a:latin typeface="Inconsolata" panose="020B0609030003000000" pitchFamily="49" charset="0"/>
+                <a:ea typeface="メイリオ" panose="020B0604030504040204" pitchFamily="50" charset="-128"/>
+                <a:cs typeface="メイリオ" panose="020B0604030504040204" pitchFamily="50" charset="-128"/>
+              </a:rPr>
+              <a:t>やん</a:t>
+            </a:r>
+            <a:r>
+              <a:rPr lang="ja-JP" altLang="en-US" dirty="0" err="1">
+                <a:latin typeface="Inconsolata" panose="020B0609030003000000" pitchFamily="49" charset="0"/>
+                <a:ea typeface="メイリオ" panose="020B0604030504040204" pitchFamily="50" charset="-128"/>
+                <a:cs typeface="メイリオ" panose="020B0604030504040204" pitchFamily="50" charset="-128"/>
+              </a:rPr>
+              <a:t>の</a:t>
+            </a:r>
+            <a:endParaRPr lang="en-US" altLang="ja-JP" dirty="0" smtClean="0">
+              <a:latin typeface="Inconsolata" panose="020B0609030003000000" pitchFamily="49" charset="0"/>
+              <a:ea typeface="メイリオ" panose="020B0604030504040204" pitchFamily="50" charset="-128"/>
+              <a:cs typeface="メイリオ" panose="020B0604030504040204" pitchFamily="50" charset="-128"/>
+            </a:endParaRPr>
+          </a:p>
+        </p:txBody>
+      </p:sp>
+    </p:spTree>
+    <p:extLst>
+      <p:ext uri="{BB962C8B-B14F-4D97-AF65-F5344CB8AC3E}">
+        <p14:creationId xmlns:p14="http://schemas.microsoft.com/office/powerpoint/2010/main" val="1560147465"/>
+      </p:ext>
+    </p:extLst>
+  </p:cSld>
+  <p:clrMapOvr>
+    <a:masterClrMapping/>
+  </p:clrMapOvr>
+  <p:timing>
+    <p:tnLst>
+      <p:par>
+        <p:cTn id="1" dur="indefinite" restart="never" nodeType="tmRoot"/>
+      </p:par>
+    </p:tnLst>
+  </p:timing>
+</p:sld>
+</file>
+
+<file path=ppt/slides/slide24.xml><?xml version="1.0" encoding="utf-8"?>
+<p:sld xmlns:a="http://schemas.openxmlformats.org/drawingml/2006/main" xmlns:r="http://schemas.openxmlformats.org/officeDocument/2006/relationships" xmlns:p="http://schemas.openxmlformats.org/presentationml/2006/main">
+  <p:cSld>
+    <p:spTree>
+      <p:nvGrpSpPr>
+        <p:cNvPr id="1" name=""/>
+        <p:cNvGrpSpPr/>
+        <p:nvPr/>
+      </p:nvGrpSpPr>
+      <p:grpSpPr>
+        <a:xfrm>
+          <a:off x="0" y="0"/>
+          <a:ext cx="0" cy="0"/>
+          <a:chOff x="0" y="0"/>
+          <a:chExt cx="0" cy="0"/>
+        </a:xfrm>
+      </p:grpSpPr>
+      <p:sp>
+        <p:nvSpPr>
+          <p:cNvPr id="12" name="タイトル 1"/>
+          <p:cNvSpPr>
+            <a:spLocks noGrp="1"/>
+          </p:cNvSpPr>
+          <p:nvPr>
+            <p:ph type="title"/>
+          </p:nvPr>
+        </p:nvSpPr>
+        <p:spPr/>
+        <p:txBody>
+          <a:bodyPr/>
+          <a:lstStyle/>
+          <a:p>
+            <a:r>
+              <a:rPr kumimoji="1" lang="ja-JP" altLang="en-US" dirty="0" smtClean="0">
+                <a:latin typeface="メイリオ" panose="020B0604030504040204" pitchFamily="50" charset="-128"/>
+                <a:ea typeface="メイリオ" panose="020B0604030504040204" pitchFamily="50" charset="-128"/>
+                <a:cs typeface="メイリオ" panose="020B0604030504040204" pitchFamily="50" charset="-128"/>
+              </a:rPr>
+              <a:t>やったこと</a:t>
+            </a:r>
+            <a:endParaRPr kumimoji="1" lang="ja-JP" altLang="en-US" dirty="0">
+              <a:latin typeface="メイリオ" panose="020B0604030504040204" pitchFamily="50" charset="-128"/>
+              <a:ea typeface="メイリオ" panose="020B0604030504040204" pitchFamily="50" charset="-128"/>
+              <a:cs typeface="メイリオ" panose="020B0604030504040204" pitchFamily="50" charset="-128"/>
+            </a:endParaRPr>
+          </a:p>
+        </p:txBody>
+      </p:sp>
+      <p:sp>
+        <p:nvSpPr>
+          <p:cNvPr id="13" name="コンテンツ プレースホルダー 2"/>
+          <p:cNvSpPr>
+            <a:spLocks noGrp="1"/>
+          </p:cNvSpPr>
+          <p:nvPr>
+            <p:ph idx="1"/>
+          </p:nvPr>
+        </p:nvSpPr>
+        <p:spPr>
+          <a:xfrm>
+            <a:off x="1115616" y="1124744"/>
+            <a:ext cx="7818072" cy="5544616"/>
+          </a:xfrm>
+        </p:spPr>
+        <p:txBody>
+          <a:bodyPr>
+            <a:normAutofit/>
+          </a:bodyPr>
+          <a:lstStyle/>
+          <a:p>
+            <a:pPr marL="82296" indent="0">
+              <a:buNone/>
+            </a:pPr>
+            <a:r>
+              <a:rPr lang="ja-JP" altLang="en-US" dirty="0" smtClean="0">
+                <a:latin typeface="Inconsolata" panose="020B0609030003000000" pitchFamily="49" charset="0"/>
+                <a:ea typeface="メイリオ" panose="020B0604030504040204" pitchFamily="50" charset="-128"/>
+                <a:cs typeface="メイリオ" panose="020B0604030504040204" pitchFamily="50" charset="-128"/>
+              </a:rPr>
+              <a:t>カーソル移動コマンド多い</a:t>
+            </a:r>
+            <a:endParaRPr lang="en-US" altLang="ja-JP" dirty="0" smtClean="0">
+              <a:latin typeface="Inconsolata" panose="020B0609030003000000" pitchFamily="49" charset="0"/>
+              <a:ea typeface="メイリオ" panose="020B0604030504040204" pitchFamily="50" charset="-128"/>
+              <a:cs typeface="メイリオ" panose="020B0604030504040204" pitchFamily="50" charset="-128"/>
+            </a:endParaRPr>
+          </a:p>
+          <a:p>
+            <a:pPr marL="82296" indent="0">
+              <a:buNone/>
+            </a:pPr>
+            <a:r>
+              <a:rPr lang="ja-JP" altLang="en-US" dirty="0" smtClean="0">
+                <a:latin typeface="Inconsolata" panose="020B0609030003000000" pitchFamily="49" charset="0"/>
+                <a:ea typeface="メイリオ" panose="020B0604030504040204" pitchFamily="50" charset="-128"/>
+                <a:cs typeface="メイリオ" panose="020B0604030504040204" pitchFamily="50" charset="-128"/>
+              </a:rPr>
+              <a:t>↓</a:t>
+            </a:r>
+            <a:endParaRPr lang="en-US" altLang="ja-JP" dirty="0" smtClean="0">
+              <a:latin typeface="Inconsolata" panose="020B0609030003000000" pitchFamily="49" charset="0"/>
+              <a:ea typeface="メイリオ" panose="020B0604030504040204" pitchFamily="50" charset="-128"/>
+              <a:cs typeface="メイリオ" panose="020B0604030504040204" pitchFamily="50" charset="-128"/>
+            </a:endParaRPr>
+          </a:p>
+          <a:p>
+            <a:pPr marL="82296" indent="0">
+              <a:buNone/>
+            </a:pPr>
+            <a:r>
+              <a:rPr lang="ja-JP" altLang="en-US" dirty="0">
+                <a:latin typeface="Inconsolata" panose="020B0609030003000000" pitchFamily="49" charset="0"/>
+                <a:ea typeface="メイリオ" panose="020B0604030504040204" pitchFamily="50" charset="-128"/>
+                <a:cs typeface="メイリオ" panose="020B0604030504040204" pitchFamily="50" charset="-128"/>
+              </a:rPr>
+              <a:t>大昔</a:t>
+            </a:r>
+            <a:r>
+              <a:rPr lang="ja-JP" altLang="en-US" dirty="0" smtClean="0">
+                <a:latin typeface="Inconsolata" panose="020B0609030003000000" pitchFamily="49" charset="0"/>
+                <a:ea typeface="メイリオ" panose="020B0604030504040204" pitchFamily="50" charset="-128"/>
+                <a:cs typeface="メイリオ" panose="020B0604030504040204" pitchFamily="50" charset="-128"/>
+              </a:rPr>
+              <a:t>のキーボードの名残？</a:t>
+            </a:r>
+            <a:endParaRPr lang="en-US" altLang="ja-JP" dirty="0" smtClean="0">
+              <a:latin typeface="Inconsolata" panose="020B0609030003000000" pitchFamily="49" charset="0"/>
+              <a:ea typeface="メイリオ" panose="020B0604030504040204" pitchFamily="50" charset="-128"/>
+              <a:cs typeface="メイリオ" panose="020B0604030504040204" pitchFamily="50" charset="-128"/>
+            </a:endParaRPr>
+          </a:p>
+          <a:p>
+            <a:pPr marL="82296" indent="0">
+              <a:buNone/>
+            </a:pPr>
+            <a:r>
+              <a:rPr lang="ja-JP" altLang="en-US" dirty="0" smtClean="0">
+                <a:latin typeface="Inconsolata" panose="020B0609030003000000" pitchFamily="49" charset="0"/>
+                <a:ea typeface="メイリオ" panose="020B0604030504040204" pitchFamily="50" charset="-128"/>
+                <a:cs typeface="メイリオ" panose="020B0604030504040204" pitchFamily="50" charset="-128"/>
+              </a:rPr>
+              <a:t>↓</a:t>
+            </a:r>
+            <a:endParaRPr lang="en-US" altLang="ja-JP" dirty="0" smtClean="0">
+              <a:latin typeface="Inconsolata" panose="020B0609030003000000" pitchFamily="49" charset="0"/>
+              <a:ea typeface="メイリオ" panose="020B0604030504040204" pitchFamily="50" charset="-128"/>
+              <a:cs typeface="メイリオ" panose="020B0604030504040204" pitchFamily="50" charset="-128"/>
+            </a:endParaRPr>
+          </a:p>
+        </p:txBody>
+      </p:sp>
+      <p:sp>
+        <p:nvSpPr>
+          <p:cNvPr id="4" name="正方形/長方形 3"/>
+          <p:cNvSpPr/>
+          <p:nvPr/>
+        </p:nvSpPr>
+        <p:spPr>
+          <a:xfrm>
+            <a:off x="862345" y="3284984"/>
+            <a:ext cx="8644605" cy="923330"/>
+          </a:xfrm>
+          <a:prstGeom prst="rect">
+            <a:avLst/>
+          </a:prstGeom>
+        </p:spPr>
+        <p:txBody>
+          <a:bodyPr wrap="square">
+            <a:spAutoFit/>
+          </a:bodyPr>
+          <a:lstStyle/>
+          <a:p>
+            <a:pPr marL="82296" lvl="0">
+              <a:spcBef>
+                <a:spcPts val="600"/>
+              </a:spcBef>
+              <a:buClr>
+                <a:srgbClr val="3891A7"/>
+              </a:buClr>
+              <a:buSzPct val="80000"/>
+            </a:pPr>
+            <a:r>
+              <a:rPr lang="ja-JP" altLang="en-US" sz="5400" b="1" dirty="0" smtClean="0">
+                <a:solidFill>
+                  <a:srgbClr val="FF0000"/>
+                </a:solidFill>
+                <a:latin typeface="メイリオ" panose="020B0604030504040204" pitchFamily="50" charset="-128"/>
+                <a:ea typeface="メイリオ" panose="020B0604030504040204" pitchFamily="50" charset="-128"/>
+                <a:cs typeface="メイリオ" panose="020B0604030504040204" pitchFamily="50" charset="-128"/>
+              </a:rPr>
+              <a:t>矢印キー封印してみる</a:t>
+            </a:r>
+            <a:endParaRPr lang="en-US" altLang="ja-JP" sz="5400" b="1" dirty="0">
+              <a:solidFill>
+                <a:srgbClr val="FF0000"/>
+              </a:solidFill>
+              <a:latin typeface="メイリオ" panose="020B0604030504040204" pitchFamily="50" charset="-128"/>
+              <a:ea typeface="メイリオ" panose="020B0604030504040204" pitchFamily="50" charset="-128"/>
+              <a:cs typeface="メイリオ" panose="020B0604030504040204" pitchFamily="50" charset="-128"/>
+            </a:endParaRPr>
+          </a:p>
+        </p:txBody>
+      </p:sp>
+    </p:spTree>
+    <p:extLst>
+      <p:ext uri="{BB962C8B-B14F-4D97-AF65-F5344CB8AC3E}">
+        <p14:creationId xmlns:p14="http://schemas.microsoft.com/office/powerpoint/2010/main" val="2536069693"/>
+      </p:ext>
+    </p:extLst>
+  </p:cSld>
+  <p:clrMapOvr>
+    <a:masterClrMapping/>
+  </p:clrMapOvr>
+  <p:timing>
+    <p:tnLst>
+      <p:par>
+        <p:cTn id="1" dur="indefinite" restart="never" nodeType="tmRoot"/>
+      </p:par>
+    </p:tnLst>
+  </p:timing>
+</p:sld>
+</file>
+
+<file path=ppt/slides/slide25.xml><?xml version="1.0" encoding="utf-8"?>
+<p:sld xmlns:a="http://schemas.openxmlformats.org/drawingml/2006/main" xmlns:r="http://schemas.openxmlformats.org/officeDocument/2006/relationships" xmlns:p="http://schemas.openxmlformats.org/presentationml/2006/main">
+  <p:cSld>
+    <p:spTree>
+      <p:nvGrpSpPr>
+        <p:cNvPr id="1" name=""/>
+        <p:cNvGrpSpPr/>
+        <p:nvPr/>
+      </p:nvGrpSpPr>
+      <p:grpSpPr>
+        <a:xfrm>
+          <a:off x="0" y="0"/>
+          <a:ext cx="0" cy="0"/>
+          <a:chOff x="0" y="0"/>
+          <a:chExt cx="0" cy="0"/>
+        </a:xfrm>
+      </p:grpSpPr>
+      <p:sp>
+        <p:nvSpPr>
+          <p:cNvPr id="12" name="タイトル 1"/>
+          <p:cNvSpPr>
+            <a:spLocks noGrp="1"/>
+          </p:cNvSpPr>
+          <p:nvPr>
+            <p:ph type="title"/>
+          </p:nvPr>
+        </p:nvSpPr>
+        <p:spPr/>
+        <p:txBody>
+          <a:bodyPr/>
+          <a:lstStyle/>
+          <a:p>
+            <a:r>
+              <a:rPr kumimoji="1" lang="ja-JP" altLang="en-US" dirty="0" smtClean="0">
+                <a:latin typeface="メイリオ" panose="020B0604030504040204" pitchFamily="50" charset="-128"/>
+                <a:ea typeface="メイリオ" panose="020B0604030504040204" pitchFamily="50" charset="-128"/>
+                <a:cs typeface="メイリオ" panose="020B0604030504040204" pitchFamily="50" charset="-128"/>
+              </a:rPr>
               <a:t>色々調べて使ってみる</a:t>
             </a:r>
             <a:endParaRPr kumimoji="1" lang="ja-JP" altLang="en-US" dirty="0">
@@ -8191,7 +8647,7 @@
 </p:sld>
 </file>
 
-<file path=ppt/slides/slide23.xml><?xml version="1.0" encoding="utf-8"?>
+<file path=ppt/slides/slide26.xml><?xml version="1.0" encoding="utf-8"?>
 <p:sld xmlns:a="http://schemas.openxmlformats.org/drawingml/2006/main" xmlns:r="http://schemas.openxmlformats.org/officeDocument/2006/relationships" xmlns:p="http://schemas.openxmlformats.org/presentationml/2006/main">
   <p:cSld>
     <p:spTree>
@@ -8567,7 +9023,7 @@
 </p:sld>
 </file>
 
-<file path=ppt/slides/slide24.xml><?xml version="1.0" encoding="utf-8"?>
+<file path=ppt/slides/slide27.xml><?xml version="1.0" encoding="utf-8"?>
 <p:sld xmlns:a="http://schemas.openxmlformats.org/drawingml/2006/main" xmlns:r="http://schemas.openxmlformats.org/officeDocument/2006/relationships" xmlns:p="http://schemas.openxmlformats.org/presentationml/2006/main">
   <p:cSld>
     <p:spTree>
@@ -8821,7 +9277,7 @@
 </p:sld>
 </file>
 
-<file path=ppt/slides/slide25.xml><?xml version="1.0" encoding="utf-8"?>
+<file path=ppt/slides/slide28.xml><?xml version="1.0" encoding="utf-8"?>
 <p:sld xmlns:a="http://schemas.openxmlformats.org/drawingml/2006/main" xmlns:r="http://schemas.openxmlformats.org/officeDocument/2006/relationships" xmlns:p="http://schemas.openxmlformats.org/presentationml/2006/main">
   <p:cSld>
     <p:spTree>
@@ -9179,7 +9635,7 @@
 </p:sld>
 </file>
 
-<file path=ppt/slides/slide26.xml><?xml version="1.0" encoding="utf-8"?>
+<file path=ppt/slides/slide29.xml><?xml version="1.0" encoding="utf-8"?>
 <p:sld xmlns:a="http://schemas.openxmlformats.org/drawingml/2006/main" xmlns:r="http://schemas.openxmlformats.org/officeDocument/2006/relationships" xmlns:p="http://schemas.openxmlformats.org/presentationml/2006/main">
   <p:cSld>
     <p:spTree>
@@ -9462,7 +9918,377 @@
 </p:sld>
 </file>
 
-<file path=ppt/slides/slide27.xml><?xml version="1.0" encoding="utf-8"?>
+<file path=ppt/slides/slide3.xml><?xml version="1.0" encoding="utf-8"?>
+<p:sld xmlns:a="http://schemas.openxmlformats.org/drawingml/2006/main" xmlns:r="http://schemas.openxmlformats.org/officeDocument/2006/relationships" xmlns:p="http://schemas.openxmlformats.org/presentationml/2006/main">
+  <p:cSld>
+    <p:spTree>
+      <p:nvGrpSpPr>
+        <p:cNvPr id="1" name=""/>
+        <p:cNvGrpSpPr/>
+        <p:nvPr/>
+      </p:nvGrpSpPr>
+      <p:grpSpPr>
+        <a:xfrm>
+          <a:off x="0" y="0"/>
+          <a:ext cx="0" cy="0"/>
+          <a:chOff x="0" y="0"/>
+          <a:chExt cx="0" cy="0"/>
+        </a:xfrm>
+      </p:grpSpPr>
+      <p:pic>
+        <p:nvPicPr>
+          <p:cNvPr id="1030" name="Picture 6" descr="C:\Users\Owner\Pictures\human_pictgram\pc.jpg"/>
+          <p:cNvPicPr>
+            <a:picLocks noChangeAspect="1" noChangeArrowheads="1"/>
+          </p:cNvPicPr>
+          <p:nvPr/>
+        </p:nvPicPr>
+        <p:blipFill>
+          <a:blip r:embed="rId2">
+            <a:extLst>
+              <a:ext uri="{28A0092B-C50C-407E-A947-70E740481C1C}">
+                <a14:useLocalDpi xmlns:a14="http://schemas.microsoft.com/office/drawing/2010/main" val="0"/>
+              </a:ext>
+            </a:extLst>
+          </a:blip>
+          <a:srcRect/>
+          <a:stretch>
+            <a:fillRect/>
+          </a:stretch>
+        </p:blipFill>
+        <p:spPr bwMode="auto">
+          <a:xfrm flipH="1">
+            <a:off x="1065134" y="2369621"/>
+            <a:ext cx="2327230" cy="2140695"/>
+          </a:xfrm>
+          <a:prstGeom prst="rect">
+            <a:avLst/>
+          </a:prstGeom>
+          <a:noFill/>
+          <a:extLst>
+            <a:ext uri="{909E8E84-426E-40DD-AFC4-6F175D3DCCD1}">
+              <a14:hiddenFill xmlns:a14="http://schemas.microsoft.com/office/drawing/2010/main">
+                <a:solidFill>
+                  <a:srgbClr val="FFFFFF"/>
+                </a:solidFill>
+              </a14:hiddenFill>
+            </a:ext>
+          </a:extLst>
+        </p:spPr>
+      </p:pic>
+      <p:sp>
+        <p:nvSpPr>
+          <p:cNvPr id="2" name="タイトル 1"/>
+          <p:cNvSpPr>
+            <a:spLocks noGrp="1"/>
+          </p:cNvSpPr>
+          <p:nvPr>
+            <p:ph type="title"/>
+          </p:nvPr>
+        </p:nvSpPr>
+        <p:spPr/>
+        <p:txBody>
+          <a:bodyPr/>
+          <a:lstStyle/>
+          <a:p>
+            <a:r>
+              <a:rPr kumimoji="1" lang="ja-JP" altLang="en-US" dirty="0" smtClean="0">
+                <a:latin typeface="メイリオ" panose="020B0604030504040204" pitchFamily="50" charset="-128"/>
+                <a:ea typeface="メイリオ" panose="020B0604030504040204" pitchFamily="50" charset="-128"/>
+                <a:cs typeface="メイリオ" panose="020B0604030504040204" pitchFamily="50" charset="-128"/>
+              </a:rPr>
+              <a:t>背景</a:t>
+            </a:r>
+            <a:endParaRPr kumimoji="1" lang="ja-JP" altLang="en-US" dirty="0">
+              <a:latin typeface="メイリオ" panose="020B0604030504040204" pitchFamily="50" charset="-128"/>
+              <a:ea typeface="メイリオ" panose="020B0604030504040204" pitchFamily="50" charset="-128"/>
+              <a:cs typeface="メイリオ" panose="020B0604030504040204" pitchFamily="50" charset="-128"/>
+            </a:endParaRPr>
+          </a:p>
+        </p:txBody>
+      </p:sp>
+      <p:pic>
+        <p:nvPicPr>
+          <p:cNvPr id="1026" name="Picture 2" descr="C:\Users\Owner\Pictures\redhat_logo.png"/>
+          <p:cNvPicPr>
+            <a:picLocks noChangeAspect="1" noChangeArrowheads="1"/>
+          </p:cNvPicPr>
+          <p:nvPr/>
+        </p:nvPicPr>
+        <p:blipFill>
+          <a:blip r:embed="rId3">
+            <a:extLst>
+              <a:ext uri="{28A0092B-C50C-407E-A947-70E740481C1C}">
+                <a14:useLocalDpi xmlns:a14="http://schemas.microsoft.com/office/drawing/2010/main" val="0"/>
+              </a:ext>
+            </a:extLst>
+          </a:blip>
+          <a:srcRect/>
+          <a:stretch>
+            <a:fillRect/>
+          </a:stretch>
+        </p:blipFill>
+        <p:spPr bwMode="auto">
+          <a:xfrm>
+            <a:off x="5724127" y="2080394"/>
+            <a:ext cx="2156123" cy="1617092"/>
+          </a:xfrm>
+          <a:prstGeom prst="rect">
+            <a:avLst/>
+          </a:prstGeom>
+          <a:noFill/>
+          <a:extLst>
+            <a:ext uri="{909E8E84-426E-40DD-AFC4-6F175D3DCCD1}">
+              <a14:hiddenFill xmlns:a14="http://schemas.microsoft.com/office/drawing/2010/main">
+                <a:solidFill>
+                  <a:srgbClr val="FFFFFF"/>
+                </a:solidFill>
+              </a14:hiddenFill>
+            </a:ext>
+          </a:extLst>
+        </p:spPr>
+      </p:pic>
+      <p:sp>
+        <p:nvSpPr>
+          <p:cNvPr id="7" name="コンテンツ プレースホルダー 2"/>
+          <p:cNvSpPr>
+            <a:spLocks noGrp="1"/>
+          </p:cNvSpPr>
+          <p:nvPr>
+            <p:ph idx="1"/>
+          </p:nvPr>
+        </p:nvSpPr>
+        <p:spPr>
+          <a:xfrm>
+            <a:off x="1115616" y="5085184"/>
+            <a:ext cx="7818072" cy="1584176"/>
+          </a:xfrm>
+        </p:spPr>
+        <p:txBody>
+          <a:bodyPr>
+            <a:normAutofit/>
+          </a:bodyPr>
+          <a:lstStyle/>
+          <a:p>
+            <a:pPr marL="82296" indent="0">
+              <a:buNone/>
+            </a:pPr>
+            <a:r>
+              <a:rPr lang="ja-JP" altLang="en-US" dirty="0" smtClean="0">
+                <a:latin typeface="メイリオ" panose="020B0604030504040204" pitchFamily="50" charset="-128"/>
+                <a:ea typeface="メイリオ" panose="020B0604030504040204" pitchFamily="50" charset="-128"/>
+                <a:cs typeface="メイリオ" panose="020B0604030504040204" pitchFamily="50" charset="-128"/>
+              </a:rPr>
+              <a:t>一時期、業務で</a:t>
+            </a:r>
+            <a:r>
+              <a:rPr lang="en-US" altLang="ja-JP" dirty="0" err="1" smtClean="0">
+                <a:latin typeface="メイリオ" panose="020B0604030504040204" pitchFamily="50" charset="-128"/>
+                <a:ea typeface="メイリオ" panose="020B0604030504040204" pitchFamily="50" charset="-128"/>
+                <a:cs typeface="メイリオ" panose="020B0604030504040204" pitchFamily="50" charset="-128"/>
+              </a:rPr>
+              <a:t>teraterm</a:t>
+            </a:r>
+            <a:r>
+              <a:rPr lang="ja-JP" altLang="en-US" dirty="0" smtClean="0">
+                <a:latin typeface="メイリオ" panose="020B0604030504040204" pitchFamily="50" charset="-128"/>
+                <a:ea typeface="メイリオ" panose="020B0604030504040204" pitchFamily="50" charset="-128"/>
+                <a:cs typeface="メイリオ" panose="020B0604030504040204" pitchFamily="50" charset="-128"/>
+              </a:rPr>
+              <a:t>を使って</a:t>
+            </a:r>
+            <a:endParaRPr lang="en-US" altLang="ja-JP" dirty="0" smtClean="0">
+              <a:latin typeface="メイリオ" panose="020B0604030504040204" pitchFamily="50" charset="-128"/>
+              <a:ea typeface="メイリオ" panose="020B0604030504040204" pitchFamily="50" charset="-128"/>
+              <a:cs typeface="メイリオ" panose="020B0604030504040204" pitchFamily="50" charset="-128"/>
+            </a:endParaRPr>
+          </a:p>
+          <a:p>
+            <a:pPr marL="82296" indent="0">
+              <a:buNone/>
+            </a:pPr>
+            <a:r>
+              <a:rPr lang="en-US" altLang="ja-JP" dirty="0" err="1" smtClean="0">
+                <a:latin typeface="メイリオ" panose="020B0604030504040204" pitchFamily="50" charset="-128"/>
+                <a:ea typeface="メイリオ" panose="020B0604030504040204" pitchFamily="50" charset="-128"/>
+                <a:cs typeface="メイリオ" panose="020B0604030504040204" pitchFamily="50" charset="-128"/>
+              </a:rPr>
+              <a:t>unix</a:t>
+            </a:r>
+            <a:r>
+              <a:rPr lang="ja-JP" altLang="en-US" dirty="0" smtClean="0">
+                <a:latin typeface="メイリオ" panose="020B0604030504040204" pitchFamily="50" charset="-128"/>
+                <a:ea typeface="メイリオ" panose="020B0604030504040204" pitchFamily="50" charset="-128"/>
+                <a:cs typeface="メイリオ" panose="020B0604030504040204" pitchFamily="50" charset="-128"/>
+              </a:rPr>
+              <a:t>系</a:t>
+            </a:r>
+            <a:r>
+              <a:rPr lang="en-US" altLang="ja-JP" dirty="0" smtClean="0">
+                <a:latin typeface="メイリオ" panose="020B0604030504040204" pitchFamily="50" charset="-128"/>
+                <a:ea typeface="メイリオ" panose="020B0604030504040204" pitchFamily="50" charset="-128"/>
+                <a:cs typeface="メイリオ" panose="020B0604030504040204" pitchFamily="50" charset="-128"/>
+              </a:rPr>
+              <a:t>OS</a:t>
+            </a:r>
+            <a:r>
+              <a:rPr lang="ja-JP" altLang="en-US" dirty="0" smtClean="0">
+                <a:latin typeface="メイリオ" panose="020B0604030504040204" pitchFamily="50" charset="-128"/>
+                <a:ea typeface="メイリオ" panose="020B0604030504040204" pitchFamily="50" charset="-128"/>
+                <a:cs typeface="メイリオ" panose="020B0604030504040204" pitchFamily="50" charset="-128"/>
+              </a:rPr>
+              <a:t>に触る機会があった</a:t>
+            </a:r>
+            <a:endParaRPr lang="en-US" altLang="ja-JP" dirty="0">
+              <a:latin typeface="メイリオ" panose="020B0604030504040204" pitchFamily="50" charset="-128"/>
+              <a:ea typeface="メイリオ" panose="020B0604030504040204" pitchFamily="50" charset="-128"/>
+              <a:cs typeface="メイリオ" panose="020B0604030504040204" pitchFamily="50" charset="-128"/>
+            </a:endParaRPr>
+          </a:p>
+        </p:txBody>
+      </p:sp>
+      <p:pic>
+        <p:nvPicPr>
+          <p:cNvPr id="1027" name="Picture 3" descr="C:\Users\Owner\Pictures\teraterm_icon.png"/>
+          <p:cNvPicPr>
+            <a:picLocks noChangeAspect="1" noChangeArrowheads="1"/>
+          </p:cNvPicPr>
+          <p:nvPr/>
+        </p:nvPicPr>
+        <p:blipFill>
+          <a:blip r:embed="rId4">
+            <a:extLst>
+              <a:ext uri="{28A0092B-C50C-407E-A947-70E740481C1C}">
+                <a14:useLocalDpi xmlns:a14="http://schemas.microsoft.com/office/drawing/2010/main" val="0"/>
+              </a:ext>
+            </a:extLst>
+          </a:blip>
+          <a:srcRect/>
+          <a:stretch>
+            <a:fillRect/>
+          </a:stretch>
+        </p:blipFill>
+        <p:spPr bwMode="auto">
+          <a:xfrm>
+            <a:off x="2788066" y="2198786"/>
+            <a:ext cx="1208596" cy="1208596"/>
+          </a:xfrm>
+          <a:prstGeom prst="rect">
+            <a:avLst/>
+          </a:prstGeom>
+          <a:noFill/>
+          <a:extLst>
+            <a:ext uri="{909E8E84-426E-40DD-AFC4-6F175D3DCCD1}">
+              <a14:hiddenFill xmlns:a14="http://schemas.microsoft.com/office/drawing/2010/main">
+                <a:solidFill>
+                  <a:srgbClr val="FFFFFF"/>
+                </a:solidFill>
+              </a14:hiddenFill>
+            </a:ext>
+          </a:extLst>
+        </p:spPr>
+      </p:pic>
+      <p:sp>
+        <p:nvSpPr>
+          <p:cNvPr id="3" name="右矢印 2"/>
+          <p:cNvSpPr/>
+          <p:nvPr/>
+        </p:nvSpPr>
+        <p:spPr>
+          <a:xfrm>
+            <a:off x="4427984" y="2272866"/>
+            <a:ext cx="1008112" cy="416049"/>
+          </a:xfrm>
+          <a:prstGeom prst="rightArrow">
+            <a:avLst/>
+          </a:prstGeom>
+        </p:spPr>
+        <p:style>
+          <a:lnRef idx="2">
+            <a:schemeClr val="accent1">
+              <a:shade val="50000"/>
+            </a:schemeClr>
+          </a:lnRef>
+          <a:fillRef idx="1">
+            <a:schemeClr val="accent1"/>
+          </a:fillRef>
+          <a:effectRef idx="0">
+            <a:schemeClr val="accent1"/>
+          </a:effectRef>
+          <a:fontRef idx="minor">
+            <a:schemeClr val="lt1"/>
+          </a:fontRef>
+        </p:style>
+        <p:txBody>
+          <a:bodyPr rtlCol="0" anchor="ctr"/>
+          <a:lstStyle/>
+          <a:p>
+            <a:pPr algn="ctr"/>
+            <a:endParaRPr kumimoji="1" lang="ja-JP" altLang="en-US"/>
+          </a:p>
+        </p:txBody>
+      </p:sp>
+      <p:sp>
+        <p:nvSpPr>
+          <p:cNvPr id="11" name="右矢印 10"/>
+          <p:cNvSpPr/>
+          <p:nvPr/>
+        </p:nvSpPr>
+        <p:spPr>
+          <a:xfrm rot="10800000">
+            <a:off x="4427984" y="2991332"/>
+            <a:ext cx="1008112" cy="416049"/>
+          </a:xfrm>
+          <a:prstGeom prst="rightArrow">
+            <a:avLst/>
+          </a:prstGeom>
+        </p:spPr>
+        <p:style>
+          <a:lnRef idx="2">
+            <a:schemeClr val="accent1">
+              <a:shade val="50000"/>
+            </a:schemeClr>
+          </a:lnRef>
+          <a:fillRef idx="1">
+            <a:schemeClr val="accent1"/>
+          </a:fillRef>
+          <a:effectRef idx="0">
+            <a:schemeClr val="accent1"/>
+          </a:effectRef>
+          <a:fontRef idx="minor">
+            <a:schemeClr val="lt1"/>
+          </a:fontRef>
+        </p:style>
+        <p:txBody>
+          <a:bodyPr rtlCol="0" anchor="ctr"/>
+          <a:lstStyle/>
+          <a:p>
+            <a:pPr algn="ctr"/>
+            <a:endParaRPr kumimoji="1" lang="ja-JP" altLang="en-US"/>
+          </a:p>
+        </p:txBody>
+      </p:sp>
+    </p:spTree>
+    <p:extLst>
+      <p:ext uri="{BB962C8B-B14F-4D97-AF65-F5344CB8AC3E}">
+        <p14:creationId xmlns:p14="http://schemas.microsoft.com/office/powerpoint/2010/main" val="3576786639"/>
+      </p:ext>
+    </p:extLst>
+  </p:cSld>
+  <p:clrMapOvr>
+    <a:masterClrMapping/>
+  </p:clrMapOvr>
+  <p:timing>
+    <p:tnLst>
+      <p:par>
+        <p:cTn id="1" dur="indefinite" restart="never" nodeType="tmRoot"/>
+      </p:par>
+    </p:tnLst>
+  </p:timing>
+</p:sld>
+</file>
+
+<file path=ppt/slides/slide30.xml><?xml version="1.0" encoding="utf-8"?>
 <p:sld xmlns:a="http://schemas.openxmlformats.org/drawingml/2006/main" xmlns:r="http://schemas.openxmlformats.org/officeDocument/2006/relationships" xmlns:p="http://schemas.openxmlformats.org/presentationml/2006/main">
   <p:cSld>
     <p:spTree>
@@ -9843,7 +10669,7 @@
 </p:sld>
 </file>
 
-<file path=ppt/slides/slide28.xml><?xml version="1.0" encoding="utf-8"?>
+<file path=ppt/slides/slide31.xml><?xml version="1.0" encoding="utf-8"?>
 <p:sld xmlns:a="http://schemas.openxmlformats.org/drawingml/2006/main" xmlns:r="http://schemas.openxmlformats.org/officeDocument/2006/relationships" xmlns:p="http://schemas.openxmlformats.org/presentationml/2006/main">
   <p:cSld>
     <p:spTree>
@@ -10260,1067 +11086,6 @@
 </p:sld>
 </file>
 
-<file path=ppt/slides/slide29.xml><?xml version="1.0" encoding="utf-8"?>
-<p:sld xmlns:a="http://schemas.openxmlformats.org/drawingml/2006/main" xmlns:r="http://schemas.openxmlformats.org/officeDocument/2006/relationships" xmlns:p="http://schemas.openxmlformats.org/presentationml/2006/main">
-  <p:cSld>
-    <p:spTree>
-      <p:nvGrpSpPr>
-        <p:cNvPr id="1" name=""/>
-        <p:cNvGrpSpPr/>
-        <p:nvPr/>
-      </p:nvGrpSpPr>
-      <p:grpSpPr>
-        <a:xfrm>
-          <a:off x="0" y="0"/>
-          <a:ext cx="0" cy="0"/>
-          <a:chOff x="0" y="0"/>
-          <a:chExt cx="0" cy="0"/>
-        </a:xfrm>
-      </p:grpSpPr>
-      <p:sp>
-        <p:nvSpPr>
-          <p:cNvPr id="2" name="タイトル 1"/>
-          <p:cNvSpPr>
-            <a:spLocks noGrp="1"/>
-          </p:cNvSpPr>
-          <p:nvPr>
-            <p:ph type="title"/>
-          </p:nvPr>
-        </p:nvSpPr>
-        <p:spPr/>
-        <p:txBody>
-          <a:bodyPr/>
-          <a:lstStyle/>
-          <a:p>
-            <a:r>
-              <a:rPr kumimoji="1" lang="ja-JP" altLang="en-US" dirty="0" smtClean="0">
-                <a:latin typeface="メイリオ" panose="020B0604030504040204" pitchFamily="50" charset="-128"/>
-                <a:ea typeface="メイリオ" panose="020B0604030504040204" pitchFamily="50" charset="-128"/>
-                <a:cs typeface="メイリオ" panose="020B0604030504040204" pitchFamily="50" charset="-128"/>
-              </a:rPr>
-              <a:t>感想</a:t>
-            </a:r>
-            <a:endParaRPr kumimoji="1" lang="ja-JP" altLang="en-US" dirty="0">
-              <a:latin typeface="メイリオ" panose="020B0604030504040204" pitchFamily="50" charset="-128"/>
-              <a:ea typeface="メイリオ" panose="020B0604030504040204" pitchFamily="50" charset="-128"/>
-              <a:cs typeface="メイリオ" panose="020B0604030504040204" pitchFamily="50" charset="-128"/>
-            </a:endParaRPr>
-          </a:p>
-        </p:txBody>
-      </p:sp>
-      <p:sp>
-        <p:nvSpPr>
-          <p:cNvPr id="6" name="コンテンツ プレースホルダー 2"/>
-          <p:cNvSpPr>
-            <a:spLocks noGrp="1"/>
-          </p:cNvSpPr>
-          <p:nvPr>
-            <p:ph idx="1"/>
-          </p:nvPr>
-        </p:nvSpPr>
-        <p:spPr>
-          <a:xfrm>
-            <a:off x="1435608" y="1124744"/>
-            <a:ext cx="7498080" cy="5400600"/>
-          </a:xfrm>
-        </p:spPr>
-        <p:txBody>
-          <a:bodyPr>
-            <a:normAutofit/>
-          </a:bodyPr>
-          <a:lstStyle/>
-          <a:p>
-            <a:pPr marL="82296" indent="0">
-              <a:buNone/>
-            </a:pPr>
-            <a:r>
-              <a:rPr lang="ja-JP" altLang="en-US" dirty="0" smtClean="0">
-                <a:latin typeface="メイリオ" panose="020B0604030504040204" pitchFamily="50" charset="-128"/>
-                <a:ea typeface="メイリオ" panose="020B0604030504040204" pitchFamily="50" charset="-128"/>
-                <a:cs typeface="メイリオ" panose="020B0604030504040204" pitchFamily="50" charset="-128"/>
-              </a:rPr>
-              <a:t>・とりあえず無料で気軽にできる</a:t>
-            </a:r>
-            <a:endParaRPr lang="en-US" altLang="ja-JP" dirty="0" smtClean="0">
-              <a:latin typeface="メイリオ" panose="020B0604030504040204" pitchFamily="50" charset="-128"/>
-              <a:ea typeface="メイリオ" panose="020B0604030504040204" pitchFamily="50" charset="-128"/>
-              <a:cs typeface="メイリオ" panose="020B0604030504040204" pitchFamily="50" charset="-128"/>
-            </a:endParaRPr>
-          </a:p>
-          <a:p>
-            <a:pPr marL="82296" indent="0">
-              <a:buNone/>
-            </a:pPr>
-            <a:endParaRPr lang="en-US" altLang="ja-JP" dirty="0">
-              <a:latin typeface="メイリオ" panose="020B0604030504040204" pitchFamily="50" charset="-128"/>
-              <a:ea typeface="メイリオ" panose="020B0604030504040204" pitchFamily="50" charset="-128"/>
-              <a:cs typeface="メイリオ" panose="020B0604030504040204" pitchFamily="50" charset="-128"/>
-            </a:endParaRPr>
-          </a:p>
-          <a:p>
-            <a:pPr marL="82296" indent="0">
-              <a:buNone/>
-            </a:pPr>
-            <a:r>
-              <a:rPr lang="ja-JP" altLang="en-US" dirty="0" smtClean="0">
-                <a:latin typeface="メイリオ" panose="020B0604030504040204" pitchFamily="50" charset="-128"/>
-                <a:ea typeface="メイリオ" panose="020B0604030504040204" pitchFamily="50" charset="-128"/>
-                <a:cs typeface="メイリオ" panose="020B0604030504040204" pitchFamily="50" charset="-128"/>
-              </a:rPr>
-              <a:t>・チュートリアル、ドキュメントが</a:t>
-            </a:r>
-            <a:endParaRPr lang="en-US" altLang="ja-JP" dirty="0" smtClean="0">
-              <a:latin typeface="メイリオ" panose="020B0604030504040204" pitchFamily="50" charset="-128"/>
-              <a:ea typeface="メイリオ" panose="020B0604030504040204" pitchFamily="50" charset="-128"/>
-              <a:cs typeface="メイリオ" panose="020B0604030504040204" pitchFamily="50" charset="-128"/>
-            </a:endParaRPr>
-          </a:p>
-          <a:p>
-            <a:pPr marL="82296" indent="0">
-              <a:buNone/>
-            </a:pPr>
-            <a:r>
-              <a:rPr lang="ja-JP" altLang="en-US" dirty="0">
-                <a:latin typeface="メイリオ" panose="020B0604030504040204" pitchFamily="50" charset="-128"/>
-                <a:ea typeface="メイリオ" panose="020B0604030504040204" pitchFamily="50" charset="-128"/>
-                <a:cs typeface="メイリオ" panose="020B0604030504040204" pitchFamily="50" charset="-128"/>
-              </a:rPr>
-              <a:t>　</a:t>
-            </a:r>
-            <a:r>
-              <a:rPr lang="ja-JP" altLang="en-US" dirty="0" smtClean="0">
-                <a:latin typeface="メイリオ" panose="020B0604030504040204" pitchFamily="50" charset="-128"/>
-                <a:ea typeface="メイリオ" panose="020B0604030504040204" pitchFamily="50" charset="-128"/>
-                <a:cs typeface="メイリオ" panose="020B0604030504040204" pitchFamily="50" charset="-128"/>
-              </a:rPr>
-              <a:t>豊富</a:t>
-            </a:r>
-            <a:endParaRPr lang="en-US" altLang="ja-JP" dirty="0" smtClean="0">
-              <a:latin typeface="メイリオ" panose="020B0604030504040204" pitchFamily="50" charset="-128"/>
-              <a:ea typeface="メイリオ" panose="020B0604030504040204" pitchFamily="50" charset="-128"/>
-              <a:cs typeface="メイリオ" panose="020B0604030504040204" pitchFamily="50" charset="-128"/>
-            </a:endParaRPr>
-          </a:p>
-          <a:p>
-            <a:pPr marL="82296" indent="0">
-              <a:buNone/>
-            </a:pPr>
-            <a:endParaRPr lang="en-US" altLang="ja-JP" dirty="0">
-              <a:latin typeface="メイリオ" panose="020B0604030504040204" pitchFamily="50" charset="-128"/>
-              <a:ea typeface="メイリオ" panose="020B0604030504040204" pitchFamily="50" charset="-128"/>
-              <a:cs typeface="メイリオ" panose="020B0604030504040204" pitchFamily="50" charset="-128"/>
-            </a:endParaRPr>
-          </a:p>
-          <a:p>
-            <a:pPr marL="82296" indent="0">
-              <a:buNone/>
-            </a:pPr>
-            <a:r>
-              <a:rPr lang="ja-JP" altLang="en-US" dirty="0" smtClean="0">
-                <a:latin typeface="メイリオ" panose="020B0604030504040204" pitchFamily="50" charset="-128"/>
-                <a:ea typeface="メイリオ" panose="020B0604030504040204" pitchFamily="50" charset="-128"/>
-                <a:cs typeface="メイリオ" panose="020B0604030504040204" pitchFamily="50" charset="-128"/>
-              </a:rPr>
-              <a:t>・コード修正→実機で即反映</a:t>
-            </a:r>
-            <a:endParaRPr lang="en-US" altLang="ja-JP" dirty="0" smtClean="0">
-              <a:latin typeface="メイリオ" panose="020B0604030504040204" pitchFamily="50" charset="-128"/>
-              <a:ea typeface="メイリオ" panose="020B0604030504040204" pitchFamily="50" charset="-128"/>
-              <a:cs typeface="メイリオ" panose="020B0604030504040204" pitchFamily="50" charset="-128"/>
-            </a:endParaRPr>
-          </a:p>
-          <a:p>
-            <a:pPr marL="82296" indent="0">
-              <a:buNone/>
-            </a:pPr>
-            <a:r>
-              <a:rPr lang="ja-JP" altLang="en-US" dirty="0">
-                <a:latin typeface="メイリオ" panose="020B0604030504040204" pitchFamily="50" charset="-128"/>
-                <a:ea typeface="メイリオ" panose="020B0604030504040204" pitchFamily="50" charset="-128"/>
-                <a:cs typeface="メイリオ" panose="020B0604030504040204" pitchFamily="50" charset="-128"/>
-              </a:rPr>
-              <a:t>　</a:t>
-            </a:r>
-            <a:r>
-              <a:rPr lang="ja-JP" altLang="en-US" dirty="0" smtClean="0">
-                <a:latin typeface="メイリオ" panose="020B0604030504040204" pitchFamily="50" charset="-128"/>
-                <a:ea typeface="メイリオ" panose="020B0604030504040204" pitchFamily="50" charset="-128"/>
-                <a:cs typeface="メイリオ" panose="020B0604030504040204" pitchFamily="50" charset="-128"/>
-              </a:rPr>
-              <a:t>はやっぱり楽しい</a:t>
-            </a:r>
-            <a:endParaRPr lang="en-US" altLang="ja-JP" dirty="0" smtClean="0">
-              <a:latin typeface="メイリオ" panose="020B0604030504040204" pitchFamily="50" charset="-128"/>
-              <a:ea typeface="メイリオ" panose="020B0604030504040204" pitchFamily="50" charset="-128"/>
-              <a:cs typeface="メイリオ" panose="020B0604030504040204" pitchFamily="50" charset="-128"/>
-            </a:endParaRPr>
-          </a:p>
-          <a:p>
-            <a:pPr marL="82296" indent="0">
-              <a:buNone/>
-            </a:pPr>
-            <a:endParaRPr lang="en-US" altLang="ja-JP" dirty="0" smtClean="0">
-              <a:latin typeface="メイリオ" panose="020B0604030504040204" pitchFamily="50" charset="-128"/>
-              <a:ea typeface="メイリオ" panose="020B0604030504040204" pitchFamily="50" charset="-128"/>
-              <a:cs typeface="メイリオ" panose="020B0604030504040204" pitchFamily="50" charset="-128"/>
-            </a:endParaRPr>
-          </a:p>
-          <a:p>
-            <a:pPr marL="82296" indent="0">
-              <a:buNone/>
-            </a:pPr>
-            <a:r>
-              <a:rPr lang="ja-JP" altLang="en-US" dirty="0" smtClean="0">
-                <a:latin typeface="メイリオ" panose="020B0604030504040204" pitchFamily="50" charset="-128"/>
-                <a:ea typeface="メイリオ" panose="020B0604030504040204" pitchFamily="50" charset="-128"/>
-                <a:cs typeface="メイリオ" panose="020B0604030504040204" pitchFamily="50" charset="-128"/>
-              </a:rPr>
-              <a:t>・やはり</a:t>
-            </a:r>
-            <a:r>
-              <a:rPr lang="en-US" altLang="ja-JP" dirty="0" smtClean="0">
-                <a:latin typeface="メイリオ" panose="020B0604030504040204" pitchFamily="50" charset="-128"/>
-                <a:ea typeface="メイリオ" panose="020B0604030504040204" pitchFamily="50" charset="-128"/>
-                <a:cs typeface="メイリオ" panose="020B0604030504040204" pitchFamily="50" charset="-128"/>
-              </a:rPr>
-              <a:t>Objective-C</a:t>
-            </a:r>
-            <a:r>
-              <a:rPr lang="ja-JP" altLang="en-US" dirty="0" smtClean="0">
-                <a:latin typeface="メイリオ" panose="020B0604030504040204" pitchFamily="50" charset="-128"/>
-                <a:ea typeface="メイリオ" panose="020B0604030504040204" pitchFamily="50" charset="-128"/>
-                <a:cs typeface="メイリオ" panose="020B0604030504040204" pitchFamily="50" charset="-128"/>
-              </a:rPr>
-              <a:t>より</a:t>
-            </a:r>
-            <a:r>
-              <a:rPr lang="ja-JP" altLang="en-US" dirty="0" err="1" smtClean="0">
-                <a:latin typeface="メイリオ" panose="020B0604030504040204" pitchFamily="50" charset="-128"/>
-                <a:ea typeface="メイリオ" panose="020B0604030504040204" pitchFamily="50" charset="-128"/>
-                <a:cs typeface="メイリオ" panose="020B0604030504040204" pitchFamily="50" charset="-128"/>
-              </a:rPr>
-              <a:t>遅いっぽい</a:t>
-            </a:r>
-            <a:r>
-              <a:rPr lang="ja-JP" altLang="en-US" dirty="0" smtClean="0">
-                <a:latin typeface="メイリオ" panose="020B0604030504040204" pitchFamily="50" charset="-128"/>
-                <a:ea typeface="メイリオ" panose="020B0604030504040204" pitchFamily="50" charset="-128"/>
-                <a:cs typeface="メイリオ" panose="020B0604030504040204" pitchFamily="50" charset="-128"/>
-              </a:rPr>
-              <a:t>？</a:t>
-            </a:r>
-            <a:endParaRPr lang="en-US" altLang="ja-JP" dirty="0">
-              <a:latin typeface="メイリオ" panose="020B0604030504040204" pitchFamily="50" charset="-128"/>
-              <a:ea typeface="メイリオ" panose="020B0604030504040204" pitchFamily="50" charset="-128"/>
-              <a:cs typeface="メイリオ" panose="020B0604030504040204" pitchFamily="50" charset="-128"/>
-            </a:endParaRPr>
-          </a:p>
-        </p:txBody>
-      </p:sp>
-    </p:spTree>
-    <p:extLst>
-      <p:ext uri="{BB962C8B-B14F-4D97-AF65-F5344CB8AC3E}">
-        <p14:creationId xmlns:p14="http://schemas.microsoft.com/office/powerpoint/2010/main" val="868550525"/>
-      </p:ext>
-    </p:extLst>
-  </p:cSld>
-  <p:clrMapOvr>
-    <a:masterClrMapping/>
-  </p:clrMapOvr>
-</p:sld>
-</file>
-
-<file path=ppt/slides/slide3.xml><?xml version="1.0" encoding="utf-8"?>
-<p:sld xmlns:a="http://schemas.openxmlformats.org/drawingml/2006/main" xmlns:r="http://schemas.openxmlformats.org/officeDocument/2006/relationships" xmlns:p="http://schemas.openxmlformats.org/presentationml/2006/main">
-  <p:cSld>
-    <p:spTree>
-      <p:nvGrpSpPr>
-        <p:cNvPr id="1" name=""/>
-        <p:cNvGrpSpPr/>
-        <p:nvPr/>
-      </p:nvGrpSpPr>
-      <p:grpSpPr>
-        <a:xfrm>
-          <a:off x="0" y="0"/>
-          <a:ext cx="0" cy="0"/>
-          <a:chOff x="0" y="0"/>
-          <a:chExt cx="0" cy="0"/>
-        </a:xfrm>
-      </p:grpSpPr>
-      <p:pic>
-        <p:nvPicPr>
-          <p:cNvPr id="1030" name="Picture 6" descr="C:\Users\Owner\Pictures\human_pictgram\pc.jpg"/>
-          <p:cNvPicPr>
-            <a:picLocks noChangeAspect="1" noChangeArrowheads="1"/>
-          </p:cNvPicPr>
-          <p:nvPr/>
-        </p:nvPicPr>
-        <p:blipFill>
-          <a:blip r:embed="rId2">
-            <a:extLst>
-              <a:ext uri="{28A0092B-C50C-407E-A947-70E740481C1C}">
-                <a14:useLocalDpi xmlns:a14="http://schemas.microsoft.com/office/drawing/2010/main" val="0"/>
-              </a:ext>
-            </a:extLst>
-          </a:blip>
-          <a:srcRect/>
-          <a:stretch>
-            <a:fillRect/>
-          </a:stretch>
-        </p:blipFill>
-        <p:spPr bwMode="auto">
-          <a:xfrm flipH="1">
-            <a:off x="1065134" y="2369621"/>
-            <a:ext cx="2327230" cy="2140695"/>
-          </a:xfrm>
-          <a:prstGeom prst="rect">
-            <a:avLst/>
-          </a:prstGeom>
-          <a:noFill/>
-          <a:extLst>
-            <a:ext uri="{909E8E84-426E-40DD-AFC4-6F175D3DCCD1}">
-              <a14:hiddenFill xmlns:a14="http://schemas.microsoft.com/office/drawing/2010/main">
-                <a:solidFill>
-                  <a:srgbClr val="FFFFFF"/>
-                </a:solidFill>
-              </a14:hiddenFill>
-            </a:ext>
-          </a:extLst>
-        </p:spPr>
-      </p:pic>
-      <p:sp>
-        <p:nvSpPr>
-          <p:cNvPr id="2" name="タイトル 1"/>
-          <p:cNvSpPr>
-            <a:spLocks noGrp="1"/>
-          </p:cNvSpPr>
-          <p:nvPr>
-            <p:ph type="title"/>
-          </p:nvPr>
-        </p:nvSpPr>
-        <p:spPr/>
-        <p:txBody>
-          <a:bodyPr/>
-          <a:lstStyle/>
-          <a:p>
-            <a:r>
-              <a:rPr kumimoji="1" lang="ja-JP" altLang="en-US" dirty="0" smtClean="0">
-                <a:latin typeface="メイリオ" panose="020B0604030504040204" pitchFamily="50" charset="-128"/>
-                <a:ea typeface="メイリオ" panose="020B0604030504040204" pitchFamily="50" charset="-128"/>
-                <a:cs typeface="メイリオ" panose="020B0604030504040204" pitchFamily="50" charset="-128"/>
-              </a:rPr>
-              <a:t>背景</a:t>
-            </a:r>
-            <a:endParaRPr kumimoji="1" lang="ja-JP" altLang="en-US" dirty="0">
-              <a:latin typeface="メイリオ" panose="020B0604030504040204" pitchFamily="50" charset="-128"/>
-              <a:ea typeface="メイリオ" panose="020B0604030504040204" pitchFamily="50" charset="-128"/>
-              <a:cs typeface="メイリオ" panose="020B0604030504040204" pitchFamily="50" charset="-128"/>
-            </a:endParaRPr>
-          </a:p>
-        </p:txBody>
-      </p:sp>
-      <p:pic>
-        <p:nvPicPr>
-          <p:cNvPr id="1026" name="Picture 2" descr="C:\Users\Owner\Pictures\redhat_logo.png"/>
-          <p:cNvPicPr>
-            <a:picLocks noChangeAspect="1" noChangeArrowheads="1"/>
-          </p:cNvPicPr>
-          <p:nvPr/>
-        </p:nvPicPr>
-        <p:blipFill>
-          <a:blip r:embed="rId3">
-            <a:extLst>
-              <a:ext uri="{28A0092B-C50C-407E-A947-70E740481C1C}">
-                <a14:useLocalDpi xmlns:a14="http://schemas.microsoft.com/office/drawing/2010/main" val="0"/>
-              </a:ext>
-            </a:extLst>
-          </a:blip>
-          <a:srcRect/>
-          <a:stretch>
-            <a:fillRect/>
-          </a:stretch>
-        </p:blipFill>
-        <p:spPr bwMode="auto">
-          <a:xfrm>
-            <a:off x="5724127" y="2080394"/>
-            <a:ext cx="2156123" cy="1617092"/>
-          </a:xfrm>
-          <a:prstGeom prst="rect">
-            <a:avLst/>
-          </a:prstGeom>
-          <a:noFill/>
-          <a:extLst>
-            <a:ext uri="{909E8E84-426E-40DD-AFC4-6F175D3DCCD1}">
-              <a14:hiddenFill xmlns:a14="http://schemas.microsoft.com/office/drawing/2010/main">
-                <a:solidFill>
-                  <a:srgbClr val="FFFFFF"/>
-                </a:solidFill>
-              </a14:hiddenFill>
-            </a:ext>
-          </a:extLst>
-        </p:spPr>
-      </p:pic>
-      <p:sp>
-        <p:nvSpPr>
-          <p:cNvPr id="7" name="コンテンツ プレースホルダー 2"/>
-          <p:cNvSpPr>
-            <a:spLocks noGrp="1"/>
-          </p:cNvSpPr>
-          <p:nvPr>
-            <p:ph idx="1"/>
-          </p:nvPr>
-        </p:nvSpPr>
-        <p:spPr>
-          <a:xfrm>
-            <a:off x="1115616" y="5085184"/>
-            <a:ext cx="7818072" cy="1584176"/>
-          </a:xfrm>
-        </p:spPr>
-        <p:txBody>
-          <a:bodyPr>
-            <a:normAutofit/>
-          </a:bodyPr>
-          <a:lstStyle/>
-          <a:p>
-            <a:pPr marL="82296" indent="0">
-              <a:buNone/>
-            </a:pPr>
-            <a:r>
-              <a:rPr lang="ja-JP" altLang="en-US" dirty="0" smtClean="0">
-                <a:latin typeface="メイリオ" panose="020B0604030504040204" pitchFamily="50" charset="-128"/>
-                <a:ea typeface="メイリオ" panose="020B0604030504040204" pitchFamily="50" charset="-128"/>
-                <a:cs typeface="メイリオ" panose="020B0604030504040204" pitchFamily="50" charset="-128"/>
-              </a:rPr>
-              <a:t>一時期、業務</a:t>
-            </a:r>
-            <a:r>
-              <a:rPr lang="ja-JP" altLang="en-US" dirty="0" smtClean="0">
-                <a:latin typeface="メイリオ" panose="020B0604030504040204" pitchFamily="50" charset="-128"/>
-                <a:ea typeface="メイリオ" panose="020B0604030504040204" pitchFamily="50" charset="-128"/>
-                <a:cs typeface="メイリオ" panose="020B0604030504040204" pitchFamily="50" charset="-128"/>
-              </a:rPr>
-              <a:t>で</a:t>
-            </a:r>
-            <a:r>
-              <a:rPr lang="en-US" altLang="ja-JP" dirty="0" err="1" smtClean="0">
-                <a:latin typeface="メイリオ" panose="020B0604030504040204" pitchFamily="50" charset="-128"/>
-                <a:ea typeface="メイリオ" panose="020B0604030504040204" pitchFamily="50" charset="-128"/>
-                <a:cs typeface="メイリオ" panose="020B0604030504040204" pitchFamily="50" charset="-128"/>
-              </a:rPr>
-              <a:t>teraterm</a:t>
-            </a:r>
-            <a:r>
-              <a:rPr lang="ja-JP" altLang="en-US" dirty="0" smtClean="0">
-                <a:latin typeface="メイリオ" panose="020B0604030504040204" pitchFamily="50" charset="-128"/>
-                <a:ea typeface="メイリオ" panose="020B0604030504040204" pitchFamily="50" charset="-128"/>
-                <a:cs typeface="メイリオ" panose="020B0604030504040204" pitchFamily="50" charset="-128"/>
-              </a:rPr>
-              <a:t>を使って</a:t>
-            </a:r>
-            <a:endParaRPr lang="en-US" altLang="ja-JP" dirty="0" smtClean="0">
-              <a:latin typeface="メイリオ" panose="020B0604030504040204" pitchFamily="50" charset="-128"/>
-              <a:ea typeface="メイリオ" panose="020B0604030504040204" pitchFamily="50" charset="-128"/>
-              <a:cs typeface="メイリオ" panose="020B0604030504040204" pitchFamily="50" charset="-128"/>
-            </a:endParaRPr>
-          </a:p>
-          <a:p>
-            <a:pPr marL="82296" indent="0">
-              <a:buNone/>
-            </a:pPr>
-            <a:r>
-              <a:rPr lang="en-US" altLang="ja-JP" dirty="0" err="1" smtClean="0">
-                <a:latin typeface="メイリオ" panose="020B0604030504040204" pitchFamily="50" charset="-128"/>
-                <a:ea typeface="メイリオ" panose="020B0604030504040204" pitchFamily="50" charset="-128"/>
-                <a:cs typeface="メイリオ" panose="020B0604030504040204" pitchFamily="50" charset="-128"/>
-              </a:rPr>
-              <a:t>unix</a:t>
-            </a:r>
-            <a:r>
-              <a:rPr lang="ja-JP" altLang="en-US" dirty="0" smtClean="0">
-                <a:latin typeface="メイリオ" panose="020B0604030504040204" pitchFamily="50" charset="-128"/>
-                <a:ea typeface="メイリオ" panose="020B0604030504040204" pitchFamily="50" charset="-128"/>
-                <a:cs typeface="メイリオ" panose="020B0604030504040204" pitchFamily="50" charset="-128"/>
-              </a:rPr>
-              <a:t>系</a:t>
-            </a:r>
-            <a:r>
-              <a:rPr lang="en-US" altLang="ja-JP" dirty="0" smtClean="0">
-                <a:latin typeface="メイリオ" panose="020B0604030504040204" pitchFamily="50" charset="-128"/>
-                <a:ea typeface="メイリオ" panose="020B0604030504040204" pitchFamily="50" charset="-128"/>
-                <a:cs typeface="メイリオ" panose="020B0604030504040204" pitchFamily="50" charset="-128"/>
-              </a:rPr>
-              <a:t>OS</a:t>
-            </a:r>
-            <a:r>
-              <a:rPr lang="ja-JP" altLang="en-US" dirty="0" smtClean="0">
-                <a:latin typeface="メイリオ" panose="020B0604030504040204" pitchFamily="50" charset="-128"/>
-                <a:ea typeface="メイリオ" panose="020B0604030504040204" pitchFamily="50" charset="-128"/>
-                <a:cs typeface="メイリオ" panose="020B0604030504040204" pitchFamily="50" charset="-128"/>
-              </a:rPr>
-              <a:t>に触る機会があった</a:t>
-            </a:r>
-            <a:endParaRPr lang="en-US" altLang="ja-JP" dirty="0">
-              <a:latin typeface="メイリオ" panose="020B0604030504040204" pitchFamily="50" charset="-128"/>
-              <a:ea typeface="メイリオ" panose="020B0604030504040204" pitchFamily="50" charset="-128"/>
-              <a:cs typeface="メイリオ" panose="020B0604030504040204" pitchFamily="50" charset="-128"/>
-            </a:endParaRPr>
-          </a:p>
-        </p:txBody>
-      </p:sp>
-      <p:pic>
-        <p:nvPicPr>
-          <p:cNvPr id="1027" name="Picture 3" descr="C:\Users\Owner\Pictures\teraterm_icon.png"/>
-          <p:cNvPicPr>
-            <a:picLocks noChangeAspect="1" noChangeArrowheads="1"/>
-          </p:cNvPicPr>
-          <p:nvPr/>
-        </p:nvPicPr>
-        <p:blipFill>
-          <a:blip r:embed="rId4">
-            <a:extLst>
-              <a:ext uri="{28A0092B-C50C-407E-A947-70E740481C1C}">
-                <a14:useLocalDpi xmlns:a14="http://schemas.microsoft.com/office/drawing/2010/main" val="0"/>
-              </a:ext>
-            </a:extLst>
-          </a:blip>
-          <a:srcRect/>
-          <a:stretch>
-            <a:fillRect/>
-          </a:stretch>
-        </p:blipFill>
-        <p:spPr bwMode="auto">
-          <a:xfrm>
-            <a:off x="2788066" y="2198786"/>
-            <a:ext cx="1208596" cy="1208596"/>
-          </a:xfrm>
-          <a:prstGeom prst="rect">
-            <a:avLst/>
-          </a:prstGeom>
-          <a:noFill/>
-          <a:extLst>
-            <a:ext uri="{909E8E84-426E-40DD-AFC4-6F175D3DCCD1}">
-              <a14:hiddenFill xmlns:a14="http://schemas.microsoft.com/office/drawing/2010/main">
-                <a:solidFill>
-                  <a:srgbClr val="FFFFFF"/>
-                </a:solidFill>
-              </a14:hiddenFill>
-            </a:ext>
-          </a:extLst>
-        </p:spPr>
-      </p:pic>
-      <p:sp>
-        <p:nvSpPr>
-          <p:cNvPr id="3" name="右矢印 2"/>
-          <p:cNvSpPr/>
-          <p:nvPr/>
-        </p:nvSpPr>
-        <p:spPr>
-          <a:xfrm>
-            <a:off x="4427984" y="2272866"/>
-            <a:ext cx="1008112" cy="416049"/>
-          </a:xfrm>
-          <a:prstGeom prst="rightArrow">
-            <a:avLst/>
-          </a:prstGeom>
-        </p:spPr>
-        <p:style>
-          <a:lnRef idx="2">
-            <a:schemeClr val="accent1">
-              <a:shade val="50000"/>
-            </a:schemeClr>
-          </a:lnRef>
-          <a:fillRef idx="1">
-            <a:schemeClr val="accent1"/>
-          </a:fillRef>
-          <a:effectRef idx="0">
-            <a:schemeClr val="accent1"/>
-          </a:effectRef>
-          <a:fontRef idx="minor">
-            <a:schemeClr val="lt1"/>
-          </a:fontRef>
-        </p:style>
-        <p:txBody>
-          <a:bodyPr rtlCol="0" anchor="ctr"/>
-          <a:lstStyle/>
-          <a:p>
-            <a:pPr algn="ctr"/>
-            <a:endParaRPr kumimoji="1" lang="ja-JP" altLang="en-US"/>
-          </a:p>
-        </p:txBody>
-      </p:sp>
-      <p:sp>
-        <p:nvSpPr>
-          <p:cNvPr id="11" name="右矢印 10"/>
-          <p:cNvSpPr/>
-          <p:nvPr/>
-        </p:nvSpPr>
-        <p:spPr>
-          <a:xfrm rot="10800000">
-            <a:off x="4427984" y="2991332"/>
-            <a:ext cx="1008112" cy="416049"/>
-          </a:xfrm>
-          <a:prstGeom prst="rightArrow">
-            <a:avLst/>
-          </a:prstGeom>
-        </p:spPr>
-        <p:style>
-          <a:lnRef idx="2">
-            <a:schemeClr val="accent1">
-              <a:shade val="50000"/>
-            </a:schemeClr>
-          </a:lnRef>
-          <a:fillRef idx="1">
-            <a:schemeClr val="accent1"/>
-          </a:fillRef>
-          <a:effectRef idx="0">
-            <a:schemeClr val="accent1"/>
-          </a:effectRef>
-          <a:fontRef idx="minor">
-            <a:schemeClr val="lt1"/>
-          </a:fontRef>
-        </p:style>
-        <p:txBody>
-          <a:bodyPr rtlCol="0" anchor="ctr"/>
-          <a:lstStyle/>
-          <a:p>
-            <a:pPr algn="ctr"/>
-            <a:endParaRPr kumimoji="1" lang="ja-JP" altLang="en-US"/>
-          </a:p>
-        </p:txBody>
-      </p:sp>
-    </p:spTree>
-    <p:extLst>
-      <p:ext uri="{BB962C8B-B14F-4D97-AF65-F5344CB8AC3E}">
-        <p14:creationId xmlns:p14="http://schemas.microsoft.com/office/powerpoint/2010/main" val="3576786639"/>
-      </p:ext>
-    </p:extLst>
-  </p:cSld>
-  <p:clrMapOvr>
-    <a:masterClrMapping/>
-  </p:clrMapOvr>
-  <p:timing>
-    <p:tnLst>
-      <p:par>
-        <p:cTn id="1" dur="indefinite" restart="never" nodeType="tmRoot"/>
-      </p:par>
-    </p:tnLst>
-  </p:timing>
-</p:sld>
-</file>
-
-<file path=ppt/slides/slide30.xml><?xml version="1.0" encoding="utf-8"?>
-<p:sld xmlns:a="http://schemas.openxmlformats.org/drawingml/2006/main" xmlns:r="http://schemas.openxmlformats.org/officeDocument/2006/relationships" xmlns:p="http://schemas.openxmlformats.org/presentationml/2006/main">
-  <p:cSld>
-    <p:spTree>
-      <p:nvGrpSpPr>
-        <p:cNvPr id="1" name=""/>
-        <p:cNvGrpSpPr/>
-        <p:nvPr/>
-      </p:nvGrpSpPr>
-      <p:grpSpPr>
-        <a:xfrm>
-          <a:off x="0" y="0"/>
-          <a:ext cx="0" cy="0"/>
-          <a:chOff x="0" y="0"/>
-          <a:chExt cx="0" cy="0"/>
-        </a:xfrm>
-      </p:grpSpPr>
-      <p:sp>
-        <p:nvSpPr>
-          <p:cNvPr id="2" name="タイトル 1"/>
-          <p:cNvSpPr>
-            <a:spLocks noGrp="1"/>
-          </p:cNvSpPr>
-          <p:nvPr>
-            <p:ph type="title"/>
-          </p:nvPr>
-        </p:nvSpPr>
-        <p:spPr/>
-        <p:txBody>
-          <a:bodyPr/>
-          <a:lstStyle/>
-          <a:p>
-            <a:r>
-              <a:rPr kumimoji="1" lang="ja-JP" altLang="en-US" dirty="0" smtClean="0">
-                <a:latin typeface="メイリオ" panose="020B0604030504040204" pitchFamily="50" charset="-128"/>
-                <a:ea typeface="メイリオ" panose="020B0604030504040204" pitchFamily="50" charset="-128"/>
-                <a:cs typeface="メイリオ" panose="020B0604030504040204" pitchFamily="50" charset="-128"/>
-              </a:rPr>
-              <a:t>反省</a:t>
-            </a:r>
-            <a:endParaRPr kumimoji="1" lang="ja-JP" altLang="en-US" dirty="0">
-              <a:latin typeface="メイリオ" panose="020B0604030504040204" pitchFamily="50" charset="-128"/>
-              <a:ea typeface="メイリオ" panose="020B0604030504040204" pitchFamily="50" charset="-128"/>
-              <a:cs typeface="メイリオ" panose="020B0604030504040204" pitchFamily="50" charset="-128"/>
-            </a:endParaRPr>
-          </a:p>
-        </p:txBody>
-      </p:sp>
-      <p:sp>
-        <p:nvSpPr>
-          <p:cNvPr id="6" name="コンテンツ プレースホルダー 2"/>
-          <p:cNvSpPr>
-            <a:spLocks noGrp="1"/>
-          </p:cNvSpPr>
-          <p:nvPr>
-            <p:ph idx="1"/>
-          </p:nvPr>
-        </p:nvSpPr>
-        <p:spPr>
-          <a:xfrm>
-            <a:off x="1435608" y="1447800"/>
-            <a:ext cx="7498080" cy="5410200"/>
-          </a:xfrm>
-        </p:spPr>
-        <p:txBody>
-          <a:bodyPr>
-            <a:normAutofit/>
-          </a:bodyPr>
-          <a:lstStyle/>
-          <a:p>
-            <a:pPr marL="82296" indent="0">
-              <a:buNone/>
-            </a:pPr>
-            <a:r>
-              <a:rPr lang="ja-JP" altLang="en-US" dirty="0" smtClean="0">
-                <a:latin typeface="メイリオ" panose="020B0604030504040204" pitchFamily="50" charset="-128"/>
-                <a:ea typeface="メイリオ" panose="020B0604030504040204" pitchFamily="50" charset="-128"/>
-                <a:cs typeface="メイリオ" panose="020B0604030504040204" pitchFamily="50" charset="-128"/>
-              </a:rPr>
-              <a:t>ああ</a:t>
-            </a:r>
-            <a:endParaRPr lang="en-US" altLang="ja-JP" dirty="0" smtClean="0">
-              <a:latin typeface="メイリオ" panose="020B0604030504040204" pitchFamily="50" charset="-128"/>
-              <a:ea typeface="メイリオ" panose="020B0604030504040204" pitchFamily="50" charset="-128"/>
-              <a:cs typeface="メイリオ" panose="020B0604030504040204" pitchFamily="50" charset="-128"/>
-            </a:endParaRPr>
-          </a:p>
-        </p:txBody>
-      </p:sp>
-    </p:spTree>
-    <p:extLst>
-      <p:ext uri="{BB962C8B-B14F-4D97-AF65-F5344CB8AC3E}">
-        <p14:creationId xmlns:p14="http://schemas.microsoft.com/office/powerpoint/2010/main" val="3296658082"/>
-      </p:ext>
-    </p:extLst>
-  </p:cSld>
-  <p:clrMapOvr>
-    <a:masterClrMapping/>
-  </p:clrMapOvr>
-</p:sld>
-</file>
-
-<file path=ppt/slides/slide31.xml><?xml version="1.0" encoding="utf-8"?>
-<p:sld xmlns:a="http://schemas.openxmlformats.org/drawingml/2006/main" xmlns:r="http://schemas.openxmlformats.org/officeDocument/2006/relationships" xmlns:p="http://schemas.openxmlformats.org/presentationml/2006/main">
-  <p:cSld>
-    <p:spTree>
-      <p:nvGrpSpPr>
-        <p:cNvPr id="1" name=""/>
-        <p:cNvGrpSpPr/>
-        <p:nvPr/>
-      </p:nvGrpSpPr>
-      <p:grpSpPr>
-        <a:xfrm>
-          <a:off x="0" y="0"/>
-          <a:ext cx="0" cy="0"/>
-          <a:chOff x="0" y="0"/>
-          <a:chExt cx="0" cy="0"/>
-        </a:xfrm>
-      </p:grpSpPr>
-      <p:sp>
-        <p:nvSpPr>
-          <p:cNvPr id="2" name="タイトル 1"/>
-          <p:cNvSpPr>
-            <a:spLocks noGrp="1"/>
-          </p:cNvSpPr>
-          <p:nvPr>
-            <p:ph type="title"/>
-          </p:nvPr>
-        </p:nvSpPr>
-        <p:spPr/>
-        <p:txBody>
-          <a:bodyPr/>
-          <a:lstStyle/>
-          <a:p>
-            <a:r>
-              <a:rPr kumimoji="1" lang="ja-JP" altLang="en-US" dirty="0" smtClean="0">
-                <a:latin typeface="メイリオ" panose="020B0604030504040204" pitchFamily="50" charset="-128"/>
-                <a:ea typeface="メイリオ" panose="020B0604030504040204" pitchFamily="50" charset="-128"/>
-                <a:cs typeface="メイリオ" panose="020B0604030504040204" pitchFamily="50" charset="-128"/>
-              </a:rPr>
-              <a:t>参考サイト</a:t>
-            </a:r>
-            <a:endParaRPr kumimoji="1" lang="ja-JP" altLang="en-US" dirty="0">
-              <a:latin typeface="メイリオ" panose="020B0604030504040204" pitchFamily="50" charset="-128"/>
-              <a:ea typeface="メイリオ" panose="020B0604030504040204" pitchFamily="50" charset="-128"/>
-              <a:cs typeface="メイリオ" panose="020B0604030504040204" pitchFamily="50" charset="-128"/>
-            </a:endParaRPr>
-          </a:p>
-        </p:txBody>
-      </p:sp>
-      <p:sp>
-        <p:nvSpPr>
-          <p:cNvPr id="6" name="コンテンツ プレースホルダー 2"/>
-          <p:cNvSpPr>
-            <a:spLocks noGrp="1"/>
-          </p:cNvSpPr>
-          <p:nvPr>
-            <p:ph idx="1"/>
-          </p:nvPr>
-        </p:nvSpPr>
-        <p:spPr>
-          <a:xfrm>
-            <a:off x="1435608" y="1447800"/>
-            <a:ext cx="7498080" cy="5410200"/>
-          </a:xfrm>
-        </p:spPr>
-        <p:txBody>
-          <a:bodyPr>
-            <a:normAutofit/>
-          </a:bodyPr>
-          <a:lstStyle/>
-          <a:p>
-            <a:pPr marL="82296" indent="0">
-              <a:buNone/>
-            </a:pPr>
-            <a:r>
-              <a:rPr lang="en-US" altLang="ja-JP" sz="2400" dirty="0" smtClean="0">
-                <a:latin typeface="メイリオ" panose="020B0604030504040204" pitchFamily="50" charset="-128"/>
-                <a:ea typeface="メイリオ" panose="020B0604030504040204" pitchFamily="50" charset="-128"/>
-                <a:cs typeface="メイリオ" panose="020B0604030504040204" pitchFamily="50" charset="-128"/>
-              </a:rPr>
-              <a:t>Learn Vim Progressively</a:t>
-            </a:r>
-            <a:endParaRPr lang="en-US" altLang="ja-JP" sz="2400" dirty="0" smtClean="0">
-              <a:latin typeface="メイリオ" panose="020B0604030504040204" pitchFamily="50" charset="-128"/>
-              <a:ea typeface="メイリオ" panose="020B0604030504040204" pitchFamily="50" charset="-128"/>
-              <a:cs typeface="メイリオ" panose="020B0604030504040204" pitchFamily="50" charset="-128"/>
-            </a:endParaRPr>
-          </a:p>
-          <a:p>
-            <a:pPr marL="82296" indent="0">
-              <a:buNone/>
-            </a:pPr>
-            <a:r>
-              <a:rPr lang="en-US" altLang="ja-JP" sz="2000" dirty="0" smtClean="0">
-                <a:latin typeface="メイリオ" panose="020B0604030504040204" pitchFamily="50" charset="-128"/>
-                <a:ea typeface="メイリオ" panose="020B0604030504040204" pitchFamily="50" charset="-128"/>
-                <a:cs typeface="メイリオ" panose="020B0604030504040204" pitchFamily="50" charset="-128"/>
-                <a:hlinkClick r:id="rId2"/>
-              </a:rPr>
-              <a:t>http</a:t>
-            </a:r>
-            <a:r>
-              <a:rPr lang="en-US" altLang="ja-JP" sz="2000" dirty="0">
-                <a:latin typeface="メイリオ" panose="020B0604030504040204" pitchFamily="50" charset="-128"/>
-                <a:ea typeface="メイリオ" panose="020B0604030504040204" pitchFamily="50" charset="-128"/>
-                <a:cs typeface="メイリオ" panose="020B0604030504040204" pitchFamily="50" charset="-128"/>
-                <a:hlinkClick r:id="rId2"/>
-              </a:rPr>
-              <a:t>://</a:t>
-            </a:r>
-            <a:r>
-              <a:rPr lang="en-US" altLang="ja-JP" sz="2000" dirty="0" smtClean="0">
-                <a:latin typeface="メイリオ" panose="020B0604030504040204" pitchFamily="50" charset="-128"/>
-                <a:ea typeface="メイリオ" panose="020B0604030504040204" pitchFamily="50" charset="-128"/>
-                <a:cs typeface="メイリオ" panose="020B0604030504040204" pitchFamily="50" charset="-128"/>
-                <a:hlinkClick r:id="rId2"/>
-              </a:rPr>
-              <a:t>mattn.kaoriya.net/software/vim/20110902125512.htm</a:t>
-            </a:r>
-            <a:endParaRPr lang="en-US" altLang="ja-JP" sz="2000" dirty="0" smtClean="0">
-              <a:latin typeface="メイリオ" panose="020B0604030504040204" pitchFamily="50" charset="-128"/>
-              <a:ea typeface="メイリオ" panose="020B0604030504040204" pitchFamily="50" charset="-128"/>
-              <a:cs typeface="メイリオ" panose="020B0604030504040204" pitchFamily="50" charset="-128"/>
-            </a:endParaRPr>
-          </a:p>
-          <a:p>
-            <a:pPr marL="82296" indent="0">
-              <a:buNone/>
-            </a:pPr>
-            <a:endParaRPr lang="en-US" altLang="ja-JP" sz="2400" dirty="0">
-              <a:latin typeface="メイリオ" panose="020B0604030504040204" pitchFamily="50" charset="-128"/>
-              <a:ea typeface="メイリオ" panose="020B0604030504040204" pitchFamily="50" charset="-128"/>
-              <a:cs typeface="メイリオ" panose="020B0604030504040204" pitchFamily="50" charset="-128"/>
-            </a:endParaRPr>
-          </a:p>
-          <a:p>
-            <a:pPr marL="82296" indent="0">
-              <a:buNone/>
-            </a:pPr>
-            <a:endParaRPr lang="en-US" altLang="ja-JP" sz="2400" dirty="0" smtClean="0">
-              <a:latin typeface="メイリオ" panose="020B0604030504040204" pitchFamily="50" charset="-128"/>
-              <a:ea typeface="メイリオ" panose="020B0604030504040204" pitchFamily="50" charset="-128"/>
-              <a:cs typeface="メイリオ" panose="020B0604030504040204" pitchFamily="50" charset="-128"/>
-            </a:endParaRPr>
-          </a:p>
-          <a:p>
-            <a:pPr marL="82296" indent="0">
-              <a:buNone/>
-            </a:pPr>
-            <a:endParaRPr lang="en-US" altLang="ja-JP" sz="2400" dirty="0">
-              <a:latin typeface="メイリオ" panose="020B0604030504040204" pitchFamily="50" charset="-128"/>
-              <a:ea typeface="メイリオ" panose="020B0604030504040204" pitchFamily="50" charset="-128"/>
-              <a:cs typeface="メイリオ" panose="020B0604030504040204" pitchFamily="50" charset="-128"/>
-            </a:endParaRPr>
-          </a:p>
-          <a:p>
-            <a:pPr marL="82296" indent="0">
-              <a:buNone/>
-            </a:pPr>
-            <a:r>
-              <a:rPr lang="en-US" altLang="ja-JP" sz="2400" dirty="0" err="1">
-                <a:latin typeface="メイリオ" panose="020B0604030504040204" pitchFamily="50" charset="-128"/>
-                <a:ea typeface="メイリオ" panose="020B0604030504040204" pitchFamily="50" charset="-128"/>
-                <a:cs typeface="メイリオ" panose="020B0604030504040204" pitchFamily="50" charset="-128"/>
-              </a:rPr>
-              <a:t>NeoBundle</a:t>
-            </a:r>
-            <a:r>
-              <a:rPr lang="ja-JP" altLang="en-US" sz="2400" dirty="0">
-                <a:latin typeface="メイリオ" panose="020B0604030504040204" pitchFamily="50" charset="-128"/>
-                <a:ea typeface="メイリオ" panose="020B0604030504040204" pitchFamily="50" charset="-128"/>
-                <a:cs typeface="メイリオ" panose="020B0604030504040204" pitchFamily="50" charset="-128"/>
-              </a:rPr>
-              <a:t>による</a:t>
-            </a:r>
-            <a:r>
-              <a:rPr lang="en-US" altLang="ja-JP" sz="2400" dirty="0">
-                <a:latin typeface="メイリオ" panose="020B0604030504040204" pitchFamily="50" charset="-128"/>
-                <a:ea typeface="メイリオ" panose="020B0604030504040204" pitchFamily="50" charset="-128"/>
-                <a:cs typeface="メイリオ" panose="020B0604030504040204" pitchFamily="50" charset="-128"/>
-              </a:rPr>
-              <a:t>Vim</a:t>
-            </a:r>
-            <a:r>
-              <a:rPr lang="ja-JP" altLang="en-US" sz="2400" dirty="0">
-                <a:latin typeface="メイリオ" panose="020B0604030504040204" pitchFamily="50" charset="-128"/>
-                <a:ea typeface="メイリオ" panose="020B0604030504040204" pitchFamily="50" charset="-128"/>
-                <a:cs typeface="メイリオ" panose="020B0604030504040204" pitchFamily="50" charset="-128"/>
-              </a:rPr>
-              <a:t>プラグイン管理とおすすめ</a:t>
-            </a:r>
-            <a:r>
-              <a:rPr lang="ja-JP" altLang="en-US" sz="2400" dirty="0" smtClean="0">
-                <a:latin typeface="メイリオ" panose="020B0604030504040204" pitchFamily="50" charset="-128"/>
-                <a:ea typeface="メイリオ" panose="020B0604030504040204" pitchFamily="50" charset="-128"/>
-                <a:cs typeface="メイリオ" panose="020B0604030504040204" pitchFamily="50" charset="-128"/>
-              </a:rPr>
-              <a:t>プラグイン</a:t>
-            </a:r>
-            <a:endParaRPr lang="en-US" altLang="ja-JP" sz="2400" dirty="0" smtClean="0">
-              <a:latin typeface="メイリオ" panose="020B0604030504040204" pitchFamily="50" charset="-128"/>
-              <a:ea typeface="メイリオ" panose="020B0604030504040204" pitchFamily="50" charset="-128"/>
-              <a:cs typeface="メイリオ" panose="020B0604030504040204" pitchFamily="50" charset="-128"/>
-            </a:endParaRPr>
-          </a:p>
-          <a:p>
-            <a:pPr marL="82296" indent="0">
-              <a:buNone/>
-            </a:pPr>
-            <a:r>
-              <a:rPr lang="en-US" altLang="ja-JP" sz="2000" dirty="0">
-                <a:latin typeface="メイリオ" panose="020B0604030504040204" pitchFamily="50" charset="-128"/>
-                <a:ea typeface="メイリオ" panose="020B0604030504040204" pitchFamily="50" charset="-128"/>
-                <a:cs typeface="メイリオ" panose="020B0604030504040204" pitchFamily="50" charset="-128"/>
-                <a:hlinkClick r:id="rId3"/>
-              </a:rPr>
-              <a:t>http://catcher-in-the-tech.net/1063</a:t>
-            </a:r>
-            <a:r>
-              <a:rPr lang="en-US" altLang="ja-JP" sz="2000" dirty="0" smtClean="0">
-                <a:latin typeface="メイリオ" panose="020B0604030504040204" pitchFamily="50" charset="-128"/>
-                <a:ea typeface="メイリオ" panose="020B0604030504040204" pitchFamily="50" charset="-128"/>
-                <a:cs typeface="メイリオ" panose="020B0604030504040204" pitchFamily="50" charset="-128"/>
-                <a:hlinkClick r:id="rId3"/>
-              </a:rPr>
-              <a:t>/</a:t>
-            </a:r>
-            <a:endParaRPr lang="en-US" altLang="ja-JP" sz="2000" dirty="0" smtClean="0">
-              <a:latin typeface="メイリオ" panose="020B0604030504040204" pitchFamily="50" charset="-128"/>
-              <a:ea typeface="メイリオ" panose="020B0604030504040204" pitchFamily="50" charset="-128"/>
-              <a:cs typeface="メイリオ" panose="020B0604030504040204" pitchFamily="50" charset="-128"/>
-            </a:endParaRPr>
-          </a:p>
-          <a:p>
-            <a:pPr marL="82296" indent="0">
-              <a:buNone/>
-            </a:pPr>
-            <a:r>
-              <a:rPr lang="ja-JP" altLang="en-US" sz="2400" dirty="0" smtClean="0">
-                <a:latin typeface="メイリオ" panose="020B0604030504040204" pitchFamily="50" charset="-128"/>
-                <a:ea typeface="メイリオ" panose="020B0604030504040204" pitchFamily="50" charset="-128"/>
-                <a:cs typeface="メイリオ" panose="020B0604030504040204" pitchFamily="50" charset="-128"/>
-              </a:rPr>
-              <a:t>ぼくのかんがえたさいしょうの</a:t>
-            </a:r>
-            <a:r>
-              <a:rPr lang="en-US" altLang="ja-JP" sz="2400" dirty="0" err="1" smtClean="0">
-                <a:latin typeface="メイリオ" panose="020B0604030504040204" pitchFamily="50" charset="-128"/>
-                <a:ea typeface="メイリオ" panose="020B0604030504040204" pitchFamily="50" charset="-128"/>
-                <a:cs typeface="メイリオ" panose="020B0604030504040204" pitchFamily="50" charset="-128"/>
-              </a:rPr>
-              <a:t>vimrc</a:t>
-            </a:r>
-            <a:endParaRPr lang="en-US" altLang="ja-JP" sz="2400" dirty="0" smtClean="0">
-              <a:latin typeface="メイリオ" panose="020B0604030504040204" pitchFamily="50" charset="-128"/>
-              <a:ea typeface="メイリオ" panose="020B0604030504040204" pitchFamily="50" charset="-128"/>
-              <a:cs typeface="メイリオ" panose="020B0604030504040204" pitchFamily="50" charset="-128"/>
-            </a:endParaRPr>
-          </a:p>
-          <a:p>
-            <a:pPr marL="82296" indent="0">
-              <a:buNone/>
-            </a:pPr>
-            <a:r>
-              <a:rPr lang="en-US" altLang="ja-JP" sz="2000" dirty="0">
-                <a:latin typeface="メイリオ" panose="020B0604030504040204" pitchFamily="50" charset="-128"/>
-                <a:ea typeface="メイリオ" panose="020B0604030504040204" pitchFamily="50" charset="-128"/>
-                <a:cs typeface="メイリオ" panose="020B0604030504040204" pitchFamily="50" charset="-128"/>
-                <a:hlinkClick r:id="rId4"/>
-              </a:rPr>
-              <a:t>http://</a:t>
-            </a:r>
-            <a:r>
-              <a:rPr lang="en-US" altLang="ja-JP" sz="2000" dirty="0" smtClean="0">
-                <a:latin typeface="メイリオ" panose="020B0604030504040204" pitchFamily="50" charset="-128"/>
-                <a:ea typeface="メイリオ" panose="020B0604030504040204" pitchFamily="50" charset="-128"/>
-                <a:cs typeface="メイリオ" panose="020B0604030504040204" pitchFamily="50" charset="-128"/>
-                <a:hlinkClick r:id="rId4"/>
-              </a:rPr>
-              <a:t>deris.hatenablog.jp/entry/2014/05/20/235807</a:t>
-            </a:r>
-            <a:endParaRPr lang="en-US" altLang="ja-JP" sz="2000" dirty="0" smtClean="0">
-              <a:latin typeface="メイリオ" panose="020B0604030504040204" pitchFamily="50" charset="-128"/>
-              <a:ea typeface="メイリオ" panose="020B0604030504040204" pitchFamily="50" charset="-128"/>
-              <a:cs typeface="メイリオ" panose="020B0604030504040204" pitchFamily="50" charset="-128"/>
-            </a:endParaRPr>
-          </a:p>
-          <a:p>
-            <a:pPr marL="82296" indent="0">
-              <a:buNone/>
-            </a:pPr>
-            <a:endParaRPr lang="en-US" altLang="ja-JP" sz="2400" dirty="0" smtClean="0">
-              <a:latin typeface="メイリオ" panose="020B0604030504040204" pitchFamily="50" charset="-128"/>
-              <a:ea typeface="メイリオ" panose="020B0604030504040204" pitchFamily="50" charset="-128"/>
-              <a:cs typeface="メイリオ" panose="020B0604030504040204" pitchFamily="50" charset="-128"/>
-            </a:endParaRPr>
-          </a:p>
-        </p:txBody>
-      </p:sp>
-    </p:spTree>
-    <p:extLst>
-      <p:ext uri="{BB962C8B-B14F-4D97-AF65-F5344CB8AC3E}">
-        <p14:creationId xmlns:p14="http://schemas.microsoft.com/office/powerpoint/2010/main" val="3146739693"/>
-      </p:ext>
-    </p:extLst>
-  </p:cSld>
-  <p:clrMapOvr>
-    <a:masterClrMapping/>
-  </p:clrMapOvr>
-</p:sld>
-</file>
-
 <file path=ppt/slides/slide32.xml><?xml version="1.0" encoding="utf-8"?>
 <p:sld xmlns:a="http://schemas.openxmlformats.org/drawingml/2006/main" xmlns:r="http://schemas.openxmlformats.org/officeDocument/2006/relationships" xmlns:p="http://schemas.openxmlformats.org/presentationml/2006/main">
   <p:cSld>
@@ -11340,6 +11105,684 @@
       </p:grpSpPr>
       <p:sp>
         <p:nvSpPr>
+          <p:cNvPr id="2" name="タイトル 1"/>
+          <p:cNvSpPr>
+            <a:spLocks noGrp="1"/>
+          </p:cNvSpPr>
+          <p:nvPr>
+            <p:ph type="title"/>
+          </p:nvPr>
+        </p:nvSpPr>
+        <p:spPr/>
+        <p:txBody>
+          <a:bodyPr/>
+          <a:lstStyle/>
+          <a:p>
+            <a:r>
+              <a:rPr kumimoji="1" lang="ja-JP" altLang="en-US" dirty="0" smtClean="0">
+                <a:latin typeface="メイリオ" panose="020B0604030504040204" pitchFamily="50" charset="-128"/>
+                <a:ea typeface="メイリオ" panose="020B0604030504040204" pitchFamily="50" charset="-128"/>
+                <a:cs typeface="メイリオ" panose="020B0604030504040204" pitchFamily="50" charset="-128"/>
+              </a:rPr>
+              <a:t>感想</a:t>
+            </a:r>
+            <a:endParaRPr kumimoji="1" lang="ja-JP" altLang="en-US" dirty="0">
+              <a:latin typeface="メイリオ" panose="020B0604030504040204" pitchFamily="50" charset="-128"/>
+              <a:ea typeface="メイリオ" panose="020B0604030504040204" pitchFamily="50" charset="-128"/>
+              <a:cs typeface="メイリオ" panose="020B0604030504040204" pitchFamily="50" charset="-128"/>
+            </a:endParaRPr>
+          </a:p>
+        </p:txBody>
+      </p:sp>
+      <p:sp>
+        <p:nvSpPr>
+          <p:cNvPr id="6" name="コンテンツ プレースホルダー 2"/>
+          <p:cNvSpPr>
+            <a:spLocks noGrp="1"/>
+          </p:cNvSpPr>
+          <p:nvPr>
+            <p:ph idx="1"/>
+          </p:nvPr>
+        </p:nvSpPr>
+        <p:spPr>
+          <a:xfrm>
+            <a:off x="1435608" y="1124744"/>
+            <a:ext cx="7498080" cy="5400600"/>
+          </a:xfrm>
+        </p:spPr>
+        <p:txBody>
+          <a:bodyPr>
+            <a:normAutofit/>
+          </a:bodyPr>
+          <a:lstStyle/>
+          <a:p>
+            <a:pPr marL="82296" indent="0">
+              <a:buNone/>
+            </a:pPr>
+            <a:r>
+              <a:rPr lang="ja-JP" altLang="en-US" dirty="0" smtClean="0">
+                <a:latin typeface="メイリオ" panose="020B0604030504040204" pitchFamily="50" charset="-128"/>
+                <a:ea typeface="メイリオ" panose="020B0604030504040204" pitchFamily="50" charset="-128"/>
+                <a:cs typeface="メイリオ" panose="020B0604030504040204" pitchFamily="50" charset="-128"/>
+              </a:rPr>
+              <a:t>・とりあえず無料で気軽にできる</a:t>
+            </a:r>
+            <a:endParaRPr lang="en-US" altLang="ja-JP" dirty="0" smtClean="0">
+              <a:latin typeface="メイリオ" panose="020B0604030504040204" pitchFamily="50" charset="-128"/>
+              <a:ea typeface="メイリオ" panose="020B0604030504040204" pitchFamily="50" charset="-128"/>
+              <a:cs typeface="メイリオ" panose="020B0604030504040204" pitchFamily="50" charset="-128"/>
+            </a:endParaRPr>
+          </a:p>
+          <a:p>
+            <a:pPr marL="82296" indent="0">
+              <a:buNone/>
+            </a:pPr>
+            <a:endParaRPr lang="en-US" altLang="ja-JP" dirty="0">
+              <a:latin typeface="メイリオ" panose="020B0604030504040204" pitchFamily="50" charset="-128"/>
+              <a:ea typeface="メイリオ" panose="020B0604030504040204" pitchFamily="50" charset="-128"/>
+              <a:cs typeface="メイリオ" panose="020B0604030504040204" pitchFamily="50" charset="-128"/>
+            </a:endParaRPr>
+          </a:p>
+          <a:p>
+            <a:pPr marL="82296" indent="0">
+              <a:buNone/>
+            </a:pPr>
+            <a:r>
+              <a:rPr lang="ja-JP" altLang="en-US" dirty="0" smtClean="0">
+                <a:latin typeface="メイリオ" panose="020B0604030504040204" pitchFamily="50" charset="-128"/>
+                <a:ea typeface="メイリオ" panose="020B0604030504040204" pitchFamily="50" charset="-128"/>
+                <a:cs typeface="メイリオ" panose="020B0604030504040204" pitchFamily="50" charset="-128"/>
+              </a:rPr>
+              <a:t>・チュートリアル、ドキュメントが</a:t>
+            </a:r>
+            <a:endParaRPr lang="en-US" altLang="ja-JP" dirty="0" smtClean="0">
+              <a:latin typeface="メイリオ" panose="020B0604030504040204" pitchFamily="50" charset="-128"/>
+              <a:ea typeface="メイリオ" panose="020B0604030504040204" pitchFamily="50" charset="-128"/>
+              <a:cs typeface="メイリオ" panose="020B0604030504040204" pitchFamily="50" charset="-128"/>
+            </a:endParaRPr>
+          </a:p>
+          <a:p>
+            <a:pPr marL="82296" indent="0">
+              <a:buNone/>
+            </a:pPr>
+            <a:r>
+              <a:rPr lang="ja-JP" altLang="en-US" dirty="0">
+                <a:latin typeface="メイリオ" panose="020B0604030504040204" pitchFamily="50" charset="-128"/>
+                <a:ea typeface="メイリオ" panose="020B0604030504040204" pitchFamily="50" charset="-128"/>
+                <a:cs typeface="メイリオ" panose="020B0604030504040204" pitchFamily="50" charset="-128"/>
+              </a:rPr>
+              <a:t>　</a:t>
+            </a:r>
+            <a:r>
+              <a:rPr lang="ja-JP" altLang="en-US" dirty="0" smtClean="0">
+                <a:latin typeface="メイリオ" panose="020B0604030504040204" pitchFamily="50" charset="-128"/>
+                <a:ea typeface="メイリオ" panose="020B0604030504040204" pitchFamily="50" charset="-128"/>
+                <a:cs typeface="メイリオ" panose="020B0604030504040204" pitchFamily="50" charset="-128"/>
+              </a:rPr>
+              <a:t>豊富</a:t>
+            </a:r>
+            <a:endParaRPr lang="en-US" altLang="ja-JP" dirty="0" smtClean="0">
+              <a:latin typeface="メイリオ" panose="020B0604030504040204" pitchFamily="50" charset="-128"/>
+              <a:ea typeface="メイリオ" panose="020B0604030504040204" pitchFamily="50" charset="-128"/>
+              <a:cs typeface="メイリオ" panose="020B0604030504040204" pitchFamily="50" charset="-128"/>
+            </a:endParaRPr>
+          </a:p>
+          <a:p>
+            <a:pPr marL="82296" indent="0">
+              <a:buNone/>
+            </a:pPr>
+            <a:endParaRPr lang="en-US" altLang="ja-JP" dirty="0">
+              <a:latin typeface="メイリオ" panose="020B0604030504040204" pitchFamily="50" charset="-128"/>
+              <a:ea typeface="メイリオ" panose="020B0604030504040204" pitchFamily="50" charset="-128"/>
+              <a:cs typeface="メイリオ" panose="020B0604030504040204" pitchFamily="50" charset="-128"/>
+            </a:endParaRPr>
+          </a:p>
+          <a:p>
+            <a:pPr marL="82296" indent="0">
+              <a:buNone/>
+            </a:pPr>
+            <a:r>
+              <a:rPr lang="ja-JP" altLang="en-US" dirty="0" smtClean="0">
+                <a:latin typeface="メイリオ" panose="020B0604030504040204" pitchFamily="50" charset="-128"/>
+                <a:ea typeface="メイリオ" panose="020B0604030504040204" pitchFamily="50" charset="-128"/>
+                <a:cs typeface="メイリオ" panose="020B0604030504040204" pitchFamily="50" charset="-128"/>
+              </a:rPr>
+              <a:t>・コード修正→実機で即反映</a:t>
+            </a:r>
+            <a:endParaRPr lang="en-US" altLang="ja-JP" dirty="0" smtClean="0">
+              <a:latin typeface="メイリオ" panose="020B0604030504040204" pitchFamily="50" charset="-128"/>
+              <a:ea typeface="メイリオ" panose="020B0604030504040204" pitchFamily="50" charset="-128"/>
+              <a:cs typeface="メイリオ" panose="020B0604030504040204" pitchFamily="50" charset="-128"/>
+            </a:endParaRPr>
+          </a:p>
+          <a:p>
+            <a:pPr marL="82296" indent="0">
+              <a:buNone/>
+            </a:pPr>
+            <a:r>
+              <a:rPr lang="ja-JP" altLang="en-US" dirty="0">
+                <a:latin typeface="メイリオ" panose="020B0604030504040204" pitchFamily="50" charset="-128"/>
+                <a:ea typeface="メイリオ" panose="020B0604030504040204" pitchFamily="50" charset="-128"/>
+                <a:cs typeface="メイリオ" panose="020B0604030504040204" pitchFamily="50" charset="-128"/>
+              </a:rPr>
+              <a:t>　</a:t>
+            </a:r>
+            <a:r>
+              <a:rPr lang="ja-JP" altLang="en-US" dirty="0" smtClean="0">
+                <a:latin typeface="メイリオ" panose="020B0604030504040204" pitchFamily="50" charset="-128"/>
+                <a:ea typeface="メイリオ" panose="020B0604030504040204" pitchFamily="50" charset="-128"/>
+                <a:cs typeface="メイリオ" panose="020B0604030504040204" pitchFamily="50" charset="-128"/>
+              </a:rPr>
+              <a:t>はやっぱり楽しい</a:t>
+            </a:r>
+            <a:endParaRPr lang="en-US" altLang="ja-JP" dirty="0" smtClean="0">
+              <a:latin typeface="メイリオ" panose="020B0604030504040204" pitchFamily="50" charset="-128"/>
+              <a:ea typeface="メイリオ" panose="020B0604030504040204" pitchFamily="50" charset="-128"/>
+              <a:cs typeface="メイリオ" panose="020B0604030504040204" pitchFamily="50" charset="-128"/>
+            </a:endParaRPr>
+          </a:p>
+          <a:p>
+            <a:pPr marL="82296" indent="0">
+              <a:buNone/>
+            </a:pPr>
+            <a:endParaRPr lang="en-US" altLang="ja-JP" dirty="0" smtClean="0">
+              <a:latin typeface="メイリオ" panose="020B0604030504040204" pitchFamily="50" charset="-128"/>
+              <a:ea typeface="メイリオ" panose="020B0604030504040204" pitchFamily="50" charset="-128"/>
+              <a:cs typeface="メイリオ" panose="020B0604030504040204" pitchFamily="50" charset="-128"/>
+            </a:endParaRPr>
+          </a:p>
+          <a:p>
+            <a:pPr marL="82296" indent="0">
+              <a:buNone/>
+            </a:pPr>
+            <a:r>
+              <a:rPr lang="ja-JP" altLang="en-US" dirty="0" smtClean="0">
+                <a:latin typeface="メイリオ" panose="020B0604030504040204" pitchFamily="50" charset="-128"/>
+                <a:ea typeface="メイリオ" panose="020B0604030504040204" pitchFamily="50" charset="-128"/>
+                <a:cs typeface="メイリオ" panose="020B0604030504040204" pitchFamily="50" charset="-128"/>
+              </a:rPr>
+              <a:t>・やはり</a:t>
+            </a:r>
+            <a:r>
+              <a:rPr lang="en-US" altLang="ja-JP" dirty="0" smtClean="0">
+                <a:latin typeface="メイリオ" panose="020B0604030504040204" pitchFamily="50" charset="-128"/>
+                <a:ea typeface="メイリオ" panose="020B0604030504040204" pitchFamily="50" charset="-128"/>
+                <a:cs typeface="メイリオ" panose="020B0604030504040204" pitchFamily="50" charset="-128"/>
+              </a:rPr>
+              <a:t>Objective-C</a:t>
+            </a:r>
+            <a:r>
+              <a:rPr lang="ja-JP" altLang="en-US" dirty="0" smtClean="0">
+                <a:latin typeface="メイリオ" panose="020B0604030504040204" pitchFamily="50" charset="-128"/>
+                <a:ea typeface="メイリオ" panose="020B0604030504040204" pitchFamily="50" charset="-128"/>
+                <a:cs typeface="メイリオ" panose="020B0604030504040204" pitchFamily="50" charset="-128"/>
+              </a:rPr>
+              <a:t>より</a:t>
+            </a:r>
+            <a:r>
+              <a:rPr lang="ja-JP" altLang="en-US" dirty="0" err="1" smtClean="0">
+                <a:latin typeface="メイリオ" panose="020B0604030504040204" pitchFamily="50" charset="-128"/>
+                <a:ea typeface="メイリオ" panose="020B0604030504040204" pitchFamily="50" charset="-128"/>
+                <a:cs typeface="メイリオ" panose="020B0604030504040204" pitchFamily="50" charset="-128"/>
+              </a:rPr>
+              <a:t>遅いっぽい</a:t>
+            </a:r>
+            <a:r>
+              <a:rPr lang="ja-JP" altLang="en-US" dirty="0" smtClean="0">
+                <a:latin typeface="メイリオ" panose="020B0604030504040204" pitchFamily="50" charset="-128"/>
+                <a:ea typeface="メイリオ" panose="020B0604030504040204" pitchFamily="50" charset="-128"/>
+                <a:cs typeface="メイリオ" panose="020B0604030504040204" pitchFamily="50" charset="-128"/>
+              </a:rPr>
+              <a:t>？</a:t>
+            </a:r>
+            <a:endParaRPr lang="en-US" altLang="ja-JP" dirty="0">
+              <a:latin typeface="メイリオ" panose="020B0604030504040204" pitchFamily="50" charset="-128"/>
+              <a:ea typeface="メイリオ" panose="020B0604030504040204" pitchFamily="50" charset="-128"/>
+              <a:cs typeface="メイリオ" panose="020B0604030504040204" pitchFamily="50" charset="-128"/>
+            </a:endParaRPr>
+          </a:p>
+        </p:txBody>
+      </p:sp>
+    </p:spTree>
+    <p:extLst>
+      <p:ext uri="{BB962C8B-B14F-4D97-AF65-F5344CB8AC3E}">
+        <p14:creationId xmlns:p14="http://schemas.microsoft.com/office/powerpoint/2010/main" val="868550525"/>
+      </p:ext>
+    </p:extLst>
+  </p:cSld>
+  <p:clrMapOvr>
+    <a:masterClrMapping/>
+  </p:clrMapOvr>
+</p:sld>
+</file>
+
+<file path=ppt/slides/slide33.xml><?xml version="1.0" encoding="utf-8"?>
+<p:sld xmlns:a="http://schemas.openxmlformats.org/drawingml/2006/main" xmlns:r="http://schemas.openxmlformats.org/officeDocument/2006/relationships" xmlns:p="http://schemas.openxmlformats.org/presentationml/2006/main">
+  <p:cSld>
+    <p:spTree>
+      <p:nvGrpSpPr>
+        <p:cNvPr id="1" name=""/>
+        <p:cNvGrpSpPr/>
+        <p:nvPr/>
+      </p:nvGrpSpPr>
+      <p:grpSpPr>
+        <a:xfrm>
+          <a:off x="0" y="0"/>
+          <a:ext cx="0" cy="0"/>
+          <a:chOff x="0" y="0"/>
+          <a:chExt cx="0" cy="0"/>
+        </a:xfrm>
+      </p:grpSpPr>
+      <p:sp>
+        <p:nvSpPr>
+          <p:cNvPr id="2" name="タイトル 1"/>
+          <p:cNvSpPr>
+            <a:spLocks noGrp="1"/>
+          </p:cNvSpPr>
+          <p:nvPr>
+            <p:ph type="title"/>
+          </p:nvPr>
+        </p:nvSpPr>
+        <p:spPr/>
+        <p:txBody>
+          <a:bodyPr/>
+          <a:lstStyle/>
+          <a:p>
+            <a:r>
+              <a:rPr kumimoji="1" lang="ja-JP" altLang="en-US" dirty="0" smtClean="0">
+                <a:latin typeface="メイリオ" panose="020B0604030504040204" pitchFamily="50" charset="-128"/>
+                <a:ea typeface="メイリオ" panose="020B0604030504040204" pitchFamily="50" charset="-128"/>
+                <a:cs typeface="メイリオ" panose="020B0604030504040204" pitchFamily="50" charset="-128"/>
+              </a:rPr>
+              <a:t>反省</a:t>
+            </a:r>
+            <a:endParaRPr kumimoji="1" lang="ja-JP" altLang="en-US" dirty="0">
+              <a:latin typeface="メイリオ" panose="020B0604030504040204" pitchFamily="50" charset="-128"/>
+              <a:ea typeface="メイリオ" panose="020B0604030504040204" pitchFamily="50" charset="-128"/>
+              <a:cs typeface="メイリオ" panose="020B0604030504040204" pitchFamily="50" charset="-128"/>
+            </a:endParaRPr>
+          </a:p>
+        </p:txBody>
+      </p:sp>
+      <p:sp>
+        <p:nvSpPr>
+          <p:cNvPr id="6" name="コンテンツ プレースホルダー 2"/>
+          <p:cNvSpPr>
+            <a:spLocks noGrp="1"/>
+          </p:cNvSpPr>
+          <p:nvPr>
+            <p:ph idx="1"/>
+          </p:nvPr>
+        </p:nvSpPr>
+        <p:spPr>
+          <a:xfrm>
+            <a:off x="1435608" y="1447800"/>
+            <a:ext cx="7498080" cy="5410200"/>
+          </a:xfrm>
+        </p:spPr>
+        <p:txBody>
+          <a:bodyPr>
+            <a:normAutofit/>
+          </a:bodyPr>
+          <a:lstStyle/>
+          <a:p>
+            <a:pPr marL="82296" indent="0">
+              <a:buNone/>
+            </a:pPr>
+            <a:r>
+              <a:rPr lang="ja-JP" altLang="en-US" dirty="0" smtClean="0">
+                <a:latin typeface="メイリオ" panose="020B0604030504040204" pitchFamily="50" charset="-128"/>
+                <a:ea typeface="メイリオ" panose="020B0604030504040204" pitchFamily="50" charset="-128"/>
+                <a:cs typeface="メイリオ" panose="020B0604030504040204" pitchFamily="50" charset="-128"/>
+              </a:rPr>
+              <a:t>ああ</a:t>
+            </a:r>
+            <a:endParaRPr lang="en-US" altLang="ja-JP" dirty="0" smtClean="0">
+              <a:latin typeface="メイリオ" panose="020B0604030504040204" pitchFamily="50" charset="-128"/>
+              <a:ea typeface="メイリオ" panose="020B0604030504040204" pitchFamily="50" charset="-128"/>
+              <a:cs typeface="メイリオ" panose="020B0604030504040204" pitchFamily="50" charset="-128"/>
+            </a:endParaRPr>
+          </a:p>
+        </p:txBody>
+      </p:sp>
+    </p:spTree>
+    <p:extLst>
+      <p:ext uri="{BB962C8B-B14F-4D97-AF65-F5344CB8AC3E}">
+        <p14:creationId xmlns:p14="http://schemas.microsoft.com/office/powerpoint/2010/main" val="3296658082"/>
+      </p:ext>
+    </p:extLst>
+  </p:cSld>
+  <p:clrMapOvr>
+    <a:masterClrMapping/>
+  </p:clrMapOvr>
+</p:sld>
+</file>
+
+<file path=ppt/slides/slide34.xml><?xml version="1.0" encoding="utf-8"?>
+<p:sld xmlns:a="http://schemas.openxmlformats.org/drawingml/2006/main" xmlns:r="http://schemas.openxmlformats.org/officeDocument/2006/relationships" xmlns:p="http://schemas.openxmlformats.org/presentationml/2006/main">
+  <p:cSld>
+    <p:spTree>
+      <p:nvGrpSpPr>
+        <p:cNvPr id="1" name=""/>
+        <p:cNvGrpSpPr/>
+        <p:nvPr/>
+      </p:nvGrpSpPr>
+      <p:grpSpPr>
+        <a:xfrm>
+          <a:off x="0" y="0"/>
+          <a:ext cx="0" cy="0"/>
+          <a:chOff x="0" y="0"/>
+          <a:chExt cx="0" cy="0"/>
+        </a:xfrm>
+      </p:grpSpPr>
+      <p:sp>
+        <p:nvSpPr>
+          <p:cNvPr id="2" name="タイトル 1"/>
+          <p:cNvSpPr>
+            <a:spLocks noGrp="1"/>
+          </p:cNvSpPr>
+          <p:nvPr>
+            <p:ph type="title"/>
+          </p:nvPr>
+        </p:nvSpPr>
+        <p:spPr/>
+        <p:txBody>
+          <a:bodyPr/>
+          <a:lstStyle/>
+          <a:p>
+            <a:r>
+              <a:rPr kumimoji="1" lang="ja-JP" altLang="en-US" dirty="0" smtClean="0">
+                <a:latin typeface="メイリオ" panose="020B0604030504040204" pitchFamily="50" charset="-128"/>
+                <a:ea typeface="メイリオ" panose="020B0604030504040204" pitchFamily="50" charset="-128"/>
+                <a:cs typeface="メイリオ" panose="020B0604030504040204" pitchFamily="50" charset="-128"/>
+              </a:rPr>
+              <a:t>参考サイト</a:t>
+            </a:r>
+            <a:endParaRPr kumimoji="1" lang="ja-JP" altLang="en-US" dirty="0">
+              <a:latin typeface="メイリオ" panose="020B0604030504040204" pitchFamily="50" charset="-128"/>
+              <a:ea typeface="メイリオ" panose="020B0604030504040204" pitchFamily="50" charset="-128"/>
+              <a:cs typeface="メイリオ" panose="020B0604030504040204" pitchFamily="50" charset="-128"/>
+            </a:endParaRPr>
+          </a:p>
+        </p:txBody>
+      </p:sp>
+      <p:sp>
+        <p:nvSpPr>
+          <p:cNvPr id="6" name="コンテンツ プレースホルダー 2"/>
+          <p:cNvSpPr>
+            <a:spLocks noGrp="1"/>
+          </p:cNvSpPr>
+          <p:nvPr>
+            <p:ph idx="1"/>
+          </p:nvPr>
+        </p:nvSpPr>
+        <p:spPr>
+          <a:xfrm>
+            <a:off x="1435608" y="1447800"/>
+            <a:ext cx="7498080" cy="5410200"/>
+          </a:xfrm>
+        </p:spPr>
+        <p:txBody>
+          <a:bodyPr>
+            <a:normAutofit/>
+          </a:bodyPr>
+          <a:lstStyle/>
+          <a:p>
+            <a:pPr marL="82296" indent="0">
+              <a:buNone/>
+            </a:pPr>
+            <a:r>
+              <a:rPr lang="en-US" altLang="ja-JP" sz="2400" dirty="0" smtClean="0">
+                <a:latin typeface="メイリオ" panose="020B0604030504040204" pitchFamily="50" charset="-128"/>
+                <a:ea typeface="メイリオ" panose="020B0604030504040204" pitchFamily="50" charset="-128"/>
+                <a:cs typeface="メイリオ" panose="020B0604030504040204" pitchFamily="50" charset="-128"/>
+              </a:rPr>
+              <a:t>Learn Vim Progressively</a:t>
+            </a:r>
+          </a:p>
+          <a:p>
+            <a:pPr marL="82296" indent="0">
+              <a:buNone/>
+            </a:pPr>
+            <a:r>
+              <a:rPr lang="en-US" altLang="ja-JP" sz="2000" dirty="0" smtClean="0">
+                <a:latin typeface="メイリオ" panose="020B0604030504040204" pitchFamily="50" charset="-128"/>
+                <a:ea typeface="メイリオ" panose="020B0604030504040204" pitchFamily="50" charset="-128"/>
+                <a:cs typeface="メイリオ" panose="020B0604030504040204" pitchFamily="50" charset="-128"/>
+                <a:hlinkClick r:id="rId2"/>
+              </a:rPr>
+              <a:t>http</a:t>
+            </a:r>
+            <a:r>
+              <a:rPr lang="en-US" altLang="ja-JP" sz="2000" dirty="0">
+                <a:latin typeface="メイリオ" panose="020B0604030504040204" pitchFamily="50" charset="-128"/>
+                <a:ea typeface="メイリオ" panose="020B0604030504040204" pitchFamily="50" charset="-128"/>
+                <a:cs typeface="メイリオ" panose="020B0604030504040204" pitchFamily="50" charset="-128"/>
+                <a:hlinkClick r:id="rId2"/>
+              </a:rPr>
+              <a:t>://</a:t>
+            </a:r>
+            <a:r>
+              <a:rPr lang="en-US" altLang="ja-JP" sz="2000" dirty="0" smtClean="0">
+                <a:latin typeface="メイリオ" panose="020B0604030504040204" pitchFamily="50" charset="-128"/>
+                <a:ea typeface="メイリオ" panose="020B0604030504040204" pitchFamily="50" charset="-128"/>
+                <a:cs typeface="メイリオ" panose="020B0604030504040204" pitchFamily="50" charset="-128"/>
+                <a:hlinkClick r:id="rId2"/>
+              </a:rPr>
+              <a:t>mattn.kaoriya.net/software/vim/20110902125512.htm</a:t>
+            </a:r>
+            <a:endParaRPr lang="en-US" altLang="ja-JP" sz="2000" dirty="0" smtClean="0">
+              <a:latin typeface="メイリオ" panose="020B0604030504040204" pitchFamily="50" charset="-128"/>
+              <a:ea typeface="メイリオ" panose="020B0604030504040204" pitchFamily="50" charset="-128"/>
+              <a:cs typeface="メイリオ" panose="020B0604030504040204" pitchFamily="50" charset="-128"/>
+            </a:endParaRPr>
+          </a:p>
+          <a:p>
+            <a:pPr marL="82296" indent="0">
+              <a:buNone/>
+            </a:pPr>
+            <a:endParaRPr lang="en-US" altLang="ja-JP" sz="2400" dirty="0">
+              <a:latin typeface="メイリオ" panose="020B0604030504040204" pitchFamily="50" charset="-128"/>
+              <a:ea typeface="メイリオ" panose="020B0604030504040204" pitchFamily="50" charset="-128"/>
+              <a:cs typeface="メイリオ" panose="020B0604030504040204" pitchFamily="50" charset="-128"/>
+            </a:endParaRPr>
+          </a:p>
+          <a:p>
+            <a:pPr marL="82296" indent="0">
+              <a:buNone/>
+            </a:pPr>
+            <a:endParaRPr lang="en-US" altLang="ja-JP" sz="2400" dirty="0" smtClean="0">
+              <a:latin typeface="メイリオ" panose="020B0604030504040204" pitchFamily="50" charset="-128"/>
+              <a:ea typeface="メイリオ" panose="020B0604030504040204" pitchFamily="50" charset="-128"/>
+              <a:cs typeface="メイリオ" panose="020B0604030504040204" pitchFamily="50" charset="-128"/>
+            </a:endParaRPr>
+          </a:p>
+          <a:p>
+            <a:pPr marL="82296" indent="0">
+              <a:buNone/>
+            </a:pPr>
+            <a:endParaRPr lang="en-US" altLang="ja-JP" sz="2400" dirty="0">
+              <a:latin typeface="メイリオ" panose="020B0604030504040204" pitchFamily="50" charset="-128"/>
+              <a:ea typeface="メイリオ" panose="020B0604030504040204" pitchFamily="50" charset="-128"/>
+              <a:cs typeface="メイリオ" panose="020B0604030504040204" pitchFamily="50" charset="-128"/>
+            </a:endParaRPr>
+          </a:p>
+          <a:p>
+            <a:pPr marL="82296" indent="0">
+              <a:buNone/>
+            </a:pPr>
+            <a:r>
+              <a:rPr lang="en-US" altLang="ja-JP" sz="2400" dirty="0" err="1">
+                <a:latin typeface="メイリオ" panose="020B0604030504040204" pitchFamily="50" charset="-128"/>
+                <a:ea typeface="メイリオ" panose="020B0604030504040204" pitchFamily="50" charset="-128"/>
+                <a:cs typeface="メイリオ" panose="020B0604030504040204" pitchFamily="50" charset="-128"/>
+              </a:rPr>
+              <a:t>NeoBundle</a:t>
+            </a:r>
+            <a:r>
+              <a:rPr lang="ja-JP" altLang="en-US" sz="2400" dirty="0">
+                <a:latin typeface="メイリオ" panose="020B0604030504040204" pitchFamily="50" charset="-128"/>
+                <a:ea typeface="メイリオ" panose="020B0604030504040204" pitchFamily="50" charset="-128"/>
+                <a:cs typeface="メイリオ" panose="020B0604030504040204" pitchFamily="50" charset="-128"/>
+              </a:rPr>
+              <a:t>による</a:t>
+            </a:r>
+            <a:r>
+              <a:rPr lang="en-US" altLang="ja-JP" sz="2400" dirty="0">
+                <a:latin typeface="メイリオ" panose="020B0604030504040204" pitchFamily="50" charset="-128"/>
+                <a:ea typeface="メイリオ" panose="020B0604030504040204" pitchFamily="50" charset="-128"/>
+                <a:cs typeface="メイリオ" panose="020B0604030504040204" pitchFamily="50" charset="-128"/>
+              </a:rPr>
+              <a:t>Vim</a:t>
+            </a:r>
+            <a:r>
+              <a:rPr lang="ja-JP" altLang="en-US" sz="2400" dirty="0">
+                <a:latin typeface="メイリオ" panose="020B0604030504040204" pitchFamily="50" charset="-128"/>
+                <a:ea typeface="メイリオ" panose="020B0604030504040204" pitchFamily="50" charset="-128"/>
+                <a:cs typeface="メイリオ" panose="020B0604030504040204" pitchFamily="50" charset="-128"/>
+              </a:rPr>
+              <a:t>プラグイン管理とおすすめ</a:t>
+            </a:r>
+            <a:r>
+              <a:rPr lang="ja-JP" altLang="en-US" sz="2400" dirty="0" smtClean="0">
+                <a:latin typeface="メイリオ" panose="020B0604030504040204" pitchFamily="50" charset="-128"/>
+                <a:ea typeface="メイリオ" panose="020B0604030504040204" pitchFamily="50" charset="-128"/>
+                <a:cs typeface="メイリオ" panose="020B0604030504040204" pitchFamily="50" charset="-128"/>
+              </a:rPr>
+              <a:t>プラグイン</a:t>
+            </a:r>
+            <a:endParaRPr lang="en-US" altLang="ja-JP" sz="2400" dirty="0" smtClean="0">
+              <a:latin typeface="メイリオ" panose="020B0604030504040204" pitchFamily="50" charset="-128"/>
+              <a:ea typeface="メイリオ" panose="020B0604030504040204" pitchFamily="50" charset="-128"/>
+              <a:cs typeface="メイリオ" panose="020B0604030504040204" pitchFamily="50" charset="-128"/>
+            </a:endParaRPr>
+          </a:p>
+          <a:p>
+            <a:pPr marL="82296" indent="0">
+              <a:buNone/>
+            </a:pPr>
+            <a:r>
+              <a:rPr lang="en-US" altLang="ja-JP" sz="2000" dirty="0">
+                <a:latin typeface="メイリオ" panose="020B0604030504040204" pitchFamily="50" charset="-128"/>
+                <a:ea typeface="メイリオ" panose="020B0604030504040204" pitchFamily="50" charset="-128"/>
+                <a:cs typeface="メイリオ" panose="020B0604030504040204" pitchFamily="50" charset="-128"/>
+                <a:hlinkClick r:id="rId3"/>
+              </a:rPr>
+              <a:t>http://catcher-in-the-tech.net/1063</a:t>
+            </a:r>
+            <a:r>
+              <a:rPr lang="en-US" altLang="ja-JP" sz="2000" dirty="0" smtClean="0">
+                <a:latin typeface="メイリオ" panose="020B0604030504040204" pitchFamily="50" charset="-128"/>
+                <a:ea typeface="メイリオ" panose="020B0604030504040204" pitchFamily="50" charset="-128"/>
+                <a:cs typeface="メイリオ" panose="020B0604030504040204" pitchFamily="50" charset="-128"/>
+                <a:hlinkClick r:id="rId3"/>
+              </a:rPr>
+              <a:t>/</a:t>
+            </a:r>
+            <a:endParaRPr lang="en-US" altLang="ja-JP" sz="2000" dirty="0" smtClean="0">
+              <a:latin typeface="メイリオ" panose="020B0604030504040204" pitchFamily="50" charset="-128"/>
+              <a:ea typeface="メイリオ" panose="020B0604030504040204" pitchFamily="50" charset="-128"/>
+              <a:cs typeface="メイリオ" panose="020B0604030504040204" pitchFamily="50" charset="-128"/>
+            </a:endParaRPr>
+          </a:p>
+          <a:p>
+            <a:pPr marL="82296" indent="0">
+              <a:buNone/>
+            </a:pPr>
+            <a:r>
+              <a:rPr lang="ja-JP" altLang="en-US" sz="2400" dirty="0" smtClean="0">
+                <a:latin typeface="メイリオ" panose="020B0604030504040204" pitchFamily="50" charset="-128"/>
+                <a:ea typeface="メイリオ" panose="020B0604030504040204" pitchFamily="50" charset="-128"/>
+                <a:cs typeface="メイリオ" panose="020B0604030504040204" pitchFamily="50" charset="-128"/>
+              </a:rPr>
+              <a:t>ぼくのかんがえたさいしょうの</a:t>
+            </a:r>
+            <a:r>
+              <a:rPr lang="en-US" altLang="ja-JP" sz="2400" dirty="0" err="1" smtClean="0">
+                <a:latin typeface="メイリオ" panose="020B0604030504040204" pitchFamily="50" charset="-128"/>
+                <a:ea typeface="メイリオ" panose="020B0604030504040204" pitchFamily="50" charset="-128"/>
+                <a:cs typeface="メイリオ" panose="020B0604030504040204" pitchFamily="50" charset="-128"/>
+              </a:rPr>
+              <a:t>vimrc</a:t>
+            </a:r>
+            <a:endParaRPr lang="en-US" altLang="ja-JP" sz="2400" dirty="0" smtClean="0">
+              <a:latin typeface="メイリオ" panose="020B0604030504040204" pitchFamily="50" charset="-128"/>
+              <a:ea typeface="メイリオ" panose="020B0604030504040204" pitchFamily="50" charset="-128"/>
+              <a:cs typeface="メイリオ" panose="020B0604030504040204" pitchFamily="50" charset="-128"/>
+            </a:endParaRPr>
+          </a:p>
+          <a:p>
+            <a:pPr marL="82296" indent="0">
+              <a:buNone/>
+            </a:pPr>
+            <a:r>
+              <a:rPr lang="en-US" altLang="ja-JP" sz="2000" dirty="0">
+                <a:latin typeface="メイリオ" panose="020B0604030504040204" pitchFamily="50" charset="-128"/>
+                <a:ea typeface="メイリオ" panose="020B0604030504040204" pitchFamily="50" charset="-128"/>
+                <a:cs typeface="メイリオ" panose="020B0604030504040204" pitchFamily="50" charset="-128"/>
+                <a:hlinkClick r:id="rId4"/>
+              </a:rPr>
+              <a:t>http://</a:t>
+            </a:r>
+            <a:r>
+              <a:rPr lang="en-US" altLang="ja-JP" sz="2000" dirty="0" smtClean="0">
+                <a:latin typeface="メイリオ" panose="020B0604030504040204" pitchFamily="50" charset="-128"/>
+                <a:ea typeface="メイリオ" panose="020B0604030504040204" pitchFamily="50" charset="-128"/>
+                <a:cs typeface="メイリオ" panose="020B0604030504040204" pitchFamily="50" charset="-128"/>
+                <a:hlinkClick r:id="rId4"/>
+              </a:rPr>
+              <a:t>deris.hatenablog.jp/entry/2014/05/20/235807</a:t>
+            </a:r>
+            <a:endParaRPr lang="en-US" altLang="ja-JP" sz="2000" dirty="0" smtClean="0">
+              <a:latin typeface="メイリオ" panose="020B0604030504040204" pitchFamily="50" charset="-128"/>
+              <a:ea typeface="メイリオ" panose="020B0604030504040204" pitchFamily="50" charset="-128"/>
+              <a:cs typeface="メイリオ" panose="020B0604030504040204" pitchFamily="50" charset="-128"/>
+            </a:endParaRPr>
+          </a:p>
+          <a:p>
+            <a:pPr marL="82296" indent="0">
+              <a:buNone/>
+            </a:pPr>
+            <a:endParaRPr lang="en-US" altLang="ja-JP" sz="2400" dirty="0" smtClean="0">
+              <a:latin typeface="メイリオ" panose="020B0604030504040204" pitchFamily="50" charset="-128"/>
+              <a:ea typeface="メイリオ" panose="020B0604030504040204" pitchFamily="50" charset="-128"/>
+              <a:cs typeface="メイリオ" panose="020B0604030504040204" pitchFamily="50" charset="-128"/>
+            </a:endParaRPr>
+          </a:p>
+        </p:txBody>
+      </p:sp>
+    </p:spTree>
+    <p:extLst>
+      <p:ext uri="{BB962C8B-B14F-4D97-AF65-F5344CB8AC3E}">
+        <p14:creationId xmlns:p14="http://schemas.microsoft.com/office/powerpoint/2010/main" val="3146739693"/>
+      </p:ext>
+    </p:extLst>
+  </p:cSld>
+  <p:clrMapOvr>
+    <a:masterClrMapping/>
+  </p:clrMapOvr>
+</p:sld>
+</file>
+
+<file path=ppt/slides/slide35.xml><?xml version="1.0" encoding="utf-8"?>
+<p:sld xmlns:a="http://schemas.openxmlformats.org/drawingml/2006/main" xmlns:r="http://schemas.openxmlformats.org/officeDocument/2006/relationships" xmlns:p="http://schemas.openxmlformats.org/presentationml/2006/main">
+  <p:cSld>
+    <p:spTree>
+      <p:nvGrpSpPr>
+        <p:cNvPr id="1" name=""/>
+        <p:cNvGrpSpPr/>
+        <p:nvPr/>
+      </p:nvGrpSpPr>
+      <p:grpSpPr>
+        <a:xfrm>
+          <a:off x="0" y="0"/>
+          <a:ext cx="0" cy="0"/>
+          <a:chOff x="0" y="0"/>
+          <a:chExt cx="0" cy="0"/>
+        </a:xfrm>
+      </p:grpSpPr>
+      <p:sp>
+        <p:nvSpPr>
           <p:cNvPr id="3" name="コンテンツ プレースホルダー 2"/>
           <p:cNvSpPr>
             <a:spLocks noGrp="1"/>
@@ -11415,7 +11858,7 @@
 </p:sld>
 </file>
 
-<file path=ppt/slides/slide33.xml><?xml version="1.0" encoding="utf-8"?>
+<file path=ppt/slides/slide36.xml><?xml version="1.0" encoding="utf-8"?>
 <p:sld xmlns:a="http://schemas.openxmlformats.org/drawingml/2006/main" xmlns:r="http://schemas.openxmlformats.org/officeDocument/2006/relationships" xmlns:p="http://schemas.openxmlformats.org/presentationml/2006/main">
   <p:cSld>
     <p:spTree>

--- a/vimmer.pptx
+++ b/vimmer.pptx
@@ -5,7 +5,7 @@
     <p:sldMasterId id="2147483708" r:id="rId1"/>
   </p:sldMasterIdLst>
   <p:notesMasterIdLst>
-    <p:notesMasterId r:id="rId38"/>
+    <p:notesMasterId r:id="rId39"/>
   </p:notesMasterIdLst>
   <p:sldIdLst>
     <p:sldId id="256" r:id="rId2"/>
@@ -27,23 +27,24 @@
     <p:sldId id="323" r:id="rId18"/>
     <p:sldId id="320" r:id="rId19"/>
     <p:sldId id="327" r:id="rId20"/>
-    <p:sldId id="328" r:id="rId21"/>
-    <p:sldId id="329" r:id="rId22"/>
-    <p:sldId id="330" r:id="rId23"/>
-    <p:sldId id="331" r:id="rId24"/>
-    <p:sldId id="338" r:id="rId25"/>
-    <p:sldId id="333" r:id="rId26"/>
-    <p:sldId id="340" r:id="rId27"/>
-    <p:sldId id="336" r:id="rId28"/>
-    <p:sldId id="341" r:id="rId29"/>
-    <p:sldId id="343" r:id="rId30"/>
-    <p:sldId id="342" r:id="rId31"/>
-    <p:sldId id="269" r:id="rId32"/>
-    <p:sldId id="339" r:id="rId33"/>
-    <p:sldId id="313" r:id="rId34"/>
-    <p:sldId id="346" r:id="rId35"/>
-    <p:sldId id="276" r:id="rId36"/>
-    <p:sldId id="306" r:id="rId37"/>
+    <p:sldId id="347" r:id="rId21"/>
+    <p:sldId id="328" r:id="rId22"/>
+    <p:sldId id="329" r:id="rId23"/>
+    <p:sldId id="330" r:id="rId24"/>
+    <p:sldId id="331" r:id="rId25"/>
+    <p:sldId id="338" r:id="rId26"/>
+    <p:sldId id="333" r:id="rId27"/>
+    <p:sldId id="340" r:id="rId28"/>
+    <p:sldId id="336" r:id="rId29"/>
+    <p:sldId id="341" r:id="rId30"/>
+    <p:sldId id="343" r:id="rId31"/>
+    <p:sldId id="342" r:id="rId32"/>
+    <p:sldId id="269" r:id="rId33"/>
+    <p:sldId id="339" r:id="rId34"/>
+    <p:sldId id="313" r:id="rId35"/>
+    <p:sldId id="346" r:id="rId36"/>
+    <p:sldId id="276" r:id="rId37"/>
+    <p:sldId id="306" r:id="rId38"/>
   </p:sldIdLst>
   <p:sldSz cx="9144000" cy="6858000" type="screen4x3"/>
   <p:notesSz cx="6858000" cy="9144000"/>
@@ -144,7 +145,7 @@
   </p:defaultTextStyle>
   <p:extLst>
     <p:ext uri="{EFAFB233-063F-42B5-8137-9DF3F51BA10A}">
-      <p15:sldGuideLst xmlns="" xmlns:p15="http://schemas.microsoft.com/office/powerpoint/2012/main">
+      <p15:sldGuideLst xmlns:p15="http://schemas.microsoft.com/office/powerpoint/2012/main">
         <p15:guide id="1" orient="horz" pos="2160">
           <p15:clr>
             <a:srgbClr val="A4A3A4"/>
@@ -677,7 +678,7 @@
           <a:p>
             <a:fld id="{39378AC4-C49C-4159-B332-7738B007311C}" type="datetimeFigureOut">
               <a:rPr kumimoji="1" lang="ja-JP" altLang="en-US" smtClean="0"/>
-              <a:t>2015/11/15</a:t>
+              <a:t>2015/11/16</a:t>
             </a:fld>
             <a:endParaRPr kumimoji="1" lang="ja-JP" altLang="en-US"/>
           </a:p>
@@ -1022,7 +1023,7 @@
           <a:p>
             <a:fld id="{39378AC4-C49C-4159-B332-7738B007311C}" type="datetimeFigureOut">
               <a:rPr kumimoji="1" lang="ja-JP" altLang="en-US" smtClean="0"/>
-              <a:t>2015/11/15</a:t>
+              <a:t>2015/11/16</a:t>
             </a:fld>
             <a:endParaRPr kumimoji="1" lang="ja-JP" altLang="en-US"/>
           </a:p>
@@ -1239,7 +1240,7 @@
           <a:p>
             <a:fld id="{39378AC4-C49C-4159-B332-7738B007311C}" type="datetimeFigureOut">
               <a:rPr kumimoji="1" lang="ja-JP" altLang="en-US" smtClean="0"/>
-              <a:t>2015/11/15</a:t>
+              <a:t>2015/11/16</a:t>
             </a:fld>
             <a:endParaRPr kumimoji="1" lang="ja-JP" altLang="en-US"/>
           </a:p>
@@ -1446,7 +1447,7 @@
           <a:p>
             <a:fld id="{39378AC4-C49C-4159-B332-7738B007311C}" type="datetimeFigureOut">
               <a:rPr kumimoji="1" lang="ja-JP" altLang="en-US" smtClean="0"/>
-              <a:t>2015/11/15</a:t>
+              <a:t>2015/11/16</a:t>
             </a:fld>
             <a:endParaRPr kumimoji="1" lang="ja-JP" altLang="en-US"/>
           </a:p>
@@ -1714,7 +1715,7 @@
           <a:p>
             <a:fld id="{39378AC4-C49C-4159-B332-7738B007311C}" type="datetimeFigureOut">
               <a:rPr kumimoji="1" lang="ja-JP" altLang="en-US" smtClean="0"/>
-              <a:t>2015/11/15</a:t>
+              <a:t>2015/11/16</a:t>
             </a:fld>
             <a:endParaRPr kumimoji="1" lang="ja-JP" altLang="en-US"/>
           </a:p>
@@ -2246,7 +2247,7 @@
           <a:p>
             <a:fld id="{39378AC4-C49C-4159-B332-7738B007311C}" type="datetimeFigureOut">
               <a:rPr kumimoji="1" lang="ja-JP" altLang="en-US" smtClean="0"/>
-              <a:t>2015/11/15</a:t>
+              <a:t>2015/11/16</a:t>
             </a:fld>
             <a:endParaRPr kumimoji="1" lang="ja-JP" altLang="en-US"/>
           </a:p>
@@ -2799,7 +2800,7 @@
           <a:p>
             <a:fld id="{39378AC4-C49C-4159-B332-7738B007311C}" type="datetimeFigureOut">
               <a:rPr kumimoji="1" lang="ja-JP" altLang="en-US" smtClean="0"/>
-              <a:t>2015/11/15</a:t>
+              <a:t>2015/11/16</a:t>
             </a:fld>
             <a:endParaRPr kumimoji="1" lang="ja-JP" altLang="en-US"/>
           </a:p>
@@ -2925,7 +2926,7 @@
           <a:p>
             <a:fld id="{39378AC4-C49C-4159-B332-7738B007311C}" type="datetimeFigureOut">
               <a:rPr kumimoji="1" lang="ja-JP" altLang="en-US" smtClean="0"/>
-              <a:t>2015/11/15</a:t>
+              <a:t>2015/11/16</a:t>
             </a:fld>
             <a:endParaRPr kumimoji="1" lang="ja-JP" altLang="en-US"/>
           </a:p>
@@ -3069,7 +3070,7 @@
           <a:p>
             <a:fld id="{39378AC4-C49C-4159-B332-7738B007311C}" type="datetimeFigureOut">
               <a:rPr kumimoji="1" lang="ja-JP" altLang="en-US" smtClean="0"/>
-              <a:t>2015/11/15</a:t>
+              <a:t>2015/11/16</a:t>
             </a:fld>
             <a:endParaRPr kumimoji="1" lang="ja-JP" altLang="en-US"/>
           </a:p>
@@ -3423,7 +3424,7 @@
           <a:p>
             <a:fld id="{39378AC4-C49C-4159-B332-7738B007311C}" type="datetimeFigureOut">
               <a:rPr kumimoji="1" lang="ja-JP" altLang="en-US" smtClean="0"/>
-              <a:t>2015/11/15</a:t>
+              <a:t>2015/11/16</a:t>
             </a:fld>
             <a:endParaRPr kumimoji="1" lang="ja-JP" altLang="en-US"/>
           </a:p>
@@ -3557,7 +3558,7 @@
           <a:p>
             <a:fld id="{39378AC4-C49C-4159-B332-7738B007311C}" type="datetimeFigureOut">
               <a:rPr kumimoji="1" lang="ja-JP" altLang="en-US" smtClean="0"/>
-              <a:t>2015/11/15</a:t>
+              <a:t>2015/11/16</a:t>
             </a:fld>
             <a:endParaRPr kumimoji="1" lang="ja-JP" altLang="en-US"/>
           </a:p>
@@ -4370,7 +4371,7 @@
           <a:p>
             <a:fld id="{39378AC4-C49C-4159-B332-7738B007311C}" type="datetimeFigureOut">
               <a:rPr kumimoji="1" lang="ja-JP" altLang="en-US" smtClean="0"/>
-              <a:t>2015/11/15</a:t>
+              <a:t>2015/11/16</a:t>
             </a:fld>
             <a:endParaRPr kumimoji="1" lang="ja-JP" altLang="en-US"/>
           </a:p>
@@ -4940,11 +4941,6 @@
               </a:rPr>
               <a:t>2015/11/17</a:t>
             </a:r>
-            <a:endParaRPr kumimoji="1" lang="en-US" altLang="ja-JP" dirty="0" smtClean="0">
-              <a:latin typeface="メイリオ" panose="020B0604030504040204" pitchFamily="50" charset="-128"/>
-              <a:ea typeface="メイリオ" panose="020B0604030504040204" pitchFamily="50" charset="-128"/>
-              <a:cs typeface="メイリオ" panose="020B0604030504040204" pitchFamily="50" charset="-128"/>
-            </a:endParaRPr>
           </a:p>
           <a:p>
             <a:r>
@@ -5250,14 +5246,6 @@
               </a:rPr>
               <a:t>!</a:t>
             </a:r>
-            <a:endParaRPr lang="en-US" altLang="ja-JP" sz="6000" b="1" dirty="0" smtClean="0">
-              <a:solidFill>
-                <a:srgbClr val="FF0000"/>
-              </a:solidFill>
-              <a:latin typeface="メイリオ" panose="020B0604030504040204" pitchFamily="50" charset="-128"/>
-              <a:ea typeface="メイリオ" panose="020B0604030504040204" pitchFamily="50" charset="-128"/>
-              <a:cs typeface="メイリオ" panose="020B0604030504040204" pitchFamily="50" charset="-128"/>
-            </a:endParaRPr>
           </a:p>
         </p:txBody>
       </p:sp>
@@ -6860,15 +6848,7 @@
                 <a:ea typeface="メイリオ" panose="020B0604030504040204" pitchFamily="50" charset="-128"/>
                 <a:cs typeface="メイリオ" panose="020B0604030504040204" pitchFamily="50" charset="-128"/>
               </a:rPr>
-              <a:t>大抵いきなりつまずくやつ</a:t>
-            </a:r>
-            <a:r>
-              <a:rPr lang="ja-JP" altLang="en-US" sz="2800" dirty="0" smtClean="0">
-                <a:latin typeface="メイリオ" panose="020B0604030504040204" pitchFamily="50" charset="-128"/>
-                <a:ea typeface="メイリオ" panose="020B0604030504040204" pitchFamily="50" charset="-128"/>
-                <a:cs typeface="メイリオ" panose="020B0604030504040204" pitchFamily="50" charset="-128"/>
-              </a:rPr>
-              <a:t>。</a:t>
+              <a:t>大抵いきなりつまずくやつ。</a:t>
             </a:r>
             <a:endParaRPr lang="en-US" altLang="ja-JP" sz="2800" dirty="0" smtClean="0">
               <a:latin typeface="メイリオ" panose="020B0604030504040204" pitchFamily="50" charset="-128"/>
@@ -7429,15 +7409,7 @@
                 <a:ea typeface="メイリオ" panose="020B0604030504040204" pitchFamily="50" charset="-128"/>
                 <a:cs typeface="メイリオ" panose="020B0604030504040204" pitchFamily="50" charset="-128"/>
               </a:rPr>
-              <a:t>打鍵数</a:t>
-            </a:r>
-            <a:r>
-              <a:rPr lang="ja-JP" altLang="en-US" sz="4000" b="1" dirty="0" smtClean="0">
-                <a:latin typeface="メイリオ" panose="020B0604030504040204" pitchFamily="50" charset="-128"/>
-                <a:ea typeface="メイリオ" panose="020B0604030504040204" pitchFamily="50" charset="-128"/>
-                <a:cs typeface="メイリオ" panose="020B0604030504040204" pitchFamily="50" charset="-128"/>
-              </a:rPr>
-              <a:t>や指の負担を考えた設計？</a:t>
+              <a:t>打鍵数や指の負担を考えた設計？</a:t>
             </a:r>
             <a:endParaRPr lang="en-US" altLang="ja-JP" sz="4000" b="1" dirty="0">
               <a:latin typeface="メイリオ" panose="020B0604030504040204" pitchFamily="50" charset="-128"/>
@@ -7791,7 +7763,7 @@
                 <a:ea typeface="メイリオ" panose="020B0604030504040204" pitchFamily="50" charset="-128"/>
                 <a:cs typeface="メイリオ" panose="020B0604030504040204" pitchFamily="50" charset="-128"/>
               </a:rPr>
-              <a:t>■カーソル移動コマンド</a:t>
+              <a:t>■とりあえず覚えたコマンド</a:t>
             </a:r>
             <a:endParaRPr lang="en-US" altLang="ja-JP" dirty="0" smtClean="0">
               <a:latin typeface="メイリオ" panose="020B0604030504040204" pitchFamily="50" charset="-128"/>
@@ -7803,29 +7775,31 @@
             <a:pPr marL="82296" indent="0">
               <a:buNone/>
             </a:pPr>
-            <a:r>
-              <a:rPr lang="en-US" altLang="ja-JP" dirty="0" err="1" smtClean="0">
-                <a:latin typeface="メイリオ" panose="020B0604030504040204" pitchFamily="50" charset="-128"/>
-                <a:ea typeface="メイリオ" panose="020B0604030504040204" pitchFamily="50" charset="-128"/>
-                <a:cs typeface="メイリオ" panose="020B0604030504040204" pitchFamily="50" charset="-128"/>
-              </a:rPr>
-              <a:t>hjkl</a:t>
-            </a:r>
-            <a:r>
-              <a:rPr lang="ja-JP" altLang="en-US" dirty="0" smtClean="0">
-                <a:latin typeface="メイリオ" panose="020B0604030504040204" pitchFamily="50" charset="-128"/>
-                <a:ea typeface="メイリオ" panose="020B0604030504040204" pitchFamily="50" charset="-128"/>
-                <a:cs typeface="メイリオ" panose="020B0604030504040204" pitchFamily="50" charset="-128"/>
-              </a:rPr>
-              <a:t>：←</a:t>
-            </a:r>
-            <a:r>
-              <a:rPr lang="ja-JP" altLang="en-US" dirty="0" smtClean="0">
-                <a:latin typeface="メイリオ" panose="020B0604030504040204" pitchFamily="50" charset="-128"/>
-                <a:ea typeface="メイリオ" panose="020B0604030504040204" pitchFamily="50" charset="-128"/>
-                <a:cs typeface="メイリオ" panose="020B0604030504040204" pitchFamily="50" charset="-128"/>
-              </a:rPr>
-              <a:t>↑↓→</a:t>
+            <a:endParaRPr lang="en-US" altLang="ja-JP" sz="2800" dirty="0" smtClean="0">
+              <a:latin typeface="メイリオ" panose="020B0604030504040204" pitchFamily="50" charset="-128"/>
+              <a:ea typeface="メイリオ" panose="020B0604030504040204" pitchFamily="50" charset="-128"/>
+              <a:cs typeface="メイリオ" panose="020B0604030504040204" pitchFamily="50" charset="-128"/>
+            </a:endParaRPr>
+          </a:p>
+          <a:p>
+            <a:pPr marL="82296" indent="0">
+              <a:buNone/>
+            </a:pPr>
+            <a:r>
+              <a:rPr lang="en-US" altLang="ja-JP" dirty="0" smtClean="0">
+                <a:latin typeface="メイリオ" panose="020B0604030504040204" pitchFamily="50" charset="-128"/>
+                <a:ea typeface="メイリオ" panose="020B0604030504040204" pitchFamily="50" charset="-128"/>
+                <a:cs typeface="メイリオ" panose="020B0604030504040204" pitchFamily="50" charset="-128"/>
+              </a:rPr>
+              <a:t>Esc</a:t>
+            </a:r>
+            <a:r>
+              <a:rPr lang="ja-JP" altLang="en-US" dirty="0" smtClean="0">
+                <a:latin typeface="メイリオ" panose="020B0604030504040204" pitchFamily="50" charset="-128"/>
+                <a:ea typeface="メイリオ" panose="020B0604030504040204" pitchFamily="50" charset="-128"/>
+                <a:cs typeface="メイリオ" panose="020B0604030504040204" pitchFamily="50" charset="-128"/>
+              </a:rPr>
+              <a:t>＝通常モードに移行</a:t>
             </a:r>
             <a:endParaRPr lang="en-US" altLang="ja-JP" dirty="0" smtClean="0">
               <a:latin typeface="メイリオ" panose="020B0604030504040204" pitchFamily="50" charset="-128"/>
@@ -7843,31 +7817,41 @@
                 <a:ea typeface="メイリオ" panose="020B0604030504040204" pitchFamily="50" charset="-128"/>
                 <a:cs typeface="メイリオ" panose="020B0604030504040204" pitchFamily="50" charset="-128"/>
               </a:rPr>
-              <a:t>0, </a:t>
-            </a:r>
+              <a:t>u</a:t>
+            </a:r>
+            <a:r>
+              <a:rPr lang="ja-JP" altLang="en-US" dirty="0" smtClean="0">
+                <a:latin typeface="メイリオ" panose="020B0604030504040204" pitchFamily="50" charset="-128"/>
+                <a:ea typeface="メイリオ" panose="020B0604030504040204" pitchFamily="50" charset="-128"/>
+                <a:cs typeface="メイリオ" panose="020B0604030504040204" pitchFamily="50" charset="-128"/>
+              </a:rPr>
+              <a:t>＝元に戻す</a:t>
+            </a:r>
+            <a:endParaRPr lang="en-US" altLang="ja-JP" dirty="0" smtClean="0">
+              <a:latin typeface="メイリオ" panose="020B0604030504040204" pitchFamily="50" charset="-128"/>
+              <a:ea typeface="メイリオ" panose="020B0604030504040204" pitchFamily="50" charset="-128"/>
+              <a:cs typeface="メイリオ" panose="020B0604030504040204" pitchFamily="50" charset="-128"/>
+            </a:endParaRPr>
+          </a:p>
+          <a:p>
+            <a:pPr marL="82296" indent="0">
+              <a:buNone/>
+            </a:pPr>
             <a:r>
               <a:rPr lang="en-US" altLang="ja-JP" dirty="0" smtClean="0">
                 <a:latin typeface="メイリオ" panose="020B0604030504040204" pitchFamily="50" charset="-128"/>
                 <a:ea typeface="メイリオ" panose="020B0604030504040204" pitchFamily="50" charset="-128"/>
                 <a:cs typeface="メイリオ" panose="020B0604030504040204" pitchFamily="50" charset="-128"/>
               </a:rPr>
-              <a:t>$</a:t>
-            </a:r>
-            <a:r>
-              <a:rPr lang="ja-JP" altLang="en-US" dirty="0" smtClean="0">
-                <a:latin typeface="メイリオ" panose="020B0604030504040204" pitchFamily="50" charset="-128"/>
-                <a:ea typeface="メイリオ" panose="020B0604030504040204" pitchFamily="50" charset="-128"/>
-                <a:cs typeface="メイリオ" panose="020B0604030504040204" pitchFamily="50" charset="-128"/>
-              </a:rPr>
-              <a:t>：行頭</a:t>
-            </a:r>
-            <a:r>
-              <a:rPr lang="ja-JP" altLang="en-US" dirty="0" smtClean="0">
-                <a:latin typeface="メイリオ" panose="020B0604030504040204" pitchFamily="50" charset="-128"/>
-                <a:ea typeface="メイリオ" panose="020B0604030504040204" pitchFamily="50" charset="-128"/>
-                <a:cs typeface="メイリオ" panose="020B0604030504040204" pitchFamily="50" charset="-128"/>
-              </a:rPr>
-              <a:t>、行末移動</a:t>
+              <a:t>:q</a:t>
+            </a:r>
+            <a:r>
+              <a:rPr lang="ja-JP" altLang="en-US" dirty="0" smtClean="0">
+                <a:latin typeface="メイリオ" panose="020B0604030504040204" pitchFamily="50" charset="-128"/>
+                <a:ea typeface="メイリオ" panose="020B0604030504040204" pitchFamily="50" charset="-128"/>
+                <a:cs typeface="メイリオ" panose="020B0604030504040204" pitchFamily="50" charset="-128"/>
+              </a:rPr>
+              <a:t>＝保存せず終了</a:t>
             </a:r>
             <a:endParaRPr lang="en-US" altLang="ja-JP" dirty="0" smtClean="0">
               <a:latin typeface="メイリオ" panose="020B0604030504040204" pitchFamily="50" charset="-128"/>
@@ -7879,13 +7863,49 @@
             <a:pPr marL="82296" indent="0">
               <a:buNone/>
             </a:pPr>
+            <a:endParaRPr lang="en-US" altLang="ja-JP" dirty="0">
+              <a:latin typeface="メイリオ" panose="020B0604030504040204" pitchFamily="50" charset="-128"/>
+              <a:ea typeface="メイリオ" panose="020B0604030504040204" pitchFamily="50" charset="-128"/>
+              <a:cs typeface="メイリオ" panose="020B0604030504040204" pitchFamily="50" charset="-128"/>
+            </a:endParaRPr>
+          </a:p>
+          <a:p>
+            <a:pPr marL="82296" indent="0">
+              <a:buNone/>
+            </a:pPr>
+            <a:r>
+              <a:rPr lang="ja-JP" altLang="en-US" dirty="0" smtClean="0">
+                <a:latin typeface="メイリオ" panose="020B0604030504040204" pitchFamily="50" charset="-128"/>
+                <a:ea typeface="メイリオ" panose="020B0604030504040204" pitchFamily="50" charset="-128"/>
+                <a:cs typeface="メイリオ" panose="020B0604030504040204" pitchFamily="50" charset="-128"/>
+              </a:rPr>
+              <a:t>わけわからなくなったらとりあえず</a:t>
+            </a:r>
+            <a:endParaRPr lang="en-US" altLang="ja-JP" dirty="0" smtClean="0">
+              <a:latin typeface="メイリオ" panose="020B0604030504040204" pitchFamily="50" charset="-128"/>
+              <a:ea typeface="メイリオ" panose="020B0604030504040204" pitchFamily="50" charset="-128"/>
+              <a:cs typeface="メイリオ" panose="020B0604030504040204" pitchFamily="50" charset="-128"/>
+            </a:endParaRPr>
+          </a:p>
+          <a:p>
+            <a:pPr marL="82296" indent="0">
+              <a:buNone/>
+            </a:pPr>
             <a:r>
               <a:rPr lang="en-US" altLang="ja-JP" dirty="0" smtClean="0">
                 <a:latin typeface="メイリオ" panose="020B0604030504040204" pitchFamily="50" charset="-128"/>
                 <a:ea typeface="メイリオ" panose="020B0604030504040204" pitchFamily="50" charset="-128"/>
                 <a:cs typeface="メイリオ" panose="020B0604030504040204" pitchFamily="50" charset="-128"/>
               </a:rPr>
-              <a:t>w, </a:t>
+              <a:t>Esc</a:t>
+            </a:r>
+            <a:r>
+              <a:rPr lang="ja-JP" altLang="en-US" dirty="0" smtClean="0">
+                <a:latin typeface="メイリオ" panose="020B0604030504040204" pitchFamily="50" charset="-128"/>
+                <a:ea typeface="メイリオ" panose="020B0604030504040204" pitchFamily="50" charset="-128"/>
+                <a:cs typeface="メイリオ" panose="020B0604030504040204" pitchFamily="50" charset="-128"/>
+              </a:rPr>
+              <a:t>連打→</a:t>
             </a:r>
             <a:r>
               <a:rPr lang="en-US" altLang="ja-JP" dirty="0" smtClean="0">
@@ -7893,23 +7913,15 @@
                 <a:ea typeface="メイリオ" panose="020B0604030504040204" pitchFamily="50" charset="-128"/>
                 <a:cs typeface="メイリオ" panose="020B0604030504040204" pitchFamily="50" charset="-128"/>
               </a:rPr>
-              <a:t>b</a:t>
-            </a:r>
-            <a:r>
-              <a:rPr lang="ja-JP" altLang="en-US" dirty="0" smtClean="0">
-                <a:latin typeface="メイリオ" panose="020B0604030504040204" pitchFamily="50" charset="-128"/>
-                <a:ea typeface="メイリオ" panose="020B0604030504040204" pitchFamily="50" charset="-128"/>
-                <a:cs typeface="メイリオ" panose="020B0604030504040204" pitchFamily="50" charset="-128"/>
-              </a:rPr>
-              <a:t>：次</a:t>
-            </a:r>
-            <a:r>
-              <a:rPr lang="ja-JP" altLang="en-US" dirty="0" smtClean="0">
-                <a:latin typeface="メイリオ" panose="020B0604030504040204" pitchFamily="50" charset="-128"/>
-                <a:ea typeface="メイリオ" panose="020B0604030504040204" pitchFamily="50" charset="-128"/>
-                <a:cs typeface="メイリオ" panose="020B0604030504040204" pitchFamily="50" charset="-128"/>
-              </a:rPr>
-              <a:t>の</a:t>
+              <a:t>u</a:t>
+            </a:r>
+            <a:r>
+              <a:rPr lang="ja-JP" altLang="en-US" dirty="0" smtClean="0">
+                <a:latin typeface="メイリオ" panose="020B0604030504040204" pitchFamily="50" charset="-128"/>
+                <a:ea typeface="メイリオ" panose="020B0604030504040204" pitchFamily="50" charset="-128"/>
+                <a:cs typeface="メイリオ" panose="020B0604030504040204" pitchFamily="50" charset="-128"/>
+              </a:rPr>
+              <a:t>連打→</a:t>
             </a:r>
             <a:r>
               <a:rPr lang="en-US" altLang="ja-JP" dirty="0" smtClean="0">
@@ -7917,113 +7929,15 @@
                 <a:ea typeface="メイリオ" panose="020B0604030504040204" pitchFamily="50" charset="-128"/>
                 <a:cs typeface="メイリオ" panose="020B0604030504040204" pitchFamily="50" charset="-128"/>
               </a:rPr>
-              <a:t>/</a:t>
-            </a:r>
-            <a:r>
-              <a:rPr lang="ja-JP" altLang="en-US" dirty="0" smtClean="0">
-                <a:latin typeface="メイリオ" panose="020B0604030504040204" pitchFamily="50" charset="-128"/>
-                <a:ea typeface="メイリオ" panose="020B0604030504040204" pitchFamily="50" charset="-128"/>
-                <a:cs typeface="メイリオ" panose="020B0604030504040204" pitchFamily="50" charset="-128"/>
-              </a:rPr>
-              <a:t>前の単語の先頭へ移動</a:t>
-            </a:r>
-            <a:endParaRPr lang="en-US" altLang="ja-JP" dirty="0">
-              <a:latin typeface="メイリオ" panose="020B0604030504040204" pitchFamily="50" charset="-128"/>
-              <a:ea typeface="メイリオ" panose="020B0604030504040204" pitchFamily="50" charset="-128"/>
-              <a:cs typeface="メイリオ" panose="020B0604030504040204" pitchFamily="50" charset="-128"/>
-            </a:endParaRPr>
-          </a:p>
-          <a:p>
-            <a:pPr marL="82296" indent="0">
-              <a:buNone/>
-            </a:pPr>
-            <a:r>
-              <a:rPr lang="en-US" altLang="ja-JP" dirty="0" smtClean="0">
-                <a:latin typeface="メイリオ" panose="020B0604030504040204" pitchFamily="50" charset="-128"/>
-                <a:ea typeface="メイリオ" panose="020B0604030504040204" pitchFamily="50" charset="-128"/>
-                <a:cs typeface="メイリオ" panose="020B0604030504040204" pitchFamily="50" charset="-128"/>
-              </a:rPr>
-              <a:t>f&lt;</a:t>
-            </a:r>
-            <a:r>
-              <a:rPr lang="ja-JP" altLang="en-US" dirty="0" smtClean="0">
-                <a:latin typeface="メイリオ" panose="020B0604030504040204" pitchFamily="50" charset="-128"/>
-                <a:ea typeface="メイリオ" panose="020B0604030504040204" pitchFamily="50" charset="-128"/>
-                <a:cs typeface="メイリオ" panose="020B0604030504040204" pitchFamily="50" charset="-128"/>
-              </a:rPr>
-              <a:t>単語</a:t>
-            </a:r>
-            <a:r>
-              <a:rPr lang="en-US" altLang="ja-JP" dirty="0" smtClean="0">
-                <a:latin typeface="メイリオ" panose="020B0604030504040204" pitchFamily="50" charset="-128"/>
-                <a:ea typeface="メイリオ" panose="020B0604030504040204" pitchFamily="50" charset="-128"/>
-                <a:cs typeface="メイリオ" panose="020B0604030504040204" pitchFamily="50" charset="-128"/>
-              </a:rPr>
-              <a:t>&gt;</a:t>
-            </a:r>
-            <a:r>
-              <a:rPr lang="ja-JP" altLang="en-US" dirty="0" smtClean="0">
-                <a:latin typeface="メイリオ" panose="020B0604030504040204" pitchFamily="50" charset="-128"/>
-                <a:ea typeface="メイリオ" panose="020B0604030504040204" pitchFamily="50" charset="-128"/>
-                <a:cs typeface="メイリオ" panose="020B0604030504040204" pitchFamily="50" charset="-128"/>
-              </a:rPr>
-              <a:t>：同じ行</a:t>
-            </a:r>
-            <a:r>
-              <a:rPr lang="ja-JP" altLang="en-US" dirty="0" smtClean="0">
-                <a:latin typeface="メイリオ" panose="020B0604030504040204" pitchFamily="50" charset="-128"/>
-                <a:ea typeface="メイリオ" panose="020B0604030504040204" pitchFamily="50" charset="-128"/>
-                <a:cs typeface="メイリオ" panose="020B0604030504040204" pitchFamily="50" charset="-128"/>
-              </a:rPr>
-              <a:t>の次</a:t>
-            </a:r>
-            <a:r>
-              <a:rPr lang="ja-JP" altLang="en-US" dirty="0" smtClean="0">
-                <a:latin typeface="メイリオ" panose="020B0604030504040204" pitchFamily="50" charset="-128"/>
-                <a:ea typeface="メイリオ" panose="020B0604030504040204" pitchFamily="50" charset="-128"/>
-                <a:cs typeface="メイリオ" panose="020B0604030504040204" pitchFamily="50" charset="-128"/>
-              </a:rPr>
-              <a:t>の</a:t>
-            </a:r>
-            <a:r>
-              <a:rPr lang="en-US" altLang="ja-JP" dirty="0" smtClean="0">
-                <a:latin typeface="メイリオ" panose="020B0604030504040204" pitchFamily="50" charset="-128"/>
-                <a:ea typeface="メイリオ" panose="020B0604030504040204" pitchFamily="50" charset="-128"/>
-                <a:cs typeface="メイリオ" panose="020B0604030504040204" pitchFamily="50" charset="-128"/>
-              </a:rPr>
-              <a:t>&lt;</a:t>
-            </a:r>
-            <a:r>
-              <a:rPr lang="ja-JP" altLang="en-US" dirty="0" smtClean="0">
-                <a:latin typeface="メイリオ" panose="020B0604030504040204" pitchFamily="50" charset="-128"/>
-                <a:ea typeface="メイリオ" panose="020B0604030504040204" pitchFamily="50" charset="-128"/>
-                <a:cs typeface="メイリオ" panose="020B0604030504040204" pitchFamily="50" charset="-128"/>
-              </a:rPr>
-              <a:t>単語</a:t>
-            </a:r>
-            <a:r>
-              <a:rPr lang="en-US" altLang="ja-JP" dirty="0" smtClean="0">
-                <a:latin typeface="メイリオ" panose="020B0604030504040204" pitchFamily="50" charset="-128"/>
-                <a:ea typeface="メイリオ" panose="020B0604030504040204" pitchFamily="50" charset="-128"/>
-                <a:cs typeface="メイリオ" panose="020B0604030504040204" pitchFamily="50" charset="-128"/>
-              </a:rPr>
-              <a:t>&gt;</a:t>
-            </a:r>
-            <a:r>
-              <a:rPr lang="ja-JP" altLang="en-US" dirty="0" smtClean="0">
-                <a:latin typeface="メイリオ" panose="020B0604030504040204" pitchFamily="50" charset="-128"/>
-                <a:ea typeface="メイリオ" panose="020B0604030504040204" pitchFamily="50" charset="-128"/>
-                <a:cs typeface="メイリオ" panose="020B0604030504040204" pitchFamily="50" charset="-128"/>
-              </a:rPr>
-              <a:t>へ</a:t>
-            </a:r>
-            <a:r>
-              <a:rPr lang="ja-JP" altLang="en-US" dirty="0" smtClean="0">
-                <a:latin typeface="メイリオ" panose="020B0604030504040204" pitchFamily="50" charset="-128"/>
-                <a:ea typeface="メイリオ" panose="020B0604030504040204" pitchFamily="50" charset="-128"/>
-                <a:cs typeface="メイリオ" panose="020B0604030504040204" pitchFamily="50" charset="-128"/>
-              </a:rPr>
-              <a:t>移動</a:t>
+              <a:t>:q</a:t>
+            </a:r>
+            <a:r>
+              <a:rPr lang="ja-JP" altLang="en-US" dirty="0" smtClean="0">
+                <a:latin typeface="メイリオ" panose="020B0604030504040204" pitchFamily="50" charset="-128"/>
+                <a:ea typeface="メイリオ" panose="020B0604030504040204" pitchFamily="50" charset="-128"/>
+                <a:cs typeface="メイリオ" panose="020B0604030504040204" pitchFamily="50" charset="-128"/>
+              </a:rPr>
+              <a:t>で大体何とかなる。</a:t>
             </a:r>
             <a:endParaRPr lang="en-US" altLang="ja-JP" dirty="0" smtClean="0">
               <a:latin typeface="メイリオ" panose="020B0604030504040204" pitchFamily="50" charset="-128"/>
@@ -8031,157 +7945,58 @@
               <a:cs typeface="メイリオ" panose="020B0604030504040204" pitchFamily="50" charset="-128"/>
             </a:endParaRPr>
           </a:p>
-          <a:p>
-            <a:pPr marL="82296" indent="0">
-              <a:buNone/>
-            </a:pPr>
-            <a:r>
-              <a:rPr lang="en-US" altLang="ja-JP" dirty="0" err="1" smtClean="0">
-                <a:latin typeface="メイリオ" panose="020B0604030504040204" pitchFamily="50" charset="-128"/>
-                <a:ea typeface="メイリオ" panose="020B0604030504040204" pitchFamily="50" charset="-128"/>
-                <a:cs typeface="メイリオ" panose="020B0604030504040204" pitchFamily="50" charset="-128"/>
-              </a:rPr>
-              <a:t>Ctrl+u,Ctrl+d</a:t>
-            </a:r>
-            <a:r>
-              <a:rPr lang="ja-JP" altLang="en-US" dirty="0" smtClean="0">
-                <a:latin typeface="メイリオ" panose="020B0604030504040204" pitchFamily="50" charset="-128"/>
-                <a:ea typeface="メイリオ" panose="020B0604030504040204" pitchFamily="50" charset="-128"/>
-                <a:cs typeface="メイリオ" panose="020B0604030504040204" pitchFamily="50" charset="-128"/>
-              </a:rPr>
-              <a:t>：一</a:t>
-            </a:r>
-            <a:r>
-              <a:rPr lang="ja-JP" altLang="en-US" dirty="0" smtClean="0">
-                <a:latin typeface="メイリオ" panose="020B0604030504040204" pitchFamily="50" charset="-128"/>
-                <a:ea typeface="メイリオ" panose="020B0604030504040204" pitchFamily="50" charset="-128"/>
-                <a:cs typeface="メイリオ" panose="020B0604030504040204" pitchFamily="50" charset="-128"/>
-              </a:rPr>
-              <a:t>画面分前</a:t>
-            </a:r>
-            <a:r>
-              <a:rPr lang="en-US" altLang="ja-JP" dirty="0" smtClean="0">
-                <a:latin typeface="メイリオ" panose="020B0604030504040204" pitchFamily="50" charset="-128"/>
-                <a:ea typeface="メイリオ" panose="020B0604030504040204" pitchFamily="50" charset="-128"/>
-                <a:cs typeface="メイリオ" panose="020B0604030504040204" pitchFamily="50" charset="-128"/>
-              </a:rPr>
-              <a:t>/</a:t>
-            </a:r>
-            <a:r>
-              <a:rPr lang="ja-JP" altLang="en-US" dirty="0" smtClean="0">
-                <a:latin typeface="メイリオ" panose="020B0604030504040204" pitchFamily="50" charset="-128"/>
-                <a:ea typeface="メイリオ" panose="020B0604030504040204" pitchFamily="50" charset="-128"/>
-                <a:cs typeface="メイリオ" panose="020B0604030504040204" pitchFamily="50" charset="-128"/>
-              </a:rPr>
-              <a:t>後へ移動</a:t>
-            </a:r>
-            <a:endParaRPr lang="en-US" altLang="ja-JP" dirty="0" smtClean="0">
-              <a:latin typeface="メイリオ" panose="020B0604030504040204" pitchFamily="50" charset="-128"/>
-              <a:ea typeface="メイリオ" panose="020B0604030504040204" pitchFamily="50" charset="-128"/>
-              <a:cs typeface="メイリオ" panose="020B0604030504040204" pitchFamily="50" charset="-128"/>
-            </a:endParaRPr>
-          </a:p>
-          <a:p>
-            <a:pPr marL="82296" indent="0">
-              <a:buNone/>
-            </a:pPr>
-            <a:r>
-              <a:rPr lang="ja-JP" altLang="en-US" dirty="0" smtClean="0">
-                <a:latin typeface="メイリオ" panose="020B0604030504040204" pitchFamily="50" charset="-128"/>
-                <a:ea typeface="メイリオ" panose="020B0604030504040204" pitchFamily="50" charset="-128"/>
-                <a:cs typeface="メイリオ" panose="020B0604030504040204" pitchFamily="50" charset="-128"/>
-              </a:rPr>
-              <a:t>などなど</a:t>
-            </a:r>
-            <a:r>
-              <a:rPr lang="en-US" altLang="ja-JP" dirty="0" smtClean="0">
-                <a:latin typeface="メイリオ" panose="020B0604030504040204" pitchFamily="50" charset="-128"/>
-                <a:ea typeface="メイリオ" panose="020B0604030504040204" pitchFamily="50" charset="-128"/>
-                <a:cs typeface="メイリオ" panose="020B0604030504040204" pitchFamily="50" charset="-128"/>
-              </a:rPr>
-              <a:t>…</a:t>
-            </a:r>
-          </a:p>
-          <a:p>
-            <a:pPr marL="82296" indent="0">
-              <a:buNone/>
-            </a:pPr>
-            <a:endParaRPr lang="en-US" altLang="ja-JP" dirty="0" smtClean="0">
-              <a:latin typeface="メイリオ" panose="020B0604030504040204" pitchFamily="50" charset="-128"/>
-              <a:ea typeface="メイリオ" panose="020B0604030504040204" pitchFamily="50" charset="-128"/>
-              <a:cs typeface="メイリオ" panose="020B0604030504040204" pitchFamily="50" charset="-128"/>
-            </a:endParaRPr>
-          </a:p>
-          <a:p>
-            <a:pPr marL="82296" indent="0">
-              <a:buNone/>
-            </a:pPr>
-            <a:r>
-              <a:rPr lang="ja-JP" altLang="en-US" dirty="0" smtClean="0">
-                <a:latin typeface="メイリオ" panose="020B0604030504040204" pitchFamily="50" charset="-128"/>
-                <a:ea typeface="メイリオ" panose="020B0604030504040204" pitchFamily="50" charset="-128"/>
-                <a:cs typeface="メイリオ" panose="020B0604030504040204" pitchFamily="50" charset="-128"/>
-              </a:rPr>
-              <a:t>・・・カーソル移動コマンド多くね？</a:t>
-            </a:r>
-            <a:endParaRPr lang="en-US" altLang="ja-JP" dirty="0">
-              <a:latin typeface="メイリオ" panose="020B0604030504040204" pitchFamily="50" charset="-128"/>
-              <a:ea typeface="メイリオ" panose="020B0604030504040204" pitchFamily="50" charset="-128"/>
-              <a:cs typeface="メイリオ" panose="020B0604030504040204" pitchFamily="50" charset="-128"/>
-            </a:endParaRPr>
-          </a:p>
-        </p:txBody>
-      </p:sp>
-      <p:sp>
-        <p:nvSpPr>
-          <p:cNvPr id="3" name="正方形/長方形 2"/>
+        </p:txBody>
+      </p:sp>
+      <p:sp>
+        <p:nvSpPr>
+          <p:cNvPr id="4" name="正方形/長方形 3"/>
           <p:cNvSpPr/>
           <p:nvPr/>
         </p:nvSpPr>
         <p:spPr>
           <a:xfrm>
-            <a:off x="1187624" y="1592796"/>
-            <a:ext cx="7344816" cy="2916324"/>
+            <a:off x="1111970" y="5925473"/>
+            <a:ext cx="8644605" cy="707886"/>
           </a:xfrm>
           <a:prstGeom prst="rect">
             <a:avLst/>
           </a:prstGeom>
-          <a:noFill/>
-          <a:ln w="12700">
-            <a:solidFill>
-              <a:schemeClr val="tx1"/>
-            </a:solidFill>
-          </a:ln>
         </p:spPr>
-        <p:style>
-          <a:lnRef idx="2">
-            <a:schemeClr val="accent1">
-              <a:shade val="50000"/>
-            </a:schemeClr>
-          </a:lnRef>
-          <a:fillRef idx="1">
-            <a:schemeClr val="accent1"/>
-          </a:fillRef>
-          <a:effectRef idx="0">
-            <a:schemeClr val="accent1"/>
-          </a:effectRef>
-          <a:fontRef idx="minor">
-            <a:schemeClr val="lt1"/>
-          </a:fontRef>
-        </p:style>
-        <p:txBody>
-          <a:bodyPr rtlCol="0" anchor="ctr"/>
+        <p:txBody>
+          <a:bodyPr wrap="square">
+            <a:spAutoFit/>
+          </a:bodyPr>
           <a:lstStyle/>
           <a:p>
-            <a:pPr algn="ctr"/>
-            <a:endParaRPr kumimoji="1" lang="ja-JP" altLang="en-US"/>
+            <a:pPr marL="82296" lvl="0">
+              <a:spcBef>
+                <a:spcPts val="600"/>
+              </a:spcBef>
+              <a:buClr>
+                <a:srgbClr val="3891A7"/>
+              </a:buClr>
+              <a:buSzPct val="80000"/>
+            </a:pPr>
+            <a:r>
+              <a:rPr lang="ja-JP" altLang="en-US" sz="4000" b="1" dirty="0" smtClean="0">
+                <a:latin typeface="メイリオ" panose="020B0604030504040204" pitchFamily="50" charset="-128"/>
+                <a:ea typeface="メイリオ" panose="020B0604030504040204" pitchFamily="50" charset="-128"/>
+                <a:cs typeface="メイリオ" panose="020B0604030504040204" pitchFamily="50" charset="-128"/>
+              </a:rPr>
+              <a:t>→恐怖心はかなり減った。</a:t>
+            </a:r>
+            <a:endParaRPr lang="en-US" altLang="ja-JP" sz="4000" b="1" dirty="0">
+              <a:latin typeface="メイリオ" panose="020B0604030504040204" pitchFamily="50" charset="-128"/>
+              <a:ea typeface="メイリオ" panose="020B0604030504040204" pitchFamily="50" charset="-128"/>
+              <a:cs typeface="メイリオ" panose="020B0604030504040204" pitchFamily="50" charset="-128"/>
+            </a:endParaRPr>
           </a:p>
         </p:txBody>
       </p:sp>
     </p:spTree>
     <p:extLst>
       <p:ext uri="{BB962C8B-B14F-4D97-AF65-F5344CB8AC3E}">
-        <p14:creationId xmlns:p14="http://schemas.microsoft.com/office/powerpoint/2010/main" val="4035299323"/>
+        <p14:creationId xmlns:p14="http://schemas.microsoft.com/office/powerpoint/2010/main" val="4225575575"/>
       </p:ext>
     </p:extLst>
   </p:cSld>
@@ -8227,42 +8042,16 @@
         </p:nvSpPr>
         <p:spPr/>
         <p:txBody>
-          <a:bodyPr>
-            <a:normAutofit/>
-          </a:bodyPr>
+          <a:bodyPr/>
           <a:lstStyle/>
           <a:p>
             <a:r>
-              <a:rPr lang="ja-JP" altLang="en-US" dirty="0">
-                <a:latin typeface="メイリオ" panose="020B0604030504040204" pitchFamily="50" charset="-128"/>
-                <a:ea typeface="メイリオ" panose="020B0604030504040204" pitchFamily="50" charset="-128"/>
-                <a:cs typeface="メイリオ" panose="020B0604030504040204" pitchFamily="50" charset="-128"/>
-              </a:rPr>
-              <a:t>習得のため</a:t>
-            </a:r>
-            <a:r>
-              <a:rPr lang="ja-JP" altLang="en-US" dirty="0" smtClean="0">
-                <a:latin typeface="メイリオ" panose="020B0604030504040204" pitchFamily="50" charset="-128"/>
-                <a:ea typeface="メイリオ" panose="020B0604030504040204" pitchFamily="50" charset="-128"/>
-                <a:cs typeface="メイリオ" panose="020B0604030504040204" pitchFamily="50" charset="-128"/>
-              </a:rPr>
-              <a:t>に</a:t>
-            </a:r>
-            <a:r>
-              <a:rPr lang="ja-JP" altLang="en-US" dirty="0">
-                <a:latin typeface="メイリオ" panose="020B0604030504040204" pitchFamily="50" charset="-128"/>
-                <a:ea typeface="メイリオ" panose="020B0604030504040204" pitchFamily="50" charset="-128"/>
-                <a:cs typeface="メイリオ" panose="020B0604030504040204" pitchFamily="50" charset="-128"/>
-              </a:rPr>
-              <a:t>色々</a:t>
-            </a:r>
-            <a:r>
               <a:rPr kumimoji="1" lang="ja-JP" altLang="en-US" dirty="0" smtClean="0">
                 <a:latin typeface="メイリオ" panose="020B0604030504040204" pitchFamily="50" charset="-128"/>
                 <a:ea typeface="メイリオ" panose="020B0604030504040204" pitchFamily="50" charset="-128"/>
                 <a:cs typeface="メイリオ" panose="020B0604030504040204" pitchFamily="50" charset="-128"/>
               </a:rPr>
-              <a:t>やってみる</a:t>
+              <a:t>色々調べて使ってみる</a:t>
             </a:r>
             <a:endParaRPr kumimoji="1" lang="ja-JP" altLang="en-US" dirty="0">
               <a:latin typeface="メイリオ" panose="020B0604030504040204" pitchFamily="50" charset="-128"/>
@@ -8299,146 +8088,417 @@
             </a:pPr>
             <a:r>
               <a:rPr lang="ja-JP" altLang="en-US" dirty="0" smtClean="0">
-                <a:latin typeface="Inconsolata" panose="020B0609030003000000" pitchFamily="49" charset="0"/>
-                <a:ea typeface="メイリオ" panose="020B0604030504040204" pitchFamily="50" charset="-128"/>
-                <a:cs typeface="メイリオ" panose="020B0604030504040204" pitchFamily="50" charset="-128"/>
-              </a:rPr>
-              <a:t>カーソル移動</a:t>
-            </a:r>
-            <a:r>
-              <a:rPr lang="ja-JP" altLang="en-US" dirty="0" smtClean="0">
-                <a:latin typeface="Inconsolata" panose="020B0609030003000000" pitchFamily="49" charset="0"/>
-                <a:ea typeface="メイリオ" panose="020B0604030504040204" pitchFamily="50" charset="-128"/>
-                <a:cs typeface="メイリオ" panose="020B0604030504040204" pitchFamily="50" charset="-128"/>
-              </a:rPr>
-              <a:t>コマンドが多い</a:t>
+                <a:latin typeface="メイリオ" panose="020B0604030504040204" pitchFamily="50" charset="-128"/>
+                <a:ea typeface="メイリオ" panose="020B0604030504040204" pitchFamily="50" charset="-128"/>
+                <a:cs typeface="メイリオ" panose="020B0604030504040204" pitchFamily="50" charset="-128"/>
+              </a:rPr>
+              <a:t>■カーソル移動コマンド</a:t>
             </a:r>
             <a:endParaRPr lang="en-US" altLang="ja-JP" dirty="0" smtClean="0">
-              <a:latin typeface="Inconsolata" panose="020B0609030003000000" pitchFamily="49" charset="0"/>
-              <a:ea typeface="メイリオ" panose="020B0604030504040204" pitchFamily="50" charset="-128"/>
-              <a:cs typeface="メイリオ" panose="020B0604030504040204" pitchFamily="50" charset="-128"/>
-            </a:endParaRPr>
-          </a:p>
-          <a:p>
-            <a:pPr marL="82296" indent="0">
-              <a:buNone/>
-            </a:pPr>
-            <a:r>
-              <a:rPr lang="ja-JP" altLang="en-US" dirty="0" smtClean="0">
-                <a:latin typeface="Inconsolata" panose="020B0609030003000000" pitchFamily="49" charset="0"/>
-                <a:ea typeface="メイリオ" panose="020B0604030504040204" pitchFamily="50" charset="-128"/>
-                <a:cs typeface="メイリオ" panose="020B0604030504040204" pitchFamily="50" charset="-128"/>
-              </a:rPr>
-              <a:t>↓</a:t>
+              <a:latin typeface="メイリオ" panose="020B0604030504040204" pitchFamily="50" charset="-128"/>
+              <a:ea typeface="メイリオ" panose="020B0604030504040204" pitchFamily="50" charset="-128"/>
+              <a:cs typeface="メイリオ" panose="020B0604030504040204" pitchFamily="50" charset="-128"/>
+            </a:endParaRPr>
+          </a:p>
+          <a:p>
+            <a:pPr marL="82296" indent="0">
+              <a:buNone/>
+            </a:pPr>
+            <a:r>
+              <a:rPr lang="en-US" altLang="ja-JP" dirty="0" err="1" smtClean="0">
+                <a:latin typeface="メイリオ" panose="020B0604030504040204" pitchFamily="50" charset="-128"/>
+                <a:ea typeface="メイリオ" panose="020B0604030504040204" pitchFamily="50" charset="-128"/>
+                <a:cs typeface="メイリオ" panose="020B0604030504040204" pitchFamily="50" charset="-128"/>
+              </a:rPr>
+              <a:t>hjkl</a:t>
+            </a:r>
+            <a:r>
+              <a:rPr lang="ja-JP" altLang="en-US" dirty="0" smtClean="0">
+                <a:latin typeface="メイリオ" panose="020B0604030504040204" pitchFamily="50" charset="-128"/>
+                <a:ea typeface="メイリオ" panose="020B0604030504040204" pitchFamily="50" charset="-128"/>
+                <a:cs typeface="メイリオ" panose="020B0604030504040204" pitchFamily="50" charset="-128"/>
+              </a:rPr>
+              <a:t>＝←</a:t>
+            </a:r>
+            <a:r>
+              <a:rPr lang="ja-JP" altLang="en-US" dirty="0" smtClean="0">
+                <a:latin typeface="メイリオ" panose="020B0604030504040204" pitchFamily="50" charset="-128"/>
+                <a:ea typeface="メイリオ" panose="020B0604030504040204" pitchFamily="50" charset="-128"/>
+                <a:cs typeface="メイリオ" panose="020B0604030504040204" pitchFamily="50" charset="-128"/>
+              </a:rPr>
+              <a:t>↑↓→</a:t>
             </a:r>
             <a:endParaRPr lang="en-US" altLang="ja-JP" dirty="0" smtClean="0">
-              <a:latin typeface="Inconsolata" panose="020B0609030003000000" pitchFamily="49" charset="0"/>
-              <a:ea typeface="メイリオ" panose="020B0604030504040204" pitchFamily="50" charset="-128"/>
-              <a:cs typeface="メイリオ" panose="020B0604030504040204" pitchFamily="50" charset="-128"/>
-            </a:endParaRPr>
-          </a:p>
-          <a:p>
-            <a:pPr marL="82296" indent="0">
-              <a:buNone/>
-            </a:pPr>
+              <a:latin typeface="メイリオ" panose="020B0604030504040204" pitchFamily="50" charset="-128"/>
+              <a:ea typeface="メイリオ" panose="020B0604030504040204" pitchFamily="50" charset="-128"/>
+              <a:cs typeface="メイリオ" panose="020B0604030504040204" pitchFamily="50" charset="-128"/>
+            </a:endParaRPr>
+          </a:p>
+          <a:p>
+            <a:pPr marL="82296" indent="0">
+              <a:buNone/>
+            </a:pPr>
+            <a:r>
+              <a:rPr lang="en-US" altLang="ja-JP" dirty="0" smtClean="0">
+                <a:latin typeface="メイリオ" panose="020B0604030504040204" pitchFamily="50" charset="-128"/>
+                <a:ea typeface="メイリオ" panose="020B0604030504040204" pitchFamily="50" charset="-128"/>
+                <a:cs typeface="メイリオ" panose="020B0604030504040204" pitchFamily="50" charset="-128"/>
+              </a:rPr>
+              <a:t>0, </a:t>
+            </a:r>
+            <a:r>
+              <a:rPr lang="en-US" altLang="ja-JP" dirty="0" smtClean="0">
+                <a:latin typeface="メイリオ" panose="020B0604030504040204" pitchFamily="50" charset="-128"/>
+                <a:ea typeface="メイリオ" panose="020B0604030504040204" pitchFamily="50" charset="-128"/>
+                <a:cs typeface="メイリオ" panose="020B0604030504040204" pitchFamily="50" charset="-128"/>
+              </a:rPr>
+              <a:t>$</a:t>
+            </a:r>
+            <a:r>
+              <a:rPr lang="ja-JP" altLang="en-US" dirty="0" smtClean="0">
+                <a:latin typeface="メイリオ" panose="020B0604030504040204" pitchFamily="50" charset="-128"/>
+                <a:ea typeface="メイリオ" panose="020B0604030504040204" pitchFamily="50" charset="-128"/>
+                <a:cs typeface="メイリオ" panose="020B0604030504040204" pitchFamily="50" charset="-128"/>
+              </a:rPr>
+              <a:t>＝</a:t>
+            </a:r>
             <a:r>
               <a:rPr lang="ja-JP" altLang="en-US" dirty="0">
-                <a:latin typeface="Inconsolata" panose="020B0609030003000000" pitchFamily="49" charset="0"/>
-                <a:ea typeface="メイリオ" panose="020B0604030504040204" pitchFamily="50" charset="-128"/>
-                <a:cs typeface="メイリオ" panose="020B0604030504040204" pitchFamily="50" charset="-128"/>
-              </a:rPr>
-              <a:t>大昔</a:t>
-            </a:r>
-            <a:r>
-              <a:rPr lang="ja-JP" altLang="en-US" dirty="0" smtClean="0">
-                <a:latin typeface="Inconsolata" panose="020B0609030003000000" pitchFamily="49" charset="0"/>
-                <a:ea typeface="メイリオ" panose="020B0604030504040204" pitchFamily="50" charset="-128"/>
-                <a:cs typeface="メイリオ" panose="020B0604030504040204" pitchFamily="50" charset="-128"/>
-              </a:rPr>
-              <a:t>のキーボードの名残？</a:t>
+                <a:latin typeface="メイリオ" panose="020B0604030504040204" pitchFamily="50" charset="-128"/>
+                <a:ea typeface="メイリオ" panose="020B0604030504040204" pitchFamily="50" charset="-128"/>
+                <a:cs typeface="メイリオ" panose="020B0604030504040204" pitchFamily="50" charset="-128"/>
+              </a:rPr>
+              <a:t>行頭</a:t>
+            </a:r>
+            <a:r>
+              <a:rPr lang="ja-JP" altLang="en-US" dirty="0" smtClean="0">
+                <a:latin typeface="メイリオ" panose="020B0604030504040204" pitchFamily="50" charset="-128"/>
+                <a:ea typeface="メイリオ" panose="020B0604030504040204" pitchFamily="50" charset="-128"/>
+                <a:cs typeface="メイリオ" panose="020B0604030504040204" pitchFamily="50" charset="-128"/>
+              </a:rPr>
+              <a:t>、行末移動</a:t>
             </a:r>
             <a:endParaRPr lang="en-US" altLang="ja-JP" dirty="0" smtClean="0">
-              <a:latin typeface="Inconsolata" panose="020B0609030003000000" pitchFamily="49" charset="0"/>
-              <a:ea typeface="メイリオ" panose="020B0604030504040204" pitchFamily="50" charset="-128"/>
-              <a:cs typeface="メイリオ" panose="020B0604030504040204" pitchFamily="50" charset="-128"/>
-            </a:endParaRPr>
-          </a:p>
-          <a:p>
-            <a:pPr marL="82296" indent="0">
-              <a:buNone/>
-            </a:pPr>
-            <a:r>
-              <a:rPr lang="ja-JP" altLang="en-US" dirty="0" smtClean="0">
-                <a:latin typeface="Inconsolata" panose="020B0609030003000000" pitchFamily="49" charset="0"/>
-                <a:ea typeface="メイリオ" panose="020B0604030504040204" pitchFamily="50" charset="-128"/>
-                <a:cs typeface="メイリオ" panose="020B0604030504040204" pitchFamily="50" charset="-128"/>
-              </a:rPr>
-              <a:t>↓</a:t>
+              <a:latin typeface="メイリオ" panose="020B0604030504040204" pitchFamily="50" charset="-128"/>
+              <a:ea typeface="メイリオ" panose="020B0604030504040204" pitchFamily="50" charset="-128"/>
+              <a:cs typeface="メイリオ" panose="020B0604030504040204" pitchFamily="50" charset="-128"/>
+            </a:endParaRPr>
+          </a:p>
+          <a:p>
+            <a:pPr marL="82296" indent="0">
+              <a:buNone/>
+            </a:pPr>
+            <a:r>
+              <a:rPr lang="en-US" altLang="ja-JP" dirty="0" smtClean="0">
+                <a:latin typeface="メイリオ" panose="020B0604030504040204" pitchFamily="50" charset="-128"/>
+                <a:ea typeface="メイリオ" panose="020B0604030504040204" pitchFamily="50" charset="-128"/>
+                <a:cs typeface="メイリオ" panose="020B0604030504040204" pitchFamily="50" charset="-128"/>
+              </a:rPr>
+              <a:t>w, </a:t>
+            </a:r>
+            <a:r>
+              <a:rPr lang="en-US" altLang="ja-JP" dirty="0" smtClean="0">
+                <a:latin typeface="メイリオ" panose="020B0604030504040204" pitchFamily="50" charset="-128"/>
+                <a:ea typeface="メイリオ" panose="020B0604030504040204" pitchFamily="50" charset="-128"/>
+                <a:cs typeface="メイリオ" panose="020B0604030504040204" pitchFamily="50" charset="-128"/>
+              </a:rPr>
+              <a:t>b</a:t>
+            </a:r>
+            <a:r>
+              <a:rPr lang="ja-JP" altLang="en-US" dirty="0" smtClean="0">
+                <a:latin typeface="メイリオ" panose="020B0604030504040204" pitchFamily="50" charset="-128"/>
+                <a:ea typeface="メイリオ" panose="020B0604030504040204" pitchFamily="50" charset="-128"/>
+                <a:cs typeface="メイリオ" panose="020B0604030504040204" pitchFamily="50" charset="-128"/>
+              </a:rPr>
+              <a:t>＝</a:t>
+            </a:r>
+            <a:r>
+              <a:rPr lang="ja-JP" altLang="en-US" dirty="0">
+                <a:latin typeface="メイリオ" panose="020B0604030504040204" pitchFamily="50" charset="-128"/>
+                <a:ea typeface="メイリオ" panose="020B0604030504040204" pitchFamily="50" charset="-128"/>
+                <a:cs typeface="メイリオ" panose="020B0604030504040204" pitchFamily="50" charset="-128"/>
+              </a:rPr>
+              <a:t>次</a:t>
+            </a:r>
+            <a:r>
+              <a:rPr lang="ja-JP" altLang="en-US" dirty="0" smtClean="0">
+                <a:latin typeface="メイリオ" panose="020B0604030504040204" pitchFamily="50" charset="-128"/>
+                <a:ea typeface="メイリオ" panose="020B0604030504040204" pitchFamily="50" charset="-128"/>
+                <a:cs typeface="メイリオ" panose="020B0604030504040204" pitchFamily="50" charset="-128"/>
+              </a:rPr>
+              <a:t>の</a:t>
+            </a:r>
+            <a:r>
+              <a:rPr lang="en-US" altLang="ja-JP" dirty="0" smtClean="0">
+                <a:latin typeface="メイリオ" panose="020B0604030504040204" pitchFamily="50" charset="-128"/>
+                <a:ea typeface="メイリオ" panose="020B0604030504040204" pitchFamily="50" charset="-128"/>
+                <a:cs typeface="メイリオ" panose="020B0604030504040204" pitchFamily="50" charset="-128"/>
+              </a:rPr>
+              <a:t>/</a:t>
+            </a:r>
+            <a:r>
+              <a:rPr lang="ja-JP" altLang="en-US" dirty="0" smtClean="0">
+                <a:latin typeface="メイリオ" panose="020B0604030504040204" pitchFamily="50" charset="-128"/>
+                <a:ea typeface="メイリオ" panose="020B0604030504040204" pitchFamily="50" charset="-128"/>
+                <a:cs typeface="メイリオ" panose="020B0604030504040204" pitchFamily="50" charset="-128"/>
+              </a:rPr>
+              <a:t>前の単語の先頭へ移動</a:t>
+            </a:r>
+            <a:endParaRPr lang="en-US" altLang="ja-JP" dirty="0">
+              <a:latin typeface="メイリオ" panose="020B0604030504040204" pitchFamily="50" charset="-128"/>
+              <a:ea typeface="メイリオ" panose="020B0604030504040204" pitchFamily="50" charset="-128"/>
+              <a:cs typeface="メイリオ" panose="020B0604030504040204" pitchFamily="50" charset="-128"/>
+            </a:endParaRPr>
+          </a:p>
+          <a:p>
+            <a:pPr marL="82296" indent="0">
+              <a:buNone/>
+            </a:pPr>
+            <a:r>
+              <a:rPr lang="en-US" altLang="ja-JP" dirty="0" smtClean="0">
+                <a:latin typeface="メイリオ" panose="020B0604030504040204" pitchFamily="50" charset="-128"/>
+                <a:ea typeface="メイリオ" panose="020B0604030504040204" pitchFamily="50" charset="-128"/>
+                <a:cs typeface="メイリオ" panose="020B0604030504040204" pitchFamily="50" charset="-128"/>
+              </a:rPr>
+              <a:t>f&lt;</a:t>
+            </a:r>
+            <a:r>
+              <a:rPr lang="ja-JP" altLang="en-US" dirty="0" smtClean="0">
+                <a:latin typeface="メイリオ" panose="020B0604030504040204" pitchFamily="50" charset="-128"/>
+                <a:ea typeface="メイリオ" panose="020B0604030504040204" pitchFamily="50" charset="-128"/>
+                <a:cs typeface="メイリオ" panose="020B0604030504040204" pitchFamily="50" charset="-128"/>
+              </a:rPr>
+              <a:t>単語</a:t>
+            </a:r>
+            <a:r>
+              <a:rPr lang="en-US" altLang="ja-JP" dirty="0" smtClean="0">
+                <a:latin typeface="メイリオ" panose="020B0604030504040204" pitchFamily="50" charset="-128"/>
+                <a:ea typeface="メイリオ" panose="020B0604030504040204" pitchFamily="50" charset="-128"/>
+                <a:cs typeface="メイリオ" panose="020B0604030504040204" pitchFamily="50" charset="-128"/>
+              </a:rPr>
+              <a:t>&gt;</a:t>
+            </a:r>
+            <a:r>
+              <a:rPr lang="ja-JP" altLang="en-US" dirty="0" smtClean="0">
+                <a:latin typeface="メイリオ" panose="020B0604030504040204" pitchFamily="50" charset="-128"/>
+                <a:ea typeface="メイリオ" panose="020B0604030504040204" pitchFamily="50" charset="-128"/>
+                <a:cs typeface="メイリオ" panose="020B0604030504040204" pitchFamily="50" charset="-128"/>
+              </a:rPr>
+              <a:t>＝</a:t>
+            </a:r>
+            <a:r>
+              <a:rPr lang="ja-JP" altLang="en-US" dirty="0">
+                <a:latin typeface="メイリオ" panose="020B0604030504040204" pitchFamily="50" charset="-128"/>
+                <a:ea typeface="メイリオ" panose="020B0604030504040204" pitchFamily="50" charset="-128"/>
+                <a:cs typeface="メイリオ" panose="020B0604030504040204" pitchFamily="50" charset="-128"/>
+              </a:rPr>
+              <a:t>同じ</a:t>
+            </a:r>
+            <a:r>
+              <a:rPr lang="ja-JP" altLang="en-US" dirty="0" smtClean="0">
+                <a:latin typeface="メイリオ" panose="020B0604030504040204" pitchFamily="50" charset="-128"/>
+                <a:ea typeface="メイリオ" panose="020B0604030504040204" pitchFamily="50" charset="-128"/>
+                <a:cs typeface="メイリオ" panose="020B0604030504040204" pitchFamily="50" charset="-128"/>
+              </a:rPr>
+              <a:t>行の次の</a:t>
+            </a:r>
+            <a:r>
+              <a:rPr lang="en-US" altLang="ja-JP" dirty="0" smtClean="0">
+                <a:latin typeface="メイリオ" panose="020B0604030504040204" pitchFamily="50" charset="-128"/>
+                <a:ea typeface="メイリオ" panose="020B0604030504040204" pitchFamily="50" charset="-128"/>
+                <a:cs typeface="メイリオ" panose="020B0604030504040204" pitchFamily="50" charset="-128"/>
+              </a:rPr>
+              <a:t>&lt;</a:t>
+            </a:r>
+            <a:r>
+              <a:rPr lang="ja-JP" altLang="en-US" dirty="0" smtClean="0">
+                <a:latin typeface="メイリオ" panose="020B0604030504040204" pitchFamily="50" charset="-128"/>
+                <a:ea typeface="メイリオ" panose="020B0604030504040204" pitchFamily="50" charset="-128"/>
+                <a:cs typeface="メイリオ" panose="020B0604030504040204" pitchFamily="50" charset="-128"/>
+              </a:rPr>
+              <a:t>単語</a:t>
+            </a:r>
+            <a:r>
+              <a:rPr lang="en-US" altLang="ja-JP" dirty="0" smtClean="0">
+                <a:latin typeface="メイリオ" panose="020B0604030504040204" pitchFamily="50" charset="-128"/>
+                <a:ea typeface="メイリオ" panose="020B0604030504040204" pitchFamily="50" charset="-128"/>
+                <a:cs typeface="メイリオ" panose="020B0604030504040204" pitchFamily="50" charset="-128"/>
+              </a:rPr>
+              <a:t>&gt;</a:t>
+            </a:r>
+            <a:r>
+              <a:rPr lang="ja-JP" altLang="en-US" dirty="0" smtClean="0">
+                <a:latin typeface="メイリオ" panose="020B0604030504040204" pitchFamily="50" charset="-128"/>
+                <a:ea typeface="メイリオ" panose="020B0604030504040204" pitchFamily="50" charset="-128"/>
+                <a:cs typeface="メイリオ" panose="020B0604030504040204" pitchFamily="50" charset="-128"/>
+              </a:rPr>
+              <a:t>へ移動</a:t>
             </a:r>
             <a:endParaRPr lang="en-US" altLang="ja-JP" dirty="0" smtClean="0">
-              <a:latin typeface="Inconsolata" panose="020B0609030003000000" pitchFamily="49" charset="0"/>
-              <a:ea typeface="メイリオ" panose="020B0604030504040204" pitchFamily="50" charset="-128"/>
-              <a:cs typeface="メイリオ" panose="020B0604030504040204" pitchFamily="50" charset="-128"/>
-            </a:endParaRPr>
-          </a:p>
-        </p:txBody>
-      </p:sp>
-      <p:sp>
-        <p:nvSpPr>
-          <p:cNvPr id="4" name="正方形/長方形 3"/>
+              <a:latin typeface="メイリオ" panose="020B0604030504040204" pitchFamily="50" charset="-128"/>
+              <a:ea typeface="メイリオ" panose="020B0604030504040204" pitchFamily="50" charset="-128"/>
+              <a:cs typeface="メイリオ" panose="020B0604030504040204" pitchFamily="50" charset="-128"/>
+            </a:endParaRPr>
+          </a:p>
+          <a:p>
+            <a:pPr marL="82296" indent="0">
+              <a:buNone/>
+            </a:pPr>
+            <a:r>
+              <a:rPr lang="en-US" altLang="ja-JP" dirty="0" err="1" smtClean="0">
+                <a:latin typeface="メイリオ" panose="020B0604030504040204" pitchFamily="50" charset="-128"/>
+                <a:ea typeface="メイリオ" panose="020B0604030504040204" pitchFamily="50" charset="-128"/>
+                <a:cs typeface="メイリオ" panose="020B0604030504040204" pitchFamily="50" charset="-128"/>
+              </a:rPr>
+              <a:t>Ctrl+u,Ctrl+d</a:t>
+            </a:r>
+            <a:r>
+              <a:rPr lang="ja-JP" altLang="en-US" dirty="0" smtClean="0">
+                <a:latin typeface="メイリオ" panose="020B0604030504040204" pitchFamily="50" charset="-128"/>
+                <a:ea typeface="メイリオ" panose="020B0604030504040204" pitchFamily="50" charset="-128"/>
+                <a:cs typeface="メイリオ" panose="020B0604030504040204" pitchFamily="50" charset="-128"/>
+              </a:rPr>
+              <a:t>＝</a:t>
+            </a:r>
+            <a:r>
+              <a:rPr lang="ja-JP" altLang="en-US" dirty="0">
+                <a:latin typeface="メイリオ" panose="020B0604030504040204" pitchFamily="50" charset="-128"/>
+                <a:ea typeface="メイリオ" panose="020B0604030504040204" pitchFamily="50" charset="-128"/>
+                <a:cs typeface="メイリオ" panose="020B0604030504040204" pitchFamily="50" charset="-128"/>
+              </a:rPr>
+              <a:t>一</a:t>
+            </a:r>
+            <a:r>
+              <a:rPr lang="ja-JP" altLang="en-US" dirty="0" smtClean="0">
+                <a:latin typeface="メイリオ" panose="020B0604030504040204" pitchFamily="50" charset="-128"/>
+                <a:ea typeface="メイリオ" panose="020B0604030504040204" pitchFamily="50" charset="-128"/>
+                <a:cs typeface="メイリオ" panose="020B0604030504040204" pitchFamily="50" charset="-128"/>
+              </a:rPr>
+              <a:t>画面分前</a:t>
+            </a:r>
+            <a:r>
+              <a:rPr lang="en-US" altLang="ja-JP" dirty="0" smtClean="0">
+                <a:latin typeface="メイリオ" panose="020B0604030504040204" pitchFamily="50" charset="-128"/>
+                <a:ea typeface="メイリオ" panose="020B0604030504040204" pitchFamily="50" charset="-128"/>
+                <a:cs typeface="メイリオ" panose="020B0604030504040204" pitchFamily="50" charset="-128"/>
+              </a:rPr>
+              <a:t>/</a:t>
+            </a:r>
+            <a:r>
+              <a:rPr lang="ja-JP" altLang="en-US" dirty="0" smtClean="0">
+                <a:latin typeface="メイリオ" panose="020B0604030504040204" pitchFamily="50" charset="-128"/>
+                <a:ea typeface="メイリオ" panose="020B0604030504040204" pitchFamily="50" charset="-128"/>
+                <a:cs typeface="メイリオ" panose="020B0604030504040204" pitchFamily="50" charset="-128"/>
+              </a:rPr>
+              <a:t>後へ移動</a:t>
+            </a:r>
+            <a:endParaRPr lang="en-US" altLang="ja-JP" dirty="0" smtClean="0">
+              <a:latin typeface="メイリオ" panose="020B0604030504040204" pitchFamily="50" charset="-128"/>
+              <a:ea typeface="メイリオ" panose="020B0604030504040204" pitchFamily="50" charset="-128"/>
+              <a:cs typeface="メイリオ" panose="020B0604030504040204" pitchFamily="50" charset="-128"/>
+            </a:endParaRPr>
+          </a:p>
+          <a:p>
+            <a:pPr marL="82296" indent="0">
+              <a:buNone/>
+            </a:pPr>
+            <a:r>
+              <a:rPr lang="ja-JP" altLang="en-US" dirty="0" smtClean="0">
+                <a:latin typeface="メイリオ" panose="020B0604030504040204" pitchFamily="50" charset="-128"/>
+                <a:ea typeface="メイリオ" panose="020B0604030504040204" pitchFamily="50" charset="-128"/>
+                <a:cs typeface="メイリオ" panose="020B0604030504040204" pitchFamily="50" charset="-128"/>
+              </a:rPr>
+              <a:t>などなど</a:t>
+            </a:r>
+            <a:r>
+              <a:rPr lang="en-US" altLang="ja-JP" dirty="0" smtClean="0">
+                <a:latin typeface="メイリオ" panose="020B0604030504040204" pitchFamily="50" charset="-128"/>
+                <a:ea typeface="メイリオ" panose="020B0604030504040204" pitchFamily="50" charset="-128"/>
+                <a:cs typeface="メイリオ" panose="020B0604030504040204" pitchFamily="50" charset="-128"/>
+              </a:rPr>
+              <a:t>…</a:t>
+            </a:r>
+          </a:p>
+          <a:p>
+            <a:pPr marL="82296" indent="0">
+              <a:buNone/>
+            </a:pPr>
+            <a:endParaRPr lang="en-US" altLang="ja-JP" dirty="0" smtClean="0">
+              <a:latin typeface="メイリオ" panose="020B0604030504040204" pitchFamily="50" charset="-128"/>
+              <a:ea typeface="メイリオ" panose="020B0604030504040204" pitchFamily="50" charset="-128"/>
+              <a:cs typeface="メイリオ" panose="020B0604030504040204" pitchFamily="50" charset="-128"/>
+            </a:endParaRPr>
+          </a:p>
+          <a:p>
+            <a:pPr marL="82296" indent="0">
+              <a:buNone/>
+            </a:pPr>
+            <a:r>
+              <a:rPr lang="ja-JP" altLang="en-US" dirty="0" smtClean="0">
+                <a:latin typeface="メイリオ" panose="020B0604030504040204" pitchFamily="50" charset="-128"/>
+                <a:ea typeface="メイリオ" panose="020B0604030504040204" pitchFamily="50" charset="-128"/>
+                <a:cs typeface="メイリオ" panose="020B0604030504040204" pitchFamily="50" charset="-128"/>
+              </a:rPr>
+              <a:t>・・・カーソル移動コマンド多くね？</a:t>
+            </a:r>
+            <a:endParaRPr lang="en-US" altLang="ja-JP" dirty="0">
+              <a:latin typeface="メイリオ" panose="020B0604030504040204" pitchFamily="50" charset="-128"/>
+              <a:ea typeface="メイリオ" panose="020B0604030504040204" pitchFamily="50" charset="-128"/>
+              <a:cs typeface="メイリオ" panose="020B0604030504040204" pitchFamily="50" charset="-128"/>
+            </a:endParaRPr>
+          </a:p>
+        </p:txBody>
+      </p:sp>
+      <p:sp>
+        <p:nvSpPr>
+          <p:cNvPr id="3" name="正方形/長方形 2"/>
           <p:cNvSpPr/>
           <p:nvPr/>
         </p:nvSpPr>
         <p:spPr>
           <a:xfrm>
-            <a:off x="862345" y="3284984"/>
-            <a:ext cx="8644605" cy="923330"/>
+            <a:off x="1187624" y="1592796"/>
+            <a:ext cx="7344816" cy="2916324"/>
           </a:xfrm>
           <a:prstGeom prst="rect">
             <a:avLst/>
           </a:prstGeom>
+          <a:noFill/>
+          <a:ln w="12700">
+            <a:solidFill>
+              <a:schemeClr val="tx1"/>
+            </a:solidFill>
+          </a:ln>
         </p:spPr>
-        <p:txBody>
-          <a:bodyPr wrap="square">
-            <a:spAutoFit/>
-          </a:bodyPr>
+        <p:style>
+          <a:lnRef idx="2">
+            <a:schemeClr val="accent1">
+              <a:shade val="50000"/>
+            </a:schemeClr>
+          </a:lnRef>
+          <a:fillRef idx="1">
+            <a:schemeClr val="accent1"/>
+          </a:fillRef>
+          <a:effectRef idx="0">
+            <a:schemeClr val="accent1"/>
+          </a:effectRef>
+          <a:fontRef idx="minor">
+            <a:schemeClr val="lt1"/>
+          </a:fontRef>
+        </p:style>
+        <p:txBody>
+          <a:bodyPr rtlCol="0" anchor="ctr"/>
           <a:lstStyle/>
           <a:p>
-            <a:pPr marL="82296" lvl="0">
-              <a:spcBef>
-                <a:spcPts val="600"/>
-              </a:spcBef>
-              <a:buClr>
-                <a:srgbClr val="3891A7"/>
-              </a:buClr>
-              <a:buSzPct val="80000"/>
-            </a:pPr>
-            <a:r>
-              <a:rPr lang="ja-JP" altLang="en-US" sz="5400" b="1" dirty="0" smtClean="0">
-                <a:solidFill>
-                  <a:srgbClr val="FF0000"/>
-                </a:solidFill>
-                <a:latin typeface="メイリオ" panose="020B0604030504040204" pitchFamily="50" charset="-128"/>
-                <a:ea typeface="メイリオ" panose="020B0604030504040204" pitchFamily="50" charset="-128"/>
-                <a:cs typeface="メイリオ" panose="020B0604030504040204" pitchFamily="50" charset="-128"/>
-              </a:rPr>
-              <a:t>矢印キー封印してみる</a:t>
-            </a:r>
-            <a:endParaRPr lang="en-US" altLang="ja-JP" sz="5400" b="1" dirty="0">
-              <a:solidFill>
-                <a:srgbClr val="FF0000"/>
-              </a:solidFill>
-              <a:latin typeface="メイリオ" panose="020B0604030504040204" pitchFamily="50" charset="-128"/>
-              <a:ea typeface="メイリオ" panose="020B0604030504040204" pitchFamily="50" charset="-128"/>
-              <a:cs typeface="メイリオ" panose="020B0604030504040204" pitchFamily="50" charset="-128"/>
-            </a:endParaRPr>
+            <a:pPr algn="ctr"/>
+            <a:endParaRPr kumimoji="1" lang="ja-JP" altLang="en-US"/>
           </a:p>
         </p:txBody>
       </p:sp>
     </p:spTree>
     <p:extLst>
       <p:ext uri="{BB962C8B-B14F-4D97-AF65-F5344CB8AC3E}">
-        <p14:creationId xmlns:p14="http://schemas.microsoft.com/office/powerpoint/2010/main" val="1065693241"/>
+        <p14:creationId xmlns:p14="http://schemas.microsoft.com/office/powerpoint/2010/main" val="4035299323"/>
       </p:ext>
     </p:extLst>
   </p:cSld>
@@ -8484,7 +8544,9 @@
         </p:nvSpPr>
         <p:spPr/>
         <p:txBody>
-          <a:bodyPr/>
+          <a:bodyPr>
+            <a:normAutofit/>
+          </a:bodyPr>
           <a:lstStyle/>
           <a:p>
             <a:r>
@@ -8493,15 +8555,31 @@
                 <a:ea typeface="メイリオ" panose="020B0604030504040204" pitchFamily="50" charset="-128"/>
                 <a:cs typeface="メイリオ" panose="020B0604030504040204" pitchFamily="50" charset="-128"/>
               </a:rPr>
-              <a:t>習得のために色々やって</a:t>
-            </a:r>
-            <a:r>
-              <a:rPr lang="ja-JP" altLang="en-US" dirty="0" smtClean="0">
-                <a:latin typeface="メイリオ" panose="020B0604030504040204" pitchFamily="50" charset="-128"/>
-                <a:ea typeface="メイリオ" panose="020B0604030504040204" pitchFamily="50" charset="-128"/>
-                <a:cs typeface="メイリオ" panose="020B0604030504040204" pitchFamily="50" charset="-128"/>
-              </a:rPr>
-              <a:t>みる</a:t>
+              <a:t>習得のため</a:t>
+            </a:r>
+            <a:r>
+              <a:rPr lang="ja-JP" altLang="en-US" dirty="0" smtClean="0">
+                <a:latin typeface="メイリオ" panose="020B0604030504040204" pitchFamily="50" charset="-128"/>
+                <a:ea typeface="メイリオ" panose="020B0604030504040204" pitchFamily="50" charset="-128"/>
+                <a:cs typeface="メイリオ" panose="020B0604030504040204" pitchFamily="50" charset="-128"/>
+              </a:rPr>
+              <a:t>に</a:t>
+            </a:r>
+            <a:r>
+              <a:rPr lang="ja-JP" altLang="en-US" dirty="0">
+                <a:latin typeface="メイリオ" panose="020B0604030504040204" pitchFamily="50" charset="-128"/>
+                <a:ea typeface="メイリオ" panose="020B0604030504040204" pitchFamily="50" charset="-128"/>
+                <a:cs typeface="メイリオ" panose="020B0604030504040204" pitchFamily="50" charset="-128"/>
+              </a:rPr>
+              <a:t>色々</a:t>
+            </a:r>
+            <a:r>
+              <a:rPr kumimoji="1" lang="ja-JP" altLang="en-US" dirty="0" smtClean="0">
+                <a:latin typeface="メイリオ" panose="020B0604030504040204" pitchFamily="50" charset="-128"/>
+                <a:ea typeface="メイリオ" panose="020B0604030504040204" pitchFamily="50" charset="-128"/>
+                <a:cs typeface="メイリオ" panose="020B0604030504040204" pitchFamily="50" charset="-128"/>
+              </a:rPr>
+              <a:t>やってみる</a:t>
             </a:r>
             <a:endParaRPr kumimoji="1" lang="ja-JP" altLang="en-US" dirty="0">
               <a:latin typeface="メイリオ" panose="020B0604030504040204" pitchFamily="50" charset="-128"/>
@@ -8542,15 +8620,7 @@
                 <a:ea typeface="メイリオ" panose="020B0604030504040204" pitchFamily="50" charset="-128"/>
                 <a:cs typeface="メイリオ" panose="020B0604030504040204" pitchFamily="50" charset="-128"/>
               </a:rPr>
-              <a:t>カーソル移動</a:t>
-            </a:r>
-            <a:r>
-              <a:rPr lang="ja-JP" altLang="en-US" dirty="0" smtClean="0">
-                <a:latin typeface="Inconsolata" panose="020B0609030003000000" pitchFamily="49" charset="0"/>
-                <a:ea typeface="メイリオ" panose="020B0604030504040204" pitchFamily="50" charset="-128"/>
-                <a:cs typeface="メイリオ" panose="020B0604030504040204" pitchFamily="50" charset="-128"/>
-              </a:rPr>
-              <a:t>コマンドが多い</a:t>
+              <a:t>カーソル移動コマンドが多い</a:t>
             </a:r>
             <a:endParaRPr lang="en-US" altLang="ja-JP" dirty="0" smtClean="0">
               <a:latin typeface="Inconsolata" panose="020B0609030003000000" pitchFamily="49" charset="0"/>
@@ -8615,80 +8685,6 @@
               <a:t>↓</a:t>
             </a:r>
             <a:endParaRPr lang="en-US" altLang="ja-JP" dirty="0" smtClean="0">
-              <a:latin typeface="Inconsolata" panose="020B0609030003000000" pitchFamily="49" charset="0"/>
-              <a:ea typeface="メイリオ" panose="020B0604030504040204" pitchFamily="50" charset="-128"/>
-              <a:cs typeface="メイリオ" panose="020B0604030504040204" pitchFamily="50" charset="-128"/>
-            </a:endParaRPr>
-          </a:p>
-          <a:p>
-            <a:pPr marL="82296" indent="0">
-              <a:buNone/>
-            </a:pPr>
-            <a:endParaRPr lang="en-US" altLang="ja-JP" dirty="0">
-              <a:latin typeface="Inconsolata" panose="020B0609030003000000" pitchFamily="49" charset="0"/>
-              <a:ea typeface="メイリオ" panose="020B0604030504040204" pitchFamily="50" charset="-128"/>
-              <a:cs typeface="メイリオ" panose="020B0604030504040204" pitchFamily="50" charset="-128"/>
-            </a:endParaRPr>
-          </a:p>
-          <a:p>
-            <a:pPr marL="82296" indent="0">
-              <a:buNone/>
-            </a:pPr>
-            <a:r>
-              <a:rPr lang="ja-JP" altLang="en-US" dirty="0">
-                <a:latin typeface="Inconsolata" panose="020B0609030003000000" pitchFamily="49" charset="0"/>
-                <a:ea typeface="メイリオ" panose="020B0604030504040204" pitchFamily="50" charset="-128"/>
-                <a:cs typeface="メイリオ" panose="020B0604030504040204" pitchFamily="50" charset="-128"/>
-              </a:rPr>
-              <a:t>↓</a:t>
-            </a:r>
-            <a:endParaRPr lang="en-US" altLang="ja-JP" dirty="0">
-              <a:latin typeface="Inconsolata" panose="020B0609030003000000" pitchFamily="49" charset="0"/>
-              <a:ea typeface="メイリオ" panose="020B0604030504040204" pitchFamily="50" charset="-128"/>
-              <a:cs typeface="メイリオ" panose="020B0604030504040204" pitchFamily="50" charset="-128"/>
-            </a:endParaRPr>
-          </a:p>
-          <a:p>
-            <a:pPr marL="82296" indent="0">
-              <a:buNone/>
-            </a:pPr>
-            <a:r>
-              <a:rPr lang="ja-JP" altLang="en-US" dirty="0" smtClean="0">
-                <a:latin typeface="Inconsolata" panose="020B0609030003000000" pitchFamily="49" charset="0"/>
-                <a:ea typeface="メイリオ" panose="020B0604030504040204" pitchFamily="50" charset="-128"/>
-                <a:cs typeface="メイリオ" panose="020B0604030504040204" pitchFamily="50" charset="-128"/>
-              </a:rPr>
-              <a:t>結構使い慣れてきた</a:t>
-            </a:r>
-            <a:endParaRPr lang="en-US" altLang="ja-JP" dirty="0">
-              <a:latin typeface="Inconsolata" panose="020B0609030003000000" pitchFamily="49" charset="0"/>
-              <a:ea typeface="メイリオ" panose="020B0604030504040204" pitchFamily="50" charset="-128"/>
-              <a:cs typeface="メイリオ" panose="020B0604030504040204" pitchFamily="50" charset="-128"/>
-            </a:endParaRPr>
-          </a:p>
-          <a:p>
-            <a:pPr marL="82296" indent="0">
-              <a:buNone/>
-            </a:pPr>
-            <a:r>
-              <a:rPr lang="ja-JP" altLang="en-US" dirty="0" smtClean="0">
-                <a:latin typeface="Inconsolata" panose="020B0609030003000000" pitchFamily="49" charset="0"/>
-                <a:ea typeface="メイリオ" panose="020B0604030504040204" pitchFamily="50" charset="-128"/>
-                <a:cs typeface="メイリオ" panose="020B0604030504040204" pitchFamily="50" charset="-128"/>
-              </a:rPr>
-              <a:t>↓</a:t>
-            </a:r>
-            <a:endParaRPr lang="en-US" altLang="ja-JP" dirty="0" smtClean="0">
-              <a:latin typeface="Inconsolata" panose="020B0609030003000000" pitchFamily="49" charset="0"/>
-              <a:ea typeface="メイリオ" panose="020B0604030504040204" pitchFamily="50" charset="-128"/>
-              <a:cs typeface="メイリオ" panose="020B0604030504040204" pitchFamily="50" charset="-128"/>
-            </a:endParaRPr>
-          </a:p>
-          <a:p>
-            <a:pPr marL="82296" indent="0">
-              <a:buNone/>
-            </a:pPr>
-            <a:endParaRPr lang="en-US" altLang="ja-JP" dirty="0">
               <a:latin typeface="Inconsolata" panose="020B0609030003000000" pitchFamily="49" charset="0"/>
               <a:ea typeface="メイリオ" panose="020B0604030504040204" pitchFamily="50" charset="-128"/>
               <a:cs typeface="メイリオ" panose="020B0604030504040204" pitchFamily="50" charset="-128"/>
@@ -8748,62 +8744,10 @@
           </a:p>
         </p:txBody>
       </p:sp>
-      <p:sp>
-        <p:nvSpPr>
-          <p:cNvPr id="5" name="正方形/長方形 4"/>
-          <p:cNvSpPr/>
-          <p:nvPr/>
-        </p:nvSpPr>
-        <p:spPr>
-          <a:xfrm>
-            <a:off x="702349" y="5653697"/>
-            <a:ext cx="8644605" cy="923330"/>
-          </a:xfrm>
-          <a:prstGeom prst="rect">
-            <a:avLst/>
-          </a:prstGeom>
-        </p:spPr>
-        <p:txBody>
-          <a:bodyPr wrap="square">
-            <a:spAutoFit/>
-          </a:bodyPr>
-          <a:lstStyle/>
-          <a:p>
-            <a:pPr marL="82296" lvl="0">
-              <a:spcBef>
-                <a:spcPts val="600"/>
-              </a:spcBef>
-              <a:buClr>
-                <a:srgbClr val="3891A7"/>
-              </a:buClr>
-              <a:buSzPct val="80000"/>
-            </a:pPr>
-            <a:r>
-              <a:rPr lang="ja-JP" altLang="en-US" sz="5400" b="1" dirty="0" smtClean="0">
-                <a:solidFill>
-                  <a:srgbClr val="FF0000"/>
-                </a:solidFill>
-                <a:latin typeface="メイリオ" panose="020B0604030504040204" pitchFamily="50" charset="-128"/>
-                <a:ea typeface="メイリオ" panose="020B0604030504040204" pitchFamily="50" charset="-128"/>
-                <a:cs typeface="メイリオ" panose="020B0604030504040204" pitchFamily="50" charset="-128"/>
-              </a:rPr>
-              <a:t>他のテキストエディタ封印</a:t>
-            </a:r>
-            <a:endParaRPr lang="en-US" altLang="ja-JP" sz="5400" b="1" dirty="0">
-              <a:solidFill>
-                <a:srgbClr val="FF0000"/>
-              </a:solidFill>
-              <a:latin typeface="メイリオ" panose="020B0604030504040204" pitchFamily="50" charset="-128"/>
-              <a:ea typeface="メイリオ" panose="020B0604030504040204" pitchFamily="50" charset="-128"/>
-              <a:cs typeface="メイリオ" panose="020B0604030504040204" pitchFamily="50" charset="-128"/>
-            </a:endParaRPr>
-          </a:p>
-        </p:txBody>
-      </p:sp>
     </p:spTree>
     <p:extLst>
       <p:ext uri="{BB962C8B-B14F-4D97-AF65-F5344CB8AC3E}">
-        <p14:creationId xmlns:p14="http://schemas.microsoft.com/office/powerpoint/2010/main" val="2035645094"/>
+        <p14:creationId xmlns:p14="http://schemas.microsoft.com/office/powerpoint/2010/main" val="1065693241"/>
       </p:ext>
     </p:extLst>
   </p:cSld>
@@ -8853,12 +8797,20 @@
           <a:lstStyle/>
           <a:p>
             <a:r>
-              <a:rPr kumimoji="1" lang="ja-JP" altLang="en-US" dirty="0" smtClean="0">
-                <a:latin typeface="メイリオ" panose="020B0604030504040204" pitchFamily="50" charset="-128"/>
-                <a:ea typeface="メイリオ" panose="020B0604030504040204" pitchFamily="50" charset="-128"/>
-                <a:cs typeface="メイリオ" panose="020B0604030504040204" pitchFamily="50" charset="-128"/>
-              </a:rPr>
-              <a:t>普通のエディタとの差を知る</a:t>
+              <a:rPr lang="ja-JP" altLang="en-US" dirty="0">
+                <a:latin typeface="メイリオ" panose="020B0604030504040204" pitchFamily="50" charset="-128"/>
+                <a:ea typeface="メイリオ" panose="020B0604030504040204" pitchFamily="50" charset="-128"/>
+                <a:cs typeface="メイリオ" panose="020B0604030504040204" pitchFamily="50" charset="-128"/>
+              </a:rPr>
+              <a:t>習得のために色々やって</a:t>
+            </a:r>
+            <a:r>
+              <a:rPr lang="ja-JP" altLang="en-US" dirty="0" smtClean="0">
+                <a:latin typeface="メイリオ" panose="020B0604030504040204" pitchFamily="50" charset="-128"/>
+                <a:ea typeface="メイリオ" panose="020B0604030504040204" pitchFamily="50" charset="-128"/>
+                <a:cs typeface="メイリオ" panose="020B0604030504040204" pitchFamily="50" charset="-128"/>
+              </a:rPr>
+              <a:t>みる</a:t>
             </a:r>
             <a:endParaRPr kumimoji="1" lang="ja-JP" altLang="en-US" dirty="0">
               <a:latin typeface="メイリオ" panose="020B0604030504040204" pitchFamily="50" charset="-128"/>
@@ -8899,23 +8851,7 @@
                 <a:ea typeface="メイリオ" panose="020B0604030504040204" pitchFamily="50" charset="-128"/>
                 <a:cs typeface="メイリオ" panose="020B0604030504040204" pitchFamily="50" charset="-128"/>
               </a:rPr>
-              <a:t>■コピー</a:t>
-            </a:r>
-            <a:r>
-              <a:rPr lang="ja-JP" altLang="en-US" dirty="0" smtClean="0">
-                <a:latin typeface="Inconsolata" panose="020B0609030003000000" pitchFamily="49" charset="0"/>
-                <a:ea typeface="メイリオ" panose="020B0604030504040204" pitchFamily="50" charset="-128"/>
-                <a:cs typeface="メイリオ" panose="020B0604030504040204" pitchFamily="50" charset="-128"/>
-              </a:rPr>
-              <a:t>・</a:t>
-            </a:r>
-            <a:r>
-              <a:rPr lang="ja-JP" altLang="en-US" dirty="0" smtClean="0">
-                <a:latin typeface="Inconsolata" panose="020B0609030003000000" pitchFamily="49" charset="0"/>
-                <a:ea typeface="メイリオ" panose="020B0604030504040204" pitchFamily="50" charset="-128"/>
-                <a:cs typeface="メイリオ" panose="020B0604030504040204" pitchFamily="50" charset="-128"/>
-              </a:rPr>
-              <a:t>ペースト</a:t>
+              <a:t>カーソル移動コマンドが多い</a:t>
             </a:r>
             <a:endParaRPr lang="en-US" altLang="ja-JP" dirty="0" smtClean="0">
               <a:latin typeface="Inconsolata" panose="020B0609030003000000" pitchFamily="49" charset="0"/>
@@ -8928,34 +8864,39 @@
               <a:buNone/>
             </a:pPr>
             <a:r>
+              <a:rPr lang="ja-JP" altLang="en-US" dirty="0" smtClean="0">
+                <a:latin typeface="Inconsolata" panose="020B0609030003000000" pitchFamily="49" charset="0"/>
+                <a:ea typeface="メイリオ" panose="020B0604030504040204" pitchFamily="50" charset="-128"/>
+                <a:cs typeface="メイリオ" panose="020B0604030504040204" pitchFamily="50" charset="-128"/>
+              </a:rPr>
+              <a:t>↓</a:t>
+            </a:r>
+            <a:endParaRPr lang="en-US" altLang="ja-JP" dirty="0" smtClean="0">
+              <a:latin typeface="Inconsolata" panose="020B0609030003000000" pitchFamily="49" charset="0"/>
+              <a:ea typeface="メイリオ" panose="020B0604030504040204" pitchFamily="50" charset="-128"/>
+              <a:cs typeface="メイリオ" panose="020B0604030504040204" pitchFamily="50" charset="-128"/>
+            </a:endParaRPr>
+          </a:p>
+          <a:p>
+            <a:pPr marL="82296" indent="0">
+              <a:buNone/>
+            </a:pPr>
+            <a:r>
               <a:rPr lang="ja-JP" altLang="en-US" dirty="0">
                 <a:latin typeface="Inconsolata" panose="020B0609030003000000" pitchFamily="49" charset="0"/>
                 <a:ea typeface="メイリオ" panose="020B0604030504040204" pitchFamily="50" charset="-128"/>
                 <a:cs typeface="メイリオ" panose="020B0604030504040204" pitchFamily="50" charset="-128"/>
               </a:rPr>
-              <a:t>基本</a:t>
-            </a:r>
-            <a:r>
-              <a:rPr lang="ja-JP" altLang="en-US" dirty="0" smtClean="0">
-                <a:latin typeface="メイリオ" panose="020B0604030504040204" pitchFamily="50" charset="-128"/>
-                <a:ea typeface="メイリオ" panose="020B0604030504040204" pitchFamily="50" charset="-128"/>
-                <a:cs typeface="メイリオ" panose="020B0604030504040204" pitchFamily="50" charset="-128"/>
-              </a:rPr>
-              <a:t>はｙｙ→</a:t>
-            </a:r>
-            <a:r>
-              <a:rPr lang="en-US" altLang="ja-JP" dirty="0" smtClean="0">
-                <a:latin typeface="メイリオ" panose="020B0604030504040204" pitchFamily="50" charset="-128"/>
-                <a:ea typeface="メイリオ" panose="020B0604030504040204" pitchFamily="50" charset="-128"/>
-                <a:cs typeface="メイリオ" panose="020B0604030504040204" pitchFamily="50" charset="-128"/>
-              </a:rPr>
-              <a:t>p</a:t>
-            </a:r>
-          </a:p>
-          <a:p>
-            <a:pPr marL="82296" indent="0">
-              <a:buNone/>
-            </a:pPr>
+              <a:t>大昔</a:t>
+            </a:r>
+            <a:r>
+              <a:rPr lang="ja-JP" altLang="en-US" dirty="0" smtClean="0">
+                <a:latin typeface="Inconsolata" panose="020B0609030003000000" pitchFamily="49" charset="0"/>
+                <a:ea typeface="メイリオ" panose="020B0604030504040204" pitchFamily="50" charset="-128"/>
+                <a:cs typeface="メイリオ" panose="020B0604030504040204" pitchFamily="50" charset="-128"/>
+              </a:rPr>
+              <a:t>のキーボードの名残？</a:t>
+            </a:r>
             <a:endParaRPr lang="en-US" altLang="ja-JP" dirty="0" smtClean="0">
               <a:latin typeface="Inconsolata" panose="020B0609030003000000" pitchFamily="49" charset="0"/>
               <a:ea typeface="メイリオ" panose="020B0604030504040204" pitchFamily="50" charset="-128"/>
@@ -8972,7 +8913,7 @@
                 <a:ea typeface="メイリオ" panose="020B0604030504040204" pitchFamily="50" charset="-128"/>
                 <a:cs typeface="メイリオ" panose="020B0604030504040204" pitchFamily="50" charset="-128"/>
               </a:rPr>
-              <a:t>クリップボードの内容コピーとか</a:t>
+              <a:t>↓</a:t>
             </a:r>
             <a:endParaRPr lang="en-US" altLang="ja-JP" dirty="0" smtClean="0">
               <a:latin typeface="Inconsolata" panose="020B0609030003000000" pitchFamily="49" charset="0"/>
@@ -8984,16 +8925,176 @@
             <a:pPr marL="82296" indent="0">
               <a:buNone/>
             </a:pPr>
-            <a:r>
-              <a:rPr lang="ja-JP" altLang="en-US" dirty="0" smtClean="0">
-                <a:latin typeface="Inconsolata" panose="020B0609030003000000" pitchFamily="49" charset="0"/>
-                <a:ea typeface="メイリオ" panose="020B0604030504040204" pitchFamily="50" charset="-128"/>
-                <a:cs typeface="メイリオ" panose="020B0604030504040204" pitchFamily="50" charset="-128"/>
-              </a:rPr>
-              <a:t>できないの！？</a:t>
-            </a:r>
             <a:endParaRPr lang="en-US" altLang="ja-JP" dirty="0">
               <a:latin typeface="Inconsolata" panose="020B0609030003000000" pitchFamily="49" charset="0"/>
+              <a:ea typeface="メイリオ" panose="020B0604030504040204" pitchFamily="50" charset="-128"/>
+              <a:cs typeface="メイリオ" panose="020B0604030504040204" pitchFamily="50" charset="-128"/>
+            </a:endParaRPr>
+          </a:p>
+          <a:p>
+            <a:pPr marL="82296" indent="0">
+              <a:buNone/>
+            </a:pPr>
+            <a:r>
+              <a:rPr lang="ja-JP" altLang="en-US" dirty="0">
+                <a:latin typeface="Inconsolata" panose="020B0609030003000000" pitchFamily="49" charset="0"/>
+                <a:ea typeface="メイリオ" panose="020B0604030504040204" pitchFamily="50" charset="-128"/>
+                <a:cs typeface="メイリオ" panose="020B0604030504040204" pitchFamily="50" charset="-128"/>
+              </a:rPr>
+              <a:t>↓</a:t>
+            </a:r>
+            <a:endParaRPr lang="en-US" altLang="ja-JP" dirty="0">
+              <a:latin typeface="Inconsolata" panose="020B0609030003000000" pitchFamily="49" charset="0"/>
+              <a:ea typeface="メイリオ" panose="020B0604030504040204" pitchFamily="50" charset="-128"/>
+              <a:cs typeface="メイリオ" panose="020B0604030504040204" pitchFamily="50" charset="-128"/>
+            </a:endParaRPr>
+          </a:p>
+          <a:p>
+            <a:pPr marL="82296" indent="0">
+              <a:buNone/>
+            </a:pPr>
+            <a:r>
+              <a:rPr lang="ja-JP" altLang="en-US" dirty="0" smtClean="0">
+                <a:latin typeface="Inconsolata" panose="020B0609030003000000" pitchFamily="49" charset="0"/>
+                <a:ea typeface="メイリオ" panose="020B0604030504040204" pitchFamily="50" charset="-128"/>
+                <a:cs typeface="メイリオ" panose="020B0604030504040204" pitchFamily="50" charset="-128"/>
+              </a:rPr>
+              <a:t>結構使い慣れてきた</a:t>
+            </a:r>
+            <a:endParaRPr lang="en-US" altLang="ja-JP" dirty="0">
+              <a:latin typeface="Inconsolata" panose="020B0609030003000000" pitchFamily="49" charset="0"/>
+              <a:ea typeface="メイリオ" panose="020B0604030504040204" pitchFamily="50" charset="-128"/>
+              <a:cs typeface="メイリオ" panose="020B0604030504040204" pitchFamily="50" charset="-128"/>
+            </a:endParaRPr>
+          </a:p>
+          <a:p>
+            <a:pPr marL="82296" indent="0">
+              <a:buNone/>
+            </a:pPr>
+            <a:r>
+              <a:rPr lang="ja-JP" altLang="en-US" dirty="0" smtClean="0">
+                <a:latin typeface="Inconsolata" panose="020B0609030003000000" pitchFamily="49" charset="0"/>
+                <a:ea typeface="メイリオ" panose="020B0604030504040204" pitchFamily="50" charset="-128"/>
+                <a:cs typeface="メイリオ" panose="020B0604030504040204" pitchFamily="50" charset="-128"/>
+              </a:rPr>
+              <a:t>↓</a:t>
+            </a:r>
+            <a:endParaRPr lang="en-US" altLang="ja-JP" dirty="0" smtClean="0">
+              <a:latin typeface="Inconsolata" panose="020B0609030003000000" pitchFamily="49" charset="0"/>
+              <a:ea typeface="メイリオ" panose="020B0604030504040204" pitchFamily="50" charset="-128"/>
+              <a:cs typeface="メイリオ" panose="020B0604030504040204" pitchFamily="50" charset="-128"/>
+            </a:endParaRPr>
+          </a:p>
+          <a:p>
+            <a:pPr marL="82296" indent="0">
+              <a:buNone/>
+            </a:pPr>
+            <a:endParaRPr lang="en-US" altLang="ja-JP" dirty="0">
+              <a:latin typeface="Inconsolata" panose="020B0609030003000000" pitchFamily="49" charset="0"/>
+              <a:ea typeface="メイリオ" panose="020B0604030504040204" pitchFamily="50" charset="-128"/>
+              <a:cs typeface="メイリオ" panose="020B0604030504040204" pitchFamily="50" charset="-128"/>
+            </a:endParaRPr>
+          </a:p>
+        </p:txBody>
+      </p:sp>
+      <p:sp>
+        <p:nvSpPr>
+          <p:cNvPr id="4" name="正方形/長方形 3"/>
+          <p:cNvSpPr/>
+          <p:nvPr/>
+        </p:nvSpPr>
+        <p:spPr>
+          <a:xfrm>
+            <a:off x="862345" y="3284984"/>
+            <a:ext cx="8644605" cy="923330"/>
+          </a:xfrm>
+          <a:prstGeom prst="rect">
+            <a:avLst/>
+          </a:prstGeom>
+        </p:spPr>
+        <p:txBody>
+          <a:bodyPr wrap="square">
+            <a:spAutoFit/>
+          </a:bodyPr>
+          <a:lstStyle/>
+          <a:p>
+            <a:pPr marL="82296" lvl="0">
+              <a:spcBef>
+                <a:spcPts val="600"/>
+              </a:spcBef>
+              <a:buClr>
+                <a:srgbClr val="3891A7"/>
+              </a:buClr>
+              <a:buSzPct val="80000"/>
+            </a:pPr>
+            <a:r>
+              <a:rPr lang="ja-JP" altLang="en-US" sz="5400" b="1" dirty="0" smtClean="0">
+                <a:solidFill>
+                  <a:srgbClr val="FF0000"/>
+                </a:solidFill>
+                <a:latin typeface="メイリオ" panose="020B0604030504040204" pitchFamily="50" charset="-128"/>
+                <a:ea typeface="メイリオ" panose="020B0604030504040204" pitchFamily="50" charset="-128"/>
+                <a:cs typeface="メイリオ" panose="020B0604030504040204" pitchFamily="50" charset="-128"/>
+              </a:rPr>
+              <a:t>矢印キー封印してみる</a:t>
+            </a:r>
+            <a:endParaRPr lang="en-US" altLang="ja-JP" sz="5400" b="1" dirty="0">
+              <a:solidFill>
+                <a:srgbClr val="FF0000"/>
+              </a:solidFill>
+              <a:latin typeface="メイリオ" panose="020B0604030504040204" pitchFamily="50" charset="-128"/>
+              <a:ea typeface="メイリオ" panose="020B0604030504040204" pitchFamily="50" charset="-128"/>
+              <a:cs typeface="メイリオ" panose="020B0604030504040204" pitchFamily="50" charset="-128"/>
+            </a:endParaRPr>
+          </a:p>
+        </p:txBody>
+      </p:sp>
+      <p:sp>
+        <p:nvSpPr>
+          <p:cNvPr id="5" name="正方形/長方形 4"/>
+          <p:cNvSpPr/>
+          <p:nvPr/>
+        </p:nvSpPr>
+        <p:spPr>
+          <a:xfrm>
+            <a:off x="702349" y="5653697"/>
+            <a:ext cx="8644605" cy="923330"/>
+          </a:xfrm>
+          <a:prstGeom prst="rect">
+            <a:avLst/>
+          </a:prstGeom>
+        </p:spPr>
+        <p:txBody>
+          <a:bodyPr wrap="square">
+            <a:spAutoFit/>
+          </a:bodyPr>
+          <a:lstStyle/>
+          <a:p>
+            <a:pPr marL="82296" lvl="0">
+              <a:spcBef>
+                <a:spcPts val="600"/>
+              </a:spcBef>
+              <a:buClr>
+                <a:srgbClr val="3891A7"/>
+              </a:buClr>
+              <a:buSzPct val="80000"/>
+            </a:pPr>
+            <a:r>
+              <a:rPr lang="ja-JP" altLang="en-US" sz="5400" b="1" dirty="0" smtClean="0">
+                <a:solidFill>
+                  <a:srgbClr val="FF0000"/>
+                </a:solidFill>
+                <a:latin typeface="メイリオ" panose="020B0604030504040204" pitchFamily="50" charset="-128"/>
+                <a:ea typeface="メイリオ" panose="020B0604030504040204" pitchFamily="50" charset="-128"/>
+                <a:cs typeface="メイリオ" panose="020B0604030504040204" pitchFamily="50" charset="-128"/>
+              </a:rPr>
+              <a:t>他のテキストエディタ封印</a:t>
+            </a:r>
+            <a:endParaRPr lang="en-US" altLang="ja-JP" sz="5400" b="1" dirty="0">
+              <a:solidFill>
+                <a:srgbClr val="FF0000"/>
+              </a:solidFill>
+              <a:latin typeface="メイリオ" panose="020B0604030504040204" pitchFamily="50" charset="-128"/>
               <a:ea typeface="メイリオ" panose="020B0604030504040204" pitchFamily="50" charset="-128"/>
               <a:cs typeface="メイリオ" panose="020B0604030504040204" pitchFamily="50" charset="-128"/>
             </a:endParaRPr>
@@ -9003,7 +9104,7 @@
     </p:spTree>
     <p:extLst>
       <p:ext uri="{BB962C8B-B14F-4D97-AF65-F5344CB8AC3E}">
-        <p14:creationId xmlns:p14="http://schemas.microsoft.com/office/powerpoint/2010/main" val="3110455544"/>
+        <p14:creationId xmlns:p14="http://schemas.microsoft.com/office/powerpoint/2010/main" val="2035645094"/>
       </p:ext>
     </p:extLst>
   </p:cSld>
@@ -9099,31 +9200,7 @@
                 <a:ea typeface="メイリオ" panose="020B0604030504040204" pitchFamily="50" charset="-128"/>
                 <a:cs typeface="メイリオ" panose="020B0604030504040204" pitchFamily="50" charset="-128"/>
               </a:rPr>
-              <a:t>■</a:t>
-            </a:r>
-            <a:r>
-              <a:rPr lang="ja-JP" altLang="en-US" dirty="0" smtClean="0">
-                <a:latin typeface="Inconsolata" panose="020B0609030003000000" pitchFamily="49" charset="0"/>
-                <a:ea typeface="メイリオ" panose="020B0604030504040204" pitchFamily="50" charset="-128"/>
-                <a:cs typeface="メイリオ" panose="020B0604030504040204" pitchFamily="50" charset="-128"/>
-              </a:rPr>
-              <a:t>コピー</a:t>
-            </a:r>
-            <a:r>
-              <a:rPr lang="ja-JP" altLang="en-US" dirty="0" smtClean="0">
-                <a:latin typeface="Inconsolata" panose="020B0609030003000000" pitchFamily="49" charset="0"/>
-                <a:ea typeface="メイリオ" panose="020B0604030504040204" pitchFamily="50" charset="-128"/>
-                <a:cs typeface="メイリオ" panose="020B0604030504040204" pitchFamily="50" charset="-128"/>
-              </a:rPr>
-              <a:t>・</a:t>
-            </a:r>
-            <a:r>
-              <a:rPr lang="ja-JP" altLang="en-US" dirty="0" smtClean="0">
-                <a:latin typeface="Inconsolata" panose="020B0609030003000000" pitchFamily="49" charset="0"/>
-                <a:ea typeface="メイリオ" panose="020B0604030504040204" pitchFamily="50" charset="-128"/>
-                <a:cs typeface="メイリオ" panose="020B0604030504040204" pitchFamily="50" charset="-128"/>
-              </a:rPr>
-              <a:t>ペースト</a:t>
+              <a:t>■コピー・ペースト</a:t>
             </a:r>
             <a:endParaRPr lang="en-US" altLang="ja-JP" dirty="0" smtClean="0">
               <a:latin typeface="Inconsolata" panose="020B0609030003000000" pitchFamily="49" charset="0"/>
@@ -9201,58 +9278,6 @@
               <a:t>できないの！？</a:t>
             </a:r>
             <a:endParaRPr lang="en-US" altLang="ja-JP" dirty="0">
-              <a:latin typeface="Inconsolata" panose="020B0609030003000000" pitchFamily="49" charset="0"/>
-              <a:ea typeface="メイリオ" panose="020B0604030504040204" pitchFamily="50" charset="-128"/>
-              <a:cs typeface="メイリオ" panose="020B0604030504040204" pitchFamily="50" charset="-128"/>
-            </a:endParaRPr>
-          </a:p>
-          <a:p>
-            <a:pPr marL="82296" indent="0">
-              <a:buNone/>
-            </a:pPr>
-            <a:r>
-              <a:rPr lang="ja-JP" altLang="en-US" dirty="0" smtClean="0">
-                <a:latin typeface="Inconsolata" panose="020B0609030003000000" pitchFamily="49" charset="0"/>
-                <a:ea typeface="メイリオ" panose="020B0604030504040204" pitchFamily="50" charset="-128"/>
-                <a:cs typeface="メイリオ" panose="020B0604030504040204" pitchFamily="50" charset="-128"/>
-              </a:rPr>
-              <a:t>↓</a:t>
-            </a:r>
-            <a:endParaRPr lang="en-US" altLang="ja-JP" dirty="0" smtClean="0">
-              <a:latin typeface="Inconsolata" panose="020B0609030003000000" pitchFamily="49" charset="0"/>
-              <a:ea typeface="メイリオ" panose="020B0604030504040204" pitchFamily="50" charset="-128"/>
-              <a:cs typeface="メイリオ" panose="020B0604030504040204" pitchFamily="50" charset="-128"/>
-            </a:endParaRPr>
-          </a:p>
-          <a:p>
-            <a:pPr marL="82296" indent="0">
-              <a:buNone/>
-            </a:pPr>
-            <a:r>
-              <a:rPr lang="ja-JP" altLang="en-US" sz="3600" b="1" dirty="0">
-                <a:latin typeface="Inconsolata" panose="020B0609030003000000" pitchFamily="49" charset="0"/>
-                <a:ea typeface="メイリオ" panose="020B0604030504040204" pitchFamily="50" charset="-128"/>
-                <a:cs typeface="メイリオ" panose="020B0604030504040204" pitchFamily="50" charset="-128"/>
-              </a:rPr>
-              <a:t>レジスタ</a:t>
-            </a:r>
-            <a:r>
-              <a:rPr lang="ja-JP" altLang="en-US" sz="3600" b="1" dirty="0" smtClean="0">
-                <a:latin typeface="Inconsolata" panose="020B0609030003000000" pitchFamily="49" charset="0"/>
-                <a:ea typeface="メイリオ" panose="020B0604030504040204" pitchFamily="50" charset="-128"/>
-                <a:cs typeface="メイリオ" panose="020B0604030504040204" pitchFamily="50" charset="-128"/>
-              </a:rPr>
-              <a:t>機能</a:t>
-            </a:r>
-            <a:r>
-              <a:rPr lang="ja-JP" altLang="en-US" dirty="0" smtClean="0">
-                <a:latin typeface="Inconsolata" panose="020B0609030003000000" pitchFamily="49" charset="0"/>
-                <a:ea typeface="メイリオ" panose="020B0604030504040204" pitchFamily="50" charset="-128"/>
-                <a:cs typeface="メイリオ" panose="020B0604030504040204" pitchFamily="50" charset="-128"/>
-              </a:rPr>
-              <a:t>なるものを知る</a:t>
-            </a:r>
-            <a:endParaRPr lang="en-US" altLang="ja-JP" dirty="0" smtClean="0">
               <a:latin typeface="Inconsolata" panose="020B0609030003000000" pitchFamily="49" charset="0"/>
               <a:ea typeface="メイリオ" panose="020B0604030504040204" pitchFamily="50" charset="-128"/>
               <a:cs typeface="メイリオ" panose="020B0604030504040204" pitchFamily="50" charset="-128"/>
@@ -9263,7 +9288,7 @@
     </p:spTree>
     <p:extLst>
       <p:ext uri="{BB962C8B-B14F-4D97-AF65-F5344CB8AC3E}">
-        <p14:creationId xmlns:p14="http://schemas.microsoft.com/office/powerpoint/2010/main" val="1893205090"/>
+        <p14:creationId xmlns:p14="http://schemas.microsoft.com/office/powerpoint/2010/main" val="3110455544"/>
       </p:ext>
     </p:extLst>
   </p:cSld>
@@ -9359,31 +9384,82 @@
                 <a:ea typeface="メイリオ" panose="020B0604030504040204" pitchFamily="50" charset="-128"/>
                 <a:cs typeface="メイリオ" panose="020B0604030504040204" pitchFamily="50" charset="-128"/>
               </a:rPr>
-              <a:t>■</a:t>
-            </a:r>
-            <a:r>
-              <a:rPr lang="ja-JP" altLang="en-US" dirty="0" smtClean="0">
+              <a:t>■コピー・ペースト</a:t>
+            </a:r>
+            <a:endParaRPr lang="en-US" altLang="ja-JP" dirty="0" smtClean="0">
+              <a:latin typeface="Inconsolata" panose="020B0609030003000000" pitchFamily="49" charset="0"/>
+              <a:ea typeface="メイリオ" panose="020B0604030504040204" pitchFamily="50" charset="-128"/>
+              <a:cs typeface="メイリオ" panose="020B0604030504040204" pitchFamily="50" charset="-128"/>
+            </a:endParaRPr>
+          </a:p>
+          <a:p>
+            <a:pPr marL="82296" indent="0">
+              <a:buNone/>
+            </a:pPr>
+            <a:r>
+              <a:rPr lang="ja-JP" altLang="en-US" dirty="0">
                 <a:latin typeface="Inconsolata" panose="020B0609030003000000" pitchFamily="49" charset="0"/>
                 <a:ea typeface="メイリオ" panose="020B0604030504040204" pitchFamily="50" charset="-128"/>
                 <a:cs typeface="メイリオ" panose="020B0604030504040204" pitchFamily="50" charset="-128"/>
               </a:rPr>
-              <a:t>検索</a:t>
-            </a:r>
+              <a:t>基本</a:t>
+            </a:r>
+            <a:r>
+              <a:rPr lang="ja-JP" altLang="en-US" dirty="0" smtClean="0">
+                <a:latin typeface="メイリオ" panose="020B0604030504040204" pitchFamily="50" charset="-128"/>
+                <a:ea typeface="メイリオ" panose="020B0604030504040204" pitchFamily="50" charset="-128"/>
+                <a:cs typeface="メイリオ" panose="020B0604030504040204" pitchFamily="50" charset="-128"/>
+              </a:rPr>
+              <a:t>はｙｙ→</a:t>
+            </a:r>
+            <a:r>
+              <a:rPr lang="en-US" altLang="ja-JP" dirty="0" smtClean="0">
+                <a:latin typeface="メイリオ" panose="020B0604030504040204" pitchFamily="50" charset="-128"/>
+                <a:ea typeface="メイリオ" panose="020B0604030504040204" pitchFamily="50" charset="-128"/>
+                <a:cs typeface="メイリオ" panose="020B0604030504040204" pitchFamily="50" charset="-128"/>
+              </a:rPr>
+              <a:t>p</a:t>
+            </a:r>
+          </a:p>
+          <a:p>
+            <a:pPr marL="82296" indent="0">
+              <a:buNone/>
+            </a:pPr>
+            <a:endParaRPr lang="en-US" altLang="ja-JP" dirty="0" smtClean="0">
+              <a:latin typeface="Inconsolata" panose="020B0609030003000000" pitchFamily="49" charset="0"/>
+              <a:ea typeface="メイリオ" panose="020B0604030504040204" pitchFamily="50" charset="-128"/>
+              <a:cs typeface="メイリオ" panose="020B0604030504040204" pitchFamily="50" charset="-128"/>
+            </a:endParaRPr>
+          </a:p>
+          <a:p>
+            <a:pPr marL="82296" indent="0">
+              <a:buNone/>
+            </a:pPr>
             <a:r>
               <a:rPr lang="ja-JP" altLang="en-US" dirty="0" smtClean="0">
                 <a:latin typeface="Inconsolata" panose="020B0609030003000000" pitchFamily="49" charset="0"/>
                 <a:ea typeface="メイリオ" panose="020B0604030504040204" pitchFamily="50" charset="-128"/>
                 <a:cs typeface="メイリオ" panose="020B0604030504040204" pitchFamily="50" charset="-128"/>
               </a:rPr>
-              <a:t>・</a:t>
-            </a:r>
+              <a:t>クリップボードの内容コピーとか</a:t>
+            </a:r>
+            <a:endParaRPr lang="en-US" altLang="ja-JP" dirty="0" smtClean="0">
+              <a:latin typeface="Inconsolata" panose="020B0609030003000000" pitchFamily="49" charset="0"/>
+              <a:ea typeface="メイリオ" panose="020B0604030504040204" pitchFamily="50" charset="-128"/>
+              <a:cs typeface="メイリオ" panose="020B0604030504040204" pitchFamily="50" charset="-128"/>
+            </a:endParaRPr>
+          </a:p>
+          <a:p>
+            <a:pPr marL="82296" indent="0">
+              <a:buNone/>
+            </a:pPr>
             <a:r>
               <a:rPr lang="ja-JP" altLang="en-US" dirty="0" smtClean="0">
                 <a:latin typeface="Inconsolata" panose="020B0609030003000000" pitchFamily="49" charset="0"/>
                 <a:ea typeface="メイリオ" panose="020B0604030504040204" pitchFamily="50" charset="-128"/>
                 <a:cs typeface="メイリオ" panose="020B0604030504040204" pitchFamily="50" charset="-128"/>
               </a:rPr>
-              <a:t>置換</a:t>
+              <a:t>できないの！？</a:t>
             </a:r>
             <a:endParaRPr lang="en-US" altLang="ja-JP" dirty="0">
               <a:latin typeface="Inconsolata" panose="020B0609030003000000" pitchFamily="49" charset="0"/>
@@ -9397,96 +9473,82 @@
             </a:pPr>
             <a:r>
               <a:rPr lang="ja-JP" altLang="en-US" dirty="0" smtClean="0">
-                <a:latin typeface="メイリオ" panose="020B0604030504040204" pitchFamily="50" charset="-128"/>
-                <a:ea typeface="メイリオ" panose="020B0604030504040204" pitchFamily="50" charset="-128"/>
-                <a:cs typeface="メイリオ" panose="020B0604030504040204" pitchFamily="50" charset="-128"/>
-              </a:rPr>
-              <a:t>検索： </a:t>
-            </a:r>
+                <a:latin typeface="Inconsolata" panose="020B0609030003000000" pitchFamily="49" charset="0"/>
+                <a:ea typeface="メイリオ" panose="020B0604030504040204" pitchFamily="50" charset="-128"/>
+                <a:cs typeface="メイリオ" panose="020B0604030504040204" pitchFamily="50" charset="-128"/>
+              </a:rPr>
+              <a:t>↓</a:t>
+            </a:r>
+            <a:endParaRPr lang="en-US" altLang="ja-JP" dirty="0" smtClean="0">
+              <a:latin typeface="Inconsolata" panose="020B0609030003000000" pitchFamily="49" charset="0"/>
+              <a:ea typeface="メイリオ" panose="020B0604030504040204" pitchFamily="50" charset="-128"/>
+              <a:cs typeface="メイリオ" panose="020B0604030504040204" pitchFamily="50" charset="-128"/>
+            </a:endParaRPr>
+          </a:p>
+          <a:p>
+            <a:pPr marL="82296" indent="0">
+              <a:buNone/>
+            </a:pPr>
+            <a:r>
+              <a:rPr lang="ja-JP" altLang="en-US" sz="3600" b="1" dirty="0">
+                <a:latin typeface="Inconsolata" panose="020B0609030003000000" pitchFamily="49" charset="0"/>
+                <a:ea typeface="メイリオ" panose="020B0604030504040204" pitchFamily="50" charset="-128"/>
+                <a:cs typeface="メイリオ" panose="020B0604030504040204" pitchFamily="50" charset="-128"/>
+              </a:rPr>
+              <a:t>レジスタ</a:t>
+            </a:r>
+            <a:r>
+              <a:rPr lang="ja-JP" altLang="en-US" sz="3600" b="1" dirty="0" smtClean="0">
+                <a:latin typeface="Inconsolata" panose="020B0609030003000000" pitchFamily="49" charset="0"/>
+                <a:ea typeface="メイリオ" panose="020B0604030504040204" pitchFamily="50" charset="-128"/>
+                <a:cs typeface="メイリオ" panose="020B0604030504040204" pitchFamily="50" charset="-128"/>
+              </a:rPr>
+              <a:t>機能</a:t>
+            </a:r>
+            <a:r>
+              <a:rPr lang="ja-JP" altLang="en-US" dirty="0" smtClean="0">
+                <a:latin typeface="Inconsolata" panose="020B0609030003000000" pitchFamily="49" charset="0"/>
+                <a:ea typeface="メイリオ" panose="020B0604030504040204" pitchFamily="50" charset="-128"/>
+                <a:cs typeface="メイリオ" panose="020B0604030504040204" pitchFamily="50" charset="-128"/>
+              </a:rPr>
+              <a:t>なるものを</a:t>
+            </a:r>
+            <a:r>
+              <a:rPr lang="ja-JP" altLang="en-US" dirty="0" smtClean="0">
+                <a:latin typeface="Inconsolata" panose="020B0609030003000000" pitchFamily="49" charset="0"/>
+                <a:ea typeface="メイリオ" panose="020B0604030504040204" pitchFamily="50" charset="-128"/>
+                <a:cs typeface="メイリオ" panose="020B0604030504040204" pitchFamily="50" charset="-128"/>
+              </a:rPr>
+              <a:t>知る</a:t>
+            </a:r>
+            <a:endParaRPr lang="en-US" altLang="ja-JP" dirty="0" smtClean="0">
+              <a:latin typeface="Inconsolata" panose="020B0609030003000000" pitchFamily="49" charset="0"/>
+              <a:ea typeface="メイリオ" panose="020B0604030504040204" pitchFamily="50" charset="-128"/>
+              <a:cs typeface="メイリオ" panose="020B0604030504040204" pitchFamily="50" charset="-128"/>
+            </a:endParaRPr>
+          </a:p>
+          <a:p>
+            <a:pPr marL="82296" indent="0">
+              <a:buNone/>
+            </a:pPr>
             <a:r>
               <a:rPr lang="en-US" altLang="ja-JP" dirty="0" smtClean="0">
-                <a:latin typeface="メイリオ" panose="020B0604030504040204" pitchFamily="50" charset="-128"/>
-                <a:ea typeface="メイリオ" panose="020B0604030504040204" pitchFamily="50" charset="-128"/>
-                <a:cs typeface="メイリオ" panose="020B0604030504040204" pitchFamily="50" charset="-128"/>
-              </a:rPr>
-              <a:t>/&lt;</a:t>
-            </a:r>
-            <a:r>
-              <a:rPr lang="ja-JP" altLang="en-US" dirty="0" smtClean="0">
-                <a:latin typeface="メイリオ" panose="020B0604030504040204" pitchFamily="50" charset="-128"/>
-                <a:ea typeface="メイリオ" panose="020B0604030504040204" pitchFamily="50" charset="-128"/>
-                <a:cs typeface="メイリオ" panose="020B0604030504040204" pitchFamily="50" charset="-128"/>
-              </a:rPr>
-              <a:t>検索単語</a:t>
-            </a:r>
-            <a:r>
-              <a:rPr lang="en-US" altLang="ja-JP" dirty="0" smtClean="0">
-                <a:latin typeface="メイリオ" panose="020B0604030504040204" pitchFamily="50" charset="-128"/>
-                <a:ea typeface="メイリオ" panose="020B0604030504040204" pitchFamily="50" charset="-128"/>
-                <a:cs typeface="メイリオ" panose="020B0604030504040204" pitchFamily="50" charset="-128"/>
-              </a:rPr>
-              <a:t>&gt;</a:t>
-            </a:r>
-          </a:p>
-          <a:p>
-            <a:pPr marL="82296" indent="0">
-              <a:buNone/>
-            </a:pPr>
-            <a:r>
-              <a:rPr lang="ja-JP" altLang="en-US" dirty="0" smtClean="0">
-                <a:latin typeface="メイリオ" panose="020B0604030504040204" pitchFamily="50" charset="-128"/>
-                <a:ea typeface="メイリオ" panose="020B0604030504040204" pitchFamily="50" charset="-128"/>
-                <a:cs typeface="メイリオ" panose="020B0604030504040204" pitchFamily="50" charset="-128"/>
-              </a:rPr>
-              <a:t>置換： </a:t>
-            </a:r>
-            <a:r>
-              <a:rPr lang="en-US" altLang="ja-JP" dirty="0" smtClean="0">
-                <a:latin typeface="メイリオ" panose="020B0604030504040204" pitchFamily="50" charset="-128"/>
-                <a:ea typeface="メイリオ" panose="020B0604030504040204" pitchFamily="50" charset="-128"/>
-                <a:cs typeface="メイリオ" panose="020B0604030504040204" pitchFamily="50" charset="-128"/>
-              </a:rPr>
-              <a:t>:%s/&lt;</a:t>
-            </a:r>
-            <a:r>
-              <a:rPr lang="ja-JP" altLang="en-US" dirty="0" smtClean="0">
-                <a:latin typeface="メイリオ" panose="020B0604030504040204" pitchFamily="50" charset="-128"/>
-                <a:ea typeface="メイリオ" panose="020B0604030504040204" pitchFamily="50" charset="-128"/>
-                <a:cs typeface="メイリオ" panose="020B0604030504040204" pitchFamily="50" charset="-128"/>
-              </a:rPr>
-              <a:t>置換対象</a:t>
-            </a:r>
-            <a:r>
-              <a:rPr lang="en-US" altLang="ja-JP" dirty="0" smtClean="0">
-                <a:latin typeface="メイリオ" panose="020B0604030504040204" pitchFamily="50" charset="-128"/>
-                <a:ea typeface="メイリオ" panose="020B0604030504040204" pitchFamily="50" charset="-128"/>
-                <a:cs typeface="メイリオ" panose="020B0604030504040204" pitchFamily="50" charset="-128"/>
-              </a:rPr>
-              <a:t>&gt;/&lt;</a:t>
-            </a:r>
-            <a:r>
-              <a:rPr lang="ja-JP" altLang="en-US" dirty="0" smtClean="0">
-                <a:latin typeface="メイリオ" panose="020B0604030504040204" pitchFamily="50" charset="-128"/>
-                <a:ea typeface="メイリオ" panose="020B0604030504040204" pitchFamily="50" charset="-128"/>
-                <a:cs typeface="メイリオ" panose="020B0604030504040204" pitchFamily="50" charset="-128"/>
-              </a:rPr>
-              <a:t>単語</a:t>
-            </a:r>
-            <a:r>
-              <a:rPr lang="en-US" altLang="ja-JP" dirty="0" smtClean="0">
-                <a:latin typeface="メイリオ" panose="020B0604030504040204" pitchFamily="50" charset="-128"/>
-                <a:ea typeface="メイリオ" panose="020B0604030504040204" pitchFamily="50" charset="-128"/>
-                <a:cs typeface="メイリオ" panose="020B0604030504040204" pitchFamily="50" charset="-128"/>
-              </a:rPr>
-              <a:t>&gt;/g</a:t>
-            </a:r>
-          </a:p>
-          <a:p>
-            <a:pPr marL="82296" indent="0">
-              <a:buNone/>
-            </a:pPr>
+                <a:latin typeface="Inconsolata" panose="020B0609030003000000" pitchFamily="49" charset="0"/>
+                <a:ea typeface="メイリオ" panose="020B0604030504040204" pitchFamily="50" charset="-128"/>
+                <a:cs typeface="メイリオ" panose="020B0604030504040204" pitchFamily="50" charset="-128"/>
+              </a:rPr>
+              <a:t>※</a:t>
+            </a:r>
+            <a:r>
+              <a:rPr lang="ja-JP" altLang="en-US" dirty="0" smtClean="0">
+                <a:latin typeface="Inconsolata" panose="020B0609030003000000" pitchFamily="49" charset="0"/>
+                <a:ea typeface="メイリオ" panose="020B0604030504040204" pitchFamily="50" charset="-128"/>
+                <a:cs typeface="メイリオ" panose="020B0604030504040204" pitchFamily="50" charset="-128"/>
+              </a:rPr>
+              <a:t>実質的に拡張クリップボード</a:t>
+            </a:r>
             <a:endParaRPr lang="en-US" altLang="ja-JP" dirty="0" smtClean="0">
-              <a:latin typeface="メイリオ" panose="020B0604030504040204" pitchFamily="50" charset="-128"/>
+              <a:latin typeface="Inconsolata" panose="020B0609030003000000" pitchFamily="49" charset="0"/>
               <a:ea typeface="メイリオ" panose="020B0604030504040204" pitchFamily="50" charset="-128"/>
               <a:cs typeface="メイリオ" panose="020B0604030504040204" pitchFamily="50" charset="-128"/>
             </a:endParaRPr>
@@ -9496,7 +9558,7 @@
     </p:spTree>
     <p:extLst>
       <p:ext uri="{BB962C8B-B14F-4D97-AF65-F5344CB8AC3E}">
-        <p14:creationId xmlns:p14="http://schemas.microsoft.com/office/powerpoint/2010/main" val="1560147465"/>
+        <p14:creationId xmlns:p14="http://schemas.microsoft.com/office/powerpoint/2010/main" val="1893205090"/>
       </p:ext>
     </p:extLst>
   </p:cSld>
@@ -9574,7 +9636,7 @@
         <p:spPr>
           <a:xfrm>
             <a:off x="1115616" y="1124744"/>
-            <a:ext cx="7818072" cy="5733256"/>
+            <a:ext cx="7818072" cy="5544616"/>
           </a:xfrm>
         </p:spPr>
         <p:txBody>
@@ -9592,31 +9654,7 @@
                 <a:ea typeface="メイリオ" panose="020B0604030504040204" pitchFamily="50" charset="-128"/>
                 <a:cs typeface="メイリオ" panose="020B0604030504040204" pitchFamily="50" charset="-128"/>
               </a:rPr>
-              <a:t>■</a:t>
-            </a:r>
-            <a:r>
-              <a:rPr lang="ja-JP" altLang="en-US" dirty="0" smtClean="0">
-                <a:latin typeface="Inconsolata" panose="020B0609030003000000" pitchFamily="49" charset="0"/>
-                <a:ea typeface="メイリオ" panose="020B0604030504040204" pitchFamily="50" charset="-128"/>
-                <a:cs typeface="メイリオ" panose="020B0604030504040204" pitchFamily="50" charset="-128"/>
-              </a:rPr>
-              <a:t>検索</a:t>
-            </a:r>
-            <a:r>
-              <a:rPr lang="ja-JP" altLang="en-US" dirty="0" smtClean="0">
-                <a:latin typeface="Inconsolata" panose="020B0609030003000000" pitchFamily="49" charset="0"/>
-                <a:ea typeface="メイリオ" panose="020B0604030504040204" pitchFamily="50" charset="-128"/>
-                <a:cs typeface="メイリオ" panose="020B0604030504040204" pitchFamily="50" charset="-128"/>
-              </a:rPr>
-              <a:t>・</a:t>
-            </a:r>
-            <a:r>
-              <a:rPr lang="ja-JP" altLang="en-US" dirty="0" smtClean="0">
-                <a:latin typeface="Inconsolata" panose="020B0609030003000000" pitchFamily="49" charset="0"/>
-                <a:ea typeface="メイリオ" panose="020B0604030504040204" pitchFamily="50" charset="-128"/>
-                <a:cs typeface="メイリオ" panose="020B0604030504040204" pitchFamily="50" charset="-128"/>
-              </a:rPr>
-              <a:t>置換</a:t>
+              <a:t>■検索・置換</a:t>
             </a:r>
             <a:endParaRPr lang="en-US" altLang="ja-JP" dirty="0">
               <a:latin typeface="Inconsolata" panose="020B0609030003000000" pitchFamily="49" charset="0"/>
@@ -9634,7 +9672,7 @@
                 <a:ea typeface="メイリオ" panose="020B0604030504040204" pitchFamily="50" charset="-128"/>
                 <a:cs typeface="メイリオ" panose="020B0604030504040204" pitchFamily="50" charset="-128"/>
               </a:rPr>
-              <a:t>検索： </a:t>
+              <a:t>検索＝ </a:t>
             </a:r>
             <a:r>
               <a:rPr lang="en-US" altLang="ja-JP" dirty="0" smtClean="0">
@@ -9671,7 +9709,7 @@
                 <a:ea typeface="メイリオ" panose="020B0604030504040204" pitchFamily="50" charset="-128"/>
                 <a:cs typeface="メイリオ" panose="020B0604030504040204" pitchFamily="50" charset="-128"/>
               </a:rPr>
-              <a:t>置換： </a:t>
+              <a:t>置換＝ </a:t>
             </a:r>
             <a:r>
               <a:rPr lang="en-US" altLang="ja-JP" dirty="0" smtClean="0">
@@ -9718,88 +9756,6 @@
             <a:pPr marL="82296" indent="0">
               <a:buNone/>
             </a:pPr>
-            <a:endParaRPr lang="en-US" altLang="ja-JP" dirty="0" smtClean="0">
-              <a:latin typeface="メイリオ" panose="020B0604030504040204" pitchFamily="50" charset="-128"/>
-              <a:ea typeface="メイリオ" panose="020B0604030504040204" pitchFamily="50" charset="-128"/>
-              <a:cs typeface="メイリオ" panose="020B0604030504040204" pitchFamily="50" charset="-128"/>
-            </a:endParaRPr>
-          </a:p>
-          <a:p>
-            <a:pPr marL="82296" indent="0">
-              <a:buNone/>
-            </a:pPr>
-            <a:r>
-              <a:rPr lang="ja-JP" altLang="en-US" b="1" dirty="0" smtClean="0">
-                <a:latin typeface="メイリオ" panose="020B0604030504040204" pitchFamily="50" charset="-128"/>
-                <a:ea typeface="メイリオ" panose="020B0604030504040204" pitchFamily="50" charset="-128"/>
-                <a:cs typeface="メイリオ" panose="020B0604030504040204" pitchFamily="50" charset="-128"/>
-              </a:rPr>
-              <a:t>◆便利なコマンド</a:t>
-            </a:r>
-            <a:endParaRPr lang="en-US" altLang="ja-JP" b="1" dirty="0" smtClean="0">
-              <a:latin typeface="メイリオ" panose="020B0604030504040204" pitchFamily="50" charset="-128"/>
-              <a:ea typeface="メイリオ" panose="020B0604030504040204" pitchFamily="50" charset="-128"/>
-              <a:cs typeface="メイリオ" panose="020B0604030504040204" pitchFamily="50" charset="-128"/>
-            </a:endParaRPr>
-          </a:p>
-          <a:p>
-            <a:pPr marL="82296" indent="0">
-              <a:buNone/>
-            </a:pPr>
-            <a:r>
-              <a:rPr lang="ja-JP" altLang="en-US" dirty="0" smtClean="0">
-                <a:latin typeface="メイリオ" panose="020B0604030504040204" pitchFamily="50" charset="-128"/>
-                <a:ea typeface="メイリオ" panose="020B0604030504040204" pitchFamily="50" charset="-128"/>
-                <a:cs typeface="メイリオ" panose="020B0604030504040204" pitchFamily="50" charset="-128"/>
-              </a:rPr>
-              <a:t>＊：カーソル位置の単語で検索</a:t>
-            </a:r>
-            <a:endParaRPr lang="en-US" altLang="ja-JP" dirty="0" smtClean="0">
-              <a:latin typeface="メイリオ" panose="020B0604030504040204" pitchFamily="50" charset="-128"/>
-              <a:ea typeface="メイリオ" panose="020B0604030504040204" pitchFamily="50" charset="-128"/>
-              <a:cs typeface="メイリオ" panose="020B0604030504040204" pitchFamily="50" charset="-128"/>
-            </a:endParaRPr>
-          </a:p>
-          <a:p>
-            <a:pPr marL="82296" indent="0">
-              <a:buNone/>
-            </a:pPr>
-            <a:endParaRPr lang="en-US" altLang="ja-JP" dirty="0" smtClean="0">
-              <a:latin typeface="メイリオ" panose="020B0604030504040204" pitchFamily="50" charset="-128"/>
-              <a:ea typeface="メイリオ" panose="020B0604030504040204" pitchFamily="50" charset="-128"/>
-              <a:cs typeface="メイリオ" panose="020B0604030504040204" pitchFamily="50" charset="-128"/>
-            </a:endParaRPr>
-          </a:p>
-          <a:p>
-            <a:pPr marL="82296" indent="0">
-              <a:buNone/>
-            </a:pPr>
-            <a:r>
-              <a:rPr lang="ja-JP" altLang="en-US" b="1" dirty="0" smtClean="0">
-                <a:latin typeface="メイリオ" panose="020B0604030504040204" pitchFamily="50" charset="-128"/>
-                <a:ea typeface="メイリオ" panose="020B0604030504040204" pitchFamily="50" charset="-128"/>
-                <a:cs typeface="メイリオ" panose="020B0604030504040204" pitchFamily="50" charset="-128"/>
-              </a:rPr>
-              <a:t>◆便利な仕様</a:t>
-            </a:r>
-            <a:endParaRPr lang="en-US" altLang="ja-JP" b="1" dirty="0" smtClean="0">
-              <a:latin typeface="メイリオ" panose="020B0604030504040204" pitchFamily="50" charset="-128"/>
-              <a:ea typeface="メイリオ" panose="020B0604030504040204" pitchFamily="50" charset="-128"/>
-              <a:cs typeface="メイリオ" panose="020B0604030504040204" pitchFamily="50" charset="-128"/>
-            </a:endParaRPr>
-          </a:p>
-          <a:p>
-            <a:pPr marL="82296" indent="0">
-              <a:buNone/>
-            </a:pPr>
-            <a:r>
-              <a:rPr lang="ja-JP" altLang="en-US" dirty="0" smtClean="0">
-                <a:latin typeface="メイリオ" panose="020B0604030504040204" pitchFamily="50" charset="-128"/>
-                <a:ea typeface="メイリオ" panose="020B0604030504040204" pitchFamily="50" charset="-128"/>
-                <a:cs typeface="メイリオ" panose="020B0604030504040204" pitchFamily="50" charset="-128"/>
-              </a:rPr>
-              <a:t>置換コマンドで対象ワードを省略すると、事前に検索していたワードが対象に</a:t>
-            </a:r>
             <a:endParaRPr lang="en-US" altLang="ja-JP" dirty="0" smtClean="0">
               <a:latin typeface="メイリオ" panose="020B0604030504040204" pitchFamily="50" charset="-128"/>
               <a:ea typeface="メイリオ" panose="020B0604030504040204" pitchFamily="50" charset="-128"/>
@@ -9811,7 +9767,7 @@
     </p:spTree>
     <p:extLst>
       <p:ext uri="{BB962C8B-B14F-4D97-AF65-F5344CB8AC3E}">
-        <p14:creationId xmlns:p14="http://schemas.microsoft.com/office/powerpoint/2010/main" val="2192533918"/>
+        <p14:creationId xmlns:p14="http://schemas.microsoft.com/office/powerpoint/2010/main" val="1560147465"/>
       </p:ext>
     </p:extLst>
   </p:cSld>
@@ -9889,7 +9845,7 @@
         <p:spPr>
           <a:xfrm>
             <a:off x="1115616" y="1124744"/>
-            <a:ext cx="7818072" cy="5544616"/>
+            <a:ext cx="7818072" cy="5733256"/>
           </a:xfrm>
         </p:spPr>
         <p:txBody>
@@ -9902,28 +9858,12 @@
               <a:buNone/>
             </a:pPr>
             <a:r>
-              <a:rPr lang="ja-JP" altLang="en-US" dirty="0">
+              <a:rPr lang="ja-JP" altLang="en-US" dirty="0" smtClean="0">
                 <a:latin typeface="Inconsolata" panose="020B0609030003000000" pitchFamily="49" charset="0"/>
                 <a:ea typeface="メイリオ" panose="020B0604030504040204" pitchFamily="50" charset="-128"/>
                 <a:cs typeface="メイリオ" panose="020B0604030504040204" pitchFamily="50" charset="-128"/>
               </a:rPr>
-              <a:t>■</a:t>
-            </a:r>
-            <a:r>
-              <a:rPr lang="ja-JP" altLang="en-US" b="1" dirty="0" smtClean="0">
-                <a:latin typeface="Inconsolata" panose="020B0609030003000000" pitchFamily="49" charset="0"/>
-                <a:ea typeface="メイリオ" panose="020B0604030504040204" pitchFamily="50" charset="-128"/>
-                <a:cs typeface="メイリオ" panose="020B0604030504040204" pitchFamily="50" charset="-128"/>
-              </a:rPr>
-              <a:t>ここまで学んだことの組み合わせ</a:t>
-            </a:r>
-            <a:r>
-              <a:rPr lang="ja-JP" altLang="en-US" dirty="0" smtClean="0">
-                <a:latin typeface="Inconsolata" panose="020B0609030003000000" pitchFamily="49" charset="0"/>
-                <a:ea typeface="メイリオ" panose="020B0604030504040204" pitchFamily="50" charset="-128"/>
-                <a:cs typeface="メイリオ" panose="020B0604030504040204" pitchFamily="50" charset="-128"/>
-              </a:rPr>
-              <a:t>で</a:t>
+              <a:t>■検索・置換</a:t>
             </a:r>
             <a:endParaRPr lang="en-US" altLang="ja-JP" dirty="0">
               <a:latin typeface="Inconsolata" panose="020B0609030003000000" pitchFamily="49" charset="0"/>
@@ -9937,236 +9877,188 @@
             </a:pPr>
             <a:r>
               <a:rPr lang="ja-JP" altLang="en-US" dirty="0" smtClean="0">
-                <a:latin typeface="Inconsolata" panose="020B0609030003000000" pitchFamily="49" charset="0"/>
-                <a:ea typeface="メイリオ" panose="020B0604030504040204" pitchFamily="50" charset="-128"/>
-                <a:cs typeface="メイリオ" panose="020B0604030504040204" pitchFamily="50" charset="-128"/>
-              </a:rPr>
-              <a:t>もっと便利に使える</a:t>
-            </a:r>
+                <a:latin typeface="メイリオ" panose="020B0604030504040204" pitchFamily="50" charset="-128"/>
+                <a:ea typeface="メイリオ" panose="020B0604030504040204" pitchFamily="50" charset="-128"/>
+                <a:cs typeface="メイリオ" panose="020B0604030504040204" pitchFamily="50" charset="-128"/>
+              </a:rPr>
+              <a:t>検索＝ </a:t>
+            </a:r>
+            <a:r>
+              <a:rPr lang="en-US" altLang="ja-JP" dirty="0" smtClean="0">
+                <a:latin typeface="メイリオ" panose="020B0604030504040204" pitchFamily="50" charset="-128"/>
+                <a:ea typeface="メイリオ" panose="020B0604030504040204" pitchFamily="50" charset="-128"/>
+                <a:cs typeface="メイリオ" panose="020B0604030504040204" pitchFamily="50" charset="-128"/>
+              </a:rPr>
+              <a:t>/&lt;</a:t>
+            </a:r>
+            <a:r>
+              <a:rPr lang="ja-JP" altLang="en-US" dirty="0" smtClean="0">
+                <a:latin typeface="メイリオ" panose="020B0604030504040204" pitchFamily="50" charset="-128"/>
+                <a:ea typeface="メイリオ" panose="020B0604030504040204" pitchFamily="50" charset="-128"/>
+                <a:cs typeface="メイリオ" panose="020B0604030504040204" pitchFamily="50" charset="-128"/>
+              </a:rPr>
+              <a:t>検索単語</a:t>
+            </a:r>
+            <a:r>
+              <a:rPr lang="en-US" altLang="ja-JP" dirty="0" smtClean="0">
+                <a:latin typeface="メイリオ" panose="020B0604030504040204" pitchFamily="50" charset="-128"/>
+                <a:ea typeface="メイリオ" panose="020B0604030504040204" pitchFamily="50" charset="-128"/>
+                <a:cs typeface="メイリオ" panose="020B0604030504040204" pitchFamily="50" charset="-128"/>
+              </a:rPr>
+              <a:t>&gt;</a:t>
+            </a:r>
+          </a:p>
+          <a:p>
+            <a:pPr marL="82296" indent="0">
+              <a:buNone/>
+            </a:pPr>
+            <a:r>
+              <a:rPr lang="ja-JP" altLang="en-US" dirty="0" smtClean="0">
+                <a:latin typeface="メイリオ" panose="020B0604030504040204" pitchFamily="50" charset="-128"/>
+                <a:ea typeface="メイリオ" panose="020B0604030504040204" pitchFamily="50" charset="-128"/>
+                <a:cs typeface="メイリオ" panose="020B0604030504040204" pitchFamily="50" charset="-128"/>
+              </a:rPr>
+              <a:t>置換＝ </a:t>
+            </a:r>
+            <a:r>
+              <a:rPr lang="en-US" altLang="ja-JP" dirty="0" smtClean="0">
+                <a:latin typeface="メイリオ" panose="020B0604030504040204" pitchFamily="50" charset="-128"/>
+                <a:ea typeface="メイリオ" panose="020B0604030504040204" pitchFamily="50" charset="-128"/>
+                <a:cs typeface="メイリオ" panose="020B0604030504040204" pitchFamily="50" charset="-128"/>
+              </a:rPr>
+              <a:t>:%s/&lt;</a:t>
+            </a:r>
+            <a:r>
+              <a:rPr lang="ja-JP" altLang="en-US" dirty="0" smtClean="0">
+                <a:latin typeface="メイリオ" panose="020B0604030504040204" pitchFamily="50" charset="-128"/>
+                <a:ea typeface="メイリオ" panose="020B0604030504040204" pitchFamily="50" charset="-128"/>
+                <a:cs typeface="メイリオ" panose="020B0604030504040204" pitchFamily="50" charset="-128"/>
+              </a:rPr>
+              <a:t>置換対象</a:t>
+            </a:r>
+            <a:r>
+              <a:rPr lang="en-US" altLang="ja-JP" dirty="0" smtClean="0">
+                <a:latin typeface="メイリオ" panose="020B0604030504040204" pitchFamily="50" charset="-128"/>
+                <a:ea typeface="メイリオ" panose="020B0604030504040204" pitchFamily="50" charset="-128"/>
+                <a:cs typeface="メイリオ" panose="020B0604030504040204" pitchFamily="50" charset="-128"/>
+              </a:rPr>
+              <a:t>&gt;/&lt;</a:t>
+            </a:r>
+            <a:r>
+              <a:rPr lang="ja-JP" altLang="en-US" dirty="0" smtClean="0">
+                <a:latin typeface="メイリオ" panose="020B0604030504040204" pitchFamily="50" charset="-128"/>
+                <a:ea typeface="メイリオ" panose="020B0604030504040204" pitchFamily="50" charset="-128"/>
+                <a:cs typeface="メイリオ" panose="020B0604030504040204" pitchFamily="50" charset="-128"/>
+              </a:rPr>
+              <a:t>単語</a:t>
+            </a:r>
+            <a:r>
+              <a:rPr lang="en-US" altLang="ja-JP" dirty="0" smtClean="0">
+                <a:latin typeface="メイリオ" panose="020B0604030504040204" pitchFamily="50" charset="-128"/>
+                <a:ea typeface="メイリオ" panose="020B0604030504040204" pitchFamily="50" charset="-128"/>
+                <a:cs typeface="メイリオ" panose="020B0604030504040204" pitchFamily="50" charset="-128"/>
+              </a:rPr>
+              <a:t>&gt;/g</a:t>
+            </a:r>
+          </a:p>
+          <a:p>
+            <a:pPr marL="82296" indent="0">
+              <a:buNone/>
+            </a:pPr>
             <a:endParaRPr lang="en-US" altLang="ja-JP" dirty="0" smtClean="0">
-              <a:latin typeface="Inconsolata" panose="020B0609030003000000" pitchFamily="49" charset="0"/>
-              <a:ea typeface="メイリオ" panose="020B0604030504040204" pitchFamily="50" charset="-128"/>
-              <a:cs typeface="メイリオ" panose="020B0604030504040204" pitchFamily="50" charset="-128"/>
-            </a:endParaRPr>
-          </a:p>
-          <a:p>
-            <a:pPr marL="82296" indent="0">
-              <a:buNone/>
-            </a:pPr>
-            <a:r>
-              <a:rPr lang="ja-JP" altLang="en-US" dirty="0" smtClean="0">
-                <a:latin typeface="Inconsolata" panose="020B0609030003000000" pitchFamily="49" charset="0"/>
-                <a:ea typeface="メイリオ" panose="020B0604030504040204" pitchFamily="50" charset="-128"/>
-                <a:cs typeface="メイリオ" panose="020B0604030504040204" pitchFamily="50" charset="-128"/>
-              </a:rPr>
-              <a:t>ｙ：ヤンク</a:t>
-            </a:r>
-            <a:r>
-              <a:rPr lang="ja-JP" altLang="en-US" dirty="0" smtClean="0">
-                <a:latin typeface="Inconsolata" panose="020B0609030003000000" pitchFamily="49" charset="0"/>
-                <a:ea typeface="メイリオ" panose="020B0604030504040204" pitchFamily="50" charset="-128"/>
-                <a:cs typeface="メイリオ" panose="020B0604030504040204" pitchFamily="50" charset="-128"/>
-              </a:rPr>
-              <a:t>（コピー）</a:t>
+              <a:latin typeface="メイリオ" panose="020B0604030504040204" pitchFamily="50" charset="-128"/>
+              <a:ea typeface="メイリオ" panose="020B0604030504040204" pitchFamily="50" charset="-128"/>
+              <a:cs typeface="メイリオ" panose="020B0604030504040204" pitchFamily="50" charset="-128"/>
+            </a:endParaRPr>
+          </a:p>
+          <a:p>
+            <a:pPr marL="82296" indent="0">
+              <a:buNone/>
+            </a:pPr>
+            <a:r>
+              <a:rPr lang="ja-JP" altLang="en-US" b="1" dirty="0" smtClean="0">
+                <a:latin typeface="メイリオ" panose="020B0604030504040204" pitchFamily="50" charset="-128"/>
+                <a:ea typeface="メイリオ" panose="020B0604030504040204" pitchFamily="50" charset="-128"/>
+                <a:cs typeface="メイリオ" panose="020B0604030504040204" pitchFamily="50" charset="-128"/>
+              </a:rPr>
+              <a:t>◆便利なコマンド</a:t>
+            </a:r>
+            <a:endParaRPr lang="en-US" altLang="ja-JP" b="1" dirty="0" smtClean="0">
+              <a:latin typeface="メイリオ" panose="020B0604030504040204" pitchFamily="50" charset="-128"/>
+              <a:ea typeface="メイリオ" panose="020B0604030504040204" pitchFamily="50" charset="-128"/>
+              <a:cs typeface="メイリオ" panose="020B0604030504040204" pitchFamily="50" charset="-128"/>
+            </a:endParaRPr>
+          </a:p>
+          <a:p>
+            <a:pPr marL="82296" indent="0">
+              <a:buNone/>
+            </a:pPr>
+            <a:r>
+              <a:rPr lang="ja-JP" altLang="en-US" dirty="0" smtClean="0">
+                <a:latin typeface="メイリオ" panose="020B0604030504040204" pitchFamily="50" charset="-128"/>
+                <a:ea typeface="メイリオ" panose="020B0604030504040204" pitchFamily="50" charset="-128"/>
+                <a:cs typeface="メイリオ" panose="020B0604030504040204" pitchFamily="50" charset="-128"/>
+              </a:rPr>
+              <a:t>＊：カーソル位置の単語で検索</a:t>
             </a:r>
             <a:endParaRPr lang="en-US" altLang="ja-JP" dirty="0" smtClean="0">
-              <a:latin typeface="Inconsolata" panose="020B0609030003000000" pitchFamily="49" charset="0"/>
-              <a:ea typeface="メイリオ" panose="020B0604030504040204" pitchFamily="50" charset="-128"/>
-              <a:cs typeface="メイリオ" panose="020B0604030504040204" pitchFamily="50" charset="-128"/>
-            </a:endParaRPr>
-          </a:p>
-          <a:p>
-            <a:pPr marL="82296" indent="0">
-              <a:buNone/>
-            </a:pPr>
-            <a:r>
-              <a:rPr lang="ja-JP" altLang="en-US" dirty="0" smtClean="0">
-                <a:latin typeface="Inconsolata" panose="020B0609030003000000" pitchFamily="49" charset="0"/>
-                <a:ea typeface="メイリオ" panose="020B0604030504040204" pitchFamily="50" charset="-128"/>
-                <a:cs typeface="メイリオ" panose="020B0604030504040204" pitchFamily="50" charset="-128"/>
-              </a:rPr>
-              <a:t>ｄ：削除</a:t>
-            </a:r>
+              <a:latin typeface="メイリオ" panose="020B0604030504040204" pitchFamily="50" charset="-128"/>
+              <a:ea typeface="メイリオ" panose="020B0604030504040204" pitchFamily="50" charset="-128"/>
+              <a:cs typeface="メイリオ" panose="020B0604030504040204" pitchFamily="50" charset="-128"/>
+            </a:endParaRPr>
+          </a:p>
+          <a:p>
+            <a:pPr marL="82296" indent="0">
+              <a:buNone/>
+            </a:pPr>
             <a:endParaRPr lang="en-US" altLang="ja-JP" dirty="0" smtClean="0">
-              <a:latin typeface="Inconsolata" panose="020B0609030003000000" pitchFamily="49" charset="0"/>
-              <a:ea typeface="メイリオ" panose="020B0604030504040204" pitchFamily="50" charset="-128"/>
-              <a:cs typeface="メイリオ" panose="020B0604030504040204" pitchFamily="50" charset="-128"/>
-            </a:endParaRPr>
-          </a:p>
-          <a:p>
-            <a:pPr marL="82296" indent="0">
-              <a:buNone/>
-            </a:pPr>
-            <a:r>
-              <a:rPr lang="ja-JP" altLang="en-US" dirty="0" smtClean="0">
-                <a:latin typeface="Inconsolata" panose="020B0609030003000000" pitchFamily="49" charset="0"/>
-                <a:ea typeface="メイリオ" panose="020B0604030504040204" pitchFamily="50" charset="-128"/>
-                <a:cs typeface="メイリオ" panose="020B0604030504040204" pitchFamily="50" charset="-128"/>
-              </a:rPr>
-              <a:t>ｃ：カット（文字を削除し挿入モード）</a:t>
+              <a:latin typeface="メイリオ" panose="020B0604030504040204" pitchFamily="50" charset="-128"/>
+              <a:ea typeface="メイリオ" panose="020B0604030504040204" pitchFamily="50" charset="-128"/>
+              <a:cs typeface="メイリオ" panose="020B0604030504040204" pitchFamily="50" charset="-128"/>
+            </a:endParaRPr>
+          </a:p>
+          <a:p>
+            <a:pPr marL="82296" indent="0">
+              <a:buNone/>
+            </a:pPr>
+            <a:r>
+              <a:rPr lang="ja-JP" altLang="en-US" b="1" dirty="0" smtClean="0">
+                <a:latin typeface="メイリオ" panose="020B0604030504040204" pitchFamily="50" charset="-128"/>
+                <a:ea typeface="メイリオ" panose="020B0604030504040204" pitchFamily="50" charset="-128"/>
+                <a:cs typeface="メイリオ" panose="020B0604030504040204" pitchFamily="50" charset="-128"/>
+              </a:rPr>
+              <a:t>◆便利な仕様</a:t>
+            </a:r>
+            <a:endParaRPr lang="en-US" altLang="ja-JP" b="1" dirty="0" smtClean="0">
+              <a:latin typeface="メイリオ" panose="020B0604030504040204" pitchFamily="50" charset="-128"/>
+              <a:ea typeface="メイリオ" panose="020B0604030504040204" pitchFamily="50" charset="-128"/>
+              <a:cs typeface="メイリオ" panose="020B0604030504040204" pitchFamily="50" charset="-128"/>
+            </a:endParaRPr>
+          </a:p>
+          <a:p>
+            <a:pPr marL="82296" indent="0">
+              <a:buNone/>
+            </a:pPr>
+            <a:r>
+              <a:rPr lang="ja-JP" altLang="en-US" dirty="0" smtClean="0">
+                <a:latin typeface="メイリオ" panose="020B0604030504040204" pitchFamily="50" charset="-128"/>
+                <a:ea typeface="メイリオ" panose="020B0604030504040204" pitchFamily="50" charset="-128"/>
+                <a:cs typeface="メイリオ" panose="020B0604030504040204" pitchFamily="50" charset="-128"/>
+              </a:rPr>
+              <a:t>置換コマンドで対象ワードを省略すると、事前に検索していたワードが対象に</a:t>
             </a:r>
             <a:endParaRPr lang="en-US" altLang="ja-JP" dirty="0" smtClean="0">
-              <a:latin typeface="Inconsolata" panose="020B0609030003000000" pitchFamily="49" charset="0"/>
-              <a:ea typeface="メイリオ" panose="020B0604030504040204" pitchFamily="50" charset="-128"/>
-              <a:cs typeface="メイリオ" panose="020B0604030504040204" pitchFamily="50" charset="-128"/>
-            </a:endParaRPr>
-          </a:p>
-          <a:p>
-            <a:pPr marL="82296" indent="0" algn="ctr">
-              <a:buNone/>
-            </a:pPr>
-            <a:r>
-              <a:rPr lang="ja-JP" altLang="en-US" b="1" dirty="0" smtClean="0">
-                <a:latin typeface="Inconsolata" panose="020B0609030003000000" pitchFamily="49" charset="0"/>
-                <a:ea typeface="メイリオ" panose="020B0604030504040204" pitchFamily="50" charset="-128"/>
-                <a:cs typeface="メイリオ" panose="020B0604030504040204" pitchFamily="50" charset="-128"/>
-              </a:rPr>
-              <a:t>＋</a:t>
-            </a:r>
-            <a:endParaRPr lang="en-US" altLang="ja-JP" b="1" dirty="0" smtClean="0">
-              <a:latin typeface="Inconsolata" panose="020B0609030003000000" pitchFamily="49" charset="0"/>
-              <a:ea typeface="メイリオ" panose="020B0604030504040204" pitchFamily="50" charset="-128"/>
-              <a:cs typeface="メイリオ" panose="020B0604030504040204" pitchFamily="50" charset="-128"/>
-            </a:endParaRPr>
-          </a:p>
-          <a:p>
-            <a:pPr marL="82296" indent="0">
-              <a:buNone/>
-            </a:pPr>
-            <a:r>
-              <a:rPr lang="ja-JP" altLang="en-US" dirty="0">
-                <a:latin typeface="Inconsolata" panose="020B0609030003000000" pitchFamily="49" charset="0"/>
-                <a:ea typeface="メイリオ" panose="020B0604030504040204" pitchFamily="50" charset="-128"/>
-                <a:cs typeface="メイリオ" panose="020B0604030504040204" pitchFamily="50" charset="-128"/>
-              </a:rPr>
-              <a:t>ｗ</a:t>
-            </a:r>
-            <a:r>
-              <a:rPr lang="ja-JP" altLang="en-US" dirty="0" smtClean="0">
-                <a:latin typeface="Inconsolata" panose="020B0609030003000000" pitchFamily="49" charset="0"/>
-                <a:ea typeface="メイリオ" panose="020B0604030504040204" pitchFamily="50" charset="-128"/>
-                <a:cs typeface="メイリオ" panose="020B0604030504040204" pitchFamily="50" charset="-128"/>
-              </a:rPr>
-              <a:t>：単語単位に移動</a:t>
-            </a:r>
-            <a:endParaRPr lang="en-US" altLang="ja-JP" dirty="0" smtClean="0">
-              <a:latin typeface="Inconsolata" panose="020B0609030003000000" pitchFamily="49" charset="0"/>
-              <a:ea typeface="メイリオ" panose="020B0604030504040204" pitchFamily="50" charset="-128"/>
-              <a:cs typeface="メイリオ" panose="020B0604030504040204" pitchFamily="50" charset="-128"/>
-            </a:endParaRPr>
-          </a:p>
-          <a:p>
-            <a:pPr marL="82296" indent="0">
-              <a:buNone/>
-            </a:pPr>
-            <a:r>
-              <a:rPr lang="ja-JP" altLang="en-US" dirty="0" smtClean="0">
-                <a:latin typeface="Inconsolata" panose="020B0609030003000000" pitchFamily="49" charset="0"/>
-                <a:ea typeface="メイリオ" panose="020B0604030504040204" pitchFamily="50" charset="-128"/>
-                <a:cs typeface="メイリオ" panose="020B0604030504040204" pitchFamily="50" charset="-128"/>
-              </a:rPr>
-              <a:t>０、＾：行頭、行末へ移動</a:t>
-            </a:r>
-            <a:endParaRPr lang="en-US" altLang="ja-JP" dirty="0" smtClean="0">
-              <a:latin typeface="Inconsolata" panose="020B0609030003000000" pitchFamily="49" charset="0"/>
-              <a:ea typeface="メイリオ" panose="020B0604030504040204" pitchFamily="50" charset="-128"/>
-              <a:cs typeface="メイリオ" panose="020B0604030504040204" pitchFamily="50" charset="-128"/>
-            </a:endParaRPr>
-          </a:p>
-          <a:p>
-            <a:pPr marL="82296" indent="0">
-              <a:buNone/>
-            </a:pPr>
-            <a:r>
-              <a:rPr lang="ja-JP" altLang="en-US" dirty="0" smtClean="0">
-                <a:latin typeface="Inconsolata" panose="020B0609030003000000" pitchFamily="49" charset="0"/>
-                <a:ea typeface="メイリオ" panose="020B0604030504040204" pitchFamily="50" charset="-128"/>
-                <a:cs typeface="メイリオ" panose="020B0604030504040204" pitchFamily="50" charset="-128"/>
-              </a:rPr>
-              <a:t>ｆ＜単語＞</a:t>
-            </a:r>
-            <a:r>
-              <a:rPr lang="ja-JP" altLang="en-US" dirty="0" smtClean="0">
-                <a:latin typeface="Inconsolata" panose="020B0609030003000000" pitchFamily="49" charset="0"/>
-                <a:ea typeface="メイリオ" panose="020B0604030504040204" pitchFamily="50" charset="-128"/>
-                <a:cs typeface="メイリオ" panose="020B0604030504040204" pitchFamily="50" charset="-128"/>
-              </a:rPr>
-              <a:t>：＜単語＞へ移動</a:t>
-            </a:r>
-            <a:endParaRPr lang="en-US" altLang="ja-JP" dirty="0" smtClean="0">
-              <a:latin typeface="Inconsolata" panose="020B0609030003000000" pitchFamily="49" charset="0"/>
-              <a:ea typeface="メイリオ" panose="020B0604030504040204" pitchFamily="50" charset="-128"/>
-              <a:cs typeface="メイリオ" panose="020B0604030504040204" pitchFamily="50" charset="-128"/>
-            </a:endParaRPr>
-          </a:p>
-        </p:txBody>
-      </p:sp>
-      <p:sp>
-        <p:nvSpPr>
-          <p:cNvPr id="4" name="テキスト ボックス 3"/>
-          <p:cNvSpPr txBox="1"/>
-          <p:nvPr/>
-        </p:nvSpPr>
-        <p:spPr>
-          <a:xfrm>
-            <a:off x="1187624" y="2276872"/>
-            <a:ext cx="7200800" cy="1656184"/>
-          </a:xfrm>
-          <a:prstGeom prst="rect">
-            <a:avLst/>
-          </a:prstGeom>
-          <a:noFill/>
-          <a:ln>
-            <a:solidFill>
-              <a:schemeClr val="tx1"/>
-            </a:solidFill>
-          </a:ln>
-        </p:spPr>
-        <p:txBody>
-          <a:bodyPr wrap="square" rtlCol="0">
-            <a:spAutoFit/>
-          </a:bodyPr>
-          <a:lstStyle/>
-          <a:p>
-            <a:endParaRPr kumimoji="1" lang="ja-JP" altLang="en-US" dirty="0"/>
-          </a:p>
-        </p:txBody>
-      </p:sp>
-      <p:sp>
-        <p:nvSpPr>
-          <p:cNvPr id="7" name="テキスト ボックス 6"/>
-          <p:cNvSpPr txBox="1"/>
-          <p:nvPr/>
-        </p:nvSpPr>
-        <p:spPr>
-          <a:xfrm>
-            <a:off x="1187624" y="4509120"/>
-            <a:ext cx="7200800" cy="1656184"/>
-          </a:xfrm>
-          <a:prstGeom prst="rect">
-            <a:avLst/>
-          </a:prstGeom>
-          <a:noFill/>
-          <a:ln>
-            <a:solidFill>
-              <a:schemeClr val="tx1"/>
-            </a:solidFill>
-          </a:ln>
-        </p:spPr>
-        <p:txBody>
-          <a:bodyPr wrap="square" rtlCol="0">
-            <a:spAutoFit/>
-          </a:bodyPr>
-          <a:lstStyle/>
-          <a:p>
-            <a:endParaRPr kumimoji="1" lang="ja-JP" altLang="en-US" dirty="0"/>
+              <a:latin typeface="メイリオ" panose="020B0604030504040204" pitchFamily="50" charset="-128"/>
+              <a:ea typeface="メイリオ" panose="020B0604030504040204" pitchFamily="50" charset="-128"/>
+              <a:cs typeface="メイリオ" panose="020B0604030504040204" pitchFamily="50" charset="-128"/>
+            </a:endParaRPr>
           </a:p>
         </p:txBody>
       </p:sp>
     </p:spTree>
     <p:extLst>
       <p:ext uri="{BB962C8B-B14F-4D97-AF65-F5344CB8AC3E}">
-        <p14:creationId xmlns:p14="http://schemas.microsoft.com/office/powerpoint/2010/main" val="3265229140"/>
+        <p14:creationId xmlns:p14="http://schemas.microsoft.com/office/powerpoint/2010/main" val="2192533918"/>
       </p:ext>
     </p:extLst>
   </p:cSld>
@@ -10202,6 +10094,68 @@
       </p:grpSpPr>
       <p:sp>
         <p:nvSpPr>
+          <p:cNvPr id="7" name="テキスト ボックス 6"/>
+          <p:cNvSpPr txBox="1"/>
+          <p:nvPr/>
+        </p:nvSpPr>
+        <p:spPr>
+          <a:xfrm>
+            <a:off x="1187624" y="4509120"/>
+            <a:ext cx="7200800" cy="1656184"/>
+          </a:xfrm>
+          <a:prstGeom prst="rect">
+            <a:avLst/>
+          </a:prstGeom>
+          <a:noFill/>
+          <a:ln>
+            <a:solidFill>
+              <a:schemeClr val="tx1"/>
+            </a:solidFill>
+          </a:ln>
+        </p:spPr>
+        <p:txBody>
+          <a:bodyPr wrap="square" rtlCol="0">
+            <a:spAutoFit/>
+          </a:bodyPr>
+          <a:lstStyle/>
+          <a:p>
+            <a:endParaRPr kumimoji="1" lang="ja-JP" altLang="en-US" dirty="0"/>
+          </a:p>
+        </p:txBody>
+      </p:sp>
+      <p:sp>
+        <p:nvSpPr>
+          <p:cNvPr id="4" name="テキスト ボックス 3"/>
+          <p:cNvSpPr txBox="1"/>
+          <p:nvPr/>
+        </p:nvSpPr>
+        <p:spPr>
+          <a:xfrm>
+            <a:off x="1187624" y="2276872"/>
+            <a:ext cx="7200800" cy="1656184"/>
+          </a:xfrm>
+          <a:prstGeom prst="rect">
+            <a:avLst/>
+          </a:prstGeom>
+          <a:noFill/>
+          <a:ln>
+            <a:solidFill>
+              <a:schemeClr val="tx1"/>
+            </a:solidFill>
+          </a:ln>
+        </p:spPr>
+        <p:txBody>
+          <a:bodyPr wrap="square" rtlCol="0">
+            <a:spAutoFit/>
+          </a:bodyPr>
+          <a:lstStyle/>
+          <a:p>
+            <a:endParaRPr kumimoji="1" lang="ja-JP" altLang="en-US" dirty="0"/>
+          </a:p>
+        </p:txBody>
+      </p:sp>
+      <p:sp>
+        <p:nvSpPr>
           <p:cNvPr id="12" name="タイトル 1"/>
           <p:cNvSpPr>
             <a:spLocks noGrp="1"/>
@@ -10221,7 +10175,7 @@
                 <a:ea typeface="メイリオ" panose="020B0604030504040204" pitchFamily="50" charset="-128"/>
                 <a:cs typeface="メイリオ" panose="020B0604030504040204" pitchFamily="50" charset="-128"/>
               </a:rPr>
-              <a:t>総合的に</a:t>
+              <a:t>普通のエディタとの差を知る</a:t>
             </a:r>
             <a:endParaRPr kumimoji="1" lang="ja-JP" altLang="en-US" dirty="0">
               <a:latin typeface="メイリオ" panose="020B0604030504040204" pitchFamily="50" charset="-128"/>
@@ -10244,7 +10198,7 @@
         <p:spPr>
           <a:xfrm>
             <a:off x="1115616" y="1124744"/>
-            <a:ext cx="7818072" cy="5733256"/>
+            <a:ext cx="7818072" cy="5544616"/>
           </a:xfrm>
         </p:spPr>
         <p:txBody>
@@ -10256,6 +10210,30 @@
             <a:pPr marL="82296" indent="0">
               <a:buNone/>
             </a:pPr>
+            <a:r>
+              <a:rPr lang="ja-JP" altLang="en-US" dirty="0">
+                <a:latin typeface="Inconsolata" panose="020B0609030003000000" pitchFamily="49" charset="0"/>
+                <a:ea typeface="メイリオ" panose="020B0604030504040204" pitchFamily="50" charset="-128"/>
+                <a:cs typeface="メイリオ" panose="020B0604030504040204" pitchFamily="50" charset="-128"/>
+              </a:rPr>
+              <a:t>■</a:t>
+            </a:r>
+            <a:r>
+              <a:rPr lang="ja-JP" altLang="en-US" b="1" dirty="0" smtClean="0">
+                <a:latin typeface="Inconsolata" panose="020B0609030003000000" pitchFamily="49" charset="0"/>
+                <a:ea typeface="メイリオ" panose="020B0604030504040204" pitchFamily="50" charset="-128"/>
+                <a:cs typeface="メイリオ" panose="020B0604030504040204" pitchFamily="50" charset="-128"/>
+              </a:rPr>
+              <a:t>ここまで学んだことの組み合わせ</a:t>
+            </a:r>
+            <a:r>
+              <a:rPr lang="ja-JP" altLang="en-US" dirty="0" smtClean="0">
+                <a:latin typeface="Inconsolata" panose="020B0609030003000000" pitchFamily="49" charset="0"/>
+                <a:ea typeface="メイリオ" panose="020B0604030504040204" pitchFamily="50" charset="-128"/>
+                <a:cs typeface="メイリオ" panose="020B0604030504040204" pitchFamily="50" charset="-128"/>
+              </a:rPr>
+              <a:t>で</a:t>
+            </a:r>
             <a:endParaRPr lang="en-US" altLang="ja-JP" dirty="0">
               <a:latin typeface="Inconsolata" panose="020B0609030003000000" pitchFamily="49" charset="0"/>
               <a:ea typeface="メイリオ" panose="020B0604030504040204" pitchFamily="50" charset="-128"/>
@@ -10272,7 +10250,7 @@
                 <a:ea typeface="メイリオ" panose="020B0604030504040204" pitchFamily="50" charset="-128"/>
                 <a:cs typeface="メイリオ" panose="020B0604030504040204" pitchFamily="50" charset="-128"/>
               </a:rPr>
-              <a:t>この操作どうやってやる？</a:t>
+              <a:t>もっと便利に使える</a:t>
             </a:r>
             <a:endParaRPr lang="en-US" altLang="ja-JP" dirty="0" smtClean="0">
               <a:latin typeface="Inconsolata" panose="020B0609030003000000" pitchFamily="49" charset="0"/>
@@ -10290,7 +10268,15 @@
                 <a:ea typeface="メイリオ" panose="020B0604030504040204" pitchFamily="50" charset="-128"/>
                 <a:cs typeface="メイリオ" panose="020B0604030504040204" pitchFamily="50" charset="-128"/>
               </a:rPr>
-              <a:t>↓</a:t>
+              <a:t>ｙ＝ヤンク</a:t>
+            </a:r>
+            <a:r>
+              <a:rPr lang="ja-JP" altLang="en-US" dirty="0" smtClean="0">
+                <a:latin typeface="Inconsolata" panose="020B0609030003000000" pitchFamily="49" charset="0"/>
+                <a:ea typeface="メイリオ" panose="020B0604030504040204" pitchFamily="50" charset="-128"/>
+                <a:cs typeface="メイリオ" panose="020B0604030504040204" pitchFamily="50" charset="-128"/>
+              </a:rPr>
+              <a:t>（コピー）</a:t>
             </a:r>
             <a:endParaRPr lang="en-US" altLang="ja-JP" dirty="0" smtClean="0">
               <a:latin typeface="Inconsolata" panose="020B0609030003000000" pitchFamily="49" charset="0"/>
@@ -10303,28 +10289,12 @@
               <a:buNone/>
             </a:pPr>
             <a:r>
-              <a:rPr lang="ja-JP" altLang="en-US" dirty="0">
+              <a:rPr lang="ja-JP" altLang="en-US" dirty="0" smtClean="0">
                 <a:latin typeface="Inconsolata" panose="020B0609030003000000" pitchFamily="49" charset="0"/>
                 <a:ea typeface="メイリオ" panose="020B0604030504040204" pitchFamily="50" charset="-128"/>
                 <a:cs typeface="メイリオ" panose="020B0604030504040204" pitchFamily="50" charset="-128"/>
               </a:rPr>
-              <a:t>お</a:t>
-            </a:r>
-            <a:r>
-              <a:rPr lang="ja-JP" altLang="en-US" dirty="0" smtClean="0">
-                <a:latin typeface="Inconsolata" panose="020B0609030003000000" pitchFamily="49" charset="0"/>
-                <a:ea typeface="メイリオ" panose="020B0604030504040204" pitchFamily="50" charset="-128"/>
-                <a:cs typeface="メイリオ" panose="020B0604030504040204" pitchFamily="50" charset="-128"/>
-              </a:rPr>
-              <a:t>、普通にできる</a:t>
-            </a:r>
-            <a:r>
-              <a:rPr lang="ja-JP" altLang="en-US" dirty="0" err="1" smtClean="0">
-                <a:latin typeface="Inconsolata" panose="020B0609030003000000" pitchFamily="49" charset="0"/>
-                <a:ea typeface="メイリオ" panose="020B0604030504040204" pitchFamily="50" charset="-128"/>
-                <a:cs typeface="メイリオ" panose="020B0604030504040204" pitchFamily="50" charset="-128"/>
-              </a:rPr>
-              <a:t>じゃん</a:t>
+              <a:t>ｄ＝削除</a:t>
             </a:r>
             <a:endParaRPr lang="en-US" altLang="ja-JP" dirty="0" smtClean="0">
               <a:latin typeface="Inconsolata" panose="020B0609030003000000" pitchFamily="49" charset="0"/>
@@ -10342,7 +10312,15 @@
                 <a:ea typeface="メイリオ" panose="020B0604030504040204" pitchFamily="50" charset="-128"/>
                 <a:cs typeface="メイリオ" panose="020B0604030504040204" pitchFamily="50" charset="-128"/>
               </a:rPr>
-              <a:t>↓</a:t>
+              <a:t>ｃ＝カット</a:t>
+            </a:r>
+            <a:r>
+              <a:rPr lang="ja-JP" altLang="en-US" dirty="0" smtClean="0">
+                <a:latin typeface="Inconsolata" panose="020B0609030003000000" pitchFamily="49" charset="0"/>
+                <a:ea typeface="メイリオ" panose="020B0604030504040204" pitchFamily="50" charset="-128"/>
+                <a:cs typeface="メイリオ" panose="020B0604030504040204" pitchFamily="50" charset="-128"/>
+              </a:rPr>
+              <a:t>（文字を削除し挿入モード）</a:t>
             </a:r>
             <a:endParaRPr lang="en-US" altLang="ja-JP" dirty="0" smtClean="0">
               <a:latin typeface="Inconsolata" panose="020B0609030003000000" pitchFamily="49" charset="0"/>
@@ -10351,24 +10329,34 @@
             </a:endParaRPr>
           </a:p>
           <a:p>
-            <a:pPr marL="82296" indent="0">
-              <a:buNone/>
-            </a:pPr>
-            <a:r>
-              <a:rPr lang="ja-JP" altLang="en-US" dirty="0" smtClean="0">
+            <a:pPr marL="82296" indent="0" algn="ctr">
+              <a:buNone/>
+            </a:pPr>
+            <a:r>
+              <a:rPr lang="ja-JP" altLang="en-US" b="1" dirty="0" smtClean="0">
                 <a:latin typeface="Inconsolata" panose="020B0609030003000000" pitchFamily="49" charset="0"/>
                 <a:ea typeface="メイリオ" panose="020B0604030504040204" pitchFamily="50" charset="-128"/>
                 <a:cs typeface="メイリオ" panose="020B0604030504040204" pitchFamily="50" charset="-128"/>
               </a:rPr>
-              <a:t>むしろ便利な仕様が</a:t>
-            </a:r>
-            <a:r>
-              <a:rPr lang="ja-JP" altLang="en-US" dirty="0">
+              <a:t>＋</a:t>
+            </a:r>
+            <a:endParaRPr lang="en-US" altLang="ja-JP" b="1" dirty="0" smtClean="0">
+              <a:latin typeface="Inconsolata" panose="020B0609030003000000" pitchFamily="49" charset="0"/>
+              <a:ea typeface="メイリオ" panose="020B0604030504040204" pitchFamily="50" charset="-128"/>
+              <a:cs typeface="メイリオ" panose="020B0604030504040204" pitchFamily="50" charset="-128"/>
+            </a:endParaRPr>
+          </a:p>
+          <a:p>
+            <a:pPr marL="82296" indent="0">
+              <a:buNone/>
+            </a:pPr>
+            <a:r>
+              <a:rPr lang="ja-JP" altLang="en-US" dirty="0" smtClean="0">
                 <a:latin typeface="Inconsolata" panose="020B0609030003000000" pitchFamily="49" charset="0"/>
                 <a:ea typeface="メイリオ" panose="020B0604030504040204" pitchFamily="50" charset="-128"/>
                 <a:cs typeface="メイリオ" panose="020B0604030504040204" pitchFamily="50" charset="-128"/>
               </a:rPr>
-              <a:t>あ</a:t>
+              <a:t>ｗ＝単語</a:t>
             </a:r>
             <a:r>
               <a:rPr lang="ja-JP" altLang="en-US" dirty="0" smtClean="0">
@@ -10376,7 +10364,7 @@
                 <a:ea typeface="メイリオ" panose="020B0604030504040204" pitchFamily="50" charset="-128"/>
                 <a:cs typeface="メイリオ" panose="020B0604030504040204" pitchFamily="50" charset="-128"/>
               </a:rPr>
-              <a:t>ったりする</a:t>
+              <a:t>単位に移動</a:t>
             </a:r>
             <a:endParaRPr lang="en-US" altLang="ja-JP" dirty="0" smtClean="0">
               <a:latin typeface="Inconsolata" panose="020B0609030003000000" pitchFamily="49" charset="0"/>
@@ -10394,7 +10382,23 @@
                 <a:ea typeface="メイリオ" panose="020B0604030504040204" pitchFamily="50" charset="-128"/>
                 <a:cs typeface="メイリオ" panose="020B0604030504040204" pitchFamily="50" charset="-128"/>
               </a:rPr>
-              <a:t>↓</a:t>
+              <a:t>０、</a:t>
+            </a:r>
+            <a:r>
+              <a:rPr lang="ja-JP" altLang="en-US" dirty="0" smtClean="0">
+                <a:latin typeface="Inconsolata" panose="020B0609030003000000" pitchFamily="49" charset="0"/>
+                <a:ea typeface="メイリオ" panose="020B0604030504040204" pitchFamily="50" charset="-128"/>
+                <a:cs typeface="メイリオ" panose="020B0604030504040204" pitchFamily="50" charset="-128"/>
+              </a:rPr>
+              <a:t>＾＝行頭</a:t>
+            </a:r>
+            <a:r>
+              <a:rPr lang="ja-JP" altLang="en-US" dirty="0" smtClean="0">
+                <a:latin typeface="Inconsolata" panose="020B0609030003000000" pitchFamily="49" charset="0"/>
+                <a:ea typeface="メイリオ" panose="020B0604030504040204" pitchFamily="50" charset="-128"/>
+                <a:cs typeface="メイリオ" panose="020B0604030504040204" pitchFamily="50" charset="-128"/>
+              </a:rPr>
+              <a:t>、行末へ移動</a:t>
             </a:r>
             <a:endParaRPr lang="en-US" altLang="ja-JP" dirty="0" smtClean="0">
               <a:latin typeface="Inconsolata" panose="020B0609030003000000" pitchFamily="49" charset="0"/>
@@ -10407,57 +10411,12 @@
               <a:buNone/>
             </a:pPr>
             <a:r>
-              <a:rPr lang="en-US" altLang="ja-JP" b="1" dirty="0" smtClean="0">
-                <a:solidFill>
-                  <a:srgbClr val="FF0000"/>
-                </a:solidFill>
-                <a:latin typeface="メイリオ" panose="020B0604030504040204" pitchFamily="50" charset="-128"/>
-                <a:ea typeface="メイリオ" panose="020B0604030504040204" pitchFamily="50" charset="-128"/>
-                <a:cs typeface="メイリオ" panose="020B0604030504040204" pitchFamily="50" charset="-128"/>
-              </a:rPr>
-              <a:t>Vim</a:t>
-            </a:r>
-            <a:r>
-              <a:rPr lang="ja-JP" altLang="en-US" b="1" dirty="0" smtClean="0">
-                <a:solidFill>
-                  <a:srgbClr val="FF0000"/>
-                </a:solidFill>
-                <a:latin typeface="メイリオ" panose="020B0604030504040204" pitchFamily="50" charset="-128"/>
-                <a:ea typeface="メイリオ" panose="020B0604030504040204" pitchFamily="50" charset="-128"/>
-                <a:cs typeface="メイリオ" panose="020B0604030504040204" pitchFamily="50" charset="-128"/>
-              </a:rPr>
-              <a:t>すげえ！</a:t>
-            </a:r>
-            <a:endParaRPr lang="en-US" altLang="ja-JP" b="1" dirty="0">
-              <a:solidFill>
-                <a:srgbClr val="FF0000"/>
-              </a:solidFill>
-              <a:latin typeface="メイリオ" panose="020B0604030504040204" pitchFamily="50" charset="-128"/>
-              <a:ea typeface="メイリオ" panose="020B0604030504040204" pitchFamily="50" charset="-128"/>
-              <a:cs typeface="メイリオ" panose="020B0604030504040204" pitchFamily="50" charset="-128"/>
-            </a:endParaRPr>
-          </a:p>
-          <a:p>
-            <a:pPr marL="82296" indent="0">
-              <a:buNone/>
-            </a:pPr>
-            <a:endParaRPr lang="en-US" altLang="ja-JP" dirty="0" smtClean="0">
-              <a:latin typeface="Inconsolata" panose="020B0609030003000000" pitchFamily="49" charset="0"/>
-              <a:ea typeface="メイリオ" panose="020B0604030504040204" pitchFamily="50" charset="-128"/>
-              <a:cs typeface="メイリオ" panose="020B0604030504040204" pitchFamily="50" charset="-128"/>
-            </a:endParaRPr>
-          </a:p>
-          <a:p>
-            <a:pPr marL="82296" indent="0">
-              <a:buNone/>
-            </a:pPr>
-            <a:r>
-              <a:rPr lang="ja-JP" altLang="en-US" dirty="0">
+              <a:rPr lang="ja-JP" altLang="en-US" dirty="0" smtClean="0">
                 <a:latin typeface="Inconsolata" panose="020B0609030003000000" pitchFamily="49" charset="0"/>
                 <a:ea typeface="メイリオ" panose="020B0604030504040204" pitchFamily="50" charset="-128"/>
                 <a:cs typeface="メイリオ" panose="020B0604030504040204" pitchFamily="50" charset="-128"/>
               </a:rPr>
-              <a:t>・・</a:t>
+              <a:t>ｆ＜単語</a:t>
             </a:r>
             <a:r>
               <a:rPr lang="ja-JP" altLang="en-US" dirty="0" smtClean="0">
@@ -10465,7 +10424,15 @@
                 <a:ea typeface="メイリオ" panose="020B0604030504040204" pitchFamily="50" charset="-128"/>
                 <a:cs typeface="メイリオ" panose="020B0604030504040204" pitchFamily="50" charset="-128"/>
               </a:rPr>
-              <a:t>・の繰り返しで楽しかったです。</a:t>
+              <a:t>＞＝＜</a:t>
+            </a:r>
+            <a:r>
+              <a:rPr lang="ja-JP" altLang="en-US" dirty="0" smtClean="0">
+                <a:latin typeface="Inconsolata" panose="020B0609030003000000" pitchFamily="49" charset="0"/>
+                <a:ea typeface="メイリオ" panose="020B0604030504040204" pitchFamily="50" charset="-128"/>
+                <a:cs typeface="メイリオ" panose="020B0604030504040204" pitchFamily="50" charset="-128"/>
+              </a:rPr>
+              <a:t>単語＞へ移動</a:t>
             </a:r>
             <a:endParaRPr lang="en-US" altLang="ja-JP" dirty="0" smtClean="0">
               <a:latin typeface="Inconsolata" panose="020B0609030003000000" pitchFamily="49" charset="0"/>
@@ -10478,7 +10445,7 @@
     </p:spTree>
     <p:extLst>
       <p:ext uri="{BB962C8B-B14F-4D97-AF65-F5344CB8AC3E}">
-        <p14:creationId xmlns:p14="http://schemas.microsoft.com/office/powerpoint/2010/main" val="3928846750"/>
+        <p14:creationId xmlns:p14="http://schemas.microsoft.com/office/powerpoint/2010/main" val="3265229140"/>
       </p:ext>
     </p:extLst>
   </p:cSld>
@@ -10764,104 +10731,23 @@
               <a:buNone/>
             </a:pPr>
             <a:r>
-              <a:rPr lang="ja-JP" altLang="en-US" dirty="0" smtClean="0">
+              <a:rPr lang="ja-JP" altLang="en-US" dirty="0">
                 <a:latin typeface="Inconsolata" panose="020B0609030003000000" pitchFamily="49" charset="0"/>
                 <a:ea typeface="メイリオ" panose="020B0604030504040204" pitchFamily="50" charset="-128"/>
                 <a:cs typeface="メイリオ" panose="020B0604030504040204" pitchFamily="50" charset="-128"/>
               </a:rPr>
-              <a:t>学びの良サイクル！</a:t>
+              <a:t>・・</a:t>
+            </a:r>
+            <a:r>
+              <a:rPr lang="ja-JP" altLang="en-US" dirty="0" smtClean="0">
+                <a:latin typeface="Inconsolata" panose="020B0609030003000000" pitchFamily="49" charset="0"/>
+                <a:ea typeface="メイリオ" panose="020B0604030504040204" pitchFamily="50" charset="-128"/>
+                <a:cs typeface="メイリオ" panose="020B0604030504040204" pitchFamily="50" charset="-128"/>
+              </a:rPr>
+              <a:t>・の繰り返しで楽しかったです。</a:t>
             </a:r>
             <a:endParaRPr lang="en-US" altLang="ja-JP" dirty="0" smtClean="0">
               <a:latin typeface="Inconsolata" panose="020B0609030003000000" pitchFamily="49" charset="0"/>
-              <a:ea typeface="メイリオ" panose="020B0604030504040204" pitchFamily="50" charset="-128"/>
-              <a:cs typeface="メイリオ" panose="020B0604030504040204" pitchFamily="50" charset="-128"/>
-            </a:endParaRPr>
-          </a:p>
-        </p:txBody>
-      </p:sp>
-      <p:sp>
-        <p:nvSpPr>
-          <p:cNvPr id="2" name="左カーブ矢印 1"/>
-          <p:cNvSpPr/>
-          <p:nvPr/>
-        </p:nvSpPr>
-        <p:spPr>
-          <a:xfrm flipV="1">
-            <a:off x="6156176" y="1844824"/>
-            <a:ext cx="1404156" cy="3600400"/>
-          </a:xfrm>
-          <a:prstGeom prst="curvedLeftArrow">
-            <a:avLst/>
-          </a:prstGeom>
-        </p:spPr>
-        <p:style>
-          <a:lnRef idx="2">
-            <a:schemeClr val="accent1">
-              <a:shade val="50000"/>
-            </a:schemeClr>
-          </a:lnRef>
-          <a:fillRef idx="1">
-            <a:schemeClr val="accent1"/>
-          </a:fillRef>
-          <a:effectRef idx="0">
-            <a:schemeClr val="accent1"/>
-          </a:effectRef>
-          <a:fontRef idx="minor">
-            <a:schemeClr val="lt1"/>
-          </a:fontRef>
-        </p:style>
-        <p:txBody>
-          <a:bodyPr rtlCol="0" anchor="ctr"/>
-          <a:lstStyle/>
-          <a:p>
-            <a:pPr algn="ctr"/>
-            <a:endParaRPr kumimoji="1" lang="ja-JP" altLang="en-US">
-              <a:solidFill>
-                <a:schemeClr val="tx1"/>
-              </a:solidFill>
-            </a:endParaRPr>
-          </a:p>
-        </p:txBody>
-      </p:sp>
-      <p:sp>
-        <p:nvSpPr>
-          <p:cNvPr id="3" name="テキスト ボックス 2"/>
-          <p:cNvSpPr txBox="1"/>
-          <p:nvPr/>
-        </p:nvSpPr>
-        <p:spPr>
-          <a:xfrm>
-            <a:off x="4427984" y="5260558"/>
-            <a:ext cx="4572000" cy="523220"/>
-          </a:xfrm>
-          <a:prstGeom prst="rect">
-            <a:avLst/>
-          </a:prstGeom>
-          <a:solidFill>
-            <a:schemeClr val="bg1"/>
-          </a:solidFill>
-          <a:ln w="15875">
-            <a:solidFill>
-              <a:schemeClr val="accent1"/>
-            </a:solidFill>
-          </a:ln>
-        </p:spPr>
-        <p:txBody>
-          <a:bodyPr wrap="square" rtlCol="0">
-            <a:spAutoFit/>
-          </a:bodyPr>
-          <a:lstStyle/>
-          <a:p>
-            <a:r>
-              <a:rPr kumimoji="1" lang="ja-JP" altLang="en-US" sz="2800" b="1" dirty="0" smtClean="0">
-                <a:latin typeface="メイリオ" panose="020B0604030504040204" pitchFamily="50" charset="-128"/>
-                <a:ea typeface="メイリオ" panose="020B0604030504040204" pitchFamily="50" charset="-128"/>
-                <a:cs typeface="メイリオ" panose="020B0604030504040204" pitchFamily="50" charset="-128"/>
-              </a:rPr>
-              <a:t>もうちょっと触ってみよう</a:t>
-            </a:r>
-            <a:endParaRPr kumimoji="1" lang="ja-JP" altLang="en-US" sz="2800" b="1" dirty="0">
-              <a:latin typeface="メイリオ" panose="020B0604030504040204" pitchFamily="50" charset="-128"/>
               <a:ea typeface="メイリオ" panose="020B0604030504040204" pitchFamily="50" charset="-128"/>
               <a:cs typeface="メイリオ" panose="020B0604030504040204" pitchFamily="50" charset="-128"/>
             </a:endParaRPr>
@@ -10871,7 +10757,7 @@
     </p:spTree>
     <p:extLst>
       <p:ext uri="{BB962C8B-B14F-4D97-AF65-F5344CB8AC3E}">
-        <p14:creationId xmlns:p14="http://schemas.microsoft.com/office/powerpoint/2010/main" val="3028709417"/>
+        <p14:creationId xmlns:p14="http://schemas.microsoft.com/office/powerpoint/2010/main" val="3928846750"/>
       </p:ext>
     </p:extLst>
   </p:cSld>
@@ -11117,7 +11003,7 @@
                 <a:ea typeface="メイリオ" panose="020B0604030504040204" pitchFamily="50" charset="-128"/>
                 <a:cs typeface="メイリオ" panose="020B0604030504040204" pitchFamily="50" charset="-128"/>
               </a:rPr>
-              <a:t>補遺</a:t>
+              <a:t>総合的に</a:t>
             </a:r>
             <a:endParaRPr kumimoji="1" lang="ja-JP" altLang="en-US" dirty="0">
               <a:latin typeface="メイリオ" panose="020B0604030504040204" pitchFamily="50" charset="-128"/>
@@ -11140,7 +11026,7 @@
         <p:spPr>
           <a:xfrm>
             <a:off x="1115616" y="1124744"/>
-            <a:ext cx="7818072" cy="5544616"/>
+            <a:ext cx="7818072" cy="5733256"/>
           </a:xfrm>
         </p:spPr>
         <p:txBody>
@@ -11168,18 +11054,8 @@
                 <a:ea typeface="メイリオ" panose="020B0604030504040204" pitchFamily="50" charset="-128"/>
                 <a:cs typeface="メイリオ" panose="020B0604030504040204" pitchFamily="50" charset="-128"/>
               </a:rPr>
-              <a:t>カスタマイズもいろいろできます</a:t>
-            </a:r>
-            <a:endParaRPr lang="en-US" altLang="ja-JP" dirty="0">
-              <a:latin typeface="Inconsolata" panose="020B0609030003000000" pitchFamily="49" charset="0"/>
-              <a:ea typeface="メイリオ" panose="020B0604030504040204" pitchFamily="50" charset="-128"/>
-              <a:cs typeface="メイリオ" panose="020B0604030504040204" pitchFamily="50" charset="-128"/>
-            </a:endParaRPr>
-          </a:p>
-          <a:p>
-            <a:pPr marL="82296" indent="0">
-              <a:buNone/>
-            </a:pPr>
+              <a:t>この操作どうやってやる？</a:t>
+            </a:r>
             <a:endParaRPr lang="en-US" altLang="ja-JP" dirty="0" smtClean="0">
               <a:latin typeface="Inconsolata" panose="020B0609030003000000" pitchFamily="49" charset="0"/>
               <a:ea typeface="メイリオ" panose="020B0604030504040204" pitchFamily="50" charset="-128"/>
@@ -11191,40 +11067,48 @@
               <a:buNone/>
             </a:pPr>
             <a:r>
-              <a:rPr lang="en-US" altLang="ja-JP" dirty="0" smtClean="0">
-                <a:latin typeface="メイリオ" panose="020B0604030504040204" pitchFamily="50" charset="-128"/>
-                <a:ea typeface="メイリオ" panose="020B0604030504040204" pitchFamily="50" charset="-128"/>
-                <a:cs typeface="メイリオ" panose="020B0604030504040204" pitchFamily="50" charset="-128"/>
-              </a:rPr>
-              <a:t>~/.</a:t>
-            </a:r>
-            <a:r>
-              <a:rPr lang="en-US" altLang="ja-JP" dirty="0" err="1" smtClean="0">
-                <a:latin typeface="メイリオ" panose="020B0604030504040204" pitchFamily="50" charset="-128"/>
-                <a:ea typeface="メイリオ" panose="020B0604030504040204" pitchFamily="50" charset="-128"/>
-                <a:cs typeface="メイリオ" panose="020B0604030504040204" pitchFamily="50" charset="-128"/>
-              </a:rPr>
-              <a:t>vimrc</a:t>
+              <a:rPr lang="ja-JP" altLang="en-US" dirty="0" smtClean="0">
+                <a:latin typeface="Inconsolata" panose="020B0609030003000000" pitchFamily="49" charset="0"/>
+                <a:ea typeface="メイリオ" panose="020B0604030504040204" pitchFamily="50" charset="-128"/>
+                <a:cs typeface="メイリオ" panose="020B0604030504040204" pitchFamily="50" charset="-128"/>
+              </a:rPr>
+              <a:t>↓</a:t>
             </a:r>
             <a:endParaRPr lang="en-US" altLang="ja-JP" dirty="0" smtClean="0">
-              <a:latin typeface="メイリオ" panose="020B0604030504040204" pitchFamily="50" charset="-128"/>
-              <a:ea typeface="メイリオ" panose="020B0604030504040204" pitchFamily="50" charset="-128"/>
-              <a:cs typeface="メイリオ" panose="020B0604030504040204" pitchFamily="50" charset="-128"/>
-            </a:endParaRPr>
-          </a:p>
-          <a:p>
-            <a:pPr marL="82296" indent="0">
-              <a:buNone/>
-            </a:pPr>
-            <a:r>
-              <a:rPr lang="ja-JP" altLang="en-US" dirty="0" smtClean="0">
+              <a:latin typeface="Inconsolata" panose="020B0609030003000000" pitchFamily="49" charset="0"/>
+              <a:ea typeface="メイリオ" panose="020B0604030504040204" pitchFamily="50" charset="-128"/>
+              <a:cs typeface="メイリオ" panose="020B0604030504040204" pitchFamily="50" charset="-128"/>
+            </a:endParaRPr>
+          </a:p>
+          <a:p>
+            <a:pPr marL="82296" indent="0">
+              <a:buNone/>
+            </a:pPr>
+            <a:r>
+              <a:rPr lang="ja-JP" altLang="en-US" dirty="0">
                 <a:latin typeface="Inconsolata" panose="020B0609030003000000" pitchFamily="49" charset="0"/>
                 <a:ea typeface="メイリオ" panose="020B0604030504040204" pitchFamily="50" charset="-128"/>
                 <a:cs typeface="メイリオ" panose="020B0604030504040204" pitchFamily="50" charset="-128"/>
               </a:rPr>
-              <a:t>ネットで出てくるものをコピペするだけでそれなりに形に。</a:t>
-            </a:r>
-            <a:endParaRPr lang="en-US" altLang="ja-JP" dirty="0">
+              <a:t>お</a:t>
+            </a:r>
+            <a:r>
+              <a:rPr lang="ja-JP" altLang="en-US" dirty="0" smtClean="0">
+                <a:latin typeface="Inconsolata" panose="020B0609030003000000" pitchFamily="49" charset="0"/>
+                <a:ea typeface="メイリオ" panose="020B0604030504040204" pitchFamily="50" charset="-128"/>
+                <a:cs typeface="メイリオ" panose="020B0604030504040204" pitchFamily="50" charset="-128"/>
+              </a:rPr>
+              <a:t>、普通にできる</a:t>
+            </a:r>
+            <a:r>
+              <a:rPr lang="ja-JP" altLang="en-US" dirty="0" err="1" smtClean="0">
+                <a:latin typeface="Inconsolata" panose="020B0609030003000000" pitchFamily="49" charset="0"/>
+                <a:ea typeface="メイリオ" panose="020B0604030504040204" pitchFamily="50" charset="-128"/>
+                <a:cs typeface="メイリオ" panose="020B0604030504040204" pitchFamily="50" charset="-128"/>
+              </a:rPr>
+              <a:t>じゃん</a:t>
+            </a:r>
+            <a:endParaRPr lang="en-US" altLang="ja-JP" dirty="0" smtClean="0">
               <a:latin typeface="Inconsolata" panose="020B0609030003000000" pitchFamily="49" charset="0"/>
               <a:ea typeface="メイリオ" panose="020B0604030504040204" pitchFamily="50" charset="-128"/>
               <a:cs typeface="メイリオ" panose="020B0604030504040204" pitchFamily="50" charset="-128"/>
@@ -11234,8 +11118,220 @@
             <a:pPr marL="82296" indent="0">
               <a:buNone/>
             </a:pPr>
-            <a:endParaRPr lang="ja-JP" altLang="en-US" dirty="0">
+            <a:r>
+              <a:rPr lang="ja-JP" altLang="en-US" dirty="0" smtClean="0">
+                <a:latin typeface="Inconsolata" panose="020B0609030003000000" pitchFamily="49" charset="0"/>
+                <a:ea typeface="メイリオ" panose="020B0604030504040204" pitchFamily="50" charset="-128"/>
+                <a:cs typeface="メイリオ" panose="020B0604030504040204" pitchFamily="50" charset="-128"/>
+              </a:rPr>
+              <a:t>↓</a:t>
+            </a:r>
+            <a:endParaRPr lang="en-US" altLang="ja-JP" dirty="0" smtClean="0">
               <a:latin typeface="Inconsolata" panose="020B0609030003000000" pitchFamily="49" charset="0"/>
+              <a:ea typeface="メイリオ" panose="020B0604030504040204" pitchFamily="50" charset="-128"/>
+              <a:cs typeface="メイリオ" panose="020B0604030504040204" pitchFamily="50" charset="-128"/>
+            </a:endParaRPr>
+          </a:p>
+          <a:p>
+            <a:pPr marL="82296" indent="0">
+              <a:buNone/>
+            </a:pPr>
+            <a:r>
+              <a:rPr lang="ja-JP" altLang="en-US" dirty="0" smtClean="0">
+                <a:latin typeface="Inconsolata" panose="020B0609030003000000" pitchFamily="49" charset="0"/>
+                <a:ea typeface="メイリオ" panose="020B0604030504040204" pitchFamily="50" charset="-128"/>
+                <a:cs typeface="メイリオ" panose="020B0604030504040204" pitchFamily="50" charset="-128"/>
+              </a:rPr>
+              <a:t>むしろ便利な仕様が</a:t>
+            </a:r>
+            <a:r>
+              <a:rPr lang="ja-JP" altLang="en-US" dirty="0">
+                <a:latin typeface="Inconsolata" panose="020B0609030003000000" pitchFamily="49" charset="0"/>
+                <a:ea typeface="メイリオ" panose="020B0604030504040204" pitchFamily="50" charset="-128"/>
+                <a:cs typeface="メイリオ" panose="020B0604030504040204" pitchFamily="50" charset="-128"/>
+              </a:rPr>
+              <a:t>あ</a:t>
+            </a:r>
+            <a:r>
+              <a:rPr lang="ja-JP" altLang="en-US" dirty="0" smtClean="0">
+                <a:latin typeface="Inconsolata" panose="020B0609030003000000" pitchFamily="49" charset="0"/>
+                <a:ea typeface="メイリオ" panose="020B0604030504040204" pitchFamily="50" charset="-128"/>
+                <a:cs typeface="メイリオ" panose="020B0604030504040204" pitchFamily="50" charset="-128"/>
+              </a:rPr>
+              <a:t>ったりする</a:t>
+            </a:r>
+            <a:endParaRPr lang="en-US" altLang="ja-JP" dirty="0" smtClean="0">
+              <a:latin typeface="Inconsolata" panose="020B0609030003000000" pitchFamily="49" charset="0"/>
+              <a:ea typeface="メイリオ" panose="020B0604030504040204" pitchFamily="50" charset="-128"/>
+              <a:cs typeface="メイリオ" panose="020B0604030504040204" pitchFamily="50" charset="-128"/>
+            </a:endParaRPr>
+          </a:p>
+          <a:p>
+            <a:pPr marL="82296" indent="0">
+              <a:buNone/>
+            </a:pPr>
+            <a:r>
+              <a:rPr lang="ja-JP" altLang="en-US" dirty="0" smtClean="0">
+                <a:latin typeface="Inconsolata" panose="020B0609030003000000" pitchFamily="49" charset="0"/>
+                <a:ea typeface="メイリオ" panose="020B0604030504040204" pitchFamily="50" charset="-128"/>
+                <a:cs typeface="メイリオ" panose="020B0604030504040204" pitchFamily="50" charset="-128"/>
+              </a:rPr>
+              <a:t>↓</a:t>
+            </a:r>
+            <a:endParaRPr lang="en-US" altLang="ja-JP" dirty="0" smtClean="0">
+              <a:latin typeface="Inconsolata" panose="020B0609030003000000" pitchFamily="49" charset="0"/>
+              <a:ea typeface="メイリオ" panose="020B0604030504040204" pitchFamily="50" charset="-128"/>
+              <a:cs typeface="メイリオ" panose="020B0604030504040204" pitchFamily="50" charset="-128"/>
+            </a:endParaRPr>
+          </a:p>
+          <a:p>
+            <a:pPr marL="82296" indent="0">
+              <a:buNone/>
+            </a:pPr>
+            <a:r>
+              <a:rPr lang="en-US" altLang="ja-JP" b="1" dirty="0" smtClean="0">
+                <a:solidFill>
+                  <a:srgbClr val="FF0000"/>
+                </a:solidFill>
+                <a:latin typeface="メイリオ" panose="020B0604030504040204" pitchFamily="50" charset="-128"/>
+                <a:ea typeface="メイリオ" panose="020B0604030504040204" pitchFamily="50" charset="-128"/>
+                <a:cs typeface="メイリオ" panose="020B0604030504040204" pitchFamily="50" charset="-128"/>
+              </a:rPr>
+              <a:t>Vim</a:t>
+            </a:r>
+            <a:r>
+              <a:rPr lang="ja-JP" altLang="en-US" b="1" dirty="0" smtClean="0">
+                <a:solidFill>
+                  <a:srgbClr val="FF0000"/>
+                </a:solidFill>
+                <a:latin typeface="メイリオ" panose="020B0604030504040204" pitchFamily="50" charset="-128"/>
+                <a:ea typeface="メイリオ" panose="020B0604030504040204" pitchFamily="50" charset="-128"/>
+                <a:cs typeface="メイリオ" panose="020B0604030504040204" pitchFamily="50" charset="-128"/>
+              </a:rPr>
+              <a:t>すげえ！</a:t>
+            </a:r>
+            <a:endParaRPr lang="en-US" altLang="ja-JP" b="1" dirty="0">
+              <a:solidFill>
+                <a:srgbClr val="FF0000"/>
+              </a:solidFill>
+              <a:latin typeface="メイリオ" panose="020B0604030504040204" pitchFamily="50" charset="-128"/>
+              <a:ea typeface="メイリオ" panose="020B0604030504040204" pitchFamily="50" charset="-128"/>
+              <a:cs typeface="メイリオ" panose="020B0604030504040204" pitchFamily="50" charset="-128"/>
+            </a:endParaRPr>
+          </a:p>
+          <a:p>
+            <a:pPr marL="82296" indent="0">
+              <a:buNone/>
+            </a:pPr>
+            <a:endParaRPr lang="en-US" altLang="ja-JP" dirty="0" smtClean="0">
+              <a:latin typeface="Inconsolata" panose="020B0609030003000000" pitchFamily="49" charset="0"/>
+              <a:ea typeface="メイリオ" panose="020B0604030504040204" pitchFamily="50" charset="-128"/>
+              <a:cs typeface="メイリオ" panose="020B0604030504040204" pitchFamily="50" charset="-128"/>
+            </a:endParaRPr>
+          </a:p>
+          <a:p>
+            <a:pPr marL="82296" indent="0">
+              <a:buNone/>
+            </a:pPr>
+            <a:r>
+              <a:rPr lang="ja-JP" altLang="en-US" dirty="0" smtClean="0">
+                <a:latin typeface="Inconsolata" panose="020B0609030003000000" pitchFamily="49" charset="0"/>
+                <a:ea typeface="メイリオ" panose="020B0604030504040204" pitchFamily="50" charset="-128"/>
+                <a:cs typeface="メイリオ" panose="020B0604030504040204" pitchFamily="50" charset="-128"/>
+              </a:rPr>
+              <a:t>学びの良サイクル！</a:t>
+            </a:r>
+            <a:endParaRPr lang="en-US" altLang="ja-JP" dirty="0" smtClean="0">
+              <a:latin typeface="Inconsolata" panose="020B0609030003000000" pitchFamily="49" charset="0"/>
+              <a:ea typeface="メイリオ" panose="020B0604030504040204" pitchFamily="50" charset="-128"/>
+              <a:cs typeface="メイリオ" panose="020B0604030504040204" pitchFamily="50" charset="-128"/>
+            </a:endParaRPr>
+          </a:p>
+        </p:txBody>
+      </p:sp>
+      <p:sp>
+        <p:nvSpPr>
+          <p:cNvPr id="2" name="左カーブ矢印 1"/>
+          <p:cNvSpPr/>
+          <p:nvPr/>
+        </p:nvSpPr>
+        <p:spPr>
+          <a:xfrm flipV="1">
+            <a:off x="6156176" y="1844824"/>
+            <a:ext cx="1404156" cy="3600400"/>
+          </a:xfrm>
+          <a:prstGeom prst="curvedLeftArrow">
+            <a:avLst/>
+          </a:prstGeom>
+        </p:spPr>
+        <p:style>
+          <a:lnRef idx="2">
+            <a:schemeClr val="accent1">
+              <a:shade val="50000"/>
+            </a:schemeClr>
+          </a:lnRef>
+          <a:fillRef idx="1">
+            <a:schemeClr val="accent1"/>
+          </a:fillRef>
+          <a:effectRef idx="0">
+            <a:schemeClr val="accent1"/>
+          </a:effectRef>
+          <a:fontRef idx="minor">
+            <a:schemeClr val="lt1"/>
+          </a:fontRef>
+        </p:style>
+        <p:txBody>
+          <a:bodyPr rtlCol="0" anchor="ctr"/>
+          <a:lstStyle/>
+          <a:p>
+            <a:pPr algn="ctr"/>
+            <a:endParaRPr kumimoji="1" lang="ja-JP" altLang="en-US">
+              <a:solidFill>
+                <a:schemeClr val="tx1"/>
+              </a:solidFill>
+            </a:endParaRPr>
+          </a:p>
+        </p:txBody>
+      </p:sp>
+      <p:sp>
+        <p:nvSpPr>
+          <p:cNvPr id="3" name="テキスト ボックス 2"/>
+          <p:cNvSpPr txBox="1"/>
+          <p:nvPr/>
+        </p:nvSpPr>
+        <p:spPr>
+          <a:xfrm>
+            <a:off x="4427984" y="5260558"/>
+            <a:ext cx="4572000" cy="523220"/>
+          </a:xfrm>
+          <a:prstGeom prst="rect">
+            <a:avLst/>
+          </a:prstGeom>
+          <a:solidFill>
+            <a:schemeClr val="bg1"/>
+          </a:solidFill>
+          <a:ln w="15875">
+            <a:solidFill>
+              <a:schemeClr val="accent1"/>
+            </a:solidFill>
+          </a:ln>
+        </p:spPr>
+        <p:txBody>
+          <a:bodyPr wrap="square" rtlCol="0">
+            <a:spAutoFit/>
+          </a:bodyPr>
+          <a:lstStyle/>
+          <a:p>
+            <a:r>
+              <a:rPr kumimoji="1" lang="ja-JP" altLang="en-US" sz="2800" b="1" dirty="0" smtClean="0">
+                <a:latin typeface="メイリオ" panose="020B0604030504040204" pitchFamily="50" charset="-128"/>
+                <a:ea typeface="メイリオ" panose="020B0604030504040204" pitchFamily="50" charset="-128"/>
+                <a:cs typeface="メイリオ" panose="020B0604030504040204" pitchFamily="50" charset="-128"/>
+              </a:rPr>
+              <a:t>もうちょっと触ってみよう</a:t>
+            </a:r>
+            <a:endParaRPr kumimoji="1" lang="ja-JP" altLang="en-US" sz="2800" b="1" dirty="0">
+              <a:latin typeface="メイリオ" panose="020B0604030504040204" pitchFamily="50" charset="-128"/>
               <a:ea typeface="メイリオ" panose="020B0604030504040204" pitchFamily="50" charset="-128"/>
               <a:cs typeface="メイリオ" panose="020B0604030504040204" pitchFamily="50" charset="-128"/>
             </a:endParaRPr>
@@ -11245,7 +11341,7 @@
     </p:spTree>
     <p:extLst>
       <p:ext uri="{BB962C8B-B14F-4D97-AF65-F5344CB8AC3E}">
-        <p14:creationId xmlns:p14="http://schemas.microsoft.com/office/powerpoint/2010/main" val="658206458"/>
+        <p14:creationId xmlns:p14="http://schemas.microsoft.com/office/powerpoint/2010/main" val="3028709417"/>
       </p:ext>
     </p:extLst>
   </p:cSld>
@@ -11281,7 +11377,7 @@
       </p:grpSpPr>
       <p:sp>
         <p:nvSpPr>
-          <p:cNvPr id="2" name="タイトル 1"/>
+          <p:cNvPr id="12" name="タイトル 1"/>
           <p:cNvSpPr>
             <a:spLocks noGrp="1"/>
           </p:cNvSpPr>
@@ -11300,7 +11396,7 @@
                 <a:ea typeface="メイリオ" panose="020B0604030504040204" pitchFamily="50" charset="-128"/>
                 <a:cs typeface="メイリオ" panose="020B0604030504040204" pitchFamily="50" charset="-128"/>
               </a:rPr>
-              <a:t>雑感</a:t>
+              <a:t>補遺</a:t>
             </a:r>
             <a:endParaRPr kumimoji="1" lang="ja-JP" altLang="en-US" dirty="0">
               <a:latin typeface="メイリオ" panose="020B0604030504040204" pitchFamily="50" charset="-128"/>
@@ -11312,7 +11408,7 @@
       </p:sp>
       <p:sp>
         <p:nvSpPr>
-          <p:cNvPr id="6" name="コンテンツ プレースホルダー 2"/>
+          <p:cNvPr id="13" name="コンテンツ プレースホルダー 2"/>
           <p:cNvSpPr>
             <a:spLocks noGrp="1"/>
           </p:cNvSpPr>
@@ -11322,37 +11418,73 @@
         </p:nvSpPr>
         <p:spPr>
           <a:xfrm>
-            <a:off x="1435608" y="1124743"/>
-            <a:ext cx="7498080" cy="5954929"/>
+            <a:off x="1115616" y="1124744"/>
+            <a:ext cx="7818072" cy="5544616"/>
           </a:xfrm>
         </p:spPr>
         <p:txBody>
           <a:bodyPr>
-            <a:normAutofit lnSpcReduction="10000"/>
+            <a:normAutofit/>
           </a:bodyPr>
           <a:lstStyle/>
           <a:p>
             <a:pPr marL="82296" indent="0">
               <a:buNone/>
             </a:pPr>
-            <a:r>
-              <a:rPr lang="ja-JP" altLang="en-US" dirty="0" smtClean="0">
-                <a:latin typeface="メイリオ" panose="020B0604030504040204" pitchFamily="50" charset="-128"/>
-                <a:ea typeface="メイリオ" panose="020B0604030504040204" pitchFamily="50" charset="-128"/>
-                <a:cs typeface="メイリオ" panose="020B0604030504040204" pitchFamily="50" charset="-128"/>
-              </a:rPr>
-              <a:t>・やっぱり最初はとっつきにくい</a:t>
-            </a:r>
+            <a:endParaRPr lang="en-US" altLang="ja-JP" dirty="0">
+              <a:latin typeface="Inconsolata" panose="020B0609030003000000" pitchFamily="49" charset="0"/>
+              <a:ea typeface="メイリオ" panose="020B0604030504040204" pitchFamily="50" charset="-128"/>
+              <a:cs typeface="メイリオ" panose="020B0604030504040204" pitchFamily="50" charset="-128"/>
+            </a:endParaRPr>
+          </a:p>
+          <a:p>
+            <a:pPr marL="82296" indent="0">
+              <a:buNone/>
+            </a:pPr>
+            <a:r>
+              <a:rPr lang="ja-JP" altLang="en-US" dirty="0" smtClean="0">
+                <a:latin typeface="Inconsolata" panose="020B0609030003000000" pitchFamily="49" charset="0"/>
+                <a:ea typeface="メイリオ" panose="020B0604030504040204" pitchFamily="50" charset="-128"/>
+                <a:cs typeface="メイリオ" panose="020B0604030504040204" pitchFamily="50" charset="-128"/>
+              </a:rPr>
+              <a:t>カスタマイズもいろいろできます</a:t>
+            </a:r>
+            <a:endParaRPr lang="en-US" altLang="ja-JP" dirty="0">
+              <a:latin typeface="Inconsolata" panose="020B0609030003000000" pitchFamily="49" charset="0"/>
+              <a:ea typeface="メイリオ" panose="020B0604030504040204" pitchFamily="50" charset="-128"/>
+              <a:cs typeface="メイリオ" panose="020B0604030504040204" pitchFamily="50" charset="-128"/>
+            </a:endParaRPr>
+          </a:p>
+          <a:p>
+            <a:pPr marL="82296" indent="0">
+              <a:buNone/>
+            </a:pPr>
             <a:endParaRPr lang="en-US" altLang="ja-JP" dirty="0" smtClean="0">
-              <a:latin typeface="メイリオ" panose="020B0604030504040204" pitchFamily="50" charset="-128"/>
-              <a:ea typeface="メイリオ" panose="020B0604030504040204" pitchFamily="50" charset="-128"/>
-              <a:cs typeface="メイリオ" panose="020B0604030504040204" pitchFamily="50" charset="-128"/>
-            </a:endParaRPr>
-          </a:p>
-          <a:p>
-            <a:pPr marL="82296" indent="0">
-              <a:buNone/>
-            </a:pPr>
+              <a:latin typeface="Inconsolata" panose="020B0609030003000000" pitchFamily="49" charset="0"/>
+              <a:ea typeface="メイリオ" panose="020B0604030504040204" pitchFamily="50" charset="-128"/>
+              <a:cs typeface="メイリオ" panose="020B0604030504040204" pitchFamily="50" charset="-128"/>
+            </a:endParaRPr>
+          </a:p>
+          <a:p>
+            <a:pPr marL="82296" indent="0">
+              <a:buNone/>
+            </a:pPr>
+            <a:r>
+              <a:rPr lang="en-US" altLang="ja-JP" dirty="0" smtClean="0">
+                <a:latin typeface="メイリオ" panose="020B0604030504040204" pitchFamily="50" charset="-128"/>
+                <a:ea typeface="メイリオ" panose="020B0604030504040204" pitchFamily="50" charset="-128"/>
+                <a:cs typeface="メイリオ" panose="020B0604030504040204" pitchFamily="50" charset="-128"/>
+              </a:rPr>
+              <a:t>~/.</a:t>
+            </a:r>
+            <a:r>
+              <a:rPr lang="en-US" altLang="ja-JP" dirty="0" err="1" smtClean="0">
+                <a:latin typeface="メイリオ" panose="020B0604030504040204" pitchFamily="50" charset="-128"/>
+                <a:ea typeface="メイリオ" panose="020B0604030504040204" pitchFamily="50" charset="-128"/>
+                <a:cs typeface="メイリオ" panose="020B0604030504040204" pitchFamily="50" charset="-128"/>
+              </a:rPr>
+              <a:t>vimrc</a:t>
+            </a:r>
             <a:endParaRPr lang="en-US" altLang="ja-JP" dirty="0" smtClean="0">
               <a:latin typeface="メイリオ" panose="020B0604030504040204" pitchFamily="50" charset="-128"/>
               <a:ea typeface="メイリオ" panose="020B0604030504040204" pitchFamily="50" charset="-128"/>
@@ -11365,106 +11497,24 @@
             </a:pPr>
             <a:r>
               <a:rPr lang="ja-JP" altLang="en-US" dirty="0" smtClean="0">
-                <a:latin typeface="メイリオ" panose="020B0604030504040204" pitchFamily="50" charset="-128"/>
-                <a:ea typeface="メイリオ" panose="020B0604030504040204" pitchFamily="50" charset="-128"/>
-                <a:cs typeface="メイリオ" panose="020B0604030504040204" pitchFamily="50" charset="-128"/>
-              </a:rPr>
-              <a:t>・とにかく打鍵数を減らそうという設計になっている・・・と</a:t>
-            </a:r>
-            <a:r>
-              <a:rPr lang="ja-JP" altLang="en-US" dirty="0">
-                <a:latin typeface="メイリオ" panose="020B0604030504040204" pitchFamily="50" charset="-128"/>
-                <a:ea typeface="メイリオ" panose="020B0604030504040204" pitchFamily="50" charset="-128"/>
-                <a:cs typeface="メイリオ" panose="020B0604030504040204" pitchFamily="50" charset="-128"/>
-              </a:rPr>
-              <a:t>思う</a:t>
-            </a:r>
-            <a:endParaRPr lang="en-US" altLang="ja-JP" dirty="0" smtClean="0">
-              <a:latin typeface="メイリオ" panose="020B0604030504040204" pitchFamily="50" charset="-128"/>
-              <a:ea typeface="メイリオ" panose="020B0604030504040204" pitchFamily="50" charset="-128"/>
-              <a:cs typeface="メイリオ" panose="020B0604030504040204" pitchFamily="50" charset="-128"/>
-            </a:endParaRPr>
-          </a:p>
-          <a:p>
-            <a:pPr marL="82296" indent="0">
-              <a:buNone/>
-            </a:pPr>
-            <a:endParaRPr lang="en-US" altLang="ja-JP" dirty="0" smtClean="0">
-              <a:latin typeface="メイリオ" panose="020B0604030504040204" pitchFamily="50" charset="-128"/>
-              <a:ea typeface="メイリオ" panose="020B0604030504040204" pitchFamily="50" charset="-128"/>
-              <a:cs typeface="メイリオ" panose="020B0604030504040204" pitchFamily="50" charset="-128"/>
-            </a:endParaRPr>
-          </a:p>
-          <a:p>
-            <a:pPr marL="82296" indent="0">
-              <a:buNone/>
-            </a:pPr>
-            <a:r>
-              <a:rPr lang="ja-JP" altLang="en-US" dirty="0" smtClean="0">
-                <a:latin typeface="メイリオ" panose="020B0604030504040204" pitchFamily="50" charset="-128"/>
-                <a:ea typeface="メイリオ" panose="020B0604030504040204" pitchFamily="50" charset="-128"/>
-                <a:cs typeface="メイリオ" panose="020B0604030504040204" pitchFamily="50" charset="-128"/>
-              </a:rPr>
-              <a:t>・シンプルかつ多機能なので慣れると楽しい＆習熟すれば入力早くなりそう</a:t>
-            </a:r>
-            <a:endParaRPr lang="en-US" altLang="ja-JP" dirty="0" smtClean="0">
-              <a:latin typeface="メイリオ" panose="020B0604030504040204" pitchFamily="50" charset="-128"/>
-              <a:ea typeface="メイリオ" panose="020B0604030504040204" pitchFamily="50" charset="-128"/>
-              <a:cs typeface="メイリオ" panose="020B0604030504040204" pitchFamily="50" charset="-128"/>
-            </a:endParaRPr>
-          </a:p>
-          <a:p>
-            <a:pPr marL="82296" indent="0">
-              <a:buNone/>
-            </a:pPr>
-            <a:endParaRPr lang="en-US" altLang="ja-JP" dirty="0" smtClean="0">
-              <a:latin typeface="メイリオ" panose="020B0604030504040204" pitchFamily="50" charset="-128"/>
-              <a:ea typeface="メイリオ" panose="020B0604030504040204" pitchFamily="50" charset="-128"/>
-              <a:cs typeface="メイリオ" panose="020B0604030504040204" pitchFamily="50" charset="-128"/>
-            </a:endParaRPr>
-          </a:p>
-          <a:p>
-            <a:pPr marL="82296" indent="0">
-              <a:buNone/>
-            </a:pPr>
-            <a:r>
-              <a:rPr lang="ja-JP" altLang="en-US" dirty="0" smtClean="0">
-                <a:latin typeface="メイリオ" panose="020B0604030504040204" pitchFamily="50" charset="-128"/>
-                <a:ea typeface="メイリオ" panose="020B0604030504040204" pitchFamily="50" charset="-128"/>
-                <a:cs typeface="メイリオ" panose="020B0604030504040204" pitchFamily="50" charset="-128"/>
-              </a:rPr>
-              <a:t>・日本語文書の修正には向かない</a:t>
-            </a:r>
-            <a:endParaRPr lang="en-US" altLang="ja-JP" dirty="0" smtClean="0">
-              <a:latin typeface="メイリオ" panose="020B0604030504040204" pitchFamily="50" charset="-128"/>
-              <a:ea typeface="メイリオ" panose="020B0604030504040204" pitchFamily="50" charset="-128"/>
-              <a:cs typeface="メイリオ" panose="020B0604030504040204" pitchFamily="50" charset="-128"/>
-            </a:endParaRPr>
-          </a:p>
-          <a:p>
-            <a:pPr marL="82296" indent="0">
-              <a:buNone/>
-            </a:pPr>
+                <a:latin typeface="Inconsolata" panose="020B0609030003000000" pitchFamily="49" charset="0"/>
+                <a:ea typeface="メイリオ" panose="020B0604030504040204" pitchFamily="50" charset="-128"/>
+                <a:cs typeface="メイリオ" panose="020B0604030504040204" pitchFamily="50" charset="-128"/>
+              </a:rPr>
+              <a:t>ネットで出てくるものをコピペするだけでそれなりに形に。</a:t>
+            </a:r>
             <a:endParaRPr lang="en-US" altLang="ja-JP" dirty="0">
-              <a:latin typeface="メイリオ" panose="020B0604030504040204" pitchFamily="50" charset="-128"/>
-              <a:ea typeface="メイリオ" panose="020B0604030504040204" pitchFamily="50" charset="-128"/>
-              <a:cs typeface="メイリオ" panose="020B0604030504040204" pitchFamily="50" charset="-128"/>
-            </a:endParaRPr>
-          </a:p>
-          <a:p>
-            <a:pPr marL="82296" indent="0">
-              <a:buNone/>
-            </a:pPr>
-            <a:r>
-              <a:rPr lang="ja-JP" altLang="en-US" dirty="0" smtClean="0">
-                <a:latin typeface="メイリオ" panose="020B0604030504040204" pitchFamily="50" charset="-128"/>
-                <a:ea typeface="メイリオ" panose="020B0604030504040204" pitchFamily="50" charset="-128"/>
-                <a:cs typeface="メイリオ" panose="020B0604030504040204" pitchFamily="50" charset="-128"/>
-              </a:rPr>
-              <a:t>・歴史が長いので、参考資料が超豊富</a:t>
-            </a:r>
-            <a:endParaRPr lang="en-US" altLang="ja-JP" dirty="0" smtClean="0">
-              <a:latin typeface="メイリオ" panose="020B0604030504040204" pitchFamily="50" charset="-128"/>
+              <a:latin typeface="Inconsolata" panose="020B0609030003000000" pitchFamily="49" charset="0"/>
+              <a:ea typeface="メイリオ" panose="020B0604030504040204" pitchFamily="50" charset="-128"/>
+              <a:cs typeface="メイリオ" panose="020B0604030504040204" pitchFamily="50" charset="-128"/>
+            </a:endParaRPr>
+          </a:p>
+          <a:p>
+            <a:pPr marL="82296" indent="0">
+              <a:buNone/>
+            </a:pPr>
+            <a:endParaRPr lang="ja-JP" altLang="en-US" dirty="0">
+              <a:latin typeface="Inconsolata" panose="020B0609030003000000" pitchFamily="49" charset="0"/>
               <a:ea typeface="メイリオ" panose="020B0604030504040204" pitchFamily="50" charset="-128"/>
               <a:cs typeface="メイリオ" panose="020B0604030504040204" pitchFamily="50" charset="-128"/>
             </a:endParaRPr>
@@ -11474,13 +11524,20 @@
     </p:spTree>
     <p:extLst>
       <p:ext uri="{BB962C8B-B14F-4D97-AF65-F5344CB8AC3E}">
-        <p14:creationId xmlns:p14="http://schemas.microsoft.com/office/powerpoint/2010/main" val="868550525"/>
+        <p14:creationId xmlns:p14="http://schemas.microsoft.com/office/powerpoint/2010/main" val="658206458"/>
       </p:ext>
     </p:extLst>
   </p:cSld>
   <p:clrMapOvr>
     <a:masterClrMapping/>
   </p:clrMapOvr>
+  <p:timing>
+    <p:tnLst>
+      <p:par>
+        <p:cTn id="1" dur="indefinite" restart="never" nodeType="tmRoot"/>
+      </p:par>
+    </p:tnLst>
+  </p:timing>
 </p:sld>
 </file>
 
@@ -11522,7 +11579,7 @@
                 <a:ea typeface="メイリオ" panose="020B0604030504040204" pitchFamily="50" charset="-128"/>
                 <a:cs typeface="メイリオ" panose="020B0604030504040204" pitchFamily="50" charset="-128"/>
               </a:rPr>
-              <a:t>反省、今後の目標</a:t>
+              <a:t>雑感</a:t>
             </a:r>
             <a:endParaRPr kumimoji="1" lang="ja-JP" altLang="en-US" dirty="0">
               <a:latin typeface="メイリオ" panose="020B0604030504040204" pitchFamily="50" charset="-128"/>
@@ -11544,8 +11601,8 @@
         </p:nvSpPr>
         <p:spPr>
           <a:xfrm>
-            <a:off x="1435608" y="1124744"/>
-            <a:ext cx="7498080" cy="5616624"/>
+            <a:off x="1435608" y="1124743"/>
+            <a:ext cx="7498080" cy="5954929"/>
           </a:xfrm>
         </p:spPr>
         <p:txBody>
@@ -11563,7 +11620,35 @@
                 <a:ea typeface="メイリオ" panose="020B0604030504040204" pitchFamily="50" charset="-128"/>
                 <a:cs typeface="メイリオ" panose="020B0604030504040204" pitchFamily="50" charset="-128"/>
               </a:rPr>
-              <a:t>・マクロ機能</a:t>
+              <a:t>・やっぱり最初はとっつきにくい</a:t>
+            </a:r>
+            <a:endParaRPr lang="en-US" altLang="ja-JP" dirty="0" smtClean="0">
+              <a:latin typeface="メイリオ" panose="020B0604030504040204" pitchFamily="50" charset="-128"/>
+              <a:ea typeface="メイリオ" panose="020B0604030504040204" pitchFamily="50" charset="-128"/>
+              <a:cs typeface="メイリオ" panose="020B0604030504040204" pitchFamily="50" charset="-128"/>
+            </a:endParaRPr>
+          </a:p>
+          <a:p>
+            <a:pPr marL="82296" indent="0">
+              <a:buNone/>
+            </a:pPr>
+            <a:endParaRPr lang="en-US" altLang="ja-JP" dirty="0" smtClean="0">
+              <a:latin typeface="メイリオ" panose="020B0604030504040204" pitchFamily="50" charset="-128"/>
+              <a:ea typeface="メイリオ" panose="020B0604030504040204" pitchFamily="50" charset="-128"/>
+              <a:cs typeface="メイリオ" panose="020B0604030504040204" pitchFamily="50" charset="-128"/>
+            </a:endParaRPr>
+          </a:p>
+          <a:p>
+            <a:pPr marL="82296" indent="0">
+              <a:buNone/>
+            </a:pPr>
+            <a:r>
+              <a:rPr lang="ja-JP" altLang="en-US" dirty="0" smtClean="0">
+                <a:latin typeface="メイリオ" panose="020B0604030504040204" pitchFamily="50" charset="-128"/>
+                <a:ea typeface="メイリオ" panose="020B0604030504040204" pitchFamily="50" charset="-128"/>
+                <a:cs typeface="メイリオ" panose="020B0604030504040204" pitchFamily="50" charset="-128"/>
+              </a:rPr>
+              <a:t>・とにかく打鍵数を減らそうという設計になっている・・・と</a:t>
             </a:r>
             <a:r>
               <a:rPr lang="ja-JP" altLang="en-US" dirty="0">
@@ -11571,23 +11656,7 @@
                 <a:ea typeface="メイリオ" panose="020B0604030504040204" pitchFamily="50" charset="-128"/>
                 <a:cs typeface="メイリオ" panose="020B0604030504040204" pitchFamily="50" charset="-128"/>
               </a:rPr>
-              <a:t>など</a:t>
-            </a:r>
-            <a:r>
-              <a:rPr lang="ja-JP" altLang="en-US" dirty="0" smtClean="0">
-                <a:latin typeface="メイリオ" panose="020B0604030504040204" pitchFamily="50" charset="-128"/>
-                <a:ea typeface="メイリオ" panose="020B0604030504040204" pitchFamily="50" charset="-128"/>
-                <a:cs typeface="メイリオ" panose="020B0604030504040204" pitchFamily="50" charset="-128"/>
-              </a:rPr>
-              <a:t>、まだまだ</a:t>
-            </a:r>
-            <a:r>
-              <a:rPr lang="ja-JP" altLang="en-US" dirty="0" smtClean="0">
-                <a:latin typeface="メイリオ" panose="020B0604030504040204" pitchFamily="50" charset="-128"/>
-                <a:ea typeface="メイリオ" panose="020B0604030504040204" pitchFamily="50" charset="-128"/>
-                <a:cs typeface="メイリオ" panose="020B0604030504040204" pitchFamily="50" charset="-128"/>
-              </a:rPr>
-              <a:t>触ってない機能がある</a:t>
+              <a:t>思う</a:t>
             </a:r>
             <a:endParaRPr lang="en-US" altLang="ja-JP" dirty="0" smtClean="0">
               <a:latin typeface="メイリオ" panose="020B0604030504040204" pitchFamily="50" charset="-128"/>
@@ -11599,6 +11668,62 @@
             <a:pPr marL="82296" indent="0">
               <a:buNone/>
             </a:pPr>
+            <a:endParaRPr lang="en-US" altLang="ja-JP" dirty="0" smtClean="0">
+              <a:latin typeface="メイリオ" panose="020B0604030504040204" pitchFamily="50" charset="-128"/>
+              <a:ea typeface="メイリオ" panose="020B0604030504040204" pitchFamily="50" charset="-128"/>
+              <a:cs typeface="メイリオ" panose="020B0604030504040204" pitchFamily="50" charset="-128"/>
+            </a:endParaRPr>
+          </a:p>
+          <a:p>
+            <a:pPr marL="82296" indent="0">
+              <a:buNone/>
+            </a:pPr>
+            <a:r>
+              <a:rPr lang="ja-JP" altLang="en-US" dirty="0" smtClean="0">
+                <a:latin typeface="メイリオ" panose="020B0604030504040204" pitchFamily="50" charset="-128"/>
+                <a:ea typeface="メイリオ" panose="020B0604030504040204" pitchFamily="50" charset="-128"/>
+                <a:cs typeface="メイリオ" panose="020B0604030504040204" pitchFamily="50" charset="-128"/>
+              </a:rPr>
+              <a:t>・シンプルかつ多機能なので慣れると楽しい＆習熟すれば入力早くなりそう</a:t>
+            </a:r>
+            <a:endParaRPr lang="en-US" altLang="ja-JP" dirty="0" smtClean="0">
+              <a:latin typeface="メイリオ" panose="020B0604030504040204" pitchFamily="50" charset="-128"/>
+              <a:ea typeface="メイリオ" panose="020B0604030504040204" pitchFamily="50" charset="-128"/>
+              <a:cs typeface="メイリオ" panose="020B0604030504040204" pitchFamily="50" charset="-128"/>
+            </a:endParaRPr>
+          </a:p>
+          <a:p>
+            <a:pPr marL="82296" indent="0">
+              <a:buNone/>
+            </a:pPr>
+            <a:endParaRPr lang="en-US" altLang="ja-JP" dirty="0" smtClean="0">
+              <a:latin typeface="メイリオ" panose="020B0604030504040204" pitchFamily="50" charset="-128"/>
+              <a:ea typeface="メイリオ" panose="020B0604030504040204" pitchFamily="50" charset="-128"/>
+              <a:cs typeface="メイリオ" panose="020B0604030504040204" pitchFamily="50" charset="-128"/>
+            </a:endParaRPr>
+          </a:p>
+          <a:p>
+            <a:pPr marL="82296" indent="0">
+              <a:buNone/>
+            </a:pPr>
+            <a:r>
+              <a:rPr lang="ja-JP" altLang="en-US" dirty="0" smtClean="0">
+                <a:latin typeface="メイリオ" panose="020B0604030504040204" pitchFamily="50" charset="-128"/>
+                <a:ea typeface="メイリオ" panose="020B0604030504040204" pitchFamily="50" charset="-128"/>
+                <a:cs typeface="メイリオ" panose="020B0604030504040204" pitchFamily="50" charset="-128"/>
+              </a:rPr>
+              <a:t>・日本語文書の修正には向かない</a:t>
+            </a:r>
+            <a:endParaRPr lang="en-US" altLang="ja-JP" dirty="0" smtClean="0">
+              <a:latin typeface="メイリオ" panose="020B0604030504040204" pitchFamily="50" charset="-128"/>
+              <a:ea typeface="メイリオ" panose="020B0604030504040204" pitchFamily="50" charset="-128"/>
+              <a:cs typeface="メイリオ" panose="020B0604030504040204" pitchFamily="50" charset="-128"/>
+            </a:endParaRPr>
+          </a:p>
+          <a:p>
+            <a:pPr marL="82296" indent="0">
+              <a:buNone/>
+            </a:pPr>
             <a:endParaRPr lang="en-US" altLang="ja-JP" dirty="0">
               <a:latin typeface="メイリオ" panose="020B0604030504040204" pitchFamily="50" charset="-128"/>
               <a:ea typeface="メイリオ" panose="020B0604030504040204" pitchFamily="50" charset="-128"/>
@@ -11615,87 +11740,7 @@
                 <a:ea typeface="メイリオ" panose="020B0604030504040204" pitchFamily="50" charset="-128"/>
                 <a:cs typeface="メイリオ" panose="020B0604030504040204" pitchFamily="50" charset="-128"/>
               </a:rPr>
-              <a:t>・ネットの情報しか見ていないので、参考書籍を見てみるのもいいかも</a:t>
-            </a:r>
-            <a:endParaRPr lang="en-US" altLang="ja-JP" dirty="0" smtClean="0">
-              <a:latin typeface="メイリオ" panose="020B0604030504040204" pitchFamily="50" charset="-128"/>
-              <a:ea typeface="メイリオ" panose="020B0604030504040204" pitchFamily="50" charset="-128"/>
-              <a:cs typeface="メイリオ" panose="020B0604030504040204" pitchFamily="50" charset="-128"/>
-            </a:endParaRPr>
-          </a:p>
-          <a:p>
-            <a:pPr marL="82296" indent="0">
-              <a:buNone/>
-            </a:pPr>
-            <a:endParaRPr lang="en-US" altLang="ja-JP" dirty="0" smtClean="0">
-              <a:latin typeface="メイリオ" panose="020B0604030504040204" pitchFamily="50" charset="-128"/>
-              <a:ea typeface="メイリオ" panose="020B0604030504040204" pitchFamily="50" charset="-128"/>
-              <a:cs typeface="メイリオ" panose="020B0604030504040204" pitchFamily="50" charset="-128"/>
-            </a:endParaRPr>
-          </a:p>
-          <a:p>
-            <a:pPr marL="82296" indent="0">
-              <a:buNone/>
-            </a:pPr>
-            <a:r>
-              <a:rPr lang="ja-JP" altLang="en-US" dirty="0" smtClean="0">
-                <a:latin typeface="メイリオ" panose="020B0604030504040204" pitchFamily="50" charset="-128"/>
-                <a:ea typeface="メイリオ" panose="020B0604030504040204" pitchFamily="50" charset="-128"/>
-                <a:cs typeface="メイリオ" panose="020B0604030504040204" pitchFamily="50" charset="-128"/>
-              </a:rPr>
-              <a:t>・エディタに慣れるのはいいけど、折角だし何か書かないと意味ない</a:t>
-            </a:r>
-            <a:endParaRPr lang="en-US" altLang="ja-JP" dirty="0">
-              <a:latin typeface="メイリオ" panose="020B0604030504040204" pitchFamily="50" charset="-128"/>
-              <a:ea typeface="メイリオ" panose="020B0604030504040204" pitchFamily="50" charset="-128"/>
-              <a:cs typeface="メイリオ" panose="020B0604030504040204" pitchFamily="50" charset="-128"/>
-            </a:endParaRPr>
-          </a:p>
-          <a:p>
-            <a:pPr marL="82296" indent="0">
-              <a:buNone/>
-            </a:pPr>
-            <a:endParaRPr lang="en-US" altLang="ja-JP" dirty="0">
-              <a:latin typeface="メイリオ" panose="020B0604030504040204" pitchFamily="50" charset="-128"/>
-              <a:ea typeface="メイリオ" panose="020B0604030504040204" pitchFamily="50" charset="-128"/>
-              <a:cs typeface="メイリオ" panose="020B0604030504040204" pitchFamily="50" charset="-128"/>
-            </a:endParaRPr>
-          </a:p>
-          <a:p>
-            <a:pPr marL="82296" indent="0">
-              <a:buNone/>
-            </a:pPr>
-            <a:r>
-              <a:rPr lang="ja-JP" altLang="en-US" dirty="0" smtClean="0">
-                <a:latin typeface="メイリオ" panose="020B0604030504040204" pitchFamily="50" charset="-128"/>
-                <a:ea typeface="メイリオ" panose="020B0604030504040204" pitchFamily="50" charset="-128"/>
-                <a:cs typeface="メイリオ" panose="020B0604030504040204" pitchFamily="50" charset="-128"/>
-              </a:rPr>
-              <a:t>・</a:t>
-            </a:r>
-            <a:r>
-              <a:rPr lang="ja-JP" altLang="en-US" strike="sngStrike" dirty="0" smtClean="0">
-                <a:latin typeface="メイリオ" panose="020B0604030504040204" pitchFamily="50" charset="-128"/>
-                <a:ea typeface="メイリオ" panose="020B0604030504040204" pitchFamily="50" charset="-128"/>
-                <a:cs typeface="メイリオ" panose="020B0604030504040204" pitchFamily="50" charset="-128"/>
-              </a:rPr>
-              <a:t>きたるエディタ宗教戦争に備えて</a:t>
-            </a:r>
-            <a:r>
-              <a:rPr lang="en-US" altLang="ja-JP" dirty="0" err="1" smtClean="0">
-                <a:latin typeface="メイリオ" panose="020B0604030504040204" pitchFamily="50" charset="-128"/>
-                <a:ea typeface="メイリオ" panose="020B0604030504040204" pitchFamily="50" charset="-128"/>
-                <a:cs typeface="メイリオ" panose="020B0604030504040204" pitchFamily="50" charset="-128"/>
-              </a:rPr>
-              <a:t>Emacs</a:t>
-            </a:r>
-            <a:r>
-              <a:rPr lang="ja-JP" altLang="en-US" dirty="0" smtClean="0">
-                <a:latin typeface="メイリオ" panose="020B0604030504040204" pitchFamily="50" charset="-128"/>
-                <a:ea typeface="メイリオ" panose="020B0604030504040204" pitchFamily="50" charset="-128"/>
-                <a:cs typeface="メイリオ" panose="020B0604030504040204" pitchFamily="50" charset="-128"/>
-              </a:rPr>
-              <a:t>もちょっと触ってみたい</a:t>
+              <a:t>・歴史が長いので、参考資料が超豊富</a:t>
             </a:r>
             <a:endParaRPr lang="en-US" altLang="ja-JP" dirty="0" smtClean="0">
               <a:latin typeface="メイリオ" panose="020B0604030504040204" pitchFamily="50" charset="-128"/>
@@ -11708,7 +11753,7 @@
     </p:spTree>
     <p:extLst>
       <p:ext uri="{BB962C8B-B14F-4D97-AF65-F5344CB8AC3E}">
-        <p14:creationId xmlns:p14="http://schemas.microsoft.com/office/powerpoint/2010/main" val="963282508"/>
+        <p14:creationId xmlns:p14="http://schemas.microsoft.com/office/powerpoint/2010/main" val="868550525"/>
       </p:ext>
     </p:extLst>
   </p:cSld>
@@ -11747,9 +11792,7 @@
         </p:nvSpPr>
         <p:spPr/>
         <p:txBody>
-          <a:bodyPr>
-            <a:normAutofit/>
-          </a:bodyPr>
+          <a:bodyPr/>
           <a:lstStyle/>
           <a:p>
             <a:r>
@@ -11758,39 +11801,7 @@
                 <a:ea typeface="メイリオ" panose="020B0604030504040204" pitchFamily="50" charset="-128"/>
                 <a:cs typeface="メイリオ" panose="020B0604030504040204" pitchFamily="50" charset="-128"/>
               </a:rPr>
-              <a:t>参考</a:t>
-            </a:r>
-            <a:r>
-              <a:rPr kumimoji="1" lang="ja-JP" altLang="en-US" dirty="0" smtClean="0">
-                <a:latin typeface="メイリオ" panose="020B0604030504040204" pitchFamily="50" charset="-128"/>
-                <a:ea typeface="メイリオ" panose="020B0604030504040204" pitchFamily="50" charset="-128"/>
-                <a:cs typeface="メイリオ" panose="020B0604030504040204" pitchFamily="50" charset="-128"/>
-              </a:rPr>
-              <a:t>サイト</a:t>
-            </a:r>
-            <a:r>
-              <a:rPr kumimoji="1" lang="en-US" altLang="ja-JP" sz="1800" dirty="0" smtClean="0">
-                <a:latin typeface="メイリオ" panose="020B0604030504040204" pitchFamily="50" charset="-128"/>
-                <a:ea typeface="メイリオ" panose="020B0604030504040204" pitchFamily="50" charset="-128"/>
-                <a:cs typeface="メイリオ" panose="020B0604030504040204" pitchFamily="50" charset="-128"/>
-              </a:rPr>
-              <a:t>(</a:t>
-            </a:r>
-            <a:r>
-              <a:rPr kumimoji="1" lang="ja-JP" altLang="en-US" sz="1800" dirty="0" smtClean="0">
-                <a:latin typeface="メイリオ" panose="020B0604030504040204" pitchFamily="50" charset="-128"/>
-                <a:ea typeface="メイリオ" panose="020B0604030504040204" pitchFamily="50" charset="-128"/>
-                <a:cs typeface="メイリオ" panose="020B0604030504040204" pitchFamily="50" charset="-128"/>
-              </a:rPr>
-              <a:t>ホントはもっと沢山ある</a:t>
-            </a:r>
-            <a:r>
-              <a:rPr kumimoji="1" lang="en-US" altLang="ja-JP" sz="1800" dirty="0" smtClean="0">
-                <a:latin typeface="メイリオ" panose="020B0604030504040204" pitchFamily="50" charset="-128"/>
-                <a:ea typeface="メイリオ" panose="020B0604030504040204" pitchFamily="50" charset="-128"/>
-                <a:cs typeface="メイリオ" panose="020B0604030504040204" pitchFamily="50" charset="-128"/>
-              </a:rPr>
-              <a:t>)</a:t>
+              <a:t>反省、今後の目標</a:t>
             </a:r>
             <a:endParaRPr kumimoji="1" lang="ja-JP" altLang="en-US" dirty="0">
               <a:latin typeface="メイリオ" panose="020B0604030504040204" pitchFamily="50" charset="-128"/>
@@ -11812,13 +11823,13 @@
         </p:nvSpPr>
         <p:spPr>
           <a:xfrm>
-            <a:off x="1435608" y="1447800"/>
-            <a:ext cx="7498080" cy="5410200"/>
+            <a:off x="1435608" y="1124744"/>
+            <a:ext cx="7498080" cy="5616624"/>
           </a:xfrm>
         </p:spPr>
         <p:txBody>
           <a:bodyPr>
-            <a:normAutofit/>
+            <a:normAutofit lnSpcReduction="10000"/>
           </a:bodyPr>
           <a:lstStyle/>
           <a:p>
@@ -11826,267 +11837,138 @@
               <a:buNone/>
             </a:pPr>
             <a:r>
-              <a:rPr lang="ja-JP" altLang="en-US" sz="2400" dirty="0" smtClean="0">
-                <a:latin typeface="メイリオ" panose="020B0604030504040204" pitchFamily="50" charset="-128"/>
-                <a:ea typeface="メイリオ" panose="020B0604030504040204" pitchFamily="50" charset="-128"/>
-                <a:cs typeface="メイリオ" panose="020B0604030504040204" pitchFamily="50" charset="-128"/>
-              </a:rPr>
-              <a:t>●</a:t>
-            </a:r>
-            <a:r>
-              <a:rPr lang="en-US" altLang="ja-JP" sz="2400" dirty="0" smtClean="0">
-                <a:latin typeface="メイリオ" panose="020B0604030504040204" pitchFamily="50" charset="-128"/>
-                <a:ea typeface="メイリオ" panose="020B0604030504040204" pitchFamily="50" charset="-128"/>
-                <a:cs typeface="メイリオ" panose="020B0604030504040204" pitchFamily="50" charset="-128"/>
-              </a:rPr>
-              <a:t>Learn </a:t>
-            </a:r>
-            <a:r>
-              <a:rPr lang="en-US" altLang="ja-JP" sz="2400" dirty="0" smtClean="0">
-                <a:latin typeface="メイリオ" panose="020B0604030504040204" pitchFamily="50" charset="-128"/>
-                <a:ea typeface="メイリオ" panose="020B0604030504040204" pitchFamily="50" charset="-128"/>
-                <a:cs typeface="メイリオ" panose="020B0604030504040204" pitchFamily="50" charset="-128"/>
-              </a:rPr>
-              <a:t>Vim Progressively</a:t>
-            </a:r>
-          </a:p>
-          <a:p>
-            <a:pPr marL="82296" indent="0">
-              <a:buNone/>
-            </a:pPr>
-            <a:r>
-              <a:rPr lang="en-US" altLang="ja-JP" sz="2000" dirty="0" smtClean="0">
-                <a:latin typeface="メイリオ" panose="020B0604030504040204" pitchFamily="50" charset="-128"/>
-                <a:ea typeface="メイリオ" panose="020B0604030504040204" pitchFamily="50" charset="-128"/>
-                <a:cs typeface="メイリオ" panose="020B0604030504040204" pitchFamily="50" charset="-128"/>
-                <a:hlinkClick r:id="rId2"/>
-              </a:rPr>
-              <a:t>http</a:t>
-            </a:r>
-            <a:r>
-              <a:rPr lang="en-US" altLang="ja-JP" sz="2000" dirty="0">
-                <a:latin typeface="メイリオ" panose="020B0604030504040204" pitchFamily="50" charset="-128"/>
-                <a:ea typeface="メイリオ" panose="020B0604030504040204" pitchFamily="50" charset="-128"/>
-                <a:cs typeface="メイリオ" panose="020B0604030504040204" pitchFamily="50" charset="-128"/>
-                <a:hlinkClick r:id="rId2"/>
-              </a:rPr>
-              <a:t>://</a:t>
-            </a:r>
-            <a:r>
-              <a:rPr lang="en-US" altLang="ja-JP" sz="2000" dirty="0" smtClean="0">
-                <a:latin typeface="メイリオ" panose="020B0604030504040204" pitchFamily="50" charset="-128"/>
-                <a:ea typeface="メイリオ" panose="020B0604030504040204" pitchFamily="50" charset="-128"/>
-                <a:cs typeface="メイリオ" panose="020B0604030504040204" pitchFamily="50" charset="-128"/>
-                <a:hlinkClick r:id="rId2"/>
-              </a:rPr>
-              <a:t>mattn.kaoriya.net/software/vim/20110902125512.htm</a:t>
-            </a:r>
-            <a:endParaRPr lang="en-US" altLang="ja-JP" sz="2000" dirty="0" smtClean="0">
-              <a:latin typeface="メイリオ" panose="020B0604030504040204" pitchFamily="50" charset="-128"/>
-              <a:ea typeface="メイリオ" panose="020B0604030504040204" pitchFamily="50" charset="-128"/>
-              <a:cs typeface="メイリオ" panose="020B0604030504040204" pitchFamily="50" charset="-128"/>
-            </a:endParaRPr>
-          </a:p>
-          <a:p>
-            <a:pPr marL="82296" indent="0">
-              <a:buNone/>
-            </a:pPr>
-            <a:r>
-              <a:rPr lang="ja-JP" altLang="en-US" sz="2400" dirty="0" smtClean="0">
-                <a:latin typeface="メイリオ" panose="020B0604030504040204" pitchFamily="50" charset="-128"/>
-                <a:ea typeface="メイリオ" panose="020B0604030504040204" pitchFamily="50" charset="-128"/>
-                <a:cs typeface="メイリオ" panose="020B0604030504040204" pitchFamily="50" charset="-128"/>
-              </a:rPr>
-              <a:t>●</a:t>
-            </a:r>
-            <a:r>
-              <a:rPr lang="en-US" altLang="ja-JP" sz="2400" dirty="0" err="1" smtClean="0">
-                <a:latin typeface="メイリオ" panose="020B0604030504040204" pitchFamily="50" charset="-128"/>
-                <a:ea typeface="メイリオ" panose="020B0604030504040204" pitchFamily="50" charset="-128"/>
-                <a:cs typeface="メイリオ" panose="020B0604030504040204" pitchFamily="50" charset="-128"/>
-              </a:rPr>
-              <a:t>NeoBundle</a:t>
-            </a:r>
-            <a:r>
-              <a:rPr lang="ja-JP" altLang="en-US" sz="2400" dirty="0">
-                <a:latin typeface="メイリオ" panose="020B0604030504040204" pitchFamily="50" charset="-128"/>
-                <a:ea typeface="メイリオ" panose="020B0604030504040204" pitchFamily="50" charset="-128"/>
-                <a:cs typeface="メイリオ" panose="020B0604030504040204" pitchFamily="50" charset="-128"/>
-              </a:rPr>
-              <a:t>による</a:t>
-            </a:r>
-            <a:r>
-              <a:rPr lang="en-US" altLang="ja-JP" sz="2400" dirty="0">
-                <a:latin typeface="メイリオ" panose="020B0604030504040204" pitchFamily="50" charset="-128"/>
-                <a:ea typeface="メイリオ" panose="020B0604030504040204" pitchFamily="50" charset="-128"/>
-                <a:cs typeface="メイリオ" panose="020B0604030504040204" pitchFamily="50" charset="-128"/>
-              </a:rPr>
-              <a:t>Vim</a:t>
-            </a:r>
-            <a:r>
-              <a:rPr lang="ja-JP" altLang="en-US" sz="2400" dirty="0">
-                <a:latin typeface="メイリオ" panose="020B0604030504040204" pitchFamily="50" charset="-128"/>
-                <a:ea typeface="メイリオ" panose="020B0604030504040204" pitchFamily="50" charset="-128"/>
-                <a:cs typeface="メイリオ" panose="020B0604030504040204" pitchFamily="50" charset="-128"/>
-              </a:rPr>
-              <a:t>プラグイン管理とおすすめ</a:t>
-            </a:r>
-            <a:r>
-              <a:rPr lang="ja-JP" altLang="en-US" sz="2400" dirty="0" smtClean="0">
-                <a:latin typeface="メイリオ" panose="020B0604030504040204" pitchFamily="50" charset="-128"/>
-                <a:ea typeface="メイリオ" panose="020B0604030504040204" pitchFamily="50" charset="-128"/>
-                <a:cs typeface="メイリオ" panose="020B0604030504040204" pitchFamily="50" charset="-128"/>
-              </a:rPr>
-              <a:t>プラグイン</a:t>
-            </a:r>
-            <a:endParaRPr lang="en-US" altLang="ja-JP" sz="2400" dirty="0" smtClean="0">
-              <a:latin typeface="メイリオ" panose="020B0604030504040204" pitchFamily="50" charset="-128"/>
-              <a:ea typeface="メイリオ" panose="020B0604030504040204" pitchFamily="50" charset="-128"/>
-              <a:cs typeface="メイリオ" panose="020B0604030504040204" pitchFamily="50" charset="-128"/>
-            </a:endParaRPr>
-          </a:p>
-          <a:p>
-            <a:pPr marL="82296" indent="0">
-              <a:buNone/>
-            </a:pPr>
-            <a:r>
-              <a:rPr lang="en-US" altLang="ja-JP" sz="2000" dirty="0">
-                <a:latin typeface="メイリオ" panose="020B0604030504040204" pitchFamily="50" charset="-128"/>
-                <a:ea typeface="メイリオ" panose="020B0604030504040204" pitchFamily="50" charset="-128"/>
-                <a:cs typeface="メイリオ" panose="020B0604030504040204" pitchFamily="50" charset="-128"/>
-                <a:hlinkClick r:id="rId3"/>
-              </a:rPr>
-              <a:t>http://catcher-in-the-tech.net/1063</a:t>
-            </a:r>
-            <a:r>
-              <a:rPr lang="en-US" altLang="ja-JP" sz="2000" dirty="0" smtClean="0">
-                <a:latin typeface="メイリオ" panose="020B0604030504040204" pitchFamily="50" charset="-128"/>
-                <a:ea typeface="メイリオ" panose="020B0604030504040204" pitchFamily="50" charset="-128"/>
-                <a:cs typeface="メイリオ" panose="020B0604030504040204" pitchFamily="50" charset="-128"/>
-                <a:hlinkClick r:id="rId3"/>
-              </a:rPr>
-              <a:t>/</a:t>
-            </a:r>
-            <a:endParaRPr lang="en-US" altLang="ja-JP" sz="2000" dirty="0" smtClean="0">
-              <a:latin typeface="メイリオ" panose="020B0604030504040204" pitchFamily="50" charset="-128"/>
-              <a:ea typeface="メイリオ" panose="020B0604030504040204" pitchFamily="50" charset="-128"/>
-              <a:cs typeface="メイリオ" panose="020B0604030504040204" pitchFamily="50" charset="-128"/>
-            </a:endParaRPr>
-          </a:p>
-          <a:p>
-            <a:pPr marL="82296" indent="0">
-              <a:buNone/>
-            </a:pPr>
-            <a:r>
-              <a:rPr lang="ja-JP" altLang="en-US" sz="2400" dirty="0">
-                <a:latin typeface="メイリオ" panose="020B0604030504040204" pitchFamily="50" charset="-128"/>
-                <a:ea typeface="メイリオ" panose="020B0604030504040204" pitchFamily="50" charset="-128"/>
-                <a:cs typeface="メイリオ" panose="020B0604030504040204" pitchFamily="50" charset="-128"/>
-              </a:rPr>
-              <a:t>●ぼく</a:t>
-            </a:r>
-            <a:r>
-              <a:rPr lang="ja-JP" altLang="en-US" sz="2400" dirty="0" smtClean="0">
-                <a:latin typeface="メイリオ" panose="020B0604030504040204" pitchFamily="50" charset="-128"/>
-                <a:ea typeface="メイリオ" panose="020B0604030504040204" pitchFamily="50" charset="-128"/>
-                <a:cs typeface="メイリオ" panose="020B0604030504040204" pitchFamily="50" charset="-128"/>
-              </a:rPr>
-              <a:t>のかんがえたさいしょうの</a:t>
-            </a:r>
-            <a:r>
-              <a:rPr lang="en-US" altLang="ja-JP" sz="2400" dirty="0" err="1" smtClean="0">
-                <a:latin typeface="メイリオ" panose="020B0604030504040204" pitchFamily="50" charset="-128"/>
-                <a:ea typeface="メイリオ" panose="020B0604030504040204" pitchFamily="50" charset="-128"/>
-                <a:cs typeface="メイリオ" panose="020B0604030504040204" pitchFamily="50" charset="-128"/>
-              </a:rPr>
-              <a:t>vimrc</a:t>
-            </a:r>
-            <a:endParaRPr lang="en-US" altLang="ja-JP" sz="2400" dirty="0" smtClean="0">
-              <a:latin typeface="メイリオ" panose="020B0604030504040204" pitchFamily="50" charset="-128"/>
-              <a:ea typeface="メイリオ" panose="020B0604030504040204" pitchFamily="50" charset="-128"/>
-              <a:cs typeface="メイリオ" panose="020B0604030504040204" pitchFamily="50" charset="-128"/>
-            </a:endParaRPr>
-          </a:p>
-          <a:p>
-            <a:pPr marL="82296" indent="0">
-              <a:buNone/>
-            </a:pPr>
-            <a:r>
-              <a:rPr lang="en-US" altLang="ja-JP" sz="2000" dirty="0">
-                <a:latin typeface="メイリオ" panose="020B0604030504040204" pitchFamily="50" charset="-128"/>
-                <a:ea typeface="メイリオ" panose="020B0604030504040204" pitchFamily="50" charset="-128"/>
-                <a:cs typeface="メイリオ" panose="020B0604030504040204" pitchFamily="50" charset="-128"/>
-                <a:hlinkClick r:id="rId4"/>
-              </a:rPr>
-              <a:t>http://</a:t>
-            </a:r>
-            <a:r>
-              <a:rPr lang="en-US" altLang="ja-JP" sz="2000" dirty="0" smtClean="0">
-                <a:latin typeface="メイリオ" panose="020B0604030504040204" pitchFamily="50" charset="-128"/>
-                <a:ea typeface="メイリオ" panose="020B0604030504040204" pitchFamily="50" charset="-128"/>
-                <a:cs typeface="メイリオ" panose="020B0604030504040204" pitchFamily="50" charset="-128"/>
-                <a:hlinkClick r:id="rId4"/>
-              </a:rPr>
-              <a:t>deris.hatenablog.jp/entry/2014/05/20/235807</a:t>
-            </a:r>
-            <a:endParaRPr lang="en-US" altLang="ja-JP" sz="2000" dirty="0" smtClean="0">
-              <a:latin typeface="メイリオ" panose="020B0604030504040204" pitchFamily="50" charset="-128"/>
-              <a:ea typeface="メイリオ" panose="020B0604030504040204" pitchFamily="50" charset="-128"/>
-              <a:cs typeface="メイリオ" panose="020B0604030504040204" pitchFamily="50" charset="-128"/>
-            </a:endParaRPr>
-          </a:p>
-          <a:p>
-            <a:pPr marL="82296" indent="0">
-              <a:buNone/>
-            </a:pPr>
-            <a:r>
-              <a:rPr lang="ja-JP" altLang="en-US" sz="2400" dirty="0">
-                <a:latin typeface="メイリオ" panose="020B0604030504040204" pitchFamily="50" charset="-128"/>
-                <a:ea typeface="メイリオ" panose="020B0604030504040204" pitchFamily="50" charset="-128"/>
-                <a:cs typeface="メイリオ" panose="020B0604030504040204" pitchFamily="50" charset="-128"/>
-              </a:rPr>
-              <a:t>●エディタ</a:t>
-            </a:r>
-            <a:r>
-              <a:rPr lang="ja-JP" altLang="en-US" sz="2400" dirty="0" smtClean="0">
-                <a:latin typeface="メイリオ" panose="020B0604030504040204" pitchFamily="50" charset="-128"/>
-                <a:ea typeface="メイリオ" panose="020B0604030504040204" pitchFamily="50" charset="-128"/>
-                <a:cs typeface="メイリオ" panose="020B0604030504040204" pitchFamily="50" charset="-128"/>
-              </a:rPr>
-              <a:t>戦争</a:t>
-            </a:r>
-            <a:r>
-              <a:rPr lang="en-US" altLang="ja-JP" sz="2400" dirty="0" smtClean="0">
-                <a:latin typeface="メイリオ" panose="020B0604030504040204" pitchFamily="50" charset="-128"/>
-                <a:ea typeface="メイリオ" panose="020B0604030504040204" pitchFamily="50" charset="-128"/>
-                <a:cs typeface="メイリオ" panose="020B0604030504040204" pitchFamily="50" charset="-128"/>
-              </a:rPr>
-              <a:t>-Wikipedia</a:t>
-            </a:r>
-          </a:p>
-          <a:p>
-            <a:pPr marL="82296" indent="0">
-              <a:buNone/>
-            </a:pPr>
-            <a:r>
-              <a:rPr lang="en-US" altLang="ja-JP" sz="2400" dirty="0">
-                <a:latin typeface="メイリオ" panose="020B0604030504040204" pitchFamily="50" charset="-128"/>
-                <a:ea typeface="メイリオ" panose="020B0604030504040204" pitchFamily="50" charset="-128"/>
-                <a:cs typeface="メイリオ" panose="020B0604030504040204" pitchFamily="50" charset="-128"/>
-                <a:hlinkClick r:id="rId5"/>
-              </a:rPr>
-              <a:t>https://ja.wikipedia.org/wiki/%</a:t>
-            </a:r>
-            <a:r>
-              <a:rPr lang="en-US" altLang="ja-JP" sz="2400" dirty="0" smtClean="0">
-                <a:latin typeface="メイリオ" panose="020B0604030504040204" pitchFamily="50" charset="-128"/>
-                <a:ea typeface="メイリオ" panose="020B0604030504040204" pitchFamily="50" charset="-128"/>
-                <a:cs typeface="メイリオ" panose="020B0604030504040204" pitchFamily="50" charset="-128"/>
-                <a:hlinkClick r:id="rId5"/>
-              </a:rPr>
-              <a:t>E3%82%A8%E3%83%87%E3%82%A3%E3%82%BF%E6%88%A6%E4%BA%89</a:t>
-            </a:r>
-            <a:endParaRPr lang="en-US" altLang="ja-JP" sz="2400" dirty="0" smtClean="0">
+              <a:rPr lang="ja-JP" altLang="en-US" dirty="0" smtClean="0">
+                <a:latin typeface="メイリオ" panose="020B0604030504040204" pitchFamily="50" charset="-128"/>
+                <a:ea typeface="メイリオ" panose="020B0604030504040204" pitchFamily="50" charset="-128"/>
+                <a:cs typeface="メイリオ" panose="020B0604030504040204" pitchFamily="50" charset="-128"/>
+              </a:rPr>
+              <a:t>・マクロ機能</a:t>
+            </a:r>
+            <a:r>
+              <a:rPr lang="ja-JP" altLang="en-US" dirty="0">
+                <a:latin typeface="メイリオ" panose="020B0604030504040204" pitchFamily="50" charset="-128"/>
+                <a:ea typeface="メイリオ" panose="020B0604030504040204" pitchFamily="50" charset="-128"/>
+                <a:cs typeface="メイリオ" panose="020B0604030504040204" pitchFamily="50" charset="-128"/>
+              </a:rPr>
+              <a:t>など</a:t>
+            </a:r>
+            <a:r>
+              <a:rPr lang="ja-JP" altLang="en-US" dirty="0" smtClean="0">
+                <a:latin typeface="メイリオ" panose="020B0604030504040204" pitchFamily="50" charset="-128"/>
+                <a:ea typeface="メイリオ" panose="020B0604030504040204" pitchFamily="50" charset="-128"/>
+                <a:cs typeface="メイリオ" panose="020B0604030504040204" pitchFamily="50" charset="-128"/>
+              </a:rPr>
+              <a:t>、まだまだ触ってない機能がある</a:t>
+            </a:r>
+            <a:endParaRPr lang="en-US" altLang="ja-JP" dirty="0" smtClean="0">
+              <a:latin typeface="メイリオ" panose="020B0604030504040204" pitchFamily="50" charset="-128"/>
+              <a:ea typeface="メイリオ" panose="020B0604030504040204" pitchFamily="50" charset="-128"/>
+              <a:cs typeface="メイリオ" panose="020B0604030504040204" pitchFamily="50" charset="-128"/>
+            </a:endParaRPr>
+          </a:p>
+          <a:p>
+            <a:pPr marL="82296" indent="0">
+              <a:buNone/>
+            </a:pPr>
+            <a:endParaRPr lang="en-US" altLang="ja-JP" dirty="0">
+              <a:latin typeface="メイリオ" panose="020B0604030504040204" pitchFamily="50" charset="-128"/>
+              <a:ea typeface="メイリオ" panose="020B0604030504040204" pitchFamily="50" charset="-128"/>
+              <a:cs typeface="メイリオ" panose="020B0604030504040204" pitchFamily="50" charset="-128"/>
+            </a:endParaRPr>
+          </a:p>
+          <a:p>
+            <a:pPr marL="82296" indent="0">
+              <a:buNone/>
+            </a:pPr>
+            <a:r>
+              <a:rPr lang="ja-JP" altLang="en-US" dirty="0" smtClean="0">
+                <a:latin typeface="メイリオ" panose="020B0604030504040204" pitchFamily="50" charset="-128"/>
+                <a:ea typeface="メイリオ" panose="020B0604030504040204" pitchFamily="50" charset="-128"/>
+                <a:cs typeface="メイリオ" panose="020B0604030504040204" pitchFamily="50" charset="-128"/>
+              </a:rPr>
+              <a:t>・ネットの情報しか見ていないので、参考書籍を見てみるのもいいかも</a:t>
+            </a:r>
+            <a:endParaRPr lang="en-US" altLang="ja-JP" dirty="0" smtClean="0">
+              <a:latin typeface="メイリオ" panose="020B0604030504040204" pitchFamily="50" charset="-128"/>
+              <a:ea typeface="メイリオ" panose="020B0604030504040204" pitchFamily="50" charset="-128"/>
+              <a:cs typeface="メイリオ" panose="020B0604030504040204" pitchFamily="50" charset="-128"/>
+            </a:endParaRPr>
+          </a:p>
+          <a:p>
+            <a:pPr marL="82296" indent="0">
+              <a:buNone/>
+            </a:pPr>
+            <a:endParaRPr lang="en-US" altLang="ja-JP" dirty="0" smtClean="0">
+              <a:latin typeface="メイリオ" panose="020B0604030504040204" pitchFamily="50" charset="-128"/>
+              <a:ea typeface="メイリオ" panose="020B0604030504040204" pitchFamily="50" charset="-128"/>
+              <a:cs typeface="メイリオ" panose="020B0604030504040204" pitchFamily="50" charset="-128"/>
+            </a:endParaRPr>
+          </a:p>
+          <a:p>
+            <a:pPr marL="82296" indent="0">
+              <a:buNone/>
+            </a:pPr>
+            <a:r>
+              <a:rPr lang="ja-JP" altLang="en-US" dirty="0" smtClean="0">
+                <a:latin typeface="メイリオ" panose="020B0604030504040204" pitchFamily="50" charset="-128"/>
+                <a:ea typeface="メイリオ" panose="020B0604030504040204" pitchFamily="50" charset="-128"/>
+                <a:cs typeface="メイリオ" panose="020B0604030504040204" pitchFamily="50" charset="-128"/>
+              </a:rPr>
+              <a:t>・エディタに慣れるのはいいけど、折角だし何か書かないと意味ない</a:t>
+            </a:r>
+            <a:endParaRPr lang="en-US" altLang="ja-JP" dirty="0">
+              <a:latin typeface="メイリオ" panose="020B0604030504040204" pitchFamily="50" charset="-128"/>
+              <a:ea typeface="メイリオ" panose="020B0604030504040204" pitchFamily="50" charset="-128"/>
+              <a:cs typeface="メイリオ" panose="020B0604030504040204" pitchFamily="50" charset="-128"/>
+            </a:endParaRPr>
+          </a:p>
+          <a:p>
+            <a:pPr marL="82296" indent="0">
+              <a:buNone/>
+            </a:pPr>
+            <a:endParaRPr lang="en-US" altLang="ja-JP" dirty="0">
+              <a:latin typeface="メイリオ" panose="020B0604030504040204" pitchFamily="50" charset="-128"/>
+              <a:ea typeface="メイリオ" panose="020B0604030504040204" pitchFamily="50" charset="-128"/>
+              <a:cs typeface="メイリオ" panose="020B0604030504040204" pitchFamily="50" charset="-128"/>
+            </a:endParaRPr>
+          </a:p>
+          <a:p>
+            <a:pPr marL="82296" indent="0">
+              <a:buNone/>
+            </a:pPr>
+            <a:r>
+              <a:rPr lang="ja-JP" altLang="en-US" dirty="0" smtClean="0">
+                <a:latin typeface="メイリオ" panose="020B0604030504040204" pitchFamily="50" charset="-128"/>
+                <a:ea typeface="メイリオ" panose="020B0604030504040204" pitchFamily="50" charset="-128"/>
+                <a:cs typeface="メイリオ" panose="020B0604030504040204" pitchFamily="50" charset="-128"/>
+              </a:rPr>
+              <a:t>・</a:t>
+            </a:r>
+            <a:r>
+              <a:rPr lang="ja-JP" altLang="en-US" strike="sngStrike" dirty="0" smtClean="0">
+                <a:latin typeface="メイリオ" panose="020B0604030504040204" pitchFamily="50" charset="-128"/>
+                <a:ea typeface="メイリオ" panose="020B0604030504040204" pitchFamily="50" charset="-128"/>
+                <a:cs typeface="メイリオ" panose="020B0604030504040204" pitchFamily="50" charset="-128"/>
+              </a:rPr>
+              <a:t>きたるエディタ宗教戦争に備えて</a:t>
+            </a:r>
+            <a:r>
+              <a:rPr lang="en-US" altLang="ja-JP" dirty="0" err="1" smtClean="0">
+                <a:latin typeface="メイリオ" panose="020B0604030504040204" pitchFamily="50" charset="-128"/>
+                <a:ea typeface="メイリオ" panose="020B0604030504040204" pitchFamily="50" charset="-128"/>
+                <a:cs typeface="メイリオ" panose="020B0604030504040204" pitchFamily="50" charset="-128"/>
+              </a:rPr>
+              <a:t>Emacs</a:t>
+            </a:r>
+            <a:r>
+              <a:rPr lang="ja-JP" altLang="en-US" dirty="0" smtClean="0">
+                <a:latin typeface="メイリオ" panose="020B0604030504040204" pitchFamily="50" charset="-128"/>
+                <a:ea typeface="メイリオ" panose="020B0604030504040204" pitchFamily="50" charset="-128"/>
+                <a:cs typeface="メイリオ" panose="020B0604030504040204" pitchFamily="50" charset="-128"/>
+              </a:rPr>
+              <a:t>もちょっと触ってみたい</a:t>
+            </a:r>
+            <a:endParaRPr lang="en-US" altLang="ja-JP" dirty="0" smtClean="0">
               <a:latin typeface="メイリオ" panose="020B0604030504040204" pitchFamily="50" charset="-128"/>
               <a:ea typeface="メイリオ" panose="020B0604030504040204" pitchFamily="50" charset="-128"/>
               <a:cs typeface="メイリオ" panose="020B0604030504040204" pitchFamily="50" charset="-128"/>
@@ -12097,7 +11979,7 @@
     </p:spTree>
     <p:extLst>
       <p:ext uri="{BB962C8B-B14F-4D97-AF65-F5344CB8AC3E}">
-        <p14:creationId xmlns:p14="http://schemas.microsoft.com/office/powerpoint/2010/main" val="3146739693"/>
+        <p14:creationId xmlns:p14="http://schemas.microsoft.com/office/powerpoint/2010/main" val="963282508"/>
       </p:ext>
     </p:extLst>
   </p:cSld>
@@ -12147,15 +12029,31 @@
                 <a:ea typeface="メイリオ" panose="020B0604030504040204" pitchFamily="50" charset="-128"/>
                 <a:cs typeface="メイリオ" panose="020B0604030504040204" pitchFamily="50" charset="-128"/>
               </a:rPr>
-              <a:t>使った</a:t>
-            </a:r>
-            <a:r>
-              <a:rPr kumimoji="1" lang="en-US" altLang="ja-JP" dirty="0" smtClean="0">
-                <a:latin typeface="メイリオ" panose="020B0604030504040204" pitchFamily="50" charset="-128"/>
-                <a:ea typeface="メイリオ" panose="020B0604030504040204" pitchFamily="50" charset="-128"/>
-                <a:cs typeface="メイリオ" panose="020B0604030504040204" pitchFamily="50" charset="-128"/>
-              </a:rPr>
-              <a:t>vim</a:t>
+              <a:t>参考サイト</a:t>
+            </a:r>
+            <a:r>
+              <a:rPr kumimoji="1" lang="en-US" altLang="ja-JP" sz="1800" dirty="0" smtClean="0">
+                <a:latin typeface="メイリオ" panose="020B0604030504040204" pitchFamily="50" charset="-128"/>
+                <a:ea typeface="メイリオ" panose="020B0604030504040204" pitchFamily="50" charset="-128"/>
+                <a:cs typeface="メイリオ" panose="020B0604030504040204" pitchFamily="50" charset="-128"/>
+              </a:rPr>
+              <a:t>(</a:t>
+            </a:r>
+            <a:r>
+              <a:rPr kumimoji="1" lang="ja-JP" altLang="en-US" sz="1800" dirty="0" smtClean="0">
+                <a:latin typeface="メイリオ" panose="020B0604030504040204" pitchFamily="50" charset="-128"/>
+                <a:ea typeface="メイリオ" panose="020B0604030504040204" pitchFamily="50" charset="-128"/>
+                <a:cs typeface="メイリオ" panose="020B0604030504040204" pitchFamily="50" charset="-128"/>
+              </a:rPr>
+              <a:t>ホントはもっと沢山ある</a:t>
+            </a:r>
+            <a:r>
+              <a:rPr kumimoji="1" lang="en-US" altLang="ja-JP" sz="1800" dirty="0" smtClean="0">
+                <a:latin typeface="メイリオ" panose="020B0604030504040204" pitchFamily="50" charset="-128"/>
+                <a:ea typeface="メイリオ" panose="020B0604030504040204" pitchFamily="50" charset="-128"/>
+                <a:cs typeface="メイリオ" panose="020B0604030504040204" pitchFamily="50" charset="-128"/>
+              </a:rPr>
+              <a:t>)</a:t>
             </a:r>
             <a:endParaRPr kumimoji="1" lang="ja-JP" altLang="en-US" dirty="0">
               <a:latin typeface="メイリオ" panose="020B0604030504040204" pitchFamily="50" charset="-128"/>
@@ -12191,7 +12089,7 @@
               <a:buNone/>
             </a:pPr>
             <a:r>
-              <a:rPr lang="ja-JP" altLang="en-US" dirty="0" smtClean="0">
+              <a:rPr lang="ja-JP" altLang="en-US" sz="2400" dirty="0" smtClean="0">
                 <a:latin typeface="メイリオ" panose="020B0604030504040204" pitchFamily="50" charset="-128"/>
                 <a:ea typeface="メイリオ" panose="020B0604030504040204" pitchFamily="50" charset="-128"/>
                 <a:cs typeface="メイリオ" panose="020B0604030504040204" pitchFamily="50" charset="-128"/>
@@ -12199,181 +12097,251 @@
               <a:t>●</a:t>
             </a:r>
             <a:r>
-              <a:rPr lang="en-US" altLang="ja-JP" dirty="0" err="1" smtClean="0">
-                <a:latin typeface="メイリオ" panose="020B0604030504040204" pitchFamily="50" charset="-128"/>
-                <a:ea typeface="メイリオ" panose="020B0604030504040204" pitchFamily="50" charset="-128"/>
-                <a:cs typeface="メイリオ" panose="020B0604030504040204" pitchFamily="50" charset="-128"/>
-              </a:rPr>
-              <a:t>GitForWindows</a:t>
-            </a:r>
-            <a:r>
-              <a:rPr lang="ja-JP" altLang="en-US" dirty="0" smtClean="0">
-                <a:latin typeface="メイリオ" panose="020B0604030504040204" pitchFamily="50" charset="-128"/>
-                <a:ea typeface="メイリオ" panose="020B0604030504040204" pitchFamily="50" charset="-128"/>
-                <a:cs typeface="メイリオ" panose="020B0604030504040204" pitchFamily="50" charset="-128"/>
-              </a:rPr>
-              <a:t>同梱</a:t>
-            </a:r>
-            <a:r>
-              <a:rPr lang="en-US" altLang="ja-JP" dirty="0" smtClean="0">
+              <a:rPr lang="en-US" altLang="ja-JP" sz="2400" dirty="0" smtClean="0">
+                <a:latin typeface="メイリオ" panose="020B0604030504040204" pitchFamily="50" charset="-128"/>
+                <a:ea typeface="メイリオ" panose="020B0604030504040204" pitchFamily="50" charset="-128"/>
+                <a:cs typeface="メイリオ" panose="020B0604030504040204" pitchFamily="50" charset="-128"/>
+              </a:rPr>
+              <a:t>Learn Vim Progressively</a:t>
+            </a:r>
+          </a:p>
+          <a:p>
+            <a:pPr marL="82296" indent="0">
+              <a:buNone/>
+            </a:pPr>
+            <a:r>
+              <a:rPr lang="en-US" altLang="ja-JP" sz="2000" dirty="0" smtClean="0">
+                <a:latin typeface="メイリオ" panose="020B0604030504040204" pitchFamily="50" charset="-128"/>
+                <a:ea typeface="メイリオ" panose="020B0604030504040204" pitchFamily="50" charset="-128"/>
+                <a:cs typeface="メイリオ" panose="020B0604030504040204" pitchFamily="50" charset="-128"/>
+                <a:hlinkClick r:id="rId2"/>
+              </a:rPr>
+              <a:t>http</a:t>
+            </a:r>
+            <a:r>
+              <a:rPr lang="en-US" altLang="ja-JP" sz="2000" dirty="0">
+                <a:latin typeface="メイリオ" panose="020B0604030504040204" pitchFamily="50" charset="-128"/>
+                <a:ea typeface="メイリオ" panose="020B0604030504040204" pitchFamily="50" charset="-128"/>
+                <a:cs typeface="メイリオ" panose="020B0604030504040204" pitchFamily="50" charset="-128"/>
+                <a:hlinkClick r:id="rId2"/>
+              </a:rPr>
+              <a:t>://</a:t>
+            </a:r>
+            <a:r>
+              <a:rPr lang="en-US" altLang="ja-JP" sz="2000" dirty="0" smtClean="0">
+                <a:latin typeface="メイリオ" panose="020B0604030504040204" pitchFamily="50" charset="-128"/>
+                <a:ea typeface="メイリオ" panose="020B0604030504040204" pitchFamily="50" charset="-128"/>
+                <a:cs typeface="メイリオ" panose="020B0604030504040204" pitchFamily="50" charset="-128"/>
+                <a:hlinkClick r:id="rId2"/>
+              </a:rPr>
+              <a:t>mattn.kaoriya.net/software/vim/20110902125512.htm</a:t>
+            </a:r>
+            <a:endParaRPr lang="en-US" altLang="ja-JP" sz="2000" dirty="0" smtClean="0">
+              <a:latin typeface="メイリオ" panose="020B0604030504040204" pitchFamily="50" charset="-128"/>
+              <a:ea typeface="メイリオ" panose="020B0604030504040204" pitchFamily="50" charset="-128"/>
+              <a:cs typeface="メイリオ" panose="020B0604030504040204" pitchFamily="50" charset="-128"/>
+            </a:endParaRPr>
+          </a:p>
+          <a:p>
+            <a:pPr marL="82296" indent="0">
+              <a:buNone/>
+            </a:pPr>
+            <a:r>
+              <a:rPr lang="ja-JP" altLang="en-US" sz="2400" dirty="0" smtClean="0">
+                <a:latin typeface="メイリオ" panose="020B0604030504040204" pitchFamily="50" charset="-128"/>
+                <a:ea typeface="メイリオ" panose="020B0604030504040204" pitchFamily="50" charset="-128"/>
+                <a:cs typeface="メイリオ" panose="020B0604030504040204" pitchFamily="50" charset="-128"/>
+              </a:rPr>
+              <a:t>●</a:t>
+            </a:r>
+            <a:r>
+              <a:rPr lang="en-US" altLang="ja-JP" sz="2400" dirty="0" err="1" smtClean="0">
+                <a:latin typeface="メイリオ" panose="020B0604030504040204" pitchFamily="50" charset="-128"/>
+                <a:ea typeface="メイリオ" panose="020B0604030504040204" pitchFamily="50" charset="-128"/>
+                <a:cs typeface="メイリオ" panose="020B0604030504040204" pitchFamily="50" charset="-128"/>
+              </a:rPr>
+              <a:t>NeoBundle</a:t>
+            </a:r>
+            <a:r>
+              <a:rPr lang="ja-JP" altLang="en-US" sz="2400" dirty="0">
+                <a:latin typeface="メイリオ" panose="020B0604030504040204" pitchFamily="50" charset="-128"/>
+                <a:ea typeface="メイリオ" panose="020B0604030504040204" pitchFamily="50" charset="-128"/>
+                <a:cs typeface="メイリオ" panose="020B0604030504040204" pitchFamily="50" charset="-128"/>
+              </a:rPr>
+              <a:t>による</a:t>
+            </a:r>
+            <a:r>
+              <a:rPr lang="en-US" altLang="ja-JP" sz="2400" dirty="0">
                 <a:latin typeface="メイリオ" panose="020B0604030504040204" pitchFamily="50" charset="-128"/>
                 <a:ea typeface="メイリオ" panose="020B0604030504040204" pitchFamily="50" charset="-128"/>
                 <a:cs typeface="メイリオ" panose="020B0604030504040204" pitchFamily="50" charset="-128"/>
               </a:rPr>
               <a:t>Vim</a:t>
             </a:r>
-          </a:p>
-          <a:p>
-            <a:pPr marL="82296" indent="0">
-              <a:buNone/>
-            </a:pPr>
-            <a:r>
-              <a:rPr lang="ja-JP" altLang="en-US" sz="2800" dirty="0" smtClean="0">
-                <a:latin typeface="メイリオ" panose="020B0604030504040204" pitchFamily="50" charset="-128"/>
-                <a:ea typeface="メイリオ" panose="020B0604030504040204" pitchFamily="50" charset="-128"/>
-                <a:cs typeface="メイリオ" panose="020B0604030504040204" pitchFamily="50" charset="-128"/>
-              </a:rPr>
-              <a:t>プログラム開発に使う</a:t>
-            </a:r>
-            <a:r>
-              <a:rPr lang="ja-JP" altLang="en-US" sz="2800" dirty="0">
-                <a:latin typeface="メイリオ" panose="020B0604030504040204" pitchFamily="50" charset="-128"/>
-                <a:ea typeface="メイリオ" panose="020B0604030504040204" pitchFamily="50" charset="-128"/>
-                <a:cs typeface="メイリオ" panose="020B0604030504040204" pitchFamily="50" charset="-128"/>
-              </a:rPr>
-              <a:t>だけ</a:t>
-            </a:r>
-            <a:r>
-              <a:rPr lang="ja-JP" altLang="en-US" sz="2800" dirty="0" smtClean="0">
-                <a:latin typeface="メイリオ" panose="020B0604030504040204" pitchFamily="50" charset="-128"/>
-                <a:ea typeface="メイリオ" panose="020B0604030504040204" pitchFamily="50" charset="-128"/>
-                <a:cs typeface="メイリオ" panose="020B0604030504040204" pitchFamily="50" charset="-128"/>
-              </a:rPr>
-              <a:t>ならこれでよさそう。</a:t>
-            </a:r>
-            <a:endParaRPr lang="en-US" altLang="ja-JP" sz="2800" dirty="0" smtClean="0">
-              <a:latin typeface="メイリオ" panose="020B0604030504040204" pitchFamily="50" charset="-128"/>
-              <a:ea typeface="メイリオ" panose="020B0604030504040204" pitchFamily="50" charset="-128"/>
-              <a:cs typeface="メイリオ" panose="020B0604030504040204" pitchFamily="50" charset="-128"/>
-            </a:endParaRPr>
-          </a:p>
-          <a:p>
-            <a:pPr marL="82296" indent="0">
-              <a:buNone/>
-            </a:pPr>
-            <a:endParaRPr lang="en-US" altLang="ja-JP" dirty="0">
-              <a:latin typeface="メイリオ" panose="020B0604030504040204" pitchFamily="50" charset="-128"/>
-              <a:ea typeface="メイリオ" panose="020B0604030504040204" pitchFamily="50" charset="-128"/>
-              <a:cs typeface="メイリオ" panose="020B0604030504040204" pitchFamily="50" charset="-128"/>
-            </a:endParaRPr>
-          </a:p>
-          <a:p>
-            <a:pPr marL="82296" indent="0">
-              <a:buNone/>
-            </a:pPr>
-            <a:r>
-              <a:rPr lang="ja-JP" altLang="en-US" dirty="0" smtClean="0">
-                <a:latin typeface="メイリオ" panose="020B0604030504040204" pitchFamily="50" charset="-128"/>
-                <a:ea typeface="メイリオ" panose="020B0604030504040204" pitchFamily="50" charset="-128"/>
-                <a:cs typeface="メイリオ" panose="020B0604030504040204" pitchFamily="50" charset="-128"/>
-              </a:rPr>
-              <a:t>●</a:t>
-            </a:r>
-            <a:r>
-              <a:rPr lang="ja-JP" altLang="en-US" dirty="0" smtClean="0">
-                <a:latin typeface="メイリオ" panose="020B0604030504040204" pitchFamily="50" charset="-128"/>
-                <a:ea typeface="メイリオ" panose="020B0604030504040204" pitchFamily="50" charset="-128"/>
-                <a:cs typeface="メイリオ" panose="020B0604030504040204" pitchFamily="50" charset="-128"/>
-              </a:rPr>
-              <a:t>香り屋版</a:t>
-            </a:r>
-            <a:r>
-              <a:rPr lang="en-US" altLang="ja-JP" dirty="0" smtClean="0">
-                <a:latin typeface="メイリオ" panose="020B0604030504040204" pitchFamily="50" charset="-128"/>
-                <a:ea typeface="メイリオ" panose="020B0604030504040204" pitchFamily="50" charset="-128"/>
-                <a:cs typeface="メイリオ" panose="020B0604030504040204" pitchFamily="50" charset="-128"/>
-              </a:rPr>
-              <a:t>vim</a:t>
-            </a:r>
-            <a:endParaRPr lang="en-US" altLang="ja-JP" dirty="0" smtClean="0">
-              <a:latin typeface="メイリオ" panose="020B0604030504040204" pitchFamily="50" charset="-128"/>
-              <a:ea typeface="メイリオ" panose="020B0604030504040204" pitchFamily="50" charset="-128"/>
-              <a:cs typeface="メイリオ" panose="020B0604030504040204" pitchFamily="50" charset="-128"/>
-            </a:endParaRPr>
-          </a:p>
-          <a:p>
-            <a:pPr marL="82296" indent="0">
-              <a:buNone/>
-            </a:pPr>
-            <a:r>
-              <a:rPr lang="en-US" altLang="ja-JP" sz="2800" dirty="0">
-                <a:latin typeface="メイリオ" panose="020B0604030504040204" pitchFamily="50" charset="-128"/>
-                <a:ea typeface="メイリオ" panose="020B0604030504040204" pitchFamily="50" charset="-128"/>
-                <a:cs typeface="メイリオ" panose="020B0604030504040204" pitchFamily="50" charset="-128"/>
-                <a:hlinkClick r:id="rId2"/>
-              </a:rPr>
-              <a:t>http://www.kaoriya.net/software/vim</a:t>
-            </a:r>
-            <a:r>
-              <a:rPr lang="en-US" altLang="ja-JP" sz="2800" dirty="0" smtClean="0">
-                <a:latin typeface="メイリオ" panose="020B0604030504040204" pitchFamily="50" charset="-128"/>
-                <a:ea typeface="メイリオ" panose="020B0604030504040204" pitchFamily="50" charset="-128"/>
-                <a:cs typeface="メイリオ" panose="020B0604030504040204" pitchFamily="50" charset="-128"/>
-                <a:hlinkClick r:id="rId2"/>
+            <a:r>
+              <a:rPr lang="ja-JP" altLang="en-US" sz="2400" dirty="0">
+                <a:latin typeface="メイリオ" panose="020B0604030504040204" pitchFamily="50" charset="-128"/>
+                <a:ea typeface="メイリオ" panose="020B0604030504040204" pitchFamily="50" charset="-128"/>
+                <a:cs typeface="メイリオ" panose="020B0604030504040204" pitchFamily="50" charset="-128"/>
+              </a:rPr>
+              <a:t>プラグイン管理とおすすめ</a:t>
+            </a:r>
+            <a:r>
+              <a:rPr lang="ja-JP" altLang="en-US" sz="2400" dirty="0" smtClean="0">
+                <a:latin typeface="メイリオ" panose="020B0604030504040204" pitchFamily="50" charset="-128"/>
+                <a:ea typeface="メイリオ" panose="020B0604030504040204" pitchFamily="50" charset="-128"/>
+                <a:cs typeface="メイリオ" panose="020B0604030504040204" pitchFamily="50" charset="-128"/>
+              </a:rPr>
+              <a:t>プラグイン</a:t>
+            </a:r>
+            <a:endParaRPr lang="en-US" altLang="ja-JP" sz="2400" dirty="0" smtClean="0">
+              <a:latin typeface="メイリオ" panose="020B0604030504040204" pitchFamily="50" charset="-128"/>
+              <a:ea typeface="メイリオ" panose="020B0604030504040204" pitchFamily="50" charset="-128"/>
+              <a:cs typeface="メイリオ" panose="020B0604030504040204" pitchFamily="50" charset="-128"/>
+            </a:endParaRPr>
+          </a:p>
+          <a:p>
+            <a:pPr marL="82296" indent="0">
+              <a:buNone/>
+            </a:pPr>
+            <a:r>
+              <a:rPr lang="en-US" altLang="ja-JP" sz="2000" dirty="0">
+                <a:latin typeface="メイリオ" panose="020B0604030504040204" pitchFamily="50" charset="-128"/>
+                <a:ea typeface="メイリオ" panose="020B0604030504040204" pitchFamily="50" charset="-128"/>
+                <a:cs typeface="メイリオ" panose="020B0604030504040204" pitchFamily="50" charset="-128"/>
+                <a:hlinkClick r:id="rId3"/>
+              </a:rPr>
+              <a:t>http://catcher-in-the-tech.net/1063</a:t>
+            </a:r>
+            <a:r>
+              <a:rPr lang="en-US" altLang="ja-JP" sz="2000" dirty="0" smtClean="0">
+                <a:latin typeface="メイリオ" panose="020B0604030504040204" pitchFamily="50" charset="-128"/>
+                <a:ea typeface="メイリオ" panose="020B0604030504040204" pitchFamily="50" charset="-128"/>
+                <a:cs typeface="メイリオ" panose="020B0604030504040204" pitchFamily="50" charset="-128"/>
+                <a:hlinkClick r:id="rId3"/>
               </a:rPr>
               <a:t>/</a:t>
             </a:r>
-            <a:endParaRPr lang="en-US" altLang="ja-JP" sz="2800" dirty="0" smtClean="0">
-              <a:latin typeface="メイリオ" panose="020B0604030504040204" pitchFamily="50" charset="-128"/>
-              <a:ea typeface="メイリオ" panose="020B0604030504040204" pitchFamily="50" charset="-128"/>
-              <a:cs typeface="メイリオ" panose="020B0604030504040204" pitchFamily="50" charset="-128"/>
-            </a:endParaRPr>
-          </a:p>
-          <a:p>
-            <a:pPr marL="82296" indent="0">
-              <a:buNone/>
-            </a:pPr>
-            <a:r>
-              <a:rPr lang="en-US" altLang="ja-JP" sz="2800" dirty="0" smtClean="0">
-                <a:latin typeface="メイリオ" panose="020B0604030504040204" pitchFamily="50" charset="-128"/>
-                <a:ea typeface="メイリオ" panose="020B0604030504040204" pitchFamily="50" charset="-128"/>
-                <a:cs typeface="メイリオ" panose="020B0604030504040204" pitchFamily="50" charset="-128"/>
-              </a:rPr>
-              <a:t>Shift-</a:t>
-            </a:r>
-            <a:r>
-              <a:rPr lang="en-US" altLang="ja-JP" sz="2800" dirty="0" err="1" smtClean="0">
-                <a:latin typeface="メイリオ" panose="020B0604030504040204" pitchFamily="50" charset="-128"/>
-                <a:ea typeface="メイリオ" panose="020B0604030504040204" pitchFamily="50" charset="-128"/>
-                <a:cs typeface="メイリオ" panose="020B0604030504040204" pitchFamily="50" charset="-128"/>
-              </a:rPr>
-              <a:t>jis</a:t>
-            </a:r>
-            <a:r>
-              <a:rPr lang="ja-JP" altLang="en-US" sz="2800" dirty="0" smtClean="0">
-                <a:latin typeface="メイリオ" panose="020B0604030504040204" pitchFamily="50" charset="-128"/>
-                <a:ea typeface="メイリオ" panose="020B0604030504040204" pitchFamily="50" charset="-128"/>
-                <a:cs typeface="メイリオ" panose="020B0604030504040204" pitchFamily="50" charset="-128"/>
-              </a:rPr>
-              <a:t>が飛び交う日本語</a:t>
-            </a:r>
-            <a:r>
-              <a:rPr lang="en-US" altLang="ja-JP" sz="2800" dirty="0" smtClean="0">
-                <a:latin typeface="メイリオ" panose="020B0604030504040204" pitchFamily="50" charset="-128"/>
-                <a:ea typeface="メイリオ" panose="020B0604030504040204" pitchFamily="50" charset="-128"/>
-                <a:cs typeface="メイリオ" panose="020B0604030504040204" pitchFamily="50" charset="-128"/>
-              </a:rPr>
-              <a:t>windows</a:t>
-            </a:r>
-            <a:r>
-              <a:rPr lang="ja-JP" altLang="en-US" sz="2800" dirty="0" smtClean="0">
-                <a:latin typeface="メイリオ" panose="020B0604030504040204" pitchFamily="50" charset="-128"/>
-                <a:ea typeface="メイリオ" panose="020B0604030504040204" pitchFamily="50" charset="-128"/>
-                <a:cs typeface="メイリオ" panose="020B0604030504040204" pitchFamily="50" charset="-128"/>
-              </a:rPr>
-              <a:t>環境ならこれのほうがいいかも？</a:t>
-            </a:r>
-            <a:endParaRPr lang="en-US" altLang="ja-JP" sz="2800" dirty="0" smtClean="0">
+            <a:endParaRPr lang="en-US" altLang="ja-JP" sz="2000" dirty="0" smtClean="0">
+              <a:latin typeface="メイリオ" panose="020B0604030504040204" pitchFamily="50" charset="-128"/>
+              <a:ea typeface="メイリオ" panose="020B0604030504040204" pitchFamily="50" charset="-128"/>
+              <a:cs typeface="メイリオ" panose="020B0604030504040204" pitchFamily="50" charset="-128"/>
+            </a:endParaRPr>
+          </a:p>
+          <a:p>
+            <a:pPr marL="82296" indent="0">
+              <a:buNone/>
+            </a:pPr>
+            <a:r>
+              <a:rPr lang="ja-JP" altLang="en-US" sz="2400" dirty="0">
+                <a:latin typeface="メイリオ" panose="020B0604030504040204" pitchFamily="50" charset="-128"/>
+                <a:ea typeface="メイリオ" panose="020B0604030504040204" pitchFamily="50" charset="-128"/>
+                <a:cs typeface="メイリオ" panose="020B0604030504040204" pitchFamily="50" charset="-128"/>
+              </a:rPr>
+              <a:t>●ぼく</a:t>
+            </a:r>
+            <a:r>
+              <a:rPr lang="ja-JP" altLang="en-US" sz="2400" dirty="0" smtClean="0">
+                <a:latin typeface="メイリオ" panose="020B0604030504040204" pitchFamily="50" charset="-128"/>
+                <a:ea typeface="メイリオ" panose="020B0604030504040204" pitchFamily="50" charset="-128"/>
+                <a:cs typeface="メイリオ" panose="020B0604030504040204" pitchFamily="50" charset="-128"/>
+              </a:rPr>
+              <a:t>のかんがえたさいしょうの</a:t>
+            </a:r>
+            <a:r>
+              <a:rPr lang="en-US" altLang="ja-JP" sz="2400" dirty="0" err="1" smtClean="0">
+                <a:latin typeface="メイリオ" panose="020B0604030504040204" pitchFamily="50" charset="-128"/>
+                <a:ea typeface="メイリオ" panose="020B0604030504040204" pitchFamily="50" charset="-128"/>
+                <a:cs typeface="メイリオ" panose="020B0604030504040204" pitchFamily="50" charset="-128"/>
+              </a:rPr>
+              <a:t>vimrc</a:t>
+            </a:r>
+            <a:endParaRPr lang="en-US" altLang="ja-JP" sz="2400" dirty="0" smtClean="0">
+              <a:latin typeface="メイリオ" panose="020B0604030504040204" pitchFamily="50" charset="-128"/>
+              <a:ea typeface="メイリオ" panose="020B0604030504040204" pitchFamily="50" charset="-128"/>
+              <a:cs typeface="メイリオ" panose="020B0604030504040204" pitchFamily="50" charset="-128"/>
+            </a:endParaRPr>
+          </a:p>
+          <a:p>
+            <a:pPr marL="82296" indent="0">
+              <a:buNone/>
+            </a:pPr>
+            <a:r>
+              <a:rPr lang="en-US" altLang="ja-JP" sz="2000" dirty="0">
+                <a:latin typeface="メイリオ" panose="020B0604030504040204" pitchFamily="50" charset="-128"/>
+                <a:ea typeface="メイリオ" panose="020B0604030504040204" pitchFamily="50" charset="-128"/>
+                <a:cs typeface="メイリオ" panose="020B0604030504040204" pitchFamily="50" charset="-128"/>
+                <a:hlinkClick r:id="rId4"/>
+              </a:rPr>
+              <a:t>http://</a:t>
+            </a:r>
+            <a:r>
+              <a:rPr lang="en-US" altLang="ja-JP" sz="2000" dirty="0" smtClean="0">
+                <a:latin typeface="メイリオ" panose="020B0604030504040204" pitchFamily="50" charset="-128"/>
+                <a:ea typeface="メイリオ" panose="020B0604030504040204" pitchFamily="50" charset="-128"/>
+                <a:cs typeface="メイリオ" panose="020B0604030504040204" pitchFamily="50" charset="-128"/>
+                <a:hlinkClick r:id="rId4"/>
+              </a:rPr>
+              <a:t>deris.hatenablog.jp/entry/2014/05/20/235807</a:t>
+            </a:r>
+            <a:endParaRPr lang="en-US" altLang="ja-JP" sz="2000" dirty="0" smtClean="0">
+              <a:latin typeface="メイリオ" panose="020B0604030504040204" pitchFamily="50" charset="-128"/>
+              <a:ea typeface="メイリオ" panose="020B0604030504040204" pitchFamily="50" charset="-128"/>
+              <a:cs typeface="メイリオ" panose="020B0604030504040204" pitchFamily="50" charset="-128"/>
+            </a:endParaRPr>
+          </a:p>
+          <a:p>
+            <a:pPr marL="82296" indent="0">
+              <a:buNone/>
+            </a:pPr>
+            <a:r>
+              <a:rPr lang="ja-JP" altLang="en-US" sz="2400" dirty="0">
+                <a:latin typeface="メイリオ" panose="020B0604030504040204" pitchFamily="50" charset="-128"/>
+                <a:ea typeface="メイリオ" panose="020B0604030504040204" pitchFamily="50" charset="-128"/>
+                <a:cs typeface="メイリオ" panose="020B0604030504040204" pitchFamily="50" charset="-128"/>
+              </a:rPr>
+              <a:t>●エディタ</a:t>
+            </a:r>
+            <a:r>
+              <a:rPr lang="ja-JP" altLang="en-US" sz="2400" dirty="0" smtClean="0">
+                <a:latin typeface="メイリオ" panose="020B0604030504040204" pitchFamily="50" charset="-128"/>
+                <a:ea typeface="メイリオ" panose="020B0604030504040204" pitchFamily="50" charset="-128"/>
+                <a:cs typeface="メイリオ" panose="020B0604030504040204" pitchFamily="50" charset="-128"/>
+              </a:rPr>
+              <a:t>戦争</a:t>
+            </a:r>
+            <a:r>
+              <a:rPr lang="en-US" altLang="ja-JP" sz="2400" dirty="0" smtClean="0">
+                <a:latin typeface="メイリオ" panose="020B0604030504040204" pitchFamily="50" charset="-128"/>
+                <a:ea typeface="メイリオ" panose="020B0604030504040204" pitchFamily="50" charset="-128"/>
+                <a:cs typeface="メイリオ" panose="020B0604030504040204" pitchFamily="50" charset="-128"/>
+              </a:rPr>
+              <a:t>-Wikipedia</a:t>
+            </a:r>
+          </a:p>
+          <a:p>
+            <a:pPr marL="82296" indent="0">
+              <a:buNone/>
+            </a:pPr>
+            <a:r>
+              <a:rPr lang="en-US" altLang="ja-JP" sz="2400" dirty="0">
+                <a:latin typeface="メイリオ" panose="020B0604030504040204" pitchFamily="50" charset="-128"/>
+                <a:ea typeface="メイリオ" panose="020B0604030504040204" pitchFamily="50" charset="-128"/>
+                <a:cs typeface="メイリオ" panose="020B0604030504040204" pitchFamily="50" charset="-128"/>
+                <a:hlinkClick r:id="rId5"/>
+              </a:rPr>
+              <a:t>https://ja.wikipedia.org/wiki/%</a:t>
+            </a:r>
+            <a:r>
+              <a:rPr lang="en-US" altLang="ja-JP" sz="2400" dirty="0" smtClean="0">
+                <a:latin typeface="メイリオ" panose="020B0604030504040204" pitchFamily="50" charset="-128"/>
+                <a:ea typeface="メイリオ" panose="020B0604030504040204" pitchFamily="50" charset="-128"/>
+                <a:cs typeface="メイリオ" panose="020B0604030504040204" pitchFamily="50" charset="-128"/>
+                <a:hlinkClick r:id="rId5"/>
+              </a:rPr>
+              <a:t>E3%82%A8%E3%83%87%E3%82%A3%E3%82%BF%E6%88%A6%E4%BA%89</a:t>
+            </a:r>
+            <a:endParaRPr lang="en-US" altLang="ja-JP" sz="2400" dirty="0" smtClean="0">
               <a:latin typeface="メイリオ" panose="020B0604030504040204" pitchFamily="50" charset="-128"/>
               <a:ea typeface="メイリオ" panose="020B0604030504040204" pitchFamily="50" charset="-128"/>
               <a:cs typeface="メイリオ" panose="020B0604030504040204" pitchFamily="50" charset="-128"/>
@@ -12384,7 +12352,7 @@
     </p:spTree>
     <p:extLst>
       <p:ext uri="{BB962C8B-B14F-4D97-AF65-F5344CB8AC3E}">
-        <p14:creationId xmlns:p14="http://schemas.microsoft.com/office/powerpoint/2010/main" val="3239576281"/>
+        <p14:creationId xmlns:p14="http://schemas.microsoft.com/office/powerpoint/2010/main" val="3146739693"/>
       </p:ext>
     </p:extLst>
   </p:cSld>
@@ -12413,6 +12381,280 @@
       </p:grpSpPr>
       <p:sp>
         <p:nvSpPr>
+          <p:cNvPr id="2" name="タイトル 1"/>
+          <p:cNvSpPr>
+            <a:spLocks noGrp="1"/>
+          </p:cNvSpPr>
+          <p:nvPr>
+            <p:ph type="title"/>
+          </p:nvPr>
+        </p:nvSpPr>
+        <p:spPr/>
+        <p:txBody>
+          <a:bodyPr>
+            <a:normAutofit/>
+          </a:bodyPr>
+          <a:lstStyle/>
+          <a:p>
+            <a:r>
+              <a:rPr kumimoji="1" lang="ja-JP" altLang="en-US" dirty="0" smtClean="0">
+                <a:latin typeface="メイリオ" panose="020B0604030504040204" pitchFamily="50" charset="-128"/>
+                <a:ea typeface="メイリオ" panose="020B0604030504040204" pitchFamily="50" charset="-128"/>
+                <a:cs typeface="メイリオ" panose="020B0604030504040204" pitchFamily="50" charset="-128"/>
+              </a:rPr>
+              <a:t>使った</a:t>
+            </a:r>
+            <a:r>
+              <a:rPr kumimoji="1" lang="en-US" altLang="ja-JP" dirty="0" smtClean="0">
+                <a:latin typeface="メイリオ" panose="020B0604030504040204" pitchFamily="50" charset="-128"/>
+                <a:ea typeface="メイリオ" panose="020B0604030504040204" pitchFamily="50" charset="-128"/>
+                <a:cs typeface="メイリオ" panose="020B0604030504040204" pitchFamily="50" charset="-128"/>
+              </a:rPr>
+              <a:t>vim</a:t>
+            </a:r>
+            <a:endParaRPr kumimoji="1" lang="ja-JP" altLang="en-US" dirty="0">
+              <a:latin typeface="メイリオ" panose="020B0604030504040204" pitchFamily="50" charset="-128"/>
+              <a:ea typeface="メイリオ" panose="020B0604030504040204" pitchFamily="50" charset="-128"/>
+              <a:cs typeface="メイリオ" panose="020B0604030504040204" pitchFamily="50" charset="-128"/>
+            </a:endParaRPr>
+          </a:p>
+        </p:txBody>
+      </p:sp>
+      <p:sp>
+        <p:nvSpPr>
+          <p:cNvPr id="6" name="コンテンツ プレースホルダー 2"/>
+          <p:cNvSpPr>
+            <a:spLocks noGrp="1"/>
+          </p:cNvSpPr>
+          <p:nvPr>
+            <p:ph idx="1"/>
+          </p:nvPr>
+        </p:nvSpPr>
+        <p:spPr>
+          <a:xfrm>
+            <a:off x="1435608" y="1447800"/>
+            <a:ext cx="7498080" cy="5410200"/>
+          </a:xfrm>
+        </p:spPr>
+        <p:txBody>
+          <a:bodyPr>
+            <a:normAutofit/>
+          </a:bodyPr>
+          <a:lstStyle/>
+          <a:p>
+            <a:pPr marL="82296" indent="0">
+              <a:buNone/>
+            </a:pPr>
+            <a:r>
+              <a:rPr lang="ja-JP" altLang="en-US" dirty="0" smtClean="0">
+                <a:latin typeface="メイリオ" panose="020B0604030504040204" pitchFamily="50" charset="-128"/>
+                <a:ea typeface="メイリオ" panose="020B0604030504040204" pitchFamily="50" charset="-128"/>
+                <a:cs typeface="メイリオ" panose="020B0604030504040204" pitchFamily="50" charset="-128"/>
+              </a:rPr>
+              <a:t>●</a:t>
+            </a:r>
+            <a:r>
+              <a:rPr lang="en-US" altLang="ja-JP" dirty="0" err="1" smtClean="0">
+                <a:latin typeface="メイリオ" panose="020B0604030504040204" pitchFamily="50" charset="-128"/>
+                <a:ea typeface="メイリオ" panose="020B0604030504040204" pitchFamily="50" charset="-128"/>
+                <a:cs typeface="メイリオ" panose="020B0604030504040204" pitchFamily="50" charset="-128"/>
+              </a:rPr>
+              <a:t>GitForWindows</a:t>
+            </a:r>
+            <a:r>
+              <a:rPr lang="ja-JP" altLang="en-US" dirty="0" smtClean="0">
+                <a:latin typeface="メイリオ" panose="020B0604030504040204" pitchFamily="50" charset="-128"/>
+                <a:ea typeface="メイリオ" panose="020B0604030504040204" pitchFamily="50" charset="-128"/>
+                <a:cs typeface="メイリオ" panose="020B0604030504040204" pitchFamily="50" charset="-128"/>
+              </a:rPr>
+              <a:t>同梱</a:t>
+            </a:r>
+            <a:r>
+              <a:rPr lang="en-US" altLang="ja-JP" dirty="0" smtClean="0">
+                <a:latin typeface="メイリオ" panose="020B0604030504040204" pitchFamily="50" charset="-128"/>
+                <a:ea typeface="メイリオ" panose="020B0604030504040204" pitchFamily="50" charset="-128"/>
+                <a:cs typeface="メイリオ" panose="020B0604030504040204" pitchFamily="50" charset="-128"/>
+              </a:rPr>
+              <a:t>Vim</a:t>
+            </a:r>
+          </a:p>
+          <a:p>
+            <a:pPr marL="82296" indent="0">
+              <a:buNone/>
+            </a:pPr>
+            <a:r>
+              <a:rPr lang="ja-JP" altLang="en-US" sz="2800" dirty="0" smtClean="0">
+                <a:latin typeface="メイリオ" panose="020B0604030504040204" pitchFamily="50" charset="-128"/>
+                <a:ea typeface="メイリオ" panose="020B0604030504040204" pitchFamily="50" charset="-128"/>
+                <a:cs typeface="メイリオ" panose="020B0604030504040204" pitchFamily="50" charset="-128"/>
+              </a:rPr>
+              <a:t>プログラム開発に使う</a:t>
+            </a:r>
+            <a:r>
+              <a:rPr lang="ja-JP" altLang="en-US" sz="2800" dirty="0">
+                <a:latin typeface="メイリオ" panose="020B0604030504040204" pitchFamily="50" charset="-128"/>
+                <a:ea typeface="メイリオ" panose="020B0604030504040204" pitchFamily="50" charset="-128"/>
+                <a:cs typeface="メイリオ" panose="020B0604030504040204" pitchFamily="50" charset="-128"/>
+              </a:rPr>
+              <a:t>だけ</a:t>
+            </a:r>
+            <a:r>
+              <a:rPr lang="ja-JP" altLang="en-US" sz="2800" dirty="0" smtClean="0">
+                <a:latin typeface="メイリオ" panose="020B0604030504040204" pitchFamily="50" charset="-128"/>
+                <a:ea typeface="メイリオ" panose="020B0604030504040204" pitchFamily="50" charset="-128"/>
+                <a:cs typeface="メイリオ" panose="020B0604030504040204" pitchFamily="50" charset="-128"/>
+              </a:rPr>
+              <a:t>ならこれでよさそう。</a:t>
+            </a:r>
+            <a:endParaRPr lang="en-US" altLang="ja-JP" sz="2800" dirty="0" smtClean="0">
+              <a:latin typeface="メイリオ" panose="020B0604030504040204" pitchFamily="50" charset="-128"/>
+              <a:ea typeface="メイリオ" panose="020B0604030504040204" pitchFamily="50" charset="-128"/>
+              <a:cs typeface="メイリオ" panose="020B0604030504040204" pitchFamily="50" charset="-128"/>
+            </a:endParaRPr>
+          </a:p>
+          <a:p>
+            <a:pPr marL="82296" indent="0">
+              <a:buNone/>
+            </a:pPr>
+            <a:endParaRPr lang="en-US" altLang="ja-JP" dirty="0">
+              <a:latin typeface="メイリオ" panose="020B0604030504040204" pitchFamily="50" charset="-128"/>
+              <a:ea typeface="メイリオ" panose="020B0604030504040204" pitchFamily="50" charset="-128"/>
+              <a:cs typeface="メイリオ" panose="020B0604030504040204" pitchFamily="50" charset="-128"/>
+            </a:endParaRPr>
+          </a:p>
+          <a:p>
+            <a:pPr marL="82296" indent="0">
+              <a:buNone/>
+            </a:pPr>
+            <a:r>
+              <a:rPr lang="ja-JP" altLang="en-US" dirty="0" smtClean="0">
+                <a:latin typeface="メイリオ" panose="020B0604030504040204" pitchFamily="50" charset="-128"/>
+                <a:ea typeface="メイリオ" panose="020B0604030504040204" pitchFamily="50" charset="-128"/>
+                <a:cs typeface="メイリオ" panose="020B0604030504040204" pitchFamily="50" charset="-128"/>
+              </a:rPr>
+              <a:t>●香り屋版</a:t>
+            </a:r>
+            <a:r>
+              <a:rPr lang="en-US" altLang="ja-JP" dirty="0" smtClean="0">
+                <a:latin typeface="メイリオ" panose="020B0604030504040204" pitchFamily="50" charset="-128"/>
+                <a:ea typeface="メイリオ" panose="020B0604030504040204" pitchFamily="50" charset="-128"/>
+                <a:cs typeface="メイリオ" panose="020B0604030504040204" pitchFamily="50" charset="-128"/>
+              </a:rPr>
+              <a:t>vim</a:t>
+            </a:r>
+          </a:p>
+          <a:p>
+            <a:pPr marL="82296" indent="0">
+              <a:buNone/>
+            </a:pPr>
+            <a:r>
+              <a:rPr lang="en-US" altLang="ja-JP" sz="2800" dirty="0">
+                <a:latin typeface="メイリオ" panose="020B0604030504040204" pitchFamily="50" charset="-128"/>
+                <a:ea typeface="メイリオ" panose="020B0604030504040204" pitchFamily="50" charset="-128"/>
+                <a:cs typeface="メイリオ" panose="020B0604030504040204" pitchFamily="50" charset="-128"/>
+                <a:hlinkClick r:id="rId2"/>
+              </a:rPr>
+              <a:t>http://www.kaoriya.net/software/vim</a:t>
+            </a:r>
+            <a:r>
+              <a:rPr lang="en-US" altLang="ja-JP" sz="2800" dirty="0" smtClean="0">
+                <a:latin typeface="メイリオ" panose="020B0604030504040204" pitchFamily="50" charset="-128"/>
+                <a:ea typeface="メイリオ" panose="020B0604030504040204" pitchFamily="50" charset="-128"/>
+                <a:cs typeface="メイリオ" panose="020B0604030504040204" pitchFamily="50" charset="-128"/>
+                <a:hlinkClick r:id="rId2"/>
+              </a:rPr>
+              <a:t>/</a:t>
+            </a:r>
+            <a:endParaRPr lang="en-US" altLang="ja-JP" sz="2800" dirty="0" smtClean="0">
+              <a:latin typeface="メイリオ" panose="020B0604030504040204" pitchFamily="50" charset="-128"/>
+              <a:ea typeface="メイリオ" panose="020B0604030504040204" pitchFamily="50" charset="-128"/>
+              <a:cs typeface="メイリオ" panose="020B0604030504040204" pitchFamily="50" charset="-128"/>
+            </a:endParaRPr>
+          </a:p>
+          <a:p>
+            <a:pPr marL="82296" indent="0">
+              <a:buNone/>
+            </a:pPr>
+            <a:r>
+              <a:rPr lang="en-US" altLang="ja-JP" sz="2800" dirty="0" smtClean="0">
+                <a:latin typeface="メイリオ" panose="020B0604030504040204" pitchFamily="50" charset="-128"/>
+                <a:ea typeface="メイリオ" panose="020B0604030504040204" pitchFamily="50" charset="-128"/>
+                <a:cs typeface="メイリオ" panose="020B0604030504040204" pitchFamily="50" charset="-128"/>
+              </a:rPr>
+              <a:t>Shift-</a:t>
+            </a:r>
+            <a:r>
+              <a:rPr lang="en-US" altLang="ja-JP" sz="2800" dirty="0" err="1" smtClean="0">
+                <a:latin typeface="メイリオ" panose="020B0604030504040204" pitchFamily="50" charset="-128"/>
+                <a:ea typeface="メイリオ" panose="020B0604030504040204" pitchFamily="50" charset="-128"/>
+                <a:cs typeface="メイリオ" panose="020B0604030504040204" pitchFamily="50" charset="-128"/>
+              </a:rPr>
+              <a:t>jis</a:t>
+            </a:r>
+            <a:r>
+              <a:rPr lang="ja-JP" altLang="en-US" sz="2800" dirty="0" smtClean="0">
+                <a:latin typeface="メイリオ" panose="020B0604030504040204" pitchFamily="50" charset="-128"/>
+                <a:ea typeface="メイリオ" panose="020B0604030504040204" pitchFamily="50" charset="-128"/>
+                <a:cs typeface="メイリオ" panose="020B0604030504040204" pitchFamily="50" charset="-128"/>
+              </a:rPr>
+              <a:t>が飛び交う日本語</a:t>
+            </a:r>
+            <a:r>
+              <a:rPr lang="en-US" altLang="ja-JP" sz="2800" dirty="0" smtClean="0">
+                <a:latin typeface="メイリオ" panose="020B0604030504040204" pitchFamily="50" charset="-128"/>
+                <a:ea typeface="メイリオ" panose="020B0604030504040204" pitchFamily="50" charset="-128"/>
+                <a:cs typeface="メイリオ" panose="020B0604030504040204" pitchFamily="50" charset="-128"/>
+              </a:rPr>
+              <a:t>windows</a:t>
+            </a:r>
+            <a:r>
+              <a:rPr lang="ja-JP" altLang="en-US" sz="2800" dirty="0" smtClean="0">
+                <a:latin typeface="メイリオ" panose="020B0604030504040204" pitchFamily="50" charset="-128"/>
+                <a:ea typeface="メイリオ" panose="020B0604030504040204" pitchFamily="50" charset="-128"/>
+                <a:cs typeface="メイリオ" panose="020B0604030504040204" pitchFamily="50" charset="-128"/>
+              </a:rPr>
+              <a:t>環境ならこれのほうがいいかも？</a:t>
+            </a:r>
+            <a:endParaRPr lang="en-US" altLang="ja-JP" sz="2800" dirty="0" smtClean="0">
+              <a:latin typeface="メイリオ" panose="020B0604030504040204" pitchFamily="50" charset="-128"/>
+              <a:ea typeface="メイリオ" panose="020B0604030504040204" pitchFamily="50" charset="-128"/>
+              <a:cs typeface="メイリオ" panose="020B0604030504040204" pitchFamily="50" charset="-128"/>
+            </a:endParaRPr>
+          </a:p>
+        </p:txBody>
+      </p:sp>
+    </p:spTree>
+    <p:extLst>
+      <p:ext uri="{BB962C8B-B14F-4D97-AF65-F5344CB8AC3E}">
+        <p14:creationId xmlns:p14="http://schemas.microsoft.com/office/powerpoint/2010/main" val="3239576281"/>
+      </p:ext>
+    </p:extLst>
+  </p:cSld>
+  <p:clrMapOvr>
+    <a:masterClrMapping/>
+  </p:clrMapOvr>
+</p:sld>
+</file>
+
+<file path=ppt/slides/slide36.xml><?xml version="1.0" encoding="utf-8"?>
+<p:sld xmlns:a="http://schemas.openxmlformats.org/drawingml/2006/main" xmlns:r="http://schemas.openxmlformats.org/officeDocument/2006/relationships" xmlns:p="http://schemas.openxmlformats.org/presentationml/2006/main">
+  <p:cSld>
+    <p:spTree>
+      <p:nvGrpSpPr>
+        <p:cNvPr id="1" name=""/>
+        <p:cNvGrpSpPr/>
+        <p:nvPr/>
+      </p:nvGrpSpPr>
+      <p:grpSpPr>
+        <a:xfrm>
+          <a:off x="0" y="0"/>
+          <a:ext cx="0" cy="0"/>
+          <a:chOff x="0" y="0"/>
+          <a:chExt cx="0" cy="0"/>
+        </a:xfrm>
+      </p:grpSpPr>
+      <p:sp>
+        <p:nvSpPr>
           <p:cNvPr id="3" name="コンテンツ プレースホルダー 2"/>
           <p:cNvSpPr>
             <a:spLocks noGrp="1"/>
@@ -12488,7 +12730,7 @@
 </p:sld>
 </file>
 
-<file path=ppt/slides/slide36.xml><?xml version="1.0" encoding="utf-8"?>
+<file path=ppt/slides/slide37.xml><?xml version="1.0" encoding="utf-8"?>
 <p:sld xmlns:a="http://schemas.openxmlformats.org/drawingml/2006/main" xmlns:r="http://schemas.openxmlformats.org/officeDocument/2006/relationships" xmlns:p="http://schemas.openxmlformats.org/presentationml/2006/main">
   <p:cSld>
     <p:spTree>

--- a/vimmer.pptx
+++ b/vimmer.pptx
@@ -244,7 +244,7 @@
           <a:p>
             <a:fld id="{8D263F39-D51C-4E83-A55F-F58FD749E3F1}" type="datetimeFigureOut">
               <a:rPr kumimoji="1" lang="ja-JP" altLang="en-US" smtClean="0"/>
-              <a:t>2015/11/16</a:t>
+              <a:t>2015/11/25</a:t>
             </a:fld>
             <a:endParaRPr kumimoji="1" lang="ja-JP" altLang="en-US"/>
           </a:p>
@@ -678,7 +678,7 @@
           <a:p>
             <a:fld id="{39378AC4-C49C-4159-B332-7738B007311C}" type="datetimeFigureOut">
               <a:rPr kumimoji="1" lang="ja-JP" altLang="en-US" smtClean="0"/>
-              <a:t>2015/11/16</a:t>
+              <a:t>2015/11/25</a:t>
             </a:fld>
             <a:endParaRPr kumimoji="1" lang="ja-JP" altLang="en-US"/>
           </a:p>
@@ -1023,7 +1023,7 @@
           <a:p>
             <a:fld id="{39378AC4-C49C-4159-B332-7738B007311C}" type="datetimeFigureOut">
               <a:rPr kumimoji="1" lang="ja-JP" altLang="en-US" smtClean="0"/>
-              <a:t>2015/11/16</a:t>
+              <a:t>2015/11/25</a:t>
             </a:fld>
             <a:endParaRPr kumimoji="1" lang="ja-JP" altLang="en-US"/>
           </a:p>
@@ -1240,7 +1240,7 @@
           <a:p>
             <a:fld id="{39378AC4-C49C-4159-B332-7738B007311C}" type="datetimeFigureOut">
               <a:rPr kumimoji="1" lang="ja-JP" altLang="en-US" smtClean="0"/>
-              <a:t>2015/11/16</a:t>
+              <a:t>2015/11/25</a:t>
             </a:fld>
             <a:endParaRPr kumimoji="1" lang="ja-JP" altLang="en-US"/>
           </a:p>
@@ -1447,7 +1447,7 @@
           <a:p>
             <a:fld id="{39378AC4-C49C-4159-B332-7738B007311C}" type="datetimeFigureOut">
               <a:rPr kumimoji="1" lang="ja-JP" altLang="en-US" smtClean="0"/>
-              <a:t>2015/11/16</a:t>
+              <a:t>2015/11/25</a:t>
             </a:fld>
             <a:endParaRPr kumimoji="1" lang="ja-JP" altLang="en-US"/>
           </a:p>
@@ -1715,7 +1715,7 @@
           <a:p>
             <a:fld id="{39378AC4-C49C-4159-B332-7738B007311C}" type="datetimeFigureOut">
               <a:rPr kumimoji="1" lang="ja-JP" altLang="en-US" smtClean="0"/>
-              <a:t>2015/11/16</a:t>
+              <a:t>2015/11/25</a:t>
             </a:fld>
             <a:endParaRPr kumimoji="1" lang="ja-JP" altLang="en-US"/>
           </a:p>
@@ -2247,7 +2247,7 @@
           <a:p>
             <a:fld id="{39378AC4-C49C-4159-B332-7738B007311C}" type="datetimeFigureOut">
               <a:rPr kumimoji="1" lang="ja-JP" altLang="en-US" smtClean="0"/>
-              <a:t>2015/11/16</a:t>
+              <a:t>2015/11/25</a:t>
             </a:fld>
             <a:endParaRPr kumimoji="1" lang="ja-JP" altLang="en-US"/>
           </a:p>
@@ -2800,7 +2800,7 @@
           <a:p>
             <a:fld id="{39378AC4-C49C-4159-B332-7738B007311C}" type="datetimeFigureOut">
               <a:rPr kumimoji="1" lang="ja-JP" altLang="en-US" smtClean="0"/>
-              <a:t>2015/11/16</a:t>
+              <a:t>2015/11/25</a:t>
             </a:fld>
             <a:endParaRPr kumimoji="1" lang="ja-JP" altLang="en-US"/>
           </a:p>
@@ -2926,7 +2926,7 @@
           <a:p>
             <a:fld id="{39378AC4-C49C-4159-B332-7738B007311C}" type="datetimeFigureOut">
               <a:rPr kumimoji="1" lang="ja-JP" altLang="en-US" smtClean="0"/>
-              <a:t>2015/11/16</a:t>
+              <a:t>2015/11/25</a:t>
             </a:fld>
             <a:endParaRPr kumimoji="1" lang="ja-JP" altLang="en-US"/>
           </a:p>
@@ -3070,7 +3070,7 @@
           <a:p>
             <a:fld id="{39378AC4-C49C-4159-B332-7738B007311C}" type="datetimeFigureOut">
               <a:rPr kumimoji="1" lang="ja-JP" altLang="en-US" smtClean="0"/>
-              <a:t>2015/11/16</a:t>
+              <a:t>2015/11/25</a:t>
             </a:fld>
             <a:endParaRPr kumimoji="1" lang="ja-JP" altLang="en-US"/>
           </a:p>
@@ -3424,7 +3424,7 @@
           <a:p>
             <a:fld id="{39378AC4-C49C-4159-B332-7738B007311C}" type="datetimeFigureOut">
               <a:rPr kumimoji="1" lang="ja-JP" altLang="en-US" smtClean="0"/>
-              <a:t>2015/11/16</a:t>
+              <a:t>2015/11/25</a:t>
             </a:fld>
             <a:endParaRPr kumimoji="1" lang="ja-JP" altLang="en-US"/>
           </a:p>
@@ -3558,7 +3558,7 @@
           <a:p>
             <a:fld id="{39378AC4-C49C-4159-B332-7738B007311C}" type="datetimeFigureOut">
               <a:rPr kumimoji="1" lang="ja-JP" altLang="en-US" smtClean="0"/>
-              <a:t>2015/11/16</a:t>
+              <a:t>2015/11/25</a:t>
             </a:fld>
             <a:endParaRPr kumimoji="1" lang="ja-JP" altLang="en-US"/>
           </a:p>
@@ -4371,7 +4371,7 @@
           <a:p>
             <a:fld id="{39378AC4-C49C-4159-B332-7738B007311C}" type="datetimeFigureOut">
               <a:rPr kumimoji="1" lang="ja-JP" altLang="en-US" smtClean="0"/>
-              <a:t>2015/11/16</a:t>
+              <a:t>2015/11/25</a:t>
             </a:fld>
             <a:endParaRPr kumimoji="1" lang="ja-JP" altLang="en-US"/>
           </a:p>
@@ -8118,15 +8118,7 @@
                 <a:ea typeface="メイリオ" panose="020B0604030504040204" pitchFamily="50" charset="-128"/>
                 <a:cs typeface="メイリオ" panose="020B0604030504040204" pitchFamily="50" charset="-128"/>
               </a:rPr>
-              <a:t>＝←</a:t>
-            </a:r>
-            <a:r>
-              <a:rPr lang="ja-JP" altLang="en-US" dirty="0" smtClean="0">
-                <a:latin typeface="メイリオ" panose="020B0604030504040204" pitchFamily="50" charset="-128"/>
-                <a:ea typeface="メイリオ" panose="020B0604030504040204" pitchFamily="50" charset="-128"/>
-                <a:cs typeface="メイリオ" panose="020B0604030504040204" pitchFamily="50" charset="-128"/>
-              </a:rPr>
-              <a:t>↑↓→</a:t>
+              <a:t>＝←↑↓→</a:t>
             </a:r>
             <a:endParaRPr lang="en-US" altLang="ja-JP" dirty="0" smtClean="0">
               <a:latin typeface="メイリオ" panose="020B0604030504040204" pitchFamily="50" charset="-128"/>
@@ -8144,65 +8136,49 @@
                 <a:ea typeface="メイリオ" panose="020B0604030504040204" pitchFamily="50" charset="-128"/>
                 <a:cs typeface="メイリオ" panose="020B0604030504040204" pitchFamily="50" charset="-128"/>
               </a:rPr>
-              <a:t>0, </a:t>
-            </a:r>
+              <a:t>0, $</a:t>
+            </a:r>
+            <a:r>
+              <a:rPr lang="ja-JP" altLang="en-US" dirty="0" smtClean="0">
+                <a:latin typeface="メイリオ" panose="020B0604030504040204" pitchFamily="50" charset="-128"/>
+                <a:ea typeface="メイリオ" panose="020B0604030504040204" pitchFamily="50" charset="-128"/>
+                <a:cs typeface="メイリオ" panose="020B0604030504040204" pitchFamily="50" charset="-128"/>
+              </a:rPr>
+              <a:t>＝</a:t>
+            </a:r>
+            <a:r>
+              <a:rPr lang="ja-JP" altLang="en-US" dirty="0">
+                <a:latin typeface="メイリオ" panose="020B0604030504040204" pitchFamily="50" charset="-128"/>
+                <a:ea typeface="メイリオ" panose="020B0604030504040204" pitchFamily="50" charset="-128"/>
+                <a:cs typeface="メイリオ" panose="020B0604030504040204" pitchFamily="50" charset="-128"/>
+              </a:rPr>
+              <a:t>行頭</a:t>
+            </a:r>
+            <a:r>
+              <a:rPr lang="ja-JP" altLang="en-US" dirty="0" smtClean="0">
+                <a:latin typeface="メイリオ" panose="020B0604030504040204" pitchFamily="50" charset="-128"/>
+                <a:ea typeface="メイリオ" panose="020B0604030504040204" pitchFamily="50" charset="-128"/>
+                <a:cs typeface="メイリオ" panose="020B0604030504040204" pitchFamily="50" charset="-128"/>
+              </a:rPr>
+              <a:t>、行末移動</a:t>
+            </a:r>
+            <a:endParaRPr lang="en-US" altLang="ja-JP" dirty="0" smtClean="0">
+              <a:latin typeface="メイリオ" panose="020B0604030504040204" pitchFamily="50" charset="-128"/>
+              <a:ea typeface="メイリオ" panose="020B0604030504040204" pitchFamily="50" charset="-128"/>
+              <a:cs typeface="メイリオ" panose="020B0604030504040204" pitchFamily="50" charset="-128"/>
+            </a:endParaRPr>
+          </a:p>
+          <a:p>
+            <a:pPr marL="82296" indent="0">
+              <a:buNone/>
+            </a:pPr>
             <a:r>
               <a:rPr lang="en-US" altLang="ja-JP" dirty="0" smtClean="0">
                 <a:latin typeface="メイリオ" panose="020B0604030504040204" pitchFamily="50" charset="-128"/>
                 <a:ea typeface="メイリオ" panose="020B0604030504040204" pitchFamily="50" charset="-128"/>
                 <a:cs typeface="メイリオ" panose="020B0604030504040204" pitchFamily="50" charset="-128"/>
               </a:rPr>
-              <a:t>$</a:t>
-            </a:r>
-            <a:r>
-              <a:rPr lang="ja-JP" altLang="en-US" dirty="0" smtClean="0">
-                <a:latin typeface="メイリオ" panose="020B0604030504040204" pitchFamily="50" charset="-128"/>
-                <a:ea typeface="メイリオ" panose="020B0604030504040204" pitchFamily="50" charset="-128"/>
-                <a:cs typeface="メイリオ" panose="020B0604030504040204" pitchFamily="50" charset="-128"/>
-              </a:rPr>
-              <a:t>＝</a:t>
-            </a:r>
-            <a:r>
-              <a:rPr lang="ja-JP" altLang="en-US" dirty="0">
-                <a:latin typeface="メイリオ" panose="020B0604030504040204" pitchFamily="50" charset="-128"/>
-                <a:ea typeface="メイリオ" panose="020B0604030504040204" pitchFamily="50" charset="-128"/>
-                <a:cs typeface="メイリオ" panose="020B0604030504040204" pitchFamily="50" charset="-128"/>
-              </a:rPr>
-              <a:t>行頭</a:t>
-            </a:r>
-            <a:r>
-              <a:rPr lang="ja-JP" altLang="en-US" dirty="0" smtClean="0">
-                <a:latin typeface="メイリオ" panose="020B0604030504040204" pitchFamily="50" charset="-128"/>
-                <a:ea typeface="メイリオ" panose="020B0604030504040204" pitchFamily="50" charset="-128"/>
-                <a:cs typeface="メイリオ" panose="020B0604030504040204" pitchFamily="50" charset="-128"/>
-              </a:rPr>
-              <a:t>、行末移動</a:t>
-            </a:r>
-            <a:endParaRPr lang="en-US" altLang="ja-JP" dirty="0" smtClean="0">
-              <a:latin typeface="メイリオ" panose="020B0604030504040204" pitchFamily="50" charset="-128"/>
-              <a:ea typeface="メイリオ" panose="020B0604030504040204" pitchFamily="50" charset="-128"/>
-              <a:cs typeface="メイリオ" panose="020B0604030504040204" pitchFamily="50" charset="-128"/>
-            </a:endParaRPr>
-          </a:p>
-          <a:p>
-            <a:pPr marL="82296" indent="0">
-              <a:buNone/>
-            </a:pPr>
-            <a:r>
-              <a:rPr lang="en-US" altLang="ja-JP" dirty="0" smtClean="0">
-                <a:latin typeface="メイリオ" panose="020B0604030504040204" pitchFamily="50" charset="-128"/>
-                <a:ea typeface="メイリオ" panose="020B0604030504040204" pitchFamily="50" charset="-128"/>
-                <a:cs typeface="メイリオ" panose="020B0604030504040204" pitchFamily="50" charset="-128"/>
-              </a:rPr>
-              <a:t>w, </a:t>
-            </a:r>
-            <a:r>
-              <a:rPr lang="en-US" altLang="ja-JP" dirty="0" smtClean="0">
-                <a:latin typeface="メイリオ" panose="020B0604030504040204" pitchFamily="50" charset="-128"/>
-                <a:ea typeface="メイリオ" panose="020B0604030504040204" pitchFamily="50" charset="-128"/>
-                <a:cs typeface="メイリオ" panose="020B0604030504040204" pitchFamily="50" charset="-128"/>
-              </a:rPr>
-              <a:t>b</a:t>
+              <a:t>w, b</a:t>
             </a:r>
             <a:r>
               <a:rPr lang="ja-JP" altLang="en-US" dirty="0" smtClean="0">
@@ -9511,15 +9487,7 @@
                 <a:ea typeface="メイリオ" panose="020B0604030504040204" pitchFamily="50" charset="-128"/>
                 <a:cs typeface="メイリオ" panose="020B0604030504040204" pitchFamily="50" charset="-128"/>
               </a:rPr>
-              <a:t>なるものを</a:t>
-            </a:r>
-            <a:r>
-              <a:rPr lang="ja-JP" altLang="en-US" dirty="0" smtClean="0">
-                <a:latin typeface="Inconsolata" panose="020B0609030003000000" pitchFamily="49" charset="0"/>
-                <a:ea typeface="メイリオ" panose="020B0604030504040204" pitchFamily="50" charset="-128"/>
-                <a:cs typeface="メイリオ" panose="020B0604030504040204" pitchFamily="50" charset="-128"/>
-              </a:rPr>
-              <a:t>知る</a:t>
+              <a:t>なるものを知る</a:t>
             </a:r>
             <a:endParaRPr lang="en-US" altLang="ja-JP" dirty="0" smtClean="0">
               <a:latin typeface="Inconsolata" panose="020B0609030003000000" pitchFamily="49" charset="0"/>
@@ -10268,15 +10236,7 @@
                 <a:ea typeface="メイリオ" panose="020B0604030504040204" pitchFamily="50" charset="-128"/>
                 <a:cs typeface="メイリオ" panose="020B0604030504040204" pitchFamily="50" charset="-128"/>
               </a:rPr>
-              <a:t>ｙ＝ヤンク</a:t>
-            </a:r>
-            <a:r>
-              <a:rPr lang="ja-JP" altLang="en-US" dirty="0" smtClean="0">
-                <a:latin typeface="Inconsolata" panose="020B0609030003000000" pitchFamily="49" charset="0"/>
-                <a:ea typeface="メイリオ" panose="020B0604030504040204" pitchFamily="50" charset="-128"/>
-                <a:cs typeface="メイリオ" panose="020B0604030504040204" pitchFamily="50" charset="-128"/>
-              </a:rPr>
-              <a:t>（コピー）</a:t>
+              <a:t>ｙ＝ヤンク（コピー）</a:t>
             </a:r>
             <a:endParaRPr lang="en-US" altLang="ja-JP" dirty="0" smtClean="0">
               <a:latin typeface="Inconsolata" panose="020B0609030003000000" pitchFamily="49" charset="0"/>
@@ -10312,15 +10272,7 @@
                 <a:ea typeface="メイリオ" panose="020B0604030504040204" pitchFamily="50" charset="-128"/>
                 <a:cs typeface="メイリオ" panose="020B0604030504040204" pitchFamily="50" charset="-128"/>
               </a:rPr>
-              <a:t>ｃ＝カット</a:t>
-            </a:r>
-            <a:r>
-              <a:rPr lang="ja-JP" altLang="en-US" dirty="0" smtClean="0">
-                <a:latin typeface="Inconsolata" panose="020B0609030003000000" pitchFamily="49" charset="0"/>
-                <a:ea typeface="メイリオ" panose="020B0604030504040204" pitchFamily="50" charset="-128"/>
-                <a:cs typeface="メイリオ" panose="020B0604030504040204" pitchFamily="50" charset="-128"/>
-              </a:rPr>
-              <a:t>（文字を削除し挿入モード）</a:t>
+              <a:t>ｃ＝カット（文字を削除し挿入モード）</a:t>
             </a:r>
             <a:endParaRPr lang="en-US" altLang="ja-JP" dirty="0" smtClean="0">
               <a:latin typeface="Inconsolata" panose="020B0609030003000000" pitchFamily="49" charset="0"/>
@@ -10356,15 +10308,7 @@
                 <a:ea typeface="メイリオ" panose="020B0604030504040204" pitchFamily="50" charset="-128"/>
                 <a:cs typeface="メイリオ" panose="020B0604030504040204" pitchFamily="50" charset="-128"/>
               </a:rPr>
-              <a:t>ｗ＝単語</a:t>
-            </a:r>
-            <a:r>
-              <a:rPr lang="ja-JP" altLang="en-US" dirty="0" smtClean="0">
-                <a:latin typeface="Inconsolata" panose="020B0609030003000000" pitchFamily="49" charset="0"/>
-                <a:ea typeface="メイリオ" panose="020B0604030504040204" pitchFamily="50" charset="-128"/>
-                <a:cs typeface="メイリオ" panose="020B0604030504040204" pitchFamily="50" charset="-128"/>
-              </a:rPr>
-              <a:t>単位に移動</a:t>
+              <a:t>ｗ＝単語単位に移動</a:t>
             </a:r>
             <a:endParaRPr lang="en-US" altLang="ja-JP" dirty="0" smtClean="0">
               <a:latin typeface="Inconsolata" panose="020B0609030003000000" pitchFamily="49" charset="0"/>
@@ -10382,23 +10326,7 @@
                 <a:ea typeface="メイリオ" panose="020B0604030504040204" pitchFamily="50" charset="-128"/>
                 <a:cs typeface="メイリオ" panose="020B0604030504040204" pitchFamily="50" charset="-128"/>
               </a:rPr>
-              <a:t>０、</a:t>
-            </a:r>
-            <a:r>
-              <a:rPr lang="ja-JP" altLang="en-US" dirty="0" smtClean="0">
-                <a:latin typeface="Inconsolata" panose="020B0609030003000000" pitchFamily="49" charset="0"/>
-                <a:ea typeface="メイリオ" panose="020B0604030504040204" pitchFamily="50" charset="-128"/>
-                <a:cs typeface="メイリオ" panose="020B0604030504040204" pitchFamily="50" charset="-128"/>
-              </a:rPr>
-              <a:t>＾＝行頭</a:t>
-            </a:r>
-            <a:r>
-              <a:rPr lang="ja-JP" altLang="en-US" dirty="0" smtClean="0">
-                <a:latin typeface="Inconsolata" panose="020B0609030003000000" pitchFamily="49" charset="0"/>
-                <a:ea typeface="メイリオ" panose="020B0604030504040204" pitchFamily="50" charset="-128"/>
-                <a:cs typeface="メイリオ" panose="020B0604030504040204" pitchFamily="50" charset="-128"/>
-              </a:rPr>
-              <a:t>、行末へ移動</a:t>
+              <a:t>０、＾＝行頭、行末へ移動</a:t>
             </a:r>
             <a:endParaRPr lang="en-US" altLang="ja-JP" dirty="0" smtClean="0">
               <a:latin typeface="Inconsolata" panose="020B0609030003000000" pitchFamily="49" charset="0"/>
@@ -10416,23 +10344,7 @@
                 <a:ea typeface="メイリオ" panose="020B0604030504040204" pitchFamily="50" charset="-128"/>
                 <a:cs typeface="メイリオ" panose="020B0604030504040204" pitchFamily="50" charset="-128"/>
               </a:rPr>
-              <a:t>ｆ＜単語</a:t>
-            </a:r>
-            <a:r>
-              <a:rPr lang="ja-JP" altLang="en-US" dirty="0" smtClean="0">
-                <a:latin typeface="Inconsolata" panose="020B0609030003000000" pitchFamily="49" charset="0"/>
-                <a:ea typeface="メイリオ" panose="020B0604030504040204" pitchFamily="50" charset="-128"/>
-                <a:cs typeface="メイリオ" panose="020B0604030504040204" pitchFamily="50" charset="-128"/>
-              </a:rPr>
-              <a:t>＞＝＜</a:t>
-            </a:r>
-            <a:r>
-              <a:rPr lang="ja-JP" altLang="en-US" dirty="0" smtClean="0">
-                <a:latin typeface="Inconsolata" panose="020B0609030003000000" pitchFamily="49" charset="0"/>
-                <a:ea typeface="メイリオ" panose="020B0604030504040204" pitchFamily="50" charset="-128"/>
-                <a:cs typeface="メイリオ" panose="020B0604030504040204" pitchFamily="50" charset="-128"/>
-              </a:rPr>
-              <a:t>単語＞へ移動</a:t>
+              <a:t>ｆ＜単語＞＝＜単語＞へ移動</a:t>
             </a:r>
             <a:endParaRPr lang="en-US" altLang="ja-JP" dirty="0" smtClean="0">
               <a:latin typeface="Inconsolata" panose="020B0609030003000000" pitchFamily="49" charset="0"/>
@@ -11684,7 +11596,23 @@
                 <a:ea typeface="メイリオ" panose="020B0604030504040204" pitchFamily="50" charset="-128"/>
                 <a:cs typeface="メイリオ" panose="020B0604030504040204" pitchFamily="50" charset="-128"/>
               </a:rPr>
-              <a:t>・シンプルかつ多機能なので慣れると楽しい＆習熟すれば入力早くなりそう</a:t>
+              <a:t>・シンプルかつ多機能なので</a:t>
+            </a:r>
+            <a:r>
+              <a:rPr lang="ja-JP" altLang="en-US" b="1" dirty="0" smtClean="0">
+                <a:latin typeface="メイリオ" panose="020B0604030504040204" pitchFamily="50" charset="-128"/>
+                <a:ea typeface="メイリオ" panose="020B0604030504040204" pitchFamily="50" charset="-128"/>
+                <a:cs typeface="メイリオ" panose="020B0604030504040204" pitchFamily="50" charset="-128"/>
+              </a:rPr>
+              <a:t>慣れると楽しい</a:t>
+            </a:r>
+            <a:r>
+              <a:rPr lang="ja-JP" altLang="en-US" dirty="0" smtClean="0">
+                <a:latin typeface="メイリオ" panose="020B0604030504040204" pitchFamily="50" charset="-128"/>
+                <a:ea typeface="メイリオ" panose="020B0604030504040204" pitchFamily="50" charset="-128"/>
+                <a:cs typeface="メイリオ" panose="020B0604030504040204" pitchFamily="50" charset="-128"/>
+              </a:rPr>
+              <a:t>＆習熟すれば入力早くなりそう</a:t>
             </a:r>
             <a:endParaRPr lang="en-US" altLang="ja-JP" dirty="0" smtClean="0">
               <a:latin typeface="メイリオ" panose="020B0604030504040204" pitchFamily="50" charset="-128"/>

--- a/vimmer.pptx
+++ b/vimmer.pptx
@@ -250,7 +250,7 @@
           <a:p>
             <a:fld id="{8D263F39-D51C-4E83-A55F-F58FD749E3F1}" type="datetimeFigureOut">
               <a:rPr kumimoji="1" lang="ja-JP" altLang="en-US" smtClean="0"/>
-              <a:t>2015/11/26</a:t>
+              <a:t>2015/11/30</a:t>
             </a:fld>
             <a:endParaRPr kumimoji="1" lang="ja-JP" altLang="en-US"/>
           </a:p>
@@ -684,7 +684,7 @@
           <a:p>
             <a:fld id="{39378AC4-C49C-4159-B332-7738B007311C}" type="datetimeFigureOut">
               <a:rPr kumimoji="1" lang="ja-JP" altLang="en-US" smtClean="0"/>
-              <a:t>2015/11/26</a:t>
+              <a:t>2015/11/30</a:t>
             </a:fld>
             <a:endParaRPr kumimoji="1" lang="ja-JP" altLang="en-US"/>
           </a:p>
@@ -1029,7 +1029,7 @@
           <a:p>
             <a:fld id="{39378AC4-C49C-4159-B332-7738B007311C}" type="datetimeFigureOut">
               <a:rPr kumimoji="1" lang="ja-JP" altLang="en-US" smtClean="0"/>
-              <a:t>2015/11/26</a:t>
+              <a:t>2015/11/30</a:t>
             </a:fld>
             <a:endParaRPr kumimoji="1" lang="ja-JP" altLang="en-US"/>
           </a:p>
@@ -1246,7 +1246,7 @@
           <a:p>
             <a:fld id="{39378AC4-C49C-4159-B332-7738B007311C}" type="datetimeFigureOut">
               <a:rPr kumimoji="1" lang="ja-JP" altLang="en-US" smtClean="0"/>
-              <a:t>2015/11/26</a:t>
+              <a:t>2015/11/30</a:t>
             </a:fld>
             <a:endParaRPr kumimoji="1" lang="ja-JP" altLang="en-US"/>
           </a:p>
@@ -1453,7 +1453,7 @@
           <a:p>
             <a:fld id="{39378AC4-C49C-4159-B332-7738B007311C}" type="datetimeFigureOut">
               <a:rPr kumimoji="1" lang="ja-JP" altLang="en-US" smtClean="0"/>
-              <a:t>2015/11/26</a:t>
+              <a:t>2015/11/30</a:t>
             </a:fld>
             <a:endParaRPr kumimoji="1" lang="ja-JP" altLang="en-US"/>
           </a:p>
@@ -1721,7 +1721,7 @@
           <a:p>
             <a:fld id="{39378AC4-C49C-4159-B332-7738B007311C}" type="datetimeFigureOut">
               <a:rPr kumimoji="1" lang="ja-JP" altLang="en-US" smtClean="0"/>
-              <a:t>2015/11/26</a:t>
+              <a:t>2015/11/30</a:t>
             </a:fld>
             <a:endParaRPr kumimoji="1" lang="ja-JP" altLang="en-US"/>
           </a:p>
@@ -2253,7 +2253,7 @@
           <a:p>
             <a:fld id="{39378AC4-C49C-4159-B332-7738B007311C}" type="datetimeFigureOut">
               <a:rPr kumimoji="1" lang="ja-JP" altLang="en-US" smtClean="0"/>
-              <a:t>2015/11/26</a:t>
+              <a:t>2015/11/30</a:t>
             </a:fld>
             <a:endParaRPr kumimoji="1" lang="ja-JP" altLang="en-US"/>
           </a:p>
@@ -2806,7 +2806,7 @@
           <a:p>
             <a:fld id="{39378AC4-C49C-4159-B332-7738B007311C}" type="datetimeFigureOut">
               <a:rPr kumimoji="1" lang="ja-JP" altLang="en-US" smtClean="0"/>
-              <a:t>2015/11/26</a:t>
+              <a:t>2015/11/30</a:t>
             </a:fld>
             <a:endParaRPr kumimoji="1" lang="ja-JP" altLang="en-US"/>
           </a:p>
@@ -2932,7 +2932,7 @@
           <a:p>
             <a:fld id="{39378AC4-C49C-4159-B332-7738B007311C}" type="datetimeFigureOut">
               <a:rPr kumimoji="1" lang="ja-JP" altLang="en-US" smtClean="0"/>
-              <a:t>2015/11/26</a:t>
+              <a:t>2015/11/30</a:t>
             </a:fld>
             <a:endParaRPr kumimoji="1" lang="ja-JP" altLang="en-US"/>
           </a:p>
@@ -3076,7 +3076,7 @@
           <a:p>
             <a:fld id="{39378AC4-C49C-4159-B332-7738B007311C}" type="datetimeFigureOut">
               <a:rPr kumimoji="1" lang="ja-JP" altLang="en-US" smtClean="0"/>
-              <a:t>2015/11/26</a:t>
+              <a:t>2015/11/30</a:t>
             </a:fld>
             <a:endParaRPr kumimoji="1" lang="ja-JP" altLang="en-US"/>
           </a:p>
@@ -3430,7 +3430,7 @@
           <a:p>
             <a:fld id="{39378AC4-C49C-4159-B332-7738B007311C}" type="datetimeFigureOut">
               <a:rPr kumimoji="1" lang="ja-JP" altLang="en-US" smtClean="0"/>
-              <a:t>2015/11/26</a:t>
+              <a:t>2015/11/30</a:t>
             </a:fld>
             <a:endParaRPr kumimoji="1" lang="ja-JP" altLang="en-US"/>
           </a:p>
@@ -3564,7 +3564,7 @@
           <a:p>
             <a:fld id="{39378AC4-C49C-4159-B332-7738B007311C}" type="datetimeFigureOut">
               <a:rPr kumimoji="1" lang="ja-JP" altLang="en-US" smtClean="0"/>
-              <a:t>2015/11/26</a:t>
+              <a:t>2015/11/30</a:t>
             </a:fld>
             <a:endParaRPr kumimoji="1" lang="ja-JP" altLang="en-US"/>
           </a:p>
@@ -4377,7 +4377,7 @@
           <a:p>
             <a:fld id="{39378AC4-C49C-4159-B332-7738B007311C}" type="datetimeFigureOut">
               <a:rPr kumimoji="1" lang="ja-JP" altLang="en-US" smtClean="0"/>
-              <a:t>2015/11/26</a:t>
+              <a:t>2015/11/30</a:t>
             </a:fld>
             <a:endParaRPr kumimoji="1" lang="ja-JP" altLang="en-US"/>
           </a:p>
@@ -11582,7 +11582,23 @@
                 <a:ea typeface="メイリオ" panose="020B0604030504040204" pitchFamily="50" charset="-128"/>
                 <a:cs typeface="メイリオ" panose="020B0604030504040204" pitchFamily="50" charset="-128"/>
               </a:rPr>
-              <a:t>学びの良サイクル！</a:t>
+              <a:t>学びの</a:t>
+            </a:r>
+            <a:r>
+              <a:rPr lang="ja-JP" altLang="en-US" dirty="0" smtClean="0">
+                <a:latin typeface="Inconsolata" panose="020B0609030003000000" pitchFamily="49" charset="0"/>
+                <a:ea typeface="メイリオ" panose="020B0604030504040204" pitchFamily="50" charset="-128"/>
+                <a:cs typeface="メイリオ" panose="020B0604030504040204" pitchFamily="50" charset="-128"/>
+              </a:rPr>
+              <a:t>良いサイクル</a:t>
+            </a:r>
+            <a:r>
+              <a:rPr lang="ja-JP" altLang="en-US" dirty="0" smtClean="0">
+                <a:latin typeface="Inconsolata" panose="020B0609030003000000" pitchFamily="49" charset="0"/>
+                <a:ea typeface="メイリオ" panose="020B0604030504040204" pitchFamily="50" charset="-128"/>
+                <a:cs typeface="メイリオ" panose="020B0604030504040204" pitchFamily="50" charset="-128"/>
+              </a:rPr>
+              <a:t>！</a:t>
             </a:r>
             <a:endParaRPr lang="en-US" altLang="ja-JP" dirty="0" smtClean="0">
               <a:latin typeface="Inconsolata" panose="020B0609030003000000" pitchFamily="49" charset="0"/>
@@ -12577,12 +12593,12 @@
         <p:spPr>
           <a:xfrm>
             <a:off x="1435608" y="1124744"/>
-            <a:ext cx="7498080" cy="5616624"/>
+            <a:ext cx="7498080" cy="5976664"/>
           </a:xfrm>
         </p:spPr>
         <p:txBody>
           <a:bodyPr>
-            <a:normAutofit lnSpcReduction="10000"/>
+            <a:normAutofit fontScale="92500" lnSpcReduction="10000"/>
           </a:bodyPr>
           <a:lstStyle/>
           <a:p>
@@ -12595,23 +12611,15 @@
                 <a:ea typeface="メイリオ" panose="020B0604030504040204" pitchFamily="50" charset="-128"/>
                 <a:cs typeface="メイリオ" panose="020B0604030504040204" pitchFamily="50" charset="-128"/>
               </a:rPr>
-              <a:t>・マクロ機能</a:t>
-            </a:r>
-            <a:r>
-              <a:rPr lang="ja-JP" altLang="en-US" dirty="0">
-                <a:latin typeface="メイリオ" panose="020B0604030504040204" pitchFamily="50" charset="-128"/>
-                <a:ea typeface="メイリオ" panose="020B0604030504040204" pitchFamily="50" charset="-128"/>
-                <a:cs typeface="メイリオ" panose="020B0604030504040204" pitchFamily="50" charset="-128"/>
-              </a:rPr>
-              <a:t>など</a:t>
-            </a:r>
-            <a:r>
-              <a:rPr lang="ja-JP" altLang="en-US" dirty="0" smtClean="0">
-                <a:latin typeface="メイリオ" panose="020B0604030504040204" pitchFamily="50" charset="-128"/>
-                <a:ea typeface="メイリオ" panose="020B0604030504040204" pitchFamily="50" charset="-128"/>
-                <a:cs typeface="メイリオ" panose="020B0604030504040204" pitchFamily="50" charset="-128"/>
-              </a:rPr>
-              <a:t>、まだまだ触ってない機能がある</a:t>
+              <a:t>・まだまだ</a:t>
+            </a:r>
+            <a:r>
+              <a:rPr lang="ja-JP" altLang="en-US" dirty="0" smtClean="0">
+                <a:latin typeface="メイリオ" panose="020B0604030504040204" pitchFamily="50" charset="-128"/>
+                <a:ea typeface="メイリオ" panose="020B0604030504040204" pitchFamily="50" charset="-128"/>
+                <a:cs typeface="メイリオ" panose="020B0604030504040204" pitchFamily="50" charset="-128"/>
+              </a:rPr>
+              <a:t>触ってない機能がある</a:t>
             </a:r>
             <a:endParaRPr lang="en-US" altLang="ja-JP" dirty="0" smtClean="0">
               <a:latin typeface="メイリオ" panose="020B0604030504040204" pitchFamily="50" charset="-128"/>
@@ -12729,9 +12737,53 @@
                 <a:ea typeface="メイリオ" panose="020B0604030504040204" pitchFamily="50" charset="-128"/>
                 <a:cs typeface="メイリオ" panose="020B0604030504040204" pitchFamily="50" charset="-128"/>
               </a:rPr>
-              <a:t>もちょっと触ってみたい</a:t>
+              <a:t>もちょっと触って</a:t>
+            </a:r>
+            <a:r>
+              <a:rPr lang="ja-JP" altLang="en-US" dirty="0" smtClean="0">
+                <a:latin typeface="メイリオ" panose="020B0604030504040204" pitchFamily="50" charset="-128"/>
+                <a:ea typeface="メイリオ" panose="020B0604030504040204" pitchFamily="50" charset="-128"/>
+                <a:cs typeface="メイリオ" panose="020B0604030504040204" pitchFamily="50" charset="-128"/>
+              </a:rPr>
+              <a:t>みたい</a:t>
             </a:r>
             <a:endParaRPr lang="en-US" altLang="ja-JP" dirty="0" smtClean="0">
+              <a:latin typeface="メイリオ" panose="020B0604030504040204" pitchFamily="50" charset="-128"/>
+              <a:ea typeface="メイリオ" panose="020B0604030504040204" pitchFamily="50" charset="-128"/>
+              <a:cs typeface="メイリオ" panose="020B0604030504040204" pitchFamily="50" charset="-128"/>
+            </a:endParaRPr>
+          </a:p>
+          <a:p>
+            <a:pPr marL="82296" indent="0">
+              <a:buNone/>
+            </a:pPr>
+            <a:endParaRPr lang="en-US" altLang="ja-JP" dirty="0">
+              <a:latin typeface="メイリオ" panose="020B0604030504040204" pitchFamily="50" charset="-128"/>
+              <a:ea typeface="メイリオ" panose="020B0604030504040204" pitchFamily="50" charset="-128"/>
+              <a:cs typeface="メイリオ" panose="020B0604030504040204" pitchFamily="50" charset="-128"/>
+            </a:endParaRPr>
+          </a:p>
+          <a:p>
+            <a:pPr marL="82296" indent="0">
+              <a:buNone/>
+            </a:pPr>
+            <a:r>
+              <a:rPr lang="ja-JP" altLang="en-US" dirty="0" smtClean="0">
+                <a:latin typeface="メイリオ" panose="020B0604030504040204" pitchFamily="50" charset="-128"/>
+                <a:ea typeface="メイリオ" panose="020B0604030504040204" pitchFamily="50" charset="-128"/>
+                <a:cs typeface="メイリオ" panose="020B0604030504040204" pitchFamily="50" charset="-128"/>
+              </a:rPr>
+              <a:t>・</a:t>
+            </a:r>
+            <a:r>
+              <a:rPr lang="ja-JP" altLang="en-US" strike="sngStrike" dirty="0" smtClean="0">
+                <a:latin typeface="メイリオ" panose="020B0604030504040204" pitchFamily="50" charset="-128"/>
+                <a:ea typeface="メイリオ" panose="020B0604030504040204" pitchFamily="50" charset="-128"/>
+                <a:cs typeface="メイリオ" panose="020B0604030504040204" pitchFamily="50" charset="-128"/>
+              </a:rPr>
+              <a:t>ウガンダに募金</a:t>
+            </a:r>
+            <a:endParaRPr lang="en-US" altLang="ja-JP" strike="sngStrike" dirty="0" smtClean="0">
               <a:latin typeface="メイリオ" panose="020B0604030504040204" pitchFamily="50" charset="-128"/>
               <a:ea typeface="メイリオ" panose="020B0604030504040204" pitchFamily="50" charset="-128"/>
               <a:cs typeface="メイリオ" panose="020B0604030504040204" pitchFamily="50" charset="-128"/>
@@ -13680,11 +13732,6 @@
               </a:rPr>
               <a:t>Wikipedia</a:t>
             </a:r>
-            <a:endParaRPr lang="en-US" altLang="ja-JP" dirty="0" smtClean="0">
-              <a:latin typeface="メイリオ" panose="020B0604030504040204" pitchFamily="50" charset="-128"/>
-              <a:ea typeface="メイリオ" panose="020B0604030504040204" pitchFamily="50" charset="-128"/>
-              <a:cs typeface="メイリオ" panose="020B0604030504040204" pitchFamily="50" charset="-128"/>
-            </a:endParaRPr>
           </a:p>
         </p:txBody>
       </p:sp>
@@ -13862,7 +13909,15 @@
                 <a:ea typeface="メイリオ" panose="020B0604030504040204" pitchFamily="50" charset="-128"/>
                 <a:cs typeface="メイリオ" panose="020B0604030504040204" pitchFamily="50" charset="-128"/>
               </a:rPr>
-              <a:t>開発環境を色々整備するのは</a:t>
+              <a:t>・開発</a:t>
+            </a:r>
+            <a:r>
+              <a:rPr lang="ja-JP" altLang="en-US" sz="3600" b="1" dirty="0" smtClean="0">
+                <a:latin typeface="メイリオ" panose="020B0604030504040204" pitchFamily="50" charset="-128"/>
+                <a:ea typeface="メイリオ" panose="020B0604030504040204" pitchFamily="50" charset="-128"/>
+                <a:cs typeface="メイリオ" panose="020B0604030504040204" pitchFamily="50" charset="-128"/>
+              </a:rPr>
+              <a:t>環境を色々整備するのは</a:t>
             </a:r>
             <a:endParaRPr lang="en-US" altLang="ja-JP" sz="3600" b="1" dirty="0" smtClean="0">
               <a:latin typeface="メイリオ" panose="020B0604030504040204" pitchFamily="50" charset="-128"/>
@@ -13906,6 +13961,40 @@
               </a:rPr>
               <a:t>)</a:t>
             </a:r>
+          </a:p>
+          <a:p>
+            <a:pPr marL="82296" indent="0">
+              <a:buNone/>
+            </a:pPr>
+            <a:r>
+              <a:rPr lang="ja-JP" altLang="en-US" sz="3600" b="1" dirty="0" smtClean="0">
+                <a:latin typeface="メイリオ" panose="020B0604030504040204" pitchFamily="50" charset="-128"/>
+                <a:ea typeface="メイリオ" panose="020B0604030504040204" pitchFamily="50" charset="-128"/>
+                <a:cs typeface="メイリオ" panose="020B0604030504040204" pitchFamily="50" charset="-128"/>
+              </a:rPr>
+              <a:t>・</a:t>
+            </a:r>
+            <a:r>
+              <a:rPr lang="en-US" altLang="ja-JP" sz="3600" b="1" dirty="0" smtClean="0">
+                <a:latin typeface="メイリオ" panose="020B0604030504040204" pitchFamily="50" charset="-128"/>
+                <a:ea typeface="メイリオ" panose="020B0604030504040204" pitchFamily="50" charset="-128"/>
+                <a:cs typeface="メイリオ" panose="020B0604030504040204" pitchFamily="50" charset="-128"/>
+              </a:rPr>
+              <a:t>Vim</a:t>
+            </a:r>
+            <a:r>
+              <a:rPr lang="ja-JP" altLang="en-US" sz="3600" b="1" dirty="0" smtClean="0">
+                <a:latin typeface="メイリオ" panose="020B0604030504040204" pitchFamily="50" charset="-128"/>
+                <a:ea typeface="メイリオ" panose="020B0604030504040204" pitchFamily="50" charset="-128"/>
+                <a:cs typeface="メイリオ" panose="020B0604030504040204" pitchFamily="50" charset="-128"/>
+              </a:rPr>
+              <a:t>楽しい。</a:t>
+            </a:r>
+            <a:endParaRPr lang="en-US" altLang="ja-JP" sz="3600" b="1" dirty="0" smtClean="0">
+              <a:latin typeface="メイリオ" panose="020B0604030504040204" pitchFamily="50" charset="-128"/>
+              <a:ea typeface="メイリオ" panose="020B0604030504040204" pitchFamily="50" charset="-128"/>
+              <a:cs typeface="メイリオ" panose="020B0604030504040204" pitchFamily="50" charset="-128"/>
+            </a:endParaRPr>
           </a:p>
           <a:p>
             <a:pPr marL="82296" indent="0">
@@ -14649,15 +14738,7 @@
                 <a:ea typeface="メイリオ" panose="020B0604030504040204" pitchFamily="50" charset="-128"/>
                 <a:cs typeface="メイリオ" panose="020B0604030504040204" pitchFamily="50" charset="-128"/>
               </a:rPr>
-              <a:t>に触る機会が</a:t>
-            </a:r>
-            <a:r>
-              <a:rPr lang="ja-JP" altLang="en-US" dirty="0" smtClean="0">
-                <a:latin typeface="メイリオ" panose="020B0604030504040204" pitchFamily="50" charset="-128"/>
-                <a:ea typeface="メイリオ" panose="020B0604030504040204" pitchFamily="50" charset="-128"/>
-                <a:cs typeface="メイリオ" panose="020B0604030504040204" pitchFamily="50" charset="-128"/>
-              </a:rPr>
-              <a:t>あった</a:t>
+              <a:t>に触る機会があった</a:t>
             </a:r>
             <a:endParaRPr lang="en-US" altLang="ja-JP" dirty="0" smtClean="0">
               <a:latin typeface="メイリオ" panose="020B0604030504040204" pitchFamily="50" charset="-128"/>
@@ -14929,15 +15010,7 @@
                 <a:ea typeface="メイリオ" panose="020B0604030504040204" pitchFamily="50" charset="-128"/>
                 <a:cs typeface="メイリオ" panose="020B0604030504040204" pitchFamily="50" charset="-128"/>
               </a:rPr>
-              <a:t>の</a:t>
-            </a:r>
-            <a:r>
-              <a:rPr lang="ja-JP" altLang="en-US" dirty="0" smtClean="0">
-                <a:latin typeface="メイリオ" panose="020B0604030504040204" pitchFamily="50" charset="-128"/>
-                <a:ea typeface="メイリオ" panose="020B0604030504040204" pitchFamily="50" charset="-128"/>
-                <a:cs typeface="メイリオ" panose="020B0604030504040204" pitchFamily="50" charset="-128"/>
-              </a:rPr>
-              <a:t>コマンドプロンプトに戻った結果</a:t>
+              <a:t>のコマンドプロンプトに戻った結果</a:t>
             </a:r>
             <a:endParaRPr lang="en-US" altLang="ja-JP" dirty="0">
               <a:latin typeface="メイリオ" panose="020B0604030504040204" pitchFamily="50" charset="-128"/>
@@ -15095,15 +15168,7 @@
                 <a:ea typeface="メイリオ" panose="020B0604030504040204" pitchFamily="50" charset="-128"/>
                 <a:cs typeface="メイリオ" panose="020B0604030504040204" pitchFamily="50" charset="-128"/>
               </a:rPr>
-              <a:t>の</a:t>
-            </a:r>
-            <a:r>
-              <a:rPr lang="ja-JP" altLang="en-US" dirty="0" smtClean="0">
-                <a:latin typeface="メイリオ" panose="020B0604030504040204" pitchFamily="50" charset="-128"/>
-                <a:ea typeface="メイリオ" panose="020B0604030504040204" pitchFamily="50" charset="-128"/>
-                <a:cs typeface="メイリオ" panose="020B0604030504040204" pitchFamily="50" charset="-128"/>
-              </a:rPr>
-              <a:t>コマンドプロンプトに戻った結果</a:t>
+              <a:t>のコマンドプロンプトに戻った結果</a:t>
             </a:r>
             <a:endParaRPr lang="en-US" altLang="ja-JP" dirty="0">
               <a:latin typeface="メイリオ" panose="020B0604030504040204" pitchFamily="50" charset="-128"/>
@@ -15303,15 +15368,7 @@
                 <a:ea typeface="メイリオ" panose="020B0604030504040204" pitchFamily="50" charset="-128"/>
                 <a:cs typeface="メイリオ" panose="020B0604030504040204" pitchFamily="50" charset="-128"/>
               </a:rPr>
-              <a:t>コマンドプロンプト改造</a:t>
-            </a:r>
-            <a:r>
-              <a:rPr lang="ja-JP" altLang="en-US" sz="4800" b="1" dirty="0" smtClean="0">
-                <a:latin typeface="メイリオ" panose="020B0604030504040204" pitchFamily="50" charset="-128"/>
-                <a:ea typeface="メイリオ" panose="020B0604030504040204" pitchFamily="50" charset="-128"/>
-                <a:cs typeface="メイリオ" panose="020B0604030504040204" pitchFamily="50" charset="-128"/>
-              </a:rPr>
-              <a:t>計画</a:t>
+              <a:t>コマンドプロンプト改造計画</a:t>
             </a:r>
             <a:endParaRPr lang="en-US" altLang="ja-JP" sz="4800" b="1" dirty="0" smtClean="0">
               <a:latin typeface="メイリオ" panose="020B0604030504040204" pitchFamily="50" charset="-128"/>

--- a/vimmer.pptx
+++ b/vimmer.pptx
@@ -250,7 +250,7 @@
           <a:p>
             <a:fld id="{8D263F39-D51C-4E83-A55F-F58FD749E3F1}" type="datetimeFigureOut">
               <a:rPr kumimoji="1" lang="ja-JP" altLang="en-US" smtClean="0"/>
-              <a:t>2015/11/30</a:t>
+              <a:t>2015/12/2</a:t>
             </a:fld>
             <a:endParaRPr kumimoji="1" lang="ja-JP" altLang="en-US"/>
           </a:p>
@@ -684,7 +684,7 @@
           <a:p>
             <a:fld id="{39378AC4-C49C-4159-B332-7738B007311C}" type="datetimeFigureOut">
               <a:rPr kumimoji="1" lang="ja-JP" altLang="en-US" smtClean="0"/>
-              <a:t>2015/11/30</a:t>
+              <a:t>2015/12/2</a:t>
             </a:fld>
             <a:endParaRPr kumimoji="1" lang="ja-JP" altLang="en-US"/>
           </a:p>
@@ -1029,7 +1029,7 @@
           <a:p>
             <a:fld id="{39378AC4-C49C-4159-B332-7738B007311C}" type="datetimeFigureOut">
               <a:rPr kumimoji="1" lang="ja-JP" altLang="en-US" smtClean="0"/>
-              <a:t>2015/11/30</a:t>
+              <a:t>2015/12/2</a:t>
             </a:fld>
             <a:endParaRPr kumimoji="1" lang="ja-JP" altLang="en-US"/>
           </a:p>
@@ -1246,7 +1246,7 @@
           <a:p>
             <a:fld id="{39378AC4-C49C-4159-B332-7738B007311C}" type="datetimeFigureOut">
               <a:rPr kumimoji="1" lang="ja-JP" altLang="en-US" smtClean="0"/>
-              <a:t>2015/11/30</a:t>
+              <a:t>2015/12/2</a:t>
             </a:fld>
             <a:endParaRPr kumimoji="1" lang="ja-JP" altLang="en-US"/>
           </a:p>
@@ -1453,7 +1453,7 @@
           <a:p>
             <a:fld id="{39378AC4-C49C-4159-B332-7738B007311C}" type="datetimeFigureOut">
               <a:rPr kumimoji="1" lang="ja-JP" altLang="en-US" smtClean="0"/>
-              <a:t>2015/11/30</a:t>
+              <a:t>2015/12/2</a:t>
             </a:fld>
             <a:endParaRPr kumimoji="1" lang="ja-JP" altLang="en-US"/>
           </a:p>
@@ -1721,7 +1721,7 @@
           <a:p>
             <a:fld id="{39378AC4-C49C-4159-B332-7738B007311C}" type="datetimeFigureOut">
               <a:rPr kumimoji="1" lang="ja-JP" altLang="en-US" smtClean="0"/>
-              <a:t>2015/11/30</a:t>
+              <a:t>2015/12/2</a:t>
             </a:fld>
             <a:endParaRPr kumimoji="1" lang="ja-JP" altLang="en-US"/>
           </a:p>
@@ -2253,7 +2253,7 @@
           <a:p>
             <a:fld id="{39378AC4-C49C-4159-B332-7738B007311C}" type="datetimeFigureOut">
               <a:rPr kumimoji="1" lang="ja-JP" altLang="en-US" smtClean="0"/>
-              <a:t>2015/11/30</a:t>
+              <a:t>2015/12/2</a:t>
             </a:fld>
             <a:endParaRPr kumimoji="1" lang="ja-JP" altLang="en-US"/>
           </a:p>
@@ -2806,7 +2806,7 @@
           <a:p>
             <a:fld id="{39378AC4-C49C-4159-B332-7738B007311C}" type="datetimeFigureOut">
               <a:rPr kumimoji="1" lang="ja-JP" altLang="en-US" smtClean="0"/>
-              <a:t>2015/11/30</a:t>
+              <a:t>2015/12/2</a:t>
             </a:fld>
             <a:endParaRPr kumimoji="1" lang="ja-JP" altLang="en-US"/>
           </a:p>
@@ -2932,7 +2932,7 @@
           <a:p>
             <a:fld id="{39378AC4-C49C-4159-B332-7738B007311C}" type="datetimeFigureOut">
               <a:rPr kumimoji="1" lang="ja-JP" altLang="en-US" smtClean="0"/>
-              <a:t>2015/11/30</a:t>
+              <a:t>2015/12/2</a:t>
             </a:fld>
             <a:endParaRPr kumimoji="1" lang="ja-JP" altLang="en-US"/>
           </a:p>
@@ -3076,7 +3076,7 @@
           <a:p>
             <a:fld id="{39378AC4-C49C-4159-B332-7738B007311C}" type="datetimeFigureOut">
               <a:rPr kumimoji="1" lang="ja-JP" altLang="en-US" smtClean="0"/>
-              <a:t>2015/11/30</a:t>
+              <a:t>2015/12/2</a:t>
             </a:fld>
             <a:endParaRPr kumimoji="1" lang="ja-JP" altLang="en-US"/>
           </a:p>
@@ -3430,7 +3430,7 @@
           <a:p>
             <a:fld id="{39378AC4-C49C-4159-B332-7738B007311C}" type="datetimeFigureOut">
               <a:rPr kumimoji="1" lang="ja-JP" altLang="en-US" smtClean="0"/>
-              <a:t>2015/11/30</a:t>
+              <a:t>2015/12/2</a:t>
             </a:fld>
             <a:endParaRPr kumimoji="1" lang="ja-JP" altLang="en-US"/>
           </a:p>
@@ -3564,7 +3564,7 @@
           <a:p>
             <a:fld id="{39378AC4-C49C-4159-B332-7738B007311C}" type="datetimeFigureOut">
               <a:rPr kumimoji="1" lang="ja-JP" altLang="en-US" smtClean="0"/>
-              <a:t>2015/11/30</a:t>
+              <a:t>2015/12/2</a:t>
             </a:fld>
             <a:endParaRPr kumimoji="1" lang="ja-JP" altLang="en-US"/>
           </a:p>
@@ -4377,7 +4377,7 @@
           <a:p>
             <a:fld id="{39378AC4-C49C-4159-B332-7738B007311C}" type="datetimeFigureOut">
               <a:rPr kumimoji="1" lang="ja-JP" altLang="en-US" smtClean="0"/>
-              <a:t>2015/11/30</a:t>
+              <a:t>2015/12/2</a:t>
             </a:fld>
             <a:endParaRPr kumimoji="1" lang="ja-JP" altLang="en-US"/>
           </a:p>
@@ -11582,23 +11582,7 @@
                 <a:ea typeface="メイリオ" panose="020B0604030504040204" pitchFamily="50" charset="-128"/>
                 <a:cs typeface="メイリオ" panose="020B0604030504040204" pitchFamily="50" charset="-128"/>
               </a:rPr>
-              <a:t>学びの</a:t>
-            </a:r>
-            <a:r>
-              <a:rPr lang="ja-JP" altLang="en-US" dirty="0" smtClean="0">
-                <a:latin typeface="Inconsolata" panose="020B0609030003000000" pitchFamily="49" charset="0"/>
-                <a:ea typeface="メイリオ" panose="020B0604030504040204" pitchFamily="50" charset="-128"/>
-                <a:cs typeface="メイリオ" panose="020B0604030504040204" pitchFamily="50" charset="-128"/>
-              </a:rPr>
-              <a:t>良いサイクル</a:t>
-            </a:r>
-            <a:r>
-              <a:rPr lang="ja-JP" altLang="en-US" dirty="0" smtClean="0">
-                <a:latin typeface="Inconsolata" panose="020B0609030003000000" pitchFamily="49" charset="0"/>
-                <a:ea typeface="メイリオ" panose="020B0604030504040204" pitchFamily="50" charset="-128"/>
-                <a:cs typeface="メイリオ" panose="020B0604030504040204" pitchFamily="50" charset="-128"/>
-              </a:rPr>
-              <a:t>！</a:t>
+              <a:t>学びの良いサイクル！</a:t>
             </a:r>
             <a:endParaRPr lang="en-US" altLang="ja-JP" dirty="0" smtClean="0">
               <a:latin typeface="Inconsolata" panose="020B0609030003000000" pitchFamily="49" charset="0"/>
@@ -11987,7 +11971,15 @@
                 <a:ea typeface="メイリオ" panose="020B0604030504040204" pitchFamily="50" charset="-128"/>
                 <a:cs typeface="メイリオ" panose="020B0604030504040204" pitchFamily="50" charset="-128"/>
               </a:rPr>
-              <a:t>・歴史が長いので、参考資料が超豊富</a:t>
+              <a:t>・歴史が長いので、参考資料が</a:t>
+            </a:r>
+            <a:r>
+              <a:rPr lang="ja-JP" altLang="en-US" dirty="0" smtClean="0">
+                <a:latin typeface="メイリオ" panose="020B0604030504040204" pitchFamily="50" charset="-128"/>
+                <a:ea typeface="メイリオ" panose="020B0604030504040204" pitchFamily="50" charset="-128"/>
+                <a:cs typeface="メイリオ" panose="020B0604030504040204" pitchFamily="50" charset="-128"/>
+              </a:rPr>
+              <a:t>超豊富</a:t>
             </a:r>
             <a:endParaRPr lang="en-US" altLang="ja-JP" dirty="0">
               <a:latin typeface="メイリオ" panose="020B0604030504040204" pitchFamily="50" charset="-128"/>
@@ -12245,11 +12237,46 @@
               </a:rPr>
               <a:t>・日本語文書の修正には向かない</a:t>
             </a:r>
-            <a:endParaRPr lang="en-US" altLang="ja-JP" dirty="0" smtClean="0">
-              <a:latin typeface="メイリオ" panose="020B0604030504040204" pitchFamily="50" charset="-128"/>
-              <a:ea typeface="メイリオ" panose="020B0604030504040204" pitchFamily="50" charset="-128"/>
-              <a:cs typeface="メイリオ" panose="020B0604030504040204" pitchFamily="50" charset="-128"/>
-            </a:endParaRPr>
+            <a:r>
+              <a:rPr lang="en-US" altLang="ja-JP" dirty="0" smtClean="0">
+                <a:latin typeface="メイリオ" panose="020B0604030504040204" pitchFamily="50" charset="-128"/>
+                <a:ea typeface="メイリオ" panose="020B0604030504040204" pitchFamily="50" charset="-128"/>
+                <a:cs typeface="メイリオ" panose="020B0604030504040204" pitchFamily="50" charset="-128"/>
+              </a:rPr>
+              <a:t>(</a:t>
+            </a:r>
+            <a:r>
+              <a:rPr lang="en-US" altLang="ja-JP" dirty="0" err="1" smtClean="0">
+                <a:latin typeface="メイリオ" panose="020B0604030504040204" pitchFamily="50" charset="-128"/>
+                <a:ea typeface="メイリオ" panose="020B0604030504040204" pitchFamily="50" charset="-128"/>
+                <a:cs typeface="メイリオ" panose="020B0604030504040204" pitchFamily="50" charset="-128"/>
+              </a:rPr>
+              <a:t>unicode</a:t>
+            </a:r>
+            <a:r>
+              <a:rPr lang="ja-JP" altLang="en-US" dirty="0" err="1" smtClean="0">
+                <a:latin typeface="メイリオ" panose="020B0604030504040204" pitchFamily="50" charset="-128"/>
+                <a:ea typeface="メイリオ" panose="020B0604030504040204" pitchFamily="50" charset="-128"/>
+                <a:cs typeface="メイリオ" panose="020B0604030504040204" pitchFamily="50" charset="-128"/>
+              </a:rPr>
+              <a:t>も微</a:t>
+            </a:r>
+            <a:r>
+              <a:rPr lang="ja-JP" altLang="en-US" dirty="0" smtClean="0">
+                <a:latin typeface="メイリオ" panose="020B0604030504040204" pitchFamily="50" charset="-128"/>
+                <a:ea typeface="メイリオ" panose="020B0604030504040204" pitchFamily="50" charset="-128"/>
+                <a:cs typeface="メイリオ" panose="020B0604030504040204" pitchFamily="50" charset="-128"/>
+              </a:rPr>
+              <a:t>妙</a:t>
+            </a:r>
+            <a:r>
+              <a:rPr lang="en-US" altLang="ja-JP" dirty="0" smtClean="0">
+                <a:latin typeface="メイリオ" panose="020B0604030504040204" pitchFamily="50" charset="-128"/>
+                <a:ea typeface="メイリオ" panose="020B0604030504040204" pitchFamily="50" charset="-128"/>
+                <a:cs typeface="メイリオ" panose="020B0604030504040204" pitchFamily="50" charset="-128"/>
+              </a:rPr>
+              <a:t>)</a:t>
+            </a:r>
           </a:p>
           <a:p>
             <a:pPr marL="82296" indent="0">
@@ -12611,15 +12638,7 @@
                 <a:ea typeface="メイリオ" panose="020B0604030504040204" pitchFamily="50" charset="-128"/>
                 <a:cs typeface="メイリオ" panose="020B0604030504040204" pitchFamily="50" charset="-128"/>
               </a:rPr>
-              <a:t>・まだまだ</a:t>
-            </a:r>
-            <a:r>
-              <a:rPr lang="ja-JP" altLang="en-US" dirty="0" smtClean="0">
-                <a:latin typeface="メイリオ" panose="020B0604030504040204" pitchFamily="50" charset="-128"/>
-                <a:ea typeface="メイリオ" panose="020B0604030504040204" pitchFamily="50" charset="-128"/>
-                <a:cs typeface="メイリオ" panose="020B0604030504040204" pitchFamily="50" charset="-128"/>
-              </a:rPr>
-              <a:t>触ってない機能がある</a:t>
+              <a:t>・まだまだ触ってない機能がある</a:t>
             </a:r>
             <a:endParaRPr lang="en-US" altLang="ja-JP" dirty="0" smtClean="0">
               <a:latin typeface="メイリオ" panose="020B0604030504040204" pitchFamily="50" charset="-128"/>
@@ -12737,15 +12756,7 @@
                 <a:ea typeface="メイリオ" panose="020B0604030504040204" pitchFamily="50" charset="-128"/>
                 <a:cs typeface="メイリオ" panose="020B0604030504040204" pitchFamily="50" charset="-128"/>
               </a:rPr>
-              <a:t>もちょっと触って</a:t>
-            </a:r>
-            <a:r>
-              <a:rPr lang="ja-JP" altLang="en-US" dirty="0" smtClean="0">
-                <a:latin typeface="メイリオ" panose="020B0604030504040204" pitchFamily="50" charset="-128"/>
-                <a:ea typeface="メイリオ" panose="020B0604030504040204" pitchFamily="50" charset="-128"/>
-                <a:cs typeface="メイリオ" panose="020B0604030504040204" pitchFamily="50" charset="-128"/>
-              </a:rPr>
-              <a:t>みたい</a:t>
+              <a:t>もちょっと触ってみたい</a:t>
             </a:r>
             <a:endParaRPr lang="en-US" altLang="ja-JP" dirty="0" smtClean="0">
               <a:latin typeface="メイリオ" panose="020B0604030504040204" pitchFamily="50" charset="-128"/>
@@ -12773,17 +12784,9 @@
                 <a:ea typeface="メイリオ" panose="020B0604030504040204" pitchFamily="50" charset="-128"/>
                 <a:cs typeface="メイリオ" panose="020B0604030504040204" pitchFamily="50" charset="-128"/>
               </a:rPr>
-              <a:t>・</a:t>
-            </a:r>
-            <a:r>
-              <a:rPr lang="ja-JP" altLang="en-US" strike="sngStrike" dirty="0" smtClean="0">
-                <a:latin typeface="メイリオ" panose="020B0604030504040204" pitchFamily="50" charset="-128"/>
-                <a:ea typeface="メイリオ" panose="020B0604030504040204" pitchFamily="50" charset="-128"/>
-                <a:cs typeface="メイリオ" panose="020B0604030504040204" pitchFamily="50" charset="-128"/>
-              </a:rPr>
-              <a:t>ウガンダに募金</a:t>
-            </a:r>
-            <a:endParaRPr lang="en-US" altLang="ja-JP" strike="sngStrike" dirty="0" smtClean="0">
+              <a:t>・ウガンダに募金</a:t>
+            </a:r>
+            <a:endParaRPr lang="en-US" altLang="ja-JP" dirty="0" smtClean="0">
               <a:latin typeface="メイリオ" panose="020B0604030504040204" pitchFamily="50" charset="-128"/>
               <a:ea typeface="メイリオ" panose="020B0604030504040204" pitchFamily="50" charset="-128"/>
               <a:cs typeface="メイリオ" panose="020B0604030504040204" pitchFamily="50" charset="-128"/>
@@ -13909,15 +13912,7 @@
                 <a:ea typeface="メイリオ" panose="020B0604030504040204" pitchFamily="50" charset="-128"/>
                 <a:cs typeface="メイリオ" panose="020B0604030504040204" pitchFamily="50" charset="-128"/>
               </a:rPr>
-              <a:t>・開発</a:t>
-            </a:r>
-            <a:r>
-              <a:rPr lang="ja-JP" altLang="en-US" sz="3600" b="1" dirty="0" smtClean="0">
-                <a:latin typeface="メイリオ" panose="020B0604030504040204" pitchFamily="50" charset="-128"/>
-                <a:ea typeface="メイリオ" panose="020B0604030504040204" pitchFamily="50" charset="-128"/>
-                <a:cs typeface="メイリオ" panose="020B0604030504040204" pitchFamily="50" charset="-128"/>
-              </a:rPr>
-              <a:t>環境を色々整備するのは</a:t>
+              <a:t>・開発環境を色々整備するのは</a:t>
             </a:r>
             <a:endParaRPr lang="en-US" altLang="ja-JP" sz="3600" b="1" dirty="0" smtClean="0">
               <a:latin typeface="メイリオ" panose="020B0604030504040204" pitchFamily="50" charset="-128"/>
@@ -14346,36 +14341,6 @@
           </a:p>
         </p:txBody>
       </p:sp>
-      <p:pic>
-        <p:nvPicPr>
-          <p:cNvPr id="2" name="図 1"/>
-          <p:cNvPicPr>
-            <a:picLocks noChangeAspect="1"/>
-          </p:cNvPicPr>
-          <p:nvPr/>
-        </p:nvPicPr>
-        <p:blipFill>
-          <a:blip r:embed="rId2">
-            <a:extLst>
-              <a:ext uri="{28A0092B-C50C-407E-A947-70E740481C1C}">
-                <a14:useLocalDpi xmlns:a14="http://schemas.microsoft.com/office/drawing/2010/main" val="0"/>
-              </a:ext>
-            </a:extLst>
-          </a:blip>
-          <a:stretch>
-            <a:fillRect/>
-          </a:stretch>
-        </p:blipFill>
-        <p:spPr>
-          <a:xfrm>
-            <a:off x="3238500" y="2000250"/>
-            <a:ext cx="2667000" cy="2857500"/>
-          </a:xfrm>
-          <a:prstGeom prst="rect">
-            <a:avLst/>
-          </a:prstGeom>
-        </p:spPr>
-      </p:pic>
     </p:spTree>
     <p:extLst>
       <p:ext uri="{BB962C8B-B14F-4D97-AF65-F5344CB8AC3E}">
@@ -14688,32 +14653,6 @@
                 <a:ea typeface="メイリオ" panose="020B0604030504040204" pitchFamily="50" charset="-128"/>
                 <a:cs typeface="メイリオ" panose="020B0604030504040204" pitchFamily="50" charset="-128"/>
               </a:rPr>
-              <a:t>teraterm</a:t>
-            </a:r>
-            <a:r>
-              <a:rPr lang="ja-JP" altLang="en-US" dirty="0" smtClean="0">
-                <a:latin typeface="メイリオ" panose="020B0604030504040204" pitchFamily="50" charset="-128"/>
-                <a:ea typeface="メイリオ" panose="020B0604030504040204" pitchFamily="50" charset="-128"/>
-                <a:cs typeface="メイリオ" panose="020B0604030504040204" pitchFamily="50" charset="-128"/>
-              </a:rPr>
-              <a:t>を使って</a:t>
-            </a:r>
-            <a:endParaRPr lang="en-US" altLang="ja-JP" dirty="0" smtClean="0">
-              <a:latin typeface="メイリオ" panose="020B0604030504040204" pitchFamily="50" charset="-128"/>
-              <a:ea typeface="メイリオ" panose="020B0604030504040204" pitchFamily="50" charset="-128"/>
-              <a:cs typeface="メイリオ" panose="020B0604030504040204" pitchFamily="50" charset="-128"/>
-            </a:endParaRPr>
-          </a:p>
-          <a:p>
-            <a:pPr marL="82296" indent="0">
-              <a:buNone/>
-            </a:pPr>
-            <a:r>
-              <a:rPr lang="en-US" altLang="ja-JP" dirty="0" err="1" smtClean="0">
-                <a:latin typeface="メイリオ" panose="020B0604030504040204" pitchFamily="50" charset="-128"/>
-                <a:ea typeface="メイリオ" panose="020B0604030504040204" pitchFamily="50" charset="-128"/>
-                <a:cs typeface="メイリオ" panose="020B0604030504040204" pitchFamily="50" charset="-128"/>
-              </a:rPr>
               <a:t>unix</a:t>
             </a:r>
             <a:r>
@@ -14738,7 +14677,7 @@
                 <a:ea typeface="メイリオ" panose="020B0604030504040204" pitchFamily="50" charset="-128"/>
                 <a:cs typeface="メイリオ" panose="020B0604030504040204" pitchFamily="50" charset="-128"/>
               </a:rPr>
-              <a:t>に触る機会があった</a:t>
+              <a:t>を触った</a:t>
             </a:r>
             <a:endParaRPr lang="en-US" altLang="ja-JP" dirty="0" smtClean="0">
               <a:latin typeface="メイリオ" panose="020B0604030504040204" pitchFamily="50" charset="-128"/>
@@ -14940,37 +14879,6 @@
           <a:chExt cx="0" cy="0"/>
         </a:xfrm>
       </p:grpSpPr>
-      <p:sp>
-        <p:nvSpPr>
-          <p:cNvPr id="2" name="タイトル 1"/>
-          <p:cNvSpPr>
-            <a:spLocks noGrp="1"/>
-          </p:cNvSpPr>
-          <p:nvPr>
-            <p:ph type="title"/>
-          </p:nvPr>
-        </p:nvSpPr>
-        <p:spPr/>
-        <p:txBody>
-          <a:bodyPr/>
-          <a:lstStyle/>
-          <a:p>
-            <a:r>
-              <a:rPr kumimoji="1" lang="ja-JP" altLang="en-US" dirty="0" smtClean="0">
-                <a:latin typeface="メイリオ" panose="020B0604030504040204" pitchFamily="50" charset="-128"/>
-                <a:ea typeface="メイリオ" panose="020B0604030504040204" pitchFamily="50" charset="-128"/>
-                <a:cs typeface="メイリオ" panose="020B0604030504040204" pitchFamily="50" charset="-128"/>
-              </a:rPr>
-              <a:t>背景</a:t>
-            </a:r>
-            <a:endParaRPr kumimoji="1" lang="ja-JP" altLang="en-US" dirty="0">
-              <a:latin typeface="メイリオ" panose="020B0604030504040204" pitchFamily="50" charset="-128"/>
-              <a:ea typeface="メイリオ" panose="020B0604030504040204" pitchFamily="50" charset="-128"/>
-              <a:cs typeface="メイリオ" panose="020B0604030504040204" pitchFamily="50" charset="-128"/>
-            </a:endParaRPr>
-          </a:p>
-        </p:txBody>
-      </p:sp>
       <p:sp>
         <p:nvSpPr>
           <p:cNvPr id="7" name="コンテンツ プレースホルダー 2"/>
@@ -15098,37 +15006,6 @@
           <a:chExt cx="0" cy="0"/>
         </a:xfrm>
       </p:grpSpPr>
-      <p:sp>
-        <p:nvSpPr>
-          <p:cNvPr id="2" name="タイトル 1"/>
-          <p:cNvSpPr>
-            <a:spLocks noGrp="1"/>
-          </p:cNvSpPr>
-          <p:nvPr>
-            <p:ph type="title"/>
-          </p:nvPr>
-        </p:nvSpPr>
-        <p:spPr/>
-        <p:txBody>
-          <a:bodyPr/>
-          <a:lstStyle/>
-          <a:p>
-            <a:r>
-              <a:rPr kumimoji="1" lang="ja-JP" altLang="en-US" dirty="0" smtClean="0">
-                <a:latin typeface="メイリオ" panose="020B0604030504040204" pitchFamily="50" charset="-128"/>
-                <a:ea typeface="メイリオ" panose="020B0604030504040204" pitchFamily="50" charset="-128"/>
-                <a:cs typeface="メイリオ" panose="020B0604030504040204" pitchFamily="50" charset="-128"/>
-              </a:rPr>
-              <a:t>背景</a:t>
-            </a:r>
-            <a:endParaRPr kumimoji="1" lang="ja-JP" altLang="en-US" dirty="0">
-              <a:latin typeface="メイリオ" panose="020B0604030504040204" pitchFamily="50" charset="-128"/>
-              <a:ea typeface="メイリオ" panose="020B0604030504040204" pitchFamily="50" charset="-128"/>
-              <a:cs typeface="メイリオ" panose="020B0604030504040204" pitchFamily="50" charset="-128"/>
-            </a:endParaRPr>
-          </a:p>
-        </p:txBody>
-      </p:sp>
       <p:sp>
         <p:nvSpPr>
           <p:cNvPr id="7" name="コンテンツ プレースホルダー 2"/>
